--- a/slides/C24_Introdução.pptx
+++ b/slides/C24_Introdução.pptx
@@ -5,23 +5,25 @@
     <p:sldMasterId id="2147483648" r:id="rId1"/>
   </p:sldMasterIdLst>
   <p:notesMasterIdLst>
-    <p:notesMasterId r:id="rId13"/>
+    <p:notesMasterId r:id="rId15"/>
   </p:notesMasterIdLst>
   <p:handoutMasterIdLst>
-    <p:handoutMasterId r:id="rId14"/>
+    <p:handoutMasterId r:id="rId16"/>
   </p:handoutMasterIdLst>
   <p:sldIdLst>
     <p:sldId id="256" r:id="rId2"/>
     <p:sldId id="307" r:id="rId3"/>
-    <p:sldId id="308" r:id="rId4"/>
-    <p:sldId id="309" r:id="rId5"/>
-    <p:sldId id="310" r:id="rId6"/>
-    <p:sldId id="311" r:id="rId7"/>
-    <p:sldId id="312" r:id="rId8"/>
-    <p:sldId id="313" r:id="rId9"/>
-    <p:sldId id="293" r:id="rId10"/>
-    <p:sldId id="314" r:id="rId11"/>
-    <p:sldId id="306" r:id="rId12"/>
+    <p:sldId id="316" r:id="rId4"/>
+    <p:sldId id="315" r:id="rId5"/>
+    <p:sldId id="308" r:id="rId6"/>
+    <p:sldId id="309" r:id="rId7"/>
+    <p:sldId id="310" r:id="rId8"/>
+    <p:sldId id="311" r:id="rId9"/>
+    <p:sldId id="312" r:id="rId10"/>
+    <p:sldId id="313" r:id="rId11"/>
+    <p:sldId id="293" r:id="rId12"/>
+    <p:sldId id="314" r:id="rId13"/>
+    <p:sldId id="306" r:id="rId14"/>
   </p:sldIdLst>
   <p:sldSz cx="12192000" cy="6858000"/>
   <p:notesSz cx="7315200" cy="9601200"/>
@@ -285,7 +287,7 @@
           <a:p>
             <a:fld id="{144F1436-6906-4D93-B7A2-786C327BFA14}" type="datetimeFigureOut">
               <a:rPr lang="nl-BE" smtClean="0"/>
-              <a:t>6/01/2026</a:t>
+              <a:t>7/01/2026</a:t>
             </a:fld>
             <a:endParaRPr lang="nl-BE"/>
           </a:p>
@@ -450,7 +452,7 @@
           <a:p>
             <a:fld id="{AA8CD09E-2914-4F47-B6C1-51B2C31814C9}" type="datetimeFigureOut">
               <a:rPr lang="pt-BR" smtClean="0"/>
-              <a:t>06/01/2026</a:t>
+              <a:t>07/01/2026</a:t>
             </a:fld>
             <a:endParaRPr lang="pt-BR"/>
           </a:p>
@@ -801,6 +803,90 @@
 </p:notes>
 </file>
 
+<file path=ppt/notesSlides/notesSlide2.xml><?xml version="1.0" encoding="utf-8"?>
+<p:notes xmlns:a="http://schemas.openxmlformats.org/drawingml/2006/main" xmlns:r="http://schemas.openxmlformats.org/officeDocument/2006/relationships" xmlns:p="http://schemas.openxmlformats.org/presentationml/2006/main">
+  <p:cSld>
+    <p:spTree>
+      <p:nvGrpSpPr>
+        <p:cNvPr id="1" name=""/>
+        <p:cNvGrpSpPr/>
+        <p:nvPr/>
+      </p:nvGrpSpPr>
+      <p:grpSpPr>
+        <a:xfrm>
+          <a:off x="0" y="0"/>
+          <a:ext cx="0" cy="0"/>
+          <a:chOff x="0" y="0"/>
+          <a:chExt cx="0" cy="0"/>
+        </a:xfrm>
+      </p:grpSpPr>
+      <p:sp>
+        <p:nvSpPr>
+          <p:cNvPr id="2" name="Espaço Reservado para Imagem de Slide 1"/>
+          <p:cNvSpPr>
+            <a:spLocks noGrp="1" noRot="1" noChangeAspect="1"/>
+          </p:cNvSpPr>
+          <p:nvPr>
+            <p:ph type="sldImg"/>
+          </p:nvPr>
+        </p:nvSpPr>
+        <p:spPr/>
+      </p:sp>
+      <p:sp>
+        <p:nvSpPr>
+          <p:cNvPr id="3" name="Espaço Reservado para Anotações 2"/>
+          <p:cNvSpPr>
+            <a:spLocks noGrp="1"/>
+          </p:cNvSpPr>
+          <p:nvPr>
+            <p:ph type="body" idx="1"/>
+          </p:nvPr>
+        </p:nvSpPr>
+        <p:spPr/>
+        <p:txBody>
+          <a:bodyPr/>
+          <a:lstStyle/>
+          <a:p>
+            <a:endParaRPr lang="pt-BR" dirty="0"/>
+          </a:p>
+        </p:txBody>
+      </p:sp>
+      <p:sp>
+        <p:nvSpPr>
+          <p:cNvPr id="4" name="Espaço Reservado para Número de Slide 3"/>
+          <p:cNvSpPr>
+            <a:spLocks noGrp="1"/>
+          </p:cNvSpPr>
+          <p:nvPr>
+            <p:ph type="sldNum" sz="quarter" idx="10"/>
+          </p:nvPr>
+        </p:nvSpPr>
+        <p:spPr/>
+        <p:txBody>
+          <a:bodyPr/>
+          <a:lstStyle/>
+          <a:p>
+            <a:fld id="{6FC8D850-966F-45A6-8DE7-15B891E7D40D}" type="slidenum">
+              <a:rPr lang="pt-BR" smtClean="0"/>
+              <a:t>3</a:t>
+            </a:fld>
+            <a:endParaRPr lang="pt-BR"/>
+          </a:p>
+        </p:txBody>
+      </p:sp>
+    </p:spTree>
+    <p:extLst>
+      <p:ext uri="{BB962C8B-B14F-4D97-AF65-F5344CB8AC3E}">
+        <p14:creationId xmlns:p14="http://schemas.microsoft.com/office/powerpoint/2010/main" val="53239602"/>
+      </p:ext>
+    </p:extLst>
+  </p:cSld>
+  <p:clrMapOvr>
+    <a:masterClrMapping/>
+  </p:clrMapOvr>
+</p:notes>
+</file>
+
 <file path=ppt/slideLayouts/slideLayout1.xml><?xml version="1.0" encoding="utf-8"?>
 <p:sldLayout xmlns:a="http://schemas.openxmlformats.org/drawingml/2006/main" xmlns:r="http://schemas.openxmlformats.org/officeDocument/2006/relationships" xmlns:p="http://schemas.openxmlformats.org/presentationml/2006/main" type="title" preserve="1">
   <p:cSld name="Slide de Título">
@@ -948,7 +1034,7 @@
           <a:p>
             <a:fld id="{63289F7E-B80B-496E-81B4-D396C37C9454}" type="datetimeFigureOut">
               <a:rPr lang="pt-BR" smtClean="0"/>
-              <a:t>06/01/2026</a:t>
+              <a:t>07/01/2026</a:t>
             </a:fld>
             <a:endParaRPr lang="pt-BR"/>
           </a:p>
@@ -1146,7 +1232,7 @@
           <a:p>
             <a:fld id="{63289F7E-B80B-496E-81B4-D396C37C9454}" type="datetimeFigureOut">
               <a:rPr lang="pt-BR" smtClean="0"/>
-              <a:t>06/01/2026</a:t>
+              <a:t>07/01/2026</a:t>
             </a:fld>
             <a:endParaRPr lang="pt-BR"/>
           </a:p>
@@ -1354,7 +1440,7 @@
           <a:p>
             <a:fld id="{63289F7E-B80B-496E-81B4-D396C37C9454}" type="datetimeFigureOut">
               <a:rPr lang="pt-BR" smtClean="0"/>
-              <a:t>06/01/2026</a:t>
+              <a:t>07/01/2026</a:t>
             </a:fld>
             <a:endParaRPr lang="pt-BR"/>
           </a:p>
@@ -1552,7 +1638,7 @@
           <a:p>
             <a:fld id="{63289F7E-B80B-496E-81B4-D396C37C9454}" type="datetimeFigureOut">
               <a:rPr lang="pt-BR" smtClean="0"/>
-              <a:t>06/01/2026</a:t>
+              <a:t>07/01/2026</a:t>
             </a:fld>
             <a:endParaRPr lang="pt-BR"/>
           </a:p>
@@ -1827,7 +1913,7 @@
           <a:p>
             <a:fld id="{63289F7E-B80B-496E-81B4-D396C37C9454}" type="datetimeFigureOut">
               <a:rPr lang="pt-BR" smtClean="0"/>
-              <a:t>06/01/2026</a:t>
+              <a:t>07/01/2026</a:t>
             </a:fld>
             <a:endParaRPr lang="pt-BR"/>
           </a:p>
@@ -2092,7 +2178,7 @@
           <a:p>
             <a:fld id="{63289F7E-B80B-496E-81B4-D396C37C9454}" type="datetimeFigureOut">
               <a:rPr lang="pt-BR" smtClean="0"/>
-              <a:t>06/01/2026</a:t>
+              <a:t>07/01/2026</a:t>
             </a:fld>
             <a:endParaRPr lang="pt-BR"/>
           </a:p>
@@ -2504,7 +2590,7 @@
           <a:p>
             <a:fld id="{63289F7E-B80B-496E-81B4-D396C37C9454}" type="datetimeFigureOut">
               <a:rPr lang="pt-BR" smtClean="0"/>
-              <a:t>06/01/2026</a:t>
+              <a:t>07/01/2026</a:t>
             </a:fld>
             <a:endParaRPr lang="pt-BR"/>
           </a:p>
@@ -2645,7 +2731,7 @@
           <a:p>
             <a:fld id="{63289F7E-B80B-496E-81B4-D396C37C9454}" type="datetimeFigureOut">
               <a:rPr lang="pt-BR" smtClean="0"/>
-              <a:t>06/01/2026</a:t>
+              <a:t>07/01/2026</a:t>
             </a:fld>
             <a:endParaRPr lang="pt-BR"/>
           </a:p>
@@ -2758,7 +2844,7 @@
           <a:p>
             <a:fld id="{63289F7E-B80B-496E-81B4-D396C37C9454}" type="datetimeFigureOut">
               <a:rPr lang="pt-BR" smtClean="0"/>
-              <a:t>06/01/2026</a:t>
+              <a:t>07/01/2026</a:t>
             </a:fld>
             <a:endParaRPr lang="pt-BR"/>
           </a:p>
@@ -3069,7 +3155,7 @@
           <a:p>
             <a:fld id="{63289F7E-B80B-496E-81B4-D396C37C9454}" type="datetimeFigureOut">
               <a:rPr lang="pt-BR" smtClean="0"/>
-              <a:t>06/01/2026</a:t>
+              <a:t>07/01/2026</a:t>
             </a:fld>
             <a:endParaRPr lang="pt-BR"/>
           </a:p>
@@ -3357,7 +3443,7 @@
           <a:p>
             <a:fld id="{63289F7E-B80B-496E-81B4-D396C37C9454}" type="datetimeFigureOut">
               <a:rPr lang="pt-BR" smtClean="0"/>
-              <a:t>06/01/2026</a:t>
+              <a:t>07/01/2026</a:t>
             </a:fld>
             <a:endParaRPr lang="pt-BR"/>
           </a:p>
@@ -3598,7 +3684,7 @@
           <a:p>
             <a:fld id="{63289F7E-B80B-496E-81B4-D396C37C9454}" type="datetimeFigureOut">
               <a:rPr lang="pt-BR" smtClean="0"/>
-              <a:t>06/01/2026</a:t>
+              <a:t>07/01/2026</a:t>
             </a:fld>
             <a:endParaRPr lang="pt-BR"/>
           </a:p>
@@ -4245,7 +4331,7 @@
           <p:cNvPr id="2" name="Título 1">
             <a:extLst>
               <a:ext uri="{FF2B5EF4-FFF2-40B4-BE49-F238E27FC236}">
-                <a16:creationId xmlns:a16="http://schemas.microsoft.com/office/drawing/2014/main" xmlns="" id="{3CA32550-8C76-B013-2EC7-989D8C3B19BE}"/>
+                <a16:creationId xmlns:a16="http://schemas.microsoft.com/office/drawing/2014/main" xmlns="" id="{B7EBC8F7-03EF-338A-A90B-280A41AF9688}"/>
               </a:ext>
             </a:extLst>
           </p:cNvPr>
@@ -4263,7 +4349,7 @@
           <a:p>
             <a:r>
               <a:rPr lang="pt-BR" dirty="0"/>
-              <a:t>Referências</a:t>
+              <a:t>Comparação com outros algoritmos</a:t>
             </a:r>
           </a:p>
         </p:txBody>
@@ -4273,7 +4359,7 @@
           <p:cNvPr id="3" name="Espaço Reservado para Conteúdo 2">
             <a:extLst>
               <a:ext uri="{FF2B5EF4-FFF2-40B4-BE49-F238E27FC236}">
-                <a16:creationId xmlns:a16="http://schemas.microsoft.com/office/drawing/2014/main" xmlns="" id="{EF043237-7757-7557-B63E-D4EB5152D44B}"/>
+                <a16:creationId xmlns:a16="http://schemas.microsoft.com/office/drawing/2014/main" xmlns="" id="{C525BCE7-C19D-7DDA-016A-E3016C398CBA}"/>
               </a:ext>
             </a:extLst>
           </p:cNvPr>
@@ -4296,7 +4382,7 @@
     </p:spTree>
     <p:extLst>
       <p:ext uri="{BB962C8B-B14F-4D97-AF65-F5344CB8AC3E}">
-        <p14:creationId xmlns:p14="http://schemas.microsoft.com/office/powerpoint/2010/main" val="1787264919"/>
+        <p14:creationId xmlns:p14="http://schemas.microsoft.com/office/powerpoint/2010/main" val="3601469261"/>
       </p:ext>
     </p:extLst>
   </p:cSld>
@@ -4373,7 +4459,7 @@
             <a:pPr algn="ctr"/>
             <a:r>
               <a:rPr lang="pt-BR" sz="6600" dirty="0"/>
-              <a:t>Obrigado!</a:t>
+              <a:t>Perguntas?</a:t>
             </a:r>
             <a:endParaRPr lang="pt-BR" sz="6600" b="1" i="1" dirty="0"/>
           </a:p>
@@ -4382,7 +4468,7 @@
     </p:spTree>
     <p:extLst>
       <p:ext uri="{BB962C8B-B14F-4D97-AF65-F5344CB8AC3E}">
-        <p14:creationId xmlns:p14="http://schemas.microsoft.com/office/powerpoint/2010/main" val="2655704619"/>
+        <p14:creationId xmlns:p14="http://schemas.microsoft.com/office/powerpoint/2010/main" val="3773005660"/>
       </p:ext>
     </p:extLst>
   </p:cSld>
@@ -4392,7 +4478,7 @@
 </p:sld>
 </file>
 
-<file path=ppt/slides/slide2.xml><?xml version="1.0" encoding="utf-8"?>
+<file path=ppt/slides/slide12.xml><?xml version="1.0" encoding="utf-8"?>
 <p:sld xmlns:a="http://schemas.openxmlformats.org/drawingml/2006/main" xmlns:r="http://schemas.openxmlformats.org/officeDocument/2006/relationships" xmlns:p="http://schemas.openxmlformats.org/presentationml/2006/main">
   <p:cSld>
     <p:spTree>
@@ -4414,7 +4500,7 @@
           <p:cNvPr id="2" name="Título 1">
             <a:extLst>
               <a:ext uri="{FF2B5EF4-FFF2-40B4-BE49-F238E27FC236}">
-                <a16:creationId xmlns:a16="http://schemas.microsoft.com/office/drawing/2014/main" xmlns="" id="{7F5FF925-67DE-CC62-E869-C6E3C1D771E6}"/>
+                <a16:creationId xmlns:a16="http://schemas.microsoft.com/office/drawing/2014/main" xmlns="" id="{3CA32550-8C76-B013-2EC7-989D8C3B19BE}"/>
               </a:ext>
             </a:extLst>
           </p:cNvPr>
@@ -4432,7 +4518,7 @@
           <a:p>
             <a:r>
               <a:rPr lang="pt-BR" dirty="0"/>
-              <a:t>Introdução</a:t>
+              <a:t>Referências</a:t>
             </a:r>
           </a:p>
         </p:txBody>
@@ -4442,7 +4528,7 @@
           <p:cNvPr id="3" name="Espaço Reservado para Conteúdo 2">
             <a:extLst>
               <a:ext uri="{FF2B5EF4-FFF2-40B4-BE49-F238E27FC236}">
-                <a16:creationId xmlns:a16="http://schemas.microsoft.com/office/drawing/2014/main" xmlns="" id="{7DA84068-671A-9D40-4F76-2C57E4F720C2}"/>
+                <a16:creationId xmlns:a16="http://schemas.microsoft.com/office/drawing/2014/main" xmlns="" id="{EF043237-7757-7557-B63E-D4EB5152D44B}"/>
               </a:ext>
             </a:extLst>
           </p:cNvPr>
@@ -4458,104 +4544,14 @@
           <a:bodyPr/>
           <a:lstStyle/>
           <a:p>
-            <a:endParaRPr lang="pt-BR" dirty="0"/>
+            <a:endParaRPr lang="pt-BR"/>
           </a:p>
         </p:txBody>
       </p:sp>
     </p:spTree>
     <p:extLst>
       <p:ext uri="{BB962C8B-B14F-4D97-AF65-F5344CB8AC3E}">
-        <p14:creationId xmlns:p14="http://schemas.microsoft.com/office/powerpoint/2010/main" val="364118245"/>
-      </p:ext>
-    </p:extLst>
-  </p:cSld>
-  <p:clrMapOvr>
-    <a:masterClrMapping/>
-  </p:clrMapOvr>
-  <p:timing>
-    <p:tnLst>
-      <p:par>
-        <p:cTn id="1" dur="indefinite" restart="never" nodeType="tmRoot"/>
-      </p:par>
-    </p:tnLst>
-  </p:timing>
-</p:sld>
-</file>
-
-<file path=ppt/slides/slide3.xml><?xml version="1.0" encoding="utf-8"?>
-<p:sld xmlns:a="http://schemas.openxmlformats.org/drawingml/2006/main" xmlns:r="http://schemas.openxmlformats.org/officeDocument/2006/relationships" xmlns:p="http://schemas.openxmlformats.org/presentationml/2006/main">
-  <p:cSld>
-    <p:spTree>
-      <p:nvGrpSpPr>
-        <p:cNvPr id="1" name=""/>
-        <p:cNvGrpSpPr/>
-        <p:nvPr/>
-      </p:nvGrpSpPr>
-      <p:grpSpPr>
-        <a:xfrm>
-          <a:off x="0" y="0"/>
-          <a:ext cx="0" cy="0"/>
-          <a:chOff x="0" y="0"/>
-          <a:chExt cx="0" cy="0"/>
-        </a:xfrm>
-      </p:grpSpPr>
-      <p:sp>
-        <p:nvSpPr>
-          <p:cNvPr id="2" name="Título 1">
-            <a:extLst>
-              <a:ext uri="{FF2B5EF4-FFF2-40B4-BE49-F238E27FC236}">
-                <a16:creationId xmlns:a16="http://schemas.microsoft.com/office/drawing/2014/main" xmlns="" id="{94AB8438-E56E-2412-517C-8456E4CA773C}"/>
-              </a:ext>
-            </a:extLst>
-          </p:cNvPr>
-          <p:cNvSpPr>
-            <a:spLocks noGrp="1"/>
-          </p:cNvSpPr>
-          <p:nvPr>
-            <p:ph type="title"/>
-          </p:nvPr>
-        </p:nvSpPr>
-        <p:spPr/>
-        <p:txBody>
-          <a:bodyPr/>
-          <a:lstStyle/>
-          <a:p>
-            <a:r>
-              <a:rPr lang="pt-BR" dirty="0"/>
-              <a:t>Fundamentação teórica</a:t>
-            </a:r>
-          </a:p>
-        </p:txBody>
-      </p:sp>
-      <p:sp>
-        <p:nvSpPr>
-          <p:cNvPr id="3" name="Espaço Reservado para Conteúdo 2">
-            <a:extLst>
-              <a:ext uri="{FF2B5EF4-FFF2-40B4-BE49-F238E27FC236}">
-                <a16:creationId xmlns:a16="http://schemas.microsoft.com/office/drawing/2014/main" xmlns="" id="{F7E2B09C-6D56-4C9F-A364-B904CCE2F1A0}"/>
-              </a:ext>
-            </a:extLst>
-          </p:cNvPr>
-          <p:cNvSpPr>
-            <a:spLocks noGrp="1"/>
-          </p:cNvSpPr>
-          <p:nvPr>
-            <p:ph idx="1"/>
-          </p:nvPr>
-        </p:nvSpPr>
-        <p:spPr/>
-        <p:txBody>
-          <a:bodyPr/>
-          <a:lstStyle/>
-          <a:p>
-            <a:endParaRPr lang="pt-BR"/>
-          </a:p>
-        </p:txBody>
-      </p:sp>
-    </p:spTree>
-    <p:extLst>
-      <p:ext uri="{BB962C8B-B14F-4D97-AF65-F5344CB8AC3E}">
-        <p14:creationId xmlns:p14="http://schemas.microsoft.com/office/powerpoint/2010/main" val="3187071590"/>
+        <p14:creationId xmlns:p14="http://schemas.microsoft.com/office/powerpoint/2010/main" val="1787264919"/>
       </p:ext>
     </p:extLst>
   </p:cSld>
@@ -4565,434 +4561,7 @@
 </p:sld>
 </file>
 
-<file path=ppt/slides/slide4.xml><?xml version="1.0" encoding="utf-8"?>
-<p:sld xmlns:a="http://schemas.openxmlformats.org/drawingml/2006/main" xmlns:r="http://schemas.openxmlformats.org/officeDocument/2006/relationships" xmlns:p="http://schemas.openxmlformats.org/presentationml/2006/main">
-  <p:cSld>
-    <p:spTree>
-      <p:nvGrpSpPr>
-        <p:cNvPr id="1" name=""/>
-        <p:cNvGrpSpPr/>
-        <p:nvPr/>
-      </p:nvGrpSpPr>
-      <p:grpSpPr>
-        <a:xfrm>
-          <a:off x="0" y="0"/>
-          <a:ext cx="0" cy="0"/>
-          <a:chOff x="0" y="0"/>
-          <a:chExt cx="0" cy="0"/>
-        </a:xfrm>
-      </p:grpSpPr>
-      <p:sp>
-        <p:nvSpPr>
-          <p:cNvPr id="2" name="Título 1">
-            <a:extLst>
-              <a:ext uri="{FF2B5EF4-FFF2-40B4-BE49-F238E27FC236}">
-                <a16:creationId xmlns:a16="http://schemas.microsoft.com/office/drawing/2014/main" xmlns="" id="{083FFF02-0FC8-9F0B-AAB0-565FC99EA70D}"/>
-              </a:ext>
-            </a:extLst>
-          </p:cNvPr>
-          <p:cNvSpPr>
-            <a:spLocks noGrp="1"/>
-          </p:cNvSpPr>
-          <p:nvPr>
-            <p:ph type="title"/>
-          </p:nvPr>
-        </p:nvSpPr>
-        <p:spPr/>
-        <p:txBody>
-          <a:bodyPr/>
-          <a:lstStyle/>
-          <a:p>
-            <a:r>
-              <a:rPr lang="pt-BR" dirty="0"/>
-              <a:t>Arquitetura e funcionamento</a:t>
-            </a:r>
-          </a:p>
-        </p:txBody>
-      </p:sp>
-      <p:sp>
-        <p:nvSpPr>
-          <p:cNvPr id="3" name="Espaço Reservado para Conteúdo 2">
-            <a:extLst>
-              <a:ext uri="{FF2B5EF4-FFF2-40B4-BE49-F238E27FC236}">
-                <a16:creationId xmlns:a16="http://schemas.microsoft.com/office/drawing/2014/main" xmlns="" id="{8C5488AE-34B4-EF1D-F674-507FF2FCD122}"/>
-              </a:ext>
-            </a:extLst>
-          </p:cNvPr>
-          <p:cNvSpPr>
-            <a:spLocks noGrp="1"/>
-          </p:cNvSpPr>
-          <p:nvPr>
-            <p:ph idx="1"/>
-          </p:nvPr>
-        </p:nvSpPr>
-        <p:spPr/>
-        <p:txBody>
-          <a:bodyPr/>
-          <a:lstStyle/>
-          <a:p>
-            <a:endParaRPr lang="pt-BR"/>
-          </a:p>
-        </p:txBody>
-      </p:sp>
-    </p:spTree>
-    <p:extLst>
-      <p:ext uri="{BB962C8B-B14F-4D97-AF65-F5344CB8AC3E}">
-        <p14:creationId xmlns:p14="http://schemas.microsoft.com/office/powerpoint/2010/main" val="1547259554"/>
-      </p:ext>
-    </p:extLst>
-  </p:cSld>
-  <p:clrMapOvr>
-    <a:masterClrMapping/>
-  </p:clrMapOvr>
-</p:sld>
-</file>
-
-<file path=ppt/slides/slide5.xml><?xml version="1.0" encoding="utf-8"?>
-<p:sld xmlns:a="http://schemas.openxmlformats.org/drawingml/2006/main" xmlns:r="http://schemas.openxmlformats.org/officeDocument/2006/relationships" xmlns:p="http://schemas.openxmlformats.org/presentationml/2006/main">
-  <p:cSld>
-    <p:spTree>
-      <p:nvGrpSpPr>
-        <p:cNvPr id="1" name="">
-          <a:extLst>
-            <a:ext uri="{FF2B5EF4-FFF2-40B4-BE49-F238E27FC236}">
-              <a16:creationId xmlns:a16="http://schemas.microsoft.com/office/drawing/2014/main" xmlns="" id="{E1C9F56A-97FC-7CCD-E5BA-3B5E230AD9AB}"/>
-            </a:ext>
-          </a:extLst>
-        </p:cNvPr>
-        <p:cNvGrpSpPr/>
-        <p:nvPr/>
-      </p:nvGrpSpPr>
-      <p:grpSpPr>
-        <a:xfrm>
-          <a:off x="0" y="0"/>
-          <a:ext cx="0" cy="0"/>
-          <a:chOff x="0" y="0"/>
-          <a:chExt cx="0" cy="0"/>
-        </a:xfrm>
-      </p:grpSpPr>
-      <p:sp>
-        <p:nvSpPr>
-          <p:cNvPr id="2" name="Título 1">
-            <a:extLst>
-              <a:ext uri="{FF2B5EF4-FFF2-40B4-BE49-F238E27FC236}">
-                <a16:creationId xmlns:a16="http://schemas.microsoft.com/office/drawing/2014/main" xmlns="" id="{A979DAB9-0612-F0CD-7BB1-AF52B98B3210}"/>
-              </a:ext>
-            </a:extLst>
-          </p:cNvPr>
-          <p:cNvSpPr>
-            <a:spLocks noGrp="1"/>
-          </p:cNvSpPr>
-          <p:nvPr>
-            <p:ph type="title"/>
-          </p:nvPr>
-        </p:nvSpPr>
-        <p:spPr/>
-        <p:txBody>
-          <a:bodyPr/>
-          <a:lstStyle/>
-          <a:p>
-            <a:r>
-              <a:rPr lang="pt-BR" dirty="0"/>
-              <a:t>Treinamento e otimização</a:t>
-            </a:r>
-          </a:p>
-        </p:txBody>
-      </p:sp>
-      <p:sp>
-        <p:nvSpPr>
-          <p:cNvPr id="3" name="Espaço Reservado para Conteúdo 2">
-            <a:extLst>
-              <a:ext uri="{FF2B5EF4-FFF2-40B4-BE49-F238E27FC236}">
-                <a16:creationId xmlns:a16="http://schemas.microsoft.com/office/drawing/2014/main" xmlns="" id="{F22F88A5-87D1-340F-853F-8C2ED8F8C877}"/>
-              </a:ext>
-            </a:extLst>
-          </p:cNvPr>
-          <p:cNvSpPr>
-            <a:spLocks noGrp="1"/>
-          </p:cNvSpPr>
-          <p:nvPr>
-            <p:ph idx="1"/>
-          </p:nvPr>
-        </p:nvSpPr>
-        <p:spPr/>
-        <p:txBody>
-          <a:bodyPr/>
-          <a:lstStyle/>
-          <a:p>
-            <a:endParaRPr lang="pt-BR"/>
-          </a:p>
-        </p:txBody>
-      </p:sp>
-    </p:spTree>
-    <p:extLst>
-      <p:ext uri="{BB962C8B-B14F-4D97-AF65-F5344CB8AC3E}">
-        <p14:creationId xmlns:p14="http://schemas.microsoft.com/office/powerpoint/2010/main" val="3906980817"/>
-      </p:ext>
-    </p:extLst>
-  </p:cSld>
-  <p:clrMapOvr>
-    <a:masterClrMapping/>
-  </p:clrMapOvr>
-</p:sld>
-</file>
-
-<file path=ppt/slides/slide6.xml><?xml version="1.0" encoding="utf-8"?>
-<p:sld xmlns:a="http://schemas.openxmlformats.org/drawingml/2006/main" xmlns:r="http://schemas.openxmlformats.org/officeDocument/2006/relationships" xmlns:p="http://schemas.openxmlformats.org/presentationml/2006/main">
-  <p:cSld>
-    <p:spTree>
-      <p:nvGrpSpPr>
-        <p:cNvPr id="1" name="">
-          <a:extLst>
-            <a:ext uri="{FF2B5EF4-FFF2-40B4-BE49-F238E27FC236}">
-              <a16:creationId xmlns:a16="http://schemas.microsoft.com/office/drawing/2014/main" xmlns="" id="{B28A9759-CA4F-DA4F-85C2-F6E51DCED2D9}"/>
-            </a:ext>
-          </a:extLst>
-        </p:cNvPr>
-        <p:cNvGrpSpPr/>
-        <p:nvPr/>
-      </p:nvGrpSpPr>
-      <p:grpSpPr>
-        <a:xfrm>
-          <a:off x="0" y="0"/>
-          <a:ext cx="0" cy="0"/>
-          <a:chOff x="0" y="0"/>
-          <a:chExt cx="0" cy="0"/>
-        </a:xfrm>
-      </p:grpSpPr>
-      <p:sp>
-        <p:nvSpPr>
-          <p:cNvPr id="2" name="Título 1">
-            <a:extLst>
-              <a:ext uri="{FF2B5EF4-FFF2-40B4-BE49-F238E27FC236}">
-                <a16:creationId xmlns:a16="http://schemas.microsoft.com/office/drawing/2014/main" xmlns="" id="{072F732D-34CE-6153-324F-D7F6821577F0}"/>
-              </a:ext>
-            </a:extLst>
-          </p:cNvPr>
-          <p:cNvSpPr>
-            <a:spLocks noGrp="1"/>
-          </p:cNvSpPr>
-          <p:nvPr>
-            <p:ph type="title"/>
-          </p:nvPr>
-        </p:nvSpPr>
-        <p:spPr/>
-        <p:txBody>
-          <a:bodyPr/>
-          <a:lstStyle/>
-          <a:p>
-            <a:r>
-              <a:rPr lang="pt-BR" dirty="0"/>
-              <a:t>Vantagens e desvantagens</a:t>
-            </a:r>
-          </a:p>
-        </p:txBody>
-      </p:sp>
-      <p:sp>
-        <p:nvSpPr>
-          <p:cNvPr id="3" name="Espaço Reservado para Conteúdo 2">
-            <a:extLst>
-              <a:ext uri="{FF2B5EF4-FFF2-40B4-BE49-F238E27FC236}">
-                <a16:creationId xmlns:a16="http://schemas.microsoft.com/office/drawing/2014/main" xmlns="" id="{62A55622-8E11-E5D7-8EAF-7AE2CCAA3321}"/>
-              </a:ext>
-            </a:extLst>
-          </p:cNvPr>
-          <p:cNvSpPr>
-            <a:spLocks noGrp="1"/>
-          </p:cNvSpPr>
-          <p:nvPr>
-            <p:ph idx="1"/>
-          </p:nvPr>
-        </p:nvSpPr>
-        <p:spPr/>
-        <p:txBody>
-          <a:bodyPr/>
-          <a:lstStyle/>
-          <a:p>
-            <a:endParaRPr lang="pt-BR"/>
-          </a:p>
-        </p:txBody>
-      </p:sp>
-    </p:spTree>
-    <p:extLst>
-      <p:ext uri="{BB962C8B-B14F-4D97-AF65-F5344CB8AC3E}">
-        <p14:creationId xmlns:p14="http://schemas.microsoft.com/office/powerpoint/2010/main" val="1521811257"/>
-      </p:ext>
-    </p:extLst>
-  </p:cSld>
-  <p:clrMapOvr>
-    <a:masterClrMapping/>
-  </p:clrMapOvr>
-</p:sld>
-</file>
-
-<file path=ppt/slides/slide7.xml><?xml version="1.0" encoding="utf-8"?>
-<p:sld xmlns:a="http://schemas.openxmlformats.org/drawingml/2006/main" xmlns:r="http://schemas.openxmlformats.org/officeDocument/2006/relationships" xmlns:p="http://schemas.openxmlformats.org/presentationml/2006/main">
-  <p:cSld>
-    <p:spTree>
-      <p:nvGrpSpPr>
-        <p:cNvPr id="1" name=""/>
-        <p:cNvGrpSpPr/>
-        <p:nvPr/>
-      </p:nvGrpSpPr>
-      <p:grpSpPr>
-        <a:xfrm>
-          <a:off x="0" y="0"/>
-          <a:ext cx="0" cy="0"/>
-          <a:chOff x="0" y="0"/>
-          <a:chExt cx="0" cy="0"/>
-        </a:xfrm>
-      </p:grpSpPr>
-      <p:sp>
-        <p:nvSpPr>
-          <p:cNvPr id="2" name="Título 1">
-            <a:extLst>
-              <a:ext uri="{FF2B5EF4-FFF2-40B4-BE49-F238E27FC236}">
-                <a16:creationId xmlns:a16="http://schemas.microsoft.com/office/drawing/2014/main" xmlns="" id="{B9E502FC-4440-F5DA-F299-69CD15E702AE}"/>
-              </a:ext>
-            </a:extLst>
-          </p:cNvPr>
-          <p:cNvSpPr>
-            <a:spLocks noGrp="1"/>
-          </p:cNvSpPr>
-          <p:nvPr>
-            <p:ph type="title"/>
-          </p:nvPr>
-        </p:nvSpPr>
-        <p:spPr/>
-        <p:txBody>
-          <a:bodyPr/>
-          <a:lstStyle/>
-          <a:p>
-            <a:r>
-              <a:rPr lang="pt-BR" dirty="0"/>
-              <a:t>Exemplo(s) de aplicação</a:t>
-            </a:r>
-          </a:p>
-        </p:txBody>
-      </p:sp>
-      <p:sp>
-        <p:nvSpPr>
-          <p:cNvPr id="3" name="Espaço Reservado para Conteúdo 2">
-            <a:extLst>
-              <a:ext uri="{FF2B5EF4-FFF2-40B4-BE49-F238E27FC236}">
-                <a16:creationId xmlns:a16="http://schemas.microsoft.com/office/drawing/2014/main" xmlns="" id="{69359096-6B47-BEA3-55AD-95F90CDC8489}"/>
-              </a:ext>
-            </a:extLst>
-          </p:cNvPr>
-          <p:cNvSpPr>
-            <a:spLocks noGrp="1"/>
-          </p:cNvSpPr>
-          <p:nvPr>
-            <p:ph idx="1"/>
-          </p:nvPr>
-        </p:nvSpPr>
-        <p:spPr/>
-        <p:txBody>
-          <a:bodyPr/>
-          <a:lstStyle/>
-          <a:p>
-            <a:endParaRPr lang="pt-BR"/>
-          </a:p>
-        </p:txBody>
-      </p:sp>
-    </p:spTree>
-    <p:extLst>
-      <p:ext uri="{BB962C8B-B14F-4D97-AF65-F5344CB8AC3E}">
-        <p14:creationId xmlns:p14="http://schemas.microsoft.com/office/powerpoint/2010/main" val="1532530965"/>
-      </p:ext>
-    </p:extLst>
-  </p:cSld>
-  <p:clrMapOvr>
-    <a:masterClrMapping/>
-  </p:clrMapOvr>
-</p:sld>
-</file>
-
-<file path=ppt/slides/slide8.xml><?xml version="1.0" encoding="utf-8"?>
-<p:sld xmlns:a="http://schemas.openxmlformats.org/drawingml/2006/main" xmlns:r="http://schemas.openxmlformats.org/officeDocument/2006/relationships" xmlns:p="http://schemas.openxmlformats.org/presentationml/2006/main">
-  <p:cSld>
-    <p:spTree>
-      <p:nvGrpSpPr>
-        <p:cNvPr id="1" name=""/>
-        <p:cNvGrpSpPr/>
-        <p:nvPr/>
-      </p:nvGrpSpPr>
-      <p:grpSpPr>
-        <a:xfrm>
-          <a:off x="0" y="0"/>
-          <a:ext cx="0" cy="0"/>
-          <a:chOff x="0" y="0"/>
-          <a:chExt cx="0" cy="0"/>
-        </a:xfrm>
-      </p:grpSpPr>
-      <p:sp>
-        <p:nvSpPr>
-          <p:cNvPr id="2" name="Título 1">
-            <a:extLst>
-              <a:ext uri="{FF2B5EF4-FFF2-40B4-BE49-F238E27FC236}">
-                <a16:creationId xmlns:a16="http://schemas.microsoft.com/office/drawing/2014/main" xmlns="" id="{B7EBC8F7-03EF-338A-A90B-280A41AF9688}"/>
-              </a:ext>
-            </a:extLst>
-          </p:cNvPr>
-          <p:cNvSpPr>
-            <a:spLocks noGrp="1"/>
-          </p:cNvSpPr>
-          <p:nvPr>
-            <p:ph type="title"/>
-          </p:nvPr>
-        </p:nvSpPr>
-        <p:spPr/>
-        <p:txBody>
-          <a:bodyPr/>
-          <a:lstStyle/>
-          <a:p>
-            <a:r>
-              <a:rPr lang="pt-BR" dirty="0"/>
-              <a:t>Comparação com outros algoritmos</a:t>
-            </a:r>
-          </a:p>
-        </p:txBody>
-      </p:sp>
-      <p:sp>
-        <p:nvSpPr>
-          <p:cNvPr id="3" name="Espaço Reservado para Conteúdo 2">
-            <a:extLst>
-              <a:ext uri="{FF2B5EF4-FFF2-40B4-BE49-F238E27FC236}">
-                <a16:creationId xmlns:a16="http://schemas.microsoft.com/office/drawing/2014/main" xmlns="" id="{C525BCE7-C19D-7DDA-016A-E3016C398CBA}"/>
-              </a:ext>
-            </a:extLst>
-          </p:cNvPr>
-          <p:cNvSpPr>
-            <a:spLocks noGrp="1"/>
-          </p:cNvSpPr>
-          <p:nvPr>
-            <p:ph idx="1"/>
-          </p:nvPr>
-        </p:nvSpPr>
-        <p:spPr/>
-        <p:txBody>
-          <a:bodyPr/>
-          <a:lstStyle/>
-          <a:p>
-            <a:endParaRPr lang="pt-BR"/>
-          </a:p>
-        </p:txBody>
-      </p:sp>
-    </p:spTree>
-    <p:extLst>
-      <p:ext uri="{BB962C8B-B14F-4D97-AF65-F5344CB8AC3E}">
-        <p14:creationId xmlns:p14="http://schemas.microsoft.com/office/powerpoint/2010/main" val="3601469261"/>
-      </p:ext>
-    </p:extLst>
-  </p:cSld>
-  <p:clrMapOvr>
-    <a:masterClrMapping/>
-  </p:clrMapOvr>
-</p:sld>
-</file>
-
-<file path=ppt/slides/slide9.xml><?xml version="1.0" encoding="utf-8"?>
+<file path=ppt/slides/slide13.xml><?xml version="1.0" encoding="utf-8"?>
 <p:sld xmlns:a="http://schemas.openxmlformats.org/drawingml/2006/main" xmlns:r="http://schemas.openxmlformats.org/officeDocument/2006/relationships" xmlns:p="http://schemas.openxmlformats.org/presentationml/2006/main">
   <p:cSld>
     <p:spTree>
@@ -5059,7 +4628,7 @@
             <a:pPr algn="ctr"/>
             <a:r>
               <a:rPr lang="pt-BR" sz="6600" dirty="0"/>
-              <a:t>Perguntas?</a:t>
+              <a:t>Obrigado!</a:t>
             </a:r>
             <a:endParaRPr lang="pt-BR" sz="6600" b="1" i="1" dirty="0"/>
           </a:p>
@@ -5068,7 +4637,5673 @@
     </p:spTree>
     <p:extLst>
       <p:ext uri="{BB962C8B-B14F-4D97-AF65-F5344CB8AC3E}">
-        <p14:creationId xmlns:p14="http://schemas.microsoft.com/office/powerpoint/2010/main" val="3773005660"/>
+        <p14:creationId xmlns:p14="http://schemas.microsoft.com/office/powerpoint/2010/main" val="2655704619"/>
+      </p:ext>
+    </p:extLst>
+  </p:cSld>
+  <p:clrMapOvr>
+    <a:masterClrMapping/>
+  </p:clrMapOvr>
+</p:sld>
+</file>
+
+<file path=ppt/slides/slide2.xml><?xml version="1.0" encoding="utf-8"?>
+<p:sld xmlns:a="http://schemas.openxmlformats.org/drawingml/2006/main" xmlns:r="http://schemas.openxmlformats.org/officeDocument/2006/relationships" xmlns:p="http://schemas.openxmlformats.org/presentationml/2006/main">
+  <p:cSld>
+    <p:spTree>
+      <p:nvGrpSpPr>
+        <p:cNvPr id="1" name=""/>
+        <p:cNvGrpSpPr/>
+        <p:nvPr/>
+      </p:nvGrpSpPr>
+      <p:grpSpPr>
+        <a:xfrm>
+          <a:off x="0" y="0"/>
+          <a:ext cx="0" cy="0"/>
+          <a:chOff x="0" y="0"/>
+          <a:chExt cx="0" cy="0"/>
+        </a:xfrm>
+      </p:grpSpPr>
+      <p:sp>
+        <p:nvSpPr>
+          <p:cNvPr id="2" name="Título 1">
+            <a:extLst>
+              <a:ext uri="{FF2B5EF4-FFF2-40B4-BE49-F238E27FC236}">
+                <a16:creationId xmlns:a16="http://schemas.microsoft.com/office/drawing/2014/main" xmlns="" id="{7F5FF925-67DE-CC62-E869-C6E3C1D771E6}"/>
+              </a:ext>
+            </a:extLst>
+          </p:cNvPr>
+          <p:cNvSpPr>
+            <a:spLocks noGrp="1"/>
+          </p:cNvSpPr>
+          <p:nvPr>
+            <p:ph type="title"/>
+          </p:nvPr>
+        </p:nvSpPr>
+        <p:spPr/>
+        <p:txBody>
+          <a:bodyPr/>
+          <a:lstStyle/>
+          <a:p>
+            <a:r>
+              <a:rPr lang="pt-BR" dirty="0" smtClean="0"/>
+              <a:t>Informações gerais</a:t>
+            </a:r>
+            <a:endParaRPr lang="pt-BR" dirty="0"/>
+          </a:p>
+        </p:txBody>
+      </p:sp>
+      <p:sp>
+        <p:nvSpPr>
+          <p:cNvPr id="3" name="Espaço Reservado para Conteúdo 2">
+            <a:extLst>
+              <a:ext uri="{FF2B5EF4-FFF2-40B4-BE49-F238E27FC236}">
+                <a16:creationId xmlns:a16="http://schemas.microsoft.com/office/drawing/2014/main" xmlns="" id="{7DA84068-671A-9D40-4F76-2C57E4F720C2}"/>
+              </a:ext>
+            </a:extLst>
+          </p:cNvPr>
+          <p:cNvSpPr>
+            <a:spLocks noGrp="1"/>
+          </p:cNvSpPr>
+          <p:nvPr>
+            <p:ph idx="1"/>
+          </p:nvPr>
+        </p:nvSpPr>
+        <p:spPr/>
+        <p:txBody>
+          <a:bodyPr/>
+          <a:lstStyle/>
+          <a:p>
+            <a:r>
+              <a:rPr lang="en-US" b="1" dirty="0" err="1"/>
+              <a:t>Carga</a:t>
+            </a:r>
+            <a:r>
+              <a:rPr lang="en-US" b="1" dirty="0"/>
+              <a:t> </a:t>
+            </a:r>
+            <a:r>
+              <a:rPr lang="en-US" b="1" dirty="0" err="1"/>
+              <a:t>horária</a:t>
+            </a:r>
+            <a:r>
+              <a:rPr lang="en-US" dirty="0"/>
+              <a:t>: </a:t>
+            </a:r>
+            <a:r>
+              <a:rPr lang="en-US" dirty="0" smtClean="0"/>
+              <a:t>2h </a:t>
+            </a:r>
+            <a:r>
+              <a:rPr lang="en-US" dirty="0" err="1"/>
+              <a:t>por</a:t>
+            </a:r>
+            <a:r>
+              <a:rPr lang="en-US" dirty="0"/>
+              <a:t> </a:t>
+            </a:r>
+            <a:r>
+              <a:rPr lang="en-US" dirty="0" err="1" smtClean="0"/>
+              <a:t>semana</a:t>
+            </a:r>
+            <a:r>
+              <a:rPr lang="en-US" dirty="0" smtClean="0"/>
+              <a:t> (</a:t>
+            </a:r>
+            <a:r>
+              <a:rPr lang="en-US" dirty="0" err="1" smtClean="0"/>
+              <a:t>aulas</a:t>
+            </a:r>
+            <a:r>
+              <a:rPr lang="en-US" dirty="0" smtClean="0"/>
+              <a:t> </a:t>
+            </a:r>
+            <a:r>
+              <a:rPr lang="en-US" dirty="0" err="1" smtClean="0"/>
+              <a:t>teóricas</a:t>
+            </a:r>
+            <a:r>
+              <a:rPr lang="en-US" dirty="0" smtClean="0"/>
+              <a:t>)</a:t>
+            </a:r>
+          </a:p>
+          <a:p>
+            <a:pPr lvl="1">
+              <a:buFont typeface="Wingdings" panose="05000000000000000000" pitchFamily="2" charset="2"/>
+              <a:buChar char="§"/>
+            </a:pPr>
+            <a:r>
+              <a:rPr lang="en-US" dirty="0" err="1" smtClean="0"/>
+              <a:t>Aulas</a:t>
+            </a:r>
+            <a:r>
+              <a:rPr lang="en-US" dirty="0" smtClean="0"/>
+              <a:t> </a:t>
+            </a:r>
+            <a:r>
+              <a:rPr lang="en-US" dirty="0" err="1" smtClean="0"/>
+              <a:t>práticas</a:t>
+            </a:r>
+            <a:r>
+              <a:rPr lang="en-US" dirty="0" smtClean="0"/>
+              <a:t>: 2h </a:t>
+            </a:r>
+            <a:r>
+              <a:rPr lang="en-US" dirty="0" err="1" smtClean="0"/>
+              <a:t>por</a:t>
+            </a:r>
+            <a:r>
+              <a:rPr lang="en-US" dirty="0" smtClean="0"/>
+              <a:t> </a:t>
+            </a:r>
+            <a:r>
+              <a:rPr lang="en-US" dirty="0" err="1" smtClean="0"/>
+              <a:t>semana</a:t>
+            </a:r>
+            <a:endParaRPr lang="en-US" dirty="0"/>
+          </a:p>
+          <a:p>
+            <a:r>
+              <a:rPr lang="pt-BR" b="1" dirty="0" smtClean="0"/>
+              <a:t>Horário de atendimento</a:t>
+            </a:r>
+            <a:r>
+              <a:rPr lang="pt-BR" dirty="0" smtClean="0"/>
+              <a:t>: à definir.</a:t>
+            </a:r>
+            <a:endParaRPr lang="pt-BR" dirty="0"/>
+          </a:p>
+        </p:txBody>
+      </p:sp>
+    </p:spTree>
+    <p:extLst>
+      <p:ext uri="{BB962C8B-B14F-4D97-AF65-F5344CB8AC3E}">
+        <p14:creationId xmlns:p14="http://schemas.microsoft.com/office/powerpoint/2010/main" val="364118245"/>
+      </p:ext>
+    </p:extLst>
+  </p:cSld>
+  <p:clrMapOvr>
+    <a:masterClrMapping/>
+  </p:clrMapOvr>
+  <p:timing>
+    <p:tnLst>
+      <p:par>
+        <p:cTn id="1" dur="indefinite" restart="never" nodeType="tmRoot"/>
+      </p:par>
+    </p:tnLst>
+  </p:timing>
+</p:sld>
+</file>
+
+<file path=ppt/slides/slide3.xml><?xml version="1.0" encoding="utf-8"?>
+<p:sld xmlns:a="http://schemas.openxmlformats.org/drawingml/2006/main" xmlns:r="http://schemas.openxmlformats.org/officeDocument/2006/relationships" xmlns:p="http://schemas.openxmlformats.org/presentationml/2006/main">
+  <p:cSld>
+    <p:spTree>
+      <p:nvGrpSpPr>
+        <p:cNvPr id="1" name=""/>
+        <p:cNvGrpSpPr/>
+        <p:nvPr/>
+      </p:nvGrpSpPr>
+      <p:grpSpPr>
+        <a:xfrm>
+          <a:off x="0" y="0"/>
+          <a:ext cx="0" cy="0"/>
+          <a:chOff x="0" y="0"/>
+          <a:chExt cx="0" cy="0"/>
+        </a:xfrm>
+      </p:grpSpPr>
+      <p:sp>
+        <p:nvSpPr>
+          <p:cNvPr id="2" name="Título 1">
+            <a:extLst>
+              <a:ext uri="{FF2B5EF4-FFF2-40B4-BE49-F238E27FC236}">
+                <a16:creationId xmlns:a16="http://schemas.microsoft.com/office/drawing/2014/main" xmlns="" id="{7F5FF925-67DE-CC62-E869-C6E3C1D771E6}"/>
+              </a:ext>
+            </a:extLst>
+          </p:cNvPr>
+          <p:cNvSpPr>
+            <a:spLocks noGrp="1"/>
+          </p:cNvSpPr>
+          <p:nvPr>
+            <p:ph type="title"/>
+          </p:nvPr>
+        </p:nvSpPr>
+        <p:spPr/>
+        <p:txBody>
+          <a:bodyPr/>
+          <a:lstStyle/>
+          <a:p>
+            <a:r>
+              <a:rPr lang="pt-BR" dirty="0" smtClean="0"/>
+              <a:t>Cronograma</a:t>
+            </a:r>
+            <a:endParaRPr lang="pt-BR" dirty="0"/>
+          </a:p>
+        </p:txBody>
+      </p:sp>
+      <p:graphicFrame>
+        <p:nvGraphicFramePr>
+          <p:cNvPr id="4" name="Espaço Reservado para Conteúdo 3"/>
+          <p:cNvGraphicFramePr>
+            <a:graphicFrameLocks noGrp="1"/>
+          </p:cNvGraphicFramePr>
+          <p:nvPr>
+            <p:ph idx="1"/>
+            <p:extLst>
+              <p:ext uri="{D42A27DB-BD31-4B8C-83A1-F6EECF244321}">
+                <p14:modId xmlns:p14="http://schemas.microsoft.com/office/powerpoint/2010/main" val="1630954762"/>
+              </p:ext>
+            </p:extLst>
+          </p:nvPr>
+        </p:nvGraphicFramePr>
+        <p:xfrm>
+          <a:off x="2405149" y="1338350"/>
+          <a:ext cx="6605848" cy="5486400"/>
+        </p:xfrm>
+        <a:graphic>
+          <a:graphicData uri="http://schemas.openxmlformats.org/drawingml/2006/table">
+            <a:tbl>
+              <a:tblPr firstRow="1" bandRow="1">
+                <a:tableStyleId>{5C22544A-7EE6-4342-B048-85BDC9FD1C3A}</a:tableStyleId>
+              </a:tblPr>
+              <a:tblGrid>
+                <a:gridCol w="530297"/>
+                <a:gridCol w="903803"/>
+                <a:gridCol w="1012927"/>
+                <a:gridCol w="4158821"/>
+              </a:tblGrid>
+              <a:tr h="270945">
+                <a:tc gridSpan="4">
+                  <a:txBody>
+                    <a:bodyPr/>
+                    <a:lstStyle/>
+                    <a:p>
+                      <a:pPr algn="ctr"/>
+                      <a:r>
+                        <a:rPr lang="pt-BR" sz="1400" dirty="0" smtClean="0">
+                          <a:solidFill>
+                            <a:schemeClr val="tx1"/>
+                          </a:solidFill>
+                        </a:rPr>
+                        <a:t>C24</a:t>
+                      </a:r>
+                      <a:endParaRPr lang="pt-BR" sz="1100" dirty="0">
+                        <a:solidFill>
+                          <a:schemeClr val="tx1"/>
+                        </a:solidFill>
+                      </a:endParaRPr>
+                    </a:p>
+                  </a:txBody>
+                  <a:tcPr>
+                    <a:lnL w="12700" cap="flat" cmpd="sng" algn="ctr">
+                      <a:solidFill>
+                        <a:schemeClr val="tx1"/>
+                      </a:solidFill>
+                      <a:prstDash val="solid"/>
+                      <a:round/>
+                      <a:headEnd type="none" w="med" len="med"/>
+                      <a:tailEnd type="none" w="med" len="med"/>
+                    </a:lnL>
+                    <a:lnR w="12700" cap="flat" cmpd="sng" algn="ctr">
+                      <a:solidFill>
+                        <a:schemeClr val="tx1"/>
+                      </a:solidFill>
+                      <a:prstDash val="solid"/>
+                      <a:round/>
+                      <a:headEnd type="none" w="med" len="med"/>
+                      <a:tailEnd type="none" w="med" len="med"/>
+                    </a:lnR>
+                    <a:lnT w="12700" cap="flat" cmpd="sng" algn="ctr">
+                      <a:solidFill>
+                        <a:schemeClr val="tx1"/>
+                      </a:solidFill>
+                      <a:prstDash val="solid"/>
+                      <a:round/>
+                      <a:headEnd type="none" w="med" len="med"/>
+                      <a:tailEnd type="none" w="med" len="med"/>
+                    </a:lnT>
+                    <a:lnB w="12700" cap="flat" cmpd="sng" algn="ctr">
+                      <a:solidFill>
+                        <a:schemeClr val="tx1"/>
+                      </a:solidFill>
+                      <a:prstDash val="solid"/>
+                      <a:round/>
+                      <a:headEnd type="none" w="med" len="med"/>
+                      <a:tailEnd type="none" w="med" len="med"/>
+                    </a:lnB>
+                    <a:solidFill>
+                      <a:schemeClr val="bg1"/>
+                    </a:solidFill>
+                  </a:tcPr>
+                </a:tc>
+                <a:tc hMerge="1">
+                  <a:txBody>
+                    <a:bodyPr/>
+                    <a:lstStyle/>
+                    <a:p>
+                      <a:endParaRPr lang="pt-BR" dirty="0"/>
+                    </a:p>
+                  </a:txBody>
+                  <a:tcPr/>
+                </a:tc>
+                <a:tc hMerge="1">
+                  <a:txBody>
+                    <a:bodyPr/>
+                    <a:lstStyle/>
+                    <a:p>
+                      <a:endParaRPr lang="pt-BR" dirty="0"/>
+                    </a:p>
+                  </a:txBody>
+                  <a:tcPr/>
+                </a:tc>
+                <a:tc hMerge="1">
+                  <a:txBody>
+                    <a:bodyPr/>
+                    <a:lstStyle/>
+                    <a:p>
+                      <a:endParaRPr lang="pt-BR" dirty="0"/>
+                    </a:p>
+                  </a:txBody>
+                  <a:tcPr/>
+                </a:tc>
+              </a:tr>
+              <a:tr h="221683">
+                <a:tc>
+                  <a:txBody>
+                    <a:bodyPr/>
+                    <a:lstStyle/>
+                    <a:p>
+                      <a:pPr algn="ctr"/>
+                      <a:r>
+                        <a:rPr lang="pt-BR" sz="1100" dirty="0" smtClean="0"/>
+                        <a:t>1</a:t>
+                      </a:r>
+                      <a:endParaRPr lang="pt-BR" sz="1100" dirty="0"/>
+                    </a:p>
+                  </a:txBody>
+                  <a:tcPr>
+                    <a:lnL w="12700" cap="flat" cmpd="sng" algn="ctr">
+                      <a:solidFill>
+                        <a:schemeClr val="tx1"/>
+                      </a:solidFill>
+                      <a:prstDash val="solid"/>
+                      <a:round/>
+                      <a:headEnd type="none" w="med" len="med"/>
+                      <a:tailEnd type="none" w="med" len="med"/>
+                    </a:lnL>
+                    <a:lnR w="12700" cap="flat" cmpd="sng" algn="ctr">
+                      <a:solidFill>
+                        <a:schemeClr val="tx1"/>
+                      </a:solidFill>
+                      <a:prstDash val="solid"/>
+                      <a:round/>
+                      <a:headEnd type="none" w="med" len="med"/>
+                      <a:tailEnd type="none" w="med" len="med"/>
+                    </a:lnR>
+                    <a:lnT w="12700" cap="flat" cmpd="sng" algn="ctr">
+                      <a:solidFill>
+                        <a:schemeClr val="tx1"/>
+                      </a:solidFill>
+                      <a:prstDash val="solid"/>
+                      <a:round/>
+                      <a:headEnd type="none" w="med" len="med"/>
+                      <a:tailEnd type="none" w="med" len="med"/>
+                    </a:lnT>
+                    <a:lnB w="12700" cap="flat" cmpd="sng" algn="ctr">
+                      <a:solidFill>
+                        <a:schemeClr val="tx1"/>
+                      </a:solidFill>
+                      <a:prstDash val="solid"/>
+                      <a:round/>
+                      <a:headEnd type="none" w="med" len="med"/>
+                      <a:tailEnd type="none" w="med" len="med"/>
+                    </a:lnB>
+                    <a:solidFill>
+                      <a:schemeClr val="bg1"/>
+                    </a:solidFill>
+                  </a:tcPr>
+                </a:tc>
+                <a:tc>
+                  <a:txBody>
+                    <a:bodyPr/>
+                    <a:lstStyle/>
+                    <a:p>
+                      <a:pPr algn="r" rtl="0" fontAlgn="b"/>
+                      <a:r>
+                        <a:rPr lang="pt-BR" sz="1100" dirty="0">
+                          <a:effectLst/>
+                        </a:rPr>
+                        <a:t>09/02/26</a:t>
+                      </a:r>
+                    </a:p>
+                  </a:txBody>
+                  <a:tcPr marL="28575" marR="28575" marT="19050" marB="19050" anchor="b">
+                    <a:lnL w="12700" cap="flat" cmpd="sng" algn="ctr">
+                      <a:solidFill>
+                        <a:schemeClr val="tx1"/>
+                      </a:solidFill>
+                      <a:prstDash val="solid"/>
+                      <a:round/>
+                      <a:headEnd type="none" w="med" len="med"/>
+                      <a:tailEnd type="none" w="med" len="med"/>
+                    </a:lnL>
+                    <a:lnR w="12700" cap="flat" cmpd="sng" algn="ctr">
+                      <a:solidFill>
+                        <a:schemeClr val="tx1"/>
+                      </a:solidFill>
+                      <a:prstDash val="solid"/>
+                      <a:round/>
+                      <a:headEnd type="none" w="med" len="med"/>
+                      <a:tailEnd type="none" w="med" len="med"/>
+                    </a:lnR>
+                    <a:lnT w="12700" cap="flat" cmpd="sng" algn="ctr">
+                      <a:solidFill>
+                        <a:schemeClr val="tx1"/>
+                      </a:solidFill>
+                      <a:prstDash val="solid"/>
+                      <a:round/>
+                      <a:headEnd type="none" w="med" len="med"/>
+                      <a:tailEnd type="none" w="med" len="med"/>
+                    </a:lnT>
+                    <a:lnB w="12700" cap="flat" cmpd="sng" algn="ctr">
+                      <a:solidFill>
+                        <a:schemeClr val="tx1"/>
+                      </a:solidFill>
+                      <a:prstDash val="solid"/>
+                      <a:round/>
+                      <a:headEnd type="none" w="med" len="med"/>
+                      <a:tailEnd type="none" w="med" len="med"/>
+                    </a:lnB>
+                    <a:solidFill>
+                      <a:schemeClr val="bg1"/>
+                    </a:solidFill>
+                  </a:tcPr>
+                </a:tc>
+                <a:tc>
+                  <a:txBody>
+                    <a:bodyPr/>
+                    <a:lstStyle/>
+                    <a:p>
+                      <a:pPr algn="ctr"/>
+                      <a:r>
+                        <a:rPr lang="pt-BR" sz="1100" dirty="0" smtClean="0"/>
+                        <a:t>Segunda-feira</a:t>
+                      </a:r>
+                      <a:endParaRPr lang="pt-BR" sz="1100" dirty="0"/>
+                    </a:p>
+                  </a:txBody>
+                  <a:tcPr>
+                    <a:lnL w="12700" cap="flat" cmpd="sng" algn="ctr">
+                      <a:solidFill>
+                        <a:schemeClr val="tx1"/>
+                      </a:solidFill>
+                      <a:prstDash val="solid"/>
+                      <a:round/>
+                      <a:headEnd type="none" w="med" len="med"/>
+                      <a:tailEnd type="none" w="med" len="med"/>
+                    </a:lnL>
+                    <a:lnR w="12700" cap="flat" cmpd="sng" algn="ctr">
+                      <a:solidFill>
+                        <a:schemeClr val="tx1"/>
+                      </a:solidFill>
+                      <a:prstDash val="solid"/>
+                      <a:round/>
+                      <a:headEnd type="none" w="med" len="med"/>
+                      <a:tailEnd type="none" w="med" len="med"/>
+                    </a:lnR>
+                    <a:lnT w="12700" cap="flat" cmpd="sng" algn="ctr">
+                      <a:solidFill>
+                        <a:schemeClr val="tx1"/>
+                      </a:solidFill>
+                      <a:prstDash val="solid"/>
+                      <a:round/>
+                      <a:headEnd type="none" w="med" len="med"/>
+                      <a:tailEnd type="none" w="med" len="med"/>
+                    </a:lnT>
+                    <a:lnB w="12700" cap="flat" cmpd="sng" algn="ctr">
+                      <a:solidFill>
+                        <a:schemeClr val="tx1"/>
+                      </a:solidFill>
+                      <a:prstDash val="solid"/>
+                      <a:round/>
+                      <a:headEnd type="none" w="med" len="med"/>
+                      <a:tailEnd type="none" w="med" len="med"/>
+                    </a:lnB>
+                    <a:solidFill>
+                      <a:schemeClr val="bg1"/>
+                    </a:solidFill>
+                  </a:tcPr>
+                </a:tc>
+                <a:tc>
+                  <a:txBody>
+                    <a:bodyPr/>
+                    <a:lstStyle/>
+                    <a:p>
+                      <a:pPr algn="ctr"/>
+                      <a:r>
+                        <a:rPr lang="pt-BR" sz="1100" dirty="0" smtClean="0"/>
+                        <a:t>Inteligência Artificial</a:t>
+                      </a:r>
+                      <a:endParaRPr lang="pt-BR" sz="1100" dirty="0"/>
+                    </a:p>
+                  </a:txBody>
+                  <a:tcPr>
+                    <a:lnL w="12700" cap="flat" cmpd="sng" algn="ctr">
+                      <a:solidFill>
+                        <a:schemeClr val="tx1"/>
+                      </a:solidFill>
+                      <a:prstDash val="solid"/>
+                      <a:round/>
+                      <a:headEnd type="none" w="med" len="med"/>
+                      <a:tailEnd type="none" w="med" len="med"/>
+                    </a:lnL>
+                    <a:lnR w="12700" cap="flat" cmpd="sng" algn="ctr">
+                      <a:solidFill>
+                        <a:schemeClr val="tx1"/>
+                      </a:solidFill>
+                      <a:prstDash val="solid"/>
+                      <a:round/>
+                      <a:headEnd type="none" w="med" len="med"/>
+                      <a:tailEnd type="none" w="med" len="med"/>
+                    </a:lnR>
+                    <a:lnT w="12700" cap="flat" cmpd="sng" algn="ctr">
+                      <a:solidFill>
+                        <a:schemeClr val="tx1"/>
+                      </a:solidFill>
+                      <a:prstDash val="solid"/>
+                      <a:round/>
+                      <a:headEnd type="none" w="med" len="med"/>
+                      <a:tailEnd type="none" w="med" len="med"/>
+                    </a:lnT>
+                    <a:lnB w="12700" cap="flat" cmpd="sng" algn="ctr">
+                      <a:solidFill>
+                        <a:schemeClr val="tx1"/>
+                      </a:solidFill>
+                      <a:prstDash val="solid"/>
+                      <a:round/>
+                      <a:headEnd type="none" w="med" len="med"/>
+                      <a:tailEnd type="none" w="med" len="med"/>
+                    </a:lnB>
+                    <a:solidFill>
+                      <a:schemeClr val="bg1"/>
+                    </a:solidFill>
+                  </a:tcPr>
+                </a:tc>
+              </a:tr>
+              <a:tr h="221683">
+                <a:tc>
+                  <a:txBody>
+                    <a:bodyPr/>
+                    <a:lstStyle/>
+                    <a:p>
+                      <a:pPr algn="ctr"/>
+                      <a:r>
+                        <a:rPr lang="pt-BR" sz="1100" dirty="0" smtClean="0"/>
+                        <a:t>2</a:t>
+                      </a:r>
+                      <a:endParaRPr lang="pt-BR" sz="1100" dirty="0"/>
+                    </a:p>
+                  </a:txBody>
+                  <a:tcPr>
+                    <a:lnL w="12700" cap="flat" cmpd="sng" algn="ctr">
+                      <a:solidFill>
+                        <a:schemeClr val="tx1"/>
+                      </a:solidFill>
+                      <a:prstDash val="solid"/>
+                      <a:round/>
+                      <a:headEnd type="none" w="med" len="med"/>
+                      <a:tailEnd type="none" w="med" len="med"/>
+                    </a:lnL>
+                    <a:lnR w="12700" cap="flat" cmpd="sng" algn="ctr">
+                      <a:solidFill>
+                        <a:schemeClr val="tx1"/>
+                      </a:solidFill>
+                      <a:prstDash val="solid"/>
+                      <a:round/>
+                      <a:headEnd type="none" w="med" len="med"/>
+                      <a:tailEnd type="none" w="med" len="med"/>
+                    </a:lnR>
+                    <a:lnT w="12700" cap="flat" cmpd="sng" algn="ctr">
+                      <a:solidFill>
+                        <a:schemeClr val="tx1"/>
+                      </a:solidFill>
+                      <a:prstDash val="solid"/>
+                      <a:round/>
+                      <a:headEnd type="none" w="med" len="med"/>
+                      <a:tailEnd type="none" w="med" len="med"/>
+                    </a:lnT>
+                    <a:lnB w="12700" cap="flat" cmpd="sng" algn="ctr">
+                      <a:solidFill>
+                        <a:schemeClr val="tx1"/>
+                      </a:solidFill>
+                      <a:prstDash val="solid"/>
+                      <a:round/>
+                      <a:headEnd type="none" w="med" len="med"/>
+                      <a:tailEnd type="none" w="med" len="med"/>
+                    </a:lnB>
+                    <a:solidFill>
+                      <a:schemeClr val="bg1"/>
+                    </a:solidFill>
+                  </a:tcPr>
+                </a:tc>
+                <a:tc>
+                  <a:txBody>
+                    <a:bodyPr/>
+                    <a:lstStyle/>
+                    <a:p>
+                      <a:pPr algn="r" rtl="0" fontAlgn="b"/>
+                      <a:r>
+                        <a:rPr lang="pt-BR" sz="1100">
+                          <a:effectLst/>
+                        </a:rPr>
+                        <a:t>16/02/26</a:t>
+                      </a:r>
+                    </a:p>
+                  </a:txBody>
+                  <a:tcPr marL="28575" marR="28575" marT="19050" marB="19050" anchor="b">
+                    <a:lnL w="12700" cap="flat" cmpd="sng" algn="ctr">
+                      <a:solidFill>
+                        <a:schemeClr val="tx1"/>
+                      </a:solidFill>
+                      <a:prstDash val="solid"/>
+                      <a:round/>
+                      <a:headEnd type="none" w="med" len="med"/>
+                      <a:tailEnd type="none" w="med" len="med"/>
+                    </a:lnL>
+                    <a:lnR w="12700" cap="flat" cmpd="sng" algn="ctr">
+                      <a:solidFill>
+                        <a:schemeClr val="tx1"/>
+                      </a:solidFill>
+                      <a:prstDash val="solid"/>
+                      <a:round/>
+                      <a:headEnd type="none" w="med" len="med"/>
+                      <a:tailEnd type="none" w="med" len="med"/>
+                    </a:lnR>
+                    <a:lnT w="12700" cap="flat" cmpd="sng" algn="ctr">
+                      <a:solidFill>
+                        <a:schemeClr val="tx1"/>
+                      </a:solidFill>
+                      <a:prstDash val="solid"/>
+                      <a:round/>
+                      <a:headEnd type="none" w="med" len="med"/>
+                      <a:tailEnd type="none" w="med" len="med"/>
+                    </a:lnT>
+                    <a:lnB w="12700" cap="flat" cmpd="sng" algn="ctr">
+                      <a:solidFill>
+                        <a:schemeClr val="tx1"/>
+                      </a:solidFill>
+                      <a:prstDash val="solid"/>
+                      <a:round/>
+                      <a:headEnd type="none" w="med" len="med"/>
+                      <a:tailEnd type="none" w="med" len="med"/>
+                    </a:lnB>
+                    <a:solidFill>
+                      <a:schemeClr val="bg1"/>
+                    </a:solidFill>
+                  </a:tcPr>
+                </a:tc>
+                <a:tc>
+                  <a:txBody>
+                    <a:bodyPr/>
+                    <a:lstStyle/>
+                    <a:p>
+                      <a:pPr marL="0" marR="0" lvl="0" indent="0" algn="ctr" defTabSz="914400" rtl="0" eaLnBrk="1" fontAlgn="auto" latinLnBrk="0" hangingPunct="1">
+                        <a:lnSpc>
+                          <a:spcPct val="100000"/>
+                        </a:lnSpc>
+                        <a:spcBef>
+                          <a:spcPts val="0"/>
+                        </a:spcBef>
+                        <a:spcAft>
+                          <a:spcPts val="0"/>
+                        </a:spcAft>
+                        <a:buClrTx/>
+                        <a:buSzTx/>
+                        <a:buFontTx/>
+                        <a:buNone/>
+                        <a:tabLst/>
+                        <a:defRPr/>
+                      </a:pPr>
+                      <a:r>
+                        <a:rPr lang="pt-BR" sz="1100" dirty="0" smtClean="0"/>
+                        <a:t>Segunda-feira</a:t>
+                      </a:r>
+                    </a:p>
+                  </a:txBody>
+                  <a:tcPr>
+                    <a:lnL w="12700" cap="flat" cmpd="sng" algn="ctr">
+                      <a:solidFill>
+                        <a:schemeClr val="tx1"/>
+                      </a:solidFill>
+                      <a:prstDash val="solid"/>
+                      <a:round/>
+                      <a:headEnd type="none" w="med" len="med"/>
+                      <a:tailEnd type="none" w="med" len="med"/>
+                    </a:lnL>
+                    <a:lnR w="12700" cap="flat" cmpd="sng" algn="ctr">
+                      <a:solidFill>
+                        <a:schemeClr val="tx1"/>
+                      </a:solidFill>
+                      <a:prstDash val="solid"/>
+                      <a:round/>
+                      <a:headEnd type="none" w="med" len="med"/>
+                      <a:tailEnd type="none" w="med" len="med"/>
+                    </a:lnR>
+                    <a:lnT w="12700" cap="flat" cmpd="sng" algn="ctr">
+                      <a:solidFill>
+                        <a:schemeClr val="tx1"/>
+                      </a:solidFill>
+                      <a:prstDash val="solid"/>
+                      <a:round/>
+                      <a:headEnd type="none" w="med" len="med"/>
+                      <a:tailEnd type="none" w="med" len="med"/>
+                    </a:lnT>
+                    <a:lnB w="12700" cap="flat" cmpd="sng" algn="ctr">
+                      <a:solidFill>
+                        <a:schemeClr val="tx1"/>
+                      </a:solidFill>
+                      <a:prstDash val="solid"/>
+                      <a:round/>
+                      <a:headEnd type="none" w="med" len="med"/>
+                      <a:tailEnd type="none" w="med" len="med"/>
+                    </a:lnB>
+                    <a:solidFill>
+                      <a:schemeClr val="bg1"/>
+                    </a:solidFill>
+                  </a:tcPr>
+                </a:tc>
+                <a:tc>
+                  <a:txBody>
+                    <a:bodyPr/>
+                    <a:lstStyle/>
+                    <a:p>
+                      <a:pPr marL="0" marR="0" lvl="0" indent="0" algn="ctr" defTabSz="914400" rtl="0" eaLnBrk="1" fontAlgn="auto" latinLnBrk="0" hangingPunct="1">
+                        <a:lnSpc>
+                          <a:spcPct val="100000"/>
+                        </a:lnSpc>
+                        <a:spcBef>
+                          <a:spcPts val="0"/>
+                        </a:spcBef>
+                        <a:spcAft>
+                          <a:spcPts val="0"/>
+                        </a:spcAft>
+                        <a:buClrTx/>
+                        <a:buSzTx/>
+                        <a:buFontTx/>
+                        <a:buNone/>
+                        <a:tabLst/>
+                        <a:defRPr/>
+                      </a:pPr>
+                      <a:r>
+                        <a:rPr lang="pt-BR" sz="1100" dirty="0" smtClean="0"/>
+                        <a:t>Inteligência Artificial</a:t>
+                      </a:r>
+                    </a:p>
+                  </a:txBody>
+                  <a:tcPr>
+                    <a:lnL w="12700" cap="flat" cmpd="sng" algn="ctr">
+                      <a:solidFill>
+                        <a:schemeClr val="tx1"/>
+                      </a:solidFill>
+                      <a:prstDash val="solid"/>
+                      <a:round/>
+                      <a:headEnd type="none" w="med" len="med"/>
+                      <a:tailEnd type="none" w="med" len="med"/>
+                    </a:lnL>
+                    <a:lnR w="12700" cap="flat" cmpd="sng" algn="ctr">
+                      <a:solidFill>
+                        <a:schemeClr val="tx1"/>
+                      </a:solidFill>
+                      <a:prstDash val="solid"/>
+                      <a:round/>
+                      <a:headEnd type="none" w="med" len="med"/>
+                      <a:tailEnd type="none" w="med" len="med"/>
+                    </a:lnR>
+                    <a:lnT w="12700" cap="flat" cmpd="sng" algn="ctr">
+                      <a:solidFill>
+                        <a:schemeClr val="tx1"/>
+                      </a:solidFill>
+                      <a:prstDash val="solid"/>
+                      <a:round/>
+                      <a:headEnd type="none" w="med" len="med"/>
+                      <a:tailEnd type="none" w="med" len="med"/>
+                    </a:lnT>
+                    <a:lnB w="12700" cap="flat" cmpd="sng" algn="ctr">
+                      <a:solidFill>
+                        <a:schemeClr val="tx1"/>
+                      </a:solidFill>
+                      <a:prstDash val="solid"/>
+                      <a:round/>
+                      <a:headEnd type="none" w="med" len="med"/>
+                      <a:tailEnd type="none" w="med" len="med"/>
+                    </a:lnB>
+                    <a:solidFill>
+                      <a:schemeClr val="bg1"/>
+                    </a:solidFill>
+                  </a:tcPr>
+                </a:tc>
+              </a:tr>
+              <a:tr h="221683">
+                <a:tc>
+                  <a:txBody>
+                    <a:bodyPr/>
+                    <a:lstStyle/>
+                    <a:p>
+                      <a:pPr algn="ctr"/>
+                      <a:r>
+                        <a:rPr lang="pt-BR" sz="1100" dirty="0" smtClean="0"/>
+                        <a:t>3</a:t>
+                      </a:r>
+                      <a:endParaRPr lang="pt-BR" sz="1100" dirty="0"/>
+                    </a:p>
+                  </a:txBody>
+                  <a:tcPr>
+                    <a:lnL w="12700" cap="flat" cmpd="sng" algn="ctr">
+                      <a:solidFill>
+                        <a:schemeClr val="tx1"/>
+                      </a:solidFill>
+                      <a:prstDash val="solid"/>
+                      <a:round/>
+                      <a:headEnd type="none" w="med" len="med"/>
+                      <a:tailEnd type="none" w="med" len="med"/>
+                    </a:lnL>
+                    <a:lnR w="12700" cap="flat" cmpd="sng" algn="ctr">
+                      <a:solidFill>
+                        <a:schemeClr val="tx1"/>
+                      </a:solidFill>
+                      <a:prstDash val="solid"/>
+                      <a:round/>
+                      <a:headEnd type="none" w="med" len="med"/>
+                      <a:tailEnd type="none" w="med" len="med"/>
+                    </a:lnR>
+                    <a:lnT w="12700" cap="flat" cmpd="sng" algn="ctr">
+                      <a:solidFill>
+                        <a:schemeClr val="tx1"/>
+                      </a:solidFill>
+                      <a:prstDash val="solid"/>
+                      <a:round/>
+                      <a:headEnd type="none" w="med" len="med"/>
+                      <a:tailEnd type="none" w="med" len="med"/>
+                    </a:lnT>
+                    <a:lnB w="12700" cap="flat" cmpd="sng" algn="ctr">
+                      <a:solidFill>
+                        <a:schemeClr val="tx1"/>
+                      </a:solidFill>
+                      <a:prstDash val="solid"/>
+                      <a:round/>
+                      <a:headEnd type="none" w="med" len="med"/>
+                      <a:tailEnd type="none" w="med" len="med"/>
+                    </a:lnB>
+                    <a:solidFill>
+                      <a:schemeClr val="bg1"/>
+                    </a:solidFill>
+                  </a:tcPr>
+                </a:tc>
+                <a:tc>
+                  <a:txBody>
+                    <a:bodyPr/>
+                    <a:lstStyle/>
+                    <a:p>
+                      <a:pPr algn="r" rtl="0" fontAlgn="b"/>
+                      <a:r>
+                        <a:rPr lang="pt-BR" sz="1100">
+                          <a:effectLst/>
+                        </a:rPr>
+                        <a:t>23/02/26</a:t>
+                      </a:r>
+                    </a:p>
+                  </a:txBody>
+                  <a:tcPr marL="28575" marR="28575" marT="19050" marB="19050" anchor="b">
+                    <a:lnL w="12700" cap="flat" cmpd="sng" algn="ctr">
+                      <a:solidFill>
+                        <a:schemeClr val="tx1"/>
+                      </a:solidFill>
+                      <a:prstDash val="solid"/>
+                      <a:round/>
+                      <a:headEnd type="none" w="med" len="med"/>
+                      <a:tailEnd type="none" w="med" len="med"/>
+                    </a:lnL>
+                    <a:lnR w="12700" cap="flat" cmpd="sng" algn="ctr">
+                      <a:solidFill>
+                        <a:schemeClr val="tx1"/>
+                      </a:solidFill>
+                      <a:prstDash val="solid"/>
+                      <a:round/>
+                      <a:headEnd type="none" w="med" len="med"/>
+                      <a:tailEnd type="none" w="med" len="med"/>
+                    </a:lnR>
+                    <a:lnT w="12700" cap="flat" cmpd="sng" algn="ctr">
+                      <a:solidFill>
+                        <a:schemeClr val="tx1"/>
+                      </a:solidFill>
+                      <a:prstDash val="solid"/>
+                      <a:round/>
+                      <a:headEnd type="none" w="med" len="med"/>
+                      <a:tailEnd type="none" w="med" len="med"/>
+                    </a:lnT>
+                    <a:lnB w="12700" cap="flat" cmpd="sng" algn="ctr">
+                      <a:solidFill>
+                        <a:schemeClr val="tx1"/>
+                      </a:solidFill>
+                      <a:prstDash val="solid"/>
+                      <a:round/>
+                      <a:headEnd type="none" w="med" len="med"/>
+                      <a:tailEnd type="none" w="med" len="med"/>
+                    </a:lnB>
+                    <a:solidFill>
+                      <a:schemeClr val="bg1"/>
+                    </a:solidFill>
+                  </a:tcPr>
+                </a:tc>
+                <a:tc>
+                  <a:txBody>
+                    <a:bodyPr/>
+                    <a:lstStyle/>
+                    <a:p>
+                      <a:pPr algn="ctr"/>
+                      <a:r>
+                        <a:rPr lang="pt-BR" sz="1100" dirty="0" smtClean="0"/>
+                        <a:t>Segunda-feira</a:t>
+                      </a:r>
+                      <a:endParaRPr lang="pt-BR" sz="1100" dirty="0"/>
+                    </a:p>
+                  </a:txBody>
+                  <a:tcPr>
+                    <a:lnL w="12700" cap="flat" cmpd="sng" algn="ctr">
+                      <a:solidFill>
+                        <a:schemeClr val="tx1"/>
+                      </a:solidFill>
+                      <a:prstDash val="solid"/>
+                      <a:round/>
+                      <a:headEnd type="none" w="med" len="med"/>
+                      <a:tailEnd type="none" w="med" len="med"/>
+                    </a:lnL>
+                    <a:lnR w="12700" cap="flat" cmpd="sng" algn="ctr">
+                      <a:solidFill>
+                        <a:schemeClr val="tx1"/>
+                      </a:solidFill>
+                      <a:prstDash val="solid"/>
+                      <a:round/>
+                      <a:headEnd type="none" w="med" len="med"/>
+                      <a:tailEnd type="none" w="med" len="med"/>
+                    </a:lnR>
+                    <a:lnT w="12700" cap="flat" cmpd="sng" algn="ctr">
+                      <a:solidFill>
+                        <a:schemeClr val="tx1"/>
+                      </a:solidFill>
+                      <a:prstDash val="solid"/>
+                      <a:round/>
+                      <a:headEnd type="none" w="med" len="med"/>
+                      <a:tailEnd type="none" w="med" len="med"/>
+                    </a:lnT>
+                    <a:lnB w="12700" cap="flat" cmpd="sng" algn="ctr">
+                      <a:solidFill>
+                        <a:schemeClr val="tx1"/>
+                      </a:solidFill>
+                      <a:prstDash val="solid"/>
+                      <a:round/>
+                      <a:headEnd type="none" w="med" len="med"/>
+                      <a:tailEnd type="none" w="med" len="med"/>
+                    </a:lnB>
+                    <a:solidFill>
+                      <a:schemeClr val="bg1"/>
+                    </a:solidFill>
+                  </a:tcPr>
+                </a:tc>
+                <a:tc>
+                  <a:txBody>
+                    <a:bodyPr/>
+                    <a:lstStyle/>
+                    <a:p>
+                      <a:pPr algn="ctr"/>
+                      <a:r>
+                        <a:rPr lang="pt-BR" sz="1100" dirty="0" smtClean="0"/>
+                        <a:t>Inteligência Artificial</a:t>
+                      </a:r>
+                      <a:endParaRPr lang="pt-BR" sz="1100" dirty="0"/>
+                    </a:p>
+                  </a:txBody>
+                  <a:tcPr>
+                    <a:lnL w="12700" cap="flat" cmpd="sng" algn="ctr">
+                      <a:solidFill>
+                        <a:schemeClr val="tx1"/>
+                      </a:solidFill>
+                      <a:prstDash val="solid"/>
+                      <a:round/>
+                      <a:headEnd type="none" w="med" len="med"/>
+                      <a:tailEnd type="none" w="med" len="med"/>
+                    </a:lnL>
+                    <a:lnR w="12700" cap="flat" cmpd="sng" algn="ctr">
+                      <a:solidFill>
+                        <a:schemeClr val="tx1"/>
+                      </a:solidFill>
+                      <a:prstDash val="solid"/>
+                      <a:round/>
+                      <a:headEnd type="none" w="med" len="med"/>
+                      <a:tailEnd type="none" w="med" len="med"/>
+                    </a:lnR>
+                    <a:lnT w="12700" cap="flat" cmpd="sng" algn="ctr">
+                      <a:solidFill>
+                        <a:schemeClr val="tx1"/>
+                      </a:solidFill>
+                      <a:prstDash val="solid"/>
+                      <a:round/>
+                      <a:headEnd type="none" w="med" len="med"/>
+                      <a:tailEnd type="none" w="med" len="med"/>
+                    </a:lnT>
+                    <a:lnB w="12700" cap="flat" cmpd="sng" algn="ctr">
+                      <a:solidFill>
+                        <a:schemeClr val="tx1"/>
+                      </a:solidFill>
+                      <a:prstDash val="solid"/>
+                      <a:round/>
+                      <a:headEnd type="none" w="med" len="med"/>
+                      <a:tailEnd type="none" w="med" len="med"/>
+                    </a:lnB>
+                    <a:solidFill>
+                      <a:schemeClr val="bg1"/>
+                    </a:solidFill>
+                  </a:tcPr>
+                </a:tc>
+              </a:tr>
+              <a:tr h="221683">
+                <a:tc>
+                  <a:txBody>
+                    <a:bodyPr/>
+                    <a:lstStyle/>
+                    <a:p>
+                      <a:pPr algn="ctr"/>
+                      <a:r>
+                        <a:rPr lang="pt-BR" sz="1100" dirty="0" smtClean="0"/>
+                        <a:t>4</a:t>
+                      </a:r>
+                      <a:endParaRPr lang="pt-BR" sz="1100" dirty="0"/>
+                    </a:p>
+                  </a:txBody>
+                  <a:tcPr>
+                    <a:lnL w="12700" cap="flat" cmpd="sng" algn="ctr">
+                      <a:solidFill>
+                        <a:schemeClr val="tx1"/>
+                      </a:solidFill>
+                      <a:prstDash val="solid"/>
+                      <a:round/>
+                      <a:headEnd type="none" w="med" len="med"/>
+                      <a:tailEnd type="none" w="med" len="med"/>
+                    </a:lnL>
+                    <a:lnR w="12700" cap="flat" cmpd="sng" algn="ctr">
+                      <a:solidFill>
+                        <a:schemeClr val="tx1"/>
+                      </a:solidFill>
+                      <a:prstDash val="solid"/>
+                      <a:round/>
+                      <a:headEnd type="none" w="med" len="med"/>
+                      <a:tailEnd type="none" w="med" len="med"/>
+                    </a:lnR>
+                    <a:lnT w="12700" cap="flat" cmpd="sng" algn="ctr">
+                      <a:solidFill>
+                        <a:schemeClr val="tx1"/>
+                      </a:solidFill>
+                      <a:prstDash val="solid"/>
+                      <a:round/>
+                      <a:headEnd type="none" w="med" len="med"/>
+                      <a:tailEnd type="none" w="med" len="med"/>
+                    </a:lnT>
+                    <a:lnB w="12700" cap="flat" cmpd="sng" algn="ctr">
+                      <a:solidFill>
+                        <a:schemeClr val="tx1"/>
+                      </a:solidFill>
+                      <a:prstDash val="solid"/>
+                      <a:round/>
+                      <a:headEnd type="none" w="med" len="med"/>
+                      <a:tailEnd type="none" w="med" len="med"/>
+                    </a:lnB>
+                    <a:solidFill>
+                      <a:schemeClr val="bg1"/>
+                    </a:solidFill>
+                  </a:tcPr>
+                </a:tc>
+                <a:tc>
+                  <a:txBody>
+                    <a:bodyPr/>
+                    <a:lstStyle/>
+                    <a:p>
+                      <a:pPr algn="r" rtl="0" fontAlgn="b"/>
+                      <a:r>
+                        <a:rPr lang="pt-BR" sz="1100" dirty="0">
+                          <a:effectLst/>
+                        </a:rPr>
+                        <a:t>02/03/26</a:t>
+                      </a:r>
+                    </a:p>
+                  </a:txBody>
+                  <a:tcPr marL="28575" marR="28575" marT="19050" marB="19050" anchor="b">
+                    <a:lnL w="12700" cap="flat" cmpd="sng" algn="ctr">
+                      <a:solidFill>
+                        <a:schemeClr val="tx1"/>
+                      </a:solidFill>
+                      <a:prstDash val="solid"/>
+                      <a:round/>
+                      <a:headEnd type="none" w="med" len="med"/>
+                      <a:tailEnd type="none" w="med" len="med"/>
+                    </a:lnL>
+                    <a:lnR w="12700" cap="flat" cmpd="sng" algn="ctr">
+                      <a:solidFill>
+                        <a:schemeClr val="tx1"/>
+                      </a:solidFill>
+                      <a:prstDash val="solid"/>
+                      <a:round/>
+                      <a:headEnd type="none" w="med" len="med"/>
+                      <a:tailEnd type="none" w="med" len="med"/>
+                    </a:lnR>
+                    <a:lnT w="12700" cap="flat" cmpd="sng" algn="ctr">
+                      <a:solidFill>
+                        <a:schemeClr val="tx1"/>
+                      </a:solidFill>
+                      <a:prstDash val="solid"/>
+                      <a:round/>
+                      <a:headEnd type="none" w="med" len="med"/>
+                      <a:tailEnd type="none" w="med" len="med"/>
+                    </a:lnT>
+                    <a:lnB w="12700" cap="flat" cmpd="sng" algn="ctr">
+                      <a:solidFill>
+                        <a:schemeClr val="tx1"/>
+                      </a:solidFill>
+                      <a:prstDash val="solid"/>
+                      <a:round/>
+                      <a:headEnd type="none" w="med" len="med"/>
+                      <a:tailEnd type="none" w="med" len="med"/>
+                    </a:lnB>
+                    <a:solidFill>
+                      <a:schemeClr val="bg1"/>
+                    </a:solidFill>
+                  </a:tcPr>
+                </a:tc>
+                <a:tc>
+                  <a:txBody>
+                    <a:bodyPr/>
+                    <a:lstStyle/>
+                    <a:p>
+                      <a:pPr algn="ctr"/>
+                      <a:r>
+                        <a:rPr lang="pt-BR" sz="1100" dirty="0" smtClean="0"/>
+                        <a:t>Segunda-feira</a:t>
+                      </a:r>
+                      <a:endParaRPr lang="pt-BR" sz="1100" dirty="0"/>
+                    </a:p>
+                  </a:txBody>
+                  <a:tcPr>
+                    <a:lnL w="12700" cap="flat" cmpd="sng" algn="ctr">
+                      <a:solidFill>
+                        <a:schemeClr val="tx1"/>
+                      </a:solidFill>
+                      <a:prstDash val="solid"/>
+                      <a:round/>
+                      <a:headEnd type="none" w="med" len="med"/>
+                      <a:tailEnd type="none" w="med" len="med"/>
+                    </a:lnL>
+                    <a:lnR w="12700" cap="flat" cmpd="sng" algn="ctr">
+                      <a:solidFill>
+                        <a:schemeClr val="tx1"/>
+                      </a:solidFill>
+                      <a:prstDash val="solid"/>
+                      <a:round/>
+                      <a:headEnd type="none" w="med" len="med"/>
+                      <a:tailEnd type="none" w="med" len="med"/>
+                    </a:lnR>
+                    <a:lnT w="12700" cap="flat" cmpd="sng" algn="ctr">
+                      <a:solidFill>
+                        <a:schemeClr val="tx1"/>
+                      </a:solidFill>
+                      <a:prstDash val="solid"/>
+                      <a:round/>
+                      <a:headEnd type="none" w="med" len="med"/>
+                      <a:tailEnd type="none" w="med" len="med"/>
+                    </a:lnT>
+                    <a:lnB w="12700" cap="flat" cmpd="sng" algn="ctr">
+                      <a:solidFill>
+                        <a:schemeClr val="tx1"/>
+                      </a:solidFill>
+                      <a:prstDash val="solid"/>
+                      <a:round/>
+                      <a:headEnd type="none" w="med" len="med"/>
+                      <a:tailEnd type="none" w="med" len="med"/>
+                    </a:lnB>
+                    <a:solidFill>
+                      <a:schemeClr val="bg1"/>
+                    </a:solidFill>
+                  </a:tcPr>
+                </a:tc>
+                <a:tc>
+                  <a:txBody>
+                    <a:bodyPr/>
+                    <a:lstStyle/>
+                    <a:p>
+                      <a:pPr algn="ctr"/>
+                      <a:r>
+                        <a:rPr lang="pt-BR" sz="1100" dirty="0" smtClean="0"/>
+                        <a:t>Inteligência Artificial</a:t>
+                      </a:r>
+                      <a:endParaRPr lang="pt-BR" sz="1100" dirty="0"/>
+                    </a:p>
+                  </a:txBody>
+                  <a:tcPr>
+                    <a:lnL w="12700" cap="flat" cmpd="sng" algn="ctr">
+                      <a:solidFill>
+                        <a:schemeClr val="tx1"/>
+                      </a:solidFill>
+                      <a:prstDash val="solid"/>
+                      <a:round/>
+                      <a:headEnd type="none" w="med" len="med"/>
+                      <a:tailEnd type="none" w="med" len="med"/>
+                    </a:lnL>
+                    <a:lnR w="12700" cap="flat" cmpd="sng" algn="ctr">
+                      <a:solidFill>
+                        <a:schemeClr val="tx1"/>
+                      </a:solidFill>
+                      <a:prstDash val="solid"/>
+                      <a:round/>
+                      <a:headEnd type="none" w="med" len="med"/>
+                      <a:tailEnd type="none" w="med" len="med"/>
+                    </a:lnR>
+                    <a:lnT w="12700" cap="flat" cmpd="sng" algn="ctr">
+                      <a:solidFill>
+                        <a:schemeClr val="tx1"/>
+                      </a:solidFill>
+                      <a:prstDash val="solid"/>
+                      <a:round/>
+                      <a:headEnd type="none" w="med" len="med"/>
+                      <a:tailEnd type="none" w="med" len="med"/>
+                    </a:lnT>
+                    <a:lnB w="12700" cap="flat" cmpd="sng" algn="ctr">
+                      <a:solidFill>
+                        <a:schemeClr val="tx1"/>
+                      </a:solidFill>
+                      <a:prstDash val="solid"/>
+                      <a:round/>
+                      <a:headEnd type="none" w="med" len="med"/>
+                      <a:tailEnd type="none" w="med" len="med"/>
+                    </a:lnB>
+                    <a:solidFill>
+                      <a:schemeClr val="bg1"/>
+                    </a:solidFill>
+                  </a:tcPr>
+                </a:tc>
+              </a:tr>
+              <a:tr h="221683">
+                <a:tc>
+                  <a:txBody>
+                    <a:bodyPr/>
+                    <a:lstStyle/>
+                    <a:p>
+                      <a:pPr algn="ctr"/>
+                      <a:r>
+                        <a:rPr lang="pt-BR" sz="1100" dirty="0" smtClean="0"/>
+                        <a:t>5</a:t>
+                      </a:r>
+                      <a:endParaRPr lang="pt-BR" sz="1100" dirty="0"/>
+                    </a:p>
+                  </a:txBody>
+                  <a:tcPr>
+                    <a:lnL w="12700" cap="flat" cmpd="sng" algn="ctr">
+                      <a:solidFill>
+                        <a:schemeClr val="tx1"/>
+                      </a:solidFill>
+                      <a:prstDash val="solid"/>
+                      <a:round/>
+                      <a:headEnd type="none" w="med" len="med"/>
+                      <a:tailEnd type="none" w="med" len="med"/>
+                    </a:lnL>
+                    <a:lnR w="12700" cap="flat" cmpd="sng" algn="ctr">
+                      <a:solidFill>
+                        <a:schemeClr val="tx1"/>
+                      </a:solidFill>
+                      <a:prstDash val="solid"/>
+                      <a:round/>
+                      <a:headEnd type="none" w="med" len="med"/>
+                      <a:tailEnd type="none" w="med" len="med"/>
+                    </a:lnR>
+                    <a:lnT w="12700" cap="flat" cmpd="sng" algn="ctr">
+                      <a:solidFill>
+                        <a:schemeClr val="tx1"/>
+                      </a:solidFill>
+                      <a:prstDash val="solid"/>
+                      <a:round/>
+                      <a:headEnd type="none" w="med" len="med"/>
+                      <a:tailEnd type="none" w="med" len="med"/>
+                    </a:lnT>
+                    <a:lnB w="12700" cap="flat" cmpd="sng" algn="ctr">
+                      <a:solidFill>
+                        <a:schemeClr val="tx1"/>
+                      </a:solidFill>
+                      <a:prstDash val="solid"/>
+                      <a:round/>
+                      <a:headEnd type="none" w="med" len="med"/>
+                      <a:tailEnd type="none" w="med" len="med"/>
+                    </a:lnB>
+                    <a:solidFill>
+                      <a:schemeClr val="bg1"/>
+                    </a:solidFill>
+                  </a:tcPr>
+                </a:tc>
+                <a:tc>
+                  <a:txBody>
+                    <a:bodyPr/>
+                    <a:lstStyle/>
+                    <a:p>
+                      <a:pPr algn="r" rtl="0" fontAlgn="b"/>
+                      <a:r>
+                        <a:rPr lang="pt-BR" sz="1100">
+                          <a:effectLst/>
+                        </a:rPr>
+                        <a:t>09/03/26</a:t>
+                      </a:r>
+                    </a:p>
+                  </a:txBody>
+                  <a:tcPr marL="28575" marR="28575" marT="19050" marB="19050" anchor="b">
+                    <a:lnL w="12700" cap="flat" cmpd="sng" algn="ctr">
+                      <a:solidFill>
+                        <a:schemeClr val="tx1"/>
+                      </a:solidFill>
+                      <a:prstDash val="solid"/>
+                      <a:round/>
+                      <a:headEnd type="none" w="med" len="med"/>
+                      <a:tailEnd type="none" w="med" len="med"/>
+                    </a:lnL>
+                    <a:lnR w="12700" cap="flat" cmpd="sng" algn="ctr">
+                      <a:solidFill>
+                        <a:schemeClr val="tx1"/>
+                      </a:solidFill>
+                      <a:prstDash val="solid"/>
+                      <a:round/>
+                      <a:headEnd type="none" w="med" len="med"/>
+                      <a:tailEnd type="none" w="med" len="med"/>
+                    </a:lnR>
+                    <a:lnT w="12700" cap="flat" cmpd="sng" algn="ctr">
+                      <a:solidFill>
+                        <a:schemeClr val="tx1"/>
+                      </a:solidFill>
+                      <a:prstDash val="solid"/>
+                      <a:round/>
+                      <a:headEnd type="none" w="med" len="med"/>
+                      <a:tailEnd type="none" w="med" len="med"/>
+                    </a:lnT>
+                    <a:lnB w="12700" cap="flat" cmpd="sng" algn="ctr">
+                      <a:solidFill>
+                        <a:schemeClr val="tx1"/>
+                      </a:solidFill>
+                      <a:prstDash val="solid"/>
+                      <a:round/>
+                      <a:headEnd type="none" w="med" len="med"/>
+                      <a:tailEnd type="none" w="med" len="med"/>
+                    </a:lnB>
+                    <a:solidFill>
+                      <a:schemeClr val="bg1"/>
+                    </a:solidFill>
+                  </a:tcPr>
+                </a:tc>
+                <a:tc>
+                  <a:txBody>
+                    <a:bodyPr/>
+                    <a:lstStyle/>
+                    <a:p>
+                      <a:pPr algn="ctr"/>
+                      <a:r>
+                        <a:rPr lang="pt-BR" sz="1100" dirty="0" smtClean="0"/>
+                        <a:t>Segunda-feira</a:t>
+                      </a:r>
+                      <a:endParaRPr lang="pt-BR" sz="1100" dirty="0"/>
+                    </a:p>
+                  </a:txBody>
+                  <a:tcPr>
+                    <a:lnL w="12700" cap="flat" cmpd="sng" algn="ctr">
+                      <a:solidFill>
+                        <a:schemeClr val="tx1"/>
+                      </a:solidFill>
+                      <a:prstDash val="solid"/>
+                      <a:round/>
+                      <a:headEnd type="none" w="med" len="med"/>
+                      <a:tailEnd type="none" w="med" len="med"/>
+                    </a:lnL>
+                    <a:lnR w="12700" cap="flat" cmpd="sng" algn="ctr">
+                      <a:solidFill>
+                        <a:schemeClr val="tx1"/>
+                      </a:solidFill>
+                      <a:prstDash val="solid"/>
+                      <a:round/>
+                      <a:headEnd type="none" w="med" len="med"/>
+                      <a:tailEnd type="none" w="med" len="med"/>
+                    </a:lnR>
+                    <a:lnT w="12700" cap="flat" cmpd="sng" algn="ctr">
+                      <a:solidFill>
+                        <a:schemeClr val="tx1"/>
+                      </a:solidFill>
+                      <a:prstDash val="solid"/>
+                      <a:round/>
+                      <a:headEnd type="none" w="med" len="med"/>
+                      <a:tailEnd type="none" w="med" len="med"/>
+                    </a:lnT>
+                    <a:lnB w="12700" cap="flat" cmpd="sng" algn="ctr">
+                      <a:solidFill>
+                        <a:schemeClr val="tx1"/>
+                      </a:solidFill>
+                      <a:prstDash val="solid"/>
+                      <a:round/>
+                      <a:headEnd type="none" w="med" len="med"/>
+                      <a:tailEnd type="none" w="med" len="med"/>
+                    </a:lnB>
+                    <a:solidFill>
+                      <a:schemeClr val="bg1"/>
+                    </a:solidFill>
+                  </a:tcPr>
+                </a:tc>
+                <a:tc>
+                  <a:txBody>
+                    <a:bodyPr/>
+                    <a:lstStyle/>
+                    <a:p>
+                      <a:pPr algn="ctr"/>
+                      <a:r>
+                        <a:rPr lang="pt-BR" sz="1100" dirty="0" smtClean="0"/>
+                        <a:t>Inteligência Artificial</a:t>
+                      </a:r>
+                      <a:endParaRPr lang="pt-BR" sz="1100" dirty="0"/>
+                    </a:p>
+                  </a:txBody>
+                  <a:tcPr>
+                    <a:lnL w="12700" cap="flat" cmpd="sng" algn="ctr">
+                      <a:solidFill>
+                        <a:schemeClr val="tx1"/>
+                      </a:solidFill>
+                      <a:prstDash val="solid"/>
+                      <a:round/>
+                      <a:headEnd type="none" w="med" len="med"/>
+                      <a:tailEnd type="none" w="med" len="med"/>
+                    </a:lnL>
+                    <a:lnR w="12700" cap="flat" cmpd="sng" algn="ctr">
+                      <a:solidFill>
+                        <a:schemeClr val="tx1"/>
+                      </a:solidFill>
+                      <a:prstDash val="solid"/>
+                      <a:round/>
+                      <a:headEnd type="none" w="med" len="med"/>
+                      <a:tailEnd type="none" w="med" len="med"/>
+                    </a:lnR>
+                    <a:lnT w="12700" cap="flat" cmpd="sng" algn="ctr">
+                      <a:solidFill>
+                        <a:schemeClr val="tx1"/>
+                      </a:solidFill>
+                      <a:prstDash val="solid"/>
+                      <a:round/>
+                      <a:headEnd type="none" w="med" len="med"/>
+                      <a:tailEnd type="none" w="med" len="med"/>
+                    </a:lnT>
+                    <a:lnB w="12700" cap="flat" cmpd="sng" algn="ctr">
+                      <a:solidFill>
+                        <a:schemeClr val="tx1"/>
+                      </a:solidFill>
+                      <a:prstDash val="solid"/>
+                      <a:round/>
+                      <a:headEnd type="none" w="med" len="med"/>
+                      <a:tailEnd type="none" w="med" len="med"/>
+                    </a:lnB>
+                    <a:solidFill>
+                      <a:schemeClr val="bg1"/>
+                    </a:solidFill>
+                  </a:tcPr>
+                </a:tc>
+              </a:tr>
+              <a:tr h="221683">
+                <a:tc>
+                  <a:txBody>
+                    <a:bodyPr/>
+                    <a:lstStyle/>
+                    <a:p>
+                      <a:pPr algn="ctr"/>
+                      <a:r>
+                        <a:rPr lang="pt-BR" sz="1100" dirty="0" smtClean="0"/>
+                        <a:t>6</a:t>
+                      </a:r>
+                      <a:endParaRPr lang="pt-BR" sz="1100" dirty="0"/>
+                    </a:p>
+                  </a:txBody>
+                  <a:tcPr>
+                    <a:lnL w="12700" cap="flat" cmpd="sng" algn="ctr">
+                      <a:solidFill>
+                        <a:schemeClr val="tx1"/>
+                      </a:solidFill>
+                      <a:prstDash val="solid"/>
+                      <a:round/>
+                      <a:headEnd type="none" w="med" len="med"/>
+                      <a:tailEnd type="none" w="med" len="med"/>
+                    </a:lnL>
+                    <a:lnR w="12700" cap="flat" cmpd="sng" algn="ctr">
+                      <a:solidFill>
+                        <a:schemeClr val="tx1"/>
+                      </a:solidFill>
+                      <a:prstDash val="solid"/>
+                      <a:round/>
+                      <a:headEnd type="none" w="med" len="med"/>
+                      <a:tailEnd type="none" w="med" len="med"/>
+                    </a:lnR>
+                    <a:lnT w="12700" cap="flat" cmpd="sng" algn="ctr">
+                      <a:solidFill>
+                        <a:schemeClr val="tx1"/>
+                      </a:solidFill>
+                      <a:prstDash val="solid"/>
+                      <a:round/>
+                      <a:headEnd type="none" w="med" len="med"/>
+                      <a:tailEnd type="none" w="med" len="med"/>
+                    </a:lnT>
+                    <a:lnB w="12700" cap="flat" cmpd="sng" algn="ctr">
+                      <a:solidFill>
+                        <a:schemeClr val="tx1"/>
+                      </a:solidFill>
+                      <a:prstDash val="solid"/>
+                      <a:round/>
+                      <a:headEnd type="none" w="med" len="med"/>
+                      <a:tailEnd type="none" w="med" len="med"/>
+                    </a:lnB>
+                    <a:solidFill>
+                      <a:schemeClr val="bg1"/>
+                    </a:solidFill>
+                  </a:tcPr>
+                </a:tc>
+                <a:tc>
+                  <a:txBody>
+                    <a:bodyPr/>
+                    <a:lstStyle/>
+                    <a:p>
+                      <a:pPr algn="r" rtl="0" fontAlgn="b"/>
+                      <a:r>
+                        <a:rPr lang="pt-BR" sz="1100">
+                          <a:effectLst/>
+                        </a:rPr>
+                        <a:t>16/03/26</a:t>
+                      </a:r>
+                    </a:p>
+                  </a:txBody>
+                  <a:tcPr marL="28575" marR="28575" marT="19050" marB="19050" anchor="b">
+                    <a:lnL w="12700" cap="flat" cmpd="sng" algn="ctr">
+                      <a:solidFill>
+                        <a:schemeClr val="tx1"/>
+                      </a:solidFill>
+                      <a:prstDash val="solid"/>
+                      <a:round/>
+                      <a:headEnd type="none" w="med" len="med"/>
+                      <a:tailEnd type="none" w="med" len="med"/>
+                    </a:lnL>
+                    <a:lnR w="12700" cap="flat" cmpd="sng" algn="ctr">
+                      <a:solidFill>
+                        <a:schemeClr val="tx1"/>
+                      </a:solidFill>
+                      <a:prstDash val="solid"/>
+                      <a:round/>
+                      <a:headEnd type="none" w="med" len="med"/>
+                      <a:tailEnd type="none" w="med" len="med"/>
+                    </a:lnR>
+                    <a:lnT w="12700" cap="flat" cmpd="sng" algn="ctr">
+                      <a:solidFill>
+                        <a:schemeClr val="tx1"/>
+                      </a:solidFill>
+                      <a:prstDash val="solid"/>
+                      <a:round/>
+                      <a:headEnd type="none" w="med" len="med"/>
+                      <a:tailEnd type="none" w="med" len="med"/>
+                    </a:lnT>
+                    <a:lnB w="12700" cap="flat" cmpd="sng" algn="ctr">
+                      <a:solidFill>
+                        <a:schemeClr val="tx1"/>
+                      </a:solidFill>
+                      <a:prstDash val="solid"/>
+                      <a:round/>
+                      <a:headEnd type="none" w="med" len="med"/>
+                      <a:tailEnd type="none" w="med" len="med"/>
+                    </a:lnB>
+                    <a:solidFill>
+                      <a:schemeClr val="bg1"/>
+                    </a:solidFill>
+                  </a:tcPr>
+                </a:tc>
+                <a:tc>
+                  <a:txBody>
+                    <a:bodyPr/>
+                    <a:lstStyle/>
+                    <a:p>
+                      <a:pPr algn="ctr"/>
+                      <a:r>
+                        <a:rPr lang="pt-BR" sz="1100" dirty="0" smtClean="0"/>
+                        <a:t>Segunda-feira</a:t>
+                      </a:r>
+                      <a:endParaRPr lang="pt-BR" sz="1100" dirty="0"/>
+                    </a:p>
+                  </a:txBody>
+                  <a:tcPr>
+                    <a:lnL w="12700" cap="flat" cmpd="sng" algn="ctr">
+                      <a:solidFill>
+                        <a:schemeClr val="tx1"/>
+                      </a:solidFill>
+                      <a:prstDash val="solid"/>
+                      <a:round/>
+                      <a:headEnd type="none" w="med" len="med"/>
+                      <a:tailEnd type="none" w="med" len="med"/>
+                    </a:lnL>
+                    <a:lnR w="12700" cap="flat" cmpd="sng" algn="ctr">
+                      <a:solidFill>
+                        <a:schemeClr val="tx1"/>
+                      </a:solidFill>
+                      <a:prstDash val="solid"/>
+                      <a:round/>
+                      <a:headEnd type="none" w="med" len="med"/>
+                      <a:tailEnd type="none" w="med" len="med"/>
+                    </a:lnR>
+                    <a:lnT w="12700" cap="flat" cmpd="sng" algn="ctr">
+                      <a:solidFill>
+                        <a:schemeClr val="tx1"/>
+                      </a:solidFill>
+                      <a:prstDash val="solid"/>
+                      <a:round/>
+                      <a:headEnd type="none" w="med" len="med"/>
+                      <a:tailEnd type="none" w="med" len="med"/>
+                    </a:lnT>
+                    <a:lnB w="12700" cap="flat" cmpd="sng" algn="ctr">
+                      <a:solidFill>
+                        <a:schemeClr val="tx1"/>
+                      </a:solidFill>
+                      <a:prstDash val="solid"/>
+                      <a:round/>
+                      <a:headEnd type="none" w="med" len="med"/>
+                      <a:tailEnd type="none" w="med" len="med"/>
+                    </a:lnB>
+                    <a:solidFill>
+                      <a:schemeClr val="bg1"/>
+                    </a:solidFill>
+                  </a:tcPr>
+                </a:tc>
+                <a:tc>
+                  <a:txBody>
+                    <a:bodyPr/>
+                    <a:lstStyle/>
+                    <a:p>
+                      <a:pPr algn="ctr"/>
+                      <a:r>
+                        <a:rPr lang="pt-BR" sz="1100" dirty="0" smtClean="0"/>
+                        <a:t>Inteligência Artificial</a:t>
+                      </a:r>
+                      <a:endParaRPr lang="pt-BR" sz="1100" dirty="0"/>
+                    </a:p>
+                  </a:txBody>
+                  <a:tcPr>
+                    <a:lnL w="12700" cap="flat" cmpd="sng" algn="ctr">
+                      <a:solidFill>
+                        <a:schemeClr val="tx1"/>
+                      </a:solidFill>
+                      <a:prstDash val="solid"/>
+                      <a:round/>
+                      <a:headEnd type="none" w="med" len="med"/>
+                      <a:tailEnd type="none" w="med" len="med"/>
+                    </a:lnL>
+                    <a:lnR w="12700" cap="flat" cmpd="sng" algn="ctr">
+                      <a:solidFill>
+                        <a:schemeClr val="tx1"/>
+                      </a:solidFill>
+                      <a:prstDash val="solid"/>
+                      <a:round/>
+                      <a:headEnd type="none" w="med" len="med"/>
+                      <a:tailEnd type="none" w="med" len="med"/>
+                    </a:lnR>
+                    <a:lnT w="12700" cap="flat" cmpd="sng" algn="ctr">
+                      <a:solidFill>
+                        <a:schemeClr val="tx1"/>
+                      </a:solidFill>
+                      <a:prstDash val="solid"/>
+                      <a:round/>
+                      <a:headEnd type="none" w="med" len="med"/>
+                      <a:tailEnd type="none" w="med" len="med"/>
+                    </a:lnT>
+                    <a:lnB w="12700" cap="flat" cmpd="sng" algn="ctr">
+                      <a:solidFill>
+                        <a:schemeClr val="tx1"/>
+                      </a:solidFill>
+                      <a:prstDash val="solid"/>
+                      <a:round/>
+                      <a:headEnd type="none" w="med" len="med"/>
+                      <a:tailEnd type="none" w="med" len="med"/>
+                    </a:lnB>
+                    <a:solidFill>
+                      <a:schemeClr val="bg1"/>
+                    </a:solidFill>
+                  </a:tcPr>
+                </a:tc>
+              </a:tr>
+              <a:tr h="221683">
+                <a:tc>
+                  <a:txBody>
+                    <a:bodyPr/>
+                    <a:lstStyle/>
+                    <a:p>
+                      <a:pPr algn="ctr"/>
+                      <a:r>
+                        <a:rPr lang="pt-BR" sz="1100" dirty="0" smtClean="0"/>
+                        <a:t>7</a:t>
+                      </a:r>
+                      <a:endParaRPr lang="pt-BR" sz="1100" dirty="0"/>
+                    </a:p>
+                  </a:txBody>
+                  <a:tcPr>
+                    <a:lnL w="12700" cap="flat" cmpd="sng" algn="ctr">
+                      <a:solidFill>
+                        <a:schemeClr val="tx1"/>
+                      </a:solidFill>
+                      <a:prstDash val="solid"/>
+                      <a:round/>
+                      <a:headEnd type="none" w="med" len="med"/>
+                      <a:tailEnd type="none" w="med" len="med"/>
+                    </a:lnL>
+                    <a:lnR w="12700" cap="flat" cmpd="sng" algn="ctr">
+                      <a:solidFill>
+                        <a:schemeClr val="tx1"/>
+                      </a:solidFill>
+                      <a:prstDash val="solid"/>
+                      <a:round/>
+                      <a:headEnd type="none" w="med" len="med"/>
+                      <a:tailEnd type="none" w="med" len="med"/>
+                    </a:lnR>
+                    <a:lnT w="12700" cap="flat" cmpd="sng" algn="ctr">
+                      <a:solidFill>
+                        <a:schemeClr val="tx1"/>
+                      </a:solidFill>
+                      <a:prstDash val="solid"/>
+                      <a:round/>
+                      <a:headEnd type="none" w="med" len="med"/>
+                      <a:tailEnd type="none" w="med" len="med"/>
+                    </a:lnT>
+                    <a:lnB w="12700" cap="flat" cmpd="sng" algn="ctr">
+                      <a:solidFill>
+                        <a:schemeClr val="tx1"/>
+                      </a:solidFill>
+                      <a:prstDash val="solid"/>
+                      <a:round/>
+                      <a:headEnd type="none" w="med" len="med"/>
+                      <a:tailEnd type="none" w="med" len="med"/>
+                    </a:lnB>
+                    <a:solidFill>
+                      <a:schemeClr val="bg1"/>
+                    </a:solidFill>
+                  </a:tcPr>
+                </a:tc>
+                <a:tc>
+                  <a:txBody>
+                    <a:bodyPr/>
+                    <a:lstStyle/>
+                    <a:p>
+                      <a:pPr algn="r" rtl="0" fontAlgn="b"/>
+                      <a:r>
+                        <a:rPr lang="pt-BR" sz="1100">
+                          <a:effectLst/>
+                        </a:rPr>
+                        <a:t>23/03/26</a:t>
+                      </a:r>
+                    </a:p>
+                  </a:txBody>
+                  <a:tcPr marL="28575" marR="28575" marT="19050" marB="19050" anchor="b">
+                    <a:lnL w="12700" cap="flat" cmpd="sng" algn="ctr">
+                      <a:solidFill>
+                        <a:schemeClr val="tx1"/>
+                      </a:solidFill>
+                      <a:prstDash val="solid"/>
+                      <a:round/>
+                      <a:headEnd type="none" w="med" len="med"/>
+                      <a:tailEnd type="none" w="med" len="med"/>
+                    </a:lnL>
+                    <a:lnR w="12700" cap="flat" cmpd="sng" algn="ctr">
+                      <a:solidFill>
+                        <a:schemeClr val="tx1"/>
+                      </a:solidFill>
+                      <a:prstDash val="solid"/>
+                      <a:round/>
+                      <a:headEnd type="none" w="med" len="med"/>
+                      <a:tailEnd type="none" w="med" len="med"/>
+                    </a:lnR>
+                    <a:lnT w="12700" cap="flat" cmpd="sng" algn="ctr">
+                      <a:solidFill>
+                        <a:schemeClr val="tx1"/>
+                      </a:solidFill>
+                      <a:prstDash val="solid"/>
+                      <a:round/>
+                      <a:headEnd type="none" w="med" len="med"/>
+                      <a:tailEnd type="none" w="med" len="med"/>
+                    </a:lnT>
+                    <a:lnB w="12700" cap="flat" cmpd="sng" algn="ctr">
+                      <a:solidFill>
+                        <a:schemeClr val="tx1"/>
+                      </a:solidFill>
+                      <a:prstDash val="solid"/>
+                      <a:round/>
+                      <a:headEnd type="none" w="med" len="med"/>
+                      <a:tailEnd type="none" w="med" len="med"/>
+                    </a:lnB>
+                    <a:solidFill>
+                      <a:schemeClr val="bg1"/>
+                    </a:solidFill>
+                  </a:tcPr>
+                </a:tc>
+                <a:tc>
+                  <a:txBody>
+                    <a:bodyPr/>
+                    <a:lstStyle/>
+                    <a:p>
+                      <a:pPr algn="ctr"/>
+                      <a:r>
+                        <a:rPr lang="pt-BR" sz="1100" dirty="0" smtClean="0"/>
+                        <a:t>Segunda-feira</a:t>
+                      </a:r>
+                      <a:endParaRPr lang="pt-BR" sz="1100" dirty="0"/>
+                    </a:p>
+                  </a:txBody>
+                  <a:tcPr>
+                    <a:lnL w="12700" cap="flat" cmpd="sng" algn="ctr">
+                      <a:solidFill>
+                        <a:schemeClr val="tx1"/>
+                      </a:solidFill>
+                      <a:prstDash val="solid"/>
+                      <a:round/>
+                      <a:headEnd type="none" w="med" len="med"/>
+                      <a:tailEnd type="none" w="med" len="med"/>
+                    </a:lnL>
+                    <a:lnR w="12700" cap="flat" cmpd="sng" algn="ctr">
+                      <a:solidFill>
+                        <a:schemeClr val="tx1"/>
+                      </a:solidFill>
+                      <a:prstDash val="solid"/>
+                      <a:round/>
+                      <a:headEnd type="none" w="med" len="med"/>
+                      <a:tailEnd type="none" w="med" len="med"/>
+                    </a:lnR>
+                    <a:lnT w="12700" cap="flat" cmpd="sng" algn="ctr">
+                      <a:solidFill>
+                        <a:schemeClr val="tx1"/>
+                      </a:solidFill>
+                      <a:prstDash val="solid"/>
+                      <a:round/>
+                      <a:headEnd type="none" w="med" len="med"/>
+                      <a:tailEnd type="none" w="med" len="med"/>
+                    </a:lnT>
+                    <a:lnB w="12700" cap="flat" cmpd="sng" algn="ctr">
+                      <a:solidFill>
+                        <a:schemeClr val="tx1"/>
+                      </a:solidFill>
+                      <a:prstDash val="solid"/>
+                      <a:round/>
+                      <a:headEnd type="none" w="med" len="med"/>
+                      <a:tailEnd type="none" w="med" len="med"/>
+                    </a:lnB>
+                    <a:solidFill>
+                      <a:schemeClr val="bg1"/>
+                    </a:solidFill>
+                  </a:tcPr>
+                </a:tc>
+                <a:tc>
+                  <a:txBody>
+                    <a:bodyPr/>
+                    <a:lstStyle/>
+                    <a:p>
+                      <a:pPr algn="ctr"/>
+                      <a:r>
+                        <a:rPr lang="pt-BR" sz="1100" dirty="0" smtClean="0"/>
+                        <a:t>Inteligência Artificial</a:t>
+                      </a:r>
+                      <a:endParaRPr lang="pt-BR" sz="1100" dirty="0"/>
+                    </a:p>
+                  </a:txBody>
+                  <a:tcPr>
+                    <a:lnL w="12700" cap="flat" cmpd="sng" algn="ctr">
+                      <a:solidFill>
+                        <a:schemeClr val="tx1"/>
+                      </a:solidFill>
+                      <a:prstDash val="solid"/>
+                      <a:round/>
+                      <a:headEnd type="none" w="med" len="med"/>
+                      <a:tailEnd type="none" w="med" len="med"/>
+                    </a:lnL>
+                    <a:lnR w="12700" cap="flat" cmpd="sng" algn="ctr">
+                      <a:solidFill>
+                        <a:schemeClr val="tx1"/>
+                      </a:solidFill>
+                      <a:prstDash val="solid"/>
+                      <a:round/>
+                      <a:headEnd type="none" w="med" len="med"/>
+                      <a:tailEnd type="none" w="med" len="med"/>
+                    </a:lnR>
+                    <a:lnT w="12700" cap="flat" cmpd="sng" algn="ctr">
+                      <a:solidFill>
+                        <a:schemeClr val="tx1"/>
+                      </a:solidFill>
+                      <a:prstDash val="solid"/>
+                      <a:round/>
+                      <a:headEnd type="none" w="med" len="med"/>
+                      <a:tailEnd type="none" w="med" len="med"/>
+                    </a:lnT>
+                    <a:lnB w="12700" cap="flat" cmpd="sng" algn="ctr">
+                      <a:solidFill>
+                        <a:schemeClr val="tx1"/>
+                      </a:solidFill>
+                      <a:prstDash val="solid"/>
+                      <a:round/>
+                      <a:headEnd type="none" w="med" len="med"/>
+                      <a:tailEnd type="none" w="med" len="med"/>
+                    </a:lnB>
+                    <a:solidFill>
+                      <a:schemeClr val="bg1"/>
+                    </a:solidFill>
+                  </a:tcPr>
+                </a:tc>
+              </a:tr>
+              <a:tr h="221683">
+                <a:tc>
+                  <a:txBody>
+                    <a:bodyPr/>
+                    <a:lstStyle/>
+                    <a:p>
+                      <a:pPr algn="ctr"/>
+                      <a:r>
+                        <a:rPr lang="pt-BR" sz="1100" dirty="0" smtClean="0"/>
+                        <a:t>8</a:t>
+                      </a:r>
+                      <a:endParaRPr lang="pt-BR" sz="1100" dirty="0"/>
+                    </a:p>
+                  </a:txBody>
+                  <a:tcPr>
+                    <a:lnL w="12700" cap="flat" cmpd="sng" algn="ctr">
+                      <a:solidFill>
+                        <a:schemeClr val="tx1"/>
+                      </a:solidFill>
+                      <a:prstDash val="solid"/>
+                      <a:round/>
+                      <a:headEnd type="none" w="med" len="med"/>
+                      <a:tailEnd type="none" w="med" len="med"/>
+                    </a:lnL>
+                    <a:lnR w="12700" cap="flat" cmpd="sng" algn="ctr">
+                      <a:solidFill>
+                        <a:schemeClr val="tx1"/>
+                      </a:solidFill>
+                      <a:prstDash val="solid"/>
+                      <a:round/>
+                      <a:headEnd type="none" w="med" len="med"/>
+                      <a:tailEnd type="none" w="med" len="med"/>
+                    </a:lnR>
+                    <a:lnT w="12700" cap="flat" cmpd="sng" algn="ctr">
+                      <a:solidFill>
+                        <a:schemeClr val="tx1"/>
+                      </a:solidFill>
+                      <a:prstDash val="solid"/>
+                      <a:round/>
+                      <a:headEnd type="none" w="med" len="med"/>
+                      <a:tailEnd type="none" w="med" len="med"/>
+                    </a:lnT>
+                    <a:lnB w="12700" cap="flat" cmpd="sng" algn="ctr">
+                      <a:solidFill>
+                        <a:schemeClr val="tx1"/>
+                      </a:solidFill>
+                      <a:prstDash val="solid"/>
+                      <a:round/>
+                      <a:headEnd type="none" w="med" len="med"/>
+                      <a:tailEnd type="none" w="med" len="med"/>
+                    </a:lnB>
+                    <a:solidFill>
+                      <a:schemeClr val="bg1"/>
+                    </a:solidFill>
+                  </a:tcPr>
+                </a:tc>
+                <a:tc>
+                  <a:txBody>
+                    <a:bodyPr/>
+                    <a:lstStyle/>
+                    <a:p>
+                      <a:pPr algn="r" rtl="0" fontAlgn="b"/>
+                      <a:r>
+                        <a:rPr lang="pt-BR" sz="1100">
+                          <a:effectLst/>
+                        </a:rPr>
+                        <a:t>30/03/26</a:t>
+                      </a:r>
+                    </a:p>
+                  </a:txBody>
+                  <a:tcPr marL="28575" marR="28575" marT="19050" marB="19050" anchor="b">
+                    <a:lnL w="12700" cap="flat" cmpd="sng" algn="ctr">
+                      <a:solidFill>
+                        <a:schemeClr val="tx1"/>
+                      </a:solidFill>
+                      <a:prstDash val="solid"/>
+                      <a:round/>
+                      <a:headEnd type="none" w="med" len="med"/>
+                      <a:tailEnd type="none" w="med" len="med"/>
+                    </a:lnL>
+                    <a:lnR w="12700" cap="flat" cmpd="sng" algn="ctr">
+                      <a:solidFill>
+                        <a:schemeClr val="tx1"/>
+                      </a:solidFill>
+                      <a:prstDash val="solid"/>
+                      <a:round/>
+                      <a:headEnd type="none" w="med" len="med"/>
+                      <a:tailEnd type="none" w="med" len="med"/>
+                    </a:lnR>
+                    <a:lnT w="12700" cap="flat" cmpd="sng" algn="ctr">
+                      <a:solidFill>
+                        <a:schemeClr val="tx1"/>
+                      </a:solidFill>
+                      <a:prstDash val="solid"/>
+                      <a:round/>
+                      <a:headEnd type="none" w="med" len="med"/>
+                      <a:tailEnd type="none" w="med" len="med"/>
+                    </a:lnT>
+                    <a:lnB w="12700" cap="flat" cmpd="sng" algn="ctr">
+                      <a:solidFill>
+                        <a:schemeClr val="tx1"/>
+                      </a:solidFill>
+                      <a:prstDash val="solid"/>
+                      <a:round/>
+                      <a:headEnd type="none" w="med" len="med"/>
+                      <a:tailEnd type="none" w="med" len="med"/>
+                    </a:lnB>
+                    <a:solidFill>
+                      <a:schemeClr val="bg1"/>
+                    </a:solidFill>
+                  </a:tcPr>
+                </a:tc>
+                <a:tc>
+                  <a:txBody>
+                    <a:bodyPr/>
+                    <a:lstStyle/>
+                    <a:p>
+                      <a:pPr algn="ctr"/>
+                      <a:r>
+                        <a:rPr lang="pt-BR" sz="1100" dirty="0" smtClean="0"/>
+                        <a:t>Segunda-feira</a:t>
+                      </a:r>
+                      <a:endParaRPr lang="pt-BR" sz="1100" dirty="0"/>
+                    </a:p>
+                  </a:txBody>
+                  <a:tcPr>
+                    <a:lnL w="12700" cap="flat" cmpd="sng" algn="ctr">
+                      <a:solidFill>
+                        <a:schemeClr val="tx1"/>
+                      </a:solidFill>
+                      <a:prstDash val="solid"/>
+                      <a:round/>
+                      <a:headEnd type="none" w="med" len="med"/>
+                      <a:tailEnd type="none" w="med" len="med"/>
+                    </a:lnL>
+                    <a:lnR w="12700" cap="flat" cmpd="sng" algn="ctr">
+                      <a:solidFill>
+                        <a:schemeClr val="tx1"/>
+                      </a:solidFill>
+                      <a:prstDash val="solid"/>
+                      <a:round/>
+                      <a:headEnd type="none" w="med" len="med"/>
+                      <a:tailEnd type="none" w="med" len="med"/>
+                    </a:lnR>
+                    <a:lnT w="12700" cap="flat" cmpd="sng" algn="ctr">
+                      <a:solidFill>
+                        <a:schemeClr val="tx1"/>
+                      </a:solidFill>
+                      <a:prstDash val="solid"/>
+                      <a:round/>
+                      <a:headEnd type="none" w="med" len="med"/>
+                      <a:tailEnd type="none" w="med" len="med"/>
+                    </a:lnT>
+                    <a:lnB w="12700" cap="flat" cmpd="sng" algn="ctr">
+                      <a:solidFill>
+                        <a:schemeClr val="tx1"/>
+                      </a:solidFill>
+                      <a:prstDash val="solid"/>
+                      <a:round/>
+                      <a:headEnd type="none" w="med" len="med"/>
+                      <a:tailEnd type="none" w="med" len="med"/>
+                    </a:lnB>
+                    <a:solidFill>
+                      <a:schemeClr val="bg1"/>
+                    </a:solidFill>
+                  </a:tcPr>
+                </a:tc>
+                <a:tc>
+                  <a:txBody>
+                    <a:bodyPr/>
+                    <a:lstStyle/>
+                    <a:p>
+                      <a:pPr algn="ctr"/>
+                      <a:r>
+                        <a:rPr lang="pt-BR" sz="1100" dirty="0" smtClean="0"/>
+                        <a:t>Inteligência Artificial</a:t>
+                      </a:r>
+                      <a:endParaRPr lang="pt-BR" sz="1100" dirty="0"/>
+                    </a:p>
+                  </a:txBody>
+                  <a:tcPr>
+                    <a:lnL w="12700" cap="flat" cmpd="sng" algn="ctr">
+                      <a:solidFill>
+                        <a:schemeClr val="tx1"/>
+                      </a:solidFill>
+                      <a:prstDash val="solid"/>
+                      <a:round/>
+                      <a:headEnd type="none" w="med" len="med"/>
+                      <a:tailEnd type="none" w="med" len="med"/>
+                    </a:lnL>
+                    <a:lnR w="12700" cap="flat" cmpd="sng" algn="ctr">
+                      <a:solidFill>
+                        <a:schemeClr val="tx1"/>
+                      </a:solidFill>
+                      <a:prstDash val="solid"/>
+                      <a:round/>
+                      <a:headEnd type="none" w="med" len="med"/>
+                      <a:tailEnd type="none" w="med" len="med"/>
+                    </a:lnR>
+                    <a:lnT w="12700" cap="flat" cmpd="sng" algn="ctr">
+                      <a:solidFill>
+                        <a:schemeClr val="tx1"/>
+                      </a:solidFill>
+                      <a:prstDash val="solid"/>
+                      <a:round/>
+                      <a:headEnd type="none" w="med" len="med"/>
+                      <a:tailEnd type="none" w="med" len="med"/>
+                    </a:lnT>
+                    <a:lnB w="12700" cap="flat" cmpd="sng" algn="ctr">
+                      <a:solidFill>
+                        <a:schemeClr val="tx1"/>
+                      </a:solidFill>
+                      <a:prstDash val="solid"/>
+                      <a:round/>
+                      <a:headEnd type="none" w="med" len="med"/>
+                      <a:tailEnd type="none" w="med" len="med"/>
+                    </a:lnB>
+                    <a:solidFill>
+                      <a:schemeClr val="bg1"/>
+                    </a:solidFill>
+                  </a:tcPr>
+                </a:tc>
+              </a:tr>
+              <a:tr h="221683">
+                <a:tc>
+                  <a:txBody>
+                    <a:bodyPr/>
+                    <a:lstStyle/>
+                    <a:p>
+                      <a:pPr algn="ctr"/>
+                      <a:r>
+                        <a:rPr lang="pt-BR" sz="1100" dirty="0" smtClean="0"/>
+                        <a:t>9</a:t>
+                      </a:r>
+                      <a:endParaRPr lang="pt-BR" sz="1100" dirty="0"/>
+                    </a:p>
+                  </a:txBody>
+                  <a:tcPr>
+                    <a:lnL w="12700" cap="flat" cmpd="sng" algn="ctr">
+                      <a:solidFill>
+                        <a:schemeClr val="tx1"/>
+                      </a:solidFill>
+                      <a:prstDash val="solid"/>
+                      <a:round/>
+                      <a:headEnd type="none" w="med" len="med"/>
+                      <a:tailEnd type="none" w="med" len="med"/>
+                    </a:lnL>
+                    <a:lnR w="12700" cap="flat" cmpd="sng" algn="ctr">
+                      <a:solidFill>
+                        <a:schemeClr val="tx1"/>
+                      </a:solidFill>
+                      <a:prstDash val="solid"/>
+                      <a:round/>
+                      <a:headEnd type="none" w="med" len="med"/>
+                      <a:tailEnd type="none" w="med" len="med"/>
+                    </a:lnR>
+                    <a:lnT w="12700" cap="flat" cmpd="sng" algn="ctr">
+                      <a:solidFill>
+                        <a:schemeClr val="tx1"/>
+                      </a:solidFill>
+                      <a:prstDash val="solid"/>
+                      <a:round/>
+                      <a:headEnd type="none" w="med" len="med"/>
+                      <a:tailEnd type="none" w="med" len="med"/>
+                    </a:lnT>
+                    <a:lnB w="12700" cap="flat" cmpd="sng" algn="ctr">
+                      <a:solidFill>
+                        <a:schemeClr val="tx1"/>
+                      </a:solidFill>
+                      <a:prstDash val="solid"/>
+                      <a:round/>
+                      <a:headEnd type="none" w="med" len="med"/>
+                      <a:tailEnd type="none" w="med" len="med"/>
+                    </a:lnB>
+                    <a:solidFill>
+                      <a:schemeClr val="bg1"/>
+                    </a:solidFill>
+                  </a:tcPr>
+                </a:tc>
+                <a:tc>
+                  <a:txBody>
+                    <a:bodyPr/>
+                    <a:lstStyle/>
+                    <a:p>
+                      <a:pPr algn="r" rtl="0" fontAlgn="b"/>
+                      <a:r>
+                        <a:rPr lang="pt-BR" sz="1100">
+                          <a:effectLst/>
+                        </a:rPr>
+                        <a:t>06/04/26</a:t>
+                      </a:r>
+                    </a:p>
+                  </a:txBody>
+                  <a:tcPr marL="28575" marR="28575" marT="19050" marB="19050" anchor="b">
+                    <a:lnL w="12700" cap="flat" cmpd="sng" algn="ctr">
+                      <a:solidFill>
+                        <a:schemeClr val="tx1"/>
+                      </a:solidFill>
+                      <a:prstDash val="solid"/>
+                      <a:round/>
+                      <a:headEnd type="none" w="med" len="med"/>
+                      <a:tailEnd type="none" w="med" len="med"/>
+                    </a:lnL>
+                    <a:lnR w="12700" cap="flat" cmpd="sng" algn="ctr">
+                      <a:solidFill>
+                        <a:schemeClr val="tx1"/>
+                      </a:solidFill>
+                      <a:prstDash val="solid"/>
+                      <a:round/>
+                      <a:headEnd type="none" w="med" len="med"/>
+                      <a:tailEnd type="none" w="med" len="med"/>
+                    </a:lnR>
+                    <a:lnT w="12700" cap="flat" cmpd="sng" algn="ctr">
+                      <a:solidFill>
+                        <a:schemeClr val="tx1"/>
+                      </a:solidFill>
+                      <a:prstDash val="solid"/>
+                      <a:round/>
+                      <a:headEnd type="none" w="med" len="med"/>
+                      <a:tailEnd type="none" w="med" len="med"/>
+                    </a:lnT>
+                    <a:lnB w="12700" cap="flat" cmpd="sng" algn="ctr">
+                      <a:solidFill>
+                        <a:schemeClr val="tx1"/>
+                      </a:solidFill>
+                      <a:prstDash val="solid"/>
+                      <a:round/>
+                      <a:headEnd type="none" w="med" len="med"/>
+                      <a:tailEnd type="none" w="med" len="med"/>
+                    </a:lnB>
+                    <a:solidFill>
+                      <a:schemeClr val="bg1"/>
+                    </a:solidFill>
+                  </a:tcPr>
+                </a:tc>
+                <a:tc>
+                  <a:txBody>
+                    <a:bodyPr/>
+                    <a:lstStyle/>
+                    <a:p>
+                      <a:pPr algn="ctr"/>
+                      <a:r>
+                        <a:rPr lang="pt-BR" sz="1100" dirty="0" smtClean="0"/>
+                        <a:t>Segunda-feira</a:t>
+                      </a:r>
+                      <a:endParaRPr lang="pt-BR" sz="1100" dirty="0"/>
+                    </a:p>
+                  </a:txBody>
+                  <a:tcPr>
+                    <a:lnL w="12700" cap="flat" cmpd="sng" algn="ctr">
+                      <a:solidFill>
+                        <a:schemeClr val="tx1"/>
+                      </a:solidFill>
+                      <a:prstDash val="solid"/>
+                      <a:round/>
+                      <a:headEnd type="none" w="med" len="med"/>
+                      <a:tailEnd type="none" w="med" len="med"/>
+                    </a:lnL>
+                    <a:lnR w="12700" cap="flat" cmpd="sng" algn="ctr">
+                      <a:solidFill>
+                        <a:schemeClr val="tx1"/>
+                      </a:solidFill>
+                      <a:prstDash val="solid"/>
+                      <a:round/>
+                      <a:headEnd type="none" w="med" len="med"/>
+                      <a:tailEnd type="none" w="med" len="med"/>
+                    </a:lnR>
+                    <a:lnT w="12700" cap="flat" cmpd="sng" algn="ctr">
+                      <a:solidFill>
+                        <a:schemeClr val="tx1"/>
+                      </a:solidFill>
+                      <a:prstDash val="solid"/>
+                      <a:round/>
+                      <a:headEnd type="none" w="med" len="med"/>
+                      <a:tailEnd type="none" w="med" len="med"/>
+                    </a:lnT>
+                    <a:lnB w="12700" cap="flat" cmpd="sng" algn="ctr">
+                      <a:solidFill>
+                        <a:schemeClr val="tx1"/>
+                      </a:solidFill>
+                      <a:prstDash val="solid"/>
+                      <a:round/>
+                      <a:headEnd type="none" w="med" len="med"/>
+                      <a:tailEnd type="none" w="med" len="med"/>
+                    </a:lnB>
+                    <a:solidFill>
+                      <a:schemeClr val="bg1"/>
+                    </a:solidFill>
+                  </a:tcPr>
+                </a:tc>
+                <a:tc>
+                  <a:txBody>
+                    <a:bodyPr/>
+                    <a:lstStyle/>
+                    <a:p>
+                      <a:pPr algn="ctr"/>
+                      <a:r>
+                        <a:rPr lang="pt-BR" sz="1100" dirty="0" smtClean="0"/>
+                        <a:t>Inteligência Artificial</a:t>
+                      </a:r>
+                      <a:endParaRPr lang="pt-BR" sz="1100" dirty="0"/>
+                    </a:p>
+                  </a:txBody>
+                  <a:tcPr>
+                    <a:lnL w="12700" cap="flat" cmpd="sng" algn="ctr">
+                      <a:solidFill>
+                        <a:schemeClr val="tx1"/>
+                      </a:solidFill>
+                      <a:prstDash val="solid"/>
+                      <a:round/>
+                      <a:headEnd type="none" w="med" len="med"/>
+                      <a:tailEnd type="none" w="med" len="med"/>
+                    </a:lnL>
+                    <a:lnR w="12700" cap="flat" cmpd="sng" algn="ctr">
+                      <a:solidFill>
+                        <a:schemeClr val="tx1"/>
+                      </a:solidFill>
+                      <a:prstDash val="solid"/>
+                      <a:round/>
+                      <a:headEnd type="none" w="med" len="med"/>
+                      <a:tailEnd type="none" w="med" len="med"/>
+                    </a:lnR>
+                    <a:lnT w="12700" cap="flat" cmpd="sng" algn="ctr">
+                      <a:solidFill>
+                        <a:schemeClr val="tx1"/>
+                      </a:solidFill>
+                      <a:prstDash val="solid"/>
+                      <a:round/>
+                      <a:headEnd type="none" w="med" len="med"/>
+                      <a:tailEnd type="none" w="med" len="med"/>
+                    </a:lnT>
+                    <a:lnB w="12700" cap="flat" cmpd="sng" algn="ctr">
+                      <a:solidFill>
+                        <a:schemeClr val="tx1"/>
+                      </a:solidFill>
+                      <a:prstDash val="solid"/>
+                      <a:round/>
+                      <a:headEnd type="none" w="med" len="med"/>
+                      <a:tailEnd type="none" w="med" len="med"/>
+                    </a:lnB>
+                    <a:solidFill>
+                      <a:schemeClr val="bg1"/>
+                    </a:solidFill>
+                  </a:tcPr>
+                </a:tc>
+              </a:tr>
+              <a:tr h="221683">
+                <a:tc>
+                  <a:txBody>
+                    <a:bodyPr/>
+                    <a:lstStyle/>
+                    <a:p>
+                      <a:pPr algn="ctr"/>
+                      <a:r>
+                        <a:rPr lang="pt-BR" sz="1100" b="1" dirty="0" smtClean="0"/>
+                        <a:t>10</a:t>
+                      </a:r>
+                      <a:endParaRPr lang="pt-BR" sz="1100" b="1" dirty="0"/>
+                    </a:p>
+                  </a:txBody>
+                  <a:tcPr>
+                    <a:lnL w="12700" cap="flat" cmpd="sng" algn="ctr">
+                      <a:solidFill>
+                        <a:schemeClr val="tx1"/>
+                      </a:solidFill>
+                      <a:prstDash val="solid"/>
+                      <a:round/>
+                      <a:headEnd type="none" w="med" len="med"/>
+                      <a:tailEnd type="none" w="med" len="med"/>
+                    </a:lnL>
+                    <a:lnR w="12700" cap="flat" cmpd="sng" algn="ctr">
+                      <a:solidFill>
+                        <a:schemeClr val="tx1"/>
+                      </a:solidFill>
+                      <a:prstDash val="solid"/>
+                      <a:round/>
+                      <a:headEnd type="none" w="med" len="med"/>
+                      <a:tailEnd type="none" w="med" len="med"/>
+                    </a:lnR>
+                    <a:lnT w="12700" cap="flat" cmpd="sng" algn="ctr">
+                      <a:solidFill>
+                        <a:schemeClr val="tx1"/>
+                      </a:solidFill>
+                      <a:prstDash val="solid"/>
+                      <a:round/>
+                      <a:headEnd type="none" w="med" len="med"/>
+                      <a:tailEnd type="none" w="med" len="med"/>
+                    </a:lnT>
+                    <a:lnB w="12700" cap="flat" cmpd="sng" algn="ctr">
+                      <a:solidFill>
+                        <a:schemeClr val="tx1"/>
+                      </a:solidFill>
+                      <a:prstDash val="solid"/>
+                      <a:round/>
+                      <a:headEnd type="none" w="med" len="med"/>
+                      <a:tailEnd type="none" w="med" len="med"/>
+                    </a:lnB>
+                    <a:solidFill>
+                      <a:schemeClr val="accent1">
+                        <a:lumMod val="40000"/>
+                        <a:lumOff val="60000"/>
+                      </a:schemeClr>
+                    </a:solidFill>
+                  </a:tcPr>
+                </a:tc>
+                <a:tc>
+                  <a:txBody>
+                    <a:bodyPr/>
+                    <a:lstStyle/>
+                    <a:p>
+                      <a:pPr algn="r" rtl="0" fontAlgn="b"/>
+                      <a:r>
+                        <a:rPr lang="pt-BR" sz="1100" b="1">
+                          <a:effectLst/>
+                        </a:rPr>
+                        <a:t>13/04/26</a:t>
+                      </a:r>
+                    </a:p>
+                  </a:txBody>
+                  <a:tcPr marL="28575" marR="28575" marT="19050" marB="19050" anchor="b">
+                    <a:lnL w="12700" cap="flat" cmpd="sng" algn="ctr">
+                      <a:solidFill>
+                        <a:schemeClr val="tx1"/>
+                      </a:solidFill>
+                      <a:prstDash val="solid"/>
+                      <a:round/>
+                      <a:headEnd type="none" w="med" len="med"/>
+                      <a:tailEnd type="none" w="med" len="med"/>
+                    </a:lnL>
+                    <a:lnR w="12700" cap="flat" cmpd="sng" algn="ctr">
+                      <a:solidFill>
+                        <a:schemeClr val="tx1"/>
+                      </a:solidFill>
+                      <a:prstDash val="solid"/>
+                      <a:round/>
+                      <a:headEnd type="none" w="med" len="med"/>
+                      <a:tailEnd type="none" w="med" len="med"/>
+                    </a:lnR>
+                    <a:lnT w="12700" cap="flat" cmpd="sng" algn="ctr">
+                      <a:solidFill>
+                        <a:schemeClr val="tx1"/>
+                      </a:solidFill>
+                      <a:prstDash val="solid"/>
+                      <a:round/>
+                      <a:headEnd type="none" w="med" len="med"/>
+                      <a:tailEnd type="none" w="med" len="med"/>
+                    </a:lnT>
+                    <a:lnB w="12700" cap="flat" cmpd="sng" algn="ctr">
+                      <a:solidFill>
+                        <a:schemeClr val="tx1"/>
+                      </a:solidFill>
+                      <a:prstDash val="solid"/>
+                      <a:round/>
+                      <a:headEnd type="none" w="med" len="med"/>
+                      <a:tailEnd type="none" w="med" len="med"/>
+                    </a:lnB>
+                    <a:solidFill>
+                      <a:schemeClr val="accent1">
+                        <a:lumMod val="40000"/>
+                        <a:lumOff val="60000"/>
+                      </a:schemeClr>
+                    </a:solidFill>
+                  </a:tcPr>
+                </a:tc>
+                <a:tc>
+                  <a:txBody>
+                    <a:bodyPr/>
+                    <a:lstStyle/>
+                    <a:p>
+                      <a:pPr algn="ctr"/>
+                      <a:r>
+                        <a:rPr lang="pt-BR" sz="1100" b="1" dirty="0" smtClean="0"/>
+                        <a:t>Segunda-feira</a:t>
+                      </a:r>
+                      <a:endParaRPr lang="pt-BR" sz="1100" b="1" dirty="0"/>
+                    </a:p>
+                  </a:txBody>
+                  <a:tcPr>
+                    <a:lnL w="12700" cap="flat" cmpd="sng" algn="ctr">
+                      <a:solidFill>
+                        <a:schemeClr val="tx1"/>
+                      </a:solidFill>
+                      <a:prstDash val="solid"/>
+                      <a:round/>
+                      <a:headEnd type="none" w="med" len="med"/>
+                      <a:tailEnd type="none" w="med" len="med"/>
+                    </a:lnL>
+                    <a:lnR w="12700" cap="flat" cmpd="sng" algn="ctr">
+                      <a:solidFill>
+                        <a:schemeClr val="tx1"/>
+                      </a:solidFill>
+                      <a:prstDash val="solid"/>
+                      <a:round/>
+                      <a:headEnd type="none" w="med" len="med"/>
+                      <a:tailEnd type="none" w="med" len="med"/>
+                    </a:lnR>
+                    <a:lnT w="12700" cap="flat" cmpd="sng" algn="ctr">
+                      <a:solidFill>
+                        <a:schemeClr val="tx1"/>
+                      </a:solidFill>
+                      <a:prstDash val="solid"/>
+                      <a:round/>
+                      <a:headEnd type="none" w="med" len="med"/>
+                      <a:tailEnd type="none" w="med" len="med"/>
+                    </a:lnT>
+                    <a:lnB w="12700" cap="flat" cmpd="sng" algn="ctr">
+                      <a:solidFill>
+                        <a:schemeClr val="tx1"/>
+                      </a:solidFill>
+                      <a:prstDash val="solid"/>
+                      <a:round/>
+                      <a:headEnd type="none" w="med" len="med"/>
+                      <a:tailEnd type="none" w="med" len="med"/>
+                    </a:lnB>
+                    <a:solidFill>
+                      <a:schemeClr val="accent1">
+                        <a:lumMod val="40000"/>
+                        <a:lumOff val="60000"/>
+                      </a:schemeClr>
+                    </a:solidFill>
+                  </a:tcPr>
+                </a:tc>
+                <a:tc>
+                  <a:txBody>
+                    <a:bodyPr/>
+                    <a:lstStyle/>
+                    <a:p>
+                      <a:pPr algn="ctr"/>
+                      <a:r>
+                        <a:rPr lang="pt-BR" sz="1100" b="1" dirty="0" smtClean="0"/>
+                        <a:t>Prova #1</a:t>
+                      </a:r>
+                      <a:endParaRPr lang="pt-BR" sz="1100" b="1" dirty="0"/>
+                    </a:p>
+                  </a:txBody>
+                  <a:tcPr>
+                    <a:lnL w="12700" cap="flat" cmpd="sng" algn="ctr">
+                      <a:solidFill>
+                        <a:schemeClr val="tx1"/>
+                      </a:solidFill>
+                      <a:prstDash val="solid"/>
+                      <a:round/>
+                      <a:headEnd type="none" w="med" len="med"/>
+                      <a:tailEnd type="none" w="med" len="med"/>
+                    </a:lnL>
+                    <a:lnR w="12700" cap="flat" cmpd="sng" algn="ctr">
+                      <a:solidFill>
+                        <a:schemeClr val="tx1"/>
+                      </a:solidFill>
+                      <a:prstDash val="solid"/>
+                      <a:round/>
+                      <a:headEnd type="none" w="med" len="med"/>
+                      <a:tailEnd type="none" w="med" len="med"/>
+                    </a:lnR>
+                    <a:lnT w="12700" cap="flat" cmpd="sng" algn="ctr">
+                      <a:solidFill>
+                        <a:schemeClr val="tx1"/>
+                      </a:solidFill>
+                      <a:prstDash val="solid"/>
+                      <a:round/>
+                      <a:headEnd type="none" w="med" len="med"/>
+                      <a:tailEnd type="none" w="med" len="med"/>
+                    </a:lnT>
+                    <a:lnB w="12700" cap="flat" cmpd="sng" algn="ctr">
+                      <a:solidFill>
+                        <a:schemeClr val="tx1"/>
+                      </a:solidFill>
+                      <a:prstDash val="solid"/>
+                      <a:round/>
+                      <a:headEnd type="none" w="med" len="med"/>
+                      <a:tailEnd type="none" w="med" len="med"/>
+                    </a:lnB>
+                    <a:solidFill>
+                      <a:schemeClr val="accent1">
+                        <a:lumMod val="40000"/>
+                        <a:lumOff val="60000"/>
+                      </a:schemeClr>
+                    </a:solidFill>
+                  </a:tcPr>
+                </a:tc>
+              </a:tr>
+              <a:tr h="221683">
+                <a:tc>
+                  <a:txBody>
+                    <a:bodyPr/>
+                    <a:lstStyle/>
+                    <a:p>
+                      <a:pPr algn="ctr"/>
+                      <a:r>
+                        <a:rPr lang="pt-BR" sz="1100" dirty="0" smtClean="0"/>
+                        <a:t>11</a:t>
+                      </a:r>
+                      <a:endParaRPr lang="pt-BR" sz="1100" dirty="0"/>
+                    </a:p>
+                  </a:txBody>
+                  <a:tcPr>
+                    <a:lnL w="12700" cap="flat" cmpd="sng" algn="ctr">
+                      <a:solidFill>
+                        <a:schemeClr val="tx1"/>
+                      </a:solidFill>
+                      <a:prstDash val="solid"/>
+                      <a:round/>
+                      <a:headEnd type="none" w="med" len="med"/>
+                      <a:tailEnd type="none" w="med" len="med"/>
+                    </a:lnL>
+                    <a:lnR w="12700" cap="flat" cmpd="sng" algn="ctr">
+                      <a:solidFill>
+                        <a:schemeClr val="tx1"/>
+                      </a:solidFill>
+                      <a:prstDash val="solid"/>
+                      <a:round/>
+                      <a:headEnd type="none" w="med" len="med"/>
+                      <a:tailEnd type="none" w="med" len="med"/>
+                    </a:lnR>
+                    <a:lnT w="12700" cap="flat" cmpd="sng" algn="ctr">
+                      <a:solidFill>
+                        <a:schemeClr val="tx1"/>
+                      </a:solidFill>
+                      <a:prstDash val="solid"/>
+                      <a:round/>
+                      <a:headEnd type="none" w="med" len="med"/>
+                      <a:tailEnd type="none" w="med" len="med"/>
+                    </a:lnT>
+                    <a:lnB w="12700" cap="flat" cmpd="sng" algn="ctr">
+                      <a:solidFill>
+                        <a:schemeClr val="tx1"/>
+                      </a:solidFill>
+                      <a:prstDash val="solid"/>
+                      <a:round/>
+                      <a:headEnd type="none" w="med" len="med"/>
+                      <a:tailEnd type="none" w="med" len="med"/>
+                    </a:lnB>
+                    <a:solidFill>
+                      <a:schemeClr val="bg1"/>
+                    </a:solidFill>
+                  </a:tcPr>
+                </a:tc>
+                <a:tc>
+                  <a:txBody>
+                    <a:bodyPr/>
+                    <a:lstStyle/>
+                    <a:p>
+                      <a:pPr algn="r" rtl="0" fontAlgn="b"/>
+                      <a:r>
+                        <a:rPr lang="pt-BR" sz="1100">
+                          <a:effectLst/>
+                        </a:rPr>
+                        <a:t>20/04/26</a:t>
+                      </a:r>
+                    </a:p>
+                  </a:txBody>
+                  <a:tcPr marL="28575" marR="28575" marT="19050" marB="19050" anchor="b">
+                    <a:lnL w="12700" cap="flat" cmpd="sng" algn="ctr">
+                      <a:solidFill>
+                        <a:schemeClr val="tx1"/>
+                      </a:solidFill>
+                      <a:prstDash val="solid"/>
+                      <a:round/>
+                      <a:headEnd type="none" w="med" len="med"/>
+                      <a:tailEnd type="none" w="med" len="med"/>
+                    </a:lnL>
+                    <a:lnR w="12700" cap="flat" cmpd="sng" algn="ctr">
+                      <a:solidFill>
+                        <a:schemeClr val="tx1"/>
+                      </a:solidFill>
+                      <a:prstDash val="solid"/>
+                      <a:round/>
+                      <a:headEnd type="none" w="med" len="med"/>
+                      <a:tailEnd type="none" w="med" len="med"/>
+                    </a:lnR>
+                    <a:lnT w="12700" cap="flat" cmpd="sng" algn="ctr">
+                      <a:solidFill>
+                        <a:schemeClr val="tx1"/>
+                      </a:solidFill>
+                      <a:prstDash val="solid"/>
+                      <a:round/>
+                      <a:headEnd type="none" w="med" len="med"/>
+                      <a:tailEnd type="none" w="med" len="med"/>
+                    </a:lnT>
+                    <a:lnB w="12700" cap="flat" cmpd="sng" algn="ctr">
+                      <a:solidFill>
+                        <a:schemeClr val="tx1"/>
+                      </a:solidFill>
+                      <a:prstDash val="solid"/>
+                      <a:round/>
+                      <a:headEnd type="none" w="med" len="med"/>
+                      <a:tailEnd type="none" w="med" len="med"/>
+                    </a:lnB>
+                    <a:solidFill>
+                      <a:schemeClr val="bg1"/>
+                    </a:solidFill>
+                  </a:tcPr>
+                </a:tc>
+                <a:tc>
+                  <a:txBody>
+                    <a:bodyPr/>
+                    <a:lstStyle/>
+                    <a:p>
+                      <a:pPr algn="ctr"/>
+                      <a:r>
+                        <a:rPr lang="pt-BR" sz="1100" dirty="0" smtClean="0"/>
+                        <a:t>Segunda-feira</a:t>
+                      </a:r>
+                      <a:endParaRPr lang="pt-BR" sz="1100" dirty="0"/>
+                    </a:p>
+                  </a:txBody>
+                  <a:tcPr>
+                    <a:lnL w="12700" cap="flat" cmpd="sng" algn="ctr">
+                      <a:solidFill>
+                        <a:schemeClr val="tx1"/>
+                      </a:solidFill>
+                      <a:prstDash val="solid"/>
+                      <a:round/>
+                      <a:headEnd type="none" w="med" len="med"/>
+                      <a:tailEnd type="none" w="med" len="med"/>
+                    </a:lnL>
+                    <a:lnR w="12700" cap="flat" cmpd="sng" algn="ctr">
+                      <a:solidFill>
+                        <a:schemeClr val="tx1"/>
+                      </a:solidFill>
+                      <a:prstDash val="solid"/>
+                      <a:round/>
+                      <a:headEnd type="none" w="med" len="med"/>
+                      <a:tailEnd type="none" w="med" len="med"/>
+                    </a:lnR>
+                    <a:lnT w="12700" cap="flat" cmpd="sng" algn="ctr">
+                      <a:solidFill>
+                        <a:schemeClr val="tx1"/>
+                      </a:solidFill>
+                      <a:prstDash val="solid"/>
+                      <a:round/>
+                      <a:headEnd type="none" w="med" len="med"/>
+                      <a:tailEnd type="none" w="med" len="med"/>
+                    </a:lnT>
+                    <a:lnB w="12700" cap="flat" cmpd="sng" algn="ctr">
+                      <a:solidFill>
+                        <a:schemeClr val="tx1"/>
+                      </a:solidFill>
+                      <a:prstDash val="solid"/>
+                      <a:round/>
+                      <a:headEnd type="none" w="med" len="med"/>
+                      <a:tailEnd type="none" w="med" len="med"/>
+                    </a:lnB>
+                    <a:solidFill>
+                      <a:schemeClr val="bg1"/>
+                    </a:solidFill>
+                  </a:tcPr>
+                </a:tc>
+                <a:tc>
+                  <a:txBody>
+                    <a:bodyPr/>
+                    <a:lstStyle/>
+                    <a:p>
+                      <a:pPr algn="ctr"/>
+                      <a:r>
+                        <a:rPr lang="pt-BR" sz="1100" dirty="0" smtClean="0"/>
+                        <a:t>Inteligência Artificial</a:t>
+                      </a:r>
+                      <a:endParaRPr lang="pt-BR" sz="1100" dirty="0"/>
+                    </a:p>
+                  </a:txBody>
+                  <a:tcPr>
+                    <a:lnL w="12700" cap="flat" cmpd="sng" algn="ctr">
+                      <a:solidFill>
+                        <a:schemeClr val="tx1"/>
+                      </a:solidFill>
+                      <a:prstDash val="solid"/>
+                      <a:round/>
+                      <a:headEnd type="none" w="med" len="med"/>
+                      <a:tailEnd type="none" w="med" len="med"/>
+                    </a:lnL>
+                    <a:lnR w="12700" cap="flat" cmpd="sng" algn="ctr">
+                      <a:solidFill>
+                        <a:schemeClr val="tx1"/>
+                      </a:solidFill>
+                      <a:prstDash val="solid"/>
+                      <a:round/>
+                      <a:headEnd type="none" w="med" len="med"/>
+                      <a:tailEnd type="none" w="med" len="med"/>
+                    </a:lnR>
+                    <a:lnT w="12700" cap="flat" cmpd="sng" algn="ctr">
+                      <a:solidFill>
+                        <a:schemeClr val="tx1"/>
+                      </a:solidFill>
+                      <a:prstDash val="solid"/>
+                      <a:round/>
+                      <a:headEnd type="none" w="med" len="med"/>
+                      <a:tailEnd type="none" w="med" len="med"/>
+                    </a:lnT>
+                    <a:lnB w="12700" cap="flat" cmpd="sng" algn="ctr">
+                      <a:solidFill>
+                        <a:schemeClr val="tx1"/>
+                      </a:solidFill>
+                      <a:prstDash val="solid"/>
+                      <a:round/>
+                      <a:headEnd type="none" w="med" len="med"/>
+                      <a:tailEnd type="none" w="med" len="med"/>
+                    </a:lnB>
+                    <a:solidFill>
+                      <a:schemeClr val="bg1"/>
+                    </a:solidFill>
+                  </a:tcPr>
+                </a:tc>
+              </a:tr>
+              <a:tr h="221683">
+                <a:tc>
+                  <a:txBody>
+                    <a:bodyPr/>
+                    <a:lstStyle/>
+                    <a:p>
+                      <a:pPr algn="ctr"/>
+                      <a:r>
+                        <a:rPr lang="pt-BR" sz="1100" dirty="0" smtClean="0"/>
+                        <a:t>12</a:t>
+                      </a:r>
+                      <a:endParaRPr lang="pt-BR" sz="1100" dirty="0"/>
+                    </a:p>
+                  </a:txBody>
+                  <a:tcPr>
+                    <a:lnL w="12700" cap="flat" cmpd="sng" algn="ctr">
+                      <a:solidFill>
+                        <a:schemeClr val="tx1"/>
+                      </a:solidFill>
+                      <a:prstDash val="solid"/>
+                      <a:round/>
+                      <a:headEnd type="none" w="med" len="med"/>
+                      <a:tailEnd type="none" w="med" len="med"/>
+                    </a:lnL>
+                    <a:lnR w="12700" cap="flat" cmpd="sng" algn="ctr">
+                      <a:solidFill>
+                        <a:schemeClr val="tx1"/>
+                      </a:solidFill>
+                      <a:prstDash val="solid"/>
+                      <a:round/>
+                      <a:headEnd type="none" w="med" len="med"/>
+                      <a:tailEnd type="none" w="med" len="med"/>
+                    </a:lnR>
+                    <a:lnT w="12700" cap="flat" cmpd="sng" algn="ctr">
+                      <a:solidFill>
+                        <a:schemeClr val="tx1"/>
+                      </a:solidFill>
+                      <a:prstDash val="solid"/>
+                      <a:round/>
+                      <a:headEnd type="none" w="med" len="med"/>
+                      <a:tailEnd type="none" w="med" len="med"/>
+                    </a:lnT>
+                    <a:lnB w="12700" cap="flat" cmpd="sng" algn="ctr">
+                      <a:solidFill>
+                        <a:schemeClr val="tx1"/>
+                      </a:solidFill>
+                      <a:prstDash val="solid"/>
+                      <a:round/>
+                      <a:headEnd type="none" w="med" len="med"/>
+                      <a:tailEnd type="none" w="med" len="med"/>
+                    </a:lnB>
+                    <a:solidFill>
+                      <a:schemeClr val="bg1"/>
+                    </a:solidFill>
+                  </a:tcPr>
+                </a:tc>
+                <a:tc>
+                  <a:txBody>
+                    <a:bodyPr/>
+                    <a:lstStyle/>
+                    <a:p>
+                      <a:pPr algn="r" rtl="0" fontAlgn="b"/>
+                      <a:r>
+                        <a:rPr lang="pt-BR" sz="1100">
+                          <a:effectLst/>
+                        </a:rPr>
+                        <a:t>27/04/26</a:t>
+                      </a:r>
+                    </a:p>
+                  </a:txBody>
+                  <a:tcPr marL="28575" marR="28575" marT="19050" marB="19050" anchor="b">
+                    <a:lnL w="12700" cap="flat" cmpd="sng" algn="ctr">
+                      <a:solidFill>
+                        <a:schemeClr val="tx1"/>
+                      </a:solidFill>
+                      <a:prstDash val="solid"/>
+                      <a:round/>
+                      <a:headEnd type="none" w="med" len="med"/>
+                      <a:tailEnd type="none" w="med" len="med"/>
+                    </a:lnL>
+                    <a:lnR w="12700" cap="flat" cmpd="sng" algn="ctr">
+                      <a:solidFill>
+                        <a:schemeClr val="tx1"/>
+                      </a:solidFill>
+                      <a:prstDash val="solid"/>
+                      <a:round/>
+                      <a:headEnd type="none" w="med" len="med"/>
+                      <a:tailEnd type="none" w="med" len="med"/>
+                    </a:lnR>
+                    <a:lnT w="12700" cap="flat" cmpd="sng" algn="ctr">
+                      <a:solidFill>
+                        <a:schemeClr val="tx1"/>
+                      </a:solidFill>
+                      <a:prstDash val="solid"/>
+                      <a:round/>
+                      <a:headEnd type="none" w="med" len="med"/>
+                      <a:tailEnd type="none" w="med" len="med"/>
+                    </a:lnT>
+                    <a:lnB w="12700" cap="flat" cmpd="sng" algn="ctr">
+                      <a:solidFill>
+                        <a:schemeClr val="tx1"/>
+                      </a:solidFill>
+                      <a:prstDash val="solid"/>
+                      <a:round/>
+                      <a:headEnd type="none" w="med" len="med"/>
+                      <a:tailEnd type="none" w="med" len="med"/>
+                    </a:lnB>
+                    <a:solidFill>
+                      <a:schemeClr val="bg1"/>
+                    </a:solidFill>
+                  </a:tcPr>
+                </a:tc>
+                <a:tc>
+                  <a:txBody>
+                    <a:bodyPr/>
+                    <a:lstStyle/>
+                    <a:p>
+                      <a:pPr algn="ctr"/>
+                      <a:r>
+                        <a:rPr lang="pt-BR" sz="1100" dirty="0" smtClean="0"/>
+                        <a:t>Segunda-feira</a:t>
+                      </a:r>
+                      <a:endParaRPr lang="pt-BR" sz="1100" dirty="0"/>
+                    </a:p>
+                  </a:txBody>
+                  <a:tcPr>
+                    <a:lnL w="12700" cap="flat" cmpd="sng" algn="ctr">
+                      <a:solidFill>
+                        <a:schemeClr val="tx1"/>
+                      </a:solidFill>
+                      <a:prstDash val="solid"/>
+                      <a:round/>
+                      <a:headEnd type="none" w="med" len="med"/>
+                      <a:tailEnd type="none" w="med" len="med"/>
+                    </a:lnL>
+                    <a:lnR w="12700" cap="flat" cmpd="sng" algn="ctr">
+                      <a:solidFill>
+                        <a:schemeClr val="tx1"/>
+                      </a:solidFill>
+                      <a:prstDash val="solid"/>
+                      <a:round/>
+                      <a:headEnd type="none" w="med" len="med"/>
+                      <a:tailEnd type="none" w="med" len="med"/>
+                    </a:lnR>
+                    <a:lnT w="12700" cap="flat" cmpd="sng" algn="ctr">
+                      <a:solidFill>
+                        <a:schemeClr val="tx1"/>
+                      </a:solidFill>
+                      <a:prstDash val="solid"/>
+                      <a:round/>
+                      <a:headEnd type="none" w="med" len="med"/>
+                      <a:tailEnd type="none" w="med" len="med"/>
+                    </a:lnT>
+                    <a:lnB w="12700" cap="flat" cmpd="sng" algn="ctr">
+                      <a:solidFill>
+                        <a:schemeClr val="tx1"/>
+                      </a:solidFill>
+                      <a:prstDash val="solid"/>
+                      <a:round/>
+                      <a:headEnd type="none" w="med" len="med"/>
+                      <a:tailEnd type="none" w="med" len="med"/>
+                    </a:lnB>
+                    <a:solidFill>
+                      <a:schemeClr val="bg1"/>
+                    </a:solidFill>
+                  </a:tcPr>
+                </a:tc>
+                <a:tc>
+                  <a:txBody>
+                    <a:bodyPr/>
+                    <a:lstStyle/>
+                    <a:p>
+                      <a:pPr algn="ctr"/>
+                      <a:r>
+                        <a:rPr lang="pt-BR" sz="1100" dirty="0" smtClean="0"/>
+                        <a:t>Inteligência Artificial</a:t>
+                      </a:r>
+                      <a:endParaRPr lang="pt-BR" sz="1100" dirty="0"/>
+                    </a:p>
+                  </a:txBody>
+                  <a:tcPr>
+                    <a:lnL w="12700" cap="flat" cmpd="sng" algn="ctr">
+                      <a:solidFill>
+                        <a:schemeClr val="tx1"/>
+                      </a:solidFill>
+                      <a:prstDash val="solid"/>
+                      <a:round/>
+                      <a:headEnd type="none" w="med" len="med"/>
+                      <a:tailEnd type="none" w="med" len="med"/>
+                    </a:lnL>
+                    <a:lnR w="12700" cap="flat" cmpd="sng" algn="ctr">
+                      <a:solidFill>
+                        <a:schemeClr val="tx1"/>
+                      </a:solidFill>
+                      <a:prstDash val="solid"/>
+                      <a:round/>
+                      <a:headEnd type="none" w="med" len="med"/>
+                      <a:tailEnd type="none" w="med" len="med"/>
+                    </a:lnR>
+                    <a:lnT w="12700" cap="flat" cmpd="sng" algn="ctr">
+                      <a:solidFill>
+                        <a:schemeClr val="tx1"/>
+                      </a:solidFill>
+                      <a:prstDash val="solid"/>
+                      <a:round/>
+                      <a:headEnd type="none" w="med" len="med"/>
+                      <a:tailEnd type="none" w="med" len="med"/>
+                    </a:lnT>
+                    <a:lnB w="12700" cap="flat" cmpd="sng" algn="ctr">
+                      <a:solidFill>
+                        <a:schemeClr val="tx1"/>
+                      </a:solidFill>
+                      <a:prstDash val="solid"/>
+                      <a:round/>
+                      <a:headEnd type="none" w="med" len="med"/>
+                      <a:tailEnd type="none" w="med" len="med"/>
+                    </a:lnB>
+                    <a:solidFill>
+                      <a:schemeClr val="bg1"/>
+                    </a:solidFill>
+                  </a:tcPr>
+                </a:tc>
+              </a:tr>
+              <a:tr h="221683">
+                <a:tc>
+                  <a:txBody>
+                    <a:bodyPr/>
+                    <a:lstStyle/>
+                    <a:p>
+                      <a:pPr algn="ctr"/>
+                      <a:r>
+                        <a:rPr lang="pt-BR" sz="1100" dirty="0" smtClean="0"/>
+                        <a:t>13</a:t>
+                      </a:r>
+                      <a:endParaRPr lang="pt-BR" sz="1100" dirty="0"/>
+                    </a:p>
+                  </a:txBody>
+                  <a:tcPr>
+                    <a:lnL w="12700" cap="flat" cmpd="sng" algn="ctr">
+                      <a:solidFill>
+                        <a:schemeClr val="tx1"/>
+                      </a:solidFill>
+                      <a:prstDash val="solid"/>
+                      <a:round/>
+                      <a:headEnd type="none" w="med" len="med"/>
+                      <a:tailEnd type="none" w="med" len="med"/>
+                    </a:lnL>
+                    <a:lnR w="12700" cap="flat" cmpd="sng" algn="ctr">
+                      <a:solidFill>
+                        <a:schemeClr val="tx1"/>
+                      </a:solidFill>
+                      <a:prstDash val="solid"/>
+                      <a:round/>
+                      <a:headEnd type="none" w="med" len="med"/>
+                      <a:tailEnd type="none" w="med" len="med"/>
+                    </a:lnR>
+                    <a:lnT w="12700" cap="flat" cmpd="sng" algn="ctr">
+                      <a:solidFill>
+                        <a:schemeClr val="tx1"/>
+                      </a:solidFill>
+                      <a:prstDash val="solid"/>
+                      <a:round/>
+                      <a:headEnd type="none" w="med" len="med"/>
+                      <a:tailEnd type="none" w="med" len="med"/>
+                    </a:lnT>
+                    <a:lnB w="12700" cap="flat" cmpd="sng" algn="ctr">
+                      <a:solidFill>
+                        <a:schemeClr val="tx1"/>
+                      </a:solidFill>
+                      <a:prstDash val="solid"/>
+                      <a:round/>
+                      <a:headEnd type="none" w="med" len="med"/>
+                      <a:tailEnd type="none" w="med" len="med"/>
+                    </a:lnB>
+                    <a:solidFill>
+                      <a:schemeClr val="bg1"/>
+                    </a:solidFill>
+                  </a:tcPr>
+                </a:tc>
+                <a:tc>
+                  <a:txBody>
+                    <a:bodyPr/>
+                    <a:lstStyle/>
+                    <a:p>
+                      <a:pPr algn="r" rtl="0" fontAlgn="b"/>
+                      <a:r>
+                        <a:rPr lang="pt-BR" sz="1100">
+                          <a:effectLst/>
+                        </a:rPr>
+                        <a:t>04/05/26</a:t>
+                      </a:r>
+                    </a:p>
+                  </a:txBody>
+                  <a:tcPr marL="28575" marR="28575" marT="19050" marB="19050" anchor="b">
+                    <a:lnL w="12700" cap="flat" cmpd="sng" algn="ctr">
+                      <a:solidFill>
+                        <a:schemeClr val="tx1"/>
+                      </a:solidFill>
+                      <a:prstDash val="solid"/>
+                      <a:round/>
+                      <a:headEnd type="none" w="med" len="med"/>
+                      <a:tailEnd type="none" w="med" len="med"/>
+                    </a:lnL>
+                    <a:lnR w="12700" cap="flat" cmpd="sng" algn="ctr">
+                      <a:solidFill>
+                        <a:schemeClr val="tx1"/>
+                      </a:solidFill>
+                      <a:prstDash val="solid"/>
+                      <a:round/>
+                      <a:headEnd type="none" w="med" len="med"/>
+                      <a:tailEnd type="none" w="med" len="med"/>
+                    </a:lnR>
+                    <a:lnT w="12700" cap="flat" cmpd="sng" algn="ctr">
+                      <a:solidFill>
+                        <a:schemeClr val="tx1"/>
+                      </a:solidFill>
+                      <a:prstDash val="solid"/>
+                      <a:round/>
+                      <a:headEnd type="none" w="med" len="med"/>
+                      <a:tailEnd type="none" w="med" len="med"/>
+                    </a:lnT>
+                    <a:lnB w="12700" cap="flat" cmpd="sng" algn="ctr">
+                      <a:solidFill>
+                        <a:schemeClr val="tx1"/>
+                      </a:solidFill>
+                      <a:prstDash val="solid"/>
+                      <a:round/>
+                      <a:headEnd type="none" w="med" len="med"/>
+                      <a:tailEnd type="none" w="med" len="med"/>
+                    </a:lnB>
+                    <a:solidFill>
+                      <a:schemeClr val="bg1"/>
+                    </a:solidFill>
+                  </a:tcPr>
+                </a:tc>
+                <a:tc>
+                  <a:txBody>
+                    <a:bodyPr/>
+                    <a:lstStyle/>
+                    <a:p>
+                      <a:pPr algn="ctr"/>
+                      <a:r>
+                        <a:rPr lang="pt-BR" sz="1100" dirty="0" smtClean="0"/>
+                        <a:t>Segunda-feira</a:t>
+                      </a:r>
+                      <a:endParaRPr lang="pt-BR" sz="1100" dirty="0"/>
+                    </a:p>
+                  </a:txBody>
+                  <a:tcPr>
+                    <a:lnL w="12700" cap="flat" cmpd="sng" algn="ctr">
+                      <a:solidFill>
+                        <a:schemeClr val="tx1"/>
+                      </a:solidFill>
+                      <a:prstDash val="solid"/>
+                      <a:round/>
+                      <a:headEnd type="none" w="med" len="med"/>
+                      <a:tailEnd type="none" w="med" len="med"/>
+                    </a:lnL>
+                    <a:lnR w="12700" cap="flat" cmpd="sng" algn="ctr">
+                      <a:solidFill>
+                        <a:schemeClr val="tx1"/>
+                      </a:solidFill>
+                      <a:prstDash val="solid"/>
+                      <a:round/>
+                      <a:headEnd type="none" w="med" len="med"/>
+                      <a:tailEnd type="none" w="med" len="med"/>
+                    </a:lnR>
+                    <a:lnT w="12700" cap="flat" cmpd="sng" algn="ctr">
+                      <a:solidFill>
+                        <a:schemeClr val="tx1"/>
+                      </a:solidFill>
+                      <a:prstDash val="solid"/>
+                      <a:round/>
+                      <a:headEnd type="none" w="med" len="med"/>
+                      <a:tailEnd type="none" w="med" len="med"/>
+                    </a:lnT>
+                    <a:lnB w="12700" cap="flat" cmpd="sng" algn="ctr">
+                      <a:solidFill>
+                        <a:schemeClr val="tx1"/>
+                      </a:solidFill>
+                      <a:prstDash val="solid"/>
+                      <a:round/>
+                      <a:headEnd type="none" w="med" len="med"/>
+                      <a:tailEnd type="none" w="med" len="med"/>
+                    </a:lnB>
+                    <a:solidFill>
+                      <a:schemeClr val="bg1"/>
+                    </a:solidFill>
+                  </a:tcPr>
+                </a:tc>
+                <a:tc>
+                  <a:txBody>
+                    <a:bodyPr/>
+                    <a:lstStyle/>
+                    <a:p>
+                      <a:pPr algn="ctr"/>
+                      <a:r>
+                        <a:rPr lang="pt-BR" sz="1100" dirty="0" smtClean="0"/>
+                        <a:t>Inteligência Artificial</a:t>
+                      </a:r>
+                      <a:endParaRPr lang="pt-BR" sz="1100" dirty="0"/>
+                    </a:p>
+                  </a:txBody>
+                  <a:tcPr>
+                    <a:lnL w="12700" cap="flat" cmpd="sng" algn="ctr">
+                      <a:solidFill>
+                        <a:schemeClr val="tx1"/>
+                      </a:solidFill>
+                      <a:prstDash val="solid"/>
+                      <a:round/>
+                      <a:headEnd type="none" w="med" len="med"/>
+                      <a:tailEnd type="none" w="med" len="med"/>
+                    </a:lnL>
+                    <a:lnR w="12700" cap="flat" cmpd="sng" algn="ctr">
+                      <a:solidFill>
+                        <a:schemeClr val="tx1"/>
+                      </a:solidFill>
+                      <a:prstDash val="solid"/>
+                      <a:round/>
+                      <a:headEnd type="none" w="med" len="med"/>
+                      <a:tailEnd type="none" w="med" len="med"/>
+                    </a:lnR>
+                    <a:lnT w="12700" cap="flat" cmpd="sng" algn="ctr">
+                      <a:solidFill>
+                        <a:schemeClr val="tx1"/>
+                      </a:solidFill>
+                      <a:prstDash val="solid"/>
+                      <a:round/>
+                      <a:headEnd type="none" w="med" len="med"/>
+                      <a:tailEnd type="none" w="med" len="med"/>
+                    </a:lnT>
+                    <a:lnB w="12700" cap="flat" cmpd="sng" algn="ctr">
+                      <a:solidFill>
+                        <a:schemeClr val="tx1"/>
+                      </a:solidFill>
+                      <a:prstDash val="solid"/>
+                      <a:round/>
+                      <a:headEnd type="none" w="med" len="med"/>
+                      <a:tailEnd type="none" w="med" len="med"/>
+                    </a:lnB>
+                    <a:solidFill>
+                      <a:schemeClr val="bg1"/>
+                    </a:solidFill>
+                  </a:tcPr>
+                </a:tc>
+              </a:tr>
+              <a:tr h="221683">
+                <a:tc>
+                  <a:txBody>
+                    <a:bodyPr/>
+                    <a:lstStyle/>
+                    <a:p>
+                      <a:pPr algn="ctr"/>
+                      <a:r>
+                        <a:rPr lang="pt-BR" sz="1100" dirty="0" smtClean="0"/>
+                        <a:t>14</a:t>
+                      </a:r>
+                      <a:endParaRPr lang="pt-BR" sz="1100" dirty="0"/>
+                    </a:p>
+                  </a:txBody>
+                  <a:tcPr>
+                    <a:lnL w="12700" cap="flat" cmpd="sng" algn="ctr">
+                      <a:solidFill>
+                        <a:schemeClr val="tx1"/>
+                      </a:solidFill>
+                      <a:prstDash val="solid"/>
+                      <a:round/>
+                      <a:headEnd type="none" w="med" len="med"/>
+                      <a:tailEnd type="none" w="med" len="med"/>
+                    </a:lnL>
+                    <a:lnR w="12700" cap="flat" cmpd="sng" algn="ctr">
+                      <a:solidFill>
+                        <a:schemeClr val="tx1"/>
+                      </a:solidFill>
+                      <a:prstDash val="solid"/>
+                      <a:round/>
+                      <a:headEnd type="none" w="med" len="med"/>
+                      <a:tailEnd type="none" w="med" len="med"/>
+                    </a:lnR>
+                    <a:lnT w="12700" cap="flat" cmpd="sng" algn="ctr">
+                      <a:solidFill>
+                        <a:schemeClr val="tx1"/>
+                      </a:solidFill>
+                      <a:prstDash val="solid"/>
+                      <a:round/>
+                      <a:headEnd type="none" w="med" len="med"/>
+                      <a:tailEnd type="none" w="med" len="med"/>
+                    </a:lnT>
+                    <a:lnB w="12700" cap="flat" cmpd="sng" algn="ctr">
+                      <a:solidFill>
+                        <a:schemeClr val="tx1"/>
+                      </a:solidFill>
+                      <a:prstDash val="solid"/>
+                      <a:round/>
+                      <a:headEnd type="none" w="med" len="med"/>
+                      <a:tailEnd type="none" w="med" len="med"/>
+                    </a:lnB>
+                    <a:solidFill>
+                      <a:schemeClr val="bg1"/>
+                    </a:solidFill>
+                  </a:tcPr>
+                </a:tc>
+                <a:tc>
+                  <a:txBody>
+                    <a:bodyPr/>
+                    <a:lstStyle/>
+                    <a:p>
+                      <a:pPr algn="r" rtl="0" fontAlgn="b"/>
+                      <a:r>
+                        <a:rPr lang="pt-BR" sz="1100">
+                          <a:effectLst/>
+                        </a:rPr>
+                        <a:t>11/05/26</a:t>
+                      </a:r>
+                    </a:p>
+                  </a:txBody>
+                  <a:tcPr marL="28575" marR="28575" marT="19050" marB="19050" anchor="b">
+                    <a:lnL w="12700" cap="flat" cmpd="sng" algn="ctr">
+                      <a:solidFill>
+                        <a:schemeClr val="tx1"/>
+                      </a:solidFill>
+                      <a:prstDash val="solid"/>
+                      <a:round/>
+                      <a:headEnd type="none" w="med" len="med"/>
+                      <a:tailEnd type="none" w="med" len="med"/>
+                    </a:lnL>
+                    <a:lnR w="12700" cap="flat" cmpd="sng" algn="ctr">
+                      <a:solidFill>
+                        <a:schemeClr val="tx1"/>
+                      </a:solidFill>
+                      <a:prstDash val="solid"/>
+                      <a:round/>
+                      <a:headEnd type="none" w="med" len="med"/>
+                      <a:tailEnd type="none" w="med" len="med"/>
+                    </a:lnR>
+                    <a:lnT w="12700" cap="flat" cmpd="sng" algn="ctr">
+                      <a:solidFill>
+                        <a:schemeClr val="tx1"/>
+                      </a:solidFill>
+                      <a:prstDash val="solid"/>
+                      <a:round/>
+                      <a:headEnd type="none" w="med" len="med"/>
+                      <a:tailEnd type="none" w="med" len="med"/>
+                    </a:lnT>
+                    <a:lnB w="12700" cap="flat" cmpd="sng" algn="ctr">
+                      <a:solidFill>
+                        <a:schemeClr val="tx1"/>
+                      </a:solidFill>
+                      <a:prstDash val="solid"/>
+                      <a:round/>
+                      <a:headEnd type="none" w="med" len="med"/>
+                      <a:tailEnd type="none" w="med" len="med"/>
+                    </a:lnB>
+                    <a:solidFill>
+                      <a:schemeClr val="bg1"/>
+                    </a:solidFill>
+                  </a:tcPr>
+                </a:tc>
+                <a:tc>
+                  <a:txBody>
+                    <a:bodyPr/>
+                    <a:lstStyle/>
+                    <a:p>
+                      <a:pPr algn="ctr"/>
+                      <a:r>
+                        <a:rPr lang="pt-BR" sz="1100" dirty="0" smtClean="0"/>
+                        <a:t>Segunda-feira</a:t>
+                      </a:r>
+                      <a:endParaRPr lang="pt-BR" sz="1100" dirty="0"/>
+                    </a:p>
+                  </a:txBody>
+                  <a:tcPr>
+                    <a:lnL w="12700" cap="flat" cmpd="sng" algn="ctr">
+                      <a:solidFill>
+                        <a:schemeClr val="tx1"/>
+                      </a:solidFill>
+                      <a:prstDash val="solid"/>
+                      <a:round/>
+                      <a:headEnd type="none" w="med" len="med"/>
+                      <a:tailEnd type="none" w="med" len="med"/>
+                    </a:lnL>
+                    <a:lnR w="12700" cap="flat" cmpd="sng" algn="ctr">
+                      <a:solidFill>
+                        <a:schemeClr val="tx1"/>
+                      </a:solidFill>
+                      <a:prstDash val="solid"/>
+                      <a:round/>
+                      <a:headEnd type="none" w="med" len="med"/>
+                      <a:tailEnd type="none" w="med" len="med"/>
+                    </a:lnR>
+                    <a:lnT w="12700" cap="flat" cmpd="sng" algn="ctr">
+                      <a:solidFill>
+                        <a:schemeClr val="tx1"/>
+                      </a:solidFill>
+                      <a:prstDash val="solid"/>
+                      <a:round/>
+                      <a:headEnd type="none" w="med" len="med"/>
+                      <a:tailEnd type="none" w="med" len="med"/>
+                    </a:lnT>
+                    <a:lnB w="12700" cap="flat" cmpd="sng" algn="ctr">
+                      <a:solidFill>
+                        <a:schemeClr val="tx1"/>
+                      </a:solidFill>
+                      <a:prstDash val="solid"/>
+                      <a:round/>
+                      <a:headEnd type="none" w="med" len="med"/>
+                      <a:tailEnd type="none" w="med" len="med"/>
+                    </a:lnB>
+                    <a:solidFill>
+                      <a:schemeClr val="bg1"/>
+                    </a:solidFill>
+                  </a:tcPr>
+                </a:tc>
+                <a:tc>
+                  <a:txBody>
+                    <a:bodyPr/>
+                    <a:lstStyle/>
+                    <a:p>
+                      <a:pPr algn="ctr"/>
+                      <a:r>
+                        <a:rPr lang="pt-BR" sz="1100" dirty="0" smtClean="0"/>
+                        <a:t>Inteligência Artificial</a:t>
+                      </a:r>
+                      <a:endParaRPr lang="pt-BR" sz="1100" dirty="0"/>
+                    </a:p>
+                  </a:txBody>
+                  <a:tcPr>
+                    <a:lnL w="12700" cap="flat" cmpd="sng" algn="ctr">
+                      <a:solidFill>
+                        <a:schemeClr val="tx1"/>
+                      </a:solidFill>
+                      <a:prstDash val="solid"/>
+                      <a:round/>
+                      <a:headEnd type="none" w="med" len="med"/>
+                      <a:tailEnd type="none" w="med" len="med"/>
+                    </a:lnL>
+                    <a:lnR w="12700" cap="flat" cmpd="sng" algn="ctr">
+                      <a:solidFill>
+                        <a:schemeClr val="tx1"/>
+                      </a:solidFill>
+                      <a:prstDash val="solid"/>
+                      <a:round/>
+                      <a:headEnd type="none" w="med" len="med"/>
+                      <a:tailEnd type="none" w="med" len="med"/>
+                    </a:lnR>
+                    <a:lnT w="12700" cap="flat" cmpd="sng" algn="ctr">
+                      <a:solidFill>
+                        <a:schemeClr val="tx1"/>
+                      </a:solidFill>
+                      <a:prstDash val="solid"/>
+                      <a:round/>
+                      <a:headEnd type="none" w="med" len="med"/>
+                      <a:tailEnd type="none" w="med" len="med"/>
+                    </a:lnT>
+                    <a:lnB w="12700" cap="flat" cmpd="sng" algn="ctr">
+                      <a:solidFill>
+                        <a:schemeClr val="tx1"/>
+                      </a:solidFill>
+                      <a:prstDash val="solid"/>
+                      <a:round/>
+                      <a:headEnd type="none" w="med" len="med"/>
+                      <a:tailEnd type="none" w="med" len="med"/>
+                    </a:lnB>
+                    <a:solidFill>
+                      <a:schemeClr val="bg1"/>
+                    </a:solidFill>
+                  </a:tcPr>
+                </a:tc>
+              </a:tr>
+              <a:tr h="221683">
+                <a:tc>
+                  <a:txBody>
+                    <a:bodyPr/>
+                    <a:lstStyle/>
+                    <a:p>
+                      <a:pPr algn="ctr"/>
+                      <a:r>
+                        <a:rPr lang="pt-BR" sz="1100" dirty="0" smtClean="0"/>
+                        <a:t>15</a:t>
+                      </a:r>
+                      <a:endParaRPr lang="pt-BR" sz="1100" dirty="0"/>
+                    </a:p>
+                  </a:txBody>
+                  <a:tcPr>
+                    <a:lnL w="12700" cap="flat" cmpd="sng" algn="ctr">
+                      <a:solidFill>
+                        <a:schemeClr val="tx1"/>
+                      </a:solidFill>
+                      <a:prstDash val="solid"/>
+                      <a:round/>
+                      <a:headEnd type="none" w="med" len="med"/>
+                      <a:tailEnd type="none" w="med" len="med"/>
+                    </a:lnL>
+                    <a:lnR w="12700" cap="flat" cmpd="sng" algn="ctr">
+                      <a:solidFill>
+                        <a:schemeClr val="tx1"/>
+                      </a:solidFill>
+                      <a:prstDash val="solid"/>
+                      <a:round/>
+                      <a:headEnd type="none" w="med" len="med"/>
+                      <a:tailEnd type="none" w="med" len="med"/>
+                    </a:lnR>
+                    <a:lnT w="12700" cap="flat" cmpd="sng" algn="ctr">
+                      <a:solidFill>
+                        <a:schemeClr val="tx1"/>
+                      </a:solidFill>
+                      <a:prstDash val="solid"/>
+                      <a:round/>
+                      <a:headEnd type="none" w="med" len="med"/>
+                      <a:tailEnd type="none" w="med" len="med"/>
+                    </a:lnT>
+                    <a:lnB w="12700" cap="flat" cmpd="sng" algn="ctr">
+                      <a:solidFill>
+                        <a:schemeClr val="tx1"/>
+                      </a:solidFill>
+                      <a:prstDash val="solid"/>
+                      <a:round/>
+                      <a:headEnd type="none" w="med" len="med"/>
+                      <a:tailEnd type="none" w="med" len="med"/>
+                    </a:lnB>
+                    <a:solidFill>
+                      <a:schemeClr val="bg1"/>
+                    </a:solidFill>
+                  </a:tcPr>
+                </a:tc>
+                <a:tc>
+                  <a:txBody>
+                    <a:bodyPr/>
+                    <a:lstStyle/>
+                    <a:p>
+                      <a:pPr algn="r" rtl="0" fontAlgn="b"/>
+                      <a:r>
+                        <a:rPr lang="pt-BR" sz="1100">
+                          <a:effectLst/>
+                        </a:rPr>
+                        <a:t>18/05/26</a:t>
+                      </a:r>
+                    </a:p>
+                  </a:txBody>
+                  <a:tcPr marL="28575" marR="28575" marT="19050" marB="19050" anchor="b">
+                    <a:lnL w="12700" cap="flat" cmpd="sng" algn="ctr">
+                      <a:solidFill>
+                        <a:schemeClr val="tx1"/>
+                      </a:solidFill>
+                      <a:prstDash val="solid"/>
+                      <a:round/>
+                      <a:headEnd type="none" w="med" len="med"/>
+                      <a:tailEnd type="none" w="med" len="med"/>
+                    </a:lnL>
+                    <a:lnR w="12700" cap="flat" cmpd="sng" algn="ctr">
+                      <a:solidFill>
+                        <a:schemeClr val="tx1"/>
+                      </a:solidFill>
+                      <a:prstDash val="solid"/>
+                      <a:round/>
+                      <a:headEnd type="none" w="med" len="med"/>
+                      <a:tailEnd type="none" w="med" len="med"/>
+                    </a:lnR>
+                    <a:lnT w="12700" cap="flat" cmpd="sng" algn="ctr">
+                      <a:solidFill>
+                        <a:schemeClr val="tx1"/>
+                      </a:solidFill>
+                      <a:prstDash val="solid"/>
+                      <a:round/>
+                      <a:headEnd type="none" w="med" len="med"/>
+                      <a:tailEnd type="none" w="med" len="med"/>
+                    </a:lnT>
+                    <a:lnB w="12700" cap="flat" cmpd="sng" algn="ctr">
+                      <a:solidFill>
+                        <a:schemeClr val="tx1"/>
+                      </a:solidFill>
+                      <a:prstDash val="solid"/>
+                      <a:round/>
+                      <a:headEnd type="none" w="med" len="med"/>
+                      <a:tailEnd type="none" w="med" len="med"/>
+                    </a:lnB>
+                    <a:solidFill>
+                      <a:schemeClr val="bg1"/>
+                    </a:solidFill>
+                  </a:tcPr>
+                </a:tc>
+                <a:tc>
+                  <a:txBody>
+                    <a:bodyPr/>
+                    <a:lstStyle/>
+                    <a:p>
+                      <a:pPr algn="ctr"/>
+                      <a:r>
+                        <a:rPr lang="pt-BR" sz="1100" dirty="0" smtClean="0"/>
+                        <a:t>Segunda-feira</a:t>
+                      </a:r>
+                      <a:endParaRPr lang="pt-BR" sz="1100" dirty="0"/>
+                    </a:p>
+                  </a:txBody>
+                  <a:tcPr>
+                    <a:lnL w="12700" cap="flat" cmpd="sng" algn="ctr">
+                      <a:solidFill>
+                        <a:schemeClr val="tx1"/>
+                      </a:solidFill>
+                      <a:prstDash val="solid"/>
+                      <a:round/>
+                      <a:headEnd type="none" w="med" len="med"/>
+                      <a:tailEnd type="none" w="med" len="med"/>
+                    </a:lnL>
+                    <a:lnR w="12700" cap="flat" cmpd="sng" algn="ctr">
+                      <a:solidFill>
+                        <a:schemeClr val="tx1"/>
+                      </a:solidFill>
+                      <a:prstDash val="solid"/>
+                      <a:round/>
+                      <a:headEnd type="none" w="med" len="med"/>
+                      <a:tailEnd type="none" w="med" len="med"/>
+                    </a:lnR>
+                    <a:lnT w="12700" cap="flat" cmpd="sng" algn="ctr">
+                      <a:solidFill>
+                        <a:schemeClr val="tx1"/>
+                      </a:solidFill>
+                      <a:prstDash val="solid"/>
+                      <a:round/>
+                      <a:headEnd type="none" w="med" len="med"/>
+                      <a:tailEnd type="none" w="med" len="med"/>
+                    </a:lnT>
+                    <a:lnB w="12700" cap="flat" cmpd="sng" algn="ctr">
+                      <a:solidFill>
+                        <a:schemeClr val="tx1"/>
+                      </a:solidFill>
+                      <a:prstDash val="solid"/>
+                      <a:round/>
+                      <a:headEnd type="none" w="med" len="med"/>
+                      <a:tailEnd type="none" w="med" len="med"/>
+                    </a:lnB>
+                    <a:solidFill>
+                      <a:schemeClr val="bg1"/>
+                    </a:solidFill>
+                  </a:tcPr>
+                </a:tc>
+                <a:tc>
+                  <a:txBody>
+                    <a:bodyPr/>
+                    <a:lstStyle/>
+                    <a:p>
+                      <a:pPr algn="ctr"/>
+                      <a:r>
+                        <a:rPr lang="pt-BR" sz="1100" dirty="0" smtClean="0"/>
+                        <a:t>Inteligência Artificial</a:t>
+                      </a:r>
+                      <a:endParaRPr lang="pt-BR" sz="1100" dirty="0"/>
+                    </a:p>
+                  </a:txBody>
+                  <a:tcPr>
+                    <a:lnL w="12700" cap="flat" cmpd="sng" algn="ctr">
+                      <a:solidFill>
+                        <a:schemeClr val="tx1"/>
+                      </a:solidFill>
+                      <a:prstDash val="solid"/>
+                      <a:round/>
+                      <a:headEnd type="none" w="med" len="med"/>
+                      <a:tailEnd type="none" w="med" len="med"/>
+                    </a:lnL>
+                    <a:lnR w="12700" cap="flat" cmpd="sng" algn="ctr">
+                      <a:solidFill>
+                        <a:schemeClr val="tx1"/>
+                      </a:solidFill>
+                      <a:prstDash val="solid"/>
+                      <a:round/>
+                      <a:headEnd type="none" w="med" len="med"/>
+                      <a:tailEnd type="none" w="med" len="med"/>
+                    </a:lnR>
+                    <a:lnT w="12700" cap="flat" cmpd="sng" algn="ctr">
+                      <a:solidFill>
+                        <a:schemeClr val="tx1"/>
+                      </a:solidFill>
+                      <a:prstDash val="solid"/>
+                      <a:round/>
+                      <a:headEnd type="none" w="med" len="med"/>
+                      <a:tailEnd type="none" w="med" len="med"/>
+                    </a:lnT>
+                    <a:lnB w="12700" cap="flat" cmpd="sng" algn="ctr">
+                      <a:solidFill>
+                        <a:schemeClr val="tx1"/>
+                      </a:solidFill>
+                      <a:prstDash val="solid"/>
+                      <a:round/>
+                      <a:headEnd type="none" w="med" len="med"/>
+                      <a:tailEnd type="none" w="med" len="med"/>
+                    </a:lnB>
+                    <a:solidFill>
+                      <a:schemeClr val="bg1"/>
+                    </a:solidFill>
+                  </a:tcPr>
+                </a:tc>
+              </a:tr>
+              <a:tr h="221683">
+                <a:tc>
+                  <a:txBody>
+                    <a:bodyPr/>
+                    <a:lstStyle/>
+                    <a:p>
+                      <a:pPr algn="ctr"/>
+                      <a:r>
+                        <a:rPr lang="pt-BR" sz="1100" dirty="0" smtClean="0"/>
+                        <a:t>16</a:t>
+                      </a:r>
+                      <a:endParaRPr lang="pt-BR" sz="1100" dirty="0"/>
+                    </a:p>
+                  </a:txBody>
+                  <a:tcPr>
+                    <a:lnL w="12700" cap="flat" cmpd="sng" algn="ctr">
+                      <a:solidFill>
+                        <a:schemeClr val="tx1"/>
+                      </a:solidFill>
+                      <a:prstDash val="solid"/>
+                      <a:round/>
+                      <a:headEnd type="none" w="med" len="med"/>
+                      <a:tailEnd type="none" w="med" len="med"/>
+                    </a:lnL>
+                    <a:lnR w="12700" cap="flat" cmpd="sng" algn="ctr">
+                      <a:solidFill>
+                        <a:schemeClr val="tx1"/>
+                      </a:solidFill>
+                      <a:prstDash val="solid"/>
+                      <a:round/>
+                      <a:headEnd type="none" w="med" len="med"/>
+                      <a:tailEnd type="none" w="med" len="med"/>
+                    </a:lnR>
+                    <a:lnT w="12700" cap="flat" cmpd="sng" algn="ctr">
+                      <a:solidFill>
+                        <a:schemeClr val="tx1"/>
+                      </a:solidFill>
+                      <a:prstDash val="solid"/>
+                      <a:round/>
+                      <a:headEnd type="none" w="med" len="med"/>
+                      <a:tailEnd type="none" w="med" len="med"/>
+                    </a:lnT>
+                    <a:lnB w="12700" cap="flat" cmpd="sng" algn="ctr">
+                      <a:solidFill>
+                        <a:schemeClr val="tx1"/>
+                      </a:solidFill>
+                      <a:prstDash val="solid"/>
+                      <a:round/>
+                      <a:headEnd type="none" w="med" len="med"/>
+                      <a:tailEnd type="none" w="med" len="med"/>
+                    </a:lnB>
+                    <a:solidFill>
+                      <a:schemeClr val="bg1"/>
+                    </a:solidFill>
+                  </a:tcPr>
+                </a:tc>
+                <a:tc>
+                  <a:txBody>
+                    <a:bodyPr/>
+                    <a:lstStyle/>
+                    <a:p>
+                      <a:pPr algn="r" rtl="0" fontAlgn="b"/>
+                      <a:r>
+                        <a:rPr lang="pt-BR" sz="1100">
+                          <a:effectLst/>
+                        </a:rPr>
+                        <a:t>25/05/26</a:t>
+                      </a:r>
+                    </a:p>
+                  </a:txBody>
+                  <a:tcPr marL="28575" marR="28575" marT="19050" marB="19050" anchor="b">
+                    <a:lnL w="12700" cap="flat" cmpd="sng" algn="ctr">
+                      <a:solidFill>
+                        <a:schemeClr val="tx1"/>
+                      </a:solidFill>
+                      <a:prstDash val="solid"/>
+                      <a:round/>
+                      <a:headEnd type="none" w="med" len="med"/>
+                      <a:tailEnd type="none" w="med" len="med"/>
+                    </a:lnL>
+                    <a:lnR w="12700" cap="flat" cmpd="sng" algn="ctr">
+                      <a:solidFill>
+                        <a:schemeClr val="tx1"/>
+                      </a:solidFill>
+                      <a:prstDash val="solid"/>
+                      <a:round/>
+                      <a:headEnd type="none" w="med" len="med"/>
+                      <a:tailEnd type="none" w="med" len="med"/>
+                    </a:lnR>
+                    <a:lnT w="12700" cap="flat" cmpd="sng" algn="ctr">
+                      <a:solidFill>
+                        <a:schemeClr val="tx1"/>
+                      </a:solidFill>
+                      <a:prstDash val="solid"/>
+                      <a:round/>
+                      <a:headEnd type="none" w="med" len="med"/>
+                      <a:tailEnd type="none" w="med" len="med"/>
+                    </a:lnT>
+                    <a:lnB w="12700" cap="flat" cmpd="sng" algn="ctr">
+                      <a:solidFill>
+                        <a:schemeClr val="tx1"/>
+                      </a:solidFill>
+                      <a:prstDash val="solid"/>
+                      <a:round/>
+                      <a:headEnd type="none" w="med" len="med"/>
+                      <a:tailEnd type="none" w="med" len="med"/>
+                    </a:lnB>
+                    <a:solidFill>
+                      <a:schemeClr val="bg1"/>
+                    </a:solidFill>
+                  </a:tcPr>
+                </a:tc>
+                <a:tc>
+                  <a:txBody>
+                    <a:bodyPr/>
+                    <a:lstStyle/>
+                    <a:p>
+                      <a:pPr algn="ctr"/>
+                      <a:r>
+                        <a:rPr lang="pt-BR" sz="1100" dirty="0" smtClean="0"/>
+                        <a:t>Segunda-feira</a:t>
+                      </a:r>
+                      <a:endParaRPr lang="pt-BR" sz="1100" dirty="0"/>
+                    </a:p>
+                  </a:txBody>
+                  <a:tcPr>
+                    <a:lnL w="12700" cap="flat" cmpd="sng" algn="ctr">
+                      <a:solidFill>
+                        <a:schemeClr val="tx1"/>
+                      </a:solidFill>
+                      <a:prstDash val="solid"/>
+                      <a:round/>
+                      <a:headEnd type="none" w="med" len="med"/>
+                      <a:tailEnd type="none" w="med" len="med"/>
+                    </a:lnL>
+                    <a:lnR w="12700" cap="flat" cmpd="sng" algn="ctr">
+                      <a:solidFill>
+                        <a:schemeClr val="tx1"/>
+                      </a:solidFill>
+                      <a:prstDash val="solid"/>
+                      <a:round/>
+                      <a:headEnd type="none" w="med" len="med"/>
+                      <a:tailEnd type="none" w="med" len="med"/>
+                    </a:lnR>
+                    <a:lnT w="12700" cap="flat" cmpd="sng" algn="ctr">
+                      <a:solidFill>
+                        <a:schemeClr val="tx1"/>
+                      </a:solidFill>
+                      <a:prstDash val="solid"/>
+                      <a:round/>
+                      <a:headEnd type="none" w="med" len="med"/>
+                      <a:tailEnd type="none" w="med" len="med"/>
+                    </a:lnT>
+                    <a:lnB w="12700" cap="flat" cmpd="sng" algn="ctr">
+                      <a:solidFill>
+                        <a:schemeClr val="tx1"/>
+                      </a:solidFill>
+                      <a:prstDash val="solid"/>
+                      <a:round/>
+                      <a:headEnd type="none" w="med" len="med"/>
+                      <a:tailEnd type="none" w="med" len="med"/>
+                    </a:lnB>
+                    <a:solidFill>
+                      <a:schemeClr val="bg1"/>
+                    </a:solidFill>
+                  </a:tcPr>
+                </a:tc>
+                <a:tc>
+                  <a:txBody>
+                    <a:bodyPr/>
+                    <a:lstStyle/>
+                    <a:p>
+                      <a:pPr algn="ctr"/>
+                      <a:r>
+                        <a:rPr lang="pt-BR" sz="1100" dirty="0" smtClean="0"/>
+                        <a:t>Inteligência Artificial</a:t>
+                      </a:r>
+                      <a:endParaRPr lang="pt-BR" sz="1100" dirty="0"/>
+                    </a:p>
+                  </a:txBody>
+                  <a:tcPr>
+                    <a:lnL w="12700" cap="flat" cmpd="sng" algn="ctr">
+                      <a:solidFill>
+                        <a:schemeClr val="tx1"/>
+                      </a:solidFill>
+                      <a:prstDash val="solid"/>
+                      <a:round/>
+                      <a:headEnd type="none" w="med" len="med"/>
+                      <a:tailEnd type="none" w="med" len="med"/>
+                    </a:lnL>
+                    <a:lnR w="12700" cap="flat" cmpd="sng" algn="ctr">
+                      <a:solidFill>
+                        <a:schemeClr val="tx1"/>
+                      </a:solidFill>
+                      <a:prstDash val="solid"/>
+                      <a:round/>
+                      <a:headEnd type="none" w="med" len="med"/>
+                      <a:tailEnd type="none" w="med" len="med"/>
+                    </a:lnR>
+                    <a:lnT w="12700" cap="flat" cmpd="sng" algn="ctr">
+                      <a:solidFill>
+                        <a:schemeClr val="tx1"/>
+                      </a:solidFill>
+                      <a:prstDash val="solid"/>
+                      <a:round/>
+                      <a:headEnd type="none" w="med" len="med"/>
+                      <a:tailEnd type="none" w="med" len="med"/>
+                    </a:lnT>
+                    <a:lnB w="12700" cap="flat" cmpd="sng" algn="ctr">
+                      <a:solidFill>
+                        <a:schemeClr val="tx1"/>
+                      </a:solidFill>
+                      <a:prstDash val="solid"/>
+                      <a:round/>
+                      <a:headEnd type="none" w="med" len="med"/>
+                      <a:tailEnd type="none" w="med" len="med"/>
+                    </a:lnB>
+                    <a:solidFill>
+                      <a:schemeClr val="bg1"/>
+                    </a:solidFill>
+                  </a:tcPr>
+                </a:tc>
+              </a:tr>
+              <a:tr h="221683">
+                <a:tc>
+                  <a:txBody>
+                    <a:bodyPr/>
+                    <a:lstStyle/>
+                    <a:p>
+                      <a:pPr algn="ctr"/>
+                      <a:r>
+                        <a:rPr lang="pt-BR" sz="1100" dirty="0" smtClean="0"/>
+                        <a:t>17</a:t>
+                      </a:r>
+                      <a:endParaRPr lang="pt-BR" sz="1100" dirty="0"/>
+                    </a:p>
+                  </a:txBody>
+                  <a:tcPr>
+                    <a:lnL w="12700" cap="flat" cmpd="sng" algn="ctr">
+                      <a:solidFill>
+                        <a:schemeClr val="tx1"/>
+                      </a:solidFill>
+                      <a:prstDash val="solid"/>
+                      <a:round/>
+                      <a:headEnd type="none" w="med" len="med"/>
+                      <a:tailEnd type="none" w="med" len="med"/>
+                    </a:lnL>
+                    <a:lnR w="12700" cap="flat" cmpd="sng" algn="ctr">
+                      <a:solidFill>
+                        <a:schemeClr val="tx1"/>
+                      </a:solidFill>
+                      <a:prstDash val="solid"/>
+                      <a:round/>
+                      <a:headEnd type="none" w="med" len="med"/>
+                      <a:tailEnd type="none" w="med" len="med"/>
+                    </a:lnR>
+                    <a:lnT w="12700" cap="flat" cmpd="sng" algn="ctr">
+                      <a:solidFill>
+                        <a:schemeClr val="tx1"/>
+                      </a:solidFill>
+                      <a:prstDash val="solid"/>
+                      <a:round/>
+                      <a:headEnd type="none" w="med" len="med"/>
+                      <a:tailEnd type="none" w="med" len="med"/>
+                    </a:lnT>
+                    <a:lnB w="12700" cap="flat" cmpd="sng" algn="ctr">
+                      <a:solidFill>
+                        <a:schemeClr val="tx1"/>
+                      </a:solidFill>
+                      <a:prstDash val="solid"/>
+                      <a:round/>
+                      <a:headEnd type="none" w="med" len="med"/>
+                      <a:tailEnd type="none" w="med" len="med"/>
+                    </a:lnB>
+                    <a:solidFill>
+                      <a:schemeClr val="bg1"/>
+                    </a:solidFill>
+                  </a:tcPr>
+                </a:tc>
+                <a:tc>
+                  <a:txBody>
+                    <a:bodyPr/>
+                    <a:lstStyle/>
+                    <a:p>
+                      <a:pPr algn="r" rtl="0" fontAlgn="b"/>
+                      <a:r>
+                        <a:rPr lang="pt-BR" sz="1100">
+                          <a:effectLst/>
+                        </a:rPr>
+                        <a:t>01/06/26</a:t>
+                      </a:r>
+                    </a:p>
+                  </a:txBody>
+                  <a:tcPr marL="28575" marR="28575" marT="19050" marB="19050" anchor="b">
+                    <a:lnL w="12700" cap="flat" cmpd="sng" algn="ctr">
+                      <a:solidFill>
+                        <a:schemeClr val="tx1"/>
+                      </a:solidFill>
+                      <a:prstDash val="solid"/>
+                      <a:round/>
+                      <a:headEnd type="none" w="med" len="med"/>
+                      <a:tailEnd type="none" w="med" len="med"/>
+                    </a:lnL>
+                    <a:lnR w="12700" cap="flat" cmpd="sng" algn="ctr">
+                      <a:solidFill>
+                        <a:schemeClr val="tx1"/>
+                      </a:solidFill>
+                      <a:prstDash val="solid"/>
+                      <a:round/>
+                      <a:headEnd type="none" w="med" len="med"/>
+                      <a:tailEnd type="none" w="med" len="med"/>
+                    </a:lnR>
+                    <a:lnT w="12700" cap="flat" cmpd="sng" algn="ctr">
+                      <a:solidFill>
+                        <a:schemeClr val="tx1"/>
+                      </a:solidFill>
+                      <a:prstDash val="solid"/>
+                      <a:round/>
+                      <a:headEnd type="none" w="med" len="med"/>
+                      <a:tailEnd type="none" w="med" len="med"/>
+                    </a:lnT>
+                    <a:lnB w="12700" cap="flat" cmpd="sng" algn="ctr">
+                      <a:solidFill>
+                        <a:schemeClr val="tx1"/>
+                      </a:solidFill>
+                      <a:prstDash val="solid"/>
+                      <a:round/>
+                      <a:headEnd type="none" w="med" len="med"/>
+                      <a:tailEnd type="none" w="med" len="med"/>
+                    </a:lnB>
+                    <a:solidFill>
+                      <a:schemeClr val="bg1"/>
+                    </a:solidFill>
+                  </a:tcPr>
+                </a:tc>
+                <a:tc>
+                  <a:txBody>
+                    <a:bodyPr/>
+                    <a:lstStyle/>
+                    <a:p>
+                      <a:pPr algn="ctr"/>
+                      <a:r>
+                        <a:rPr lang="pt-BR" sz="1100" dirty="0" smtClean="0"/>
+                        <a:t>Segunda-feira</a:t>
+                      </a:r>
+                      <a:endParaRPr lang="pt-BR" sz="1100" dirty="0"/>
+                    </a:p>
+                  </a:txBody>
+                  <a:tcPr>
+                    <a:lnL w="12700" cap="flat" cmpd="sng" algn="ctr">
+                      <a:solidFill>
+                        <a:schemeClr val="tx1"/>
+                      </a:solidFill>
+                      <a:prstDash val="solid"/>
+                      <a:round/>
+                      <a:headEnd type="none" w="med" len="med"/>
+                      <a:tailEnd type="none" w="med" len="med"/>
+                    </a:lnL>
+                    <a:lnR w="12700" cap="flat" cmpd="sng" algn="ctr">
+                      <a:solidFill>
+                        <a:schemeClr val="tx1"/>
+                      </a:solidFill>
+                      <a:prstDash val="solid"/>
+                      <a:round/>
+                      <a:headEnd type="none" w="med" len="med"/>
+                      <a:tailEnd type="none" w="med" len="med"/>
+                    </a:lnR>
+                    <a:lnT w="12700" cap="flat" cmpd="sng" algn="ctr">
+                      <a:solidFill>
+                        <a:schemeClr val="tx1"/>
+                      </a:solidFill>
+                      <a:prstDash val="solid"/>
+                      <a:round/>
+                      <a:headEnd type="none" w="med" len="med"/>
+                      <a:tailEnd type="none" w="med" len="med"/>
+                    </a:lnT>
+                    <a:lnB w="12700" cap="flat" cmpd="sng" algn="ctr">
+                      <a:solidFill>
+                        <a:schemeClr val="tx1"/>
+                      </a:solidFill>
+                      <a:prstDash val="solid"/>
+                      <a:round/>
+                      <a:headEnd type="none" w="med" len="med"/>
+                      <a:tailEnd type="none" w="med" len="med"/>
+                    </a:lnB>
+                    <a:solidFill>
+                      <a:schemeClr val="bg1"/>
+                    </a:solidFill>
+                  </a:tcPr>
+                </a:tc>
+                <a:tc>
+                  <a:txBody>
+                    <a:bodyPr/>
+                    <a:lstStyle/>
+                    <a:p>
+                      <a:pPr algn="ctr"/>
+                      <a:r>
+                        <a:rPr lang="pt-BR" sz="1100" dirty="0" smtClean="0"/>
+                        <a:t>Inteligência Artificial</a:t>
+                      </a:r>
+                      <a:endParaRPr lang="pt-BR" sz="1100" dirty="0"/>
+                    </a:p>
+                  </a:txBody>
+                  <a:tcPr>
+                    <a:lnL w="12700" cap="flat" cmpd="sng" algn="ctr">
+                      <a:solidFill>
+                        <a:schemeClr val="tx1"/>
+                      </a:solidFill>
+                      <a:prstDash val="solid"/>
+                      <a:round/>
+                      <a:headEnd type="none" w="med" len="med"/>
+                      <a:tailEnd type="none" w="med" len="med"/>
+                    </a:lnL>
+                    <a:lnR w="12700" cap="flat" cmpd="sng" algn="ctr">
+                      <a:solidFill>
+                        <a:schemeClr val="tx1"/>
+                      </a:solidFill>
+                      <a:prstDash val="solid"/>
+                      <a:round/>
+                      <a:headEnd type="none" w="med" len="med"/>
+                      <a:tailEnd type="none" w="med" len="med"/>
+                    </a:lnR>
+                    <a:lnT w="12700" cap="flat" cmpd="sng" algn="ctr">
+                      <a:solidFill>
+                        <a:schemeClr val="tx1"/>
+                      </a:solidFill>
+                      <a:prstDash val="solid"/>
+                      <a:round/>
+                      <a:headEnd type="none" w="med" len="med"/>
+                      <a:tailEnd type="none" w="med" len="med"/>
+                    </a:lnT>
+                    <a:lnB w="12700" cap="flat" cmpd="sng" algn="ctr">
+                      <a:solidFill>
+                        <a:schemeClr val="tx1"/>
+                      </a:solidFill>
+                      <a:prstDash val="solid"/>
+                      <a:round/>
+                      <a:headEnd type="none" w="med" len="med"/>
+                      <a:tailEnd type="none" w="med" len="med"/>
+                    </a:lnB>
+                    <a:solidFill>
+                      <a:schemeClr val="bg1"/>
+                    </a:solidFill>
+                  </a:tcPr>
+                </a:tc>
+              </a:tr>
+              <a:tr h="221683">
+                <a:tc>
+                  <a:txBody>
+                    <a:bodyPr/>
+                    <a:lstStyle/>
+                    <a:p>
+                      <a:pPr algn="ctr"/>
+                      <a:r>
+                        <a:rPr lang="pt-BR" sz="1100" dirty="0" smtClean="0"/>
+                        <a:t>18</a:t>
+                      </a:r>
+                      <a:endParaRPr lang="pt-BR" sz="1100" dirty="0"/>
+                    </a:p>
+                  </a:txBody>
+                  <a:tcPr>
+                    <a:lnL w="12700" cap="flat" cmpd="sng" algn="ctr">
+                      <a:solidFill>
+                        <a:schemeClr val="tx1"/>
+                      </a:solidFill>
+                      <a:prstDash val="solid"/>
+                      <a:round/>
+                      <a:headEnd type="none" w="med" len="med"/>
+                      <a:tailEnd type="none" w="med" len="med"/>
+                    </a:lnL>
+                    <a:lnR w="12700" cap="flat" cmpd="sng" algn="ctr">
+                      <a:solidFill>
+                        <a:schemeClr val="tx1"/>
+                      </a:solidFill>
+                      <a:prstDash val="solid"/>
+                      <a:round/>
+                      <a:headEnd type="none" w="med" len="med"/>
+                      <a:tailEnd type="none" w="med" len="med"/>
+                    </a:lnR>
+                    <a:lnT w="12700" cap="flat" cmpd="sng" algn="ctr">
+                      <a:solidFill>
+                        <a:schemeClr val="tx1"/>
+                      </a:solidFill>
+                      <a:prstDash val="solid"/>
+                      <a:round/>
+                      <a:headEnd type="none" w="med" len="med"/>
+                      <a:tailEnd type="none" w="med" len="med"/>
+                    </a:lnT>
+                    <a:lnB w="12700" cap="flat" cmpd="sng" algn="ctr">
+                      <a:solidFill>
+                        <a:schemeClr val="tx1"/>
+                      </a:solidFill>
+                      <a:prstDash val="solid"/>
+                      <a:round/>
+                      <a:headEnd type="none" w="med" len="med"/>
+                      <a:tailEnd type="none" w="med" len="med"/>
+                    </a:lnB>
+                    <a:solidFill>
+                      <a:schemeClr val="bg1"/>
+                    </a:solidFill>
+                  </a:tcPr>
+                </a:tc>
+                <a:tc>
+                  <a:txBody>
+                    <a:bodyPr/>
+                    <a:lstStyle/>
+                    <a:p>
+                      <a:pPr algn="r" rtl="0" fontAlgn="b"/>
+                      <a:r>
+                        <a:rPr lang="pt-BR" sz="1100">
+                          <a:effectLst/>
+                        </a:rPr>
+                        <a:t>08/06/26</a:t>
+                      </a:r>
+                    </a:p>
+                  </a:txBody>
+                  <a:tcPr marL="28575" marR="28575" marT="19050" marB="19050" anchor="b">
+                    <a:lnL w="12700" cap="flat" cmpd="sng" algn="ctr">
+                      <a:solidFill>
+                        <a:schemeClr val="tx1"/>
+                      </a:solidFill>
+                      <a:prstDash val="solid"/>
+                      <a:round/>
+                      <a:headEnd type="none" w="med" len="med"/>
+                      <a:tailEnd type="none" w="med" len="med"/>
+                    </a:lnL>
+                    <a:lnR w="12700" cap="flat" cmpd="sng" algn="ctr">
+                      <a:solidFill>
+                        <a:schemeClr val="tx1"/>
+                      </a:solidFill>
+                      <a:prstDash val="solid"/>
+                      <a:round/>
+                      <a:headEnd type="none" w="med" len="med"/>
+                      <a:tailEnd type="none" w="med" len="med"/>
+                    </a:lnR>
+                    <a:lnT w="12700" cap="flat" cmpd="sng" algn="ctr">
+                      <a:solidFill>
+                        <a:schemeClr val="tx1"/>
+                      </a:solidFill>
+                      <a:prstDash val="solid"/>
+                      <a:round/>
+                      <a:headEnd type="none" w="med" len="med"/>
+                      <a:tailEnd type="none" w="med" len="med"/>
+                    </a:lnT>
+                    <a:lnB w="12700" cap="flat" cmpd="sng" algn="ctr">
+                      <a:solidFill>
+                        <a:schemeClr val="tx1"/>
+                      </a:solidFill>
+                      <a:prstDash val="solid"/>
+                      <a:round/>
+                      <a:headEnd type="none" w="med" len="med"/>
+                      <a:tailEnd type="none" w="med" len="med"/>
+                    </a:lnB>
+                    <a:solidFill>
+                      <a:schemeClr val="bg1"/>
+                    </a:solidFill>
+                  </a:tcPr>
+                </a:tc>
+                <a:tc>
+                  <a:txBody>
+                    <a:bodyPr/>
+                    <a:lstStyle/>
+                    <a:p>
+                      <a:pPr algn="ctr"/>
+                      <a:r>
+                        <a:rPr lang="pt-BR" sz="1100" dirty="0" smtClean="0"/>
+                        <a:t>Segunda-feira</a:t>
+                      </a:r>
+                      <a:endParaRPr lang="pt-BR" sz="1100" dirty="0"/>
+                    </a:p>
+                  </a:txBody>
+                  <a:tcPr>
+                    <a:lnL w="12700" cap="flat" cmpd="sng" algn="ctr">
+                      <a:solidFill>
+                        <a:schemeClr val="tx1"/>
+                      </a:solidFill>
+                      <a:prstDash val="solid"/>
+                      <a:round/>
+                      <a:headEnd type="none" w="med" len="med"/>
+                      <a:tailEnd type="none" w="med" len="med"/>
+                    </a:lnL>
+                    <a:lnR w="12700" cap="flat" cmpd="sng" algn="ctr">
+                      <a:solidFill>
+                        <a:schemeClr val="tx1"/>
+                      </a:solidFill>
+                      <a:prstDash val="solid"/>
+                      <a:round/>
+                      <a:headEnd type="none" w="med" len="med"/>
+                      <a:tailEnd type="none" w="med" len="med"/>
+                    </a:lnR>
+                    <a:lnT w="12700" cap="flat" cmpd="sng" algn="ctr">
+                      <a:solidFill>
+                        <a:schemeClr val="tx1"/>
+                      </a:solidFill>
+                      <a:prstDash val="solid"/>
+                      <a:round/>
+                      <a:headEnd type="none" w="med" len="med"/>
+                      <a:tailEnd type="none" w="med" len="med"/>
+                    </a:lnT>
+                    <a:lnB w="12700" cap="flat" cmpd="sng" algn="ctr">
+                      <a:solidFill>
+                        <a:schemeClr val="tx1"/>
+                      </a:solidFill>
+                      <a:prstDash val="solid"/>
+                      <a:round/>
+                      <a:headEnd type="none" w="med" len="med"/>
+                      <a:tailEnd type="none" w="med" len="med"/>
+                    </a:lnB>
+                    <a:solidFill>
+                      <a:schemeClr val="bg1"/>
+                    </a:solidFill>
+                  </a:tcPr>
+                </a:tc>
+                <a:tc>
+                  <a:txBody>
+                    <a:bodyPr/>
+                    <a:lstStyle/>
+                    <a:p>
+                      <a:pPr algn="ctr"/>
+                      <a:r>
+                        <a:rPr lang="pt-BR" sz="1100" dirty="0" smtClean="0"/>
+                        <a:t>Inteligência Artificial</a:t>
+                      </a:r>
+                      <a:endParaRPr lang="pt-BR" sz="1100" dirty="0"/>
+                    </a:p>
+                  </a:txBody>
+                  <a:tcPr>
+                    <a:lnL w="12700" cap="flat" cmpd="sng" algn="ctr">
+                      <a:solidFill>
+                        <a:schemeClr val="tx1"/>
+                      </a:solidFill>
+                      <a:prstDash val="solid"/>
+                      <a:round/>
+                      <a:headEnd type="none" w="med" len="med"/>
+                      <a:tailEnd type="none" w="med" len="med"/>
+                    </a:lnL>
+                    <a:lnR w="12700" cap="flat" cmpd="sng" algn="ctr">
+                      <a:solidFill>
+                        <a:schemeClr val="tx1"/>
+                      </a:solidFill>
+                      <a:prstDash val="solid"/>
+                      <a:round/>
+                      <a:headEnd type="none" w="med" len="med"/>
+                      <a:tailEnd type="none" w="med" len="med"/>
+                    </a:lnR>
+                    <a:lnT w="12700" cap="flat" cmpd="sng" algn="ctr">
+                      <a:solidFill>
+                        <a:schemeClr val="tx1"/>
+                      </a:solidFill>
+                      <a:prstDash val="solid"/>
+                      <a:round/>
+                      <a:headEnd type="none" w="med" len="med"/>
+                      <a:tailEnd type="none" w="med" len="med"/>
+                    </a:lnT>
+                    <a:lnB w="12700" cap="flat" cmpd="sng" algn="ctr">
+                      <a:solidFill>
+                        <a:schemeClr val="tx1"/>
+                      </a:solidFill>
+                      <a:prstDash val="solid"/>
+                      <a:round/>
+                      <a:headEnd type="none" w="med" len="med"/>
+                      <a:tailEnd type="none" w="med" len="med"/>
+                    </a:lnB>
+                    <a:solidFill>
+                      <a:schemeClr val="bg1"/>
+                    </a:solidFill>
+                  </a:tcPr>
+                </a:tc>
+              </a:tr>
+              <a:tr h="221683">
+                <a:tc>
+                  <a:txBody>
+                    <a:bodyPr/>
+                    <a:lstStyle/>
+                    <a:p>
+                      <a:pPr marL="0" algn="ctr" defTabSz="914400" rtl="0" eaLnBrk="1" latinLnBrk="0" hangingPunct="1"/>
+                      <a:r>
+                        <a:rPr lang="pt-BR" sz="1100" b="1" kern="1200" dirty="0" smtClean="0">
+                          <a:solidFill>
+                            <a:schemeClr val="dk1"/>
+                          </a:solidFill>
+                          <a:latin typeface="+mn-lt"/>
+                          <a:ea typeface="+mn-ea"/>
+                          <a:cs typeface="+mn-cs"/>
+                        </a:rPr>
+                        <a:t>19</a:t>
+                      </a:r>
+                      <a:endParaRPr lang="pt-BR" sz="1100" b="1" kern="1200" dirty="0">
+                        <a:solidFill>
+                          <a:schemeClr val="dk1"/>
+                        </a:solidFill>
+                        <a:latin typeface="+mn-lt"/>
+                        <a:ea typeface="+mn-ea"/>
+                        <a:cs typeface="+mn-cs"/>
+                      </a:endParaRPr>
+                    </a:p>
+                  </a:txBody>
+                  <a:tcPr>
+                    <a:lnL w="12700" cap="flat" cmpd="sng" algn="ctr">
+                      <a:solidFill>
+                        <a:schemeClr val="tx1"/>
+                      </a:solidFill>
+                      <a:prstDash val="solid"/>
+                      <a:round/>
+                      <a:headEnd type="none" w="med" len="med"/>
+                      <a:tailEnd type="none" w="med" len="med"/>
+                    </a:lnL>
+                    <a:lnR w="12700" cap="flat" cmpd="sng" algn="ctr">
+                      <a:solidFill>
+                        <a:schemeClr val="tx1"/>
+                      </a:solidFill>
+                      <a:prstDash val="solid"/>
+                      <a:round/>
+                      <a:headEnd type="none" w="med" len="med"/>
+                      <a:tailEnd type="none" w="med" len="med"/>
+                    </a:lnR>
+                    <a:lnT w="12700" cap="flat" cmpd="sng" algn="ctr">
+                      <a:solidFill>
+                        <a:schemeClr val="tx1"/>
+                      </a:solidFill>
+                      <a:prstDash val="solid"/>
+                      <a:round/>
+                      <a:headEnd type="none" w="med" len="med"/>
+                      <a:tailEnd type="none" w="med" len="med"/>
+                    </a:lnT>
+                    <a:lnB w="12700" cap="flat" cmpd="sng" algn="ctr">
+                      <a:solidFill>
+                        <a:schemeClr val="tx1"/>
+                      </a:solidFill>
+                      <a:prstDash val="solid"/>
+                      <a:round/>
+                      <a:headEnd type="none" w="med" len="med"/>
+                      <a:tailEnd type="none" w="med" len="med"/>
+                    </a:lnB>
+                    <a:solidFill>
+                      <a:schemeClr val="accent1">
+                        <a:lumMod val="40000"/>
+                        <a:lumOff val="60000"/>
+                      </a:schemeClr>
+                    </a:solidFill>
+                  </a:tcPr>
+                </a:tc>
+                <a:tc>
+                  <a:txBody>
+                    <a:bodyPr/>
+                    <a:lstStyle/>
+                    <a:p>
+                      <a:pPr algn="r" rtl="0" fontAlgn="b"/>
+                      <a:r>
+                        <a:rPr lang="pt-BR" sz="1100" b="1" dirty="0">
+                          <a:effectLst/>
+                        </a:rPr>
+                        <a:t>15/06/26</a:t>
+                      </a:r>
+                    </a:p>
+                  </a:txBody>
+                  <a:tcPr marL="28575" marR="28575" marT="19050" marB="19050" anchor="b">
+                    <a:lnL w="12700" cap="flat" cmpd="sng" algn="ctr">
+                      <a:solidFill>
+                        <a:schemeClr val="tx1"/>
+                      </a:solidFill>
+                      <a:prstDash val="solid"/>
+                      <a:round/>
+                      <a:headEnd type="none" w="med" len="med"/>
+                      <a:tailEnd type="none" w="med" len="med"/>
+                    </a:lnL>
+                    <a:lnR w="12700" cap="flat" cmpd="sng" algn="ctr">
+                      <a:solidFill>
+                        <a:schemeClr val="tx1"/>
+                      </a:solidFill>
+                      <a:prstDash val="solid"/>
+                      <a:round/>
+                      <a:headEnd type="none" w="med" len="med"/>
+                      <a:tailEnd type="none" w="med" len="med"/>
+                    </a:lnR>
+                    <a:lnT w="12700" cap="flat" cmpd="sng" algn="ctr">
+                      <a:solidFill>
+                        <a:schemeClr val="tx1"/>
+                      </a:solidFill>
+                      <a:prstDash val="solid"/>
+                      <a:round/>
+                      <a:headEnd type="none" w="med" len="med"/>
+                      <a:tailEnd type="none" w="med" len="med"/>
+                    </a:lnT>
+                    <a:lnB w="12700" cap="flat" cmpd="sng" algn="ctr">
+                      <a:solidFill>
+                        <a:schemeClr val="tx1"/>
+                      </a:solidFill>
+                      <a:prstDash val="solid"/>
+                      <a:round/>
+                      <a:headEnd type="none" w="med" len="med"/>
+                      <a:tailEnd type="none" w="med" len="med"/>
+                    </a:lnB>
+                    <a:solidFill>
+                      <a:schemeClr val="accent1">
+                        <a:lumMod val="40000"/>
+                        <a:lumOff val="60000"/>
+                      </a:schemeClr>
+                    </a:solidFill>
+                  </a:tcPr>
+                </a:tc>
+                <a:tc>
+                  <a:txBody>
+                    <a:bodyPr/>
+                    <a:lstStyle/>
+                    <a:p>
+                      <a:pPr marL="0" algn="ctr" defTabSz="914400" rtl="0" eaLnBrk="1" latinLnBrk="0" hangingPunct="1"/>
+                      <a:r>
+                        <a:rPr lang="pt-BR" sz="1100" b="1" dirty="0" smtClean="0"/>
+                        <a:t>Segunda-feira</a:t>
+                      </a:r>
+                      <a:endParaRPr lang="pt-BR" sz="1100" b="1" kern="1200" dirty="0">
+                        <a:solidFill>
+                          <a:schemeClr val="dk1"/>
+                        </a:solidFill>
+                        <a:latin typeface="+mn-lt"/>
+                        <a:ea typeface="+mn-ea"/>
+                        <a:cs typeface="+mn-cs"/>
+                      </a:endParaRPr>
+                    </a:p>
+                  </a:txBody>
+                  <a:tcPr>
+                    <a:lnL w="12700" cap="flat" cmpd="sng" algn="ctr">
+                      <a:solidFill>
+                        <a:schemeClr val="tx1"/>
+                      </a:solidFill>
+                      <a:prstDash val="solid"/>
+                      <a:round/>
+                      <a:headEnd type="none" w="med" len="med"/>
+                      <a:tailEnd type="none" w="med" len="med"/>
+                    </a:lnL>
+                    <a:lnR w="12700" cap="flat" cmpd="sng" algn="ctr">
+                      <a:solidFill>
+                        <a:schemeClr val="tx1"/>
+                      </a:solidFill>
+                      <a:prstDash val="solid"/>
+                      <a:round/>
+                      <a:headEnd type="none" w="med" len="med"/>
+                      <a:tailEnd type="none" w="med" len="med"/>
+                    </a:lnR>
+                    <a:lnT w="12700" cap="flat" cmpd="sng" algn="ctr">
+                      <a:solidFill>
+                        <a:schemeClr val="tx1"/>
+                      </a:solidFill>
+                      <a:prstDash val="solid"/>
+                      <a:round/>
+                      <a:headEnd type="none" w="med" len="med"/>
+                      <a:tailEnd type="none" w="med" len="med"/>
+                    </a:lnT>
+                    <a:lnB w="12700" cap="flat" cmpd="sng" algn="ctr">
+                      <a:solidFill>
+                        <a:schemeClr val="tx1"/>
+                      </a:solidFill>
+                      <a:prstDash val="solid"/>
+                      <a:round/>
+                      <a:headEnd type="none" w="med" len="med"/>
+                      <a:tailEnd type="none" w="med" len="med"/>
+                    </a:lnB>
+                    <a:solidFill>
+                      <a:schemeClr val="accent1">
+                        <a:lumMod val="40000"/>
+                        <a:lumOff val="60000"/>
+                      </a:schemeClr>
+                    </a:solidFill>
+                  </a:tcPr>
+                </a:tc>
+                <a:tc>
+                  <a:txBody>
+                    <a:bodyPr/>
+                    <a:lstStyle/>
+                    <a:p>
+                      <a:pPr marL="0" algn="ctr" defTabSz="914400" rtl="0" eaLnBrk="1" latinLnBrk="0" hangingPunct="1"/>
+                      <a:r>
+                        <a:rPr lang="pt-BR" sz="1100" b="1" kern="1200" dirty="0" smtClean="0">
+                          <a:solidFill>
+                            <a:schemeClr val="dk1"/>
+                          </a:solidFill>
+                          <a:latin typeface="+mn-lt"/>
+                          <a:ea typeface="+mn-ea"/>
+                          <a:cs typeface="+mn-cs"/>
+                        </a:rPr>
+                        <a:t>Prova #2</a:t>
+                      </a:r>
+                      <a:endParaRPr lang="pt-BR" sz="1100" b="1" kern="1200" dirty="0">
+                        <a:solidFill>
+                          <a:schemeClr val="dk1"/>
+                        </a:solidFill>
+                        <a:latin typeface="+mn-lt"/>
+                        <a:ea typeface="+mn-ea"/>
+                        <a:cs typeface="+mn-cs"/>
+                      </a:endParaRPr>
+                    </a:p>
+                  </a:txBody>
+                  <a:tcPr>
+                    <a:lnL w="12700" cap="flat" cmpd="sng" algn="ctr">
+                      <a:solidFill>
+                        <a:schemeClr val="tx1"/>
+                      </a:solidFill>
+                      <a:prstDash val="solid"/>
+                      <a:round/>
+                      <a:headEnd type="none" w="med" len="med"/>
+                      <a:tailEnd type="none" w="med" len="med"/>
+                    </a:lnL>
+                    <a:lnR w="12700" cap="flat" cmpd="sng" algn="ctr">
+                      <a:solidFill>
+                        <a:schemeClr val="tx1"/>
+                      </a:solidFill>
+                      <a:prstDash val="solid"/>
+                      <a:round/>
+                      <a:headEnd type="none" w="med" len="med"/>
+                      <a:tailEnd type="none" w="med" len="med"/>
+                    </a:lnR>
+                    <a:lnT w="12700" cap="flat" cmpd="sng" algn="ctr">
+                      <a:solidFill>
+                        <a:schemeClr val="tx1"/>
+                      </a:solidFill>
+                      <a:prstDash val="solid"/>
+                      <a:round/>
+                      <a:headEnd type="none" w="med" len="med"/>
+                      <a:tailEnd type="none" w="med" len="med"/>
+                    </a:lnT>
+                    <a:lnB w="12700" cap="flat" cmpd="sng" algn="ctr">
+                      <a:solidFill>
+                        <a:schemeClr val="tx1"/>
+                      </a:solidFill>
+                      <a:prstDash val="solid"/>
+                      <a:round/>
+                      <a:headEnd type="none" w="med" len="med"/>
+                      <a:tailEnd type="none" w="med" len="med"/>
+                    </a:lnB>
+                    <a:solidFill>
+                      <a:schemeClr val="accent1">
+                        <a:lumMod val="40000"/>
+                        <a:lumOff val="60000"/>
+                      </a:schemeClr>
+                    </a:solidFill>
+                  </a:tcPr>
+                </a:tc>
+              </a:tr>
+              <a:tr h="221683">
+                <a:tc>
+                  <a:txBody>
+                    <a:bodyPr/>
+                    <a:lstStyle/>
+                    <a:p>
+                      <a:pPr marL="0" algn="ctr" defTabSz="914400" rtl="0" eaLnBrk="1" latinLnBrk="0" hangingPunct="1"/>
+                      <a:r>
+                        <a:rPr lang="pt-BR" sz="1100" b="1" kern="1200" dirty="0" smtClean="0">
+                          <a:solidFill>
+                            <a:schemeClr val="dk1"/>
+                          </a:solidFill>
+                          <a:latin typeface="+mn-lt"/>
+                          <a:ea typeface="+mn-ea"/>
+                          <a:cs typeface="+mn-cs"/>
+                        </a:rPr>
+                        <a:t>20</a:t>
+                      </a:r>
+                      <a:endParaRPr lang="pt-BR" sz="1100" b="1" kern="1200" dirty="0">
+                        <a:solidFill>
+                          <a:schemeClr val="dk1"/>
+                        </a:solidFill>
+                        <a:latin typeface="+mn-lt"/>
+                        <a:ea typeface="+mn-ea"/>
+                        <a:cs typeface="+mn-cs"/>
+                      </a:endParaRPr>
+                    </a:p>
+                  </a:txBody>
+                  <a:tcPr>
+                    <a:lnL w="12700" cap="flat" cmpd="sng" algn="ctr">
+                      <a:solidFill>
+                        <a:schemeClr val="tx1"/>
+                      </a:solidFill>
+                      <a:prstDash val="solid"/>
+                      <a:round/>
+                      <a:headEnd type="none" w="med" len="med"/>
+                      <a:tailEnd type="none" w="med" len="med"/>
+                    </a:lnL>
+                    <a:lnR w="12700" cap="flat" cmpd="sng" algn="ctr">
+                      <a:solidFill>
+                        <a:schemeClr val="tx1"/>
+                      </a:solidFill>
+                      <a:prstDash val="solid"/>
+                      <a:round/>
+                      <a:headEnd type="none" w="med" len="med"/>
+                      <a:tailEnd type="none" w="med" len="med"/>
+                    </a:lnR>
+                    <a:lnT w="12700" cap="flat" cmpd="sng" algn="ctr">
+                      <a:solidFill>
+                        <a:schemeClr val="tx1"/>
+                      </a:solidFill>
+                      <a:prstDash val="solid"/>
+                      <a:round/>
+                      <a:headEnd type="none" w="med" len="med"/>
+                      <a:tailEnd type="none" w="med" len="med"/>
+                    </a:lnT>
+                    <a:lnB w="12700" cap="flat" cmpd="sng" algn="ctr">
+                      <a:solidFill>
+                        <a:schemeClr val="tx1"/>
+                      </a:solidFill>
+                      <a:prstDash val="solid"/>
+                      <a:round/>
+                      <a:headEnd type="none" w="med" len="med"/>
+                      <a:tailEnd type="none" w="med" len="med"/>
+                    </a:lnB>
+                    <a:solidFill>
+                      <a:schemeClr val="accent1">
+                        <a:lumMod val="40000"/>
+                        <a:lumOff val="60000"/>
+                      </a:schemeClr>
+                    </a:solidFill>
+                  </a:tcPr>
+                </a:tc>
+                <a:tc>
+                  <a:txBody>
+                    <a:bodyPr/>
+                    <a:lstStyle/>
+                    <a:p>
+                      <a:pPr algn="r" rtl="0" fontAlgn="b"/>
+                      <a:r>
+                        <a:rPr lang="pt-BR" sz="1100" b="1" dirty="0">
+                          <a:effectLst/>
+                        </a:rPr>
+                        <a:t>22/06/26</a:t>
+                      </a:r>
+                    </a:p>
+                  </a:txBody>
+                  <a:tcPr marL="28575" marR="28575" marT="19050" marB="19050" anchor="b">
+                    <a:lnL w="12700" cap="flat" cmpd="sng" algn="ctr">
+                      <a:solidFill>
+                        <a:schemeClr val="tx1"/>
+                      </a:solidFill>
+                      <a:prstDash val="solid"/>
+                      <a:round/>
+                      <a:headEnd type="none" w="med" len="med"/>
+                      <a:tailEnd type="none" w="med" len="med"/>
+                    </a:lnL>
+                    <a:lnR w="12700" cap="flat" cmpd="sng" algn="ctr">
+                      <a:solidFill>
+                        <a:schemeClr val="tx1"/>
+                      </a:solidFill>
+                      <a:prstDash val="solid"/>
+                      <a:round/>
+                      <a:headEnd type="none" w="med" len="med"/>
+                      <a:tailEnd type="none" w="med" len="med"/>
+                    </a:lnR>
+                    <a:lnT w="12700" cap="flat" cmpd="sng" algn="ctr">
+                      <a:solidFill>
+                        <a:schemeClr val="tx1"/>
+                      </a:solidFill>
+                      <a:prstDash val="solid"/>
+                      <a:round/>
+                      <a:headEnd type="none" w="med" len="med"/>
+                      <a:tailEnd type="none" w="med" len="med"/>
+                    </a:lnT>
+                    <a:lnB w="12700" cap="flat" cmpd="sng" algn="ctr">
+                      <a:solidFill>
+                        <a:schemeClr val="tx1"/>
+                      </a:solidFill>
+                      <a:prstDash val="solid"/>
+                      <a:round/>
+                      <a:headEnd type="none" w="med" len="med"/>
+                      <a:tailEnd type="none" w="med" len="med"/>
+                    </a:lnB>
+                    <a:solidFill>
+                      <a:schemeClr val="accent1">
+                        <a:lumMod val="40000"/>
+                        <a:lumOff val="60000"/>
+                      </a:schemeClr>
+                    </a:solidFill>
+                  </a:tcPr>
+                </a:tc>
+                <a:tc>
+                  <a:txBody>
+                    <a:bodyPr/>
+                    <a:lstStyle/>
+                    <a:p>
+                      <a:pPr marL="0" algn="ctr" defTabSz="914400" rtl="0" eaLnBrk="1" latinLnBrk="0" hangingPunct="1"/>
+                      <a:r>
+                        <a:rPr lang="pt-BR" sz="1100" b="1" dirty="0" smtClean="0"/>
+                        <a:t>Segunda-feira</a:t>
+                      </a:r>
+                      <a:endParaRPr lang="pt-BR" sz="1100" b="1" kern="1200" dirty="0">
+                        <a:solidFill>
+                          <a:schemeClr val="dk1"/>
+                        </a:solidFill>
+                        <a:latin typeface="+mn-lt"/>
+                        <a:ea typeface="+mn-ea"/>
+                        <a:cs typeface="+mn-cs"/>
+                      </a:endParaRPr>
+                    </a:p>
+                  </a:txBody>
+                  <a:tcPr>
+                    <a:lnL w="12700" cap="flat" cmpd="sng" algn="ctr">
+                      <a:solidFill>
+                        <a:schemeClr val="tx1"/>
+                      </a:solidFill>
+                      <a:prstDash val="solid"/>
+                      <a:round/>
+                      <a:headEnd type="none" w="med" len="med"/>
+                      <a:tailEnd type="none" w="med" len="med"/>
+                    </a:lnL>
+                    <a:lnR w="12700" cap="flat" cmpd="sng" algn="ctr">
+                      <a:solidFill>
+                        <a:schemeClr val="tx1"/>
+                      </a:solidFill>
+                      <a:prstDash val="solid"/>
+                      <a:round/>
+                      <a:headEnd type="none" w="med" len="med"/>
+                      <a:tailEnd type="none" w="med" len="med"/>
+                    </a:lnR>
+                    <a:lnT w="12700" cap="flat" cmpd="sng" algn="ctr">
+                      <a:solidFill>
+                        <a:schemeClr val="tx1"/>
+                      </a:solidFill>
+                      <a:prstDash val="solid"/>
+                      <a:round/>
+                      <a:headEnd type="none" w="med" len="med"/>
+                      <a:tailEnd type="none" w="med" len="med"/>
+                    </a:lnT>
+                    <a:lnB w="12700" cap="flat" cmpd="sng" algn="ctr">
+                      <a:solidFill>
+                        <a:schemeClr val="tx1"/>
+                      </a:solidFill>
+                      <a:prstDash val="solid"/>
+                      <a:round/>
+                      <a:headEnd type="none" w="med" len="med"/>
+                      <a:tailEnd type="none" w="med" len="med"/>
+                    </a:lnB>
+                    <a:solidFill>
+                      <a:schemeClr val="accent1">
+                        <a:lumMod val="40000"/>
+                        <a:lumOff val="60000"/>
+                      </a:schemeClr>
+                    </a:solidFill>
+                  </a:tcPr>
+                </a:tc>
+                <a:tc>
+                  <a:txBody>
+                    <a:bodyPr/>
+                    <a:lstStyle/>
+                    <a:p>
+                      <a:pPr marL="0" algn="ctr" defTabSz="914400" rtl="0" eaLnBrk="1" latinLnBrk="0" hangingPunct="1"/>
+                      <a:r>
+                        <a:rPr lang="pt-BR" sz="1100" b="1" kern="1200" dirty="0" smtClean="0">
+                          <a:solidFill>
+                            <a:schemeClr val="dk1"/>
+                          </a:solidFill>
+                          <a:latin typeface="+mn-lt"/>
+                          <a:ea typeface="+mn-ea"/>
+                          <a:cs typeface="+mn-cs"/>
+                        </a:rPr>
+                        <a:t>Prova #3</a:t>
+                      </a:r>
+                      <a:endParaRPr lang="pt-BR" sz="1100" b="1" kern="1200" dirty="0">
+                        <a:solidFill>
+                          <a:schemeClr val="dk1"/>
+                        </a:solidFill>
+                        <a:latin typeface="+mn-lt"/>
+                        <a:ea typeface="+mn-ea"/>
+                        <a:cs typeface="+mn-cs"/>
+                      </a:endParaRPr>
+                    </a:p>
+                  </a:txBody>
+                  <a:tcPr>
+                    <a:lnL w="12700" cap="flat" cmpd="sng" algn="ctr">
+                      <a:solidFill>
+                        <a:schemeClr val="tx1"/>
+                      </a:solidFill>
+                      <a:prstDash val="solid"/>
+                      <a:round/>
+                      <a:headEnd type="none" w="med" len="med"/>
+                      <a:tailEnd type="none" w="med" len="med"/>
+                    </a:lnL>
+                    <a:lnR w="12700" cap="flat" cmpd="sng" algn="ctr">
+                      <a:solidFill>
+                        <a:schemeClr val="tx1"/>
+                      </a:solidFill>
+                      <a:prstDash val="solid"/>
+                      <a:round/>
+                      <a:headEnd type="none" w="med" len="med"/>
+                      <a:tailEnd type="none" w="med" len="med"/>
+                    </a:lnR>
+                    <a:lnT w="12700" cap="flat" cmpd="sng" algn="ctr">
+                      <a:solidFill>
+                        <a:schemeClr val="tx1"/>
+                      </a:solidFill>
+                      <a:prstDash val="solid"/>
+                      <a:round/>
+                      <a:headEnd type="none" w="med" len="med"/>
+                      <a:tailEnd type="none" w="med" len="med"/>
+                    </a:lnT>
+                    <a:lnB w="12700" cap="flat" cmpd="sng" algn="ctr">
+                      <a:solidFill>
+                        <a:schemeClr val="tx1"/>
+                      </a:solidFill>
+                      <a:prstDash val="solid"/>
+                      <a:round/>
+                      <a:headEnd type="none" w="med" len="med"/>
+                      <a:tailEnd type="none" w="med" len="med"/>
+                    </a:lnB>
+                    <a:solidFill>
+                      <a:schemeClr val="accent1">
+                        <a:lumMod val="40000"/>
+                        <a:lumOff val="60000"/>
+                      </a:schemeClr>
+                    </a:solidFill>
+                  </a:tcPr>
+                </a:tc>
+              </a:tr>
+            </a:tbl>
+          </a:graphicData>
+        </a:graphic>
+      </p:graphicFrame>
+    </p:spTree>
+    <p:extLst>
+      <p:ext uri="{BB962C8B-B14F-4D97-AF65-F5344CB8AC3E}">
+        <p14:creationId xmlns:p14="http://schemas.microsoft.com/office/powerpoint/2010/main" val="2910230082"/>
+      </p:ext>
+    </p:extLst>
+  </p:cSld>
+  <p:clrMapOvr>
+    <a:masterClrMapping/>
+  </p:clrMapOvr>
+  <p:timing>
+    <p:tnLst>
+      <p:par>
+        <p:cTn id="1" dur="indefinite" restart="never" nodeType="tmRoot"/>
+      </p:par>
+    </p:tnLst>
+  </p:timing>
+</p:sld>
+</file>
+
+<file path=ppt/slides/slide4.xml><?xml version="1.0" encoding="utf-8"?>
+<p:sld xmlns:a="http://schemas.openxmlformats.org/drawingml/2006/main" xmlns:r="http://schemas.openxmlformats.org/officeDocument/2006/relationships" xmlns:p="http://schemas.openxmlformats.org/presentationml/2006/main">
+  <p:cSld>
+    <p:spTree>
+      <p:nvGrpSpPr>
+        <p:cNvPr id="1" name=""/>
+        <p:cNvGrpSpPr/>
+        <p:nvPr/>
+      </p:nvGrpSpPr>
+      <p:grpSpPr>
+        <a:xfrm>
+          <a:off x="0" y="0"/>
+          <a:ext cx="0" cy="0"/>
+          <a:chOff x="0" y="0"/>
+          <a:chExt cx="0" cy="0"/>
+        </a:xfrm>
+      </p:grpSpPr>
+      <p:sp>
+        <p:nvSpPr>
+          <p:cNvPr id="2" name="Título 1">
+            <a:extLst>
+              <a:ext uri="{FF2B5EF4-FFF2-40B4-BE49-F238E27FC236}">
+                <a16:creationId xmlns:a16="http://schemas.microsoft.com/office/drawing/2014/main" xmlns="" id="{7F5FF925-67DE-CC62-E869-C6E3C1D771E6}"/>
+              </a:ext>
+            </a:extLst>
+          </p:cNvPr>
+          <p:cNvSpPr>
+            <a:spLocks noGrp="1"/>
+          </p:cNvSpPr>
+          <p:nvPr>
+            <p:ph type="title"/>
+          </p:nvPr>
+        </p:nvSpPr>
+        <p:spPr/>
+        <p:txBody>
+          <a:bodyPr/>
+          <a:lstStyle/>
+          <a:p>
+            <a:r>
+              <a:rPr lang="pt-BR" dirty="0" smtClean="0"/>
+              <a:t>Avaliações</a:t>
+            </a:r>
+            <a:endParaRPr lang="pt-BR" dirty="0"/>
+          </a:p>
+        </p:txBody>
+      </p:sp>
+      <p:sp>
+        <p:nvSpPr>
+          <p:cNvPr id="3" name="Espaço Reservado para Conteúdo 2">
+            <a:extLst>
+              <a:ext uri="{FF2B5EF4-FFF2-40B4-BE49-F238E27FC236}">
+                <a16:creationId xmlns:a16="http://schemas.microsoft.com/office/drawing/2014/main" xmlns="" id="{7DA84068-671A-9D40-4F76-2C57E4F720C2}"/>
+              </a:ext>
+            </a:extLst>
+          </p:cNvPr>
+          <p:cNvSpPr>
+            <a:spLocks noGrp="1"/>
+          </p:cNvSpPr>
+          <p:nvPr>
+            <p:ph idx="1"/>
+          </p:nvPr>
+        </p:nvSpPr>
+        <p:spPr/>
+        <p:txBody>
+          <a:bodyPr>
+            <a:normAutofit fontScale="85000" lnSpcReduction="20000"/>
+          </a:bodyPr>
+          <a:lstStyle/>
+          <a:p>
+            <a:pPr fontAlgn="base"/>
+            <a:r>
+              <a:rPr lang="pt-BR" dirty="0"/>
+              <a:t>NP1 (1ª prova </a:t>
+            </a:r>
+            <a:r>
+              <a:rPr lang="pt-BR" dirty="0"/>
+              <a:t>teórica/prática): </a:t>
+            </a:r>
+            <a:r>
+              <a:rPr lang="pt-BR" dirty="0"/>
+              <a:t>a definir  sugestão: 19/04/2023</a:t>
+            </a:r>
+            <a:r>
+              <a:rPr lang="en-US" dirty="0"/>
+              <a:t>​</a:t>
+            </a:r>
+          </a:p>
+          <a:p>
+            <a:pPr fontAlgn="base"/>
+            <a:r>
+              <a:rPr lang="pt-BR" dirty="0"/>
+              <a:t>NP2 (2ª prova </a:t>
+            </a:r>
+            <a:r>
+              <a:rPr lang="pt-BR" dirty="0"/>
+              <a:t>teórica/prática): </a:t>
+            </a:r>
+            <a:r>
+              <a:rPr lang="pt-BR" dirty="0"/>
+              <a:t>a definir  sugestão: 21/06/2023​</a:t>
+            </a:r>
+          </a:p>
+          <a:p>
+            <a:pPr fontAlgn="base"/>
+            <a:r>
+              <a:rPr lang="pt-BR" dirty="0"/>
+              <a:t>NP3 (3ª prova teórica/prática): a definir  sugestão: 05/07/2023​</a:t>
+            </a:r>
+          </a:p>
+          <a:p>
+            <a:pPr fontAlgn="base"/>
+            <a:r>
+              <a:rPr lang="pt-BR" dirty="0"/>
+              <a:t>NPA = (NP1 + NP2) / 2</a:t>
+            </a:r>
+            <a:r>
+              <a:rPr lang="en-US" dirty="0"/>
+              <a:t>​</a:t>
+            </a:r>
+          </a:p>
+          <a:p>
+            <a:pPr fontAlgn="base"/>
+            <a:r>
+              <a:rPr lang="pt-BR" dirty="0"/>
+              <a:t>NFA = NPA &gt;= 60 ? NPA : (NPA + NP3) / 2</a:t>
+            </a:r>
+            <a:r>
+              <a:rPr lang="en-US" dirty="0"/>
+              <a:t>​</a:t>
+            </a:r>
+          </a:p>
+          <a:p>
+            <a:pPr marL="0" indent="0" fontAlgn="base">
+              <a:buNone/>
+            </a:pPr>
+            <a:endParaRPr lang="pt-BR" dirty="0"/>
+          </a:p>
+          <a:p>
+            <a:pPr fontAlgn="base"/>
+            <a:r>
+              <a:rPr lang="pt-BR" dirty="0"/>
+              <a:t>Prova substitutiva: </a:t>
+            </a:r>
+            <a:r>
+              <a:rPr lang="en-US" dirty="0"/>
+              <a:t>​</a:t>
+            </a:r>
+          </a:p>
+          <a:p>
+            <a:pPr fontAlgn="base"/>
+            <a:r>
+              <a:rPr lang="pt-BR" dirty="0"/>
+              <a:t>Substitui NP1 ou NP2, via NP3.</a:t>
+            </a:r>
+            <a:r>
+              <a:rPr lang="en-US" dirty="0"/>
+              <a:t>​</a:t>
+            </a:r>
+          </a:p>
+          <a:p>
+            <a:pPr fontAlgn="base"/>
+            <a:r>
+              <a:rPr lang="pt-BR" dirty="0"/>
+              <a:t>Solicitação por requerimento no CRA.</a:t>
+            </a:r>
+            <a:r>
+              <a:rPr lang="en-US" dirty="0"/>
+              <a:t>​</a:t>
+            </a:r>
+          </a:p>
+          <a:p>
+            <a:pPr fontAlgn="base"/>
+            <a:r>
+              <a:rPr lang="pt-BR" dirty="0"/>
+              <a:t>Prova com o conteúdo de todo o semestre.</a:t>
+            </a:r>
+            <a:r>
+              <a:rPr lang="en-US" dirty="0"/>
+              <a:t>​</a:t>
+            </a:r>
+          </a:p>
+          <a:p>
+            <a:pPr fontAlgn="base"/>
+            <a:r>
+              <a:rPr lang="pt-BR" dirty="0"/>
+              <a:t>Caso não seja aprovado, será feita outra prova como NP3 (PVS).</a:t>
+            </a:r>
+            <a:r>
+              <a:rPr lang="pt-BR" dirty="0" smtClean="0"/>
+              <a:t>​</a:t>
+            </a:r>
+            <a:r>
+              <a:rPr lang="pt-BR" dirty="0"/>
+              <a:t> </a:t>
+            </a:r>
+          </a:p>
+        </p:txBody>
+      </p:sp>
+      <p:pic>
+        <p:nvPicPr>
+          <p:cNvPr id="1026" name="Picture 2" descr="Expanding Brain - Exam Meme"/>
+          <p:cNvPicPr>
+            <a:picLocks noChangeAspect="1" noChangeArrowheads="1"/>
+          </p:cNvPicPr>
+          <p:nvPr/>
+        </p:nvPicPr>
+        <p:blipFill>
+          <a:blip r:embed="rId2">
+            <a:extLst>
+              <a:ext uri="{28A0092B-C50C-407E-A947-70E740481C1C}">
+                <a14:useLocalDpi xmlns:a14="http://schemas.microsoft.com/office/drawing/2010/main" val="0"/>
+              </a:ext>
+            </a:extLst>
+          </a:blip>
+          <a:srcRect/>
+          <a:stretch>
+            <a:fillRect/>
+          </a:stretch>
+        </p:blipFill>
+        <p:spPr bwMode="auto">
+          <a:xfrm>
+            <a:off x="9423783" y="2061557"/>
+            <a:ext cx="2626612" cy="3614218"/>
+          </a:xfrm>
+          <a:prstGeom prst="rect">
+            <a:avLst/>
+          </a:prstGeom>
+          <a:noFill/>
+          <a:extLst>
+            <a:ext uri="{909E8E84-426E-40DD-AFC4-6F175D3DCCD1}">
+              <a14:hiddenFill xmlns:a14="http://schemas.microsoft.com/office/drawing/2010/main">
+                <a:solidFill>
+                  <a:srgbClr val="FFFFFF"/>
+                </a:solidFill>
+              </a14:hiddenFill>
+            </a:ext>
+          </a:extLst>
+        </p:spPr>
+      </p:pic>
+    </p:spTree>
+    <p:extLst>
+      <p:ext uri="{BB962C8B-B14F-4D97-AF65-F5344CB8AC3E}">
+        <p14:creationId xmlns:p14="http://schemas.microsoft.com/office/powerpoint/2010/main" val="809288149"/>
+      </p:ext>
+    </p:extLst>
+  </p:cSld>
+  <p:clrMapOvr>
+    <a:masterClrMapping/>
+  </p:clrMapOvr>
+  <p:timing>
+    <p:tnLst>
+      <p:par>
+        <p:cTn id="1" dur="indefinite" restart="never" nodeType="tmRoot"/>
+      </p:par>
+    </p:tnLst>
+  </p:timing>
+</p:sld>
+</file>
+
+<file path=ppt/slides/slide5.xml><?xml version="1.0" encoding="utf-8"?>
+<p:sld xmlns:a="http://schemas.openxmlformats.org/drawingml/2006/main" xmlns:r="http://schemas.openxmlformats.org/officeDocument/2006/relationships" xmlns:p="http://schemas.openxmlformats.org/presentationml/2006/main">
+  <p:cSld>
+    <p:spTree>
+      <p:nvGrpSpPr>
+        <p:cNvPr id="1" name=""/>
+        <p:cNvGrpSpPr/>
+        <p:nvPr/>
+      </p:nvGrpSpPr>
+      <p:grpSpPr>
+        <a:xfrm>
+          <a:off x="0" y="0"/>
+          <a:ext cx="0" cy="0"/>
+          <a:chOff x="0" y="0"/>
+          <a:chExt cx="0" cy="0"/>
+        </a:xfrm>
+      </p:grpSpPr>
+      <p:sp>
+        <p:nvSpPr>
+          <p:cNvPr id="2" name="Título 1">
+            <a:extLst>
+              <a:ext uri="{FF2B5EF4-FFF2-40B4-BE49-F238E27FC236}">
+                <a16:creationId xmlns:a16="http://schemas.microsoft.com/office/drawing/2014/main" xmlns="" id="{94AB8438-E56E-2412-517C-8456E4CA773C}"/>
+              </a:ext>
+            </a:extLst>
+          </p:cNvPr>
+          <p:cNvSpPr>
+            <a:spLocks noGrp="1"/>
+          </p:cNvSpPr>
+          <p:nvPr>
+            <p:ph type="title"/>
+          </p:nvPr>
+        </p:nvSpPr>
+        <p:spPr/>
+        <p:txBody>
+          <a:bodyPr/>
+          <a:lstStyle/>
+          <a:p>
+            <a:r>
+              <a:rPr lang="pt-BR" dirty="0"/>
+              <a:t>Fundamentação teórica</a:t>
+            </a:r>
+          </a:p>
+        </p:txBody>
+      </p:sp>
+      <p:sp>
+        <p:nvSpPr>
+          <p:cNvPr id="3" name="Espaço Reservado para Conteúdo 2">
+            <a:extLst>
+              <a:ext uri="{FF2B5EF4-FFF2-40B4-BE49-F238E27FC236}">
+                <a16:creationId xmlns:a16="http://schemas.microsoft.com/office/drawing/2014/main" xmlns="" id="{F7E2B09C-6D56-4C9F-A364-B904CCE2F1A0}"/>
+              </a:ext>
+            </a:extLst>
+          </p:cNvPr>
+          <p:cNvSpPr>
+            <a:spLocks noGrp="1"/>
+          </p:cNvSpPr>
+          <p:nvPr>
+            <p:ph idx="1"/>
+          </p:nvPr>
+        </p:nvSpPr>
+        <p:spPr/>
+        <p:txBody>
+          <a:bodyPr/>
+          <a:lstStyle/>
+          <a:p>
+            <a:endParaRPr lang="pt-BR"/>
+          </a:p>
+        </p:txBody>
+      </p:sp>
+    </p:spTree>
+    <p:extLst>
+      <p:ext uri="{BB962C8B-B14F-4D97-AF65-F5344CB8AC3E}">
+        <p14:creationId xmlns:p14="http://schemas.microsoft.com/office/powerpoint/2010/main" val="3187071590"/>
+      </p:ext>
+    </p:extLst>
+  </p:cSld>
+  <p:clrMapOvr>
+    <a:masterClrMapping/>
+  </p:clrMapOvr>
+</p:sld>
+</file>
+
+<file path=ppt/slides/slide6.xml><?xml version="1.0" encoding="utf-8"?>
+<p:sld xmlns:a="http://schemas.openxmlformats.org/drawingml/2006/main" xmlns:r="http://schemas.openxmlformats.org/officeDocument/2006/relationships" xmlns:p="http://schemas.openxmlformats.org/presentationml/2006/main">
+  <p:cSld>
+    <p:spTree>
+      <p:nvGrpSpPr>
+        <p:cNvPr id="1" name=""/>
+        <p:cNvGrpSpPr/>
+        <p:nvPr/>
+      </p:nvGrpSpPr>
+      <p:grpSpPr>
+        <a:xfrm>
+          <a:off x="0" y="0"/>
+          <a:ext cx="0" cy="0"/>
+          <a:chOff x="0" y="0"/>
+          <a:chExt cx="0" cy="0"/>
+        </a:xfrm>
+      </p:grpSpPr>
+      <p:sp>
+        <p:nvSpPr>
+          <p:cNvPr id="2" name="Título 1">
+            <a:extLst>
+              <a:ext uri="{FF2B5EF4-FFF2-40B4-BE49-F238E27FC236}">
+                <a16:creationId xmlns:a16="http://schemas.microsoft.com/office/drawing/2014/main" xmlns="" id="{083FFF02-0FC8-9F0B-AAB0-565FC99EA70D}"/>
+              </a:ext>
+            </a:extLst>
+          </p:cNvPr>
+          <p:cNvSpPr>
+            <a:spLocks noGrp="1"/>
+          </p:cNvSpPr>
+          <p:nvPr>
+            <p:ph type="title"/>
+          </p:nvPr>
+        </p:nvSpPr>
+        <p:spPr/>
+        <p:txBody>
+          <a:bodyPr/>
+          <a:lstStyle/>
+          <a:p>
+            <a:r>
+              <a:rPr lang="pt-BR" dirty="0"/>
+              <a:t>Arquitetura e funcionamento</a:t>
+            </a:r>
+          </a:p>
+        </p:txBody>
+      </p:sp>
+      <p:sp>
+        <p:nvSpPr>
+          <p:cNvPr id="3" name="Espaço Reservado para Conteúdo 2">
+            <a:extLst>
+              <a:ext uri="{FF2B5EF4-FFF2-40B4-BE49-F238E27FC236}">
+                <a16:creationId xmlns:a16="http://schemas.microsoft.com/office/drawing/2014/main" xmlns="" id="{8C5488AE-34B4-EF1D-F674-507FF2FCD122}"/>
+              </a:ext>
+            </a:extLst>
+          </p:cNvPr>
+          <p:cNvSpPr>
+            <a:spLocks noGrp="1"/>
+          </p:cNvSpPr>
+          <p:nvPr>
+            <p:ph idx="1"/>
+          </p:nvPr>
+        </p:nvSpPr>
+        <p:spPr/>
+        <p:txBody>
+          <a:bodyPr/>
+          <a:lstStyle/>
+          <a:p>
+            <a:endParaRPr lang="pt-BR"/>
+          </a:p>
+        </p:txBody>
+      </p:sp>
+    </p:spTree>
+    <p:extLst>
+      <p:ext uri="{BB962C8B-B14F-4D97-AF65-F5344CB8AC3E}">
+        <p14:creationId xmlns:p14="http://schemas.microsoft.com/office/powerpoint/2010/main" val="1547259554"/>
+      </p:ext>
+    </p:extLst>
+  </p:cSld>
+  <p:clrMapOvr>
+    <a:masterClrMapping/>
+  </p:clrMapOvr>
+</p:sld>
+</file>
+
+<file path=ppt/slides/slide7.xml><?xml version="1.0" encoding="utf-8"?>
+<p:sld xmlns:a="http://schemas.openxmlformats.org/drawingml/2006/main" xmlns:r="http://schemas.openxmlformats.org/officeDocument/2006/relationships" xmlns:p="http://schemas.openxmlformats.org/presentationml/2006/main">
+  <p:cSld>
+    <p:spTree>
+      <p:nvGrpSpPr>
+        <p:cNvPr id="1" name="">
+          <a:extLst>
+            <a:ext uri="{FF2B5EF4-FFF2-40B4-BE49-F238E27FC236}">
+              <a16:creationId xmlns:a16="http://schemas.microsoft.com/office/drawing/2014/main" xmlns="" id="{E1C9F56A-97FC-7CCD-E5BA-3B5E230AD9AB}"/>
+            </a:ext>
+          </a:extLst>
+        </p:cNvPr>
+        <p:cNvGrpSpPr/>
+        <p:nvPr/>
+      </p:nvGrpSpPr>
+      <p:grpSpPr>
+        <a:xfrm>
+          <a:off x="0" y="0"/>
+          <a:ext cx="0" cy="0"/>
+          <a:chOff x="0" y="0"/>
+          <a:chExt cx="0" cy="0"/>
+        </a:xfrm>
+      </p:grpSpPr>
+      <p:sp>
+        <p:nvSpPr>
+          <p:cNvPr id="2" name="Título 1">
+            <a:extLst>
+              <a:ext uri="{FF2B5EF4-FFF2-40B4-BE49-F238E27FC236}">
+                <a16:creationId xmlns:a16="http://schemas.microsoft.com/office/drawing/2014/main" xmlns="" id="{A979DAB9-0612-F0CD-7BB1-AF52B98B3210}"/>
+              </a:ext>
+            </a:extLst>
+          </p:cNvPr>
+          <p:cNvSpPr>
+            <a:spLocks noGrp="1"/>
+          </p:cNvSpPr>
+          <p:nvPr>
+            <p:ph type="title"/>
+          </p:nvPr>
+        </p:nvSpPr>
+        <p:spPr/>
+        <p:txBody>
+          <a:bodyPr/>
+          <a:lstStyle/>
+          <a:p>
+            <a:r>
+              <a:rPr lang="pt-BR" dirty="0"/>
+              <a:t>Treinamento e otimização</a:t>
+            </a:r>
+          </a:p>
+        </p:txBody>
+      </p:sp>
+      <p:sp>
+        <p:nvSpPr>
+          <p:cNvPr id="3" name="Espaço Reservado para Conteúdo 2">
+            <a:extLst>
+              <a:ext uri="{FF2B5EF4-FFF2-40B4-BE49-F238E27FC236}">
+                <a16:creationId xmlns:a16="http://schemas.microsoft.com/office/drawing/2014/main" xmlns="" id="{F22F88A5-87D1-340F-853F-8C2ED8F8C877}"/>
+              </a:ext>
+            </a:extLst>
+          </p:cNvPr>
+          <p:cNvSpPr>
+            <a:spLocks noGrp="1"/>
+          </p:cNvSpPr>
+          <p:nvPr>
+            <p:ph idx="1"/>
+          </p:nvPr>
+        </p:nvSpPr>
+        <p:spPr/>
+        <p:txBody>
+          <a:bodyPr/>
+          <a:lstStyle/>
+          <a:p>
+            <a:endParaRPr lang="pt-BR"/>
+          </a:p>
+        </p:txBody>
+      </p:sp>
+    </p:spTree>
+    <p:extLst>
+      <p:ext uri="{BB962C8B-B14F-4D97-AF65-F5344CB8AC3E}">
+        <p14:creationId xmlns:p14="http://schemas.microsoft.com/office/powerpoint/2010/main" val="3906980817"/>
+      </p:ext>
+    </p:extLst>
+  </p:cSld>
+  <p:clrMapOvr>
+    <a:masterClrMapping/>
+  </p:clrMapOvr>
+</p:sld>
+</file>
+
+<file path=ppt/slides/slide8.xml><?xml version="1.0" encoding="utf-8"?>
+<p:sld xmlns:a="http://schemas.openxmlformats.org/drawingml/2006/main" xmlns:r="http://schemas.openxmlformats.org/officeDocument/2006/relationships" xmlns:p="http://schemas.openxmlformats.org/presentationml/2006/main">
+  <p:cSld>
+    <p:spTree>
+      <p:nvGrpSpPr>
+        <p:cNvPr id="1" name="">
+          <a:extLst>
+            <a:ext uri="{FF2B5EF4-FFF2-40B4-BE49-F238E27FC236}">
+              <a16:creationId xmlns:a16="http://schemas.microsoft.com/office/drawing/2014/main" xmlns="" id="{B28A9759-CA4F-DA4F-85C2-F6E51DCED2D9}"/>
+            </a:ext>
+          </a:extLst>
+        </p:cNvPr>
+        <p:cNvGrpSpPr/>
+        <p:nvPr/>
+      </p:nvGrpSpPr>
+      <p:grpSpPr>
+        <a:xfrm>
+          <a:off x="0" y="0"/>
+          <a:ext cx="0" cy="0"/>
+          <a:chOff x="0" y="0"/>
+          <a:chExt cx="0" cy="0"/>
+        </a:xfrm>
+      </p:grpSpPr>
+      <p:sp>
+        <p:nvSpPr>
+          <p:cNvPr id="2" name="Título 1">
+            <a:extLst>
+              <a:ext uri="{FF2B5EF4-FFF2-40B4-BE49-F238E27FC236}">
+                <a16:creationId xmlns:a16="http://schemas.microsoft.com/office/drawing/2014/main" xmlns="" id="{072F732D-34CE-6153-324F-D7F6821577F0}"/>
+              </a:ext>
+            </a:extLst>
+          </p:cNvPr>
+          <p:cNvSpPr>
+            <a:spLocks noGrp="1"/>
+          </p:cNvSpPr>
+          <p:nvPr>
+            <p:ph type="title"/>
+          </p:nvPr>
+        </p:nvSpPr>
+        <p:spPr/>
+        <p:txBody>
+          <a:bodyPr/>
+          <a:lstStyle/>
+          <a:p>
+            <a:r>
+              <a:rPr lang="pt-BR" dirty="0"/>
+              <a:t>Vantagens e desvantagens</a:t>
+            </a:r>
+          </a:p>
+        </p:txBody>
+      </p:sp>
+      <p:sp>
+        <p:nvSpPr>
+          <p:cNvPr id="3" name="Espaço Reservado para Conteúdo 2">
+            <a:extLst>
+              <a:ext uri="{FF2B5EF4-FFF2-40B4-BE49-F238E27FC236}">
+                <a16:creationId xmlns:a16="http://schemas.microsoft.com/office/drawing/2014/main" xmlns="" id="{62A55622-8E11-E5D7-8EAF-7AE2CCAA3321}"/>
+              </a:ext>
+            </a:extLst>
+          </p:cNvPr>
+          <p:cNvSpPr>
+            <a:spLocks noGrp="1"/>
+          </p:cNvSpPr>
+          <p:nvPr>
+            <p:ph idx="1"/>
+          </p:nvPr>
+        </p:nvSpPr>
+        <p:spPr/>
+        <p:txBody>
+          <a:bodyPr/>
+          <a:lstStyle/>
+          <a:p>
+            <a:endParaRPr lang="pt-BR"/>
+          </a:p>
+        </p:txBody>
+      </p:sp>
+    </p:spTree>
+    <p:extLst>
+      <p:ext uri="{BB962C8B-B14F-4D97-AF65-F5344CB8AC3E}">
+        <p14:creationId xmlns:p14="http://schemas.microsoft.com/office/powerpoint/2010/main" val="1521811257"/>
+      </p:ext>
+    </p:extLst>
+  </p:cSld>
+  <p:clrMapOvr>
+    <a:masterClrMapping/>
+  </p:clrMapOvr>
+</p:sld>
+</file>
+
+<file path=ppt/slides/slide9.xml><?xml version="1.0" encoding="utf-8"?>
+<p:sld xmlns:a="http://schemas.openxmlformats.org/drawingml/2006/main" xmlns:r="http://schemas.openxmlformats.org/officeDocument/2006/relationships" xmlns:p="http://schemas.openxmlformats.org/presentationml/2006/main">
+  <p:cSld>
+    <p:spTree>
+      <p:nvGrpSpPr>
+        <p:cNvPr id="1" name=""/>
+        <p:cNvGrpSpPr/>
+        <p:nvPr/>
+      </p:nvGrpSpPr>
+      <p:grpSpPr>
+        <a:xfrm>
+          <a:off x="0" y="0"/>
+          <a:ext cx="0" cy="0"/>
+          <a:chOff x="0" y="0"/>
+          <a:chExt cx="0" cy="0"/>
+        </a:xfrm>
+      </p:grpSpPr>
+      <p:sp>
+        <p:nvSpPr>
+          <p:cNvPr id="2" name="Título 1">
+            <a:extLst>
+              <a:ext uri="{FF2B5EF4-FFF2-40B4-BE49-F238E27FC236}">
+                <a16:creationId xmlns:a16="http://schemas.microsoft.com/office/drawing/2014/main" xmlns="" id="{B9E502FC-4440-F5DA-F299-69CD15E702AE}"/>
+              </a:ext>
+            </a:extLst>
+          </p:cNvPr>
+          <p:cNvSpPr>
+            <a:spLocks noGrp="1"/>
+          </p:cNvSpPr>
+          <p:nvPr>
+            <p:ph type="title"/>
+          </p:nvPr>
+        </p:nvSpPr>
+        <p:spPr/>
+        <p:txBody>
+          <a:bodyPr/>
+          <a:lstStyle/>
+          <a:p>
+            <a:r>
+              <a:rPr lang="pt-BR" dirty="0"/>
+              <a:t>Exemplo(s) de aplicação</a:t>
+            </a:r>
+          </a:p>
+        </p:txBody>
+      </p:sp>
+      <p:sp>
+        <p:nvSpPr>
+          <p:cNvPr id="3" name="Espaço Reservado para Conteúdo 2">
+            <a:extLst>
+              <a:ext uri="{FF2B5EF4-FFF2-40B4-BE49-F238E27FC236}">
+                <a16:creationId xmlns:a16="http://schemas.microsoft.com/office/drawing/2014/main" xmlns="" id="{69359096-6B47-BEA3-55AD-95F90CDC8489}"/>
+              </a:ext>
+            </a:extLst>
+          </p:cNvPr>
+          <p:cNvSpPr>
+            <a:spLocks noGrp="1"/>
+          </p:cNvSpPr>
+          <p:nvPr>
+            <p:ph idx="1"/>
+          </p:nvPr>
+        </p:nvSpPr>
+        <p:spPr/>
+        <p:txBody>
+          <a:bodyPr/>
+          <a:lstStyle/>
+          <a:p>
+            <a:endParaRPr lang="pt-BR"/>
+          </a:p>
+        </p:txBody>
+      </p:sp>
+    </p:spTree>
+    <p:extLst>
+      <p:ext uri="{BB962C8B-B14F-4D97-AF65-F5344CB8AC3E}">
+        <p14:creationId xmlns:p14="http://schemas.microsoft.com/office/powerpoint/2010/main" val="1532530965"/>
       </p:ext>
     </p:extLst>
   </p:cSld>

--- a/slides/C24_Introdução.pptx
+++ b/slides/C24_Introdução.pptx
@@ -909,7 +909,7 @@
           <p:cNvPr id="2" name="Título 1">
             <a:extLst>
               <a:ext uri="{FF2B5EF4-FFF2-40B4-BE49-F238E27FC236}">
-                <a16:creationId xmlns:a16="http://schemas.microsoft.com/office/drawing/2014/main" xmlns="" id="{1DB9B4FF-B06E-403C-A326-BDC64D8FF94E}"/>
+                <a16:creationId xmlns="" xmlns:a16="http://schemas.microsoft.com/office/drawing/2014/main" id="{1DB9B4FF-B06E-403C-A326-BDC64D8FF94E}"/>
               </a:ext>
             </a:extLst>
           </p:cNvPr>
@@ -946,7 +946,7 @@
           <p:cNvPr id="3" name="Subtítulo 2">
             <a:extLst>
               <a:ext uri="{FF2B5EF4-FFF2-40B4-BE49-F238E27FC236}">
-                <a16:creationId xmlns:a16="http://schemas.microsoft.com/office/drawing/2014/main" xmlns="" id="{247BDFCE-746E-45BF-A319-4733D58D1632}"/>
+                <a16:creationId xmlns="" xmlns:a16="http://schemas.microsoft.com/office/drawing/2014/main" id="{247BDFCE-746E-45BF-A319-4733D58D1632}"/>
               </a:ext>
             </a:extLst>
           </p:cNvPr>
@@ -1016,7 +1016,7 @@
           <p:cNvPr id="4" name="Espaço Reservado para Data 3">
             <a:extLst>
               <a:ext uri="{FF2B5EF4-FFF2-40B4-BE49-F238E27FC236}">
-                <a16:creationId xmlns:a16="http://schemas.microsoft.com/office/drawing/2014/main" xmlns="" id="{9EDE2778-5372-4104-B96D-968184DA8288}"/>
+                <a16:creationId xmlns="" xmlns:a16="http://schemas.microsoft.com/office/drawing/2014/main" id="{9EDE2778-5372-4104-B96D-968184DA8288}"/>
               </a:ext>
             </a:extLst>
           </p:cNvPr>
@@ -1045,7 +1045,7 @@
           <p:cNvPr id="5" name="Espaço Reservado para Rodapé 4">
             <a:extLst>
               <a:ext uri="{FF2B5EF4-FFF2-40B4-BE49-F238E27FC236}">
-                <a16:creationId xmlns:a16="http://schemas.microsoft.com/office/drawing/2014/main" xmlns="" id="{C1DD0F41-C861-4051-988D-3024A37A4B93}"/>
+                <a16:creationId xmlns="" xmlns:a16="http://schemas.microsoft.com/office/drawing/2014/main" id="{C1DD0F41-C861-4051-988D-3024A37A4B93}"/>
               </a:ext>
             </a:extLst>
           </p:cNvPr>
@@ -1070,7 +1070,7 @@
           <p:cNvPr id="6" name="Espaço Reservado para Número de Slide 5">
             <a:extLst>
               <a:ext uri="{FF2B5EF4-FFF2-40B4-BE49-F238E27FC236}">
-                <a16:creationId xmlns:a16="http://schemas.microsoft.com/office/drawing/2014/main" xmlns="" id="{07E5967E-D980-431A-A5DB-3F0C5030A81E}"/>
+                <a16:creationId xmlns="" xmlns:a16="http://schemas.microsoft.com/office/drawing/2014/main" id="{07E5967E-D980-431A-A5DB-3F0C5030A81E}"/>
               </a:ext>
             </a:extLst>
           </p:cNvPr>
@@ -1129,7 +1129,7 @@
           <p:cNvPr id="2" name="Título 1">
             <a:extLst>
               <a:ext uri="{FF2B5EF4-FFF2-40B4-BE49-F238E27FC236}">
-                <a16:creationId xmlns:a16="http://schemas.microsoft.com/office/drawing/2014/main" xmlns="" id="{9036C49F-3E68-4175-81BA-3C3FEE44308A}"/>
+                <a16:creationId xmlns="" xmlns:a16="http://schemas.microsoft.com/office/drawing/2014/main" id="{9036C49F-3E68-4175-81BA-3C3FEE44308A}"/>
               </a:ext>
             </a:extLst>
           </p:cNvPr>
@@ -1157,7 +1157,7 @@
           <p:cNvPr id="3" name="Espaço Reservado para Texto Vertical 2">
             <a:extLst>
               <a:ext uri="{FF2B5EF4-FFF2-40B4-BE49-F238E27FC236}">
-                <a16:creationId xmlns:a16="http://schemas.microsoft.com/office/drawing/2014/main" xmlns="" id="{426FA736-3DD3-4D4E-B57B-BBE1D8F7D424}"/>
+                <a16:creationId xmlns="" xmlns:a16="http://schemas.microsoft.com/office/drawing/2014/main" id="{426FA736-3DD3-4D4E-B57B-BBE1D8F7D424}"/>
               </a:ext>
             </a:extLst>
           </p:cNvPr>
@@ -1214,7 +1214,7 @@
           <p:cNvPr id="4" name="Espaço Reservado para Data 3">
             <a:extLst>
               <a:ext uri="{FF2B5EF4-FFF2-40B4-BE49-F238E27FC236}">
-                <a16:creationId xmlns:a16="http://schemas.microsoft.com/office/drawing/2014/main" xmlns="" id="{99E8855C-D8FD-48F6-B14E-861E0DE4D915}"/>
+                <a16:creationId xmlns="" xmlns:a16="http://schemas.microsoft.com/office/drawing/2014/main" id="{99E8855C-D8FD-48F6-B14E-861E0DE4D915}"/>
               </a:ext>
             </a:extLst>
           </p:cNvPr>
@@ -1243,7 +1243,7 @@
           <p:cNvPr id="5" name="Espaço Reservado para Rodapé 4">
             <a:extLst>
               <a:ext uri="{FF2B5EF4-FFF2-40B4-BE49-F238E27FC236}">
-                <a16:creationId xmlns:a16="http://schemas.microsoft.com/office/drawing/2014/main" xmlns="" id="{97C0BB88-2F21-42A5-ACFF-83DA47F2D340}"/>
+                <a16:creationId xmlns="" xmlns:a16="http://schemas.microsoft.com/office/drawing/2014/main" id="{97C0BB88-2F21-42A5-ACFF-83DA47F2D340}"/>
               </a:ext>
             </a:extLst>
           </p:cNvPr>
@@ -1268,7 +1268,7 @@
           <p:cNvPr id="6" name="Espaço Reservado para Número de Slide 5">
             <a:extLst>
               <a:ext uri="{FF2B5EF4-FFF2-40B4-BE49-F238E27FC236}">
-                <a16:creationId xmlns:a16="http://schemas.microsoft.com/office/drawing/2014/main" xmlns="" id="{6CB462B3-1F22-4C05-B4B8-7A279FB7D5E9}"/>
+                <a16:creationId xmlns="" xmlns:a16="http://schemas.microsoft.com/office/drawing/2014/main" id="{6CB462B3-1F22-4C05-B4B8-7A279FB7D5E9}"/>
               </a:ext>
             </a:extLst>
           </p:cNvPr>
@@ -1327,7 +1327,7 @@
           <p:cNvPr id="2" name="Título Vertical 1">
             <a:extLst>
               <a:ext uri="{FF2B5EF4-FFF2-40B4-BE49-F238E27FC236}">
-                <a16:creationId xmlns:a16="http://schemas.microsoft.com/office/drawing/2014/main" xmlns="" id="{EAEAB728-701C-4207-A9D5-23FF45C60502}"/>
+                <a16:creationId xmlns="" xmlns:a16="http://schemas.microsoft.com/office/drawing/2014/main" id="{EAEAB728-701C-4207-A9D5-23FF45C60502}"/>
               </a:ext>
             </a:extLst>
           </p:cNvPr>
@@ -1360,7 +1360,7 @@
           <p:cNvPr id="3" name="Espaço Reservado para Texto Vertical 2">
             <a:extLst>
               <a:ext uri="{FF2B5EF4-FFF2-40B4-BE49-F238E27FC236}">
-                <a16:creationId xmlns:a16="http://schemas.microsoft.com/office/drawing/2014/main" xmlns="" id="{BA8C8CCF-7823-480A-9A19-0F664DD17E3B}"/>
+                <a16:creationId xmlns="" xmlns:a16="http://schemas.microsoft.com/office/drawing/2014/main" id="{BA8C8CCF-7823-480A-9A19-0F664DD17E3B}"/>
               </a:ext>
             </a:extLst>
           </p:cNvPr>
@@ -1422,7 +1422,7 @@
           <p:cNvPr id="4" name="Espaço Reservado para Data 3">
             <a:extLst>
               <a:ext uri="{FF2B5EF4-FFF2-40B4-BE49-F238E27FC236}">
-                <a16:creationId xmlns:a16="http://schemas.microsoft.com/office/drawing/2014/main" xmlns="" id="{721D5734-7B1F-425D-942F-6EB73344027C}"/>
+                <a16:creationId xmlns="" xmlns:a16="http://schemas.microsoft.com/office/drawing/2014/main" id="{721D5734-7B1F-425D-942F-6EB73344027C}"/>
               </a:ext>
             </a:extLst>
           </p:cNvPr>
@@ -1451,7 +1451,7 @@
           <p:cNvPr id="5" name="Espaço Reservado para Rodapé 4">
             <a:extLst>
               <a:ext uri="{FF2B5EF4-FFF2-40B4-BE49-F238E27FC236}">
-                <a16:creationId xmlns:a16="http://schemas.microsoft.com/office/drawing/2014/main" xmlns="" id="{1E1AAEAC-F08D-45FE-89EC-B1B349A868C9}"/>
+                <a16:creationId xmlns="" xmlns:a16="http://schemas.microsoft.com/office/drawing/2014/main" id="{1E1AAEAC-F08D-45FE-89EC-B1B349A868C9}"/>
               </a:ext>
             </a:extLst>
           </p:cNvPr>
@@ -1476,7 +1476,7 @@
           <p:cNvPr id="6" name="Espaço Reservado para Número de Slide 5">
             <a:extLst>
               <a:ext uri="{FF2B5EF4-FFF2-40B4-BE49-F238E27FC236}">
-                <a16:creationId xmlns:a16="http://schemas.microsoft.com/office/drawing/2014/main" xmlns="" id="{BAA44493-9911-47B2-87A6-C2141A972BC8}"/>
+                <a16:creationId xmlns="" xmlns:a16="http://schemas.microsoft.com/office/drawing/2014/main" id="{BAA44493-9911-47B2-87A6-C2141A972BC8}"/>
               </a:ext>
             </a:extLst>
           </p:cNvPr>
@@ -1535,7 +1535,7 @@
           <p:cNvPr id="2" name="Título 1">
             <a:extLst>
               <a:ext uri="{FF2B5EF4-FFF2-40B4-BE49-F238E27FC236}">
-                <a16:creationId xmlns:a16="http://schemas.microsoft.com/office/drawing/2014/main" xmlns="" id="{71BD44A5-8F21-4626-A01D-48A1C874B1D5}"/>
+                <a16:creationId xmlns="" xmlns:a16="http://schemas.microsoft.com/office/drawing/2014/main" id="{71BD44A5-8F21-4626-A01D-48A1C874B1D5}"/>
               </a:ext>
             </a:extLst>
           </p:cNvPr>
@@ -1563,7 +1563,7 @@
           <p:cNvPr id="3" name="Espaço Reservado para Conteúdo 2">
             <a:extLst>
               <a:ext uri="{FF2B5EF4-FFF2-40B4-BE49-F238E27FC236}">
-                <a16:creationId xmlns:a16="http://schemas.microsoft.com/office/drawing/2014/main" xmlns="" id="{B79E8085-65A9-48AA-951D-71D978BFF4ED}"/>
+                <a16:creationId xmlns="" xmlns:a16="http://schemas.microsoft.com/office/drawing/2014/main" id="{B79E8085-65A9-48AA-951D-71D978BFF4ED}"/>
               </a:ext>
             </a:extLst>
           </p:cNvPr>
@@ -1620,7 +1620,7 @@
           <p:cNvPr id="4" name="Espaço Reservado para Data 3">
             <a:extLst>
               <a:ext uri="{FF2B5EF4-FFF2-40B4-BE49-F238E27FC236}">
-                <a16:creationId xmlns:a16="http://schemas.microsoft.com/office/drawing/2014/main" xmlns="" id="{F05BE1AF-51EA-425D-B188-DE7BD675009F}"/>
+                <a16:creationId xmlns="" xmlns:a16="http://schemas.microsoft.com/office/drawing/2014/main" id="{F05BE1AF-51EA-425D-B188-DE7BD675009F}"/>
               </a:ext>
             </a:extLst>
           </p:cNvPr>
@@ -1649,7 +1649,7 @@
           <p:cNvPr id="5" name="Espaço Reservado para Rodapé 4">
             <a:extLst>
               <a:ext uri="{FF2B5EF4-FFF2-40B4-BE49-F238E27FC236}">
-                <a16:creationId xmlns:a16="http://schemas.microsoft.com/office/drawing/2014/main" xmlns="" id="{121BE632-29CF-4CB9-B365-C9EF38F89BE6}"/>
+                <a16:creationId xmlns="" xmlns:a16="http://schemas.microsoft.com/office/drawing/2014/main" id="{121BE632-29CF-4CB9-B365-C9EF38F89BE6}"/>
               </a:ext>
             </a:extLst>
           </p:cNvPr>
@@ -1674,7 +1674,7 @@
           <p:cNvPr id="6" name="Espaço Reservado para Número de Slide 5">
             <a:extLst>
               <a:ext uri="{FF2B5EF4-FFF2-40B4-BE49-F238E27FC236}">
-                <a16:creationId xmlns:a16="http://schemas.microsoft.com/office/drawing/2014/main" xmlns="" id="{60CF3DD1-9AEC-4A57-B461-4E4DD86FAC18}"/>
+                <a16:creationId xmlns="" xmlns:a16="http://schemas.microsoft.com/office/drawing/2014/main" id="{60CF3DD1-9AEC-4A57-B461-4E4DD86FAC18}"/>
               </a:ext>
             </a:extLst>
           </p:cNvPr>
@@ -1733,7 +1733,7 @@
           <p:cNvPr id="2" name="Título 1">
             <a:extLst>
               <a:ext uri="{FF2B5EF4-FFF2-40B4-BE49-F238E27FC236}">
-                <a16:creationId xmlns:a16="http://schemas.microsoft.com/office/drawing/2014/main" xmlns="" id="{34AB2FF0-A4D7-4E28-991D-FF26140D5988}"/>
+                <a16:creationId xmlns="" xmlns:a16="http://schemas.microsoft.com/office/drawing/2014/main" id="{34AB2FF0-A4D7-4E28-991D-FF26140D5988}"/>
               </a:ext>
             </a:extLst>
           </p:cNvPr>
@@ -1770,7 +1770,7 @@
           <p:cNvPr id="3" name="Espaço Reservado para Texto 2">
             <a:extLst>
               <a:ext uri="{FF2B5EF4-FFF2-40B4-BE49-F238E27FC236}">
-                <a16:creationId xmlns:a16="http://schemas.microsoft.com/office/drawing/2014/main" xmlns="" id="{E2AC45B0-4145-40DB-8E61-105461170604}"/>
+                <a16:creationId xmlns="" xmlns:a16="http://schemas.microsoft.com/office/drawing/2014/main" id="{E2AC45B0-4145-40DB-8E61-105461170604}"/>
               </a:ext>
             </a:extLst>
           </p:cNvPr>
@@ -1895,7 +1895,7 @@
           <p:cNvPr id="4" name="Espaço Reservado para Data 3">
             <a:extLst>
               <a:ext uri="{FF2B5EF4-FFF2-40B4-BE49-F238E27FC236}">
-                <a16:creationId xmlns:a16="http://schemas.microsoft.com/office/drawing/2014/main" xmlns="" id="{50F1D3FB-740A-4EBA-A309-2CE71D12ECFB}"/>
+                <a16:creationId xmlns="" xmlns:a16="http://schemas.microsoft.com/office/drawing/2014/main" id="{50F1D3FB-740A-4EBA-A309-2CE71D12ECFB}"/>
               </a:ext>
             </a:extLst>
           </p:cNvPr>
@@ -1924,7 +1924,7 @@
           <p:cNvPr id="5" name="Espaço Reservado para Rodapé 4">
             <a:extLst>
               <a:ext uri="{FF2B5EF4-FFF2-40B4-BE49-F238E27FC236}">
-                <a16:creationId xmlns:a16="http://schemas.microsoft.com/office/drawing/2014/main" xmlns="" id="{BDCAB18F-8715-4465-A940-F9C193A2ACE9}"/>
+                <a16:creationId xmlns="" xmlns:a16="http://schemas.microsoft.com/office/drawing/2014/main" id="{BDCAB18F-8715-4465-A940-F9C193A2ACE9}"/>
               </a:ext>
             </a:extLst>
           </p:cNvPr>
@@ -1949,7 +1949,7 @@
           <p:cNvPr id="6" name="Espaço Reservado para Número de Slide 5">
             <a:extLst>
               <a:ext uri="{FF2B5EF4-FFF2-40B4-BE49-F238E27FC236}">
-                <a16:creationId xmlns:a16="http://schemas.microsoft.com/office/drawing/2014/main" xmlns="" id="{353466C6-8248-429F-8056-FF040BF509EB}"/>
+                <a16:creationId xmlns="" xmlns:a16="http://schemas.microsoft.com/office/drawing/2014/main" id="{353466C6-8248-429F-8056-FF040BF509EB}"/>
               </a:ext>
             </a:extLst>
           </p:cNvPr>
@@ -2008,7 +2008,7 @@
           <p:cNvPr id="2" name="Título 1">
             <a:extLst>
               <a:ext uri="{FF2B5EF4-FFF2-40B4-BE49-F238E27FC236}">
-                <a16:creationId xmlns:a16="http://schemas.microsoft.com/office/drawing/2014/main" xmlns="" id="{BC7BB9F0-F14B-4A91-B2B7-35BC47FE4DE7}"/>
+                <a16:creationId xmlns="" xmlns:a16="http://schemas.microsoft.com/office/drawing/2014/main" id="{BC7BB9F0-F14B-4A91-B2B7-35BC47FE4DE7}"/>
               </a:ext>
             </a:extLst>
           </p:cNvPr>
@@ -2036,7 +2036,7 @@
           <p:cNvPr id="3" name="Espaço Reservado para Conteúdo 2">
             <a:extLst>
               <a:ext uri="{FF2B5EF4-FFF2-40B4-BE49-F238E27FC236}">
-                <a16:creationId xmlns:a16="http://schemas.microsoft.com/office/drawing/2014/main" xmlns="" id="{EC1FC1C4-73DA-47A6-8496-B0B457F7D39A}"/>
+                <a16:creationId xmlns="" xmlns:a16="http://schemas.microsoft.com/office/drawing/2014/main" id="{EC1FC1C4-73DA-47A6-8496-B0B457F7D39A}"/>
               </a:ext>
             </a:extLst>
           </p:cNvPr>
@@ -2098,7 +2098,7 @@
           <p:cNvPr id="4" name="Espaço Reservado para Conteúdo 3">
             <a:extLst>
               <a:ext uri="{FF2B5EF4-FFF2-40B4-BE49-F238E27FC236}">
-                <a16:creationId xmlns:a16="http://schemas.microsoft.com/office/drawing/2014/main" xmlns="" id="{E92F06A8-A449-4D92-9912-76873E529B38}"/>
+                <a16:creationId xmlns="" xmlns:a16="http://schemas.microsoft.com/office/drawing/2014/main" id="{E92F06A8-A449-4D92-9912-76873E529B38}"/>
               </a:ext>
             </a:extLst>
           </p:cNvPr>
@@ -2160,7 +2160,7 @@
           <p:cNvPr id="5" name="Espaço Reservado para Data 4">
             <a:extLst>
               <a:ext uri="{FF2B5EF4-FFF2-40B4-BE49-F238E27FC236}">
-                <a16:creationId xmlns:a16="http://schemas.microsoft.com/office/drawing/2014/main" xmlns="" id="{938070A4-BC2F-4D55-BD8D-DEAF11BB9EE9}"/>
+                <a16:creationId xmlns="" xmlns:a16="http://schemas.microsoft.com/office/drawing/2014/main" id="{938070A4-BC2F-4D55-BD8D-DEAF11BB9EE9}"/>
               </a:ext>
             </a:extLst>
           </p:cNvPr>
@@ -2189,7 +2189,7 @@
           <p:cNvPr id="6" name="Espaço Reservado para Rodapé 5">
             <a:extLst>
               <a:ext uri="{FF2B5EF4-FFF2-40B4-BE49-F238E27FC236}">
-                <a16:creationId xmlns:a16="http://schemas.microsoft.com/office/drawing/2014/main" xmlns="" id="{45CC2DB8-844A-465F-BA9A-7734C80C7F43}"/>
+                <a16:creationId xmlns="" xmlns:a16="http://schemas.microsoft.com/office/drawing/2014/main" id="{45CC2DB8-844A-465F-BA9A-7734C80C7F43}"/>
               </a:ext>
             </a:extLst>
           </p:cNvPr>
@@ -2214,7 +2214,7 @@
           <p:cNvPr id="7" name="Espaço Reservado para Número de Slide 6">
             <a:extLst>
               <a:ext uri="{FF2B5EF4-FFF2-40B4-BE49-F238E27FC236}">
-                <a16:creationId xmlns:a16="http://schemas.microsoft.com/office/drawing/2014/main" xmlns="" id="{4CC606A8-097B-4040-94E0-CD8C88280D8F}"/>
+                <a16:creationId xmlns="" xmlns:a16="http://schemas.microsoft.com/office/drawing/2014/main" id="{4CC606A8-097B-4040-94E0-CD8C88280D8F}"/>
               </a:ext>
             </a:extLst>
           </p:cNvPr>
@@ -2273,7 +2273,7 @@
           <p:cNvPr id="2" name="Título 1">
             <a:extLst>
               <a:ext uri="{FF2B5EF4-FFF2-40B4-BE49-F238E27FC236}">
-                <a16:creationId xmlns:a16="http://schemas.microsoft.com/office/drawing/2014/main" xmlns="" id="{76D66686-0143-4CB6-8C09-BA326F1E7ACA}"/>
+                <a16:creationId xmlns="" xmlns:a16="http://schemas.microsoft.com/office/drawing/2014/main" id="{76D66686-0143-4CB6-8C09-BA326F1E7ACA}"/>
               </a:ext>
             </a:extLst>
           </p:cNvPr>
@@ -2306,7 +2306,7 @@
           <p:cNvPr id="3" name="Espaço Reservado para Texto 2">
             <a:extLst>
               <a:ext uri="{FF2B5EF4-FFF2-40B4-BE49-F238E27FC236}">
-                <a16:creationId xmlns:a16="http://schemas.microsoft.com/office/drawing/2014/main" xmlns="" id="{0227AB85-F59E-4BCE-B846-4FA0992C2F23}"/>
+                <a16:creationId xmlns="" xmlns:a16="http://schemas.microsoft.com/office/drawing/2014/main" id="{0227AB85-F59E-4BCE-B846-4FA0992C2F23}"/>
               </a:ext>
             </a:extLst>
           </p:cNvPr>
@@ -2377,7 +2377,7 @@
           <p:cNvPr id="4" name="Espaço Reservado para Conteúdo 3">
             <a:extLst>
               <a:ext uri="{FF2B5EF4-FFF2-40B4-BE49-F238E27FC236}">
-                <a16:creationId xmlns:a16="http://schemas.microsoft.com/office/drawing/2014/main" xmlns="" id="{3373456C-7319-4D0A-827D-D29F6B083F5D}"/>
+                <a16:creationId xmlns="" xmlns:a16="http://schemas.microsoft.com/office/drawing/2014/main" id="{3373456C-7319-4D0A-827D-D29F6B083F5D}"/>
               </a:ext>
             </a:extLst>
           </p:cNvPr>
@@ -2439,7 +2439,7 @@
           <p:cNvPr id="5" name="Espaço Reservado para Texto 4">
             <a:extLst>
               <a:ext uri="{FF2B5EF4-FFF2-40B4-BE49-F238E27FC236}">
-                <a16:creationId xmlns:a16="http://schemas.microsoft.com/office/drawing/2014/main" xmlns="" id="{4CD109D0-2E83-4262-8029-A871CEC47406}"/>
+                <a16:creationId xmlns="" xmlns:a16="http://schemas.microsoft.com/office/drawing/2014/main" id="{4CD109D0-2E83-4262-8029-A871CEC47406}"/>
               </a:ext>
             </a:extLst>
           </p:cNvPr>
@@ -2510,7 +2510,7 @@
           <p:cNvPr id="6" name="Espaço Reservado para Conteúdo 5">
             <a:extLst>
               <a:ext uri="{FF2B5EF4-FFF2-40B4-BE49-F238E27FC236}">
-                <a16:creationId xmlns:a16="http://schemas.microsoft.com/office/drawing/2014/main" xmlns="" id="{AD706E3A-CFBB-4A6C-A65F-D0360A9E74FE}"/>
+                <a16:creationId xmlns="" xmlns:a16="http://schemas.microsoft.com/office/drawing/2014/main" id="{AD706E3A-CFBB-4A6C-A65F-D0360A9E74FE}"/>
               </a:ext>
             </a:extLst>
           </p:cNvPr>
@@ -2572,7 +2572,7 @@
           <p:cNvPr id="7" name="Espaço Reservado para Data 6">
             <a:extLst>
               <a:ext uri="{FF2B5EF4-FFF2-40B4-BE49-F238E27FC236}">
-                <a16:creationId xmlns:a16="http://schemas.microsoft.com/office/drawing/2014/main" xmlns="" id="{4172C0E5-5AF0-4805-BB51-443733CD2BD5}"/>
+                <a16:creationId xmlns="" xmlns:a16="http://schemas.microsoft.com/office/drawing/2014/main" id="{4172C0E5-5AF0-4805-BB51-443733CD2BD5}"/>
               </a:ext>
             </a:extLst>
           </p:cNvPr>
@@ -2601,7 +2601,7 @@
           <p:cNvPr id="8" name="Espaço Reservado para Rodapé 7">
             <a:extLst>
               <a:ext uri="{FF2B5EF4-FFF2-40B4-BE49-F238E27FC236}">
-                <a16:creationId xmlns:a16="http://schemas.microsoft.com/office/drawing/2014/main" xmlns="" id="{0E801648-156F-497E-99CF-797DF48051E1}"/>
+                <a16:creationId xmlns="" xmlns:a16="http://schemas.microsoft.com/office/drawing/2014/main" id="{0E801648-156F-497E-99CF-797DF48051E1}"/>
               </a:ext>
             </a:extLst>
           </p:cNvPr>
@@ -2626,7 +2626,7 @@
           <p:cNvPr id="9" name="Espaço Reservado para Número de Slide 8">
             <a:extLst>
               <a:ext uri="{FF2B5EF4-FFF2-40B4-BE49-F238E27FC236}">
-                <a16:creationId xmlns:a16="http://schemas.microsoft.com/office/drawing/2014/main" xmlns="" id="{EEE23D32-80E7-4796-A137-66BF842E4B53}"/>
+                <a16:creationId xmlns="" xmlns:a16="http://schemas.microsoft.com/office/drawing/2014/main" id="{EEE23D32-80E7-4796-A137-66BF842E4B53}"/>
               </a:ext>
             </a:extLst>
           </p:cNvPr>
@@ -2685,7 +2685,7 @@
           <p:cNvPr id="2" name="Título 1">
             <a:extLst>
               <a:ext uri="{FF2B5EF4-FFF2-40B4-BE49-F238E27FC236}">
-                <a16:creationId xmlns:a16="http://schemas.microsoft.com/office/drawing/2014/main" xmlns="" id="{2BCE2379-C78F-47E1-8CFC-B846E7AF148D}"/>
+                <a16:creationId xmlns="" xmlns:a16="http://schemas.microsoft.com/office/drawing/2014/main" id="{2BCE2379-C78F-47E1-8CFC-B846E7AF148D}"/>
               </a:ext>
             </a:extLst>
           </p:cNvPr>
@@ -2713,7 +2713,7 @@
           <p:cNvPr id="3" name="Espaço Reservado para Data 2">
             <a:extLst>
               <a:ext uri="{FF2B5EF4-FFF2-40B4-BE49-F238E27FC236}">
-                <a16:creationId xmlns:a16="http://schemas.microsoft.com/office/drawing/2014/main" xmlns="" id="{342600A9-7F92-4E22-9D94-E4717252A817}"/>
+                <a16:creationId xmlns="" xmlns:a16="http://schemas.microsoft.com/office/drawing/2014/main" id="{342600A9-7F92-4E22-9D94-E4717252A817}"/>
               </a:ext>
             </a:extLst>
           </p:cNvPr>
@@ -2742,7 +2742,7 @@
           <p:cNvPr id="4" name="Espaço Reservado para Rodapé 3">
             <a:extLst>
               <a:ext uri="{FF2B5EF4-FFF2-40B4-BE49-F238E27FC236}">
-                <a16:creationId xmlns:a16="http://schemas.microsoft.com/office/drawing/2014/main" xmlns="" id="{192E6BED-F546-40CC-A2DF-99CBA853654E}"/>
+                <a16:creationId xmlns="" xmlns:a16="http://schemas.microsoft.com/office/drawing/2014/main" id="{192E6BED-F546-40CC-A2DF-99CBA853654E}"/>
               </a:ext>
             </a:extLst>
           </p:cNvPr>
@@ -2767,7 +2767,7 @@
           <p:cNvPr id="5" name="Espaço Reservado para Número de Slide 4">
             <a:extLst>
               <a:ext uri="{FF2B5EF4-FFF2-40B4-BE49-F238E27FC236}">
-                <a16:creationId xmlns:a16="http://schemas.microsoft.com/office/drawing/2014/main" xmlns="" id="{6091CC40-A8C4-4063-80EB-CC5099621678}"/>
+                <a16:creationId xmlns="" xmlns:a16="http://schemas.microsoft.com/office/drawing/2014/main" id="{6091CC40-A8C4-4063-80EB-CC5099621678}"/>
               </a:ext>
             </a:extLst>
           </p:cNvPr>
@@ -2826,7 +2826,7 @@
           <p:cNvPr id="2" name="Espaço Reservado para Data 1">
             <a:extLst>
               <a:ext uri="{FF2B5EF4-FFF2-40B4-BE49-F238E27FC236}">
-                <a16:creationId xmlns:a16="http://schemas.microsoft.com/office/drawing/2014/main" xmlns="" id="{DD19515C-212C-4EAE-84A3-8FF4BC844F1B}"/>
+                <a16:creationId xmlns="" xmlns:a16="http://schemas.microsoft.com/office/drawing/2014/main" id="{DD19515C-212C-4EAE-84A3-8FF4BC844F1B}"/>
               </a:ext>
             </a:extLst>
           </p:cNvPr>
@@ -2855,7 +2855,7 @@
           <p:cNvPr id="3" name="Espaço Reservado para Rodapé 2">
             <a:extLst>
               <a:ext uri="{FF2B5EF4-FFF2-40B4-BE49-F238E27FC236}">
-                <a16:creationId xmlns:a16="http://schemas.microsoft.com/office/drawing/2014/main" xmlns="" id="{94D3D120-B3E8-4C96-861D-7A4F12F49B3A}"/>
+                <a16:creationId xmlns="" xmlns:a16="http://schemas.microsoft.com/office/drawing/2014/main" id="{94D3D120-B3E8-4C96-861D-7A4F12F49B3A}"/>
               </a:ext>
             </a:extLst>
           </p:cNvPr>
@@ -2880,7 +2880,7 @@
           <p:cNvPr id="4" name="Espaço Reservado para Número de Slide 3">
             <a:extLst>
               <a:ext uri="{FF2B5EF4-FFF2-40B4-BE49-F238E27FC236}">
-                <a16:creationId xmlns:a16="http://schemas.microsoft.com/office/drawing/2014/main" xmlns="" id="{42E49B68-FA1B-468B-9F17-D5C09243D454}"/>
+                <a16:creationId xmlns="" xmlns:a16="http://schemas.microsoft.com/office/drawing/2014/main" id="{42E49B68-FA1B-468B-9F17-D5C09243D454}"/>
               </a:ext>
             </a:extLst>
           </p:cNvPr>
@@ -2939,7 +2939,7 @@
           <p:cNvPr id="2" name="Título 1">
             <a:extLst>
               <a:ext uri="{FF2B5EF4-FFF2-40B4-BE49-F238E27FC236}">
-                <a16:creationId xmlns:a16="http://schemas.microsoft.com/office/drawing/2014/main" xmlns="" id="{1C17BCBE-A897-4319-85EC-D87909C24980}"/>
+                <a16:creationId xmlns="" xmlns:a16="http://schemas.microsoft.com/office/drawing/2014/main" id="{1C17BCBE-A897-4319-85EC-D87909C24980}"/>
               </a:ext>
             </a:extLst>
           </p:cNvPr>
@@ -2976,7 +2976,7 @@
           <p:cNvPr id="3" name="Espaço Reservado para Conteúdo 2">
             <a:extLst>
               <a:ext uri="{FF2B5EF4-FFF2-40B4-BE49-F238E27FC236}">
-                <a16:creationId xmlns:a16="http://schemas.microsoft.com/office/drawing/2014/main" xmlns="" id="{4226F885-0204-4913-868B-4B8B82576F17}"/>
+                <a16:creationId xmlns="" xmlns:a16="http://schemas.microsoft.com/office/drawing/2014/main" id="{4226F885-0204-4913-868B-4B8B82576F17}"/>
               </a:ext>
             </a:extLst>
           </p:cNvPr>
@@ -3066,7 +3066,7 @@
           <p:cNvPr id="4" name="Espaço Reservado para Texto 3">
             <a:extLst>
               <a:ext uri="{FF2B5EF4-FFF2-40B4-BE49-F238E27FC236}">
-                <a16:creationId xmlns:a16="http://schemas.microsoft.com/office/drawing/2014/main" xmlns="" id="{00F9F784-A858-441B-8AB5-697098141751}"/>
+                <a16:creationId xmlns="" xmlns:a16="http://schemas.microsoft.com/office/drawing/2014/main" id="{00F9F784-A858-441B-8AB5-697098141751}"/>
               </a:ext>
             </a:extLst>
           </p:cNvPr>
@@ -3137,7 +3137,7 @@
           <p:cNvPr id="5" name="Espaço Reservado para Data 4">
             <a:extLst>
               <a:ext uri="{FF2B5EF4-FFF2-40B4-BE49-F238E27FC236}">
-                <a16:creationId xmlns:a16="http://schemas.microsoft.com/office/drawing/2014/main" xmlns="" id="{A4DC363A-5000-472E-8B17-02E7DCB8840A}"/>
+                <a16:creationId xmlns="" xmlns:a16="http://schemas.microsoft.com/office/drawing/2014/main" id="{A4DC363A-5000-472E-8B17-02E7DCB8840A}"/>
               </a:ext>
             </a:extLst>
           </p:cNvPr>
@@ -3166,7 +3166,7 @@
           <p:cNvPr id="6" name="Espaço Reservado para Rodapé 5">
             <a:extLst>
               <a:ext uri="{FF2B5EF4-FFF2-40B4-BE49-F238E27FC236}">
-                <a16:creationId xmlns:a16="http://schemas.microsoft.com/office/drawing/2014/main" xmlns="" id="{5548425D-2C21-4C56-BAD4-662978775C28}"/>
+                <a16:creationId xmlns="" xmlns:a16="http://schemas.microsoft.com/office/drawing/2014/main" id="{5548425D-2C21-4C56-BAD4-662978775C28}"/>
               </a:ext>
             </a:extLst>
           </p:cNvPr>
@@ -3191,7 +3191,7 @@
           <p:cNvPr id="7" name="Espaço Reservado para Número de Slide 6">
             <a:extLst>
               <a:ext uri="{FF2B5EF4-FFF2-40B4-BE49-F238E27FC236}">
-                <a16:creationId xmlns:a16="http://schemas.microsoft.com/office/drawing/2014/main" xmlns="" id="{C63E9726-E64C-42B2-AE8A-8C235A956B48}"/>
+                <a16:creationId xmlns="" xmlns:a16="http://schemas.microsoft.com/office/drawing/2014/main" id="{C63E9726-E64C-42B2-AE8A-8C235A956B48}"/>
               </a:ext>
             </a:extLst>
           </p:cNvPr>
@@ -3250,7 +3250,7 @@
           <p:cNvPr id="2" name="Título 1">
             <a:extLst>
               <a:ext uri="{FF2B5EF4-FFF2-40B4-BE49-F238E27FC236}">
-                <a16:creationId xmlns:a16="http://schemas.microsoft.com/office/drawing/2014/main" xmlns="" id="{11086A78-3E74-450C-96A6-CA8AC37AF772}"/>
+                <a16:creationId xmlns="" xmlns:a16="http://schemas.microsoft.com/office/drawing/2014/main" id="{11086A78-3E74-450C-96A6-CA8AC37AF772}"/>
               </a:ext>
             </a:extLst>
           </p:cNvPr>
@@ -3287,7 +3287,7 @@
           <p:cNvPr id="3" name="Espaço Reservado para Imagem 2">
             <a:extLst>
               <a:ext uri="{FF2B5EF4-FFF2-40B4-BE49-F238E27FC236}">
-                <a16:creationId xmlns:a16="http://schemas.microsoft.com/office/drawing/2014/main" xmlns="" id="{5F5B7312-975A-4DBC-9B2F-3652ADA006FD}"/>
+                <a16:creationId xmlns="" xmlns:a16="http://schemas.microsoft.com/office/drawing/2014/main" id="{5F5B7312-975A-4DBC-9B2F-3652ADA006FD}"/>
               </a:ext>
             </a:extLst>
           </p:cNvPr>
@@ -3354,7 +3354,7 @@
           <p:cNvPr id="4" name="Espaço Reservado para Texto 3">
             <a:extLst>
               <a:ext uri="{FF2B5EF4-FFF2-40B4-BE49-F238E27FC236}">
-                <a16:creationId xmlns:a16="http://schemas.microsoft.com/office/drawing/2014/main" xmlns="" id="{AAF805F5-1DFF-41C6-944C-7D79FE0D0963}"/>
+                <a16:creationId xmlns="" xmlns:a16="http://schemas.microsoft.com/office/drawing/2014/main" id="{AAF805F5-1DFF-41C6-944C-7D79FE0D0963}"/>
               </a:ext>
             </a:extLst>
           </p:cNvPr>
@@ -3425,7 +3425,7 @@
           <p:cNvPr id="5" name="Espaço Reservado para Data 4">
             <a:extLst>
               <a:ext uri="{FF2B5EF4-FFF2-40B4-BE49-F238E27FC236}">
-                <a16:creationId xmlns:a16="http://schemas.microsoft.com/office/drawing/2014/main" xmlns="" id="{02113D81-8665-4516-BD81-C6A1F254EECD}"/>
+                <a16:creationId xmlns="" xmlns:a16="http://schemas.microsoft.com/office/drawing/2014/main" id="{02113D81-8665-4516-BD81-C6A1F254EECD}"/>
               </a:ext>
             </a:extLst>
           </p:cNvPr>
@@ -3454,7 +3454,7 @@
           <p:cNvPr id="6" name="Espaço Reservado para Rodapé 5">
             <a:extLst>
               <a:ext uri="{FF2B5EF4-FFF2-40B4-BE49-F238E27FC236}">
-                <a16:creationId xmlns:a16="http://schemas.microsoft.com/office/drawing/2014/main" xmlns="" id="{2B00C88B-FF32-40AA-A187-727D96FD7862}"/>
+                <a16:creationId xmlns="" xmlns:a16="http://schemas.microsoft.com/office/drawing/2014/main" id="{2B00C88B-FF32-40AA-A187-727D96FD7862}"/>
               </a:ext>
             </a:extLst>
           </p:cNvPr>
@@ -3479,7 +3479,7 @@
           <p:cNvPr id="7" name="Espaço Reservado para Número de Slide 6">
             <a:extLst>
               <a:ext uri="{FF2B5EF4-FFF2-40B4-BE49-F238E27FC236}">
-                <a16:creationId xmlns:a16="http://schemas.microsoft.com/office/drawing/2014/main" xmlns="" id="{A04D1A2D-69F7-4B8F-A730-BC26DC340BA6}"/>
+                <a16:creationId xmlns="" xmlns:a16="http://schemas.microsoft.com/office/drawing/2014/main" id="{A04D1A2D-69F7-4B8F-A730-BC26DC340BA6}"/>
               </a:ext>
             </a:extLst>
           </p:cNvPr>
@@ -3543,7 +3543,7 @@
           <p:cNvPr id="2" name="Espaço Reservado para Título 1">
             <a:extLst>
               <a:ext uri="{FF2B5EF4-FFF2-40B4-BE49-F238E27FC236}">
-                <a16:creationId xmlns:a16="http://schemas.microsoft.com/office/drawing/2014/main" xmlns="" id="{E69A0273-1966-4A1B-9370-4C1CE5036371}"/>
+                <a16:creationId xmlns="" xmlns:a16="http://schemas.microsoft.com/office/drawing/2014/main" id="{E69A0273-1966-4A1B-9370-4C1CE5036371}"/>
               </a:ext>
             </a:extLst>
           </p:cNvPr>
@@ -3581,7 +3581,7 @@
           <p:cNvPr id="3" name="Espaço Reservado para Texto 2">
             <a:extLst>
               <a:ext uri="{FF2B5EF4-FFF2-40B4-BE49-F238E27FC236}">
-                <a16:creationId xmlns:a16="http://schemas.microsoft.com/office/drawing/2014/main" xmlns="" id="{3B9CF87A-0448-49A7-AB25-EBC1D56A40EF}"/>
+                <a16:creationId xmlns="" xmlns:a16="http://schemas.microsoft.com/office/drawing/2014/main" id="{3B9CF87A-0448-49A7-AB25-EBC1D56A40EF}"/>
               </a:ext>
             </a:extLst>
           </p:cNvPr>
@@ -3648,7 +3648,7 @@
           <p:cNvPr id="4" name="Espaço Reservado para Data 3">
             <a:extLst>
               <a:ext uri="{FF2B5EF4-FFF2-40B4-BE49-F238E27FC236}">
-                <a16:creationId xmlns:a16="http://schemas.microsoft.com/office/drawing/2014/main" xmlns="" id="{2EF7B1F2-BB5A-44D0-816D-16AD2C71430E}"/>
+                <a16:creationId xmlns="" xmlns:a16="http://schemas.microsoft.com/office/drawing/2014/main" id="{2EF7B1F2-BB5A-44D0-816D-16AD2C71430E}"/>
               </a:ext>
             </a:extLst>
           </p:cNvPr>
@@ -3695,7 +3695,7 @@
           <p:cNvPr id="5" name="Espaço Reservado para Rodapé 4">
             <a:extLst>
               <a:ext uri="{FF2B5EF4-FFF2-40B4-BE49-F238E27FC236}">
-                <a16:creationId xmlns:a16="http://schemas.microsoft.com/office/drawing/2014/main" xmlns="" id="{C703F94C-2CC8-4DAA-BC35-14FC3E841DCD}"/>
+                <a16:creationId xmlns="" xmlns:a16="http://schemas.microsoft.com/office/drawing/2014/main" id="{C703F94C-2CC8-4DAA-BC35-14FC3E841DCD}"/>
               </a:ext>
             </a:extLst>
           </p:cNvPr>
@@ -3738,7 +3738,7 @@
           <p:cNvPr id="6" name="Espaço Reservado para Número de Slide 5">
             <a:extLst>
               <a:ext uri="{FF2B5EF4-FFF2-40B4-BE49-F238E27FC236}">
-                <a16:creationId xmlns:a16="http://schemas.microsoft.com/office/drawing/2014/main" xmlns="" id="{64051336-7048-457A-8B61-D94291D71648}"/>
+                <a16:creationId xmlns="" xmlns:a16="http://schemas.microsoft.com/office/drawing/2014/main" id="{64051336-7048-457A-8B61-D94291D71648}"/>
               </a:ext>
             </a:extLst>
           </p:cNvPr>
@@ -4106,7 +4106,7 @@
           <p:cNvPr id="2" name="Título 1">
             <a:extLst>
               <a:ext uri="{FF2B5EF4-FFF2-40B4-BE49-F238E27FC236}">
-                <a16:creationId xmlns:a16="http://schemas.microsoft.com/office/drawing/2014/main" xmlns="" id="{32666AC8-2E17-4DB4-B0F5-60C640CCFD2E}"/>
+                <a16:creationId xmlns="" xmlns:a16="http://schemas.microsoft.com/office/drawing/2014/main" id="{32666AC8-2E17-4DB4-B0F5-60C640CCFD2E}"/>
               </a:ext>
             </a:extLst>
           </p:cNvPr>
@@ -4153,7 +4153,7 @@
           <p:cNvPr id="4" name="CaixaDeTexto 3">
             <a:extLst>
               <a:ext uri="{FF2B5EF4-FFF2-40B4-BE49-F238E27FC236}">
-                <a16:creationId xmlns:a16="http://schemas.microsoft.com/office/drawing/2014/main" xmlns="" id="{430EB894-B7D4-434C-9D1A-A14094D9BEEC}"/>
+                <a16:creationId xmlns="" xmlns:a16="http://schemas.microsoft.com/office/drawing/2014/main" id="{430EB894-B7D4-434C-9D1A-A14094D9BEEC}"/>
               </a:ext>
             </a:extLst>
           </p:cNvPr>
@@ -4204,7 +4204,7 @@
           <p:cNvPr id="1026" name="Picture 2" descr="Logo">
             <a:extLst>
               <a:ext uri="{FF2B5EF4-FFF2-40B4-BE49-F238E27FC236}">
-                <a16:creationId xmlns:a16="http://schemas.microsoft.com/office/drawing/2014/main" xmlns="" id="{3F2642E0-4F6A-4196-8F58-E77D36E9A33F}"/>
+                <a16:creationId xmlns="" xmlns:a16="http://schemas.microsoft.com/office/drawing/2014/main" id="{3F2642E0-4F6A-4196-8F58-E77D36E9A33F}"/>
               </a:ext>
             </a:extLst>
           </p:cNvPr>
@@ -4249,7 +4249,7 @@
           <p:cNvPr id="5122" name="Picture 2" descr="Image result for machine learning">
             <a:extLst>
               <a:ext uri="{FF2B5EF4-FFF2-40B4-BE49-F238E27FC236}">
-                <a16:creationId xmlns:a16="http://schemas.microsoft.com/office/drawing/2014/main" xmlns="" id="{810CE0A2-4102-44A6-A370-175E7896CDCB}"/>
+                <a16:creationId xmlns="" xmlns:a16="http://schemas.microsoft.com/office/drawing/2014/main" id="{810CE0A2-4102-44A6-A370-175E7896CDCB}"/>
               </a:ext>
             </a:extLst>
           </p:cNvPr>
@@ -4331,7 +4331,7 @@
           <p:cNvPr id="2" name="Título 1">
             <a:extLst>
               <a:ext uri="{FF2B5EF4-FFF2-40B4-BE49-F238E27FC236}">
-                <a16:creationId xmlns:a16="http://schemas.microsoft.com/office/drawing/2014/main" xmlns="" id="{B7EBC8F7-03EF-338A-A90B-280A41AF9688}"/>
+                <a16:creationId xmlns="" xmlns:a16="http://schemas.microsoft.com/office/drawing/2014/main" id="{B7EBC8F7-03EF-338A-A90B-280A41AF9688}"/>
               </a:ext>
             </a:extLst>
           </p:cNvPr>
@@ -4359,7 +4359,7 @@
           <p:cNvPr id="3" name="Espaço Reservado para Conteúdo 2">
             <a:extLst>
               <a:ext uri="{FF2B5EF4-FFF2-40B4-BE49-F238E27FC236}">
-                <a16:creationId xmlns:a16="http://schemas.microsoft.com/office/drawing/2014/main" xmlns="" id="{C525BCE7-C19D-7DDA-016A-E3016C398CBA}"/>
+                <a16:creationId xmlns="" xmlns:a16="http://schemas.microsoft.com/office/drawing/2014/main" id="{C525BCE7-C19D-7DDA-016A-E3016C398CBA}"/>
               </a:ext>
             </a:extLst>
           </p:cNvPr>
@@ -4414,7 +4414,7 @@
           <p:cNvPr id="4" name="Título 1">
             <a:extLst>
               <a:ext uri="{FF2B5EF4-FFF2-40B4-BE49-F238E27FC236}">
-                <a16:creationId xmlns:a16="http://schemas.microsoft.com/office/drawing/2014/main" xmlns="" id="{32666AC8-2E17-4DB4-B0F5-60C640CCFD2E}"/>
+                <a16:creationId xmlns="" xmlns:a16="http://schemas.microsoft.com/office/drawing/2014/main" id="{32666AC8-2E17-4DB4-B0F5-60C640CCFD2E}"/>
               </a:ext>
             </a:extLst>
           </p:cNvPr>
@@ -4500,7 +4500,7 @@
           <p:cNvPr id="2" name="Título 1">
             <a:extLst>
               <a:ext uri="{FF2B5EF4-FFF2-40B4-BE49-F238E27FC236}">
-                <a16:creationId xmlns:a16="http://schemas.microsoft.com/office/drawing/2014/main" xmlns="" id="{3CA32550-8C76-B013-2EC7-989D8C3B19BE}"/>
+                <a16:creationId xmlns="" xmlns:a16="http://schemas.microsoft.com/office/drawing/2014/main" id="{3CA32550-8C76-B013-2EC7-989D8C3B19BE}"/>
               </a:ext>
             </a:extLst>
           </p:cNvPr>
@@ -4528,7 +4528,7 @@
           <p:cNvPr id="3" name="Espaço Reservado para Conteúdo 2">
             <a:extLst>
               <a:ext uri="{FF2B5EF4-FFF2-40B4-BE49-F238E27FC236}">
-                <a16:creationId xmlns:a16="http://schemas.microsoft.com/office/drawing/2014/main" xmlns="" id="{EF043237-7757-7557-B63E-D4EB5152D44B}"/>
+                <a16:creationId xmlns="" xmlns:a16="http://schemas.microsoft.com/office/drawing/2014/main" id="{EF043237-7757-7557-B63E-D4EB5152D44B}"/>
               </a:ext>
             </a:extLst>
           </p:cNvPr>
@@ -4583,7 +4583,7 @@
           <p:cNvPr id="4" name="Título 1">
             <a:extLst>
               <a:ext uri="{FF2B5EF4-FFF2-40B4-BE49-F238E27FC236}">
-                <a16:creationId xmlns:a16="http://schemas.microsoft.com/office/drawing/2014/main" xmlns="" id="{32666AC8-2E17-4DB4-B0F5-60C640CCFD2E}"/>
+                <a16:creationId xmlns="" xmlns:a16="http://schemas.microsoft.com/office/drawing/2014/main" id="{32666AC8-2E17-4DB4-B0F5-60C640CCFD2E}"/>
               </a:ext>
             </a:extLst>
           </p:cNvPr>
@@ -4669,7 +4669,7 @@
           <p:cNvPr id="2" name="Título 1">
             <a:extLst>
               <a:ext uri="{FF2B5EF4-FFF2-40B4-BE49-F238E27FC236}">
-                <a16:creationId xmlns:a16="http://schemas.microsoft.com/office/drawing/2014/main" xmlns="" id="{7F5FF925-67DE-CC62-E869-C6E3C1D771E6}"/>
+                <a16:creationId xmlns="" xmlns:a16="http://schemas.microsoft.com/office/drawing/2014/main" id="{7F5FF925-67DE-CC62-E869-C6E3C1D771E6}"/>
               </a:ext>
             </a:extLst>
           </p:cNvPr>
@@ -4698,7 +4698,7 @@
           <p:cNvPr id="3" name="Espaço Reservado para Conteúdo 2">
             <a:extLst>
               <a:ext uri="{FF2B5EF4-FFF2-40B4-BE49-F238E27FC236}">
-                <a16:creationId xmlns:a16="http://schemas.microsoft.com/office/drawing/2014/main" xmlns="" id="{7DA84068-671A-9D40-4F76-2C57E4F720C2}"/>
+                <a16:creationId xmlns="" xmlns:a16="http://schemas.microsoft.com/office/drawing/2014/main" id="{7DA84068-671A-9D40-4F76-2C57E4F720C2}"/>
               </a:ext>
             </a:extLst>
           </p:cNvPr>
@@ -4857,7 +4857,7 @@
           <p:cNvPr id="2" name="Título 1">
             <a:extLst>
               <a:ext uri="{FF2B5EF4-FFF2-40B4-BE49-F238E27FC236}">
-                <a16:creationId xmlns:a16="http://schemas.microsoft.com/office/drawing/2014/main" xmlns="" id="{7F5FF925-67DE-CC62-E869-C6E3C1D771E6}"/>
+                <a16:creationId xmlns="" xmlns:a16="http://schemas.microsoft.com/office/drawing/2014/main" id="{7F5FF925-67DE-CC62-E869-C6E3C1D771E6}"/>
               </a:ext>
             </a:extLst>
           </p:cNvPr>
@@ -9649,7 +9649,7 @@
           <p:cNvPr id="2" name="Título 1">
             <a:extLst>
               <a:ext uri="{FF2B5EF4-FFF2-40B4-BE49-F238E27FC236}">
-                <a16:creationId xmlns:a16="http://schemas.microsoft.com/office/drawing/2014/main" xmlns="" id="{7F5FF925-67DE-CC62-E869-C6E3C1D771E6}"/>
+                <a16:creationId xmlns="" xmlns:a16="http://schemas.microsoft.com/office/drawing/2014/main" id="{7F5FF925-67DE-CC62-E869-C6E3C1D771E6}"/>
               </a:ext>
             </a:extLst>
           </p:cNvPr>
@@ -9673,158 +9673,458 @@
           </a:p>
         </p:txBody>
       </p:sp>
-      <p:sp>
-        <p:nvSpPr>
-          <p:cNvPr id="3" name="Espaço Reservado para Conteúdo 2">
-            <a:extLst>
-              <a:ext uri="{FF2B5EF4-FFF2-40B4-BE49-F238E27FC236}">
-                <a16:creationId xmlns:a16="http://schemas.microsoft.com/office/drawing/2014/main" xmlns="" id="{7DA84068-671A-9D40-4F76-2C57E4F720C2}"/>
-              </a:ext>
-            </a:extLst>
-          </p:cNvPr>
-          <p:cNvSpPr>
-            <a:spLocks noGrp="1"/>
-          </p:cNvSpPr>
-          <p:nvPr>
-            <p:ph idx="1"/>
-          </p:nvPr>
-        </p:nvSpPr>
-        <p:spPr/>
-        <p:txBody>
-          <a:bodyPr>
-            <a:normAutofit fontScale="85000" lnSpcReduction="20000"/>
-          </a:bodyPr>
-          <a:lstStyle/>
-          <a:p>
-            <a:pPr fontAlgn="base"/>
-            <a:r>
-              <a:rPr lang="pt-BR" dirty="0"/>
-              <a:t>NP1 (1ª prova </a:t>
-            </a:r>
-            <a:r>
-              <a:rPr lang="pt-BR" dirty="0"/>
-              <a:t>teórica/prática): </a:t>
-            </a:r>
-            <a:r>
-              <a:rPr lang="pt-BR" dirty="0"/>
-              <a:t>a definir  sugestão: 19/04/2023</a:t>
-            </a:r>
-            <a:r>
-              <a:rPr lang="en-US" dirty="0"/>
-              <a:t>​</a:t>
-            </a:r>
-          </a:p>
-          <a:p>
-            <a:pPr fontAlgn="base"/>
-            <a:r>
-              <a:rPr lang="pt-BR" dirty="0"/>
-              <a:t>NP2 (2ª prova </a:t>
-            </a:r>
-            <a:r>
-              <a:rPr lang="pt-BR" dirty="0"/>
-              <a:t>teórica/prática): </a:t>
-            </a:r>
-            <a:r>
-              <a:rPr lang="pt-BR" dirty="0"/>
-              <a:t>a definir  sugestão: 21/06/2023​</a:t>
-            </a:r>
-          </a:p>
-          <a:p>
-            <a:pPr fontAlgn="base"/>
-            <a:r>
-              <a:rPr lang="pt-BR" dirty="0"/>
-              <a:t>NP3 (3ª prova teórica/prática): a definir  sugestão: 05/07/2023​</a:t>
-            </a:r>
-          </a:p>
-          <a:p>
-            <a:pPr fontAlgn="base"/>
-            <a:r>
-              <a:rPr lang="pt-BR" dirty="0"/>
-              <a:t>NPA = (NP1 + NP2) / 2</a:t>
-            </a:r>
-            <a:r>
-              <a:rPr lang="en-US" dirty="0"/>
-              <a:t>​</a:t>
-            </a:r>
-          </a:p>
-          <a:p>
-            <a:pPr fontAlgn="base"/>
-            <a:r>
-              <a:rPr lang="pt-BR" dirty="0"/>
-              <a:t>NFA = NPA &gt;= 60 ? NPA : (NPA + NP3) / 2</a:t>
-            </a:r>
-            <a:r>
-              <a:rPr lang="en-US" dirty="0"/>
-              <a:t>​</a:t>
-            </a:r>
-          </a:p>
-          <a:p>
-            <a:pPr marL="0" indent="0" fontAlgn="base">
-              <a:buNone/>
-            </a:pPr>
-            <a:endParaRPr lang="pt-BR" dirty="0"/>
-          </a:p>
-          <a:p>
-            <a:pPr fontAlgn="base"/>
-            <a:r>
-              <a:rPr lang="pt-BR" dirty="0"/>
-              <a:t>Prova substitutiva: </a:t>
-            </a:r>
-            <a:r>
-              <a:rPr lang="en-US" dirty="0"/>
-              <a:t>​</a:t>
-            </a:r>
-          </a:p>
-          <a:p>
-            <a:pPr fontAlgn="base"/>
-            <a:r>
-              <a:rPr lang="pt-BR" dirty="0"/>
-              <a:t>Substitui NP1 ou NP2, via NP3.</a:t>
-            </a:r>
-            <a:r>
-              <a:rPr lang="en-US" dirty="0"/>
-              <a:t>​</a:t>
-            </a:r>
-          </a:p>
-          <a:p>
-            <a:pPr fontAlgn="base"/>
-            <a:r>
-              <a:rPr lang="pt-BR" dirty="0"/>
-              <a:t>Solicitação por requerimento no CRA.</a:t>
-            </a:r>
-            <a:r>
-              <a:rPr lang="en-US" dirty="0"/>
-              <a:t>​</a:t>
-            </a:r>
-          </a:p>
-          <a:p>
-            <a:pPr fontAlgn="base"/>
-            <a:r>
-              <a:rPr lang="pt-BR" dirty="0"/>
-              <a:t>Prova com o conteúdo de todo o semestre.</a:t>
-            </a:r>
-            <a:r>
-              <a:rPr lang="en-US" dirty="0"/>
-              <a:t>​</a:t>
-            </a:r>
-          </a:p>
-          <a:p>
-            <a:pPr fontAlgn="base"/>
-            <a:r>
-              <a:rPr lang="pt-BR" dirty="0"/>
-              <a:t>Caso não seja aprovado, será feita outra prova como NP3 (PVS).</a:t>
-            </a:r>
-            <a:r>
-              <a:rPr lang="pt-BR" dirty="0" smtClean="0"/>
-              <a:t>​</a:t>
-            </a:r>
-            <a:r>
-              <a:rPr lang="pt-BR" dirty="0"/>
-              <a:t> </a:t>
-            </a:r>
-          </a:p>
-        </p:txBody>
-      </p:sp>
+      <mc:AlternateContent xmlns:mc="http://schemas.openxmlformats.org/markup-compatibility/2006">
+        <mc:Choice xmlns:a14="http://schemas.microsoft.com/office/drawing/2010/main" Requires="a14">
+          <p:sp>
+            <p:nvSpPr>
+              <p:cNvPr id="3" name="Espaço Reservado para Conteúdo 2">
+                <a:extLst>
+                  <a:ext uri="{FF2B5EF4-FFF2-40B4-BE49-F238E27FC236}">
+                    <a16:creationId xmlns="" xmlns:a16="http://schemas.microsoft.com/office/drawing/2014/main" id="{7DA84068-671A-9D40-4F76-2C57E4F720C2}"/>
+                  </a:ext>
+                </a:extLst>
+              </p:cNvPr>
+              <p:cNvSpPr>
+                <a:spLocks noGrp="1"/>
+              </p:cNvSpPr>
+              <p:nvPr>
+                <p:ph idx="1"/>
+              </p:nvPr>
+            </p:nvSpPr>
+            <p:spPr>
+              <a:xfrm>
+                <a:off x="838200" y="1825624"/>
+                <a:ext cx="9336578" cy="5032375"/>
+              </a:xfrm>
+            </p:spPr>
+            <p:txBody>
+              <a:bodyPr>
+                <a:normAutofit fontScale="92500" lnSpcReduction="10000"/>
+              </a:bodyPr>
+              <a:lstStyle/>
+              <a:p>
+                <a:pPr fontAlgn="base"/>
+                <a:r>
+                  <a:rPr lang="pt-BR" dirty="0" smtClean="0"/>
+                  <a:t>NP1 (1ª prova teórica/prática): a definir </a:t>
+                </a:r>
+                <a:r>
+                  <a:rPr lang="pt-BR" dirty="0"/>
+                  <a:t>→</a:t>
+                </a:r>
+                <a:r>
+                  <a:rPr lang="pt-BR" dirty="0" smtClean="0"/>
+                  <a:t> </a:t>
+                </a:r>
+                <a:r>
+                  <a:rPr lang="pt-BR" dirty="0"/>
+                  <a:t>sugestão: </a:t>
+                </a:r>
+                <a:r>
+                  <a:rPr lang="pt-BR" dirty="0" smtClean="0"/>
+                  <a:t>13/04/2026</a:t>
+                </a:r>
+                <a:r>
+                  <a:rPr lang="en-US" dirty="0" smtClean="0"/>
+                  <a:t>​</a:t>
+                </a:r>
+                <a:endParaRPr lang="en-US" dirty="0"/>
+              </a:p>
+              <a:p>
+                <a:pPr fontAlgn="base"/>
+                <a:r>
+                  <a:rPr lang="pt-BR" dirty="0"/>
+                  <a:t>NP2 (2ª prova teórica/prática): a definir </a:t>
+                </a:r>
+                <a:r>
+                  <a:rPr lang="pt-BR" dirty="0"/>
+                  <a:t>→ sugestão</a:t>
+                </a:r>
+                <a:r>
+                  <a:rPr lang="pt-BR" dirty="0"/>
+                  <a:t>: </a:t>
+                </a:r>
+                <a:r>
+                  <a:rPr lang="pt-BR" dirty="0" smtClean="0"/>
+                  <a:t>15</a:t>
+                </a:r>
+                <a:r>
+                  <a:rPr lang="pt-BR" dirty="0" smtClean="0"/>
+                  <a:t>/06/2026​</a:t>
+                </a:r>
+                <a:endParaRPr lang="pt-BR" dirty="0"/>
+              </a:p>
+              <a:p>
+                <a:pPr fontAlgn="base"/>
+                <a:r>
+                  <a:rPr lang="pt-BR" dirty="0"/>
+                  <a:t>NP3 (3ª prova teórica/prática): a definir </a:t>
+                </a:r>
+                <a:r>
+                  <a:rPr lang="pt-BR" dirty="0"/>
+                  <a:t>→ sugestão</a:t>
+                </a:r>
+                <a:r>
+                  <a:rPr lang="pt-BR" dirty="0"/>
+                  <a:t>: </a:t>
+                </a:r>
+                <a:r>
+                  <a:rPr lang="pt-BR" dirty="0" smtClean="0"/>
+                  <a:t>22</a:t>
+                </a:r>
+                <a:r>
+                  <a:rPr lang="pt-BR" dirty="0" smtClean="0"/>
+                  <a:t>/06/2026​</a:t>
+                </a:r>
+                <a:endParaRPr lang="pt-BR" dirty="0"/>
+              </a:p>
+              <a:p>
+                <a:pPr fontAlgn="base"/>
+                <a:r>
+                  <a:rPr lang="pt-BR" dirty="0"/>
+                  <a:t>NPA = (NP1 + NP2) / 2</a:t>
+                </a:r>
+                <a:r>
+                  <a:rPr lang="en-US" dirty="0"/>
+                  <a:t>​</a:t>
+                </a:r>
+              </a:p>
+              <a:p>
+                <a:pPr fontAlgn="base"/>
+                <a:r>
+                  <a:rPr lang="pt-BR" dirty="0"/>
+                  <a:t>NFA </a:t>
+                </a:r>
+                <a:r>
+                  <a:rPr lang="pt-BR" dirty="0" smtClean="0"/>
+                  <a:t>= </a:t>
+                </a:r>
+                <a14:m>
+                  <m:oMath xmlns:m="http://schemas.openxmlformats.org/officeDocument/2006/math">
+                    <m:limLow>
+                      <m:limLowPr>
+                        <m:ctrlPr>
+                          <a:rPr lang="pt-BR" sz="2600" i="1" smtClean="0">
+                            <a:latin typeface="Cambria Math" panose="02040503050406030204" pitchFamily="18" charset="0"/>
+                          </a:rPr>
+                        </m:ctrlPr>
+                      </m:limLowPr>
+                      <m:e>
+                        <m:groupChr>
+                          <m:groupChrPr>
+                            <m:chr m:val="⏟"/>
+                            <m:ctrlPr>
+                              <a:rPr lang="pt-BR" sz="2600" i="1" smtClean="0">
+                                <a:latin typeface="Cambria Math" panose="02040503050406030204" pitchFamily="18" charset="0"/>
+                              </a:rPr>
+                            </m:ctrlPr>
+                          </m:groupChrPr>
+                          <m:e>
+                            <m:r>
+                              <m:rPr>
+                                <m:nor/>
+                              </m:rPr>
+                              <a:rPr lang="pt-BR" sz="2600" dirty="0"/>
+                              <m:t>NPA</m:t>
+                            </m:r>
+                            <m:r>
+                              <m:rPr>
+                                <m:nor/>
+                              </m:rPr>
+                              <a:rPr lang="pt-BR" sz="2600" dirty="0"/>
+                              <m:t> &gt;= 60</m:t>
+                            </m:r>
+                          </m:e>
+                        </m:groupChr>
+                      </m:e>
+                      <m:lim>
+                        <m:r>
+                          <m:rPr>
+                            <m:nor/>
+                          </m:rPr>
+                          <a:rPr lang="en-US" sz="2600" dirty="0">
+                            <a:latin typeface="Consolas" panose="020B0609020204030204" pitchFamily="49" charset="0"/>
+                          </a:rPr>
+                          <m:t>if</m:t>
+                        </m:r>
+                      </m:lim>
+                    </m:limLow>
+                  </m:oMath>
+                </a14:m>
+                <a:r>
+                  <a:rPr lang="pt-BR" dirty="0" smtClean="0"/>
+                  <a:t> ? </a:t>
+                </a:r>
+                <a14:m>
+                  <m:oMath xmlns:m="http://schemas.openxmlformats.org/officeDocument/2006/math">
+                    <m:limLow>
+                      <m:limLowPr>
+                        <m:ctrlPr>
+                          <a:rPr lang="pt-BR" sz="2600" i="1">
+                            <a:latin typeface="Cambria Math" panose="02040503050406030204" pitchFamily="18" charset="0"/>
+                          </a:rPr>
+                        </m:ctrlPr>
+                      </m:limLowPr>
+                      <m:e>
+                        <m:groupChr>
+                          <m:groupChrPr>
+                            <m:chr m:val="⏟"/>
+                            <m:ctrlPr>
+                              <a:rPr lang="pt-BR" sz="2600" i="1">
+                                <a:latin typeface="Cambria Math" panose="02040503050406030204" pitchFamily="18" charset="0"/>
+                              </a:rPr>
+                            </m:ctrlPr>
+                          </m:groupChrPr>
+                          <m:e>
+                            <m:r>
+                              <m:rPr>
+                                <m:nor/>
+                              </m:rPr>
+                              <a:rPr lang="pt-BR" sz="2600" dirty="0"/>
+                              <m:t>NPA</m:t>
+                            </m:r>
+                          </m:e>
+                        </m:groupChr>
+                      </m:e>
+                      <m:lim>
+                        <m:r>
+                          <m:rPr>
+                            <m:nor/>
+                          </m:rPr>
+                          <a:rPr lang="en-US" sz="2600" dirty="0">
+                            <a:latin typeface="Consolas" panose="020B0609020204030204" pitchFamily="49" charset="0"/>
+                          </a:rPr>
+                          <m:t>then</m:t>
+                        </m:r>
+                      </m:lim>
+                    </m:limLow>
+                  </m:oMath>
+                </a14:m>
+                <a:r>
+                  <a:rPr lang="pt-BR" dirty="0" smtClean="0"/>
+                  <a:t>: </a:t>
+                </a:r>
+                <a14:m>
+                  <m:oMath xmlns:m="http://schemas.openxmlformats.org/officeDocument/2006/math">
+                    <m:limLow>
+                      <m:limLowPr>
+                        <m:ctrlPr>
+                          <a:rPr lang="pt-BR" sz="2600" i="1">
+                            <a:latin typeface="Cambria Math" panose="02040503050406030204" pitchFamily="18" charset="0"/>
+                          </a:rPr>
+                        </m:ctrlPr>
+                      </m:limLowPr>
+                      <m:e>
+                        <m:groupChr>
+                          <m:groupChrPr>
+                            <m:chr m:val="⏟"/>
+                            <m:ctrlPr>
+                              <a:rPr lang="pt-BR" sz="2600" i="1">
+                                <a:latin typeface="Cambria Math" panose="02040503050406030204" pitchFamily="18" charset="0"/>
+                              </a:rPr>
+                            </m:ctrlPr>
+                          </m:groupChrPr>
+                          <m:e>
+                            <m:r>
+                              <m:rPr>
+                                <m:nor/>
+                              </m:rPr>
+                              <a:rPr lang="pt-BR" sz="2600" dirty="0"/>
+                              <m:t>(</m:t>
+                            </m:r>
+                            <m:r>
+                              <m:rPr>
+                                <m:nor/>
+                              </m:rPr>
+                              <a:rPr lang="pt-BR" sz="2600" dirty="0"/>
+                              <m:t>NPA</m:t>
+                            </m:r>
+                            <m:r>
+                              <m:rPr>
+                                <m:nor/>
+                              </m:rPr>
+                              <a:rPr lang="pt-BR" sz="2600" dirty="0"/>
+                              <m:t> + </m:t>
+                            </m:r>
+                            <m:r>
+                              <m:rPr>
+                                <m:nor/>
+                              </m:rPr>
+                              <a:rPr lang="pt-BR" sz="2600" dirty="0"/>
+                              <m:t>NP</m:t>
+                            </m:r>
+                            <m:r>
+                              <m:rPr>
+                                <m:nor/>
+                              </m:rPr>
+                              <a:rPr lang="pt-BR" sz="2600" dirty="0"/>
+                              <m:t>3) / 2</m:t>
+                            </m:r>
+                          </m:e>
+                        </m:groupChr>
+                      </m:e>
+                      <m:lim>
+                        <m:r>
+                          <m:rPr>
+                            <m:nor/>
+                          </m:rPr>
+                          <a:rPr lang="en-US" sz="2600" dirty="0">
+                            <a:latin typeface="Consolas" panose="020B0609020204030204" pitchFamily="49" charset="0"/>
+                          </a:rPr>
+                          <m:t>else</m:t>
+                        </m:r>
+                      </m:lim>
+                    </m:limLow>
+                  </m:oMath>
+                </a14:m>
+                <a:r>
+                  <a:rPr lang="pt-BR" dirty="0" smtClean="0"/>
+                  <a:t> </a:t>
+                </a:r>
+                <a:r>
+                  <a:rPr lang="en-US" dirty="0" smtClean="0"/>
+                  <a:t>​</a:t>
+                </a:r>
+                <a:endParaRPr lang="en-US" dirty="0" smtClean="0">
+                  <a:latin typeface="Consolas" panose="020B0609020204030204" pitchFamily="49" charset="0"/>
+                </a:endParaRPr>
+              </a:p>
+              <a:p>
+                <a:pPr marL="0" indent="0" fontAlgn="base">
+                  <a:buNone/>
+                </a:pPr>
+                <a:endParaRPr lang="pt-BR" dirty="0"/>
+              </a:p>
+              <a:p>
+                <a:pPr fontAlgn="base"/>
+                <a:r>
+                  <a:rPr lang="pt-BR" dirty="0"/>
+                  <a:t>Prova </a:t>
+                </a:r>
+                <a:r>
+                  <a:rPr lang="pt-BR" dirty="0" smtClean="0"/>
+                  <a:t>substitutiva:</a:t>
+                </a:r>
+              </a:p>
+              <a:p>
+                <a:pPr lvl="1" fontAlgn="base">
+                  <a:buFont typeface="Wingdings" panose="05000000000000000000" pitchFamily="2" charset="2"/>
+                  <a:buChar char="§"/>
+                </a:pPr>
+                <a:r>
+                  <a:rPr lang="pt-BR" dirty="0" smtClean="0"/>
+                  <a:t>Substitui </a:t>
+                </a:r>
+                <a:r>
+                  <a:rPr lang="pt-BR" dirty="0"/>
+                  <a:t>NP1 ou NP2, via NP3.</a:t>
+                </a:r>
+                <a:r>
+                  <a:rPr lang="en-US" dirty="0"/>
+                  <a:t>​</a:t>
+                </a:r>
+              </a:p>
+              <a:p>
+                <a:pPr lvl="1" fontAlgn="base">
+                  <a:buFont typeface="Wingdings" panose="05000000000000000000" pitchFamily="2" charset="2"/>
+                  <a:buChar char="§"/>
+                </a:pPr>
+                <a:r>
+                  <a:rPr lang="pt-BR" dirty="0"/>
+                  <a:t>Solicitação por requerimento no CRA.</a:t>
+                </a:r>
+                <a:r>
+                  <a:rPr lang="en-US" dirty="0"/>
+                  <a:t>​</a:t>
+                </a:r>
+              </a:p>
+              <a:p>
+                <a:pPr lvl="1" fontAlgn="base">
+                  <a:buFont typeface="Wingdings" panose="05000000000000000000" pitchFamily="2" charset="2"/>
+                  <a:buChar char="§"/>
+                </a:pPr>
+                <a:r>
+                  <a:rPr lang="pt-BR" dirty="0"/>
+                  <a:t>Prova com o conteúdo de todo o semestre.</a:t>
+                </a:r>
+                <a:r>
+                  <a:rPr lang="en-US" dirty="0"/>
+                  <a:t>​</a:t>
+                </a:r>
+              </a:p>
+              <a:p>
+                <a:pPr lvl="1" fontAlgn="base">
+                  <a:buFont typeface="Wingdings" panose="05000000000000000000" pitchFamily="2" charset="2"/>
+                  <a:buChar char="§"/>
+                </a:pPr>
+                <a:r>
+                  <a:rPr lang="pt-BR" dirty="0"/>
+                  <a:t>Caso </a:t>
+                </a:r>
+                <a:r>
+                  <a:rPr lang="pt-BR" dirty="0" smtClean="0"/>
+                  <a:t>não </a:t>
+                </a:r>
+                <a:r>
+                  <a:rPr lang="pt-BR" dirty="0"/>
+                  <a:t>seja aprovado, será feita outra prova como NP3 (PVS).</a:t>
+                </a:r>
+                <a:r>
+                  <a:rPr lang="pt-BR" dirty="0" smtClean="0"/>
+                  <a:t>​</a:t>
+                </a:r>
+                <a:r>
+                  <a:rPr lang="pt-BR" dirty="0"/>
+                  <a:t> </a:t>
+                </a:r>
+              </a:p>
+            </p:txBody>
+          </p:sp>
+        </mc:Choice>
+        <mc:Fallback>
+          <p:sp>
+            <p:nvSpPr>
+              <p:cNvPr id="3" name="Espaço Reservado para Conteúdo 2">
+                <a:extLst>
+                  <a:ext uri="{FF2B5EF4-FFF2-40B4-BE49-F238E27FC236}">
+                    <a16:creationId xmlns="" xmlns:a16="http://schemas.microsoft.com/office/drawing/2014/main" id="{7DA84068-671A-9D40-4F76-2C57E4F720C2}"/>
+                  </a:ext>
+                </a:extLst>
+              </p:cNvPr>
+              <p:cNvSpPr>
+                <a:spLocks noGrp="1" noRot="1" noChangeAspect="1" noMove="1" noResize="1" noEditPoints="1" noAdjustHandles="1" noChangeArrowheads="1" noChangeShapeType="1" noTextEdit="1"/>
+              </p:cNvSpPr>
+              <p:nvPr>
+                <p:ph idx="1"/>
+              </p:nvPr>
+            </p:nvSpPr>
+            <p:spPr>
+              <a:xfrm>
+                <a:off x="838200" y="1825624"/>
+                <a:ext cx="9336578" cy="5032375"/>
+              </a:xfrm>
+              <a:blipFill rotWithShape="0">
+                <a:blip r:embed="rId2"/>
+                <a:stretch>
+                  <a:fillRect l="-1045" t="-2421"/>
+                </a:stretch>
+              </a:blipFill>
+            </p:spPr>
+            <p:txBody>
+              <a:bodyPr/>
+              <a:lstStyle/>
+              <a:p>
+                <a:r>
+                  <a:rPr lang="pt-BR">
+                    <a:noFill/>
+                  </a:rPr>
+                  <a:t> </a:t>
+                </a:r>
+              </a:p>
+            </p:txBody>
+          </p:sp>
+        </mc:Fallback>
+      </mc:AlternateContent>
       <p:pic>
         <p:nvPicPr>
           <p:cNvPr id="1026" name="Picture 2" descr="Expanding Brain - Exam Meme"/>
@@ -9834,7 +10134,7 @@
           <p:nvPr/>
         </p:nvPicPr>
         <p:blipFill>
-          <a:blip r:embed="rId2">
+          <a:blip r:embed="rId3">
             <a:extLst>
               <a:ext uri="{28A0092B-C50C-407E-A947-70E740481C1C}">
                 <a14:useLocalDpi xmlns:a14="http://schemas.microsoft.com/office/drawing/2010/main" val="0"/>
@@ -9848,7 +10148,7 @@
         </p:blipFill>
         <p:spPr bwMode="auto">
           <a:xfrm>
-            <a:off x="9423783" y="2061557"/>
+            <a:off x="9415759" y="3243781"/>
             <a:ext cx="2626612" cy="3614218"/>
           </a:xfrm>
           <a:prstGeom prst="rect">
@@ -9908,7 +10208,7 @@
           <p:cNvPr id="2" name="Título 1">
             <a:extLst>
               <a:ext uri="{FF2B5EF4-FFF2-40B4-BE49-F238E27FC236}">
-                <a16:creationId xmlns:a16="http://schemas.microsoft.com/office/drawing/2014/main" xmlns="" id="{94AB8438-E56E-2412-517C-8456E4CA773C}"/>
+                <a16:creationId xmlns="" xmlns:a16="http://schemas.microsoft.com/office/drawing/2014/main" id="{94AB8438-E56E-2412-517C-8456E4CA773C}"/>
               </a:ext>
             </a:extLst>
           </p:cNvPr>
@@ -9925,9 +10225,10 @@
           <a:lstStyle/>
           <a:p>
             <a:r>
-              <a:rPr lang="pt-BR" dirty="0"/>
-              <a:t>Fundamentação teórica</a:t>
-            </a:r>
+              <a:rPr lang="pt-BR" dirty="0" smtClean="0"/>
+              <a:t>Calendário e feriados</a:t>
+            </a:r>
+            <a:endParaRPr lang="pt-BR" dirty="0"/>
           </a:p>
         </p:txBody>
       </p:sp>
@@ -9936,7 +10237,7 @@
           <p:cNvPr id="3" name="Espaço Reservado para Conteúdo 2">
             <a:extLst>
               <a:ext uri="{FF2B5EF4-FFF2-40B4-BE49-F238E27FC236}">
-                <a16:creationId xmlns:a16="http://schemas.microsoft.com/office/drawing/2014/main" xmlns="" id="{F7E2B09C-6D56-4C9F-A364-B904CCE2F1A0}"/>
+                <a16:creationId xmlns="" xmlns:a16="http://schemas.microsoft.com/office/drawing/2014/main" id="{F7E2B09C-6D56-4C9F-A364-B904CCE2F1A0}"/>
               </a:ext>
             </a:extLst>
           </p:cNvPr>
@@ -9952,7 +10253,59 @@
           <a:bodyPr/>
           <a:lstStyle/>
           <a:p>
-            <a:endParaRPr lang="pt-BR"/>
+            <a:r>
+              <a:rPr lang="pt-BR" dirty="0" smtClean="0"/>
+              <a:t>Calendário</a:t>
+            </a:r>
+          </a:p>
+          <a:p>
+            <a:pPr lvl="1">
+              <a:buFont typeface="Wingdings" panose="05000000000000000000" pitchFamily="2" charset="2"/>
+              <a:buChar char="§"/>
+            </a:pPr>
+            <a:r>
+              <a:rPr lang="pt-BR" dirty="0" smtClean="0"/>
+              <a:t>Disponível no site do Inatel</a:t>
+            </a:r>
+          </a:p>
+          <a:p>
+            <a:r>
+              <a:rPr lang="pt-BR" dirty="0" smtClean="0"/>
+              <a:t>Feriados</a:t>
+            </a:r>
+          </a:p>
+          <a:p>
+            <a:pPr lvl="1">
+              <a:buFont typeface="Wingdings" panose="05000000000000000000" pitchFamily="2" charset="2"/>
+              <a:buChar char="§"/>
+            </a:pPr>
+            <a:r>
+              <a:rPr lang="pt-BR" dirty="0" smtClean="0"/>
+              <a:t>16/02/2026 (Carnaval)</a:t>
+            </a:r>
+          </a:p>
+          <a:p>
+            <a:r>
+              <a:rPr lang="pt-BR" b="1" dirty="0">
+                <a:solidFill>
+                  <a:srgbClr val="FF0000"/>
+                </a:solidFill>
+              </a:rPr>
+              <a:t>Atentem-se às reposições de aula no portal acadêmico (se houver).</a:t>
+            </a:r>
+            <a:r>
+              <a:rPr lang="en-US" b="1" dirty="0" smtClean="0">
+                <a:solidFill>
+                  <a:srgbClr val="FF0000"/>
+                </a:solidFill>
+              </a:rPr>
+              <a:t>​</a:t>
+            </a:r>
+            <a:endParaRPr lang="en-US" b="1" dirty="0">
+              <a:solidFill>
+                <a:srgbClr val="FF0000"/>
+              </a:solidFill>
+            </a:endParaRPr>
           </a:p>
         </p:txBody>
       </p:sp>
@@ -9991,7 +10344,7 @@
           <p:cNvPr id="2" name="Título 1">
             <a:extLst>
               <a:ext uri="{FF2B5EF4-FFF2-40B4-BE49-F238E27FC236}">
-                <a16:creationId xmlns:a16="http://schemas.microsoft.com/office/drawing/2014/main" xmlns="" id="{083FFF02-0FC8-9F0B-AAB0-565FC99EA70D}"/>
+                <a16:creationId xmlns="" xmlns:a16="http://schemas.microsoft.com/office/drawing/2014/main" id="{083FFF02-0FC8-9F0B-AAB0-565FC99EA70D}"/>
               </a:ext>
             </a:extLst>
           </p:cNvPr>
@@ -10008,9 +10361,10 @@
           <a:lstStyle/>
           <a:p>
             <a:r>
-              <a:rPr lang="pt-BR" dirty="0"/>
-              <a:t>Arquitetura e funcionamento</a:t>
-            </a:r>
+              <a:rPr lang="pt-BR" dirty="0" smtClean="0"/>
+              <a:t>Referências</a:t>
+            </a:r>
+            <a:endParaRPr lang="pt-BR" dirty="0"/>
           </a:p>
         </p:txBody>
       </p:sp>
@@ -10019,7 +10373,7 @@
           <p:cNvPr id="3" name="Espaço Reservado para Conteúdo 2">
             <a:extLst>
               <a:ext uri="{FF2B5EF4-FFF2-40B4-BE49-F238E27FC236}">
-                <a16:creationId xmlns:a16="http://schemas.microsoft.com/office/drawing/2014/main" xmlns="" id="{8C5488AE-34B4-EF1D-F674-507FF2FCD122}"/>
+                <a16:creationId xmlns="" xmlns:a16="http://schemas.microsoft.com/office/drawing/2014/main" id="{8C5488AE-34B4-EF1D-F674-507FF2FCD122}"/>
               </a:ext>
             </a:extLst>
           </p:cNvPr>
@@ -10030,15 +10384,223 @@
             <p:ph idx="1"/>
           </p:nvPr>
         </p:nvSpPr>
-        <p:spPr/>
+        <p:spPr>
+          <a:xfrm>
+            <a:off x="838199" y="4206239"/>
+            <a:ext cx="11032375" cy="2651761"/>
+          </a:xfrm>
+        </p:spPr>
         <p:txBody>
-          <a:bodyPr/>
+          <a:bodyPr>
+            <a:normAutofit fontScale="85000" lnSpcReduction="20000"/>
+          </a:bodyPr>
           <a:lstStyle/>
           <a:p>
-            <a:endParaRPr lang="pt-BR"/>
+            <a:r>
+              <a:rPr lang="pt-BR" dirty="0"/>
+              <a:t>RUSSELL, Stuart; NORVIG, </a:t>
+            </a:r>
+            <a:r>
+              <a:rPr lang="pt-BR" dirty="0" smtClean="0"/>
+              <a:t>Peter; </a:t>
+            </a:r>
+            <a:r>
+              <a:rPr lang="pt-BR" dirty="0"/>
+              <a:t>SOUZA, </a:t>
+            </a:r>
+            <a:r>
+              <a:rPr lang="pt-BR" dirty="0" err="1"/>
+              <a:t>Vandenberg</a:t>
+            </a:r>
+            <a:r>
+              <a:rPr lang="pt-BR" dirty="0"/>
+              <a:t> Dantas De, Inteligência artificial. Rio de Janeiro, RJ: Editora Campus, 2004 - 2013, ISBN 978-85-352-1177-1 / 978-85-352-3701-6</a:t>
+            </a:r>
+            <a:r>
+              <a:rPr lang="pt-BR" dirty="0" smtClean="0"/>
+              <a:t>.</a:t>
+            </a:r>
+          </a:p>
+          <a:p>
+            <a:r>
+              <a:rPr lang="pt-BR" dirty="0" smtClean="0"/>
+              <a:t>GÉRON, </a:t>
+            </a:r>
+            <a:r>
+              <a:rPr lang="pt-BR" dirty="0" err="1" smtClean="0"/>
+              <a:t>Aurélien</a:t>
+            </a:r>
+            <a:r>
+              <a:rPr lang="pt-BR" dirty="0" smtClean="0"/>
+              <a:t>, Mãos </a:t>
+            </a:r>
+            <a:r>
+              <a:rPr lang="pt-BR" dirty="0"/>
+              <a:t>à Obra: Aprendizado de Máquina com Scikit-Learn, Keras &amp; TensorFlow: Conceitos, Ferramentas e Técnicas Para a Construção de Sistemas </a:t>
+            </a:r>
+            <a:r>
+              <a:rPr lang="pt-BR" dirty="0" smtClean="0"/>
+              <a:t>Inteligentes. </a:t>
+            </a:r>
+            <a:r>
+              <a:rPr lang="pt-BR" dirty="0"/>
+              <a:t>Alta </a:t>
+            </a:r>
+            <a:r>
+              <a:rPr lang="pt-BR" dirty="0" smtClean="0"/>
+              <a:t>Books, 2021, ISBN 855-08-154-89</a:t>
+            </a:r>
+          </a:p>
+          <a:p>
+            <a:r>
+              <a:rPr lang="pt-BR" dirty="0"/>
+              <a:t>HAYKIN, Simon S.; ENGEL, Paulo </a:t>
+            </a:r>
+            <a:r>
+              <a:rPr lang="pt-BR" dirty="0" smtClean="0"/>
+              <a:t>Martins, </a:t>
+            </a:r>
+            <a:r>
+              <a:rPr lang="pt-BR" dirty="0"/>
+              <a:t>Redes neurais: Princípios e práticas. 2 ed. São Paulo, SP: Editora </a:t>
+            </a:r>
+            <a:r>
+              <a:rPr lang="pt-BR" dirty="0" err="1"/>
+              <a:t>Bookman</a:t>
+            </a:r>
+            <a:r>
+              <a:rPr lang="pt-BR" dirty="0"/>
+              <a:t>, 2001, 900 p. ISBN 978-85-7307-718-6.</a:t>
+            </a:r>
+          </a:p>
+          <a:p>
+            <a:endParaRPr lang="pt-BR" dirty="0"/>
           </a:p>
         </p:txBody>
       </p:sp>
+      <p:pic>
+        <p:nvPicPr>
+          <p:cNvPr id="1032" name="Picture 8" descr="Livro: Inteligência Artificial - Peter Norvig | Estante Virtual"/>
+          <p:cNvPicPr>
+            <a:picLocks noChangeAspect="1" noChangeArrowheads="1"/>
+          </p:cNvPicPr>
+          <p:nvPr/>
+        </p:nvPicPr>
+        <p:blipFill>
+          <a:blip r:embed="rId2">
+            <a:extLst>
+              <a:ext uri="{28A0092B-C50C-407E-A947-70E740481C1C}">
+                <a14:useLocalDpi xmlns:a14="http://schemas.microsoft.com/office/drawing/2010/main" val="0"/>
+              </a:ext>
+            </a:extLst>
+          </a:blip>
+          <a:srcRect/>
+          <a:stretch>
+            <a:fillRect/>
+          </a:stretch>
+        </p:blipFill>
+        <p:spPr bwMode="auto">
+          <a:xfrm>
+            <a:off x="2422481" y="1601643"/>
+            <a:ext cx="1828800" cy="2438400"/>
+          </a:xfrm>
+          <a:prstGeom prst="rect">
+            <a:avLst/>
+          </a:prstGeom>
+          <a:noFill/>
+          <a:extLst>
+            <a:ext uri="{909E8E84-426E-40DD-AFC4-6F175D3DCCD1}">
+              <a14:hiddenFill xmlns:a14="http://schemas.microsoft.com/office/drawing/2010/main">
+                <a:solidFill>
+                  <a:srgbClr val="FFFFFF"/>
+                </a:solidFill>
+              </a14:hiddenFill>
+            </a:ext>
+          </a:extLst>
+        </p:spPr>
+      </p:pic>
+      <p:pic>
+        <p:nvPicPr>
+          <p:cNvPr id="1034" name="Picture 10" descr="Mãos à Obra: Aprendizado de Máquina com Scikit-Learn, Keras &amp;amp; TensorFlow: Conceitos, Ferramentas e Técnicas Para a Construção de Sistemas Inteligentes"/>
+          <p:cNvPicPr>
+            <a:picLocks noChangeAspect="1" noChangeArrowheads="1"/>
+          </p:cNvPicPr>
+          <p:nvPr/>
+        </p:nvPicPr>
+        <p:blipFill>
+          <a:blip r:embed="rId3">
+            <a:extLst>
+              <a:ext uri="{28A0092B-C50C-407E-A947-70E740481C1C}">
+                <a14:useLocalDpi xmlns:a14="http://schemas.microsoft.com/office/drawing/2010/main" val="0"/>
+              </a:ext>
+            </a:extLst>
+          </a:blip>
+          <a:srcRect/>
+          <a:stretch>
+            <a:fillRect/>
+          </a:stretch>
+        </p:blipFill>
+        <p:spPr bwMode="auto">
+          <a:xfrm>
+            <a:off x="5622954" y="1538459"/>
+            <a:ext cx="1732510" cy="2443282"/>
+          </a:xfrm>
+          <a:prstGeom prst="rect">
+            <a:avLst/>
+          </a:prstGeom>
+          <a:noFill/>
+          <a:extLst>
+            <a:ext uri="{909E8E84-426E-40DD-AFC4-6F175D3DCCD1}">
+              <a14:hiddenFill xmlns:a14="http://schemas.microsoft.com/office/drawing/2010/main">
+                <a:solidFill>
+                  <a:srgbClr val="FFFFFF"/>
+                </a:solidFill>
+              </a14:hiddenFill>
+            </a:ext>
+          </a:extLst>
+        </p:spPr>
+      </p:pic>
+      <p:pic>
+        <p:nvPicPr>
+          <p:cNvPr id="1038" name="Picture 14" descr="Neural Networks: A Comprehensive Foundation: United States Edition : Haykin,  Simon O.: Amazon.com.au: Books"/>
+          <p:cNvPicPr>
+            <a:picLocks noChangeAspect="1" noChangeArrowheads="1"/>
+          </p:cNvPicPr>
+          <p:nvPr/>
+        </p:nvPicPr>
+        <p:blipFill>
+          <a:blip r:embed="rId4">
+            <a:extLst>
+              <a:ext uri="{28A0092B-C50C-407E-A947-70E740481C1C}">
+                <a14:useLocalDpi xmlns:a14="http://schemas.microsoft.com/office/drawing/2010/main" val="0"/>
+              </a:ext>
+            </a:extLst>
+          </a:blip>
+          <a:srcRect/>
+          <a:stretch>
+            <a:fillRect/>
+          </a:stretch>
+        </p:blipFill>
+        <p:spPr bwMode="auto">
+          <a:xfrm>
+            <a:off x="8727137" y="1601643"/>
+            <a:ext cx="1835972" cy="2438400"/>
+          </a:xfrm>
+          <a:prstGeom prst="rect">
+            <a:avLst/>
+          </a:prstGeom>
+          <a:noFill/>
+          <a:extLst>
+            <a:ext uri="{909E8E84-426E-40DD-AFC4-6F175D3DCCD1}">
+              <a14:hiddenFill xmlns:a14="http://schemas.microsoft.com/office/drawing/2010/main">
+                <a:solidFill>
+                  <a:srgbClr val="FFFFFF"/>
+                </a:solidFill>
+              </a14:hiddenFill>
+            </a:ext>
+          </a:extLst>
+        </p:spPr>
+      </p:pic>
     </p:spTree>
     <p:extLst>
       <p:ext uri="{BB962C8B-B14F-4D97-AF65-F5344CB8AC3E}">
@@ -10060,7 +10622,7 @@
         <p:cNvPr id="1" name="">
           <a:extLst>
             <a:ext uri="{FF2B5EF4-FFF2-40B4-BE49-F238E27FC236}">
-              <a16:creationId xmlns:a16="http://schemas.microsoft.com/office/drawing/2014/main" xmlns="" id="{E1C9F56A-97FC-7CCD-E5BA-3B5E230AD9AB}"/>
+              <a16:creationId xmlns="" xmlns:a16="http://schemas.microsoft.com/office/drawing/2014/main" id="{E1C9F56A-97FC-7CCD-E5BA-3B5E230AD9AB}"/>
             </a:ext>
           </a:extLst>
         </p:cNvPr>
@@ -10080,7 +10642,7 @@
           <p:cNvPr id="2" name="Título 1">
             <a:extLst>
               <a:ext uri="{FF2B5EF4-FFF2-40B4-BE49-F238E27FC236}">
-                <a16:creationId xmlns:a16="http://schemas.microsoft.com/office/drawing/2014/main" xmlns="" id="{A979DAB9-0612-F0CD-7BB1-AF52B98B3210}"/>
+                <a16:creationId xmlns="" xmlns:a16="http://schemas.microsoft.com/office/drawing/2014/main" id="{A979DAB9-0612-F0CD-7BB1-AF52B98B3210}"/>
               </a:ext>
             </a:extLst>
           </p:cNvPr>
@@ -10108,7 +10670,7 @@
           <p:cNvPr id="3" name="Espaço Reservado para Conteúdo 2">
             <a:extLst>
               <a:ext uri="{FF2B5EF4-FFF2-40B4-BE49-F238E27FC236}">
-                <a16:creationId xmlns:a16="http://schemas.microsoft.com/office/drawing/2014/main" xmlns="" id="{F22F88A5-87D1-340F-853F-8C2ED8F8C877}"/>
+                <a16:creationId xmlns="" xmlns:a16="http://schemas.microsoft.com/office/drawing/2014/main" id="{F22F88A5-87D1-340F-853F-8C2ED8F8C877}"/>
               </a:ext>
             </a:extLst>
           </p:cNvPr>
@@ -10149,7 +10711,7 @@
         <p:cNvPr id="1" name="">
           <a:extLst>
             <a:ext uri="{FF2B5EF4-FFF2-40B4-BE49-F238E27FC236}">
-              <a16:creationId xmlns:a16="http://schemas.microsoft.com/office/drawing/2014/main" xmlns="" id="{B28A9759-CA4F-DA4F-85C2-F6E51DCED2D9}"/>
+              <a16:creationId xmlns="" xmlns:a16="http://schemas.microsoft.com/office/drawing/2014/main" id="{B28A9759-CA4F-DA4F-85C2-F6E51DCED2D9}"/>
             </a:ext>
           </a:extLst>
         </p:cNvPr>
@@ -10169,7 +10731,7 @@
           <p:cNvPr id="2" name="Título 1">
             <a:extLst>
               <a:ext uri="{FF2B5EF4-FFF2-40B4-BE49-F238E27FC236}">
-                <a16:creationId xmlns:a16="http://schemas.microsoft.com/office/drawing/2014/main" xmlns="" id="{072F732D-34CE-6153-324F-D7F6821577F0}"/>
+                <a16:creationId xmlns="" xmlns:a16="http://schemas.microsoft.com/office/drawing/2014/main" id="{072F732D-34CE-6153-324F-D7F6821577F0}"/>
               </a:ext>
             </a:extLst>
           </p:cNvPr>
@@ -10197,7 +10759,7 @@
           <p:cNvPr id="3" name="Espaço Reservado para Conteúdo 2">
             <a:extLst>
               <a:ext uri="{FF2B5EF4-FFF2-40B4-BE49-F238E27FC236}">
-                <a16:creationId xmlns:a16="http://schemas.microsoft.com/office/drawing/2014/main" xmlns="" id="{62A55622-8E11-E5D7-8EAF-7AE2CCAA3321}"/>
+                <a16:creationId xmlns="" xmlns:a16="http://schemas.microsoft.com/office/drawing/2014/main" id="{62A55622-8E11-E5D7-8EAF-7AE2CCAA3321}"/>
               </a:ext>
             </a:extLst>
           </p:cNvPr>
@@ -10252,7 +10814,7 @@
           <p:cNvPr id="2" name="Título 1">
             <a:extLst>
               <a:ext uri="{FF2B5EF4-FFF2-40B4-BE49-F238E27FC236}">
-                <a16:creationId xmlns:a16="http://schemas.microsoft.com/office/drawing/2014/main" xmlns="" id="{B9E502FC-4440-F5DA-F299-69CD15E702AE}"/>
+                <a16:creationId xmlns="" xmlns:a16="http://schemas.microsoft.com/office/drawing/2014/main" id="{B9E502FC-4440-F5DA-F299-69CD15E702AE}"/>
               </a:ext>
             </a:extLst>
           </p:cNvPr>
@@ -10280,7 +10842,7 @@
           <p:cNvPr id="3" name="Espaço Reservado para Conteúdo 2">
             <a:extLst>
               <a:ext uri="{FF2B5EF4-FFF2-40B4-BE49-F238E27FC236}">
-                <a16:creationId xmlns:a16="http://schemas.microsoft.com/office/drawing/2014/main" xmlns="" id="{69359096-6B47-BEA3-55AD-95F90CDC8489}"/>
+                <a16:creationId xmlns="" xmlns:a16="http://schemas.microsoft.com/office/drawing/2014/main" id="{69359096-6B47-BEA3-55AD-95F90CDC8489}"/>
               </a:ext>
             </a:extLst>
           </p:cNvPr>

--- a/slides/C24_Introdução.pptx
+++ b/slides/C24_Introdução.pptx
@@ -887,6 +887,127 @@
 </p:notes>
 </file>
 
+<file path=ppt/notesSlides/notesSlide3.xml><?xml version="1.0" encoding="utf-8"?>
+<p:notes xmlns:a="http://schemas.openxmlformats.org/drawingml/2006/main" xmlns:r="http://schemas.openxmlformats.org/officeDocument/2006/relationships" xmlns:p="http://schemas.openxmlformats.org/presentationml/2006/main">
+  <p:cSld>
+    <p:spTree>
+      <p:nvGrpSpPr>
+        <p:cNvPr id="1" name=""/>
+        <p:cNvGrpSpPr/>
+        <p:nvPr/>
+      </p:nvGrpSpPr>
+      <p:grpSpPr>
+        <a:xfrm>
+          <a:off x="0" y="0"/>
+          <a:ext cx="0" cy="0"/>
+          <a:chOff x="0" y="0"/>
+          <a:chExt cx="0" cy="0"/>
+        </a:xfrm>
+      </p:grpSpPr>
+      <p:sp>
+        <p:nvSpPr>
+          <p:cNvPr id="2" name="Espaço Reservado para Imagem de Slide 1"/>
+          <p:cNvSpPr>
+            <a:spLocks noGrp="1" noRot="1" noChangeAspect="1"/>
+          </p:cNvSpPr>
+          <p:nvPr>
+            <p:ph type="sldImg"/>
+          </p:nvPr>
+        </p:nvSpPr>
+        <p:spPr/>
+      </p:sp>
+      <p:sp>
+        <p:nvSpPr>
+          <p:cNvPr id="3" name="Espaço Reservado para Anotações 2"/>
+          <p:cNvSpPr>
+            <a:spLocks noGrp="1"/>
+          </p:cNvSpPr>
+          <p:nvPr>
+            <p:ph type="body" idx="1"/>
+          </p:nvPr>
+        </p:nvSpPr>
+        <p:spPr/>
+        <p:txBody>
+          <a:bodyPr/>
+          <a:lstStyle/>
+          <a:p>
+            <a:r>
+              <a:rPr lang="pt-BR" dirty="0" smtClean="0"/>
+              <a:t>"A gente vê o </a:t>
+            </a:r>
+            <a:r>
+              <a:rPr lang="pt-BR" dirty="0" err="1" smtClean="0"/>
+              <a:t>ChatGPT</a:t>
+            </a:r>
+            <a:r>
+              <a:rPr lang="pt-BR" dirty="0" smtClean="0"/>
+              <a:t> escrevendo poemas e fica assustado, achando que a Matrix vai começar amanhã. Mas fiquem tranquilos: se vocês morarem em um sobrado, a revolução das máquinas vai demorar um pouco para chegar no andar de cima, porque subir degraus ainda é um pesadelo para os algoritmos de locomoção!“</a:t>
+            </a:r>
+          </a:p>
+          <a:p>
+            <a:endParaRPr lang="pt-BR" dirty="0" smtClean="0"/>
+          </a:p>
+          <a:p>
+            <a:r>
+              <a:rPr lang="pt-BR" b="1" dirty="0" smtClean="0"/>
+              <a:t>O que é difícil para humanos é fácil para a IA:</a:t>
+            </a:r>
+            <a:r>
+              <a:rPr lang="pt-BR" dirty="0" smtClean="0"/>
+              <a:t> Fazer cálculos matemáticos complexos, jogar xadrez em nível mundial ou analisar milhões de linhas de código.</a:t>
+            </a:r>
+          </a:p>
+          <a:p>
+            <a:r>
+              <a:rPr lang="pt-BR" b="1" dirty="0" smtClean="0"/>
+              <a:t>O que é fácil para humanos é difícil para a IA:</a:t>
+            </a:r>
+            <a:r>
+              <a:rPr lang="pt-BR" dirty="0" smtClean="0"/>
+              <a:t> Andar, reconhecer um rosto na multidão, manter o equilíbrio em terreno irregular ou ter percepção sensorial básica.</a:t>
+            </a:r>
+          </a:p>
+          <a:p>
+            <a:endParaRPr lang="pt-BR" dirty="0"/>
+          </a:p>
+        </p:txBody>
+      </p:sp>
+      <p:sp>
+        <p:nvSpPr>
+          <p:cNvPr id="4" name="Espaço Reservado para Número de Slide 3"/>
+          <p:cNvSpPr>
+            <a:spLocks noGrp="1"/>
+          </p:cNvSpPr>
+          <p:nvPr>
+            <p:ph type="sldNum" sz="quarter" idx="10"/>
+          </p:nvPr>
+        </p:nvSpPr>
+        <p:spPr/>
+        <p:txBody>
+          <a:bodyPr/>
+          <a:lstStyle/>
+          <a:p>
+            <a:fld id="{6FC8D850-966F-45A6-8DE7-15B891E7D40D}" type="slidenum">
+              <a:rPr lang="pt-BR" smtClean="0"/>
+              <a:t>7</a:t>
+            </a:fld>
+            <a:endParaRPr lang="pt-BR"/>
+          </a:p>
+        </p:txBody>
+      </p:sp>
+    </p:spTree>
+    <p:extLst>
+      <p:ext uri="{BB962C8B-B14F-4D97-AF65-F5344CB8AC3E}">
+        <p14:creationId xmlns:p14="http://schemas.microsoft.com/office/powerpoint/2010/main" val="3475882982"/>
+      </p:ext>
+    </p:extLst>
+  </p:cSld>
+  <p:clrMapOvr>
+    <a:masterClrMapping/>
+  </p:clrMapOvr>
+</p:notes>
+</file>
+
 <file path=ppt/slideLayouts/slideLayout1.xml><?xml version="1.0" encoding="utf-8"?>
 <p:sldLayout xmlns:a="http://schemas.openxmlformats.org/drawingml/2006/main" xmlns:r="http://schemas.openxmlformats.org/officeDocument/2006/relationships" xmlns:p="http://schemas.openxmlformats.org/presentationml/2006/main" type="title" preserve="1">
   <p:cSld name="Slide de Título">
@@ -909,7 +1030,7 @@
           <p:cNvPr id="2" name="Título 1">
             <a:extLst>
               <a:ext uri="{FF2B5EF4-FFF2-40B4-BE49-F238E27FC236}">
-                <a16:creationId xmlns="" xmlns:a16="http://schemas.microsoft.com/office/drawing/2014/main" id="{1DB9B4FF-B06E-403C-A326-BDC64D8FF94E}"/>
+                <a16:creationId xmlns:a16="http://schemas.microsoft.com/office/drawing/2014/main" xmlns="" id="{1DB9B4FF-B06E-403C-A326-BDC64D8FF94E}"/>
               </a:ext>
             </a:extLst>
           </p:cNvPr>
@@ -946,7 +1067,7 @@
           <p:cNvPr id="3" name="Subtítulo 2">
             <a:extLst>
               <a:ext uri="{FF2B5EF4-FFF2-40B4-BE49-F238E27FC236}">
-                <a16:creationId xmlns="" xmlns:a16="http://schemas.microsoft.com/office/drawing/2014/main" id="{247BDFCE-746E-45BF-A319-4733D58D1632}"/>
+                <a16:creationId xmlns:a16="http://schemas.microsoft.com/office/drawing/2014/main" xmlns="" id="{247BDFCE-746E-45BF-A319-4733D58D1632}"/>
               </a:ext>
             </a:extLst>
           </p:cNvPr>
@@ -1016,7 +1137,7 @@
           <p:cNvPr id="4" name="Espaço Reservado para Data 3">
             <a:extLst>
               <a:ext uri="{FF2B5EF4-FFF2-40B4-BE49-F238E27FC236}">
-                <a16:creationId xmlns="" xmlns:a16="http://schemas.microsoft.com/office/drawing/2014/main" id="{9EDE2778-5372-4104-B96D-968184DA8288}"/>
+                <a16:creationId xmlns:a16="http://schemas.microsoft.com/office/drawing/2014/main" xmlns="" id="{9EDE2778-5372-4104-B96D-968184DA8288}"/>
               </a:ext>
             </a:extLst>
           </p:cNvPr>
@@ -1045,7 +1166,7 @@
           <p:cNvPr id="5" name="Espaço Reservado para Rodapé 4">
             <a:extLst>
               <a:ext uri="{FF2B5EF4-FFF2-40B4-BE49-F238E27FC236}">
-                <a16:creationId xmlns="" xmlns:a16="http://schemas.microsoft.com/office/drawing/2014/main" id="{C1DD0F41-C861-4051-988D-3024A37A4B93}"/>
+                <a16:creationId xmlns:a16="http://schemas.microsoft.com/office/drawing/2014/main" xmlns="" id="{C1DD0F41-C861-4051-988D-3024A37A4B93}"/>
               </a:ext>
             </a:extLst>
           </p:cNvPr>
@@ -1070,7 +1191,7 @@
           <p:cNvPr id="6" name="Espaço Reservado para Número de Slide 5">
             <a:extLst>
               <a:ext uri="{FF2B5EF4-FFF2-40B4-BE49-F238E27FC236}">
-                <a16:creationId xmlns="" xmlns:a16="http://schemas.microsoft.com/office/drawing/2014/main" id="{07E5967E-D980-431A-A5DB-3F0C5030A81E}"/>
+                <a16:creationId xmlns:a16="http://schemas.microsoft.com/office/drawing/2014/main" xmlns="" id="{07E5967E-D980-431A-A5DB-3F0C5030A81E}"/>
               </a:ext>
             </a:extLst>
           </p:cNvPr>
@@ -1129,7 +1250,7 @@
           <p:cNvPr id="2" name="Título 1">
             <a:extLst>
               <a:ext uri="{FF2B5EF4-FFF2-40B4-BE49-F238E27FC236}">
-                <a16:creationId xmlns="" xmlns:a16="http://schemas.microsoft.com/office/drawing/2014/main" id="{9036C49F-3E68-4175-81BA-3C3FEE44308A}"/>
+                <a16:creationId xmlns:a16="http://schemas.microsoft.com/office/drawing/2014/main" xmlns="" id="{9036C49F-3E68-4175-81BA-3C3FEE44308A}"/>
               </a:ext>
             </a:extLst>
           </p:cNvPr>
@@ -1157,7 +1278,7 @@
           <p:cNvPr id="3" name="Espaço Reservado para Texto Vertical 2">
             <a:extLst>
               <a:ext uri="{FF2B5EF4-FFF2-40B4-BE49-F238E27FC236}">
-                <a16:creationId xmlns="" xmlns:a16="http://schemas.microsoft.com/office/drawing/2014/main" id="{426FA736-3DD3-4D4E-B57B-BBE1D8F7D424}"/>
+                <a16:creationId xmlns:a16="http://schemas.microsoft.com/office/drawing/2014/main" xmlns="" id="{426FA736-3DD3-4D4E-B57B-BBE1D8F7D424}"/>
               </a:ext>
             </a:extLst>
           </p:cNvPr>
@@ -1214,7 +1335,7 @@
           <p:cNvPr id="4" name="Espaço Reservado para Data 3">
             <a:extLst>
               <a:ext uri="{FF2B5EF4-FFF2-40B4-BE49-F238E27FC236}">
-                <a16:creationId xmlns="" xmlns:a16="http://schemas.microsoft.com/office/drawing/2014/main" id="{99E8855C-D8FD-48F6-B14E-861E0DE4D915}"/>
+                <a16:creationId xmlns:a16="http://schemas.microsoft.com/office/drawing/2014/main" xmlns="" id="{99E8855C-D8FD-48F6-B14E-861E0DE4D915}"/>
               </a:ext>
             </a:extLst>
           </p:cNvPr>
@@ -1243,7 +1364,7 @@
           <p:cNvPr id="5" name="Espaço Reservado para Rodapé 4">
             <a:extLst>
               <a:ext uri="{FF2B5EF4-FFF2-40B4-BE49-F238E27FC236}">
-                <a16:creationId xmlns="" xmlns:a16="http://schemas.microsoft.com/office/drawing/2014/main" id="{97C0BB88-2F21-42A5-ACFF-83DA47F2D340}"/>
+                <a16:creationId xmlns:a16="http://schemas.microsoft.com/office/drawing/2014/main" xmlns="" id="{97C0BB88-2F21-42A5-ACFF-83DA47F2D340}"/>
               </a:ext>
             </a:extLst>
           </p:cNvPr>
@@ -1268,7 +1389,7 @@
           <p:cNvPr id="6" name="Espaço Reservado para Número de Slide 5">
             <a:extLst>
               <a:ext uri="{FF2B5EF4-FFF2-40B4-BE49-F238E27FC236}">
-                <a16:creationId xmlns="" xmlns:a16="http://schemas.microsoft.com/office/drawing/2014/main" id="{6CB462B3-1F22-4C05-B4B8-7A279FB7D5E9}"/>
+                <a16:creationId xmlns:a16="http://schemas.microsoft.com/office/drawing/2014/main" xmlns="" id="{6CB462B3-1F22-4C05-B4B8-7A279FB7D5E9}"/>
               </a:ext>
             </a:extLst>
           </p:cNvPr>
@@ -1327,7 +1448,7 @@
           <p:cNvPr id="2" name="Título Vertical 1">
             <a:extLst>
               <a:ext uri="{FF2B5EF4-FFF2-40B4-BE49-F238E27FC236}">
-                <a16:creationId xmlns="" xmlns:a16="http://schemas.microsoft.com/office/drawing/2014/main" id="{EAEAB728-701C-4207-A9D5-23FF45C60502}"/>
+                <a16:creationId xmlns:a16="http://schemas.microsoft.com/office/drawing/2014/main" xmlns="" id="{EAEAB728-701C-4207-A9D5-23FF45C60502}"/>
               </a:ext>
             </a:extLst>
           </p:cNvPr>
@@ -1360,7 +1481,7 @@
           <p:cNvPr id="3" name="Espaço Reservado para Texto Vertical 2">
             <a:extLst>
               <a:ext uri="{FF2B5EF4-FFF2-40B4-BE49-F238E27FC236}">
-                <a16:creationId xmlns="" xmlns:a16="http://schemas.microsoft.com/office/drawing/2014/main" id="{BA8C8CCF-7823-480A-9A19-0F664DD17E3B}"/>
+                <a16:creationId xmlns:a16="http://schemas.microsoft.com/office/drawing/2014/main" xmlns="" id="{BA8C8CCF-7823-480A-9A19-0F664DD17E3B}"/>
               </a:ext>
             </a:extLst>
           </p:cNvPr>
@@ -1422,7 +1543,7 @@
           <p:cNvPr id="4" name="Espaço Reservado para Data 3">
             <a:extLst>
               <a:ext uri="{FF2B5EF4-FFF2-40B4-BE49-F238E27FC236}">
-                <a16:creationId xmlns="" xmlns:a16="http://schemas.microsoft.com/office/drawing/2014/main" id="{721D5734-7B1F-425D-942F-6EB73344027C}"/>
+                <a16:creationId xmlns:a16="http://schemas.microsoft.com/office/drawing/2014/main" xmlns="" id="{721D5734-7B1F-425D-942F-6EB73344027C}"/>
               </a:ext>
             </a:extLst>
           </p:cNvPr>
@@ -1451,7 +1572,7 @@
           <p:cNvPr id="5" name="Espaço Reservado para Rodapé 4">
             <a:extLst>
               <a:ext uri="{FF2B5EF4-FFF2-40B4-BE49-F238E27FC236}">
-                <a16:creationId xmlns="" xmlns:a16="http://schemas.microsoft.com/office/drawing/2014/main" id="{1E1AAEAC-F08D-45FE-89EC-B1B349A868C9}"/>
+                <a16:creationId xmlns:a16="http://schemas.microsoft.com/office/drawing/2014/main" xmlns="" id="{1E1AAEAC-F08D-45FE-89EC-B1B349A868C9}"/>
               </a:ext>
             </a:extLst>
           </p:cNvPr>
@@ -1476,7 +1597,7 @@
           <p:cNvPr id="6" name="Espaço Reservado para Número de Slide 5">
             <a:extLst>
               <a:ext uri="{FF2B5EF4-FFF2-40B4-BE49-F238E27FC236}">
-                <a16:creationId xmlns="" xmlns:a16="http://schemas.microsoft.com/office/drawing/2014/main" id="{BAA44493-9911-47B2-87A6-C2141A972BC8}"/>
+                <a16:creationId xmlns:a16="http://schemas.microsoft.com/office/drawing/2014/main" xmlns="" id="{BAA44493-9911-47B2-87A6-C2141A972BC8}"/>
               </a:ext>
             </a:extLst>
           </p:cNvPr>
@@ -1535,7 +1656,7 @@
           <p:cNvPr id="2" name="Título 1">
             <a:extLst>
               <a:ext uri="{FF2B5EF4-FFF2-40B4-BE49-F238E27FC236}">
-                <a16:creationId xmlns="" xmlns:a16="http://schemas.microsoft.com/office/drawing/2014/main" id="{71BD44A5-8F21-4626-A01D-48A1C874B1D5}"/>
+                <a16:creationId xmlns:a16="http://schemas.microsoft.com/office/drawing/2014/main" xmlns="" id="{71BD44A5-8F21-4626-A01D-48A1C874B1D5}"/>
               </a:ext>
             </a:extLst>
           </p:cNvPr>
@@ -1563,7 +1684,7 @@
           <p:cNvPr id="3" name="Espaço Reservado para Conteúdo 2">
             <a:extLst>
               <a:ext uri="{FF2B5EF4-FFF2-40B4-BE49-F238E27FC236}">
-                <a16:creationId xmlns="" xmlns:a16="http://schemas.microsoft.com/office/drawing/2014/main" id="{B79E8085-65A9-48AA-951D-71D978BFF4ED}"/>
+                <a16:creationId xmlns:a16="http://schemas.microsoft.com/office/drawing/2014/main" xmlns="" id="{B79E8085-65A9-48AA-951D-71D978BFF4ED}"/>
               </a:ext>
             </a:extLst>
           </p:cNvPr>
@@ -1620,7 +1741,7 @@
           <p:cNvPr id="4" name="Espaço Reservado para Data 3">
             <a:extLst>
               <a:ext uri="{FF2B5EF4-FFF2-40B4-BE49-F238E27FC236}">
-                <a16:creationId xmlns="" xmlns:a16="http://schemas.microsoft.com/office/drawing/2014/main" id="{F05BE1AF-51EA-425D-B188-DE7BD675009F}"/>
+                <a16:creationId xmlns:a16="http://schemas.microsoft.com/office/drawing/2014/main" xmlns="" id="{F05BE1AF-51EA-425D-B188-DE7BD675009F}"/>
               </a:ext>
             </a:extLst>
           </p:cNvPr>
@@ -1649,7 +1770,7 @@
           <p:cNvPr id="5" name="Espaço Reservado para Rodapé 4">
             <a:extLst>
               <a:ext uri="{FF2B5EF4-FFF2-40B4-BE49-F238E27FC236}">
-                <a16:creationId xmlns="" xmlns:a16="http://schemas.microsoft.com/office/drawing/2014/main" id="{121BE632-29CF-4CB9-B365-C9EF38F89BE6}"/>
+                <a16:creationId xmlns:a16="http://schemas.microsoft.com/office/drawing/2014/main" xmlns="" id="{121BE632-29CF-4CB9-B365-C9EF38F89BE6}"/>
               </a:ext>
             </a:extLst>
           </p:cNvPr>
@@ -1674,7 +1795,7 @@
           <p:cNvPr id="6" name="Espaço Reservado para Número de Slide 5">
             <a:extLst>
               <a:ext uri="{FF2B5EF4-FFF2-40B4-BE49-F238E27FC236}">
-                <a16:creationId xmlns="" xmlns:a16="http://schemas.microsoft.com/office/drawing/2014/main" id="{60CF3DD1-9AEC-4A57-B461-4E4DD86FAC18}"/>
+                <a16:creationId xmlns:a16="http://schemas.microsoft.com/office/drawing/2014/main" xmlns="" id="{60CF3DD1-9AEC-4A57-B461-4E4DD86FAC18}"/>
               </a:ext>
             </a:extLst>
           </p:cNvPr>
@@ -1733,7 +1854,7 @@
           <p:cNvPr id="2" name="Título 1">
             <a:extLst>
               <a:ext uri="{FF2B5EF4-FFF2-40B4-BE49-F238E27FC236}">
-                <a16:creationId xmlns="" xmlns:a16="http://schemas.microsoft.com/office/drawing/2014/main" id="{34AB2FF0-A4D7-4E28-991D-FF26140D5988}"/>
+                <a16:creationId xmlns:a16="http://schemas.microsoft.com/office/drawing/2014/main" xmlns="" id="{34AB2FF0-A4D7-4E28-991D-FF26140D5988}"/>
               </a:ext>
             </a:extLst>
           </p:cNvPr>
@@ -1770,7 +1891,7 @@
           <p:cNvPr id="3" name="Espaço Reservado para Texto 2">
             <a:extLst>
               <a:ext uri="{FF2B5EF4-FFF2-40B4-BE49-F238E27FC236}">
-                <a16:creationId xmlns="" xmlns:a16="http://schemas.microsoft.com/office/drawing/2014/main" id="{E2AC45B0-4145-40DB-8E61-105461170604}"/>
+                <a16:creationId xmlns:a16="http://schemas.microsoft.com/office/drawing/2014/main" xmlns="" id="{E2AC45B0-4145-40DB-8E61-105461170604}"/>
               </a:ext>
             </a:extLst>
           </p:cNvPr>
@@ -1895,7 +2016,7 @@
           <p:cNvPr id="4" name="Espaço Reservado para Data 3">
             <a:extLst>
               <a:ext uri="{FF2B5EF4-FFF2-40B4-BE49-F238E27FC236}">
-                <a16:creationId xmlns="" xmlns:a16="http://schemas.microsoft.com/office/drawing/2014/main" id="{50F1D3FB-740A-4EBA-A309-2CE71D12ECFB}"/>
+                <a16:creationId xmlns:a16="http://schemas.microsoft.com/office/drawing/2014/main" xmlns="" id="{50F1D3FB-740A-4EBA-A309-2CE71D12ECFB}"/>
               </a:ext>
             </a:extLst>
           </p:cNvPr>
@@ -1924,7 +2045,7 @@
           <p:cNvPr id="5" name="Espaço Reservado para Rodapé 4">
             <a:extLst>
               <a:ext uri="{FF2B5EF4-FFF2-40B4-BE49-F238E27FC236}">
-                <a16:creationId xmlns="" xmlns:a16="http://schemas.microsoft.com/office/drawing/2014/main" id="{BDCAB18F-8715-4465-A940-F9C193A2ACE9}"/>
+                <a16:creationId xmlns:a16="http://schemas.microsoft.com/office/drawing/2014/main" xmlns="" id="{BDCAB18F-8715-4465-A940-F9C193A2ACE9}"/>
               </a:ext>
             </a:extLst>
           </p:cNvPr>
@@ -1949,7 +2070,7 @@
           <p:cNvPr id="6" name="Espaço Reservado para Número de Slide 5">
             <a:extLst>
               <a:ext uri="{FF2B5EF4-FFF2-40B4-BE49-F238E27FC236}">
-                <a16:creationId xmlns="" xmlns:a16="http://schemas.microsoft.com/office/drawing/2014/main" id="{353466C6-8248-429F-8056-FF040BF509EB}"/>
+                <a16:creationId xmlns:a16="http://schemas.microsoft.com/office/drawing/2014/main" xmlns="" id="{353466C6-8248-429F-8056-FF040BF509EB}"/>
               </a:ext>
             </a:extLst>
           </p:cNvPr>
@@ -2008,7 +2129,7 @@
           <p:cNvPr id="2" name="Título 1">
             <a:extLst>
               <a:ext uri="{FF2B5EF4-FFF2-40B4-BE49-F238E27FC236}">
-                <a16:creationId xmlns="" xmlns:a16="http://schemas.microsoft.com/office/drawing/2014/main" id="{BC7BB9F0-F14B-4A91-B2B7-35BC47FE4DE7}"/>
+                <a16:creationId xmlns:a16="http://schemas.microsoft.com/office/drawing/2014/main" xmlns="" id="{BC7BB9F0-F14B-4A91-B2B7-35BC47FE4DE7}"/>
               </a:ext>
             </a:extLst>
           </p:cNvPr>
@@ -2036,7 +2157,7 @@
           <p:cNvPr id="3" name="Espaço Reservado para Conteúdo 2">
             <a:extLst>
               <a:ext uri="{FF2B5EF4-FFF2-40B4-BE49-F238E27FC236}">
-                <a16:creationId xmlns="" xmlns:a16="http://schemas.microsoft.com/office/drawing/2014/main" id="{EC1FC1C4-73DA-47A6-8496-B0B457F7D39A}"/>
+                <a16:creationId xmlns:a16="http://schemas.microsoft.com/office/drawing/2014/main" xmlns="" id="{EC1FC1C4-73DA-47A6-8496-B0B457F7D39A}"/>
               </a:ext>
             </a:extLst>
           </p:cNvPr>
@@ -2098,7 +2219,7 @@
           <p:cNvPr id="4" name="Espaço Reservado para Conteúdo 3">
             <a:extLst>
               <a:ext uri="{FF2B5EF4-FFF2-40B4-BE49-F238E27FC236}">
-                <a16:creationId xmlns="" xmlns:a16="http://schemas.microsoft.com/office/drawing/2014/main" id="{E92F06A8-A449-4D92-9912-76873E529B38}"/>
+                <a16:creationId xmlns:a16="http://schemas.microsoft.com/office/drawing/2014/main" xmlns="" id="{E92F06A8-A449-4D92-9912-76873E529B38}"/>
               </a:ext>
             </a:extLst>
           </p:cNvPr>
@@ -2160,7 +2281,7 @@
           <p:cNvPr id="5" name="Espaço Reservado para Data 4">
             <a:extLst>
               <a:ext uri="{FF2B5EF4-FFF2-40B4-BE49-F238E27FC236}">
-                <a16:creationId xmlns="" xmlns:a16="http://schemas.microsoft.com/office/drawing/2014/main" id="{938070A4-BC2F-4D55-BD8D-DEAF11BB9EE9}"/>
+                <a16:creationId xmlns:a16="http://schemas.microsoft.com/office/drawing/2014/main" xmlns="" id="{938070A4-BC2F-4D55-BD8D-DEAF11BB9EE9}"/>
               </a:ext>
             </a:extLst>
           </p:cNvPr>
@@ -2189,7 +2310,7 @@
           <p:cNvPr id="6" name="Espaço Reservado para Rodapé 5">
             <a:extLst>
               <a:ext uri="{FF2B5EF4-FFF2-40B4-BE49-F238E27FC236}">
-                <a16:creationId xmlns="" xmlns:a16="http://schemas.microsoft.com/office/drawing/2014/main" id="{45CC2DB8-844A-465F-BA9A-7734C80C7F43}"/>
+                <a16:creationId xmlns:a16="http://schemas.microsoft.com/office/drawing/2014/main" xmlns="" id="{45CC2DB8-844A-465F-BA9A-7734C80C7F43}"/>
               </a:ext>
             </a:extLst>
           </p:cNvPr>
@@ -2214,7 +2335,7 @@
           <p:cNvPr id="7" name="Espaço Reservado para Número de Slide 6">
             <a:extLst>
               <a:ext uri="{FF2B5EF4-FFF2-40B4-BE49-F238E27FC236}">
-                <a16:creationId xmlns="" xmlns:a16="http://schemas.microsoft.com/office/drawing/2014/main" id="{4CC606A8-097B-4040-94E0-CD8C88280D8F}"/>
+                <a16:creationId xmlns:a16="http://schemas.microsoft.com/office/drawing/2014/main" xmlns="" id="{4CC606A8-097B-4040-94E0-CD8C88280D8F}"/>
               </a:ext>
             </a:extLst>
           </p:cNvPr>
@@ -2273,7 +2394,7 @@
           <p:cNvPr id="2" name="Título 1">
             <a:extLst>
               <a:ext uri="{FF2B5EF4-FFF2-40B4-BE49-F238E27FC236}">
-                <a16:creationId xmlns="" xmlns:a16="http://schemas.microsoft.com/office/drawing/2014/main" id="{76D66686-0143-4CB6-8C09-BA326F1E7ACA}"/>
+                <a16:creationId xmlns:a16="http://schemas.microsoft.com/office/drawing/2014/main" xmlns="" id="{76D66686-0143-4CB6-8C09-BA326F1E7ACA}"/>
               </a:ext>
             </a:extLst>
           </p:cNvPr>
@@ -2306,7 +2427,7 @@
           <p:cNvPr id="3" name="Espaço Reservado para Texto 2">
             <a:extLst>
               <a:ext uri="{FF2B5EF4-FFF2-40B4-BE49-F238E27FC236}">
-                <a16:creationId xmlns="" xmlns:a16="http://schemas.microsoft.com/office/drawing/2014/main" id="{0227AB85-F59E-4BCE-B846-4FA0992C2F23}"/>
+                <a16:creationId xmlns:a16="http://schemas.microsoft.com/office/drawing/2014/main" xmlns="" id="{0227AB85-F59E-4BCE-B846-4FA0992C2F23}"/>
               </a:ext>
             </a:extLst>
           </p:cNvPr>
@@ -2377,7 +2498,7 @@
           <p:cNvPr id="4" name="Espaço Reservado para Conteúdo 3">
             <a:extLst>
               <a:ext uri="{FF2B5EF4-FFF2-40B4-BE49-F238E27FC236}">
-                <a16:creationId xmlns="" xmlns:a16="http://schemas.microsoft.com/office/drawing/2014/main" id="{3373456C-7319-4D0A-827D-D29F6B083F5D}"/>
+                <a16:creationId xmlns:a16="http://schemas.microsoft.com/office/drawing/2014/main" xmlns="" id="{3373456C-7319-4D0A-827D-D29F6B083F5D}"/>
               </a:ext>
             </a:extLst>
           </p:cNvPr>
@@ -2439,7 +2560,7 @@
           <p:cNvPr id="5" name="Espaço Reservado para Texto 4">
             <a:extLst>
               <a:ext uri="{FF2B5EF4-FFF2-40B4-BE49-F238E27FC236}">
-                <a16:creationId xmlns="" xmlns:a16="http://schemas.microsoft.com/office/drawing/2014/main" id="{4CD109D0-2E83-4262-8029-A871CEC47406}"/>
+                <a16:creationId xmlns:a16="http://schemas.microsoft.com/office/drawing/2014/main" xmlns="" id="{4CD109D0-2E83-4262-8029-A871CEC47406}"/>
               </a:ext>
             </a:extLst>
           </p:cNvPr>
@@ -2510,7 +2631,7 @@
           <p:cNvPr id="6" name="Espaço Reservado para Conteúdo 5">
             <a:extLst>
               <a:ext uri="{FF2B5EF4-FFF2-40B4-BE49-F238E27FC236}">
-                <a16:creationId xmlns="" xmlns:a16="http://schemas.microsoft.com/office/drawing/2014/main" id="{AD706E3A-CFBB-4A6C-A65F-D0360A9E74FE}"/>
+                <a16:creationId xmlns:a16="http://schemas.microsoft.com/office/drawing/2014/main" xmlns="" id="{AD706E3A-CFBB-4A6C-A65F-D0360A9E74FE}"/>
               </a:ext>
             </a:extLst>
           </p:cNvPr>
@@ -2572,7 +2693,7 @@
           <p:cNvPr id="7" name="Espaço Reservado para Data 6">
             <a:extLst>
               <a:ext uri="{FF2B5EF4-FFF2-40B4-BE49-F238E27FC236}">
-                <a16:creationId xmlns="" xmlns:a16="http://schemas.microsoft.com/office/drawing/2014/main" id="{4172C0E5-5AF0-4805-BB51-443733CD2BD5}"/>
+                <a16:creationId xmlns:a16="http://schemas.microsoft.com/office/drawing/2014/main" xmlns="" id="{4172C0E5-5AF0-4805-BB51-443733CD2BD5}"/>
               </a:ext>
             </a:extLst>
           </p:cNvPr>
@@ -2601,7 +2722,7 @@
           <p:cNvPr id="8" name="Espaço Reservado para Rodapé 7">
             <a:extLst>
               <a:ext uri="{FF2B5EF4-FFF2-40B4-BE49-F238E27FC236}">
-                <a16:creationId xmlns="" xmlns:a16="http://schemas.microsoft.com/office/drawing/2014/main" id="{0E801648-156F-497E-99CF-797DF48051E1}"/>
+                <a16:creationId xmlns:a16="http://schemas.microsoft.com/office/drawing/2014/main" xmlns="" id="{0E801648-156F-497E-99CF-797DF48051E1}"/>
               </a:ext>
             </a:extLst>
           </p:cNvPr>
@@ -2626,7 +2747,7 @@
           <p:cNvPr id="9" name="Espaço Reservado para Número de Slide 8">
             <a:extLst>
               <a:ext uri="{FF2B5EF4-FFF2-40B4-BE49-F238E27FC236}">
-                <a16:creationId xmlns="" xmlns:a16="http://schemas.microsoft.com/office/drawing/2014/main" id="{EEE23D32-80E7-4796-A137-66BF842E4B53}"/>
+                <a16:creationId xmlns:a16="http://schemas.microsoft.com/office/drawing/2014/main" xmlns="" id="{EEE23D32-80E7-4796-A137-66BF842E4B53}"/>
               </a:ext>
             </a:extLst>
           </p:cNvPr>
@@ -2685,7 +2806,7 @@
           <p:cNvPr id="2" name="Título 1">
             <a:extLst>
               <a:ext uri="{FF2B5EF4-FFF2-40B4-BE49-F238E27FC236}">
-                <a16:creationId xmlns="" xmlns:a16="http://schemas.microsoft.com/office/drawing/2014/main" id="{2BCE2379-C78F-47E1-8CFC-B846E7AF148D}"/>
+                <a16:creationId xmlns:a16="http://schemas.microsoft.com/office/drawing/2014/main" xmlns="" id="{2BCE2379-C78F-47E1-8CFC-B846E7AF148D}"/>
               </a:ext>
             </a:extLst>
           </p:cNvPr>
@@ -2713,7 +2834,7 @@
           <p:cNvPr id="3" name="Espaço Reservado para Data 2">
             <a:extLst>
               <a:ext uri="{FF2B5EF4-FFF2-40B4-BE49-F238E27FC236}">
-                <a16:creationId xmlns="" xmlns:a16="http://schemas.microsoft.com/office/drawing/2014/main" id="{342600A9-7F92-4E22-9D94-E4717252A817}"/>
+                <a16:creationId xmlns:a16="http://schemas.microsoft.com/office/drawing/2014/main" xmlns="" id="{342600A9-7F92-4E22-9D94-E4717252A817}"/>
               </a:ext>
             </a:extLst>
           </p:cNvPr>
@@ -2742,7 +2863,7 @@
           <p:cNvPr id="4" name="Espaço Reservado para Rodapé 3">
             <a:extLst>
               <a:ext uri="{FF2B5EF4-FFF2-40B4-BE49-F238E27FC236}">
-                <a16:creationId xmlns="" xmlns:a16="http://schemas.microsoft.com/office/drawing/2014/main" id="{192E6BED-F546-40CC-A2DF-99CBA853654E}"/>
+                <a16:creationId xmlns:a16="http://schemas.microsoft.com/office/drawing/2014/main" xmlns="" id="{192E6BED-F546-40CC-A2DF-99CBA853654E}"/>
               </a:ext>
             </a:extLst>
           </p:cNvPr>
@@ -2767,7 +2888,7 @@
           <p:cNvPr id="5" name="Espaço Reservado para Número de Slide 4">
             <a:extLst>
               <a:ext uri="{FF2B5EF4-FFF2-40B4-BE49-F238E27FC236}">
-                <a16:creationId xmlns="" xmlns:a16="http://schemas.microsoft.com/office/drawing/2014/main" id="{6091CC40-A8C4-4063-80EB-CC5099621678}"/>
+                <a16:creationId xmlns:a16="http://schemas.microsoft.com/office/drawing/2014/main" xmlns="" id="{6091CC40-A8C4-4063-80EB-CC5099621678}"/>
               </a:ext>
             </a:extLst>
           </p:cNvPr>
@@ -2826,7 +2947,7 @@
           <p:cNvPr id="2" name="Espaço Reservado para Data 1">
             <a:extLst>
               <a:ext uri="{FF2B5EF4-FFF2-40B4-BE49-F238E27FC236}">
-                <a16:creationId xmlns="" xmlns:a16="http://schemas.microsoft.com/office/drawing/2014/main" id="{DD19515C-212C-4EAE-84A3-8FF4BC844F1B}"/>
+                <a16:creationId xmlns:a16="http://schemas.microsoft.com/office/drawing/2014/main" xmlns="" id="{DD19515C-212C-4EAE-84A3-8FF4BC844F1B}"/>
               </a:ext>
             </a:extLst>
           </p:cNvPr>
@@ -2855,7 +2976,7 @@
           <p:cNvPr id="3" name="Espaço Reservado para Rodapé 2">
             <a:extLst>
               <a:ext uri="{FF2B5EF4-FFF2-40B4-BE49-F238E27FC236}">
-                <a16:creationId xmlns="" xmlns:a16="http://schemas.microsoft.com/office/drawing/2014/main" id="{94D3D120-B3E8-4C96-861D-7A4F12F49B3A}"/>
+                <a16:creationId xmlns:a16="http://schemas.microsoft.com/office/drawing/2014/main" xmlns="" id="{94D3D120-B3E8-4C96-861D-7A4F12F49B3A}"/>
               </a:ext>
             </a:extLst>
           </p:cNvPr>
@@ -2880,7 +3001,7 @@
           <p:cNvPr id="4" name="Espaço Reservado para Número de Slide 3">
             <a:extLst>
               <a:ext uri="{FF2B5EF4-FFF2-40B4-BE49-F238E27FC236}">
-                <a16:creationId xmlns="" xmlns:a16="http://schemas.microsoft.com/office/drawing/2014/main" id="{42E49B68-FA1B-468B-9F17-D5C09243D454}"/>
+                <a16:creationId xmlns:a16="http://schemas.microsoft.com/office/drawing/2014/main" xmlns="" id="{42E49B68-FA1B-468B-9F17-D5C09243D454}"/>
               </a:ext>
             </a:extLst>
           </p:cNvPr>
@@ -2939,7 +3060,7 @@
           <p:cNvPr id="2" name="Título 1">
             <a:extLst>
               <a:ext uri="{FF2B5EF4-FFF2-40B4-BE49-F238E27FC236}">
-                <a16:creationId xmlns="" xmlns:a16="http://schemas.microsoft.com/office/drawing/2014/main" id="{1C17BCBE-A897-4319-85EC-D87909C24980}"/>
+                <a16:creationId xmlns:a16="http://schemas.microsoft.com/office/drawing/2014/main" xmlns="" id="{1C17BCBE-A897-4319-85EC-D87909C24980}"/>
               </a:ext>
             </a:extLst>
           </p:cNvPr>
@@ -2976,7 +3097,7 @@
           <p:cNvPr id="3" name="Espaço Reservado para Conteúdo 2">
             <a:extLst>
               <a:ext uri="{FF2B5EF4-FFF2-40B4-BE49-F238E27FC236}">
-                <a16:creationId xmlns="" xmlns:a16="http://schemas.microsoft.com/office/drawing/2014/main" id="{4226F885-0204-4913-868B-4B8B82576F17}"/>
+                <a16:creationId xmlns:a16="http://schemas.microsoft.com/office/drawing/2014/main" xmlns="" id="{4226F885-0204-4913-868B-4B8B82576F17}"/>
               </a:ext>
             </a:extLst>
           </p:cNvPr>
@@ -3066,7 +3187,7 @@
           <p:cNvPr id="4" name="Espaço Reservado para Texto 3">
             <a:extLst>
               <a:ext uri="{FF2B5EF4-FFF2-40B4-BE49-F238E27FC236}">
-                <a16:creationId xmlns="" xmlns:a16="http://schemas.microsoft.com/office/drawing/2014/main" id="{00F9F784-A858-441B-8AB5-697098141751}"/>
+                <a16:creationId xmlns:a16="http://schemas.microsoft.com/office/drawing/2014/main" xmlns="" id="{00F9F784-A858-441B-8AB5-697098141751}"/>
               </a:ext>
             </a:extLst>
           </p:cNvPr>
@@ -3137,7 +3258,7 @@
           <p:cNvPr id="5" name="Espaço Reservado para Data 4">
             <a:extLst>
               <a:ext uri="{FF2B5EF4-FFF2-40B4-BE49-F238E27FC236}">
-                <a16:creationId xmlns="" xmlns:a16="http://schemas.microsoft.com/office/drawing/2014/main" id="{A4DC363A-5000-472E-8B17-02E7DCB8840A}"/>
+                <a16:creationId xmlns:a16="http://schemas.microsoft.com/office/drawing/2014/main" xmlns="" id="{A4DC363A-5000-472E-8B17-02E7DCB8840A}"/>
               </a:ext>
             </a:extLst>
           </p:cNvPr>
@@ -3166,7 +3287,7 @@
           <p:cNvPr id="6" name="Espaço Reservado para Rodapé 5">
             <a:extLst>
               <a:ext uri="{FF2B5EF4-FFF2-40B4-BE49-F238E27FC236}">
-                <a16:creationId xmlns="" xmlns:a16="http://schemas.microsoft.com/office/drawing/2014/main" id="{5548425D-2C21-4C56-BAD4-662978775C28}"/>
+                <a16:creationId xmlns:a16="http://schemas.microsoft.com/office/drawing/2014/main" xmlns="" id="{5548425D-2C21-4C56-BAD4-662978775C28}"/>
               </a:ext>
             </a:extLst>
           </p:cNvPr>
@@ -3191,7 +3312,7 @@
           <p:cNvPr id="7" name="Espaço Reservado para Número de Slide 6">
             <a:extLst>
               <a:ext uri="{FF2B5EF4-FFF2-40B4-BE49-F238E27FC236}">
-                <a16:creationId xmlns="" xmlns:a16="http://schemas.microsoft.com/office/drawing/2014/main" id="{C63E9726-E64C-42B2-AE8A-8C235A956B48}"/>
+                <a16:creationId xmlns:a16="http://schemas.microsoft.com/office/drawing/2014/main" xmlns="" id="{C63E9726-E64C-42B2-AE8A-8C235A956B48}"/>
               </a:ext>
             </a:extLst>
           </p:cNvPr>
@@ -3250,7 +3371,7 @@
           <p:cNvPr id="2" name="Título 1">
             <a:extLst>
               <a:ext uri="{FF2B5EF4-FFF2-40B4-BE49-F238E27FC236}">
-                <a16:creationId xmlns="" xmlns:a16="http://schemas.microsoft.com/office/drawing/2014/main" id="{11086A78-3E74-450C-96A6-CA8AC37AF772}"/>
+                <a16:creationId xmlns:a16="http://schemas.microsoft.com/office/drawing/2014/main" xmlns="" id="{11086A78-3E74-450C-96A6-CA8AC37AF772}"/>
               </a:ext>
             </a:extLst>
           </p:cNvPr>
@@ -3287,7 +3408,7 @@
           <p:cNvPr id="3" name="Espaço Reservado para Imagem 2">
             <a:extLst>
               <a:ext uri="{FF2B5EF4-FFF2-40B4-BE49-F238E27FC236}">
-                <a16:creationId xmlns="" xmlns:a16="http://schemas.microsoft.com/office/drawing/2014/main" id="{5F5B7312-975A-4DBC-9B2F-3652ADA006FD}"/>
+                <a16:creationId xmlns:a16="http://schemas.microsoft.com/office/drawing/2014/main" xmlns="" id="{5F5B7312-975A-4DBC-9B2F-3652ADA006FD}"/>
               </a:ext>
             </a:extLst>
           </p:cNvPr>
@@ -3354,7 +3475,7 @@
           <p:cNvPr id="4" name="Espaço Reservado para Texto 3">
             <a:extLst>
               <a:ext uri="{FF2B5EF4-FFF2-40B4-BE49-F238E27FC236}">
-                <a16:creationId xmlns="" xmlns:a16="http://schemas.microsoft.com/office/drawing/2014/main" id="{AAF805F5-1DFF-41C6-944C-7D79FE0D0963}"/>
+                <a16:creationId xmlns:a16="http://schemas.microsoft.com/office/drawing/2014/main" xmlns="" id="{AAF805F5-1DFF-41C6-944C-7D79FE0D0963}"/>
               </a:ext>
             </a:extLst>
           </p:cNvPr>
@@ -3425,7 +3546,7 @@
           <p:cNvPr id="5" name="Espaço Reservado para Data 4">
             <a:extLst>
               <a:ext uri="{FF2B5EF4-FFF2-40B4-BE49-F238E27FC236}">
-                <a16:creationId xmlns="" xmlns:a16="http://schemas.microsoft.com/office/drawing/2014/main" id="{02113D81-8665-4516-BD81-C6A1F254EECD}"/>
+                <a16:creationId xmlns:a16="http://schemas.microsoft.com/office/drawing/2014/main" xmlns="" id="{02113D81-8665-4516-BD81-C6A1F254EECD}"/>
               </a:ext>
             </a:extLst>
           </p:cNvPr>
@@ -3454,7 +3575,7 @@
           <p:cNvPr id="6" name="Espaço Reservado para Rodapé 5">
             <a:extLst>
               <a:ext uri="{FF2B5EF4-FFF2-40B4-BE49-F238E27FC236}">
-                <a16:creationId xmlns="" xmlns:a16="http://schemas.microsoft.com/office/drawing/2014/main" id="{2B00C88B-FF32-40AA-A187-727D96FD7862}"/>
+                <a16:creationId xmlns:a16="http://schemas.microsoft.com/office/drawing/2014/main" xmlns="" id="{2B00C88B-FF32-40AA-A187-727D96FD7862}"/>
               </a:ext>
             </a:extLst>
           </p:cNvPr>
@@ -3479,7 +3600,7 @@
           <p:cNvPr id="7" name="Espaço Reservado para Número de Slide 6">
             <a:extLst>
               <a:ext uri="{FF2B5EF4-FFF2-40B4-BE49-F238E27FC236}">
-                <a16:creationId xmlns="" xmlns:a16="http://schemas.microsoft.com/office/drawing/2014/main" id="{A04D1A2D-69F7-4B8F-A730-BC26DC340BA6}"/>
+                <a16:creationId xmlns:a16="http://schemas.microsoft.com/office/drawing/2014/main" xmlns="" id="{A04D1A2D-69F7-4B8F-A730-BC26DC340BA6}"/>
               </a:ext>
             </a:extLst>
           </p:cNvPr>
@@ -3543,7 +3664,7 @@
           <p:cNvPr id="2" name="Espaço Reservado para Título 1">
             <a:extLst>
               <a:ext uri="{FF2B5EF4-FFF2-40B4-BE49-F238E27FC236}">
-                <a16:creationId xmlns="" xmlns:a16="http://schemas.microsoft.com/office/drawing/2014/main" id="{E69A0273-1966-4A1B-9370-4C1CE5036371}"/>
+                <a16:creationId xmlns:a16="http://schemas.microsoft.com/office/drawing/2014/main" xmlns="" id="{E69A0273-1966-4A1B-9370-4C1CE5036371}"/>
               </a:ext>
             </a:extLst>
           </p:cNvPr>
@@ -3581,7 +3702,7 @@
           <p:cNvPr id="3" name="Espaço Reservado para Texto 2">
             <a:extLst>
               <a:ext uri="{FF2B5EF4-FFF2-40B4-BE49-F238E27FC236}">
-                <a16:creationId xmlns="" xmlns:a16="http://schemas.microsoft.com/office/drawing/2014/main" id="{3B9CF87A-0448-49A7-AB25-EBC1D56A40EF}"/>
+                <a16:creationId xmlns:a16="http://schemas.microsoft.com/office/drawing/2014/main" xmlns="" id="{3B9CF87A-0448-49A7-AB25-EBC1D56A40EF}"/>
               </a:ext>
             </a:extLst>
           </p:cNvPr>
@@ -3648,7 +3769,7 @@
           <p:cNvPr id="4" name="Espaço Reservado para Data 3">
             <a:extLst>
               <a:ext uri="{FF2B5EF4-FFF2-40B4-BE49-F238E27FC236}">
-                <a16:creationId xmlns="" xmlns:a16="http://schemas.microsoft.com/office/drawing/2014/main" id="{2EF7B1F2-BB5A-44D0-816D-16AD2C71430E}"/>
+                <a16:creationId xmlns:a16="http://schemas.microsoft.com/office/drawing/2014/main" xmlns="" id="{2EF7B1F2-BB5A-44D0-816D-16AD2C71430E}"/>
               </a:ext>
             </a:extLst>
           </p:cNvPr>
@@ -3695,7 +3816,7 @@
           <p:cNvPr id="5" name="Espaço Reservado para Rodapé 4">
             <a:extLst>
               <a:ext uri="{FF2B5EF4-FFF2-40B4-BE49-F238E27FC236}">
-                <a16:creationId xmlns="" xmlns:a16="http://schemas.microsoft.com/office/drawing/2014/main" id="{C703F94C-2CC8-4DAA-BC35-14FC3E841DCD}"/>
+                <a16:creationId xmlns:a16="http://schemas.microsoft.com/office/drawing/2014/main" xmlns="" id="{C703F94C-2CC8-4DAA-BC35-14FC3E841DCD}"/>
               </a:ext>
             </a:extLst>
           </p:cNvPr>
@@ -3738,7 +3859,7 @@
           <p:cNvPr id="6" name="Espaço Reservado para Número de Slide 5">
             <a:extLst>
               <a:ext uri="{FF2B5EF4-FFF2-40B4-BE49-F238E27FC236}">
-                <a16:creationId xmlns="" xmlns:a16="http://schemas.microsoft.com/office/drawing/2014/main" id="{64051336-7048-457A-8B61-D94291D71648}"/>
+                <a16:creationId xmlns:a16="http://schemas.microsoft.com/office/drawing/2014/main" xmlns="" id="{64051336-7048-457A-8B61-D94291D71648}"/>
               </a:ext>
             </a:extLst>
           </p:cNvPr>
@@ -4106,7 +4227,7 @@
           <p:cNvPr id="2" name="Título 1">
             <a:extLst>
               <a:ext uri="{FF2B5EF4-FFF2-40B4-BE49-F238E27FC236}">
-                <a16:creationId xmlns="" xmlns:a16="http://schemas.microsoft.com/office/drawing/2014/main" id="{32666AC8-2E17-4DB4-B0F5-60C640CCFD2E}"/>
+                <a16:creationId xmlns:a16="http://schemas.microsoft.com/office/drawing/2014/main" xmlns="" id="{32666AC8-2E17-4DB4-B0F5-60C640CCFD2E}"/>
               </a:ext>
             </a:extLst>
           </p:cNvPr>
@@ -4153,7 +4274,7 @@
           <p:cNvPr id="4" name="CaixaDeTexto 3">
             <a:extLst>
               <a:ext uri="{FF2B5EF4-FFF2-40B4-BE49-F238E27FC236}">
-                <a16:creationId xmlns="" xmlns:a16="http://schemas.microsoft.com/office/drawing/2014/main" id="{430EB894-B7D4-434C-9D1A-A14094D9BEEC}"/>
+                <a16:creationId xmlns:a16="http://schemas.microsoft.com/office/drawing/2014/main" xmlns="" id="{430EB894-B7D4-434C-9D1A-A14094D9BEEC}"/>
               </a:ext>
             </a:extLst>
           </p:cNvPr>
@@ -4204,7 +4325,7 @@
           <p:cNvPr id="1026" name="Picture 2" descr="Logo">
             <a:extLst>
               <a:ext uri="{FF2B5EF4-FFF2-40B4-BE49-F238E27FC236}">
-                <a16:creationId xmlns="" xmlns:a16="http://schemas.microsoft.com/office/drawing/2014/main" id="{3F2642E0-4F6A-4196-8F58-E77D36E9A33F}"/>
+                <a16:creationId xmlns:a16="http://schemas.microsoft.com/office/drawing/2014/main" xmlns="" id="{3F2642E0-4F6A-4196-8F58-E77D36E9A33F}"/>
               </a:ext>
             </a:extLst>
           </p:cNvPr>
@@ -4249,7 +4370,7 @@
           <p:cNvPr id="5122" name="Picture 2" descr="Image result for machine learning">
             <a:extLst>
               <a:ext uri="{FF2B5EF4-FFF2-40B4-BE49-F238E27FC236}">
-                <a16:creationId xmlns="" xmlns:a16="http://schemas.microsoft.com/office/drawing/2014/main" id="{810CE0A2-4102-44A6-A370-175E7896CDCB}"/>
+                <a16:creationId xmlns:a16="http://schemas.microsoft.com/office/drawing/2014/main" xmlns="" id="{810CE0A2-4102-44A6-A370-175E7896CDCB}"/>
               </a:ext>
             </a:extLst>
           </p:cNvPr>
@@ -4331,7 +4452,7 @@
           <p:cNvPr id="2" name="Título 1">
             <a:extLst>
               <a:ext uri="{FF2B5EF4-FFF2-40B4-BE49-F238E27FC236}">
-                <a16:creationId xmlns="" xmlns:a16="http://schemas.microsoft.com/office/drawing/2014/main" id="{B7EBC8F7-03EF-338A-A90B-280A41AF9688}"/>
+                <a16:creationId xmlns:a16="http://schemas.microsoft.com/office/drawing/2014/main" xmlns="" id="{B7EBC8F7-03EF-338A-A90B-280A41AF9688}"/>
               </a:ext>
             </a:extLst>
           </p:cNvPr>
@@ -4359,7 +4480,7 @@
           <p:cNvPr id="3" name="Espaço Reservado para Conteúdo 2">
             <a:extLst>
               <a:ext uri="{FF2B5EF4-FFF2-40B4-BE49-F238E27FC236}">
-                <a16:creationId xmlns="" xmlns:a16="http://schemas.microsoft.com/office/drawing/2014/main" id="{C525BCE7-C19D-7DDA-016A-E3016C398CBA}"/>
+                <a16:creationId xmlns:a16="http://schemas.microsoft.com/office/drawing/2014/main" xmlns="" id="{C525BCE7-C19D-7DDA-016A-E3016C398CBA}"/>
               </a:ext>
             </a:extLst>
           </p:cNvPr>
@@ -4414,7 +4535,7 @@
           <p:cNvPr id="4" name="Título 1">
             <a:extLst>
               <a:ext uri="{FF2B5EF4-FFF2-40B4-BE49-F238E27FC236}">
-                <a16:creationId xmlns="" xmlns:a16="http://schemas.microsoft.com/office/drawing/2014/main" id="{32666AC8-2E17-4DB4-B0F5-60C640CCFD2E}"/>
+                <a16:creationId xmlns:a16="http://schemas.microsoft.com/office/drawing/2014/main" xmlns="" id="{32666AC8-2E17-4DB4-B0F5-60C640CCFD2E}"/>
               </a:ext>
             </a:extLst>
           </p:cNvPr>
@@ -4500,7 +4621,7 @@
           <p:cNvPr id="2" name="Título 1">
             <a:extLst>
               <a:ext uri="{FF2B5EF4-FFF2-40B4-BE49-F238E27FC236}">
-                <a16:creationId xmlns="" xmlns:a16="http://schemas.microsoft.com/office/drawing/2014/main" id="{3CA32550-8C76-B013-2EC7-989D8C3B19BE}"/>
+                <a16:creationId xmlns:a16="http://schemas.microsoft.com/office/drawing/2014/main" xmlns="" id="{3CA32550-8C76-B013-2EC7-989D8C3B19BE}"/>
               </a:ext>
             </a:extLst>
           </p:cNvPr>
@@ -4528,7 +4649,7 @@
           <p:cNvPr id="3" name="Espaço Reservado para Conteúdo 2">
             <a:extLst>
               <a:ext uri="{FF2B5EF4-FFF2-40B4-BE49-F238E27FC236}">
-                <a16:creationId xmlns="" xmlns:a16="http://schemas.microsoft.com/office/drawing/2014/main" id="{EF043237-7757-7557-B63E-D4EB5152D44B}"/>
+                <a16:creationId xmlns:a16="http://schemas.microsoft.com/office/drawing/2014/main" xmlns="" id="{EF043237-7757-7557-B63E-D4EB5152D44B}"/>
               </a:ext>
             </a:extLst>
           </p:cNvPr>
@@ -4583,7 +4704,7 @@
           <p:cNvPr id="4" name="Título 1">
             <a:extLst>
               <a:ext uri="{FF2B5EF4-FFF2-40B4-BE49-F238E27FC236}">
-                <a16:creationId xmlns="" xmlns:a16="http://schemas.microsoft.com/office/drawing/2014/main" id="{32666AC8-2E17-4DB4-B0F5-60C640CCFD2E}"/>
+                <a16:creationId xmlns:a16="http://schemas.microsoft.com/office/drawing/2014/main" xmlns="" id="{32666AC8-2E17-4DB4-B0F5-60C640CCFD2E}"/>
               </a:ext>
             </a:extLst>
           </p:cNvPr>
@@ -4669,7 +4790,7 @@
           <p:cNvPr id="2" name="Título 1">
             <a:extLst>
               <a:ext uri="{FF2B5EF4-FFF2-40B4-BE49-F238E27FC236}">
-                <a16:creationId xmlns="" xmlns:a16="http://schemas.microsoft.com/office/drawing/2014/main" id="{7F5FF925-67DE-CC62-E869-C6E3C1D771E6}"/>
+                <a16:creationId xmlns:a16="http://schemas.microsoft.com/office/drawing/2014/main" xmlns="" id="{7F5FF925-67DE-CC62-E869-C6E3C1D771E6}"/>
               </a:ext>
             </a:extLst>
           </p:cNvPr>
@@ -4698,7 +4819,7 @@
           <p:cNvPr id="3" name="Espaço Reservado para Conteúdo 2">
             <a:extLst>
               <a:ext uri="{FF2B5EF4-FFF2-40B4-BE49-F238E27FC236}">
-                <a16:creationId xmlns="" xmlns:a16="http://schemas.microsoft.com/office/drawing/2014/main" id="{7DA84068-671A-9D40-4F76-2C57E4F720C2}"/>
+                <a16:creationId xmlns:a16="http://schemas.microsoft.com/office/drawing/2014/main" xmlns="" id="{7DA84068-671A-9D40-4F76-2C57E4F720C2}"/>
               </a:ext>
             </a:extLst>
           </p:cNvPr>
@@ -4857,7 +4978,7 @@
           <p:cNvPr id="2" name="Título 1">
             <a:extLst>
               <a:ext uri="{FF2B5EF4-FFF2-40B4-BE49-F238E27FC236}">
-                <a16:creationId xmlns="" xmlns:a16="http://schemas.microsoft.com/office/drawing/2014/main" id="{7F5FF925-67DE-CC62-E869-C6E3C1D771E6}"/>
+                <a16:creationId xmlns:a16="http://schemas.microsoft.com/office/drawing/2014/main" xmlns="" id="{7F5FF925-67DE-CC62-E869-C6E3C1D771E6}"/>
               </a:ext>
             </a:extLst>
           </p:cNvPr>
@@ -9649,7 +9770,7 @@
           <p:cNvPr id="2" name="Título 1">
             <a:extLst>
               <a:ext uri="{FF2B5EF4-FFF2-40B4-BE49-F238E27FC236}">
-                <a16:creationId xmlns="" xmlns:a16="http://schemas.microsoft.com/office/drawing/2014/main" id="{7F5FF925-67DE-CC62-E869-C6E3C1D771E6}"/>
+                <a16:creationId xmlns:a16="http://schemas.microsoft.com/office/drawing/2014/main" xmlns="" id="{7F5FF925-67DE-CC62-E869-C6E3C1D771E6}"/>
               </a:ext>
             </a:extLst>
           </p:cNvPr>
@@ -9673,14 +9794,14 @@
           </a:p>
         </p:txBody>
       </p:sp>
-      <mc:AlternateContent xmlns:mc="http://schemas.openxmlformats.org/markup-compatibility/2006">
-        <mc:Choice xmlns:a14="http://schemas.microsoft.com/office/drawing/2010/main" Requires="a14">
+      <mc:AlternateContent xmlns:mc="http://schemas.openxmlformats.org/markup-compatibility/2006" xmlns:a14="http://schemas.microsoft.com/office/drawing/2010/main">
+        <mc:Choice Requires="a14">
           <p:sp>
             <p:nvSpPr>
               <p:cNvPr id="3" name="Espaço Reservado para Conteúdo 2">
                 <a:extLst>
                   <a:ext uri="{FF2B5EF4-FFF2-40B4-BE49-F238E27FC236}">
-                    <a16:creationId xmlns="" xmlns:a16="http://schemas.microsoft.com/office/drawing/2014/main" id="{7DA84068-671A-9D40-4F76-2C57E4F720C2}"/>
+                    <a16:creationId xmlns:a16="http://schemas.microsoft.com/office/drawing/2014/main" xmlns="" id="{7DA84068-671A-9D40-4F76-2C57E4F720C2}"/>
                   </a:ext>
                 </a:extLst>
               </p:cNvPr>
@@ -9734,23 +9855,11 @@
                 <a:pPr fontAlgn="base"/>
                 <a:r>
                   <a:rPr lang="pt-BR" dirty="0"/>
-                  <a:t>NP2 (2ª prova teórica/prática): a definir </a:t>
-                </a:r>
-                <a:r>
-                  <a:rPr lang="pt-BR" dirty="0"/>
-                  <a:t>→ sugestão</a:t>
-                </a:r>
-                <a:r>
-                  <a:rPr lang="pt-BR" dirty="0"/>
-                  <a:t>: </a:t>
+                  <a:t>NP2 (2ª prova teórica/prática): a definir → sugestão: </a:t>
                 </a:r>
                 <a:r>
                   <a:rPr lang="pt-BR" dirty="0" smtClean="0"/>
-                  <a:t>15</a:t>
-                </a:r>
-                <a:r>
-                  <a:rPr lang="pt-BR" dirty="0" smtClean="0"/>
-                  <a:t>/06/2026​</a:t>
+                  <a:t>15/06/2026​</a:t>
                 </a:r>
                 <a:endParaRPr lang="pt-BR" dirty="0"/>
               </a:p>
@@ -9758,23 +9867,11 @@
                 <a:pPr fontAlgn="base"/>
                 <a:r>
                   <a:rPr lang="pt-BR" dirty="0"/>
-                  <a:t>NP3 (3ª prova teórica/prática): a definir </a:t>
-                </a:r>
-                <a:r>
-                  <a:rPr lang="pt-BR" dirty="0"/>
-                  <a:t>→ sugestão</a:t>
-                </a:r>
-                <a:r>
-                  <a:rPr lang="pt-BR" dirty="0"/>
-                  <a:t>: </a:t>
+                  <a:t>NP3 (3ª prova teórica/prática): a definir → sugestão: </a:t>
                 </a:r>
                 <a:r>
                   <a:rPr lang="pt-BR" dirty="0" smtClean="0"/>
-                  <a:t>22</a:t>
-                </a:r>
-                <a:r>
-                  <a:rPr lang="pt-BR" dirty="0" smtClean="0"/>
-                  <a:t>/06/2026​</a:t>
+                  <a:t>22/06/2026​</a:t>
                 </a:r>
                 <a:endParaRPr lang="pt-BR" dirty="0"/>
               </a:p>
@@ -10081,7 +10178,7 @@
             </p:txBody>
           </p:sp>
         </mc:Choice>
-        <mc:Fallback>
+        <mc:Fallback xmlns="">
           <p:sp>
             <p:nvSpPr>
               <p:cNvPr id="3" name="Espaço Reservado para Conteúdo 2">
@@ -10208,7 +10305,7 @@
           <p:cNvPr id="2" name="Título 1">
             <a:extLst>
               <a:ext uri="{FF2B5EF4-FFF2-40B4-BE49-F238E27FC236}">
-                <a16:creationId xmlns="" xmlns:a16="http://schemas.microsoft.com/office/drawing/2014/main" id="{94AB8438-E56E-2412-517C-8456E4CA773C}"/>
+                <a16:creationId xmlns:a16="http://schemas.microsoft.com/office/drawing/2014/main" xmlns="" id="{94AB8438-E56E-2412-517C-8456E4CA773C}"/>
               </a:ext>
             </a:extLst>
           </p:cNvPr>
@@ -10237,7 +10334,7 @@
           <p:cNvPr id="3" name="Espaço Reservado para Conteúdo 2">
             <a:extLst>
               <a:ext uri="{FF2B5EF4-FFF2-40B4-BE49-F238E27FC236}">
-                <a16:creationId xmlns="" xmlns:a16="http://schemas.microsoft.com/office/drawing/2014/main" id="{F7E2B09C-6D56-4C9F-A364-B904CCE2F1A0}"/>
+                <a16:creationId xmlns:a16="http://schemas.microsoft.com/office/drawing/2014/main" xmlns="" id="{F7E2B09C-6D56-4C9F-A364-B904CCE2F1A0}"/>
               </a:ext>
             </a:extLst>
           </p:cNvPr>
@@ -10344,7 +10441,7 @@
           <p:cNvPr id="2" name="Título 1">
             <a:extLst>
               <a:ext uri="{FF2B5EF4-FFF2-40B4-BE49-F238E27FC236}">
-                <a16:creationId xmlns="" xmlns:a16="http://schemas.microsoft.com/office/drawing/2014/main" id="{083FFF02-0FC8-9F0B-AAB0-565FC99EA70D}"/>
+                <a16:creationId xmlns:a16="http://schemas.microsoft.com/office/drawing/2014/main" xmlns="" id="{083FFF02-0FC8-9F0B-AAB0-565FC99EA70D}"/>
               </a:ext>
             </a:extLst>
           </p:cNvPr>
@@ -10373,7 +10470,7 @@
           <p:cNvPr id="3" name="Espaço Reservado para Conteúdo 2">
             <a:extLst>
               <a:ext uri="{FF2B5EF4-FFF2-40B4-BE49-F238E27FC236}">
-                <a16:creationId xmlns="" xmlns:a16="http://schemas.microsoft.com/office/drawing/2014/main" id="{8C5488AE-34B4-EF1D-F674-507FF2FCD122}"/>
+                <a16:creationId xmlns:a16="http://schemas.microsoft.com/office/drawing/2014/main" xmlns="" id="{8C5488AE-34B4-EF1D-F674-507FF2FCD122}"/>
               </a:ext>
             </a:extLst>
           </p:cNvPr>
@@ -10611,6 +10708,13 @@
   <p:clrMapOvr>
     <a:masterClrMapping/>
   </p:clrMapOvr>
+  <p:timing>
+    <p:tnLst>
+      <p:par>
+        <p:cTn id="1" dur="indefinite" restart="never" nodeType="tmRoot"/>
+      </p:par>
+    </p:tnLst>
+  </p:timing>
 </p:sld>
 </file>
 
@@ -10622,7 +10726,7 @@
         <p:cNvPr id="1" name="">
           <a:extLst>
             <a:ext uri="{FF2B5EF4-FFF2-40B4-BE49-F238E27FC236}">
-              <a16:creationId xmlns="" xmlns:a16="http://schemas.microsoft.com/office/drawing/2014/main" id="{E1C9F56A-97FC-7CCD-E5BA-3B5E230AD9AB}"/>
+              <a16:creationId xmlns:a16="http://schemas.microsoft.com/office/drawing/2014/main" xmlns="" id="{E1C9F56A-97FC-7CCD-E5BA-3B5E230AD9AB}"/>
             </a:ext>
           </a:extLst>
         </p:cNvPr>
@@ -10642,7 +10746,7 @@
           <p:cNvPr id="2" name="Título 1">
             <a:extLst>
               <a:ext uri="{FF2B5EF4-FFF2-40B4-BE49-F238E27FC236}">
-                <a16:creationId xmlns="" xmlns:a16="http://schemas.microsoft.com/office/drawing/2014/main" id="{A979DAB9-0612-F0CD-7BB1-AF52B98B3210}"/>
+                <a16:creationId xmlns:a16="http://schemas.microsoft.com/office/drawing/2014/main" xmlns="" id="{A979DAB9-0612-F0CD-7BB1-AF52B98B3210}"/>
               </a:ext>
             </a:extLst>
           </p:cNvPr>
@@ -10660,17 +10764,104 @@
           <a:p>
             <a:r>
               <a:rPr lang="pt-BR" dirty="0"/>
-              <a:t>Treinamento e otimização</a:t>
-            </a:r>
+              <a:t>Expectativa vs. </a:t>
+            </a:r>
+            <a:r>
+              <a:rPr lang="pt-BR" dirty="0" smtClean="0"/>
+              <a:t>realidade</a:t>
+            </a:r>
+            <a:endParaRPr lang="pt-BR" dirty="0"/>
           </a:p>
         </p:txBody>
       </p:sp>
+      <p:pic>
+        <p:nvPicPr>
+          <p:cNvPr id="1026" name="Picture 2" descr="a man stands next to a robot in front of an idol sign"/>
+          <p:cNvPicPr>
+            <a:picLocks noChangeAspect="1" noChangeArrowheads="1" noCrop="1"/>
+          </p:cNvPicPr>
+          <p:nvPr/>
+        </p:nvPicPr>
+        <p:blipFill>
+          <a:blip r:embed="rId3">
+            <a:extLst>
+              <a:ext uri="{28A0092B-C50C-407E-A947-70E740481C1C}">
+                <a14:useLocalDpi xmlns:a14="http://schemas.microsoft.com/office/drawing/2010/main" val="0"/>
+              </a:ext>
+            </a:extLst>
+          </a:blip>
+          <a:srcRect/>
+          <a:stretch>
+            <a:fillRect/>
+          </a:stretch>
+        </p:blipFill>
+        <p:spPr bwMode="auto">
+          <a:xfrm>
+            <a:off x="3591097" y="4312517"/>
+            <a:ext cx="2227812" cy="2322325"/>
+          </a:xfrm>
+          <a:prstGeom prst="rect">
+            <a:avLst/>
+          </a:prstGeom>
+          <a:noFill/>
+          <a:extLst>
+            <a:ext uri="{909E8E84-426E-40DD-AFC4-6F175D3DCCD1}">
+              <a14:hiddenFill xmlns:a14="http://schemas.microsoft.com/office/drawing/2010/main">
+                <a:solidFill>
+                  <a:srgbClr val="FFFFFF"/>
+                </a:solidFill>
+              </a14:hiddenFill>
+            </a:ext>
+          </a:extLst>
+        </p:spPr>
+      </p:pic>
+      <p:pic>
+        <p:nvPicPr>
+          <p:cNvPr id="1028" name="Picture 4" descr="a robot is standing on a set of stairs in front of a television"/>
+          <p:cNvPicPr>
+            <a:picLocks noChangeAspect="1" noChangeArrowheads="1" noCrop="1"/>
+          </p:cNvPicPr>
+          <p:nvPr/>
+        </p:nvPicPr>
+        <p:blipFill>
+          <a:blip r:embed="rId4">
+            <a:extLst>
+              <a:ext uri="{28A0092B-C50C-407E-A947-70E740481C1C}">
+                <a14:useLocalDpi xmlns:a14="http://schemas.microsoft.com/office/drawing/2010/main" val="0"/>
+              </a:ext>
+            </a:extLst>
+          </a:blip>
+          <a:srcRect/>
+          <a:stretch>
+            <a:fillRect/>
+          </a:stretch>
+        </p:blipFill>
+        <p:spPr bwMode="auto">
+          <a:xfrm>
+            <a:off x="838199" y="1825625"/>
+            <a:ext cx="2486891" cy="2486892"/>
+          </a:xfrm>
+          <a:prstGeom prst="rect">
+            <a:avLst/>
+          </a:prstGeom>
+          <a:noFill/>
+          <a:extLst>
+            <a:ext uri="{909E8E84-426E-40DD-AFC4-6F175D3DCCD1}">
+              <a14:hiddenFill xmlns:a14="http://schemas.microsoft.com/office/drawing/2010/main">
+                <a:solidFill>
+                  <a:srgbClr val="FFFFFF"/>
+                </a:solidFill>
+              </a14:hiddenFill>
+            </a:ext>
+          </a:extLst>
+        </p:spPr>
+      </p:pic>
       <p:sp>
         <p:nvSpPr>
-          <p:cNvPr id="3" name="Espaço Reservado para Conteúdo 2">
+          <p:cNvPr id="7" name="Espaço Reservado para Conteúdo 2">
             <a:extLst>
               <a:ext uri="{FF2B5EF4-FFF2-40B4-BE49-F238E27FC236}">
-                <a16:creationId xmlns="" xmlns:a16="http://schemas.microsoft.com/office/drawing/2014/main" id="{F22F88A5-87D1-340F-853F-8C2ED8F8C877}"/>
+                <a16:creationId xmlns:a16="http://schemas.microsoft.com/office/drawing/2014/main" xmlns="" id="{62A55622-8E11-E5D7-8EAF-7AE2CCAA3321}"/>
               </a:ext>
             </a:extLst>
           </p:cNvPr>
@@ -10681,12 +10872,103 @@
             <p:ph idx="1"/>
           </p:nvPr>
         </p:nvSpPr>
-        <p:spPr/>
+        <p:spPr>
+          <a:xfrm>
+            <a:off x="6084915" y="1825624"/>
+            <a:ext cx="5885411" cy="5032375"/>
+          </a:xfrm>
+        </p:spPr>
         <p:txBody>
-          <a:bodyPr/>
+          <a:bodyPr>
+            <a:normAutofit lnSpcReduction="10000"/>
+          </a:bodyPr>
           <a:lstStyle/>
           <a:p>
-            <a:endParaRPr lang="pt-BR"/>
+            <a:r>
+              <a:rPr lang="pt-BR" altLang="pt-BR" dirty="0"/>
+              <a:t>O que </a:t>
+            </a:r>
+            <a:r>
+              <a:rPr lang="pt-BR" altLang="pt-BR" dirty="0" smtClean="0"/>
+              <a:t>a ficção prometeu </a:t>
+            </a:r>
+            <a:r>
+              <a:rPr lang="pt-BR" altLang="pt-BR" dirty="0"/>
+              <a:t>vs. </a:t>
+            </a:r>
+            <a:r>
+              <a:rPr lang="pt-BR" altLang="pt-BR" dirty="0"/>
+              <a:t>o</a:t>
+            </a:r>
+            <a:r>
+              <a:rPr lang="pt-BR" altLang="pt-BR" smtClean="0"/>
+              <a:t> </a:t>
+            </a:r>
+            <a:r>
+              <a:rPr lang="pt-BR" altLang="pt-BR" dirty="0" smtClean="0"/>
+              <a:t>que </a:t>
+            </a:r>
+            <a:r>
+              <a:rPr lang="pt-BR" altLang="pt-BR" dirty="0"/>
+              <a:t>temos hoje</a:t>
+            </a:r>
+            <a:r>
+              <a:rPr lang="pt-BR" altLang="pt-BR" dirty="0" smtClean="0"/>
+              <a:t>.</a:t>
+            </a:r>
+          </a:p>
+          <a:p>
+            <a:r>
+              <a:rPr lang="pt-BR" dirty="0" smtClean="0"/>
+              <a:t>A </a:t>
+            </a:r>
+            <a:r>
+              <a:rPr lang="pt-BR" dirty="0"/>
+              <a:t>revolução das máquinas parou na dificuldade de subir degraus</a:t>
+            </a:r>
+            <a:r>
+              <a:rPr lang="pt-BR" dirty="0" smtClean="0"/>
+              <a:t>.</a:t>
+            </a:r>
+          </a:p>
+          <a:p>
+            <a:r>
+              <a:rPr lang="pt-BR" dirty="0" smtClean="0"/>
+              <a:t>Processar </a:t>
+            </a:r>
+            <a:r>
+              <a:rPr lang="pt-BR" dirty="0"/>
+              <a:t>dados (o "cérebro" da IA) evoluiu muito mais rápido do que a interação física com o mundo (o "corpo" da IA / Robótica</a:t>
+            </a:r>
+            <a:r>
+              <a:rPr lang="pt-BR" dirty="0" smtClean="0"/>
+              <a:t>).</a:t>
+            </a:r>
+          </a:p>
+          <a:p>
+            <a:r>
+              <a:rPr lang="pt-BR" b="1" dirty="0"/>
+              <a:t>O que é difícil para </a:t>
+            </a:r>
+            <a:r>
+              <a:rPr lang="pt-BR" b="1" dirty="0" smtClean="0"/>
+              <a:t>humanos (e.g., cálculos complexos) </a:t>
+            </a:r>
+            <a:r>
+              <a:rPr lang="pt-BR" b="1" dirty="0"/>
+              <a:t>é fácil para a </a:t>
+            </a:r>
+            <a:r>
+              <a:rPr lang="pt-BR" b="1" dirty="0" smtClean="0"/>
+              <a:t>IA e vice versa (e.g., andar, reconhecer rostos).</a:t>
+            </a:r>
+            <a:endParaRPr lang="pt-BR" dirty="0" smtClean="0"/>
+          </a:p>
+          <a:p>
+            <a:endParaRPr lang="pt-BR" altLang="pt-BR" dirty="0"/>
+          </a:p>
+          <a:p>
+            <a:endParaRPr lang="pt-BR" dirty="0"/>
           </a:p>
         </p:txBody>
       </p:sp>
@@ -10700,6 +10982,13 @@
   <p:clrMapOvr>
     <a:masterClrMapping/>
   </p:clrMapOvr>
+  <p:timing>
+    <p:tnLst>
+      <p:par>
+        <p:cTn id="1" dur="indefinite" restart="never" nodeType="tmRoot"/>
+      </p:par>
+    </p:tnLst>
+  </p:timing>
 </p:sld>
 </file>
 
@@ -10711,7 +11000,7 @@
         <p:cNvPr id="1" name="">
           <a:extLst>
             <a:ext uri="{FF2B5EF4-FFF2-40B4-BE49-F238E27FC236}">
-              <a16:creationId xmlns="" xmlns:a16="http://schemas.microsoft.com/office/drawing/2014/main" id="{B28A9759-CA4F-DA4F-85C2-F6E51DCED2D9}"/>
+              <a16:creationId xmlns:a16="http://schemas.microsoft.com/office/drawing/2014/main" xmlns="" id="{B28A9759-CA4F-DA4F-85C2-F6E51DCED2D9}"/>
             </a:ext>
           </a:extLst>
         </p:cNvPr>
@@ -10731,7 +11020,7 @@
           <p:cNvPr id="2" name="Título 1">
             <a:extLst>
               <a:ext uri="{FF2B5EF4-FFF2-40B4-BE49-F238E27FC236}">
-                <a16:creationId xmlns="" xmlns:a16="http://schemas.microsoft.com/office/drawing/2014/main" id="{072F732D-34CE-6153-324F-D7F6821577F0}"/>
+                <a16:creationId xmlns:a16="http://schemas.microsoft.com/office/drawing/2014/main" xmlns="" id="{072F732D-34CE-6153-324F-D7F6821577F0}"/>
               </a:ext>
             </a:extLst>
           </p:cNvPr>
@@ -10759,7 +11048,7 @@
           <p:cNvPr id="3" name="Espaço Reservado para Conteúdo 2">
             <a:extLst>
               <a:ext uri="{FF2B5EF4-FFF2-40B4-BE49-F238E27FC236}">
-                <a16:creationId xmlns="" xmlns:a16="http://schemas.microsoft.com/office/drawing/2014/main" id="{62A55622-8E11-E5D7-8EAF-7AE2CCAA3321}"/>
+                <a16:creationId xmlns:a16="http://schemas.microsoft.com/office/drawing/2014/main" xmlns="" id="{62A55622-8E11-E5D7-8EAF-7AE2CCAA3321}"/>
               </a:ext>
             </a:extLst>
           </p:cNvPr>
@@ -10775,7 +11064,15 @@
           <a:bodyPr/>
           <a:lstStyle/>
           <a:p>
-            <a:endParaRPr lang="pt-BR"/>
+            <a:r>
+              <a:rPr lang="pt-BR" altLang="pt-BR" dirty="0">
+                <a:latin typeface="Arial" panose="020B0604020202020204" pitchFamily="34" charset="0"/>
+              </a:rPr>
+              <a:t>O que o cinema prometeu vs. O que temos hoje.</a:t>
+            </a:r>
+          </a:p>
+          <a:p>
+            <a:endParaRPr lang="pt-BR" dirty="0"/>
           </a:p>
         </p:txBody>
       </p:sp>
@@ -10789,6 +11086,13 @@
   <p:clrMapOvr>
     <a:masterClrMapping/>
   </p:clrMapOvr>
+  <p:timing>
+    <p:tnLst>
+      <p:par>
+        <p:cTn id="1" dur="indefinite" restart="never" nodeType="tmRoot"/>
+      </p:par>
+    </p:tnLst>
+  </p:timing>
 </p:sld>
 </file>
 
@@ -10814,7 +11118,7 @@
           <p:cNvPr id="2" name="Título 1">
             <a:extLst>
               <a:ext uri="{FF2B5EF4-FFF2-40B4-BE49-F238E27FC236}">
-                <a16:creationId xmlns="" xmlns:a16="http://schemas.microsoft.com/office/drawing/2014/main" id="{B9E502FC-4440-F5DA-F299-69CD15E702AE}"/>
+                <a16:creationId xmlns:a16="http://schemas.microsoft.com/office/drawing/2014/main" xmlns="" id="{B9E502FC-4440-F5DA-F299-69CD15E702AE}"/>
               </a:ext>
             </a:extLst>
           </p:cNvPr>
@@ -10842,7 +11146,7 @@
           <p:cNvPr id="3" name="Espaço Reservado para Conteúdo 2">
             <a:extLst>
               <a:ext uri="{FF2B5EF4-FFF2-40B4-BE49-F238E27FC236}">
-                <a16:creationId xmlns="" xmlns:a16="http://schemas.microsoft.com/office/drawing/2014/main" id="{69359096-6B47-BEA3-55AD-95F90CDC8489}"/>
+                <a16:creationId xmlns:a16="http://schemas.microsoft.com/office/drawing/2014/main" xmlns="" id="{69359096-6B47-BEA3-55AD-95F90CDC8489}"/>
               </a:ext>
             </a:extLst>
           </p:cNvPr>
@@ -10872,6 +11176,13 @@
   <p:clrMapOvr>
     <a:masterClrMapping/>
   </p:clrMapOvr>
+  <p:timing>
+    <p:tnLst>
+      <p:par>
+        <p:cTn id="1" dur="indefinite" restart="never" nodeType="tmRoot"/>
+      </p:par>
+    </p:tnLst>
+  </p:timing>
 </p:sld>
 </file>
 

--- a/slides/C24_Introdução.pptx
+++ b/slides/C24_Introdução.pptx
@@ -5,10 +5,10 @@
     <p:sldMasterId id="2147483648" r:id="rId1"/>
   </p:sldMasterIdLst>
   <p:notesMasterIdLst>
-    <p:notesMasterId r:id="rId15"/>
+    <p:notesMasterId r:id="rId19"/>
   </p:notesMasterIdLst>
   <p:handoutMasterIdLst>
-    <p:handoutMasterId r:id="rId16"/>
+    <p:handoutMasterId r:id="rId20"/>
   </p:handoutMasterIdLst>
   <p:sldIdLst>
     <p:sldId id="256" r:id="rId2"/>
@@ -16,14 +16,18 @@
     <p:sldId id="316" r:id="rId4"/>
     <p:sldId id="315" r:id="rId5"/>
     <p:sldId id="308" r:id="rId6"/>
-    <p:sldId id="309" r:id="rId7"/>
-    <p:sldId id="310" r:id="rId8"/>
-    <p:sldId id="311" r:id="rId9"/>
-    <p:sldId id="312" r:id="rId10"/>
-    <p:sldId id="313" r:id="rId11"/>
-    <p:sldId id="293" r:id="rId12"/>
-    <p:sldId id="314" r:id="rId13"/>
-    <p:sldId id="306" r:id="rId14"/>
+    <p:sldId id="318" r:id="rId7"/>
+    <p:sldId id="309" r:id="rId8"/>
+    <p:sldId id="310" r:id="rId9"/>
+    <p:sldId id="317" r:id="rId10"/>
+    <p:sldId id="311" r:id="rId11"/>
+    <p:sldId id="319" r:id="rId12"/>
+    <p:sldId id="320" r:id="rId13"/>
+    <p:sldId id="312" r:id="rId14"/>
+    <p:sldId id="313" r:id="rId15"/>
+    <p:sldId id="293" r:id="rId16"/>
+    <p:sldId id="314" r:id="rId17"/>
+    <p:sldId id="306" r:id="rId18"/>
   </p:sldIdLst>
   <p:sldSz cx="12192000" cy="6858000"/>
   <p:notesSz cx="7315200" cy="9601200"/>
@@ -964,8 +968,22 @@
             </a:r>
             <a:r>
               <a:rPr lang="pt-BR" dirty="0" smtClean="0"/>
-              <a:t> Andar, reconhecer um rosto na multidão, manter o equilíbrio em terreno irregular ou ter percepção sensorial básica.</a:t>
-            </a:r>
+              <a:t> Andar, reconhecer um rosto na multidão, manter o equilíbrio em terreno irregular ou ter percepção sensorial básica</a:t>
+            </a:r>
+            <a:r>
+              <a:rPr lang="pt-BR" dirty="0" smtClean="0"/>
+              <a:t>.</a:t>
+            </a:r>
+          </a:p>
+          <a:p>
+            <a:endParaRPr lang="pt-BR" dirty="0" smtClean="0"/>
+          </a:p>
+          <a:p>
+            <a:r>
+              <a:rPr lang="pt-BR" dirty="0" smtClean="0"/>
+              <a:t>Processar dados (o "cérebro" da IA) evoluiu muito mais rápido do que a interação física com o mundo (o "corpo" da IA / Robótica).</a:t>
+            </a:r>
+            <a:endParaRPr lang="pt-BR" dirty="0" smtClean="0"/>
           </a:p>
           <a:p>
             <a:endParaRPr lang="pt-BR" dirty="0"/>
@@ -989,7 +1007,7 @@
           <a:p>
             <a:fld id="{6FC8D850-966F-45A6-8DE7-15B891E7D40D}" type="slidenum">
               <a:rPr lang="pt-BR" smtClean="0"/>
-              <a:t>7</a:t>
+              <a:t>8</a:t>
             </a:fld>
             <a:endParaRPr lang="pt-BR"/>
           </a:p>
@@ -999,6 +1017,457 @@
     <p:extLst>
       <p:ext uri="{BB962C8B-B14F-4D97-AF65-F5344CB8AC3E}">
         <p14:creationId xmlns:p14="http://schemas.microsoft.com/office/powerpoint/2010/main" val="3475882982"/>
+      </p:ext>
+    </p:extLst>
+  </p:cSld>
+  <p:clrMapOvr>
+    <a:masterClrMapping/>
+  </p:clrMapOvr>
+</p:notes>
+</file>
+
+<file path=ppt/notesSlides/notesSlide4.xml><?xml version="1.0" encoding="utf-8"?>
+<p:notes xmlns:a="http://schemas.openxmlformats.org/drawingml/2006/main" xmlns:r="http://schemas.openxmlformats.org/officeDocument/2006/relationships" xmlns:p="http://schemas.openxmlformats.org/presentationml/2006/main">
+  <p:cSld>
+    <p:spTree>
+      <p:nvGrpSpPr>
+        <p:cNvPr id="1" name=""/>
+        <p:cNvGrpSpPr/>
+        <p:nvPr/>
+      </p:nvGrpSpPr>
+      <p:grpSpPr>
+        <a:xfrm>
+          <a:off x="0" y="0"/>
+          <a:ext cx="0" cy="0"/>
+          <a:chOff x="0" y="0"/>
+          <a:chExt cx="0" cy="0"/>
+        </a:xfrm>
+      </p:grpSpPr>
+      <p:sp>
+        <p:nvSpPr>
+          <p:cNvPr id="2" name="Espaço Reservado para Imagem de Slide 1"/>
+          <p:cNvSpPr>
+            <a:spLocks noGrp="1" noRot="1" noChangeAspect="1"/>
+          </p:cNvSpPr>
+          <p:nvPr>
+            <p:ph type="sldImg"/>
+          </p:nvPr>
+        </p:nvSpPr>
+        <p:spPr/>
+      </p:sp>
+      <p:sp>
+        <p:nvSpPr>
+          <p:cNvPr id="3" name="Espaço Reservado para Anotações 2"/>
+          <p:cNvSpPr>
+            <a:spLocks noGrp="1"/>
+          </p:cNvSpPr>
+          <p:nvPr>
+            <p:ph type="body" idx="1"/>
+          </p:nvPr>
+        </p:nvSpPr>
+        <p:spPr/>
+        <p:txBody>
+          <a:bodyPr/>
+          <a:lstStyle/>
+          <a:p>
+            <a:endParaRPr lang="pt-BR" dirty="0"/>
+          </a:p>
+        </p:txBody>
+      </p:sp>
+      <p:sp>
+        <p:nvSpPr>
+          <p:cNvPr id="4" name="Espaço Reservado para Número de Slide 3"/>
+          <p:cNvSpPr>
+            <a:spLocks noGrp="1"/>
+          </p:cNvSpPr>
+          <p:nvPr>
+            <p:ph type="sldNum" sz="quarter" idx="10"/>
+          </p:nvPr>
+        </p:nvSpPr>
+        <p:spPr/>
+        <p:txBody>
+          <a:bodyPr/>
+          <a:lstStyle/>
+          <a:p>
+            <a:fld id="{6FC8D850-966F-45A6-8DE7-15B891E7D40D}" type="slidenum">
+              <a:rPr lang="pt-BR" smtClean="0"/>
+              <a:t>9</a:t>
+            </a:fld>
+            <a:endParaRPr lang="pt-BR"/>
+          </a:p>
+        </p:txBody>
+      </p:sp>
+    </p:spTree>
+    <p:extLst>
+      <p:ext uri="{BB962C8B-B14F-4D97-AF65-F5344CB8AC3E}">
+        <p14:creationId xmlns:p14="http://schemas.microsoft.com/office/powerpoint/2010/main" val="1631380057"/>
+      </p:ext>
+    </p:extLst>
+  </p:cSld>
+  <p:clrMapOvr>
+    <a:masterClrMapping/>
+  </p:clrMapOvr>
+</p:notes>
+</file>
+
+<file path=ppt/notesSlides/notesSlide5.xml><?xml version="1.0" encoding="utf-8"?>
+<p:notes xmlns:a="http://schemas.openxmlformats.org/drawingml/2006/main" xmlns:r="http://schemas.openxmlformats.org/officeDocument/2006/relationships" xmlns:p="http://schemas.openxmlformats.org/presentationml/2006/main">
+  <p:cSld>
+    <p:spTree>
+      <p:nvGrpSpPr>
+        <p:cNvPr id="1" name=""/>
+        <p:cNvGrpSpPr/>
+        <p:nvPr/>
+      </p:nvGrpSpPr>
+      <p:grpSpPr>
+        <a:xfrm>
+          <a:off x="0" y="0"/>
+          <a:ext cx="0" cy="0"/>
+          <a:chOff x="0" y="0"/>
+          <a:chExt cx="0" cy="0"/>
+        </a:xfrm>
+      </p:grpSpPr>
+      <p:sp>
+        <p:nvSpPr>
+          <p:cNvPr id="2" name="Espaço Reservado para Imagem de Slide 1"/>
+          <p:cNvSpPr>
+            <a:spLocks noGrp="1" noRot="1" noChangeAspect="1"/>
+          </p:cNvSpPr>
+          <p:nvPr>
+            <p:ph type="sldImg"/>
+          </p:nvPr>
+        </p:nvSpPr>
+        <p:spPr/>
+      </p:sp>
+      <p:sp>
+        <p:nvSpPr>
+          <p:cNvPr id="3" name="Espaço Reservado para Anotações 2"/>
+          <p:cNvSpPr>
+            <a:spLocks noGrp="1"/>
+          </p:cNvSpPr>
+          <p:nvPr>
+            <p:ph type="body" idx="1"/>
+          </p:nvPr>
+        </p:nvSpPr>
+        <p:spPr/>
+        <p:txBody>
+          <a:bodyPr/>
+          <a:lstStyle/>
+          <a:p>
+            <a:r>
+              <a:rPr lang="pt-BR" sz="1200" b="1" i="0" kern="1200" dirty="0" smtClean="0">
+                <a:solidFill>
+                  <a:schemeClr val="tx1"/>
+                </a:solidFill>
+                <a:effectLst/>
+                <a:latin typeface="+mn-lt"/>
+                <a:ea typeface="+mn-ea"/>
+                <a:cs typeface="+mn-cs"/>
+              </a:rPr>
+              <a:t>Definição formal</a:t>
+            </a:r>
+            <a:r>
+              <a:rPr lang="pt-BR" sz="1200" b="0" i="0" kern="1200" dirty="0" smtClean="0">
+                <a:solidFill>
+                  <a:schemeClr val="tx1"/>
+                </a:solidFill>
+                <a:effectLst/>
+                <a:latin typeface="+mn-lt"/>
+                <a:ea typeface="+mn-ea"/>
+                <a:cs typeface="+mn-cs"/>
+              </a:rPr>
+              <a:t>: Capacidade de uma</a:t>
+            </a:r>
+            <a:r>
+              <a:rPr lang="pt-BR" sz="1200" b="0" i="0" kern="1200" baseline="0" dirty="0" smtClean="0">
+                <a:solidFill>
+                  <a:schemeClr val="tx1"/>
+                </a:solidFill>
+                <a:effectLst/>
+                <a:latin typeface="+mn-lt"/>
+                <a:ea typeface="+mn-ea"/>
+                <a:cs typeface="+mn-cs"/>
+              </a:rPr>
+              <a:t> </a:t>
+            </a:r>
+            <a:r>
+              <a:rPr lang="pt-BR" sz="1200" b="0" i="0" kern="1200" dirty="0" smtClean="0">
+                <a:solidFill>
+                  <a:schemeClr val="tx1"/>
+                </a:solidFill>
+                <a:effectLst/>
+                <a:latin typeface="+mn-lt"/>
+                <a:ea typeface="+mn-ea"/>
+                <a:cs typeface="+mn-cs"/>
+              </a:rPr>
+              <a:t>máquina de </a:t>
+            </a:r>
+            <a:r>
+              <a:rPr lang="pt-BR" sz="1200" b="1" i="1" kern="1200" dirty="0" smtClean="0">
+                <a:solidFill>
+                  <a:schemeClr val="tx1"/>
+                </a:solidFill>
+                <a:effectLst/>
+                <a:latin typeface="+mn-lt"/>
+                <a:ea typeface="+mn-ea"/>
+                <a:cs typeface="+mn-cs"/>
+              </a:rPr>
+              <a:t>receber estímulos </a:t>
+            </a:r>
+            <a:r>
+              <a:rPr lang="pt-BR" sz="1200" b="0" i="0" kern="1200" dirty="0" smtClean="0">
+                <a:solidFill>
+                  <a:schemeClr val="tx1"/>
+                </a:solidFill>
+                <a:effectLst/>
+                <a:latin typeface="+mn-lt"/>
+                <a:ea typeface="+mn-ea"/>
+                <a:cs typeface="+mn-cs"/>
+              </a:rPr>
+              <a:t>vindos do</a:t>
+            </a:r>
+            <a:r>
+              <a:rPr lang="pt-BR" sz="1200" b="0" i="0" kern="1200" baseline="0" dirty="0" smtClean="0">
+                <a:solidFill>
+                  <a:schemeClr val="tx1"/>
+                </a:solidFill>
+                <a:effectLst/>
+                <a:latin typeface="+mn-lt"/>
+                <a:ea typeface="+mn-ea"/>
+                <a:cs typeface="+mn-cs"/>
+              </a:rPr>
+              <a:t> </a:t>
+            </a:r>
+            <a:r>
+              <a:rPr lang="pt-BR" sz="1200" b="0" i="0" kern="1200" dirty="0" smtClean="0">
+                <a:solidFill>
+                  <a:schemeClr val="tx1"/>
+                </a:solidFill>
+                <a:effectLst/>
+                <a:latin typeface="+mn-lt"/>
+                <a:ea typeface="+mn-ea"/>
+                <a:cs typeface="+mn-cs"/>
+              </a:rPr>
+              <a:t>ambiente, </a:t>
+            </a:r>
+            <a:r>
+              <a:rPr lang="pt-BR" sz="1200" b="1" i="1" kern="1200" dirty="0" smtClean="0">
+                <a:solidFill>
+                  <a:schemeClr val="tx1"/>
+                </a:solidFill>
+                <a:effectLst/>
+                <a:latin typeface="+mn-lt"/>
+                <a:ea typeface="+mn-ea"/>
+                <a:cs typeface="+mn-cs"/>
+              </a:rPr>
+              <a:t>interpretá-los</a:t>
+            </a:r>
+            <a:r>
+              <a:rPr lang="pt-BR" sz="1200" b="0" i="0" kern="1200" dirty="0" smtClean="0">
+                <a:solidFill>
+                  <a:schemeClr val="tx1"/>
+                </a:solidFill>
+                <a:effectLst/>
+                <a:latin typeface="+mn-lt"/>
+                <a:ea typeface="+mn-ea"/>
+                <a:cs typeface="+mn-cs"/>
+              </a:rPr>
+              <a:t>, </a:t>
+            </a:r>
+            <a:r>
+              <a:rPr lang="pt-BR" sz="1200" b="1" i="1" kern="1200" dirty="0" smtClean="0">
+                <a:solidFill>
+                  <a:schemeClr val="tx1"/>
+                </a:solidFill>
+                <a:effectLst/>
+                <a:latin typeface="+mn-lt"/>
+                <a:ea typeface="+mn-ea"/>
+                <a:cs typeface="+mn-cs"/>
+              </a:rPr>
+              <a:t>aprender </a:t>
+            </a:r>
+            <a:r>
+              <a:rPr lang="pt-BR" sz="1200" b="0" i="0" kern="1200" dirty="0" smtClean="0">
+                <a:solidFill>
+                  <a:schemeClr val="tx1"/>
+                </a:solidFill>
+                <a:effectLst/>
+                <a:latin typeface="+mn-lt"/>
+                <a:ea typeface="+mn-ea"/>
+                <a:cs typeface="+mn-cs"/>
+              </a:rPr>
+              <a:t>com</a:t>
+            </a:r>
+            <a:r>
+              <a:rPr lang="pt-BR" sz="1200" b="0" i="0" kern="1200" baseline="0" dirty="0" smtClean="0">
+                <a:solidFill>
+                  <a:schemeClr val="tx1"/>
+                </a:solidFill>
+                <a:effectLst/>
+                <a:latin typeface="+mn-lt"/>
+                <a:ea typeface="+mn-ea"/>
+                <a:cs typeface="+mn-cs"/>
+              </a:rPr>
+              <a:t> </a:t>
+            </a:r>
+            <a:r>
+              <a:rPr lang="pt-BR" sz="1200" b="0" i="0" kern="1200" dirty="0" smtClean="0">
+                <a:solidFill>
+                  <a:schemeClr val="tx1"/>
+                </a:solidFill>
+                <a:effectLst/>
+                <a:latin typeface="+mn-lt"/>
+                <a:ea typeface="+mn-ea"/>
+                <a:cs typeface="+mn-cs"/>
+              </a:rPr>
+              <a:t>eles e usar o </a:t>
+            </a:r>
+            <a:r>
+              <a:rPr lang="pt-BR" sz="1200" b="1" i="1" kern="1200" dirty="0" smtClean="0">
+                <a:solidFill>
+                  <a:schemeClr val="tx1"/>
+                </a:solidFill>
+                <a:effectLst/>
+                <a:latin typeface="+mn-lt"/>
+                <a:ea typeface="+mn-ea"/>
+                <a:cs typeface="+mn-cs"/>
+              </a:rPr>
+              <a:t>conhecimento adquirido</a:t>
+            </a:r>
+            <a:r>
+              <a:rPr lang="pt-BR" sz="1200" b="1" i="1" kern="1200" baseline="0" dirty="0" smtClean="0">
+                <a:solidFill>
+                  <a:schemeClr val="tx1"/>
+                </a:solidFill>
+                <a:effectLst/>
+                <a:latin typeface="+mn-lt"/>
+                <a:ea typeface="+mn-ea"/>
+                <a:cs typeface="+mn-cs"/>
+              </a:rPr>
+              <a:t> </a:t>
+            </a:r>
+            <a:r>
+              <a:rPr lang="pt-BR" sz="1200" b="0" i="0" kern="1200" dirty="0" smtClean="0">
+                <a:solidFill>
+                  <a:schemeClr val="tx1"/>
+                </a:solidFill>
+                <a:effectLst/>
+                <a:latin typeface="+mn-lt"/>
+                <a:ea typeface="+mn-ea"/>
+                <a:cs typeface="+mn-cs"/>
+              </a:rPr>
+              <a:t>para </a:t>
+            </a:r>
+            <a:r>
+              <a:rPr lang="pt-BR" sz="1200" b="1" i="1" kern="1200" dirty="0" smtClean="0">
+                <a:solidFill>
+                  <a:schemeClr val="tx1"/>
+                </a:solidFill>
+                <a:effectLst/>
+                <a:latin typeface="+mn-lt"/>
+                <a:ea typeface="+mn-ea"/>
+                <a:cs typeface="+mn-cs"/>
+              </a:rPr>
+              <a:t>tomar decisões e resolver</a:t>
+            </a:r>
+            <a:r>
+              <a:rPr lang="pt-BR" sz="1200" b="1" i="1" kern="1200" baseline="0" dirty="0" smtClean="0">
+                <a:solidFill>
+                  <a:schemeClr val="tx1"/>
+                </a:solidFill>
+                <a:effectLst/>
+                <a:latin typeface="+mn-lt"/>
+                <a:ea typeface="+mn-ea"/>
+                <a:cs typeface="+mn-cs"/>
+              </a:rPr>
+              <a:t> </a:t>
+            </a:r>
+            <a:r>
+              <a:rPr lang="pt-BR" sz="1200" b="1" i="1" kern="1200" dirty="0" smtClean="0">
+                <a:solidFill>
+                  <a:schemeClr val="tx1"/>
+                </a:solidFill>
+                <a:effectLst/>
+                <a:latin typeface="+mn-lt"/>
+                <a:ea typeface="+mn-ea"/>
+                <a:cs typeface="+mn-cs"/>
+              </a:rPr>
+              <a:t>problemas</a:t>
+            </a:r>
+            <a:r>
+              <a:rPr lang="pt-BR" sz="1200" b="0" i="0" kern="1200" dirty="0" smtClean="0">
+                <a:solidFill>
+                  <a:schemeClr val="tx1"/>
+                </a:solidFill>
+                <a:effectLst/>
+                <a:latin typeface="+mn-lt"/>
+                <a:ea typeface="+mn-ea"/>
+                <a:cs typeface="+mn-cs"/>
+              </a:rPr>
+              <a:t>, </a:t>
+            </a:r>
+            <a:r>
+              <a:rPr lang="pt-BR" sz="1200" b="1" i="1" kern="1200" dirty="0" smtClean="0">
+                <a:solidFill>
+                  <a:schemeClr val="tx1"/>
+                </a:solidFill>
+                <a:effectLst/>
+                <a:latin typeface="+mn-lt"/>
+                <a:ea typeface="+mn-ea"/>
+                <a:cs typeface="+mn-cs"/>
+              </a:rPr>
+              <a:t>interagindo </a:t>
+            </a:r>
+            <a:r>
+              <a:rPr lang="pt-BR" sz="1200" b="0" i="0" kern="1200" dirty="0" smtClean="0">
+                <a:solidFill>
+                  <a:schemeClr val="tx1"/>
+                </a:solidFill>
+                <a:effectLst/>
+                <a:latin typeface="+mn-lt"/>
+                <a:ea typeface="+mn-ea"/>
+                <a:cs typeface="+mn-cs"/>
+              </a:rPr>
+              <a:t>com o ambiente</a:t>
+            </a:r>
+            <a:r>
+              <a:rPr lang="pt-BR" dirty="0" smtClean="0"/>
+              <a:t> </a:t>
+            </a:r>
+            <a:br>
+              <a:rPr lang="pt-BR" dirty="0" smtClean="0"/>
+            </a:br>
+            <a:endParaRPr lang="pt-BR" dirty="0"/>
+          </a:p>
+        </p:txBody>
+      </p:sp>
+      <p:sp>
+        <p:nvSpPr>
+          <p:cNvPr id="4" name="Espaço Reservado para Número de Slide 3"/>
+          <p:cNvSpPr>
+            <a:spLocks noGrp="1"/>
+          </p:cNvSpPr>
+          <p:nvPr>
+            <p:ph type="sldNum" sz="quarter" idx="10"/>
+          </p:nvPr>
+        </p:nvSpPr>
+        <p:spPr/>
+        <p:txBody>
+          <a:bodyPr/>
+          <a:lstStyle/>
+          <a:p>
+            <a:fld id="{6FC8D850-966F-45A6-8DE7-15B891E7D40D}" type="slidenum">
+              <a:rPr lang="pt-BR" smtClean="0"/>
+              <a:t>10</a:t>
+            </a:fld>
+            <a:endParaRPr lang="pt-BR"/>
+          </a:p>
+        </p:txBody>
+      </p:sp>
+    </p:spTree>
+    <p:extLst>
+      <p:ext uri="{BB962C8B-B14F-4D97-AF65-F5344CB8AC3E}">
+        <p14:creationId xmlns:p14="http://schemas.microsoft.com/office/powerpoint/2010/main" val="2507818224"/>
       </p:ext>
     </p:extLst>
   </p:cSld>
@@ -1030,7 +1499,7 @@
           <p:cNvPr id="2" name="Título 1">
             <a:extLst>
               <a:ext uri="{FF2B5EF4-FFF2-40B4-BE49-F238E27FC236}">
-                <a16:creationId xmlns:a16="http://schemas.microsoft.com/office/drawing/2014/main" xmlns="" id="{1DB9B4FF-B06E-403C-A326-BDC64D8FF94E}"/>
+                <a16:creationId xmlns="" xmlns:a16="http://schemas.microsoft.com/office/drawing/2014/main" id="{1DB9B4FF-B06E-403C-A326-BDC64D8FF94E}"/>
               </a:ext>
             </a:extLst>
           </p:cNvPr>
@@ -1067,7 +1536,7 @@
           <p:cNvPr id="3" name="Subtítulo 2">
             <a:extLst>
               <a:ext uri="{FF2B5EF4-FFF2-40B4-BE49-F238E27FC236}">
-                <a16:creationId xmlns:a16="http://schemas.microsoft.com/office/drawing/2014/main" xmlns="" id="{247BDFCE-746E-45BF-A319-4733D58D1632}"/>
+                <a16:creationId xmlns="" xmlns:a16="http://schemas.microsoft.com/office/drawing/2014/main" id="{247BDFCE-746E-45BF-A319-4733D58D1632}"/>
               </a:ext>
             </a:extLst>
           </p:cNvPr>
@@ -1137,7 +1606,7 @@
           <p:cNvPr id="4" name="Espaço Reservado para Data 3">
             <a:extLst>
               <a:ext uri="{FF2B5EF4-FFF2-40B4-BE49-F238E27FC236}">
-                <a16:creationId xmlns:a16="http://schemas.microsoft.com/office/drawing/2014/main" xmlns="" id="{9EDE2778-5372-4104-B96D-968184DA8288}"/>
+                <a16:creationId xmlns="" xmlns:a16="http://schemas.microsoft.com/office/drawing/2014/main" id="{9EDE2778-5372-4104-B96D-968184DA8288}"/>
               </a:ext>
             </a:extLst>
           </p:cNvPr>
@@ -1166,7 +1635,7 @@
           <p:cNvPr id="5" name="Espaço Reservado para Rodapé 4">
             <a:extLst>
               <a:ext uri="{FF2B5EF4-FFF2-40B4-BE49-F238E27FC236}">
-                <a16:creationId xmlns:a16="http://schemas.microsoft.com/office/drawing/2014/main" xmlns="" id="{C1DD0F41-C861-4051-988D-3024A37A4B93}"/>
+                <a16:creationId xmlns="" xmlns:a16="http://schemas.microsoft.com/office/drawing/2014/main" id="{C1DD0F41-C861-4051-988D-3024A37A4B93}"/>
               </a:ext>
             </a:extLst>
           </p:cNvPr>
@@ -1191,7 +1660,7 @@
           <p:cNvPr id="6" name="Espaço Reservado para Número de Slide 5">
             <a:extLst>
               <a:ext uri="{FF2B5EF4-FFF2-40B4-BE49-F238E27FC236}">
-                <a16:creationId xmlns:a16="http://schemas.microsoft.com/office/drawing/2014/main" xmlns="" id="{07E5967E-D980-431A-A5DB-3F0C5030A81E}"/>
+                <a16:creationId xmlns="" xmlns:a16="http://schemas.microsoft.com/office/drawing/2014/main" id="{07E5967E-D980-431A-A5DB-3F0C5030A81E}"/>
               </a:ext>
             </a:extLst>
           </p:cNvPr>
@@ -1250,7 +1719,7 @@
           <p:cNvPr id="2" name="Título 1">
             <a:extLst>
               <a:ext uri="{FF2B5EF4-FFF2-40B4-BE49-F238E27FC236}">
-                <a16:creationId xmlns:a16="http://schemas.microsoft.com/office/drawing/2014/main" xmlns="" id="{9036C49F-3E68-4175-81BA-3C3FEE44308A}"/>
+                <a16:creationId xmlns="" xmlns:a16="http://schemas.microsoft.com/office/drawing/2014/main" id="{9036C49F-3E68-4175-81BA-3C3FEE44308A}"/>
               </a:ext>
             </a:extLst>
           </p:cNvPr>
@@ -1278,7 +1747,7 @@
           <p:cNvPr id="3" name="Espaço Reservado para Texto Vertical 2">
             <a:extLst>
               <a:ext uri="{FF2B5EF4-FFF2-40B4-BE49-F238E27FC236}">
-                <a16:creationId xmlns:a16="http://schemas.microsoft.com/office/drawing/2014/main" xmlns="" id="{426FA736-3DD3-4D4E-B57B-BBE1D8F7D424}"/>
+                <a16:creationId xmlns="" xmlns:a16="http://schemas.microsoft.com/office/drawing/2014/main" id="{426FA736-3DD3-4D4E-B57B-BBE1D8F7D424}"/>
               </a:ext>
             </a:extLst>
           </p:cNvPr>
@@ -1335,7 +1804,7 @@
           <p:cNvPr id="4" name="Espaço Reservado para Data 3">
             <a:extLst>
               <a:ext uri="{FF2B5EF4-FFF2-40B4-BE49-F238E27FC236}">
-                <a16:creationId xmlns:a16="http://schemas.microsoft.com/office/drawing/2014/main" xmlns="" id="{99E8855C-D8FD-48F6-B14E-861E0DE4D915}"/>
+                <a16:creationId xmlns="" xmlns:a16="http://schemas.microsoft.com/office/drawing/2014/main" id="{99E8855C-D8FD-48F6-B14E-861E0DE4D915}"/>
               </a:ext>
             </a:extLst>
           </p:cNvPr>
@@ -1364,7 +1833,7 @@
           <p:cNvPr id="5" name="Espaço Reservado para Rodapé 4">
             <a:extLst>
               <a:ext uri="{FF2B5EF4-FFF2-40B4-BE49-F238E27FC236}">
-                <a16:creationId xmlns:a16="http://schemas.microsoft.com/office/drawing/2014/main" xmlns="" id="{97C0BB88-2F21-42A5-ACFF-83DA47F2D340}"/>
+                <a16:creationId xmlns="" xmlns:a16="http://schemas.microsoft.com/office/drawing/2014/main" id="{97C0BB88-2F21-42A5-ACFF-83DA47F2D340}"/>
               </a:ext>
             </a:extLst>
           </p:cNvPr>
@@ -1389,7 +1858,7 @@
           <p:cNvPr id="6" name="Espaço Reservado para Número de Slide 5">
             <a:extLst>
               <a:ext uri="{FF2B5EF4-FFF2-40B4-BE49-F238E27FC236}">
-                <a16:creationId xmlns:a16="http://schemas.microsoft.com/office/drawing/2014/main" xmlns="" id="{6CB462B3-1F22-4C05-B4B8-7A279FB7D5E9}"/>
+                <a16:creationId xmlns="" xmlns:a16="http://schemas.microsoft.com/office/drawing/2014/main" id="{6CB462B3-1F22-4C05-B4B8-7A279FB7D5E9}"/>
               </a:ext>
             </a:extLst>
           </p:cNvPr>
@@ -1448,7 +1917,7 @@
           <p:cNvPr id="2" name="Título Vertical 1">
             <a:extLst>
               <a:ext uri="{FF2B5EF4-FFF2-40B4-BE49-F238E27FC236}">
-                <a16:creationId xmlns:a16="http://schemas.microsoft.com/office/drawing/2014/main" xmlns="" id="{EAEAB728-701C-4207-A9D5-23FF45C60502}"/>
+                <a16:creationId xmlns="" xmlns:a16="http://schemas.microsoft.com/office/drawing/2014/main" id="{EAEAB728-701C-4207-A9D5-23FF45C60502}"/>
               </a:ext>
             </a:extLst>
           </p:cNvPr>
@@ -1481,7 +1950,7 @@
           <p:cNvPr id="3" name="Espaço Reservado para Texto Vertical 2">
             <a:extLst>
               <a:ext uri="{FF2B5EF4-FFF2-40B4-BE49-F238E27FC236}">
-                <a16:creationId xmlns:a16="http://schemas.microsoft.com/office/drawing/2014/main" xmlns="" id="{BA8C8CCF-7823-480A-9A19-0F664DD17E3B}"/>
+                <a16:creationId xmlns="" xmlns:a16="http://schemas.microsoft.com/office/drawing/2014/main" id="{BA8C8CCF-7823-480A-9A19-0F664DD17E3B}"/>
               </a:ext>
             </a:extLst>
           </p:cNvPr>
@@ -1543,7 +2012,7 @@
           <p:cNvPr id="4" name="Espaço Reservado para Data 3">
             <a:extLst>
               <a:ext uri="{FF2B5EF4-FFF2-40B4-BE49-F238E27FC236}">
-                <a16:creationId xmlns:a16="http://schemas.microsoft.com/office/drawing/2014/main" xmlns="" id="{721D5734-7B1F-425D-942F-6EB73344027C}"/>
+                <a16:creationId xmlns="" xmlns:a16="http://schemas.microsoft.com/office/drawing/2014/main" id="{721D5734-7B1F-425D-942F-6EB73344027C}"/>
               </a:ext>
             </a:extLst>
           </p:cNvPr>
@@ -1572,7 +2041,7 @@
           <p:cNvPr id="5" name="Espaço Reservado para Rodapé 4">
             <a:extLst>
               <a:ext uri="{FF2B5EF4-FFF2-40B4-BE49-F238E27FC236}">
-                <a16:creationId xmlns:a16="http://schemas.microsoft.com/office/drawing/2014/main" xmlns="" id="{1E1AAEAC-F08D-45FE-89EC-B1B349A868C9}"/>
+                <a16:creationId xmlns="" xmlns:a16="http://schemas.microsoft.com/office/drawing/2014/main" id="{1E1AAEAC-F08D-45FE-89EC-B1B349A868C9}"/>
               </a:ext>
             </a:extLst>
           </p:cNvPr>
@@ -1597,7 +2066,7 @@
           <p:cNvPr id="6" name="Espaço Reservado para Número de Slide 5">
             <a:extLst>
               <a:ext uri="{FF2B5EF4-FFF2-40B4-BE49-F238E27FC236}">
-                <a16:creationId xmlns:a16="http://schemas.microsoft.com/office/drawing/2014/main" xmlns="" id="{BAA44493-9911-47B2-87A6-C2141A972BC8}"/>
+                <a16:creationId xmlns="" xmlns:a16="http://schemas.microsoft.com/office/drawing/2014/main" id="{BAA44493-9911-47B2-87A6-C2141A972BC8}"/>
               </a:ext>
             </a:extLst>
           </p:cNvPr>
@@ -1656,7 +2125,7 @@
           <p:cNvPr id="2" name="Título 1">
             <a:extLst>
               <a:ext uri="{FF2B5EF4-FFF2-40B4-BE49-F238E27FC236}">
-                <a16:creationId xmlns:a16="http://schemas.microsoft.com/office/drawing/2014/main" xmlns="" id="{71BD44A5-8F21-4626-A01D-48A1C874B1D5}"/>
+                <a16:creationId xmlns="" xmlns:a16="http://schemas.microsoft.com/office/drawing/2014/main" id="{71BD44A5-8F21-4626-A01D-48A1C874B1D5}"/>
               </a:ext>
             </a:extLst>
           </p:cNvPr>
@@ -1684,7 +2153,7 @@
           <p:cNvPr id="3" name="Espaço Reservado para Conteúdo 2">
             <a:extLst>
               <a:ext uri="{FF2B5EF4-FFF2-40B4-BE49-F238E27FC236}">
-                <a16:creationId xmlns:a16="http://schemas.microsoft.com/office/drawing/2014/main" xmlns="" id="{B79E8085-65A9-48AA-951D-71D978BFF4ED}"/>
+                <a16:creationId xmlns="" xmlns:a16="http://schemas.microsoft.com/office/drawing/2014/main" id="{B79E8085-65A9-48AA-951D-71D978BFF4ED}"/>
               </a:ext>
             </a:extLst>
           </p:cNvPr>
@@ -1741,7 +2210,7 @@
           <p:cNvPr id="4" name="Espaço Reservado para Data 3">
             <a:extLst>
               <a:ext uri="{FF2B5EF4-FFF2-40B4-BE49-F238E27FC236}">
-                <a16:creationId xmlns:a16="http://schemas.microsoft.com/office/drawing/2014/main" xmlns="" id="{F05BE1AF-51EA-425D-B188-DE7BD675009F}"/>
+                <a16:creationId xmlns="" xmlns:a16="http://schemas.microsoft.com/office/drawing/2014/main" id="{F05BE1AF-51EA-425D-B188-DE7BD675009F}"/>
               </a:ext>
             </a:extLst>
           </p:cNvPr>
@@ -1770,7 +2239,7 @@
           <p:cNvPr id="5" name="Espaço Reservado para Rodapé 4">
             <a:extLst>
               <a:ext uri="{FF2B5EF4-FFF2-40B4-BE49-F238E27FC236}">
-                <a16:creationId xmlns:a16="http://schemas.microsoft.com/office/drawing/2014/main" xmlns="" id="{121BE632-29CF-4CB9-B365-C9EF38F89BE6}"/>
+                <a16:creationId xmlns="" xmlns:a16="http://schemas.microsoft.com/office/drawing/2014/main" id="{121BE632-29CF-4CB9-B365-C9EF38F89BE6}"/>
               </a:ext>
             </a:extLst>
           </p:cNvPr>
@@ -1795,7 +2264,7 @@
           <p:cNvPr id="6" name="Espaço Reservado para Número de Slide 5">
             <a:extLst>
               <a:ext uri="{FF2B5EF4-FFF2-40B4-BE49-F238E27FC236}">
-                <a16:creationId xmlns:a16="http://schemas.microsoft.com/office/drawing/2014/main" xmlns="" id="{60CF3DD1-9AEC-4A57-B461-4E4DD86FAC18}"/>
+                <a16:creationId xmlns="" xmlns:a16="http://schemas.microsoft.com/office/drawing/2014/main" id="{60CF3DD1-9AEC-4A57-B461-4E4DD86FAC18}"/>
               </a:ext>
             </a:extLst>
           </p:cNvPr>
@@ -1854,7 +2323,7 @@
           <p:cNvPr id="2" name="Título 1">
             <a:extLst>
               <a:ext uri="{FF2B5EF4-FFF2-40B4-BE49-F238E27FC236}">
-                <a16:creationId xmlns:a16="http://schemas.microsoft.com/office/drawing/2014/main" xmlns="" id="{34AB2FF0-A4D7-4E28-991D-FF26140D5988}"/>
+                <a16:creationId xmlns="" xmlns:a16="http://schemas.microsoft.com/office/drawing/2014/main" id="{34AB2FF0-A4D7-4E28-991D-FF26140D5988}"/>
               </a:ext>
             </a:extLst>
           </p:cNvPr>
@@ -1891,7 +2360,7 @@
           <p:cNvPr id="3" name="Espaço Reservado para Texto 2">
             <a:extLst>
               <a:ext uri="{FF2B5EF4-FFF2-40B4-BE49-F238E27FC236}">
-                <a16:creationId xmlns:a16="http://schemas.microsoft.com/office/drawing/2014/main" xmlns="" id="{E2AC45B0-4145-40DB-8E61-105461170604}"/>
+                <a16:creationId xmlns="" xmlns:a16="http://schemas.microsoft.com/office/drawing/2014/main" id="{E2AC45B0-4145-40DB-8E61-105461170604}"/>
               </a:ext>
             </a:extLst>
           </p:cNvPr>
@@ -2016,7 +2485,7 @@
           <p:cNvPr id="4" name="Espaço Reservado para Data 3">
             <a:extLst>
               <a:ext uri="{FF2B5EF4-FFF2-40B4-BE49-F238E27FC236}">
-                <a16:creationId xmlns:a16="http://schemas.microsoft.com/office/drawing/2014/main" xmlns="" id="{50F1D3FB-740A-4EBA-A309-2CE71D12ECFB}"/>
+                <a16:creationId xmlns="" xmlns:a16="http://schemas.microsoft.com/office/drawing/2014/main" id="{50F1D3FB-740A-4EBA-A309-2CE71D12ECFB}"/>
               </a:ext>
             </a:extLst>
           </p:cNvPr>
@@ -2045,7 +2514,7 @@
           <p:cNvPr id="5" name="Espaço Reservado para Rodapé 4">
             <a:extLst>
               <a:ext uri="{FF2B5EF4-FFF2-40B4-BE49-F238E27FC236}">
-                <a16:creationId xmlns:a16="http://schemas.microsoft.com/office/drawing/2014/main" xmlns="" id="{BDCAB18F-8715-4465-A940-F9C193A2ACE9}"/>
+                <a16:creationId xmlns="" xmlns:a16="http://schemas.microsoft.com/office/drawing/2014/main" id="{BDCAB18F-8715-4465-A940-F9C193A2ACE9}"/>
               </a:ext>
             </a:extLst>
           </p:cNvPr>
@@ -2070,7 +2539,7 @@
           <p:cNvPr id="6" name="Espaço Reservado para Número de Slide 5">
             <a:extLst>
               <a:ext uri="{FF2B5EF4-FFF2-40B4-BE49-F238E27FC236}">
-                <a16:creationId xmlns:a16="http://schemas.microsoft.com/office/drawing/2014/main" xmlns="" id="{353466C6-8248-429F-8056-FF040BF509EB}"/>
+                <a16:creationId xmlns="" xmlns:a16="http://schemas.microsoft.com/office/drawing/2014/main" id="{353466C6-8248-429F-8056-FF040BF509EB}"/>
               </a:ext>
             </a:extLst>
           </p:cNvPr>
@@ -2129,7 +2598,7 @@
           <p:cNvPr id="2" name="Título 1">
             <a:extLst>
               <a:ext uri="{FF2B5EF4-FFF2-40B4-BE49-F238E27FC236}">
-                <a16:creationId xmlns:a16="http://schemas.microsoft.com/office/drawing/2014/main" xmlns="" id="{BC7BB9F0-F14B-4A91-B2B7-35BC47FE4DE7}"/>
+                <a16:creationId xmlns="" xmlns:a16="http://schemas.microsoft.com/office/drawing/2014/main" id="{BC7BB9F0-F14B-4A91-B2B7-35BC47FE4DE7}"/>
               </a:ext>
             </a:extLst>
           </p:cNvPr>
@@ -2157,7 +2626,7 @@
           <p:cNvPr id="3" name="Espaço Reservado para Conteúdo 2">
             <a:extLst>
               <a:ext uri="{FF2B5EF4-FFF2-40B4-BE49-F238E27FC236}">
-                <a16:creationId xmlns:a16="http://schemas.microsoft.com/office/drawing/2014/main" xmlns="" id="{EC1FC1C4-73DA-47A6-8496-B0B457F7D39A}"/>
+                <a16:creationId xmlns="" xmlns:a16="http://schemas.microsoft.com/office/drawing/2014/main" id="{EC1FC1C4-73DA-47A6-8496-B0B457F7D39A}"/>
               </a:ext>
             </a:extLst>
           </p:cNvPr>
@@ -2219,7 +2688,7 @@
           <p:cNvPr id="4" name="Espaço Reservado para Conteúdo 3">
             <a:extLst>
               <a:ext uri="{FF2B5EF4-FFF2-40B4-BE49-F238E27FC236}">
-                <a16:creationId xmlns:a16="http://schemas.microsoft.com/office/drawing/2014/main" xmlns="" id="{E92F06A8-A449-4D92-9912-76873E529B38}"/>
+                <a16:creationId xmlns="" xmlns:a16="http://schemas.microsoft.com/office/drawing/2014/main" id="{E92F06A8-A449-4D92-9912-76873E529B38}"/>
               </a:ext>
             </a:extLst>
           </p:cNvPr>
@@ -2281,7 +2750,7 @@
           <p:cNvPr id="5" name="Espaço Reservado para Data 4">
             <a:extLst>
               <a:ext uri="{FF2B5EF4-FFF2-40B4-BE49-F238E27FC236}">
-                <a16:creationId xmlns:a16="http://schemas.microsoft.com/office/drawing/2014/main" xmlns="" id="{938070A4-BC2F-4D55-BD8D-DEAF11BB9EE9}"/>
+                <a16:creationId xmlns="" xmlns:a16="http://schemas.microsoft.com/office/drawing/2014/main" id="{938070A4-BC2F-4D55-BD8D-DEAF11BB9EE9}"/>
               </a:ext>
             </a:extLst>
           </p:cNvPr>
@@ -2310,7 +2779,7 @@
           <p:cNvPr id="6" name="Espaço Reservado para Rodapé 5">
             <a:extLst>
               <a:ext uri="{FF2B5EF4-FFF2-40B4-BE49-F238E27FC236}">
-                <a16:creationId xmlns:a16="http://schemas.microsoft.com/office/drawing/2014/main" xmlns="" id="{45CC2DB8-844A-465F-BA9A-7734C80C7F43}"/>
+                <a16:creationId xmlns="" xmlns:a16="http://schemas.microsoft.com/office/drawing/2014/main" id="{45CC2DB8-844A-465F-BA9A-7734C80C7F43}"/>
               </a:ext>
             </a:extLst>
           </p:cNvPr>
@@ -2335,7 +2804,7 @@
           <p:cNvPr id="7" name="Espaço Reservado para Número de Slide 6">
             <a:extLst>
               <a:ext uri="{FF2B5EF4-FFF2-40B4-BE49-F238E27FC236}">
-                <a16:creationId xmlns:a16="http://schemas.microsoft.com/office/drawing/2014/main" xmlns="" id="{4CC606A8-097B-4040-94E0-CD8C88280D8F}"/>
+                <a16:creationId xmlns="" xmlns:a16="http://schemas.microsoft.com/office/drawing/2014/main" id="{4CC606A8-097B-4040-94E0-CD8C88280D8F}"/>
               </a:ext>
             </a:extLst>
           </p:cNvPr>
@@ -2394,7 +2863,7 @@
           <p:cNvPr id="2" name="Título 1">
             <a:extLst>
               <a:ext uri="{FF2B5EF4-FFF2-40B4-BE49-F238E27FC236}">
-                <a16:creationId xmlns:a16="http://schemas.microsoft.com/office/drawing/2014/main" xmlns="" id="{76D66686-0143-4CB6-8C09-BA326F1E7ACA}"/>
+                <a16:creationId xmlns="" xmlns:a16="http://schemas.microsoft.com/office/drawing/2014/main" id="{76D66686-0143-4CB6-8C09-BA326F1E7ACA}"/>
               </a:ext>
             </a:extLst>
           </p:cNvPr>
@@ -2427,7 +2896,7 @@
           <p:cNvPr id="3" name="Espaço Reservado para Texto 2">
             <a:extLst>
               <a:ext uri="{FF2B5EF4-FFF2-40B4-BE49-F238E27FC236}">
-                <a16:creationId xmlns:a16="http://schemas.microsoft.com/office/drawing/2014/main" xmlns="" id="{0227AB85-F59E-4BCE-B846-4FA0992C2F23}"/>
+                <a16:creationId xmlns="" xmlns:a16="http://schemas.microsoft.com/office/drawing/2014/main" id="{0227AB85-F59E-4BCE-B846-4FA0992C2F23}"/>
               </a:ext>
             </a:extLst>
           </p:cNvPr>
@@ -2498,7 +2967,7 @@
           <p:cNvPr id="4" name="Espaço Reservado para Conteúdo 3">
             <a:extLst>
               <a:ext uri="{FF2B5EF4-FFF2-40B4-BE49-F238E27FC236}">
-                <a16:creationId xmlns:a16="http://schemas.microsoft.com/office/drawing/2014/main" xmlns="" id="{3373456C-7319-4D0A-827D-D29F6B083F5D}"/>
+                <a16:creationId xmlns="" xmlns:a16="http://schemas.microsoft.com/office/drawing/2014/main" id="{3373456C-7319-4D0A-827D-D29F6B083F5D}"/>
               </a:ext>
             </a:extLst>
           </p:cNvPr>
@@ -2560,7 +3029,7 @@
           <p:cNvPr id="5" name="Espaço Reservado para Texto 4">
             <a:extLst>
               <a:ext uri="{FF2B5EF4-FFF2-40B4-BE49-F238E27FC236}">
-                <a16:creationId xmlns:a16="http://schemas.microsoft.com/office/drawing/2014/main" xmlns="" id="{4CD109D0-2E83-4262-8029-A871CEC47406}"/>
+                <a16:creationId xmlns="" xmlns:a16="http://schemas.microsoft.com/office/drawing/2014/main" id="{4CD109D0-2E83-4262-8029-A871CEC47406}"/>
               </a:ext>
             </a:extLst>
           </p:cNvPr>
@@ -2631,7 +3100,7 @@
           <p:cNvPr id="6" name="Espaço Reservado para Conteúdo 5">
             <a:extLst>
               <a:ext uri="{FF2B5EF4-FFF2-40B4-BE49-F238E27FC236}">
-                <a16:creationId xmlns:a16="http://schemas.microsoft.com/office/drawing/2014/main" xmlns="" id="{AD706E3A-CFBB-4A6C-A65F-D0360A9E74FE}"/>
+                <a16:creationId xmlns="" xmlns:a16="http://schemas.microsoft.com/office/drawing/2014/main" id="{AD706E3A-CFBB-4A6C-A65F-D0360A9E74FE}"/>
               </a:ext>
             </a:extLst>
           </p:cNvPr>
@@ -2693,7 +3162,7 @@
           <p:cNvPr id="7" name="Espaço Reservado para Data 6">
             <a:extLst>
               <a:ext uri="{FF2B5EF4-FFF2-40B4-BE49-F238E27FC236}">
-                <a16:creationId xmlns:a16="http://schemas.microsoft.com/office/drawing/2014/main" xmlns="" id="{4172C0E5-5AF0-4805-BB51-443733CD2BD5}"/>
+                <a16:creationId xmlns="" xmlns:a16="http://schemas.microsoft.com/office/drawing/2014/main" id="{4172C0E5-5AF0-4805-BB51-443733CD2BD5}"/>
               </a:ext>
             </a:extLst>
           </p:cNvPr>
@@ -2722,7 +3191,7 @@
           <p:cNvPr id="8" name="Espaço Reservado para Rodapé 7">
             <a:extLst>
               <a:ext uri="{FF2B5EF4-FFF2-40B4-BE49-F238E27FC236}">
-                <a16:creationId xmlns:a16="http://schemas.microsoft.com/office/drawing/2014/main" xmlns="" id="{0E801648-156F-497E-99CF-797DF48051E1}"/>
+                <a16:creationId xmlns="" xmlns:a16="http://schemas.microsoft.com/office/drawing/2014/main" id="{0E801648-156F-497E-99CF-797DF48051E1}"/>
               </a:ext>
             </a:extLst>
           </p:cNvPr>
@@ -2747,7 +3216,7 @@
           <p:cNvPr id="9" name="Espaço Reservado para Número de Slide 8">
             <a:extLst>
               <a:ext uri="{FF2B5EF4-FFF2-40B4-BE49-F238E27FC236}">
-                <a16:creationId xmlns:a16="http://schemas.microsoft.com/office/drawing/2014/main" xmlns="" id="{EEE23D32-80E7-4796-A137-66BF842E4B53}"/>
+                <a16:creationId xmlns="" xmlns:a16="http://schemas.microsoft.com/office/drawing/2014/main" id="{EEE23D32-80E7-4796-A137-66BF842E4B53}"/>
               </a:ext>
             </a:extLst>
           </p:cNvPr>
@@ -2806,7 +3275,7 @@
           <p:cNvPr id="2" name="Título 1">
             <a:extLst>
               <a:ext uri="{FF2B5EF4-FFF2-40B4-BE49-F238E27FC236}">
-                <a16:creationId xmlns:a16="http://schemas.microsoft.com/office/drawing/2014/main" xmlns="" id="{2BCE2379-C78F-47E1-8CFC-B846E7AF148D}"/>
+                <a16:creationId xmlns="" xmlns:a16="http://schemas.microsoft.com/office/drawing/2014/main" id="{2BCE2379-C78F-47E1-8CFC-B846E7AF148D}"/>
               </a:ext>
             </a:extLst>
           </p:cNvPr>
@@ -2834,7 +3303,7 @@
           <p:cNvPr id="3" name="Espaço Reservado para Data 2">
             <a:extLst>
               <a:ext uri="{FF2B5EF4-FFF2-40B4-BE49-F238E27FC236}">
-                <a16:creationId xmlns:a16="http://schemas.microsoft.com/office/drawing/2014/main" xmlns="" id="{342600A9-7F92-4E22-9D94-E4717252A817}"/>
+                <a16:creationId xmlns="" xmlns:a16="http://schemas.microsoft.com/office/drawing/2014/main" id="{342600A9-7F92-4E22-9D94-E4717252A817}"/>
               </a:ext>
             </a:extLst>
           </p:cNvPr>
@@ -2863,7 +3332,7 @@
           <p:cNvPr id="4" name="Espaço Reservado para Rodapé 3">
             <a:extLst>
               <a:ext uri="{FF2B5EF4-FFF2-40B4-BE49-F238E27FC236}">
-                <a16:creationId xmlns:a16="http://schemas.microsoft.com/office/drawing/2014/main" xmlns="" id="{192E6BED-F546-40CC-A2DF-99CBA853654E}"/>
+                <a16:creationId xmlns="" xmlns:a16="http://schemas.microsoft.com/office/drawing/2014/main" id="{192E6BED-F546-40CC-A2DF-99CBA853654E}"/>
               </a:ext>
             </a:extLst>
           </p:cNvPr>
@@ -2888,7 +3357,7 @@
           <p:cNvPr id="5" name="Espaço Reservado para Número de Slide 4">
             <a:extLst>
               <a:ext uri="{FF2B5EF4-FFF2-40B4-BE49-F238E27FC236}">
-                <a16:creationId xmlns:a16="http://schemas.microsoft.com/office/drawing/2014/main" xmlns="" id="{6091CC40-A8C4-4063-80EB-CC5099621678}"/>
+                <a16:creationId xmlns="" xmlns:a16="http://schemas.microsoft.com/office/drawing/2014/main" id="{6091CC40-A8C4-4063-80EB-CC5099621678}"/>
               </a:ext>
             </a:extLst>
           </p:cNvPr>
@@ -2947,7 +3416,7 @@
           <p:cNvPr id="2" name="Espaço Reservado para Data 1">
             <a:extLst>
               <a:ext uri="{FF2B5EF4-FFF2-40B4-BE49-F238E27FC236}">
-                <a16:creationId xmlns:a16="http://schemas.microsoft.com/office/drawing/2014/main" xmlns="" id="{DD19515C-212C-4EAE-84A3-8FF4BC844F1B}"/>
+                <a16:creationId xmlns="" xmlns:a16="http://schemas.microsoft.com/office/drawing/2014/main" id="{DD19515C-212C-4EAE-84A3-8FF4BC844F1B}"/>
               </a:ext>
             </a:extLst>
           </p:cNvPr>
@@ -2976,7 +3445,7 @@
           <p:cNvPr id="3" name="Espaço Reservado para Rodapé 2">
             <a:extLst>
               <a:ext uri="{FF2B5EF4-FFF2-40B4-BE49-F238E27FC236}">
-                <a16:creationId xmlns:a16="http://schemas.microsoft.com/office/drawing/2014/main" xmlns="" id="{94D3D120-B3E8-4C96-861D-7A4F12F49B3A}"/>
+                <a16:creationId xmlns="" xmlns:a16="http://schemas.microsoft.com/office/drawing/2014/main" id="{94D3D120-B3E8-4C96-861D-7A4F12F49B3A}"/>
               </a:ext>
             </a:extLst>
           </p:cNvPr>
@@ -3001,7 +3470,7 @@
           <p:cNvPr id="4" name="Espaço Reservado para Número de Slide 3">
             <a:extLst>
               <a:ext uri="{FF2B5EF4-FFF2-40B4-BE49-F238E27FC236}">
-                <a16:creationId xmlns:a16="http://schemas.microsoft.com/office/drawing/2014/main" xmlns="" id="{42E49B68-FA1B-468B-9F17-D5C09243D454}"/>
+                <a16:creationId xmlns="" xmlns:a16="http://schemas.microsoft.com/office/drawing/2014/main" id="{42E49B68-FA1B-468B-9F17-D5C09243D454}"/>
               </a:ext>
             </a:extLst>
           </p:cNvPr>
@@ -3060,7 +3529,7 @@
           <p:cNvPr id="2" name="Título 1">
             <a:extLst>
               <a:ext uri="{FF2B5EF4-FFF2-40B4-BE49-F238E27FC236}">
-                <a16:creationId xmlns:a16="http://schemas.microsoft.com/office/drawing/2014/main" xmlns="" id="{1C17BCBE-A897-4319-85EC-D87909C24980}"/>
+                <a16:creationId xmlns="" xmlns:a16="http://schemas.microsoft.com/office/drawing/2014/main" id="{1C17BCBE-A897-4319-85EC-D87909C24980}"/>
               </a:ext>
             </a:extLst>
           </p:cNvPr>
@@ -3097,7 +3566,7 @@
           <p:cNvPr id="3" name="Espaço Reservado para Conteúdo 2">
             <a:extLst>
               <a:ext uri="{FF2B5EF4-FFF2-40B4-BE49-F238E27FC236}">
-                <a16:creationId xmlns:a16="http://schemas.microsoft.com/office/drawing/2014/main" xmlns="" id="{4226F885-0204-4913-868B-4B8B82576F17}"/>
+                <a16:creationId xmlns="" xmlns:a16="http://schemas.microsoft.com/office/drawing/2014/main" id="{4226F885-0204-4913-868B-4B8B82576F17}"/>
               </a:ext>
             </a:extLst>
           </p:cNvPr>
@@ -3187,7 +3656,7 @@
           <p:cNvPr id="4" name="Espaço Reservado para Texto 3">
             <a:extLst>
               <a:ext uri="{FF2B5EF4-FFF2-40B4-BE49-F238E27FC236}">
-                <a16:creationId xmlns:a16="http://schemas.microsoft.com/office/drawing/2014/main" xmlns="" id="{00F9F784-A858-441B-8AB5-697098141751}"/>
+                <a16:creationId xmlns="" xmlns:a16="http://schemas.microsoft.com/office/drawing/2014/main" id="{00F9F784-A858-441B-8AB5-697098141751}"/>
               </a:ext>
             </a:extLst>
           </p:cNvPr>
@@ -3258,7 +3727,7 @@
           <p:cNvPr id="5" name="Espaço Reservado para Data 4">
             <a:extLst>
               <a:ext uri="{FF2B5EF4-FFF2-40B4-BE49-F238E27FC236}">
-                <a16:creationId xmlns:a16="http://schemas.microsoft.com/office/drawing/2014/main" xmlns="" id="{A4DC363A-5000-472E-8B17-02E7DCB8840A}"/>
+                <a16:creationId xmlns="" xmlns:a16="http://schemas.microsoft.com/office/drawing/2014/main" id="{A4DC363A-5000-472E-8B17-02E7DCB8840A}"/>
               </a:ext>
             </a:extLst>
           </p:cNvPr>
@@ -3287,7 +3756,7 @@
           <p:cNvPr id="6" name="Espaço Reservado para Rodapé 5">
             <a:extLst>
               <a:ext uri="{FF2B5EF4-FFF2-40B4-BE49-F238E27FC236}">
-                <a16:creationId xmlns:a16="http://schemas.microsoft.com/office/drawing/2014/main" xmlns="" id="{5548425D-2C21-4C56-BAD4-662978775C28}"/>
+                <a16:creationId xmlns="" xmlns:a16="http://schemas.microsoft.com/office/drawing/2014/main" id="{5548425D-2C21-4C56-BAD4-662978775C28}"/>
               </a:ext>
             </a:extLst>
           </p:cNvPr>
@@ -3312,7 +3781,7 @@
           <p:cNvPr id="7" name="Espaço Reservado para Número de Slide 6">
             <a:extLst>
               <a:ext uri="{FF2B5EF4-FFF2-40B4-BE49-F238E27FC236}">
-                <a16:creationId xmlns:a16="http://schemas.microsoft.com/office/drawing/2014/main" xmlns="" id="{C63E9726-E64C-42B2-AE8A-8C235A956B48}"/>
+                <a16:creationId xmlns="" xmlns:a16="http://schemas.microsoft.com/office/drawing/2014/main" id="{C63E9726-E64C-42B2-AE8A-8C235A956B48}"/>
               </a:ext>
             </a:extLst>
           </p:cNvPr>
@@ -3371,7 +3840,7 @@
           <p:cNvPr id="2" name="Título 1">
             <a:extLst>
               <a:ext uri="{FF2B5EF4-FFF2-40B4-BE49-F238E27FC236}">
-                <a16:creationId xmlns:a16="http://schemas.microsoft.com/office/drawing/2014/main" xmlns="" id="{11086A78-3E74-450C-96A6-CA8AC37AF772}"/>
+                <a16:creationId xmlns="" xmlns:a16="http://schemas.microsoft.com/office/drawing/2014/main" id="{11086A78-3E74-450C-96A6-CA8AC37AF772}"/>
               </a:ext>
             </a:extLst>
           </p:cNvPr>
@@ -3408,7 +3877,7 @@
           <p:cNvPr id="3" name="Espaço Reservado para Imagem 2">
             <a:extLst>
               <a:ext uri="{FF2B5EF4-FFF2-40B4-BE49-F238E27FC236}">
-                <a16:creationId xmlns:a16="http://schemas.microsoft.com/office/drawing/2014/main" xmlns="" id="{5F5B7312-975A-4DBC-9B2F-3652ADA006FD}"/>
+                <a16:creationId xmlns="" xmlns:a16="http://schemas.microsoft.com/office/drawing/2014/main" id="{5F5B7312-975A-4DBC-9B2F-3652ADA006FD}"/>
               </a:ext>
             </a:extLst>
           </p:cNvPr>
@@ -3475,7 +3944,7 @@
           <p:cNvPr id="4" name="Espaço Reservado para Texto 3">
             <a:extLst>
               <a:ext uri="{FF2B5EF4-FFF2-40B4-BE49-F238E27FC236}">
-                <a16:creationId xmlns:a16="http://schemas.microsoft.com/office/drawing/2014/main" xmlns="" id="{AAF805F5-1DFF-41C6-944C-7D79FE0D0963}"/>
+                <a16:creationId xmlns="" xmlns:a16="http://schemas.microsoft.com/office/drawing/2014/main" id="{AAF805F5-1DFF-41C6-944C-7D79FE0D0963}"/>
               </a:ext>
             </a:extLst>
           </p:cNvPr>
@@ -3546,7 +4015,7 @@
           <p:cNvPr id="5" name="Espaço Reservado para Data 4">
             <a:extLst>
               <a:ext uri="{FF2B5EF4-FFF2-40B4-BE49-F238E27FC236}">
-                <a16:creationId xmlns:a16="http://schemas.microsoft.com/office/drawing/2014/main" xmlns="" id="{02113D81-8665-4516-BD81-C6A1F254EECD}"/>
+                <a16:creationId xmlns="" xmlns:a16="http://schemas.microsoft.com/office/drawing/2014/main" id="{02113D81-8665-4516-BD81-C6A1F254EECD}"/>
               </a:ext>
             </a:extLst>
           </p:cNvPr>
@@ -3575,7 +4044,7 @@
           <p:cNvPr id="6" name="Espaço Reservado para Rodapé 5">
             <a:extLst>
               <a:ext uri="{FF2B5EF4-FFF2-40B4-BE49-F238E27FC236}">
-                <a16:creationId xmlns:a16="http://schemas.microsoft.com/office/drawing/2014/main" xmlns="" id="{2B00C88B-FF32-40AA-A187-727D96FD7862}"/>
+                <a16:creationId xmlns="" xmlns:a16="http://schemas.microsoft.com/office/drawing/2014/main" id="{2B00C88B-FF32-40AA-A187-727D96FD7862}"/>
               </a:ext>
             </a:extLst>
           </p:cNvPr>
@@ -3600,7 +4069,7 @@
           <p:cNvPr id="7" name="Espaço Reservado para Número de Slide 6">
             <a:extLst>
               <a:ext uri="{FF2B5EF4-FFF2-40B4-BE49-F238E27FC236}">
-                <a16:creationId xmlns:a16="http://schemas.microsoft.com/office/drawing/2014/main" xmlns="" id="{A04D1A2D-69F7-4B8F-A730-BC26DC340BA6}"/>
+                <a16:creationId xmlns="" xmlns:a16="http://schemas.microsoft.com/office/drawing/2014/main" id="{A04D1A2D-69F7-4B8F-A730-BC26DC340BA6}"/>
               </a:ext>
             </a:extLst>
           </p:cNvPr>
@@ -3664,7 +4133,7 @@
           <p:cNvPr id="2" name="Espaço Reservado para Título 1">
             <a:extLst>
               <a:ext uri="{FF2B5EF4-FFF2-40B4-BE49-F238E27FC236}">
-                <a16:creationId xmlns:a16="http://schemas.microsoft.com/office/drawing/2014/main" xmlns="" id="{E69A0273-1966-4A1B-9370-4C1CE5036371}"/>
+                <a16:creationId xmlns="" xmlns:a16="http://schemas.microsoft.com/office/drawing/2014/main" id="{E69A0273-1966-4A1B-9370-4C1CE5036371}"/>
               </a:ext>
             </a:extLst>
           </p:cNvPr>
@@ -3702,7 +4171,7 @@
           <p:cNvPr id="3" name="Espaço Reservado para Texto 2">
             <a:extLst>
               <a:ext uri="{FF2B5EF4-FFF2-40B4-BE49-F238E27FC236}">
-                <a16:creationId xmlns:a16="http://schemas.microsoft.com/office/drawing/2014/main" xmlns="" id="{3B9CF87A-0448-49A7-AB25-EBC1D56A40EF}"/>
+                <a16:creationId xmlns="" xmlns:a16="http://schemas.microsoft.com/office/drawing/2014/main" id="{3B9CF87A-0448-49A7-AB25-EBC1D56A40EF}"/>
               </a:ext>
             </a:extLst>
           </p:cNvPr>
@@ -3769,7 +4238,7 @@
           <p:cNvPr id="4" name="Espaço Reservado para Data 3">
             <a:extLst>
               <a:ext uri="{FF2B5EF4-FFF2-40B4-BE49-F238E27FC236}">
-                <a16:creationId xmlns:a16="http://schemas.microsoft.com/office/drawing/2014/main" xmlns="" id="{2EF7B1F2-BB5A-44D0-816D-16AD2C71430E}"/>
+                <a16:creationId xmlns="" xmlns:a16="http://schemas.microsoft.com/office/drawing/2014/main" id="{2EF7B1F2-BB5A-44D0-816D-16AD2C71430E}"/>
               </a:ext>
             </a:extLst>
           </p:cNvPr>
@@ -3816,7 +4285,7 @@
           <p:cNvPr id="5" name="Espaço Reservado para Rodapé 4">
             <a:extLst>
               <a:ext uri="{FF2B5EF4-FFF2-40B4-BE49-F238E27FC236}">
-                <a16:creationId xmlns:a16="http://schemas.microsoft.com/office/drawing/2014/main" xmlns="" id="{C703F94C-2CC8-4DAA-BC35-14FC3E841DCD}"/>
+                <a16:creationId xmlns="" xmlns:a16="http://schemas.microsoft.com/office/drawing/2014/main" id="{C703F94C-2CC8-4DAA-BC35-14FC3E841DCD}"/>
               </a:ext>
             </a:extLst>
           </p:cNvPr>
@@ -3859,7 +4328,7 @@
           <p:cNvPr id="6" name="Espaço Reservado para Número de Slide 5">
             <a:extLst>
               <a:ext uri="{FF2B5EF4-FFF2-40B4-BE49-F238E27FC236}">
-                <a16:creationId xmlns:a16="http://schemas.microsoft.com/office/drawing/2014/main" xmlns="" id="{64051336-7048-457A-8B61-D94291D71648}"/>
+                <a16:creationId xmlns="" xmlns:a16="http://schemas.microsoft.com/office/drawing/2014/main" id="{64051336-7048-457A-8B61-D94291D71648}"/>
               </a:ext>
             </a:extLst>
           </p:cNvPr>
@@ -4227,7 +4696,7 @@
           <p:cNvPr id="2" name="Título 1">
             <a:extLst>
               <a:ext uri="{FF2B5EF4-FFF2-40B4-BE49-F238E27FC236}">
-                <a16:creationId xmlns:a16="http://schemas.microsoft.com/office/drawing/2014/main" xmlns="" id="{32666AC8-2E17-4DB4-B0F5-60C640CCFD2E}"/>
+                <a16:creationId xmlns="" xmlns:a16="http://schemas.microsoft.com/office/drawing/2014/main" id="{32666AC8-2E17-4DB4-B0F5-60C640CCFD2E}"/>
               </a:ext>
             </a:extLst>
           </p:cNvPr>
@@ -4252,7 +4721,15 @@
           <a:p>
             <a:r>
               <a:rPr lang="pt-BR" sz="6600" dirty="0" smtClean="0"/>
-              <a:t>C24 – Inteligência Artificial:</a:t>
+              <a:t>C24 </a:t>
+            </a:r>
+            <a:r>
+              <a:rPr lang="pt-BR" sz="6600" dirty="0" smtClean="0"/>
+              <a:t>- </a:t>
+            </a:r>
+            <a:r>
+              <a:rPr lang="pt-BR" sz="6600" dirty="0" smtClean="0"/>
+              <a:t>Inteligência Artificial:</a:t>
             </a:r>
             <a:r>
               <a:rPr lang="pt-BR" sz="7200" dirty="0"/>
@@ -4274,7 +4751,7 @@
           <p:cNvPr id="4" name="CaixaDeTexto 3">
             <a:extLst>
               <a:ext uri="{FF2B5EF4-FFF2-40B4-BE49-F238E27FC236}">
-                <a16:creationId xmlns:a16="http://schemas.microsoft.com/office/drawing/2014/main" xmlns="" id="{430EB894-B7D4-434C-9D1A-A14094D9BEEC}"/>
+                <a16:creationId xmlns="" xmlns:a16="http://schemas.microsoft.com/office/drawing/2014/main" id="{430EB894-B7D4-434C-9D1A-A14094D9BEEC}"/>
               </a:ext>
             </a:extLst>
           </p:cNvPr>
@@ -4325,7 +4802,7 @@
           <p:cNvPr id="1026" name="Picture 2" descr="Logo">
             <a:extLst>
               <a:ext uri="{FF2B5EF4-FFF2-40B4-BE49-F238E27FC236}">
-                <a16:creationId xmlns:a16="http://schemas.microsoft.com/office/drawing/2014/main" xmlns="" id="{3F2642E0-4F6A-4196-8F58-E77D36E9A33F}"/>
+                <a16:creationId xmlns="" xmlns:a16="http://schemas.microsoft.com/office/drawing/2014/main" id="{3F2642E0-4F6A-4196-8F58-E77D36E9A33F}"/>
               </a:ext>
             </a:extLst>
           </p:cNvPr>
@@ -4370,7 +4847,7 @@
           <p:cNvPr id="5122" name="Picture 2" descr="Image result for machine learning">
             <a:extLst>
               <a:ext uri="{FF2B5EF4-FFF2-40B4-BE49-F238E27FC236}">
-                <a16:creationId xmlns:a16="http://schemas.microsoft.com/office/drawing/2014/main" xmlns="" id="{810CE0A2-4102-44A6-A370-175E7896CDCB}"/>
+                <a16:creationId xmlns="" xmlns:a16="http://schemas.microsoft.com/office/drawing/2014/main" id="{810CE0A2-4102-44A6-A370-175E7896CDCB}"/>
               </a:ext>
             </a:extLst>
           </p:cNvPr>
@@ -4435,7 +4912,13 @@
   <p:cSld>
     <p:spTree>
       <p:nvGrpSpPr>
-        <p:cNvPr id="1" name=""/>
+        <p:cNvPr id="1" name="">
+          <a:extLst>
+            <a:ext uri="{FF2B5EF4-FFF2-40B4-BE49-F238E27FC236}">
+              <a16:creationId xmlns="" xmlns:a16="http://schemas.microsoft.com/office/drawing/2014/main" id="{B28A9759-CA4F-DA4F-85C2-F6E51DCED2D9}"/>
+            </a:ext>
+          </a:extLst>
+        </p:cNvPr>
         <p:cNvGrpSpPr/>
         <p:nvPr/>
       </p:nvGrpSpPr>
@@ -4452,7 +4935,7 @@
           <p:cNvPr id="2" name="Título 1">
             <a:extLst>
               <a:ext uri="{FF2B5EF4-FFF2-40B4-BE49-F238E27FC236}">
-                <a16:creationId xmlns:a16="http://schemas.microsoft.com/office/drawing/2014/main" xmlns="" id="{B7EBC8F7-03EF-338A-A90B-280A41AF9688}"/>
+                <a16:creationId xmlns="" xmlns:a16="http://schemas.microsoft.com/office/drawing/2014/main" id="{072F732D-34CE-6153-324F-D7F6821577F0}"/>
               </a:ext>
             </a:extLst>
           </p:cNvPr>
@@ -4469,9 +4952,10 @@
           <a:lstStyle/>
           <a:p>
             <a:r>
-              <a:rPr lang="pt-BR" dirty="0"/>
-              <a:t>Comparação com outros algoritmos</a:t>
-            </a:r>
+              <a:rPr lang="pt-BR" dirty="0" smtClean="0"/>
+              <a:t>O que é IA?</a:t>
+            </a:r>
+            <a:endParaRPr lang="pt-BR" dirty="0"/>
           </a:p>
         </p:txBody>
       </p:sp>
@@ -4480,7 +4964,7 @@
           <p:cNvPr id="3" name="Espaço Reservado para Conteúdo 2">
             <a:extLst>
               <a:ext uri="{FF2B5EF4-FFF2-40B4-BE49-F238E27FC236}">
-                <a16:creationId xmlns:a16="http://schemas.microsoft.com/office/drawing/2014/main" xmlns="" id="{C525BCE7-C19D-7DDA-016A-E3016C398CBA}"/>
+                <a16:creationId xmlns="" xmlns:a16="http://schemas.microsoft.com/office/drawing/2014/main" id="{62A55622-8E11-E5D7-8EAF-7AE2CCAA3321}"/>
               </a:ext>
             </a:extLst>
           </p:cNvPr>
@@ -4491,25 +4975,216 @@
             <p:ph idx="1"/>
           </p:nvPr>
         </p:nvSpPr>
-        <p:spPr/>
+        <p:spPr>
+          <a:xfrm>
+            <a:off x="838199" y="1825624"/>
+            <a:ext cx="11198630" cy="5032375"/>
+          </a:xfrm>
+        </p:spPr>
         <p:txBody>
-          <a:bodyPr/>
+          <a:bodyPr>
+            <a:normAutofit/>
+          </a:bodyPr>
           <a:lstStyle/>
           <a:p>
-            <a:endParaRPr lang="pt-BR"/>
+            <a:pPr marL="0" indent="0">
+              <a:buNone/>
+            </a:pPr>
+            <a:r>
+              <a:rPr lang="pt-BR" altLang="pt-BR" b="1" dirty="0" smtClean="0"/>
+              <a:t>Algumas definições</a:t>
+            </a:r>
+            <a:r>
+              <a:rPr lang="pt-BR" altLang="pt-BR" dirty="0" smtClean="0"/>
+              <a:t>:</a:t>
+            </a:r>
+          </a:p>
+          <a:p>
+            <a:pPr eaLnBrk="0" fontAlgn="base" hangingPunct="0">
+              <a:lnSpc>
+                <a:spcPct val="100000"/>
+              </a:lnSpc>
+              <a:spcBef>
+                <a:spcPct val="0"/>
+              </a:spcBef>
+              <a:spcAft>
+                <a:spcPct val="0"/>
+              </a:spcAft>
+            </a:pPr>
+            <a:r>
+              <a:rPr lang="pt-BR" altLang="pt-BR" b="1" dirty="0"/>
+              <a:t>John McCarthy (1955</a:t>
+            </a:r>
+            <a:r>
+              <a:rPr lang="pt-BR" altLang="pt-BR" b="1" dirty="0" smtClean="0"/>
+              <a:t>)</a:t>
+            </a:r>
+            <a:endParaRPr lang="pt-BR" altLang="pt-BR" dirty="0" smtClean="0"/>
+          </a:p>
+          <a:p>
+            <a:pPr lvl="1" eaLnBrk="0" fontAlgn="base" hangingPunct="0">
+              <a:lnSpc>
+                <a:spcPct val="100000"/>
+              </a:lnSpc>
+              <a:spcBef>
+                <a:spcPct val="0"/>
+              </a:spcBef>
+              <a:spcAft>
+                <a:spcPct val="0"/>
+              </a:spcAft>
+              <a:buFont typeface="Wingdings" panose="05000000000000000000" pitchFamily="2" charset="2"/>
+              <a:buChar char="§"/>
+            </a:pPr>
+            <a:r>
+              <a:rPr lang="pt-BR" altLang="pt-BR" i="1" dirty="0" smtClean="0"/>
+              <a:t>"</a:t>
+            </a:r>
+            <a:r>
+              <a:rPr lang="pt-BR" altLang="pt-BR" i="1" dirty="0"/>
+              <a:t>A ciência e engenharia de criar máquinas inteligentes, especialmente programas de computador inteligentes</a:t>
+            </a:r>
+            <a:r>
+              <a:rPr lang="pt-BR" altLang="pt-BR" i="1" dirty="0" smtClean="0"/>
+              <a:t>.“</a:t>
+            </a:r>
+          </a:p>
+          <a:p>
+            <a:pPr eaLnBrk="0" fontAlgn="base" hangingPunct="0">
+              <a:lnSpc>
+                <a:spcPct val="100000"/>
+              </a:lnSpc>
+              <a:spcBef>
+                <a:spcPct val="0"/>
+              </a:spcBef>
+              <a:spcAft>
+                <a:spcPct val="0"/>
+              </a:spcAft>
+            </a:pPr>
+            <a:r>
+              <a:rPr lang="pt-BR" altLang="pt-BR" b="1" dirty="0" smtClean="0"/>
+              <a:t>Marvin </a:t>
+            </a:r>
+            <a:r>
+              <a:rPr lang="pt-BR" altLang="pt-BR" b="1" dirty="0" err="1"/>
+              <a:t>Minsky</a:t>
+            </a:r>
+            <a:r>
+              <a:rPr lang="pt-BR" altLang="pt-BR" b="1" dirty="0"/>
+              <a:t> (1968</a:t>
+            </a:r>
+            <a:r>
+              <a:rPr lang="pt-BR" altLang="pt-BR" b="1" dirty="0" smtClean="0"/>
+              <a:t>)</a:t>
+            </a:r>
+            <a:endParaRPr lang="pt-BR" altLang="pt-BR" dirty="0" smtClean="0"/>
+          </a:p>
+          <a:p>
+            <a:pPr lvl="1" eaLnBrk="0" fontAlgn="base" hangingPunct="0">
+              <a:lnSpc>
+                <a:spcPct val="100000"/>
+              </a:lnSpc>
+              <a:spcBef>
+                <a:spcPct val="0"/>
+              </a:spcBef>
+              <a:spcAft>
+                <a:spcPct val="0"/>
+              </a:spcAft>
+              <a:buFont typeface="Wingdings" panose="05000000000000000000" pitchFamily="2" charset="2"/>
+              <a:buChar char="§"/>
+            </a:pPr>
+            <a:r>
+              <a:rPr lang="pt-BR" altLang="pt-BR" i="1" dirty="0" smtClean="0"/>
+              <a:t>"</a:t>
+            </a:r>
+            <a:r>
+              <a:rPr lang="pt-BR" altLang="pt-BR" i="1" dirty="0"/>
+              <a:t>IA é a ciência de fazer as máquinas fazerem coisas que exigiriam inteligência se fossem feitas por </a:t>
+            </a:r>
+            <a:r>
+              <a:rPr lang="pt-BR" altLang="pt-BR" i="1" dirty="0" smtClean="0"/>
+              <a:t>humanos.“</a:t>
+            </a:r>
+          </a:p>
+          <a:p>
+            <a:pPr eaLnBrk="0" fontAlgn="base" hangingPunct="0">
+              <a:lnSpc>
+                <a:spcPct val="100000"/>
+              </a:lnSpc>
+              <a:spcBef>
+                <a:spcPct val="0"/>
+              </a:spcBef>
+              <a:spcAft>
+                <a:spcPct val="0"/>
+              </a:spcAft>
+            </a:pPr>
+            <a:r>
+              <a:rPr lang="pt-BR" altLang="pt-BR" b="1" dirty="0" smtClean="0"/>
+              <a:t>Stuart </a:t>
+            </a:r>
+            <a:r>
+              <a:rPr lang="pt-BR" altLang="pt-BR" b="1" dirty="0"/>
+              <a:t>Russell &amp; Peter </a:t>
+            </a:r>
+            <a:r>
+              <a:rPr lang="pt-BR" altLang="pt-BR" b="1" dirty="0" err="1"/>
+              <a:t>Norvig</a:t>
+            </a:r>
+            <a:r>
+              <a:rPr lang="pt-BR" altLang="pt-BR" b="1" dirty="0"/>
+              <a:t> (</a:t>
+            </a:r>
+            <a:r>
+              <a:rPr lang="pt-BR" altLang="pt-BR" b="1" dirty="0" smtClean="0"/>
+              <a:t>2003)</a:t>
+            </a:r>
+            <a:endParaRPr lang="pt-BR" altLang="pt-BR" dirty="0" smtClean="0"/>
+          </a:p>
+          <a:p>
+            <a:pPr lvl="1" eaLnBrk="0" fontAlgn="base" hangingPunct="0">
+              <a:lnSpc>
+                <a:spcPct val="100000"/>
+              </a:lnSpc>
+              <a:spcBef>
+                <a:spcPct val="0"/>
+              </a:spcBef>
+              <a:spcAft>
+                <a:spcPct val="0"/>
+              </a:spcAft>
+              <a:buFont typeface="Wingdings" panose="05000000000000000000" pitchFamily="2" charset="2"/>
+              <a:buChar char="§"/>
+            </a:pPr>
+            <a:r>
+              <a:rPr lang="pt-BR" altLang="pt-BR" i="1" dirty="0" smtClean="0"/>
+              <a:t>"</a:t>
+            </a:r>
+            <a:r>
+              <a:rPr lang="pt-BR" altLang="pt-BR" i="1" dirty="0"/>
+              <a:t>O estudo de agentes que recebem percepções do ambiente e executam ações</a:t>
+            </a:r>
+            <a:r>
+              <a:rPr lang="pt-BR" altLang="pt-BR" i="1" dirty="0" smtClean="0"/>
+              <a:t>."</a:t>
+            </a:r>
           </a:p>
         </p:txBody>
       </p:sp>
     </p:spTree>
     <p:extLst>
       <p:ext uri="{BB962C8B-B14F-4D97-AF65-F5344CB8AC3E}">
-        <p14:creationId xmlns:p14="http://schemas.microsoft.com/office/powerpoint/2010/main" val="3601469261"/>
+        <p14:creationId xmlns:p14="http://schemas.microsoft.com/office/powerpoint/2010/main" val="1521811257"/>
       </p:ext>
     </p:extLst>
   </p:cSld>
   <p:clrMapOvr>
     <a:masterClrMapping/>
   </p:clrMapOvr>
+  <p:timing>
+    <p:tnLst>
+      <p:par>
+        <p:cTn id="1" dur="indefinite" restart="never" nodeType="tmRoot"/>
+      </p:par>
+    </p:tnLst>
+  </p:timing>
 </p:sld>
 </file>
 
@@ -4532,10 +5207,485 @@
       </p:grpSpPr>
       <p:sp>
         <p:nvSpPr>
+          <p:cNvPr id="3" name="Espaço Reservado para Conteúdo 2"/>
+          <p:cNvSpPr>
+            <a:spLocks noGrp="1"/>
+          </p:cNvSpPr>
+          <p:nvPr>
+            <p:ph idx="1"/>
+          </p:nvPr>
+        </p:nvSpPr>
+        <p:spPr>
+          <a:xfrm>
+            <a:off x="838200" y="748145"/>
+            <a:ext cx="10515600" cy="5428818"/>
+          </a:xfrm>
+        </p:spPr>
+        <p:txBody>
+          <a:bodyPr anchor="ctr">
+            <a:normAutofit/>
+          </a:bodyPr>
+          <a:lstStyle/>
+          <a:p>
+            <a:pPr marL="0" indent="0" algn="ctr">
+              <a:buNone/>
+            </a:pPr>
+            <a:r>
+              <a:rPr lang="pt-BR" sz="6600" dirty="0"/>
+              <a:t>História e e</a:t>
+            </a:r>
+            <a:r>
+              <a:rPr lang="pt-BR" sz="6600" dirty="0" smtClean="0"/>
+              <a:t>volução</a:t>
+            </a:r>
+            <a:endParaRPr lang="pt-BR" sz="6600" dirty="0"/>
+          </a:p>
+        </p:txBody>
+      </p:sp>
+    </p:spTree>
+    <p:extLst>
+      <p:ext uri="{BB962C8B-B14F-4D97-AF65-F5344CB8AC3E}">
+        <p14:creationId xmlns:p14="http://schemas.microsoft.com/office/powerpoint/2010/main" val="1001470552"/>
+      </p:ext>
+    </p:extLst>
+  </p:cSld>
+  <p:clrMapOvr>
+    <a:masterClrMapping/>
+  </p:clrMapOvr>
+</p:sld>
+</file>
+
+<file path=ppt/slides/slide12.xml><?xml version="1.0" encoding="utf-8"?>
+<p:sld xmlns:a="http://schemas.openxmlformats.org/drawingml/2006/main" xmlns:r="http://schemas.openxmlformats.org/officeDocument/2006/relationships" xmlns:p="http://schemas.openxmlformats.org/presentationml/2006/main">
+  <p:cSld>
+    <p:spTree>
+      <p:nvGrpSpPr>
+        <p:cNvPr id="1" name=""/>
+        <p:cNvGrpSpPr/>
+        <p:nvPr/>
+      </p:nvGrpSpPr>
+      <p:grpSpPr>
+        <a:xfrm>
+          <a:off x="0" y="0"/>
+          <a:ext cx="0" cy="0"/>
+          <a:chOff x="0" y="0"/>
+          <a:chExt cx="0" cy="0"/>
+        </a:xfrm>
+      </p:grpSpPr>
+      <p:sp>
+        <p:nvSpPr>
+          <p:cNvPr id="2" name="Título 1"/>
+          <p:cNvSpPr>
+            <a:spLocks noGrp="1"/>
+          </p:cNvSpPr>
+          <p:nvPr>
+            <p:ph type="title"/>
+          </p:nvPr>
+        </p:nvSpPr>
+        <p:spPr/>
+        <p:txBody>
+          <a:bodyPr/>
+          <a:lstStyle/>
+          <a:p>
+            <a:r>
+              <a:rPr lang="pt-BR"/>
+              <a:t>O </a:t>
+            </a:r>
+            <a:r>
+              <a:rPr lang="pt-BR" smtClean="0"/>
+              <a:t>teste </a:t>
+            </a:r>
+            <a:r>
+              <a:rPr lang="pt-BR" dirty="0"/>
+              <a:t>de Turing (1950)</a:t>
+            </a:r>
+          </a:p>
+        </p:txBody>
+      </p:sp>
+      <p:sp>
+        <p:nvSpPr>
+          <p:cNvPr id="3" name="Espaço Reservado para Conteúdo 2"/>
+          <p:cNvSpPr>
+            <a:spLocks noGrp="1"/>
+          </p:cNvSpPr>
+          <p:nvPr>
+            <p:ph idx="1"/>
+          </p:nvPr>
+        </p:nvSpPr>
+        <p:spPr/>
+        <p:txBody>
+          <a:bodyPr/>
+          <a:lstStyle/>
+          <a:p>
+            <a:endParaRPr lang="pt-BR"/>
+          </a:p>
+        </p:txBody>
+      </p:sp>
+    </p:spTree>
+    <p:extLst>
+      <p:ext uri="{BB962C8B-B14F-4D97-AF65-F5344CB8AC3E}">
+        <p14:creationId xmlns:p14="http://schemas.microsoft.com/office/powerpoint/2010/main" val="2210138918"/>
+      </p:ext>
+    </p:extLst>
+  </p:cSld>
+  <p:clrMapOvr>
+    <a:masterClrMapping/>
+  </p:clrMapOvr>
+</p:sld>
+</file>
+
+<file path=ppt/slides/slide13.xml><?xml version="1.0" encoding="utf-8"?>
+<p:sld xmlns:a="http://schemas.openxmlformats.org/drawingml/2006/main" xmlns:r="http://schemas.openxmlformats.org/officeDocument/2006/relationships" xmlns:p="http://schemas.openxmlformats.org/presentationml/2006/main">
+  <p:cSld>
+    <p:spTree>
+      <p:nvGrpSpPr>
+        <p:cNvPr id="1" name=""/>
+        <p:cNvGrpSpPr/>
+        <p:nvPr/>
+      </p:nvGrpSpPr>
+      <p:grpSpPr>
+        <a:xfrm>
+          <a:off x="0" y="0"/>
+          <a:ext cx="0" cy="0"/>
+          <a:chOff x="0" y="0"/>
+          <a:chExt cx="0" cy="0"/>
+        </a:xfrm>
+      </p:grpSpPr>
+      <p:sp>
+        <p:nvSpPr>
+          <p:cNvPr id="2" name="Título 1">
+            <a:extLst>
+              <a:ext uri="{FF2B5EF4-FFF2-40B4-BE49-F238E27FC236}">
+                <a16:creationId xmlns="" xmlns:a16="http://schemas.microsoft.com/office/drawing/2014/main" id="{B9E502FC-4440-F5DA-F299-69CD15E702AE}"/>
+              </a:ext>
+            </a:extLst>
+          </p:cNvPr>
+          <p:cNvSpPr>
+            <a:spLocks noGrp="1"/>
+          </p:cNvSpPr>
+          <p:nvPr>
+            <p:ph type="title"/>
+          </p:nvPr>
+        </p:nvSpPr>
+        <p:spPr/>
+        <p:txBody>
+          <a:bodyPr/>
+          <a:lstStyle/>
+          <a:p>
+            <a:r>
+              <a:rPr lang="pt-BR" dirty="0" smtClean="0"/>
+              <a:t>O n</a:t>
+            </a:r>
+            <a:r>
+              <a:rPr lang="pt-BR" dirty="0" smtClean="0"/>
+              <a:t>ascimento </a:t>
+            </a:r>
+            <a:r>
+              <a:rPr lang="pt-BR" dirty="0"/>
+              <a:t>da IA (</a:t>
+            </a:r>
+            <a:r>
+              <a:rPr lang="pt-BR" dirty="0" smtClean="0"/>
+              <a:t>1956)</a:t>
+            </a:r>
+            <a:endParaRPr lang="pt-BR" dirty="0"/>
+          </a:p>
+        </p:txBody>
+      </p:sp>
+      <p:sp>
+        <p:nvSpPr>
+          <p:cNvPr id="3" name="Espaço Reservado para Conteúdo 2">
+            <a:extLst>
+              <a:ext uri="{FF2B5EF4-FFF2-40B4-BE49-F238E27FC236}">
+                <a16:creationId xmlns="" xmlns:a16="http://schemas.microsoft.com/office/drawing/2014/main" id="{69359096-6B47-BEA3-55AD-95F90CDC8489}"/>
+              </a:ext>
+            </a:extLst>
+          </p:cNvPr>
+          <p:cNvSpPr>
+            <a:spLocks noGrp="1"/>
+          </p:cNvSpPr>
+          <p:nvPr>
+            <p:ph idx="1"/>
+          </p:nvPr>
+        </p:nvSpPr>
+        <p:spPr>
+          <a:xfrm>
+            <a:off x="838200" y="1825625"/>
+            <a:ext cx="11115502" cy="4351338"/>
+          </a:xfrm>
+        </p:spPr>
+        <p:txBody>
+          <a:bodyPr>
+            <a:normAutofit/>
+          </a:bodyPr>
+          <a:lstStyle/>
+          <a:p>
+            <a:r>
+              <a:rPr lang="pt-BR" dirty="0"/>
+              <a:t>Em 1956, o cientista da computação, John </a:t>
+            </a:r>
+            <a:r>
+              <a:rPr lang="pt-BR" dirty="0"/>
+              <a:t>McCarthy sugeriu o </a:t>
+            </a:r>
+            <a:r>
+              <a:rPr lang="pt-BR" dirty="0" smtClean="0"/>
+              <a:t>nome </a:t>
+            </a:r>
+            <a:r>
+              <a:rPr lang="pt-BR" b="1" dirty="0" smtClean="0"/>
+              <a:t>Inteligência </a:t>
+            </a:r>
+            <a:r>
+              <a:rPr lang="pt-BR" b="1" dirty="0"/>
+              <a:t>Artificial</a:t>
+            </a:r>
+            <a:r>
+              <a:rPr lang="pt-BR" dirty="0"/>
+              <a:t> </a:t>
+            </a:r>
+            <a:r>
+              <a:rPr lang="pt-BR" dirty="0" smtClean="0"/>
+              <a:t>para o novo campo de estudo apresentado em um </a:t>
+            </a:r>
+            <a:r>
+              <a:rPr lang="pt-BR" i="1" dirty="0" smtClean="0"/>
+              <a:t>workshop</a:t>
+            </a:r>
+            <a:r>
+              <a:rPr lang="pt-BR" dirty="0" smtClean="0"/>
+              <a:t> na faculdade de </a:t>
+            </a:r>
+            <a:r>
+              <a:rPr lang="pt-BR" i="1" dirty="0" err="1" smtClean="0"/>
+              <a:t>Dartmouth</a:t>
+            </a:r>
+            <a:r>
+              <a:rPr lang="pt-BR" dirty="0"/>
+              <a:t>. </a:t>
+            </a:r>
+            <a:endParaRPr lang="pt-BR" dirty="0" smtClean="0"/>
+          </a:p>
+          <a:p>
+            <a:r>
+              <a:rPr lang="pt-BR" dirty="0" smtClean="0"/>
+              <a:t>Foi </a:t>
+            </a:r>
+            <a:r>
+              <a:rPr lang="pt-BR" dirty="0"/>
+              <a:t>a primeira vez que o termo foi utilizado e fixou-se desde então.​</a:t>
+            </a:r>
+          </a:p>
+        </p:txBody>
+      </p:sp>
+      <p:pic>
+        <p:nvPicPr>
+          <p:cNvPr id="2052" name="Picture 4" descr="Morre John McCarthy, um dos mestres da Inteligência Artificial e criador do  Lisp"/>
+          <p:cNvPicPr>
+            <a:picLocks noChangeAspect="1" noChangeArrowheads="1"/>
+          </p:cNvPicPr>
+          <p:nvPr/>
+        </p:nvPicPr>
+        <p:blipFill>
+          <a:blip r:embed="rId2" cstate="print">
+            <a:extLst>
+              <a:ext uri="{28A0092B-C50C-407E-A947-70E740481C1C}">
+                <a14:useLocalDpi xmlns:a14="http://schemas.microsoft.com/office/drawing/2010/main" val="0"/>
+              </a:ext>
+            </a:extLst>
+          </a:blip>
+          <a:srcRect/>
+          <a:stretch>
+            <a:fillRect/>
+          </a:stretch>
+        </p:blipFill>
+        <p:spPr bwMode="auto">
+          <a:xfrm>
+            <a:off x="1982293" y="3735698"/>
+            <a:ext cx="2009465" cy="2775268"/>
+          </a:xfrm>
+          <a:prstGeom prst="rect">
+            <a:avLst/>
+          </a:prstGeom>
+          <a:noFill/>
+          <a:extLst>
+            <a:ext uri="{909E8E84-426E-40DD-AFC4-6F175D3DCCD1}">
+              <a14:hiddenFill xmlns:a14="http://schemas.microsoft.com/office/drawing/2010/main">
+                <a:solidFill>
+                  <a:srgbClr val="FFFFFF"/>
+                </a:solidFill>
+              </a14:hiddenFill>
+            </a:ext>
+          </a:extLst>
+        </p:spPr>
+      </p:pic>
+      <p:pic>
+        <p:nvPicPr>
+          <p:cNvPr id="2054" name="Picture 6" descr="The Meeting of the Minds That Launched AI - IEEE Spectrum"/>
+          <p:cNvPicPr>
+            <a:picLocks noChangeAspect="1" noChangeArrowheads="1"/>
+          </p:cNvPicPr>
+          <p:nvPr/>
+        </p:nvPicPr>
+        <p:blipFill>
+          <a:blip r:embed="rId3">
+            <a:extLst>
+              <a:ext uri="{28A0092B-C50C-407E-A947-70E740481C1C}">
+                <a14:useLocalDpi xmlns:a14="http://schemas.microsoft.com/office/drawing/2010/main" val="0"/>
+              </a:ext>
+            </a:extLst>
+          </a:blip>
+          <a:srcRect/>
+          <a:stretch>
+            <a:fillRect/>
+          </a:stretch>
+        </p:blipFill>
+        <p:spPr bwMode="auto">
+          <a:xfrm>
+            <a:off x="5135851" y="3735698"/>
+            <a:ext cx="5550535" cy="2775268"/>
+          </a:xfrm>
+          <a:prstGeom prst="rect">
+            <a:avLst/>
+          </a:prstGeom>
+          <a:noFill/>
+          <a:extLst>
+            <a:ext uri="{909E8E84-426E-40DD-AFC4-6F175D3DCCD1}">
+              <a14:hiddenFill xmlns:a14="http://schemas.microsoft.com/office/drawing/2010/main">
+                <a:solidFill>
+                  <a:srgbClr val="FFFFFF"/>
+                </a:solidFill>
+              </a14:hiddenFill>
+            </a:ext>
+          </a:extLst>
+        </p:spPr>
+      </p:pic>
+    </p:spTree>
+    <p:extLst>
+      <p:ext uri="{BB962C8B-B14F-4D97-AF65-F5344CB8AC3E}">
+        <p14:creationId xmlns:p14="http://schemas.microsoft.com/office/powerpoint/2010/main" val="1532530965"/>
+      </p:ext>
+    </p:extLst>
+  </p:cSld>
+  <p:clrMapOvr>
+    <a:masterClrMapping/>
+  </p:clrMapOvr>
+  <p:timing>
+    <p:tnLst>
+      <p:par>
+        <p:cTn id="1" dur="indefinite" restart="never" nodeType="tmRoot"/>
+      </p:par>
+    </p:tnLst>
+  </p:timing>
+</p:sld>
+</file>
+
+<file path=ppt/slides/slide14.xml><?xml version="1.0" encoding="utf-8"?>
+<p:sld xmlns:a="http://schemas.openxmlformats.org/drawingml/2006/main" xmlns:r="http://schemas.openxmlformats.org/officeDocument/2006/relationships" xmlns:p="http://schemas.openxmlformats.org/presentationml/2006/main">
+  <p:cSld>
+    <p:spTree>
+      <p:nvGrpSpPr>
+        <p:cNvPr id="1" name=""/>
+        <p:cNvGrpSpPr/>
+        <p:nvPr/>
+      </p:nvGrpSpPr>
+      <p:grpSpPr>
+        <a:xfrm>
+          <a:off x="0" y="0"/>
+          <a:ext cx="0" cy="0"/>
+          <a:chOff x="0" y="0"/>
+          <a:chExt cx="0" cy="0"/>
+        </a:xfrm>
+      </p:grpSpPr>
+      <p:sp>
+        <p:nvSpPr>
+          <p:cNvPr id="2" name="Título 1">
+            <a:extLst>
+              <a:ext uri="{FF2B5EF4-FFF2-40B4-BE49-F238E27FC236}">
+                <a16:creationId xmlns="" xmlns:a16="http://schemas.microsoft.com/office/drawing/2014/main" id="{B7EBC8F7-03EF-338A-A90B-280A41AF9688}"/>
+              </a:ext>
+            </a:extLst>
+          </p:cNvPr>
+          <p:cNvSpPr>
+            <a:spLocks noGrp="1"/>
+          </p:cNvSpPr>
+          <p:nvPr>
+            <p:ph type="title"/>
+          </p:nvPr>
+        </p:nvSpPr>
+        <p:spPr/>
+        <p:txBody>
+          <a:bodyPr/>
+          <a:lstStyle/>
+          <a:p>
+            <a:r>
+              <a:rPr lang="pt-BR" dirty="0"/>
+              <a:t>Comparação com outros algoritmos</a:t>
+            </a:r>
+          </a:p>
+        </p:txBody>
+      </p:sp>
+      <p:sp>
+        <p:nvSpPr>
+          <p:cNvPr id="3" name="Espaço Reservado para Conteúdo 2">
+            <a:extLst>
+              <a:ext uri="{FF2B5EF4-FFF2-40B4-BE49-F238E27FC236}">
+                <a16:creationId xmlns="" xmlns:a16="http://schemas.microsoft.com/office/drawing/2014/main" id="{C525BCE7-C19D-7DDA-016A-E3016C398CBA}"/>
+              </a:ext>
+            </a:extLst>
+          </p:cNvPr>
+          <p:cNvSpPr>
+            <a:spLocks noGrp="1"/>
+          </p:cNvSpPr>
+          <p:nvPr>
+            <p:ph idx="1"/>
+          </p:nvPr>
+        </p:nvSpPr>
+        <p:spPr/>
+        <p:txBody>
+          <a:bodyPr/>
+          <a:lstStyle/>
+          <a:p>
+            <a:endParaRPr lang="pt-BR"/>
+          </a:p>
+        </p:txBody>
+      </p:sp>
+    </p:spTree>
+    <p:extLst>
+      <p:ext uri="{BB962C8B-B14F-4D97-AF65-F5344CB8AC3E}">
+        <p14:creationId xmlns:p14="http://schemas.microsoft.com/office/powerpoint/2010/main" val="3601469261"/>
+      </p:ext>
+    </p:extLst>
+  </p:cSld>
+  <p:clrMapOvr>
+    <a:masterClrMapping/>
+  </p:clrMapOvr>
+</p:sld>
+</file>
+
+<file path=ppt/slides/slide15.xml><?xml version="1.0" encoding="utf-8"?>
+<p:sld xmlns:a="http://schemas.openxmlformats.org/drawingml/2006/main" xmlns:r="http://schemas.openxmlformats.org/officeDocument/2006/relationships" xmlns:p="http://schemas.openxmlformats.org/presentationml/2006/main">
+  <p:cSld>
+    <p:spTree>
+      <p:nvGrpSpPr>
+        <p:cNvPr id="1" name=""/>
+        <p:cNvGrpSpPr/>
+        <p:nvPr/>
+      </p:nvGrpSpPr>
+      <p:grpSpPr>
+        <a:xfrm>
+          <a:off x="0" y="0"/>
+          <a:ext cx="0" cy="0"/>
+          <a:chOff x="0" y="0"/>
+          <a:chExt cx="0" cy="0"/>
+        </a:xfrm>
+      </p:grpSpPr>
+      <p:sp>
+        <p:nvSpPr>
           <p:cNvPr id="4" name="Título 1">
             <a:extLst>
               <a:ext uri="{FF2B5EF4-FFF2-40B4-BE49-F238E27FC236}">
-                <a16:creationId xmlns:a16="http://schemas.microsoft.com/office/drawing/2014/main" xmlns="" id="{32666AC8-2E17-4DB4-B0F5-60C640CCFD2E}"/>
+                <a16:creationId xmlns="" xmlns:a16="http://schemas.microsoft.com/office/drawing/2014/main" id="{32666AC8-2E17-4DB4-B0F5-60C640CCFD2E}"/>
               </a:ext>
             </a:extLst>
           </p:cNvPr>
@@ -4599,7 +5749,7 @@
 </p:sld>
 </file>
 
-<file path=ppt/slides/slide12.xml><?xml version="1.0" encoding="utf-8"?>
+<file path=ppt/slides/slide16.xml><?xml version="1.0" encoding="utf-8"?>
 <p:sld xmlns:a="http://schemas.openxmlformats.org/drawingml/2006/main" xmlns:r="http://schemas.openxmlformats.org/officeDocument/2006/relationships" xmlns:p="http://schemas.openxmlformats.org/presentationml/2006/main">
   <p:cSld>
     <p:spTree>
@@ -4621,7 +5771,7 @@
           <p:cNvPr id="2" name="Título 1">
             <a:extLst>
               <a:ext uri="{FF2B5EF4-FFF2-40B4-BE49-F238E27FC236}">
-                <a16:creationId xmlns:a16="http://schemas.microsoft.com/office/drawing/2014/main" xmlns="" id="{3CA32550-8C76-B013-2EC7-989D8C3B19BE}"/>
+                <a16:creationId xmlns="" xmlns:a16="http://schemas.microsoft.com/office/drawing/2014/main" id="{3CA32550-8C76-B013-2EC7-989D8C3B19BE}"/>
               </a:ext>
             </a:extLst>
           </p:cNvPr>
@@ -4649,7 +5799,7 @@
           <p:cNvPr id="3" name="Espaço Reservado para Conteúdo 2">
             <a:extLst>
               <a:ext uri="{FF2B5EF4-FFF2-40B4-BE49-F238E27FC236}">
-                <a16:creationId xmlns:a16="http://schemas.microsoft.com/office/drawing/2014/main" xmlns="" id="{EF043237-7757-7557-B63E-D4EB5152D44B}"/>
+                <a16:creationId xmlns="" xmlns:a16="http://schemas.microsoft.com/office/drawing/2014/main" id="{EF043237-7757-7557-B63E-D4EB5152D44B}"/>
               </a:ext>
             </a:extLst>
           </p:cNvPr>
@@ -4682,7 +5832,7 @@
 </p:sld>
 </file>
 
-<file path=ppt/slides/slide13.xml><?xml version="1.0" encoding="utf-8"?>
+<file path=ppt/slides/slide17.xml><?xml version="1.0" encoding="utf-8"?>
 <p:sld xmlns:a="http://schemas.openxmlformats.org/drawingml/2006/main" xmlns:r="http://schemas.openxmlformats.org/officeDocument/2006/relationships" xmlns:p="http://schemas.openxmlformats.org/presentationml/2006/main">
   <p:cSld>
     <p:spTree>
@@ -4704,7 +5854,7 @@
           <p:cNvPr id="4" name="Título 1">
             <a:extLst>
               <a:ext uri="{FF2B5EF4-FFF2-40B4-BE49-F238E27FC236}">
-                <a16:creationId xmlns:a16="http://schemas.microsoft.com/office/drawing/2014/main" xmlns="" id="{32666AC8-2E17-4DB4-B0F5-60C640CCFD2E}"/>
+                <a16:creationId xmlns="" xmlns:a16="http://schemas.microsoft.com/office/drawing/2014/main" id="{32666AC8-2E17-4DB4-B0F5-60C640CCFD2E}"/>
               </a:ext>
             </a:extLst>
           </p:cNvPr>
@@ -4790,7 +5940,7 @@
           <p:cNvPr id="2" name="Título 1">
             <a:extLst>
               <a:ext uri="{FF2B5EF4-FFF2-40B4-BE49-F238E27FC236}">
-                <a16:creationId xmlns:a16="http://schemas.microsoft.com/office/drawing/2014/main" xmlns="" id="{7F5FF925-67DE-CC62-E869-C6E3C1D771E6}"/>
+                <a16:creationId xmlns="" xmlns:a16="http://schemas.microsoft.com/office/drawing/2014/main" id="{7F5FF925-67DE-CC62-E869-C6E3C1D771E6}"/>
               </a:ext>
             </a:extLst>
           </p:cNvPr>
@@ -4819,7 +5969,7 @@
           <p:cNvPr id="3" name="Espaço Reservado para Conteúdo 2">
             <a:extLst>
               <a:ext uri="{FF2B5EF4-FFF2-40B4-BE49-F238E27FC236}">
-                <a16:creationId xmlns:a16="http://schemas.microsoft.com/office/drawing/2014/main" xmlns="" id="{7DA84068-671A-9D40-4F76-2C57E4F720C2}"/>
+                <a16:creationId xmlns="" xmlns:a16="http://schemas.microsoft.com/office/drawing/2014/main" id="{7DA84068-671A-9D40-4F76-2C57E4F720C2}"/>
               </a:ext>
             </a:extLst>
           </p:cNvPr>
@@ -4830,7 +5980,12 @@
             <p:ph idx="1"/>
           </p:nvPr>
         </p:nvSpPr>
-        <p:spPr/>
+        <p:spPr>
+          <a:xfrm>
+            <a:off x="838199" y="1825625"/>
+            <a:ext cx="11065625" cy="4351338"/>
+          </a:xfrm>
+        </p:spPr>
         <p:txBody>
           <a:bodyPr/>
           <a:lstStyle/>
@@ -4930,8 +6085,44 @@
             </a:r>
             <a:r>
               <a:rPr lang="pt-BR" dirty="0" smtClean="0"/>
-              <a:t>: à definir.</a:t>
-            </a:r>
+              <a:t>: à definir</a:t>
+            </a:r>
+            <a:r>
+              <a:rPr lang="pt-BR" dirty="0" smtClean="0"/>
+              <a:t>.</a:t>
+            </a:r>
+          </a:p>
+          <a:p>
+            <a:r>
+              <a:rPr lang="pt-BR" b="1" dirty="0" smtClean="0"/>
+              <a:t>Material </a:t>
+            </a:r>
+            <a:r>
+              <a:rPr lang="pt-BR" b="1" dirty="0"/>
+              <a:t>do curso</a:t>
+            </a:r>
+            <a:r>
+              <a:rPr lang="pt-BR" dirty="0"/>
+              <a:t>: </a:t>
+            </a:r>
+            <a:r>
+              <a:rPr lang="pt-BR" dirty="0">
+                <a:hlinkClick r:id="rId2"/>
+              </a:rPr>
+              <a:t>https://</a:t>
+            </a:r>
+            <a:r>
+              <a:rPr lang="pt-BR" dirty="0" smtClean="0">
+                <a:hlinkClick r:id="rId2"/>
+              </a:rPr>
+              <a:t>github.com/zz4fap/c24_inteligencia_artificial</a:t>
+            </a:r>
+            <a:endParaRPr lang="pt-BR" dirty="0" smtClean="0"/>
+          </a:p>
+          <a:p>
+            <a:pPr marL="0" indent="0">
+              <a:buNone/>
+            </a:pPr>
             <a:endParaRPr lang="pt-BR" dirty="0"/>
           </a:p>
         </p:txBody>
@@ -4978,7 +6169,7 @@
           <p:cNvPr id="2" name="Título 1">
             <a:extLst>
               <a:ext uri="{FF2B5EF4-FFF2-40B4-BE49-F238E27FC236}">
-                <a16:creationId xmlns:a16="http://schemas.microsoft.com/office/drawing/2014/main" xmlns="" id="{7F5FF925-67DE-CC62-E869-C6E3C1D771E6}"/>
+                <a16:creationId xmlns="" xmlns:a16="http://schemas.microsoft.com/office/drawing/2014/main" id="{7F5FF925-67DE-CC62-E869-C6E3C1D771E6}"/>
               </a:ext>
             </a:extLst>
           </p:cNvPr>
@@ -9770,7 +10961,7 @@
           <p:cNvPr id="2" name="Título 1">
             <a:extLst>
               <a:ext uri="{FF2B5EF4-FFF2-40B4-BE49-F238E27FC236}">
-                <a16:creationId xmlns:a16="http://schemas.microsoft.com/office/drawing/2014/main" xmlns="" id="{7F5FF925-67DE-CC62-E869-C6E3C1D771E6}"/>
+                <a16:creationId xmlns="" xmlns:a16="http://schemas.microsoft.com/office/drawing/2014/main" id="{7F5FF925-67DE-CC62-E869-C6E3C1D771E6}"/>
               </a:ext>
             </a:extLst>
           </p:cNvPr>
@@ -9794,14 +10985,14 @@
           </a:p>
         </p:txBody>
       </p:sp>
-      <mc:AlternateContent xmlns:mc="http://schemas.openxmlformats.org/markup-compatibility/2006" xmlns:a14="http://schemas.microsoft.com/office/drawing/2010/main">
-        <mc:Choice Requires="a14">
+      <mc:AlternateContent xmlns:mc="http://schemas.openxmlformats.org/markup-compatibility/2006">
+        <mc:Choice xmlns:a14="http://schemas.microsoft.com/office/drawing/2010/main" Requires="a14">
           <p:sp>
             <p:nvSpPr>
               <p:cNvPr id="3" name="Espaço Reservado para Conteúdo 2">
                 <a:extLst>
                   <a:ext uri="{FF2B5EF4-FFF2-40B4-BE49-F238E27FC236}">
-                    <a16:creationId xmlns:a16="http://schemas.microsoft.com/office/drawing/2014/main" xmlns="" id="{7DA84068-671A-9D40-4F76-2C57E4F720C2}"/>
+                    <a16:creationId xmlns="" xmlns:a16="http://schemas.microsoft.com/office/drawing/2014/main" id="{7DA84068-671A-9D40-4F76-2C57E4F720C2}"/>
                   </a:ext>
                 </a:extLst>
               </p:cNvPr>
@@ -9815,7 +11006,7 @@
             <p:spPr>
               <a:xfrm>
                 <a:off x="838200" y="1825624"/>
-                <a:ext cx="9336578" cy="5032375"/>
+                <a:ext cx="9103822" cy="5032375"/>
               </a:xfrm>
             </p:spPr>
             <p:txBody>
@@ -10178,13 +11369,13 @@
             </p:txBody>
           </p:sp>
         </mc:Choice>
-        <mc:Fallback xmlns="">
+        <mc:Fallback>
           <p:sp>
             <p:nvSpPr>
               <p:cNvPr id="3" name="Espaço Reservado para Conteúdo 2">
                 <a:extLst>
                   <a:ext uri="{FF2B5EF4-FFF2-40B4-BE49-F238E27FC236}">
-                    <a16:creationId xmlns="" xmlns:a16="http://schemas.microsoft.com/office/drawing/2014/main" id="{7DA84068-671A-9D40-4F76-2C57E4F720C2}"/>
+                    <a16:creationId xmlns="" xmlns:a16="http://schemas.microsoft.com/office/drawing/2014/main" xmlns:a14="http://schemas.microsoft.com/office/drawing/2010/main" id="{7DA84068-671A-9D40-4F76-2C57E4F720C2}"/>
                   </a:ext>
                 </a:extLst>
               </p:cNvPr>
@@ -10198,12 +11389,12 @@
             <p:spPr>
               <a:xfrm>
                 <a:off x="838200" y="1825624"/>
-                <a:ext cx="9336578" cy="5032375"/>
+                <a:ext cx="9103822" cy="5032375"/>
               </a:xfrm>
               <a:blipFill rotWithShape="0">
                 <a:blip r:embed="rId2"/>
                 <a:stretch>
-                  <a:fillRect l="-1045" t="-2421"/>
+                  <a:fillRect l="-1072" t="-2421" r="-804"/>
                 </a:stretch>
               </a:blipFill>
             </p:spPr>
@@ -10305,7 +11496,7 @@
           <p:cNvPr id="2" name="Título 1">
             <a:extLst>
               <a:ext uri="{FF2B5EF4-FFF2-40B4-BE49-F238E27FC236}">
-                <a16:creationId xmlns:a16="http://schemas.microsoft.com/office/drawing/2014/main" xmlns="" id="{94AB8438-E56E-2412-517C-8456E4CA773C}"/>
+                <a16:creationId xmlns="" xmlns:a16="http://schemas.microsoft.com/office/drawing/2014/main" id="{94AB8438-E56E-2412-517C-8456E4CA773C}"/>
               </a:ext>
             </a:extLst>
           </p:cNvPr>
@@ -10334,7 +11525,7 @@
           <p:cNvPr id="3" name="Espaço Reservado para Conteúdo 2">
             <a:extLst>
               <a:ext uri="{FF2B5EF4-FFF2-40B4-BE49-F238E27FC236}">
-                <a16:creationId xmlns:a16="http://schemas.microsoft.com/office/drawing/2014/main" xmlns="" id="{F7E2B09C-6D56-4C9F-A364-B904CCE2F1A0}"/>
+                <a16:creationId xmlns="" xmlns:a16="http://schemas.microsoft.com/office/drawing/2014/main" id="{F7E2B09C-6D56-4C9F-A364-B904CCE2F1A0}"/>
               </a:ext>
             </a:extLst>
           </p:cNvPr>
@@ -10438,10 +11629,72 @@
       </p:grpSpPr>
       <p:sp>
         <p:nvSpPr>
+          <p:cNvPr id="3" name="Espaço Reservado para Conteúdo 2"/>
+          <p:cNvSpPr>
+            <a:spLocks noGrp="1"/>
+          </p:cNvSpPr>
+          <p:nvPr>
+            <p:ph idx="1"/>
+          </p:nvPr>
+        </p:nvSpPr>
+        <p:spPr>
+          <a:xfrm>
+            <a:off x="838200" y="748145"/>
+            <a:ext cx="10515600" cy="5428818"/>
+          </a:xfrm>
+        </p:spPr>
+        <p:txBody>
+          <a:bodyPr anchor="ctr">
+            <a:normAutofit/>
+          </a:bodyPr>
+          <a:lstStyle/>
+          <a:p>
+            <a:pPr marL="0" indent="0" algn="ctr">
+              <a:buNone/>
+            </a:pPr>
+            <a:r>
+              <a:rPr lang="pt-BR" sz="6600" dirty="0"/>
+              <a:t>O que é essa tal de IA?</a:t>
+            </a:r>
+          </a:p>
+        </p:txBody>
+      </p:sp>
+    </p:spTree>
+    <p:extLst>
+      <p:ext uri="{BB962C8B-B14F-4D97-AF65-F5344CB8AC3E}">
+        <p14:creationId xmlns:p14="http://schemas.microsoft.com/office/powerpoint/2010/main" val="1283804206"/>
+      </p:ext>
+    </p:extLst>
+  </p:cSld>
+  <p:clrMapOvr>
+    <a:masterClrMapping/>
+  </p:clrMapOvr>
+</p:sld>
+</file>
+
+<file path=ppt/slides/slide7.xml><?xml version="1.0" encoding="utf-8"?>
+<p:sld xmlns:a="http://schemas.openxmlformats.org/drawingml/2006/main" xmlns:r="http://schemas.openxmlformats.org/officeDocument/2006/relationships" xmlns:p="http://schemas.openxmlformats.org/presentationml/2006/main">
+  <p:cSld>
+    <p:spTree>
+      <p:nvGrpSpPr>
+        <p:cNvPr id="1" name=""/>
+        <p:cNvGrpSpPr/>
+        <p:nvPr/>
+      </p:nvGrpSpPr>
+      <p:grpSpPr>
+        <a:xfrm>
+          <a:off x="0" y="0"/>
+          <a:ext cx="0" cy="0"/>
+          <a:chOff x="0" y="0"/>
+          <a:chExt cx="0" cy="0"/>
+        </a:xfrm>
+      </p:grpSpPr>
+      <p:sp>
+        <p:nvSpPr>
           <p:cNvPr id="2" name="Título 1">
             <a:extLst>
               <a:ext uri="{FF2B5EF4-FFF2-40B4-BE49-F238E27FC236}">
-                <a16:creationId xmlns:a16="http://schemas.microsoft.com/office/drawing/2014/main" xmlns="" id="{083FFF02-0FC8-9F0B-AAB0-565FC99EA70D}"/>
+                <a16:creationId xmlns="" xmlns:a16="http://schemas.microsoft.com/office/drawing/2014/main" id="{083FFF02-0FC8-9F0B-AAB0-565FC99EA70D}"/>
               </a:ext>
             </a:extLst>
           </p:cNvPr>
@@ -10470,7 +11723,7 @@
           <p:cNvPr id="3" name="Espaço Reservado para Conteúdo 2">
             <a:extLst>
               <a:ext uri="{FF2B5EF4-FFF2-40B4-BE49-F238E27FC236}">
-                <a16:creationId xmlns:a16="http://schemas.microsoft.com/office/drawing/2014/main" xmlns="" id="{8C5488AE-34B4-EF1D-F674-507FF2FCD122}"/>
+                <a16:creationId xmlns="" xmlns:a16="http://schemas.microsoft.com/office/drawing/2014/main" id="{8C5488AE-34B4-EF1D-F674-507FF2FCD122}"/>
               </a:ext>
             </a:extLst>
           </p:cNvPr>
@@ -10718,7 +11971,7 @@
 </p:sld>
 </file>
 
-<file path=ppt/slides/slide7.xml><?xml version="1.0" encoding="utf-8"?>
+<file path=ppt/slides/slide8.xml><?xml version="1.0" encoding="utf-8"?>
 <p:sld xmlns:a="http://schemas.openxmlformats.org/drawingml/2006/main" xmlns:r="http://schemas.openxmlformats.org/officeDocument/2006/relationships" xmlns:p="http://schemas.openxmlformats.org/presentationml/2006/main">
   <p:cSld>
     <p:spTree>
@@ -10726,7 +11979,7 @@
         <p:cNvPr id="1" name="">
           <a:extLst>
             <a:ext uri="{FF2B5EF4-FFF2-40B4-BE49-F238E27FC236}">
-              <a16:creationId xmlns:a16="http://schemas.microsoft.com/office/drawing/2014/main" xmlns="" id="{E1C9F56A-97FC-7CCD-E5BA-3B5E230AD9AB}"/>
+              <a16:creationId xmlns="" xmlns:a16="http://schemas.microsoft.com/office/drawing/2014/main" id="{E1C9F56A-97FC-7CCD-E5BA-3B5E230AD9AB}"/>
             </a:ext>
           </a:extLst>
         </p:cNvPr>
@@ -10746,7 +11999,7 @@
           <p:cNvPr id="2" name="Título 1">
             <a:extLst>
               <a:ext uri="{FF2B5EF4-FFF2-40B4-BE49-F238E27FC236}">
-                <a16:creationId xmlns:a16="http://schemas.microsoft.com/office/drawing/2014/main" xmlns="" id="{A979DAB9-0612-F0CD-7BB1-AF52B98B3210}"/>
+                <a16:creationId xmlns="" xmlns:a16="http://schemas.microsoft.com/office/drawing/2014/main" id="{A979DAB9-0612-F0CD-7BB1-AF52B98B3210}"/>
               </a:ext>
             </a:extLst>
           </p:cNvPr>
@@ -10797,8 +12050,8 @@
         </p:blipFill>
         <p:spPr bwMode="auto">
           <a:xfrm>
-            <a:off x="3591097" y="4312517"/>
-            <a:ext cx="2227812" cy="2322325"/>
+            <a:off x="3042456" y="4177580"/>
+            <a:ext cx="2377441" cy="2478302"/>
           </a:xfrm>
           <a:prstGeom prst="rect">
             <a:avLst/>
@@ -10838,7 +12091,7 @@
         </p:blipFill>
         <p:spPr bwMode="auto">
           <a:xfrm>
-            <a:off x="838199" y="1825625"/>
+            <a:off x="289559" y="1690688"/>
             <a:ext cx="2486891" cy="2486892"/>
           </a:xfrm>
           <a:prstGeom prst="rect">
@@ -10861,7 +12114,7 @@
           <p:cNvPr id="7" name="Espaço Reservado para Conteúdo 2">
             <a:extLst>
               <a:ext uri="{FF2B5EF4-FFF2-40B4-BE49-F238E27FC236}">
-                <a16:creationId xmlns:a16="http://schemas.microsoft.com/office/drawing/2014/main" xmlns="" id="{62A55622-8E11-E5D7-8EAF-7AE2CCAA3321}"/>
+                <a16:creationId xmlns="" xmlns:a16="http://schemas.microsoft.com/office/drawing/2014/main" id="{62A55622-8E11-E5D7-8EAF-7AE2CCAA3321}"/>
               </a:ext>
             </a:extLst>
           </p:cNvPr>
@@ -10874,13 +12127,13 @@
         </p:nvSpPr>
         <p:spPr>
           <a:xfrm>
-            <a:off x="6084915" y="1825624"/>
-            <a:ext cx="5885411" cy="5032375"/>
+            <a:off x="6483927" y="1825624"/>
+            <a:ext cx="5486399" cy="5032375"/>
           </a:xfrm>
         </p:spPr>
         <p:txBody>
           <a:bodyPr>
-            <a:normAutofit lnSpcReduction="10000"/>
+            <a:normAutofit/>
           </a:bodyPr>
           <a:lstStyle/>
           <a:p>
@@ -10894,19 +12147,11 @@
             </a:r>
             <a:r>
               <a:rPr lang="pt-BR" altLang="pt-BR" dirty="0"/>
-              <a:t>vs. </a:t>
-            </a:r>
-            <a:r>
-              <a:rPr lang="pt-BR" altLang="pt-BR" dirty="0"/>
-              <a:t>o</a:t>
-            </a:r>
-            <a:r>
-              <a:rPr lang="pt-BR" altLang="pt-BR" smtClean="0"/>
-              <a:t> </a:t>
+              <a:t>vs. o</a:t>
             </a:r>
             <a:r>
               <a:rPr lang="pt-BR" altLang="pt-BR" dirty="0" smtClean="0"/>
-              <a:t>que </a:t>
+              <a:t> que </a:t>
             </a:r>
             <a:r>
               <a:rPr lang="pt-BR" altLang="pt-BR" dirty="0"/>
@@ -10920,20 +12165,6 @@
           <a:p>
             <a:r>
               <a:rPr lang="pt-BR" dirty="0" smtClean="0"/>
-              <a:t>A </a:t>
-            </a:r>
-            <a:r>
-              <a:rPr lang="pt-BR" dirty="0"/>
-              <a:t>revolução das máquinas parou na dificuldade de subir degraus</a:t>
-            </a:r>
-            <a:r>
-              <a:rPr lang="pt-BR" dirty="0" smtClean="0"/>
-              <a:t>.</a:t>
-            </a:r>
-          </a:p>
-          <a:p>
-            <a:r>
-              <a:rPr lang="pt-BR" dirty="0" smtClean="0"/>
               <a:t>Processar </a:t>
             </a:r>
             <a:r>
@@ -10947,27 +12178,68 @@
           </a:p>
           <a:p>
             <a:r>
-              <a:rPr lang="pt-BR" b="1" dirty="0"/>
+              <a:rPr lang="pt-BR" dirty="0"/>
               <a:t>O que é difícil para </a:t>
             </a:r>
             <a:r>
-              <a:rPr lang="pt-BR" b="1" dirty="0" smtClean="0"/>
+              <a:rPr lang="pt-BR" dirty="0" smtClean="0"/>
               <a:t>humanos (e.g., cálculos complexos) </a:t>
             </a:r>
             <a:r>
-              <a:rPr lang="pt-BR" b="1" dirty="0"/>
+              <a:rPr lang="pt-BR" dirty="0"/>
               <a:t>é fácil para a </a:t>
             </a:r>
             <a:r>
-              <a:rPr lang="pt-BR" b="1" dirty="0" smtClean="0"/>
-              <a:t>IA e vice versa (e.g., andar, reconhecer rostos).</a:t>
-            </a:r>
-            <a:endParaRPr lang="pt-BR" dirty="0" smtClean="0"/>
+              <a:rPr lang="pt-BR" dirty="0" smtClean="0"/>
+              <a:t>IA e vice versa (e.g., </a:t>
+            </a:r>
+            <a:r>
+              <a:rPr lang="pt-BR" dirty="0" smtClean="0"/>
+              <a:t>andar e </a:t>
+            </a:r>
+            <a:r>
+              <a:rPr lang="pt-BR" dirty="0" smtClean="0"/>
+              <a:t>reconhecer rostos).</a:t>
+            </a:r>
           </a:p>
           <a:p>
             <a:endParaRPr lang="pt-BR" altLang="pt-BR" dirty="0"/>
           </a:p>
           <a:p>
+            <a:endParaRPr lang="pt-BR" dirty="0"/>
+          </a:p>
+        </p:txBody>
+      </p:sp>
+      <p:sp>
+        <p:nvSpPr>
+          <p:cNvPr id="3" name="Retângulo 2"/>
+          <p:cNvSpPr/>
+          <p:nvPr/>
+        </p:nvSpPr>
+        <p:spPr>
+          <a:xfrm>
+            <a:off x="3042456" y="2472469"/>
+            <a:ext cx="2804160" cy="923330"/>
+          </a:xfrm>
+          <a:prstGeom prst="rect">
+            <a:avLst/>
+          </a:prstGeom>
+        </p:spPr>
+        <p:txBody>
+          <a:bodyPr wrap="square">
+            <a:spAutoFit/>
+          </a:bodyPr>
+          <a:lstStyle/>
+          <a:p>
+            <a:pPr algn="ctr"/>
+            <a:r>
+              <a:rPr lang="pt-BR" dirty="0"/>
+              <a:t>A revolução das máquinas parou na dificuldade de subir degraus</a:t>
+            </a:r>
+            <a:r>
+              <a:rPr lang="pt-BR" dirty="0" smtClean="0"/>
+              <a:t>.....</a:t>
+            </a:r>
             <a:endParaRPr lang="pt-BR" dirty="0"/>
           </a:p>
         </p:txBody>
@@ -10976,110 +12248,6 @@
     <p:extLst>
       <p:ext uri="{BB962C8B-B14F-4D97-AF65-F5344CB8AC3E}">
         <p14:creationId xmlns:p14="http://schemas.microsoft.com/office/powerpoint/2010/main" val="3906980817"/>
-      </p:ext>
-    </p:extLst>
-  </p:cSld>
-  <p:clrMapOvr>
-    <a:masterClrMapping/>
-  </p:clrMapOvr>
-  <p:timing>
-    <p:tnLst>
-      <p:par>
-        <p:cTn id="1" dur="indefinite" restart="never" nodeType="tmRoot"/>
-      </p:par>
-    </p:tnLst>
-  </p:timing>
-</p:sld>
-</file>
-
-<file path=ppt/slides/slide8.xml><?xml version="1.0" encoding="utf-8"?>
-<p:sld xmlns:a="http://schemas.openxmlformats.org/drawingml/2006/main" xmlns:r="http://schemas.openxmlformats.org/officeDocument/2006/relationships" xmlns:p="http://schemas.openxmlformats.org/presentationml/2006/main">
-  <p:cSld>
-    <p:spTree>
-      <p:nvGrpSpPr>
-        <p:cNvPr id="1" name="">
-          <a:extLst>
-            <a:ext uri="{FF2B5EF4-FFF2-40B4-BE49-F238E27FC236}">
-              <a16:creationId xmlns:a16="http://schemas.microsoft.com/office/drawing/2014/main" xmlns="" id="{B28A9759-CA4F-DA4F-85C2-F6E51DCED2D9}"/>
-            </a:ext>
-          </a:extLst>
-        </p:cNvPr>
-        <p:cNvGrpSpPr/>
-        <p:nvPr/>
-      </p:nvGrpSpPr>
-      <p:grpSpPr>
-        <a:xfrm>
-          <a:off x="0" y="0"/>
-          <a:ext cx="0" cy="0"/>
-          <a:chOff x="0" y="0"/>
-          <a:chExt cx="0" cy="0"/>
-        </a:xfrm>
-      </p:grpSpPr>
-      <p:sp>
-        <p:nvSpPr>
-          <p:cNvPr id="2" name="Título 1">
-            <a:extLst>
-              <a:ext uri="{FF2B5EF4-FFF2-40B4-BE49-F238E27FC236}">
-                <a16:creationId xmlns:a16="http://schemas.microsoft.com/office/drawing/2014/main" xmlns="" id="{072F732D-34CE-6153-324F-D7F6821577F0}"/>
-              </a:ext>
-            </a:extLst>
-          </p:cNvPr>
-          <p:cNvSpPr>
-            <a:spLocks noGrp="1"/>
-          </p:cNvSpPr>
-          <p:nvPr>
-            <p:ph type="title"/>
-          </p:nvPr>
-        </p:nvSpPr>
-        <p:spPr/>
-        <p:txBody>
-          <a:bodyPr/>
-          <a:lstStyle/>
-          <a:p>
-            <a:r>
-              <a:rPr lang="pt-BR" dirty="0"/>
-              <a:t>Vantagens e desvantagens</a:t>
-            </a:r>
-          </a:p>
-        </p:txBody>
-      </p:sp>
-      <p:sp>
-        <p:nvSpPr>
-          <p:cNvPr id="3" name="Espaço Reservado para Conteúdo 2">
-            <a:extLst>
-              <a:ext uri="{FF2B5EF4-FFF2-40B4-BE49-F238E27FC236}">
-                <a16:creationId xmlns:a16="http://schemas.microsoft.com/office/drawing/2014/main" xmlns="" id="{62A55622-8E11-E5D7-8EAF-7AE2CCAA3321}"/>
-              </a:ext>
-            </a:extLst>
-          </p:cNvPr>
-          <p:cNvSpPr>
-            <a:spLocks noGrp="1"/>
-          </p:cNvSpPr>
-          <p:nvPr>
-            <p:ph idx="1"/>
-          </p:nvPr>
-        </p:nvSpPr>
-        <p:spPr/>
-        <p:txBody>
-          <a:bodyPr/>
-          <a:lstStyle/>
-          <a:p>
-            <a:r>
-              <a:rPr lang="pt-BR" altLang="pt-BR" dirty="0">
-                <a:latin typeface="Arial" panose="020B0604020202020204" pitchFamily="34" charset="0"/>
-              </a:rPr>
-              <a:t>O que o cinema prometeu vs. O que temos hoje.</a:t>
-            </a:r>
-          </a:p>
-          <a:p>
-            <a:endParaRPr lang="pt-BR" dirty="0"/>
-          </a:p>
-        </p:txBody>
-      </p:sp>
-    </p:spTree>
-    <p:extLst>
-      <p:ext uri="{BB962C8B-B14F-4D97-AF65-F5344CB8AC3E}">
-        <p14:creationId xmlns:p14="http://schemas.microsoft.com/office/powerpoint/2010/main" val="1521811257"/>
       </p:ext>
     </p:extLst>
   </p:cSld>
@@ -11115,13 +12283,7 @@
       </p:grpSpPr>
       <p:sp>
         <p:nvSpPr>
-          <p:cNvPr id="2" name="Título 1">
-            <a:extLst>
-              <a:ext uri="{FF2B5EF4-FFF2-40B4-BE49-F238E27FC236}">
-                <a16:creationId xmlns:a16="http://schemas.microsoft.com/office/drawing/2014/main" xmlns="" id="{B9E502FC-4440-F5DA-F299-69CD15E702AE}"/>
-              </a:ext>
-            </a:extLst>
-          </p:cNvPr>
+          <p:cNvPr id="2" name="Título 1"/>
           <p:cNvSpPr>
             <a:spLocks noGrp="1"/>
           </p:cNvSpPr>
@@ -11135,54 +12297,258 @@
           <a:lstStyle/>
           <a:p>
             <a:r>
-              <a:rPr lang="pt-BR" dirty="0"/>
-              <a:t>Exemplo(s) de aplicação</a:t>
-            </a:r>
+              <a:rPr lang="pt-BR" dirty="0" smtClean="0"/>
+              <a:t>O que vocês acham que é IA?</a:t>
+            </a:r>
+            <a:endParaRPr lang="pt-BR" dirty="0"/>
           </a:p>
         </p:txBody>
       </p:sp>
+      <p:pic>
+        <p:nvPicPr>
+          <p:cNvPr id="3074" name="Picture 2" descr="O Exterminador do Futuro': James Cameron revela o que considera “digno de  vergonha”"/>
+          <p:cNvPicPr>
+            <a:picLocks noChangeAspect="1" noChangeArrowheads="1"/>
+          </p:cNvPicPr>
+          <p:nvPr/>
+        </p:nvPicPr>
+        <p:blipFill>
+          <a:blip r:embed="rId3" cstate="print">
+            <a:extLst>
+              <a:ext uri="{28A0092B-C50C-407E-A947-70E740481C1C}">
+                <a14:useLocalDpi xmlns:a14="http://schemas.microsoft.com/office/drawing/2010/main" val="0"/>
+              </a:ext>
+            </a:extLst>
+          </a:blip>
+          <a:srcRect/>
+          <a:stretch>
+            <a:fillRect/>
+          </a:stretch>
+        </p:blipFill>
+        <p:spPr bwMode="auto">
+          <a:xfrm>
+            <a:off x="644035" y="1869380"/>
+            <a:ext cx="3763153" cy="2116773"/>
+          </a:xfrm>
+          <a:prstGeom prst="rect">
+            <a:avLst/>
+          </a:prstGeom>
+          <a:noFill/>
+          <a:extLst>
+            <a:ext uri="{909E8E84-426E-40DD-AFC4-6F175D3DCCD1}">
+              <a14:hiddenFill xmlns:a14="http://schemas.microsoft.com/office/drawing/2010/main">
+                <a:solidFill>
+                  <a:srgbClr val="FFFFFF"/>
+                </a:solidFill>
+              </a14:hiddenFill>
+            </a:ext>
+          </a:extLst>
+        </p:spPr>
+      </p:pic>
+      <p:pic>
+        <p:nvPicPr>
+          <p:cNvPr id="3078" name="Picture 6" descr="WALL-E – Wikipédia, a enciclopédia livre"/>
+          <p:cNvPicPr>
+            <a:picLocks noChangeAspect="1" noChangeArrowheads="1"/>
+          </p:cNvPicPr>
+          <p:nvPr/>
+        </p:nvPicPr>
+        <p:blipFill>
+          <a:blip r:embed="rId4">
+            <a:extLst>
+              <a:ext uri="{28A0092B-C50C-407E-A947-70E740481C1C}">
+                <a14:useLocalDpi xmlns:a14="http://schemas.microsoft.com/office/drawing/2010/main" val="0"/>
+              </a:ext>
+            </a:extLst>
+          </a:blip>
+          <a:srcRect/>
+          <a:stretch>
+            <a:fillRect/>
+          </a:stretch>
+        </p:blipFill>
+        <p:spPr bwMode="auto">
+          <a:xfrm>
+            <a:off x="4716483" y="1869380"/>
+            <a:ext cx="2122207" cy="3149356"/>
+          </a:xfrm>
+          <a:prstGeom prst="rect">
+            <a:avLst/>
+          </a:prstGeom>
+          <a:noFill/>
+          <a:extLst>
+            <a:ext uri="{909E8E84-426E-40DD-AFC4-6F175D3DCCD1}">
+              <a14:hiddenFill xmlns:a14="http://schemas.microsoft.com/office/drawing/2010/main">
+                <a:solidFill>
+                  <a:srgbClr val="FFFFFF"/>
+                </a:solidFill>
+              </a14:hiddenFill>
+            </a:ext>
+          </a:extLst>
+        </p:spPr>
+      </p:pic>
+      <p:pic>
+        <p:nvPicPr>
+          <p:cNvPr id="3080" name="Picture 8" descr="Metatrend #4: “JARVIS” is Coming... a Software Interface to Improve Our  Lives"/>
+          <p:cNvPicPr>
+            <a:picLocks noChangeAspect="1" noChangeArrowheads="1"/>
+          </p:cNvPicPr>
+          <p:nvPr/>
+        </p:nvPicPr>
+        <p:blipFill>
+          <a:blip r:embed="rId5">
+            <a:extLst>
+              <a:ext uri="{28A0092B-C50C-407E-A947-70E740481C1C}">
+                <a14:useLocalDpi xmlns:a14="http://schemas.microsoft.com/office/drawing/2010/main" val="0"/>
+              </a:ext>
+            </a:extLst>
+          </a:blip>
+          <a:srcRect/>
+          <a:stretch>
+            <a:fillRect/>
+          </a:stretch>
+        </p:blipFill>
+        <p:spPr bwMode="auto">
+          <a:xfrm>
+            <a:off x="7123053" y="1869380"/>
+            <a:ext cx="4454987" cy="2054173"/>
+          </a:xfrm>
+          <a:prstGeom prst="rect">
+            <a:avLst/>
+          </a:prstGeom>
+          <a:noFill/>
+          <a:extLst>
+            <a:ext uri="{909E8E84-426E-40DD-AFC4-6F175D3DCCD1}">
+              <a14:hiddenFill xmlns:a14="http://schemas.microsoft.com/office/drawing/2010/main">
+                <a:solidFill>
+                  <a:srgbClr val="FFFFFF"/>
+                </a:solidFill>
+              </a14:hiddenFill>
+            </a:ext>
+          </a:extLst>
+        </p:spPr>
+      </p:pic>
+      <p:pic>
+        <p:nvPicPr>
+          <p:cNvPr id="3082" name="Picture 10" descr="Rose, A Empregada Robô | Guia dos Quadrinhos"/>
+          <p:cNvPicPr>
+            <a:picLocks noChangeAspect="1" noChangeArrowheads="1"/>
+          </p:cNvPicPr>
+          <p:nvPr/>
+        </p:nvPicPr>
+        <p:blipFill>
+          <a:blip r:embed="rId6">
+            <a:extLst>
+              <a:ext uri="{28A0092B-C50C-407E-A947-70E740481C1C}">
+                <a14:useLocalDpi xmlns:a14="http://schemas.microsoft.com/office/drawing/2010/main" val="0"/>
+              </a:ext>
+            </a:extLst>
+          </a:blip>
+          <a:srcRect/>
+          <a:stretch>
+            <a:fillRect/>
+          </a:stretch>
+        </p:blipFill>
+        <p:spPr bwMode="auto">
+          <a:xfrm>
+            <a:off x="7426208" y="4102245"/>
+            <a:ext cx="3250161" cy="2437621"/>
+          </a:xfrm>
+          <a:prstGeom prst="rect">
+            <a:avLst/>
+          </a:prstGeom>
+          <a:noFill/>
+          <a:extLst>
+            <a:ext uri="{909E8E84-426E-40DD-AFC4-6F175D3DCCD1}">
+              <a14:hiddenFill xmlns:a14="http://schemas.microsoft.com/office/drawing/2010/main">
+                <a:solidFill>
+                  <a:srgbClr val="FFFFFF"/>
+                </a:solidFill>
+              </a14:hiddenFill>
+            </a:ext>
+          </a:extLst>
+        </p:spPr>
+      </p:pic>
+      <p:pic>
+        <p:nvPicPr>
+          <p:cNvPr id="3084" name="Picture 12" descr="Robôs e IA: Conheça 8 filmes marcantes"/>
+          <p:cNvPicPr>
+            <a:picLocks noChangeAspect="1" noChangeArrowheads="1"/>
+          </p:cNvPicPr>
+          <p:nvPr/>
+        </p:nvPicPr>
+        <p:blipFill>
+          <a:blip r:embed="rId7">
+            <a:extLst>
+              <a:ext uri="{28A0092B-C50C-407E-A947-70E740481C1C}">
+                <a14:useLocalDpi xmlns:a14="http://schemas.microsoft.com/office/drawing/2010/main" val="0"/>
+              </a:ext>
+            </a:extLst>
+          </a:blip>
+          <a:srcRect/>
+          <a:stretch>
+            <a:fillRect/>
+          </a:stretch>
+        </p:blipFill>
+        <p:spPr bwMode="auto">
+          <a:xfrm>
+            <a:off x="966209" y="4454279"/>
+            <a:ext cx="3162756" cy="2085587"/>
+          </a:xfrm>
+          <a:prstGeom prst="rect">
+            <a:avLst/>
+          </a:prstGeom>
+          <a:noFill/>
+          <a:extLst>
+            <a:ext uri="{909E8E84-426E-40DD-AFC4-6F175D3DCCD1}">
+              <a14:hiddenFill xmlns:a14="http://schemas.microsoft.com/office/drawing/2010/main">
+                <a:solidFill>
+                  <a:srgbClr val="FFFFFF"/>
+                </a:solidFill>
+              </a14:hiddenFill>
+            </a:ext>
+          </a:extLst>
+        </p:spPr>
+      </p:pic>
       <p:sp>
         <p:nvSpPr>
-          <p:cNvPr id="3" name="Espaço Reservado para Conteúdo 2">
-            <a:extLst>
-              <a:ext uri="{FF2B5EF4-FFF2-40B4-BE49-F238E27FC236}">
-                <a16:creationId xmlns:a16="http://schemas.microsoft.com/office/drawing/2014/main" xmlns="" id="{69359096-6B47-BEA3-55AD-95F90CDC8489}"/>
-              </a:ext>
-            </a:extLst>
-          </p:cNvPr>
-          <p:cNvSpPr>
-            <a:spLocks noGrp="1"/>
-          </p:cNvSpPr>
-          <p:nvPr>
-            <p:ph idx="1"/>
-          </p:nvPr>
+          <p:cNvPr id="5" name="Retângulo 4"/>
+          <p:cNvSpPr/>
+          <p:nvPr/>
         </p:nvSpPr>
-        <p:spPr/>
+        <p:spPr>
+          <a:xfrm>
+            <a:off x="4407188" y="5795228"/>
+            <a:ext cx="4144588" cy="923330"/>
+          </a:xfrm>
+          <a:prstGeom prst="rect">
+            <a:avLst/>
+          </a:prstGeom>
+        </p:spPr>
         <p:txBody>
-          <a:bodyPr/>
+          <a:bodyPr wrap="square">
+            <a:spAutoFit/>
+          </a:bodyPr>
           <a:lstStyle/>
           <a:p>
-            <a:endParaRPr lang="pt-BR"/>
+            <a:pPr algn="ctr"/>
+            <a:r>
+              <a:rPr lang="pt-BR" dirty="0"/>
+              <a:t>IA não é só robô assassino ou mordomo digital. É matemática aplicada com muito marketing.</a:t>
+            </a:r>
+            <a:endParaRPr lang="pt-BR" dirty="0"/>
           </a:p>
         </p:txBody>
       </p:sp>
     </p:spTree>
     <p:extLst>
       <p:ext uri="{BB962C8B-B14F-4D97-AF65-F5344CB8AC3E}">
-        <p14:creationId xmlns:p14="http://schemas.microsoft.com/office/powerpoint/2010/main" val="1532530965"/>
+        <p14:creationId xmlns:p14="http://schemas.microsoft.com/office/powerpoint/2010/main" val="2714348701"/>
       </p:ext>
     </p:extLst>
   </p:cSld>
   <p:clrMapOvr>
     <a:masterClrMapping/>
   </p:clrMapOvr>
-  <p:timing>
-    <p:tnLst>
-      <p:par>
-        <p:cTn id="1" dur="indefinite" restart="never" nodeType="tmRoot"/>
-      </p:par>
-    </p:tnLst>
-  </p:timing>
 </p:sld>
 </file>
 

--- a/slides/C24_Introdução.pptx
+++ b/slides/C24_Introdução.pptx
@@ -5,10 +5,10 @@
     <p:sldMasterId id="2147483648" r:id="rId1"/>
   </p:sldMasterIdLst>
   <p:notesMasterIdLst>
-    <p:notesMasterId r:id="rId19"/>
+    <p:notesMasterId r:id="rId22"/>
   </p:notesMasterIdLst>
   <p:handoutMasterIdLst>
-    <p:handoutMasterId r:id="rId20"/>
+    <p:handoutMasterId r:id="rId23"/>
   </p:handoutMasterIdLst>
   <p:sldIdLst>
     <p:sldId id="256" r:id="rId2"/>
@@ -21,13 +21,16 @@
     <p:sldId id="310" r:id="rId9"/>
     <p:sldId id="317" r:id="rId10"/>
     <p:sldId id="311" r:id="rId11"/>
-    <p:sldId id="319" r:id="rId12"/>
-    <p:sldId id="320" r:id="rId13"/>
-    <p:sldId id="312" r:id="rId14"/>
-    <p:sldId id="313" r:id="rId15"/>
-    <p:sldId id="293" r:id="rId16"/>
-    <p:sldId id="314" r:id="rId17"/>
-    <p:sldId id="306" r:id="rId18"/>
+    <p:sldId id="321" r:id="rId12"/>
+    <p:sldId id="319" r:id="rId13"/>
+    <p:sldId id="320" r:id="rId14"/>
+    <p:sldId id="322" r:id="rId15"/>
+    <p:sldId id="323" r:id="rId16"/>
+    <p:sldId id="312" r:id="rId17"/>
+    <p:sldId id="313" r:id="rId18"/>
+    <p:sldId id="293" r:id="rId19"/>
+    <p:sldId id="314" r:id="rId20"/>
+    <p:sldId id="306" r:id="rId21"/>
   </p:sldIdLst>
   <p:sldSz cx="12192000" cy="6858000"/>
   <p:notesSz cx="7315200" cy="9601200"/>
@@ -291,7 +294,7 @@
           <a:p>
             <a:fld id="{144F1436-6906-4D93-B7A2-786C327BFA14}" type="datetimeFigureOut">
               <a:rPr lang="nl-BE" smtClean="0"/>
-              <a:t>7/01/2026</a:t>
+              <a:t>8/01/2026</a:t>
             </a:fld>
             <a:endParaRPr lang="nl-BE"/>
           </a:p>
@@ -456,7 +459,7 @@
           <a:p>
             <a:fld id="{AA8CD09E-2914-4F47-B6C1-51B2C31814C9}" type="datetimeFigureOut">
               <a:rPr lang="pt-BR" smtClean="0"/>
-              <a:t>07/01/2026</a:t>
+              <a:t>08/01/2026</a:t>
             </a:fld>
             <a:endParaRPr lang="pt-BR"/>
           </a:p>
@@ -968,11 +971,7 @@
             </a:r>
             <a:r>
               <a:rPr lang="pt-BR" dirty="0" smtClean="0"/>
-              <a:t> Andar, reconhecer um rosto na multidão, manter o equilíbrio em terreno irregular ou ter percepção sensorial básica</a:t>
-            </a:r>
-            <a:r>
-              <a:rPr lang="pt-BR" dirty="0" smtClean="0"/>
-              <a:t>.</a:t>
+              <a:t> Andar, reconhecer um rosto na multidão, manter o equilíbrio em terreno irregular ou ter percepção sensorial básica.</a:t>
             </a:r>
           </a:p>
           <a:p>
@@ -983,7 +982,6 @@
               <a:rPr lang="pt-BR" dirty="0" smtClean="0"/>
               <a:t>Processar dados (o "cérebro" da IA) evoluiu muito mais rápido do que a interação física com o mundo (o "corpo" da IA / Robótica).</a:t>
             </a:r>
-            <a:endParaRPr lang="pt-BR" dirty="0" smtClean="0"/>
           </a:p>
           <a:p>
             <a:endParaRPr lang="pt-BR" dirty="0"/>
@@ -1477,6 +1475,186 @@
 </p:notes>
 </file>
 
+<file path=ppt/notesSlides/notesSlide6.xml><?xml version="1.0" encoding="utf-8"?>
+<p:notes xmlns:a="http://schemas.openxmlformats.org/drawingml/2006/main" xmlns:r="http://schemas.openxmlformats.org/officeDocument/2006/relationships" xmlns:p="http://schemas.openxmlformats.org/presentationml/2006/main">
+  <p:cSld>
+    <p:spTree>
+      <p:nvGrpSpPr>
+        <p:cNvPr id="1" name=""/>
+        <p:cNvGrpSpPr/>
+        <p:nvPr/>
+      </p:nvGrpSpPr>
+      <p:grpSpPr>
+        <a:xfrm>
+          <a:off x="0" y="0"/>
+          <a:ext cx="0" cy="0"/>
+          <a:chOff x="0" y="0"/>
+          <a:chExt cx="0" cy="0"/>
+        </a:xfrm>
+      </p:grpSpPr>
+      <p:sp>
+        <p:nvSpPr>
+          <p:cNvPr id="2" name="Espaço Reservado para Imagem de Slide 1"/>
+          <p:cNvSpPr>
+            <a:spLocks noGrp="1" noRot="1" noChangeAspect="1"/>
+          </p:cNvSpPr>
+          <p:nvPr>
+            <p:ph type="sldImg"/>
+          </p:nvPr>
+        </p:nvSpPr>
+        <p:spPr/>
+      </p:sp>
+      <p:sp>
+        <p:nvSpPr>
+          <p:cNvPr id="3" name="Espaço Reservado para Anotações 2"/>
+          <p:cNvSpPr>
+            <a:spLocks noGrp="1"/>
+          </p:cNvSpPr>
+          <p:nvPr>
+            <p:ph type="body" idx="1"/>
+          </p:nvPr>
+        </p:nvSpPr>
+        <p:spPr/>
+        <p:txBody>
+          <a:bodyPr/>
+          <a:lstStyle/>
+          <a:p>
+            <a:r>
+              <a:rPr lang="pt-BR" dirty="0" smtClean="0"/>
+              <a:t>Turing descreve o teste originalmente com três pessoas: um homem (A), uma mulher (B) e um interrogador (C). O interrogador deve descobrir quem é o homem e quem é a mulher apenas por perguntas escritas.</a:t>
+            </a:r>
+          </a:p>
+          <a:p>
+            <a:r>
+              <a:rPr lang="pt-BR" dirty="0" smtClean="0"/>
+              <a:t>Depois, ele substitui um dos participantes por uma máquina. Se o interrogador errar tanto quanto errava com humanos, a máquina "venceu".</a:t>
+            </a:r>
+          </a:p>
+          <a:p>
+            <a:endParaRPr lang="pt-BR" dirty="0"/>
+          </a:p>
+        </p:txBody>
+      </p:sp>
+      <p:sp>
+        <p:nvSpPr>
+          <p:cNvPr id="4" name="Espaço Reservado para Número de Slide 3"/>
+          <p:cNvSpPr>
+            <a:spLocks noGrp="1"/>
+          </p:cNvSpPr>
+          <p:nvPr>
+            <p:ph type="sldNum" sz="quarter" idx="10"/>
+          </p:nvPr>
+        </p:nvSpPr>
+        <p:spPr/>
+        <p:txBody>
+          <a:bodyPr/>
+          <a:lstStyle/>
+          <a:p>
+            <a:fld id="{6FC8D850-966F-45A6-8DE7-15B891E7D40D}" type="slidenum">
+              <a:rPr lang="pt-BR" smtClean="0"/>
+              <a:t>13</a:t>
+            </a:fld>
+            <a:endParaRPr lang="pt-BR"/>
+          </a:p>
+        </p:txBody>
+      </p:sp>
+    </p:spTree>
+    <p:extLst>
+      <p:ext uri="{BB962C8B-B14F-4D97-AF65-F5344CB8AC3E}">
+        <p14:creationId xmlns:p14="http://schemas.microsoft.com/office/powerpoint/2010/main" val="527587888"/>
+      </p:ext>
+    </p:extLst>
+  </p:cSld>
+  <p:clrMapOvr>
+    <a:masterClrMapping/>
+  </p:clrMapOvr>
+</p:notes>
+</file>
+
+<file path=ppt/notesSlides/notesSlide7.xml><?xml version="1.0" encoding="utf-8"?>
+<p:notes xmlns:a="http://schemas.openxmlformats.org/drawingml/2006/main" xmlns:r="http://schemas.openxmlformats.org/officeDocument/2006/relationships" xmlns:p="http://schemas.openxmlformats.org/presentationml/2006/main">
+  <p:cSld>
+    <p:spTree>
+      <p:nvGrpSpPr>
+        <p:cNvPr id="1" name=""/>
+        <p:cNvGrpSpPr/>
+        <p:nvPr/>
+      </p:nvGrpSpPr>
+      <p:grpSpPr>
+        <a:xfrm>
+          <a:off x="0" y="0"/>
+          <a:ext cx="0" cy="0"/>
+          <a:chOff x="0" y="0"/>
+          <a:chExt cx="0" cy="0"/>
+        </a:xfrm>
+      </p:grpSpPr>
+      <p:sp>
+        <p:nvSpPr>
+          <p:cNvPr id="2" name="Espaço Reservado para Imagem de Slide 1"/>
+          <p:cNvSpPr>
+            <a:spLocks noGrp="1" noRot="1" noChangeAspect="1"/>
+          </p:cNvSpPr>
+          <p:nvPr>
+            <p:ph type="sldImg"/>
+          </p:nvPr>
+        </p:nvSpPr>
+        <p:spPr/>
+      </p:sp>
+      <p:sp>
+        <p:nvSpPr>
+          <p:cNvPr id="3" name="Espaço Reservado para Anotações 2"/>
+          <p:cNvSpPr>
+            <a:spLocks noGrp="1"/>
+          </p:cNvSpPr>
+          <p:nvPr>
+            <p:ph type="body" idx="1"/>
+          </p:nvPr>
+        </p:nvSpPr>
+        <p:spPr/>
+        <p:txBody>
+          <a:bodyPr/>
+          <a:lstStyle/>
+          <a:p>
+            <a:endParaRPr lang="pt-BR" dirty="0"/>
+          </a:p>
+        </p:txBody>
+      </p:sp>
+      <p:sp>
+        <p:nvSpPr>
+          <p:cNvPr id="4" name="Espaço Reservado para Número de Slide 3"/>
+          <p:cNvSpPr>
+            <a:spLocks noGrp="1"/>
+          </p:cNvSpPr>
+          <p:nvPr>
+            <p:ph type="sldNum" sz="quarter" idx="10"/>
+          </p:nvPr>
+        </p:nvSpPr>
+        <p:spPr/>
+        <p:txBody>
+          <a:bodyPr/>
+          <a:lstStyle/>
+          <a:p>
+            <a:fld id="{6FC8D850-966F-45A6-8DE7-15B891E7D40D}" type="slidenum">
+              <a:rPr lang="pt-BR" smtClean="0"/>
+              <a:t>14</a:t>
+            </a:fld>
+            <a:endParaRPr lang="pt-BR"/>
+          </a:p>
+        </p:txBody>
+      </p:sp>
+    </p:spTree>
+    <p:extLst>
+      <p:ext uri="{BB962C8B-B14F-4D97-AF65-F5344CB8AC3E}">
+        <p14:creationId xmlns:p14="http://schemas.microsoft.com/office/powerpoint/2010/main" val="1126726647"/>
+      </p:ext>
+    </p:extLst>
+  </p:cSld>
+  <p:clrMapOvr>
+    <a:masterClrMapping/>
+  </p:clrMapOvr>
+</p:notes>
+</file>
+
 <file path=ppt/slideLayouts/slideLayout1.xml><?xml version="1.0" encoding="utf-8"?>
 <p:sldLayout xmlns:a="http://schemas.openxmlformats.org/drawingml/2006/main" xmlns:r="http://schemas.openxmlformats.org/officeDocument/2006/relationships" xmlns:p="http://schemas.openxmlformats.org/presentationml/2006/main" type="title" preserve="1">
   <p:cSld name="Slide de Título">
@@ -1499,7 +1677,7 @@
           <p:cNvPr id="2" name="Título 1">
             <a:extLst>
               <a:ext uri="{FF2B5EF4-FFF2-40B4-BE49-F238E27FC236}">
-                <a16:creationId xmlns="" xmlns:a16="http://schemas.microsoft.com/office/drawing/2014/main" id="{1DB9B4FF-B06E-403C-A326-BDC64D8FF94E}"/>
+                <a16:creationId xmlns:a16="http://schemas.microsoft.com/office/drawing/2014/main" xmlns="" id="{1DB9B4FF-B06E-403C-A326-BDC64D8FF94E}"/>
               </a:ext>
             </a:extLst>
           </p:cNvPr>
@@ -1536,7 +1714,7 @@
           <p:cNvPr id="3" name="Subtítulo 2">
             <a:extLst>
               <a:ext uri="{FF2B5EF4-FFF2-40B4-BE49-F238E27FC236}">
-                <a16:creationId xmlns="" xmlns:a16="http://schemas.microsoft.com/office/drawing/2014/main" id="{247BDFCE-746E-45BF-A319-4733D58D1632}"/>
+                <a16:creationId xmlns:a16="http://schemas.microsoft.com/office/drawing/2014/main" xmlns="" id="{247BDFCE-746E-45BF-A319-4733D58D1632}"/>
               </a:ext>
             </a:extLst>
           </p:cNvPr>
@@ -1606,7 +1784,7 @@
           <p:cNvPr id="4" name="Espaço Reservado para Data 3">
             <a:extLst>
               <a:ext uri="{FF2B5EF4-FFF2-40B4-BE49-F238E27FC236}">
-                <a16:creationId xmlns="" xmlns:a16="http://schemas.microsoft.com/office/drawing/2014/main" id="{9EDE2778-5372-4104-B96D-968184DA8288}"/>
+                <a16:creationId xmlns:a16="http://schemas.microsoft.com/office/drawing/2014/main" xmlns="" id="{9EDE2778-5372-4104-B96D-968184DA8288}"/>
               </a:ext>
             </a:extLst>
           </p:cNvPr>
@@ -1624,7 +1802,7 @@
           <a:p>
             <a:fld id="{63289F7E-B80B-496E-81B4-D396C37C9454}" type="datetimeFigureOut">
               <a:rPr lang="pt-BR" smtClean="0"/>
-              <a:t>07/01/2026</a:t>
+              <a:t>08/01/2026</a:t>
             </a:fld>
             <a:endParaRPr lang="pt-BR"/>
           </a:p>
@@ -1635,7 +1813,7 @@
           <p:cNvPr id="5" name="Espaço Reservado para Rodapé 4">
             <a:extLst>
               <a:ext uri="{FF2B5EF4-FFF2-40B4-BE49-F238E27FC236}">
-                <a16:creationId xmlns="" xmlns:a16="http://schemas.microsoft.com/office/drawing/2014/main" id="{C1DD0F41-C861-4051-988D-3024A37A4B93}"/>
+                <a16:creationId xmlns:a16="http://schemas.microsoft.com/office/drawing/2014/main" xmlns="" id="{C1DD0F41-C861-4051-988D-3024A37A4B93}"/>
               </a:ext>
             </a:extLst>
           </p:cNvPr>
@@ -1660,7 +1838,7 @@
           <p:cNvPr id="6" name="Espaço Reservado para Número de Slide 5">
             <a:extLst>
               <a:ext uri="{FF2B5EF4-FFF2-40B4-BE49-F238E27FC236}">
-                <a16:creationId xmlns="" xmlns:a16="http://schemas.microsoft.com/office/drawing/2014/main" id="{07E5967E-D980-431A-A5DB-3F0C5030A81E}"/>
+                <a16:creationId xmlns:a16="http://schemas.microsoft.com/office/drawing/2014/main" xmlns="" id="{07E5967E-D980-431A-A5DB-3F0C5030A81E}"/>
               </a:ext>
             </a:extLst>
           </p:cNvPr>
@@ -1719,7 +1897,7 @@
           <p:cNvPr id="2" name="Título 1">
             <a:extLst>
               <a:ext uri="{FF2B5EF4-FFF2-40B4-BE49-F238E27FC236}">
-                <a16:creationId xmlns="" xmlns:a16="http://schemas.microsoft.com/office/drawing/2014/main" id="{9036C49F-3E68-4175-81BA-3C3FEE44308A}"/>
+                <a16:creationId xmlns:a16="http://schemas.microsoft.com/office/drawing/2014/main" xmlns="" id="{9036C49F-3E68-4175-81BA-3C3FEE44308A}"/>
               </a:ext>
             </a:extLst>
           </p:cNvPr>
@@ -1747,7 +1925,7 @@
           <p:cNvPr id="3" name="Espaço Reservado para Texto Vertical 2">
             <a:extLst>
               <a:ext uri="{FF2B5EF4-FFF2-40B4-BE49-F238E27FC236}">
-                <a16:creationId xmlns="" xmlns:a16="http://schemas.microsoft.com/office/drawing/2014/main" id="{426FA736-3DD3-4D4E-B57B-BBE1D8F7D424}"/>
+                <a16:creationId xmlns:a16="http://schemas.microsoft.com/office/drawing/2014/main" xmlns="" id="{426FA736-3DD3-4D4E-B57B-BBE1D8F7D424}"/>
               </a:ext>
             </a:extLst>
           </p:cNvPr>
@@ -1804,7 +1982,7 @@
           <p:cNvPr id="4" name="Espaço Reservado para Data 3">
             <a:extLst>
               <a:ext uri="{FF2B5EF4-FFF2-40B4-BE49-F238E27FC236}">
-                <a16:creationId xmlns="" xmlns:a16="http://schemas.microsoft.com/office/drawing/2014/main" id="{99E8855C-D8FD-48F6-B14E-861E0DE4D915}"/>
+                <a16:creationId xmlns:a16="http://schemas.microsoft.com/office/drawing/2014/main" xmlns="" id="{99E8855C-D8FD-48F6-B14E-861E0DE4D915}"/>
               </a:ext>
             </a:extLst>
           </p:cNvPr>
@@ -1822,7 +2000,7 @@
           <a:p>
             <a:fld id="{63289F7E-B80B-496E-81B4-D396C37C9454}" type="datetimeFigureOut">
               <a:rPr lang="pt-BR" smtClean="0"/>
-              <a:t>07/01/2026</a:t>
+              <a:t>08/01/2026</a:t>
             </a:fld>
             <a:endParaRPr lang="pt-BR"/>
           </a:p>
@@ -1833,7 +2011,7 @@
           <p:cNvPr id="5" name="Espaço Reservado para Rodapé 4">
             <a:extLst>
               <a:ext uri="{FF2B5EF4-FFF2-40B4-BE49-F238E27FC236}">
-                <a16:creationId xmlns="" xmlns:a16="http://schemas.microsoft.com/office/drawing/2014/main" id="{97C0BB88-2F21-42A5-ACFF-83DA47F2D340}"/>
+                <a16:creationId xmlns:a16="http://schemas.microsoft.com/office/drawing/2014/main" xmlns="" id="{97C0BB88-2F21-42A5-ACFF-83DA47F2D340}"/>
               </a:ext>
             </a:extLst>
           </p:cNvPr>
@@ -1858,7 +2036,7 @@
           <p:cNvPr id="6" name="Espaço Reservado para Número de Slide 5">
             <a:extLst>
               <a:ext uri="{FF2B5EF4-FFF2-40B4-BE49-F238E27FC236}">
-                <a16:creationId xmlns="" xmlns:a16="http://schemas.microsoft.com/office/drawing/2014/main" id="{6CB462B3-1F22-4C05-B4B8-7A279FB7D5E9}"/>
+                <a16:creationId xmlns:a16="http://schemas.microsoft.com/office/drawing/2014/main" xmlns="" id="{6CB462B3-1F22-4C05-B4B8-7A279FB7D5E9}"/>
               </a:ext>
             </a:extLst>
           </p:cNvPr>
@@ -1917,7 +2095,7 @@
           <p:cNvPr id="2" name="Título Vertical 1">
             <a:extLst>
               <a:ext uri="{FF2B5EF4-FFF2-40B4-BE49-F238E27FC236}">
-                <a16:creationId xmlns="" xmlns:a16="http://schemas.microsoft.com/office/drawing/2014/main" id="{EAEAB728-701C-4207-A9D5-23FF45C60502}"/>
+                <a16:creationId xmlns:a16="http://schemas.microsoft.com/office/drawing/2014/main" xmlns="" id="{EAEAB728-701C-4207-A9D5-23FF45C60502}"/>
               </a:ext>
             </a:extLst>
           </p:cNvPr>
@@ -1950,7 +2128,7 @@
           <p:cNvPr id="3" name="Espaço Reservado para Texto Vertical 2">
             <a:extLst>
               <a:ext uri="{FF2B5EF4-FFF2-40B4-BE49-F238E27FC236}">
-                <a16:creationId xmlns="" xmlns:a16="http://schemas.microsoft.com/office/drawing/2014/main" id="{BA8C8CCF-7823-480A-9A19-0F664DD17E3B}"/>
+                <a16:creationId xmlns:a16="http://schemas.microsoft.com/office/drawing/2014/main" xmlns="" id="{BA8C8CCF-7823-480A-9A19-0F664DD17E3B}"/>
               </a:ext>
             </a:extLst>
           </p:cNvPr>
@@ -2012,7 +2190,7 @@
           <p:cNvPr id="4" name="Espaço Reservado para Data 3">
             <a:extLst>
               <a:ext uri="{FF2B5EF4-FFF2-40B4-BE49-F238E27FC236}">
-                <a16:creationId xmlns="" xmlns:a16="http://schemas.microsoft.com/office/drawing/2014/main" id="{721D5734-7B1F-425D-942F-6EB73344027C}"/>
+                <a16:creationId xmlns:a16="http://schemas.microsoft.com/office/drawing/2014/main" xmlns="" id="{721D5734-7B1F-425D-942F-6EB73344027C}"/>
               </a:ext>
             </a:extLst>
           </p:cNvPr>
@@ -2030,7 +2208,7 @@
           <a:p>
             <a:fld id="{63289F7E-B80B-496E-81B4-D396C37C9454}" type="datetimeFigureOut">
               <a:rPr lang="pt-BR" smtClean="0"/>
-              <a:t>07/01/2026</a:t>
+              <a:t>08/01/2026</a:t>
             </a:fld>
             <a:endParaRPr lang="pt-BR"/>
           </a:p>
@@ -2041,7 +2219,7 @@
           <p:cNvPr id="5" name="Espaço Reservado para Rodapé 4">
             <a:extLst>
               <a:ext uri="{FF2B5EF4-FFF2-40B4-BE49-F238E27FC236}">
-                <a16:creationId xmlns="" xmlns:a16="http://schemas.microsoft.com/office/drawing/2014/main" id="{1E1AAEAC-F08D-45FE-89EC-B1B349A868C9}"/>
+                <a16:creationId xmlns:a16="http://schemas.microsoft.com/office/drawing/2014/main" xmlns="" id="{1E1AAEAC-F08D-45FE-89EC-B1B349A868C9}"/>
               </a:ext>
             </a:extLst>
           </p:cNvPr>
@@ -2066,7 +2244,7 @@
           <p:cNvPr id="6" name="Espaço Reservado para Número de Slide 5">
             <a:extLst>
               <a:ext uri="{FF2B5EF4-FFF2-40B4-BE49-F238E27FC236}">
-                <a16:creationId xmlns="" xmlns:a16="http://schemas.microsoft.com/office/drawing/2014/main" id="{BAA44493-9911-47B2-87A6-C2141A972BC8}"/>
+                <a16:creationId xmlns:a16="http://schemas.microsoft.com/office/drawing/2014/main" xmlns="" id="{BAA44493-9911-47B2-87A6-C2141A972BC8}"/>
               </a:ext>
             </a:extLst>
           </p:cNvPr>
@@ -2125,7 +2303,7 @@
           <p:cNvPr id="2" name="Título 1">
             <a:extLst>
               <a:ext uri="{FF2B5EF4-FFF2-40B4-BE49-F238E27FC236}">
-                <a16:creationId xmlns="" xmlns:a16="http://schemas.microsoft.com/office/drawing/2014/main" id="{71BD44A5-8F21-4626-A01D-48A1C874B1D5}"/>
+                <a16:creationId xmlns:a16="http://schemas.microsoft.com/office/drawing/2014/main" xmlns="" id="{71BD44A5-8F21-4626-A01D-48A1C874B1D5}"/>
               </a:ext>
             </a:extLst>
           </p:cNvPr>
@@ -2153,7 +2331,7 @@
           <p:cNvPr id="3" name="Espaço Reservado para Conteúdo 2">
             <a:extLst>
               <a:ext uri="{FF2B5EF4-FFF2-40B4-BE49-F238E27FC236}">
-                <a16:creationId xmlns="" xmlns:a16="http://schemas.microsoft.com/office/drawing/2014/main" id="{B79E8085-65A9-48AA-951D-71D978BFF4ED}"/>
+                <a16:creationId xmlns:a16="http://schemas.microsoft.com/office/drawing/2014/main" xmlns="" id="{B79E8085-65A9-48AA-951D-71D978BFF4ED}"/>
               </a:ext>
             </a:extLst>
           </p:cNvPr>
@@ -2210,7 +2388,7 @@
           <p:cNvPr id="4" name="Espaço Reservado para Data 3">
             <a:extLst>
               <a:ext uri="{FF2B5EF4-FFF2-40B4-BE49-F238E27FC236}">
-                <a16:creationId xmlns="" xmlns:a16="http://schemas.microsoft.com/office/drawing/2014/main" id="{F05BE1AF-51EA-425D-B188-DE7BD675009F}"/>
+                <a16:creationId xmlns:a16="http://schemas.microsoft.com/office/drawing/2014/main" xmlns="" id="{F05BE1AF-51EA-425D-B188-DE7BD675009F}"/>
               </a:ext>
             </a:extLst>
           </p:cNvPr>
@@ -2228,7 +2406,7 @@
           <a:p>
             <a:fld id="{63289F7E-B80B-496E-81B4-D396C37C9454}" type="datetimeFigureOut">
               <a:rPr lang="pt-BR" smtClean="0"/>
-              <a:t>07/01/2026</a:t>
+              <a:t>08/01/2026</a:t>
             </a:fld>
             <a:endParaRPr lang="pt-BR"/>
           </a:p>
@@ -2239,7 +2417,7 @@
           <p:cNvPr id="5" name="Espaço Reservado para Rodapé 4">
             <a:extLst>
               <a:ext uri="{FF2B5EF4-FFF2-40B4-BE49-F238E27FC236}">
-                <a16:creationId xmlns="" xmlns:a16="http://schemas.microsoft.com/office/drawing/2014/main" id="{121BE632-29CF-4CB9-B365-C9EF38F89BE6}"/>
+                <a16:creationId xmlns:a16="http://schemas.microsoft.com/office/drawing/2014/main" xmlns="" id="{121BE632-29CF-4CB9-B365-C9EF38F89BE6}"/>
               </a:ext>
             </a:extLst>
           </p:cNvPr>
@@ -2264,7 +2442,7 @@
           <p:cNvPr id="6" name="Espaço Reservado para Número de Slide 5">
             <a:extLst>
               <a:ext uri="{FF2B5EF4-FFF2-40B4-BE49-F238E27FC236}">
-                <a16:creationId xmlns="" xmlns:a16="http://schemas.microsoft.com/office/drawing/2014/main" id="{60CF3DD1-9AEC-4A57-B461-4E4DD86FAC18}"/>
+                <a16:creationId xmlns:a16="http://schemas.microsoft.com/office/drawing/2014/main" xmlns="" id="{60CF3DD1-9AEC-4A57-B461-4E4DD86FAC18}"/>
               </a:ext>
             </a:extLst>
           </p:cNvPr>
@@ -2323,7 +2501,7 @@
           <p:cNvPr id="2" name="Título 1">
             <a:extLst>
               <a:ext uri="{FF2B5EF4-FFF2-40B4-BE49-F238E27FC236}">
-                <a16:creationId xmlns="" xmlns:a16="http://schemas.microsoft.com/office/drawing/2014/main" id="{34AB2FF0-A4D7-4E28-991D-FF26140D5988}"/>
+                <a16:creationId xmlns:a16="http://schemas.microsoft.com/office/drawing/2014/main" xmlns="" id="{34AB2FF0-A4D7-4E28-991D-FF26140D5988}"/>
               </a:ext>
             </a:extLst>
           </p:cNvPr>
@@ -2360,7 +2538,7 @@
           <p:cNvPr id="3" name="Espaço Reservado para Texto 2">
             <a:extLst>
               <a:ext uri="{FF2B5EF4-FFF2-40B4-BE49-F238E27FC236}">
-                <a16:creationId xmlns="" xmlns:a16="http://schemas.microsoft.com/office/drawing/2014/main" id="{E2AC45B0-4145-40DB-8E61-105461170604}"/>
+                <a16:creationId xmlns:a16="http://schemas.microsoft.com/office/drawing/2014/main" xmlns="" id="{E2AC45B0-4145-40DB-8E61-105461170604}"/>
               </a:ext>
             </a:extLst>
           </p:cNvPr>
@@ -2485,7 +2663,7 @@
           <p:cNvPr id="4" name="Espaço Reservado para Data 3">
             <a:extLst>
               <a:ext uri="{FF2B5EF4-FFF2-40B4-BE49-F238E27FC236}">
-                <a16:creationId xmlns="" xmlns:a16="http://schemas.microsoft.com/office/drawing/2014/main" id="{50F1D3FB-740A-4EBA-A309-2CE71D12ECFB}"/>
+                <a16:creationId xmlns:a16="http://schemas.microsoft.com/office/drawing/2014/main" xmlns="" id="{50F1D3FB-740A-4EBA-A309-2CE71D12ECFB}"/>
               </a:ext>
             </a:extLst>
           </p:cNvPr>
@@ -2503,7 +2681,7 @@
           <a:p>
             <a:fld id="{63289F7E-B80B-496E-81B4-D396C37C9454}" type="datetimeFigureOut">
               <a:rPr lang="pt-BR" smtClean="0"/>
-              <a:t>07/01/2026</a:t>
+              <a:t>08/01/2026</a:t>
             </a:fld>
             <a:endParaRPr lang="pt-BR"/>
           </a:p>
@@ -2514,7 +2692,7 @@
           <p:cNvPr id="5" name="Espaço Reservado para Rodapé 4">
             <a:extLst>
               <a:ext uri="{FF2B5EF4-FFF2-40B4-BE49-F238E27FC236}">
-                <a16:creationId xmlns="" xmlns:a16="http://schemas.microsoft.com/office/drawing/2014/main" id="{BDCAB18F-8715-4465-A940-F9C193A2ACE9}"/>
+                <a16:creationId xmlns:a16="http://schemas.microsoft.com/office/drawing/2014/main" xmlns="" id="{BDCAB18F-8715-4465-A940-F9C193A2ACE9}"/>
               </a:ext>
             </a:extLst>
           </p:cNvPr>
@@ -2539,7 +2717,7 @@
           <p:cNvPr id="6" name="Espaço Reservado para Número de Slide 5">
             <a:extLst>
               <a:ext uri="{FF2B5EF4-FFF2-40B4-BE49-F238E27FC236}">
-                <a16:creationId xmlns="" xmlns:a16="http://schemas.microsoft.com/office/drawing/2014/main" id="{353466C6-8248-429F-8056-FF040BF509EB}"/>
+                <a16:creationId xmlns:a16="http://schemas.microsoft.com/office/drawing/2014/main" xmlns="" id="{353466C6-8248-429F-8056-FF040BF509EB}"/>
               </a:ext>
             </a:extLst>
           </p:cNvPr>
@@ -2598,7 +2776,7 @@
           <p:cNvPr id="2" name="Título 1">
             <a:extLst>
               <a:ext uri="{FF2B5EF4-FFF2-40B4-BE49-F238E27FC236}">
-                <a16:creationId xmlns="" xmlns:a16="http://schemas.microsoft.com/office/drawing/2014/main" id="{BC7BB9F0-F14B-4A91-B2B7-35BC47FE4DE7}"/>
+                <a16:creationId xmlns:a16="http://schemas.microsoft.com/office/drawing/2014/main" xmlns="" id="{BC7BB9F0-F14B-4A91-B2B7-35BC47FE4DE7}"/>
               </a:ext>
             </a:extLst>
           </p:cNvPr>
@@ -2626,7 +2804,7 @@
           <p:cNvPr id="3" name="Espaço Reservado para Conteúdo 2">
             <a:extLst>
               <a:ext uri="{FF2B5EF4-FFF2-40B4-BE49-F238E27FC236}">
-                <a16:creationId xmlns="" xmlns:a16="http://schemas.microsoft.com/office/drawing/2014/main" id="{EC1FC1C4-73DA-47A6-8496-B0B457F7D39A}"/>
+                <a16:creationId xmlns:a16="http://schemas.microsoft.com/office/drawing/2014/main" xmlns="" id="{EC1FC1C4-73DA-47A6-8496-B0B457F7D39A}"/>
               </a:ext>
             </a:extLst>
           </p:cNvPr>
@@ -2688,7 +2866,7 @@
           <p:cNvPr id="4" name="Espaço Reservado para Conteúdo 3">
             <a:extLst>
               <a:ext uri="{FF2B5EF4-FFF2-40B4-BE49-F238E27FC236}">
-                <a16:creationId xmlns="" xmlns:a16="http://schemas.microsoft.com/office/drawing/2014/main" id="{E92F06A8-A449-4D92-9912-76873E529B38}"/>
+                <a16:creationId xmlns:a16="http://schemas.microsoft.com/office/drawing/2014/main" xmlns="" id="{E92F06A8-A449-4D92-9912-76873E529B38}"/>
               </a:ext>
             </a:extLst>
           </p:cNvPr>
@@ -2750,7 +2928,7 @@
           <p:cNvPr id="5" name="Espaço Reservado para Data 4">
             <a:extLst>
               <a:ext uri="{FF2B5EF4-FFF2-40B4-BE49-F238E27FC236}">
-                <a16:creationId xmlns="" xmlns:a16="http://schemas.microsoft.com/office/drawing/2014/main" id="{938070A4-BC2F-4D55-BD8D-DEAF11BB9EE9}"/>
+                <a16:creationId xmlns:a16="http://schemas.microsoft.com/office/drawing/2014/main" xmlns="" id="{938070A4-BC2F-4D55-BD8D-DEAF11BB9EE9}"/>
               </a:ext>
             </a:extLst>
           </p:cNvPr>
@@ -2768,7 +2946,7 @@
           <a:p>
             <a:fld id="{63289F7E-B80B-496E-81B4-D396C37C9454}" type="datetimeFigureOut">
               <a:rPr lang="pt-BR" smtClean="0"/>
-              <a:t>07/01/2026</a:t>
+              <a:t>08/01/2026</a:t>
             </a:fld>
             <a:endParaRPr lang="pt-BR"/>
           </a:p>
@@ -2779,7 +2957,7 @@
           <p:cNvPr id="6" name="Espaço Reservado para Rodapé 5">
             <a:extLst>
               <a:ext uri="{FF2B5EF4-FFF2-40B4-BE49-F238E27FC236}">
-                <a16:creationId xmlns="" xmlns:a16="http://schemas.microsoft.com/office/drawing/2014/main" id="{45CC2DB8-844A-465F-BA9A-7734C80C7F43}"/>
+                <a16:creationId xmlns:a16="http://schemas.microsoft.com/office/drawing/2014/main" xmlns="" id="{45CC2DB8-844A-465F-BA9A-7734C80C7F43}"/>
               </a:ext>
             </a:extLst>
           </p:cNvPr>
@@ -2804,7 +2982,7 @@
           <p:cNvPr id="7" name="Espaço Reservado para Número de Slide 6">
             <a:extLst>
               <a:ext uri="{FF2B5EF4-FFF2-40B4-BE49-F238E27FC236}">
-                <a16:creationId xmlns="" xmlns:a16="http://schemas.microsoft.com/office/drawing/2014/main" id="{4CC606A8-097B-4040-94E0-CD8C88280D8F}"/>
+                <a16:creationId xmlns:a16="http://schemas.microsoft.com/office/drawing/2014/main" xmlns="" id="{4CC606A8-097B-4040-94E0-CD8C88280D8F}"/>
               </a:ext>
             </a:extLst>
           </p:cNvPr>
@@ -2863,7 +3041,7 @@
           <p:cNvPr id="2" name="Título 1">
             <a:extLst>
               <a:ext uri="{FF2B5EF4-FFF2-40B4-BE49-F238E27FC236}">
-                <a16:creationId xmlns="" xmlns:a16="http://schemas.microsoft.com/office/drawing/2014/main" id="{76D66686-0143-4CB6-8C09-BA326F1E7ACA}"/>
+                <a16:creationId xmlns:a16="http://schemas.microsoft.com/office/drawing/2014/main" xmlns="" id="{76D66686-0143-4CB6-8C09-BA326F1E7ACA}"/>
               </a:ext>
             </a:extLst>
           </p:cNvPr>
@@ -2896,7 +3074,7 @@
           <p:cNvPr id="3" name="Espaço Reservado para Texto 2">
             <a:extLst>
               <a:ext uri="{FF2B5EF4-FFF2-40B4-BE49-F238E27FC236}">
-                <a16:creationId xmlns="" xmlns:a16="http://schemas.microsoft.com/office/drawing/2014/main" id="{0227AB85-F59E-4BCE-B846-4FA0992C2F23}"/>
+                <a16:creationId xmlns:a16="http://schemas.microsoft.com/office/drawing/2014/main" xmlns="" id="{0227AB85-F59E-4BCE-B846-4FA0992C2F23}"/>
               </a:ext>
             </a:extLst>
           </p:cNvPr>
@@ -2967,7 +3145,7 @@
           <p:cNvPr id="4" name="Espaço Reservado para Conteúdo 3">
             <a:extLst>
               <a:ext uri="{FF2B5EF4-FFF2-40B4-BE49-F238E27FC236}">
-                <a16:creationId xmlns="" xmlns:a16="http://schemas.microsoft.com/office/drawing/2014/main" id="{3373456C-7319-4D0A-827D-D29F6B083F5D}"/>
+                <a16:creationId xmlns:a16="http://schemas.microsoft.com/office/drawing/2014/main" xmlns="" id="{3373456C-7319-4D0A-827D-D29F6B083F5D}"/>
               </a:ext>
             </a:extLst>
           </p:cNvPr>
@@ -3029,7 +3207,7 @@
           <p:cNvPr id="5" name="Espaço Reservado para Texto 4">
             <a:extLst>
               <a:ext uri="{FF2B5EF4-FFF2-40B4-BE49-F238E27FC236}">
-                <a16:creationId xmlns="" xmlns:a16="http://schemas.microsoft.com/office/drawing/2014/main" id="{4CD109D0-2E83-4262-8029-A871CEC47406}"/>
+                <a16:creationId xmlns:a16="http://schemas.microsoft.com/office/drawing/2014/main" xmlns="" id="{4CD109D0-2E83-4262-8029-A871CEC47406}"/>
               </a:ext>
             </a:extLst>
           </p:cNvPr>
@@ -3100,7 +3278,7 @@
           <p:cNvPr id="6" name="Espaço Reservado para Conteúdo 5">
             <a:extLst>
               <a:ext uri="{FF2B5EF4-FFF2-40B4-BE49-F238E27FC236}">
-                <a16:creationId xmlns="" xmlns:a16="http://schemas.microsoft.com/office/drawing/2014/main" id="{AD706E3A-CFBB-4A6C-A65F-D0360A9E74FE}"/>
+                <a16:creationId xmlns:a16="http://schemas.microsoft.com/office/drawing/2014/main" xmlns="" id="{AD706E3A-CFBB-4A6C-A65F-D0360A9E74FE}"/>
               </a:ext>
             </a:extLst>
           </p:cNvPr>
@@ -3162,7 +3340,7 @@
           <p:cNvPr id="7" name="Espaço Reservado para Data 6">
             <a:extLst>
               <a:ext uri="{FF2B5EF4-FFF2-40B4-BE49-F238E27FC236}">
-                <a16:creationId xmlns="" xmlns:a16="http://schemas.microsoft.com/office/drawing/2014/main" id="{4172C0E5-5AF0-4805-BB51-443733CD2BD5}"/>
+                <a16:creationId xmlns:a16="http://schemas.microsoft.com/office/drawing/2014/main" xmlns="" id="{4172C0E5-5AF0-4805-BB51-443733CD2BD5}"/>
               </a:ext>
             </a:extLst>
           </p:cNvPr>
@@ -3180,7 +3358,7 @@
           <a:p>
             <a:fld id="{63289F7E-B80B-496E-81B4-D396C37C9454}" type="datetimeFigureOut">
               <a:rPr lang="pt-BR" smtClean="0"/>
-              <a:t>07/01/2026</a:t>
+              <a:t>08/01/2026</a:t>
             </a:fld>
             <a:endParaRPr lang="pt-BR"/>
           </a:p>
@@ -3191,7 +3369,7 @@
           <p:cNvPr id="8" name="Espaço Reservado para Rodapé 7">
             <a:extLst>
               <a:ext uri="{FF2B5EF4-FFF2-40B4-BE49-F238E27FC236}">
-                <a16:creationId xmlns="" xmlns:a16="http://schemas.microsoft.com/office/drawing/2014/main" id="{0E801648-156F-497E-99CF-797DF48051E1}"/>
+                <a16:creationId xmlns:a16="http://schemas.microsoft.com/office/drawing/2014/main" xmlns="" id="{0E801648-156F-497E-99CF-797DF48051E1}"/>
               </a:ext>
             </a:extLst>
           </p:cNvPr>
@@ -3216,7 +3394,7 @@
           <p:cNvPr id="9" name="Espaço Reservado para Número de Slide 8">
             <a:extLst>
               <a:ext uri="{FF2B5EF4-FFF2-40B4-BE49-F238E27FC236}">
-                <a16:creationId xmlns="" xmlns:a16="http://schemas.microsoft.com/office/drawing/2014/main" id="{EEE23D32-80E7-4796-A137-66BF842E4B53}"/>
+                <a16:creationId xmlns:a16="http://schemas.microsoft.com/office/drawing/2014/main" xmlns="" id="{EEE23D32-80E7-4796-A137-66BF842E4B53}"/>
               </a:ext>
             </a:extLst>
           </p:cNvPr>
@@ -3275,7 +3453,7 @@
           <p:cNvPr id="2" name="Título 1">
             <a:extLst>
               <a:ext uri="{FF2B5EF4-FFF2-40B4-BE49-F238E27FC236}">
-                <a16:creationId xmlns="" xmlns:a16="http://schemas.microsoft.com/office/drawing/2014/main" id="{2BCE2379-C78F-47E1-8CFC-B846E7AF148D}"/>
+                <a16:creationId xmlns:a16="http://schemas.microsoft.com/office/drawing/2014/main" xmlns="" id="{2BCE2379-C78F-47E1-8CFC-B846E7AF148D}"/>
               </a:ext>
             </a:extLst>
           </p:cNvPr>
@@ -3303,7 +3481,7 @@
           <p:cNvPr id="3" name="Espaço Reservado para Data 2">
             <a:extLst>
               <a:ext uri="{FF2B5EF4-FFF2-40B4-BE49-F238E27FC236}">
-                <a16:creationId xmlns="" xmlns:a16="http://schemas.microsoft.com/office/drawing/2014/main" id="{342600A9-7F92-4E22-9D94-E4717252A817}"/>
+                <a16:creationId xmlns:a16="http://schemas.microsoft.com/office/drawing/2014/main" xmlns="" id="{342600A9-7F92-4E22-9D94-E4717252A817}"/>
               </a:ext>
             </a:extLst>
           </p:cNvPr>
@@ -3321,7 +3499,7 @@
           <a:p>
             <a:fld id="{63289F7E-B80B-496E-81B4-D396C37C9454}" type="datetimeFigureOut">
               <a:rPr lang="pt-BR" smtClean="0"/>
-              <a:t>07/01/2026</a:t>
+              <a:t>08/01/2026</a:t>
             </a:fld>
             <a:endParaRPr lang="pt-BR"/>
           </a:p>
@@ -3332,7 +3510,7 @@
           <p:cNvPr id="4" name="Espaço Reservado para Rodapé 3">
             <a:extLst>
               <a:ext uri="{FF2B5EF4-FFF2-40B4-BE49-F238E27FC236}">
-                <a16:creationId xmlns="" xmlns:a16="http://schemas.microsoft.com/office/drawing/2014/main" id="{192E6BED-F546-40CC-A2DF-99CBA853654E}"/>
+                <a16:creationId xmlns:a16="http://schemas.microsoft.com/office/drawing/2014/main" xmlns="" id="{192E6BED-F546-40CC-A2DF-99CBA853654E}"/>
               </a:ext>
             </a:extLst>
           </p:cNvPr>
@@ -3357,7 +3535,7 @@
           <p:cNvPr id="5" name="Espaço Reservado para Número de Slide 4">
             <a:extLst>
               <a:ext uri="{FF2B5EF4-FFF2-40B4-BE49-F238E27FC236}">
-                <a16:creationId xmlns="" xmlns:a16="http://schemas.microsoft.com/office/drawing/2014/main" id="{6091CC40-A8C4-4063-80EB-CC5099621678}"/>
+                <a16:creationId xmlns:a16="http://schemas.microsoft.com/office/drawing/2014/main" xmlns="" id="{6091CC40-A8C4-4063-80EB-CC5099621678}"/>
               </a:ext>
             </a:extLst>
           </p:cNvPr>
@@ -3416,7 +3594,7 @@
           <p:cNvPr id="2" name="Espaço Reservado para Data 1">
             <a:extLst>
               <a:ext uri="{FF2B5EF4-FFF2-40B4-BE49-F238E27FC236}">
-                <a16:creationId xmlns="" xmlns:a16="http://schemas.microsoft.com/office/drawing/2014/main" id="{DD19515C-212C-4EAE-84A3-8FF4BC844F1B}"/>
+                <a16:creationId xmlns:a16="http://schemas.microsoft.com/office/drawing/2014/main" xmlns="" id="{DD19515C-212C-4EAE-84A3-8FF4BC844F1B}"/>
               </a:ext>
             </a:extLst>
           </p:cNvPr>
@@ -3434,7 +3612,7 @@
           <a:p>
             <a:fld id="{63289F7E-B80B-496E-81B4-D396C37C9454}" type="datetimeFigureOut">
               <a:rPr lang="pt-BR" smtClean="0"/>
-              <a:t>07/01/2026</a:t>
+              <a:t>08/01/2026</a:t>
             </a:fld>
             <a:endParaRPr lang="pt-BR"/>
           </a:p>
@@ -3445,7 +3623,7 @@
           <p:cNvPr id="3" name="Espaço Reservado para Rodapé 2">
             <a:extLst>
               <a:ext uri="{FF2B5EF4-FFF2-40B4-BE49-F238E27FC236}">
-                <a16:creationId xmlns="" xmlns:a16="http://schemas.microsoft.com/office/drawing/2014/main" id="{94D3D120-B3E8-4C96-861D-7A4F12F49B3A}"/>
+                <a16:creationId xmlns:a16="http://schemas.microsoft.com/office/drawing/2014/main" xmlns="" id="{94D3D120-B3E8-4C96-861D-7A4F12F49B3A}"/>
               </a:ext>
             </a:extLst>
           </p:cNvPr>
@@ -3470,7 +3648,7 @@
           <p:cNvPr id="4" name="Espaço Reservado para Número de Slide 3">
             <a:extLst>
               <a:ext uri="{FF2B5EF4-FFF2-40B4-BE49-F238E27FC236}">
-                <a16:creationId xmlns="" xmlns:a16="http://schemas.microsoft.com/office/drawing/2014/main" id="{42E49B68-FA1B-468B-9F17-D5C09243D454}"/>
+                <a16:creationId xmlns:a16="http://schemas.microsoft.com/office/drawing/2014/main" xmlns="" id="{42E49B68-FA1B-468B-9F17-D5C09243D454}"/>
               </a:ext>
             </a:extLst>
           </p:cNvPr>
@@ -3529,7 +3707,7 @@
           <p:cNvPr id="2" name="Título 1">
             <a:extLst>
               <a:ext uri="{FF2B5EF4-FFF2-40B4-BE49-F238E27FC236}">
-                <a16:creationId xmlns="" xmlns:a16="http://schemas.microsoft.com/office/drawing/2014/main" id="{1C17BCBE-A897-4319-85EC-D87909C24980}"/>
+                <a16:creationId xmlns:a16="http://schemas.microsoft.com/office/drawing/2014/main" xmlns="" id="{1C17BCBE-A897-4319-85EC-D87909C24980}"/>
               </a:ext>
             </a:extLst>
           </p:cNvPr>
@@ -3566,7 +3744,7 @@
           <p:cNvPr id="3" name="Espaço Reservado para Conteúdo 2">
             <a:extLst>
               <a:ext uri="{FF2B5EF4-FFF2-40B4-BE49-F238E27FC236}">
-                <a16:creationId xmlns="" xmlns:a16="http://schemas.microsoft.com/office/drawing/2014/main" id="{4226F885-0204-4913-868B-4B8B82576F17}"/>
+                <a16:creationId xmlns:a16="http://schemas.microsoft.com/office/drawing/2014/main" xmlns="" id="{4226F885-0204-4913-868B-4B8B82576F17}"/>
               </a:ext>
             </a:extLst>
           </p:cNvPr>
@@ -3656,7 +3834,7 @@
           <p:cNvPr id="4" name="Espaço Reservado para Texto 3">
             <a:extLst>
               <a:ext uri="{FF2B5EF4-FFF2-40B4-BE49-F238E27FC236}">
-                <a16:creationId xmlns="" xmlns:a16="http://schemas.microsoft.com/office/drawing/2014/main" id="{00F9F784-A858-441B-8AB5-697098141751}"/>
+                <a16:creationId xmlns:a16="http://schemas.microsoft.com/office/drawing/2014/main" xmlns="" id="{00F9F784-A858-441B-8AB5-697098141751}"/>
               </a:ext>
             </a:extLst>
           </p:cNvPr>
@@ -3727,7 +3905,7 @@
           <p:cNvPr id="5" name="Espaço Reservado para Data 4">
             <a:extLst>
               <a:ext uri="{FF2B5EF4-FFF2-40B4-BE49-F238E27FC236}">
-                <a16:creationId xmlns="" xmlns:a16="http://schemas.microsoft.com/office/drawing/2014/main" id="{A4DC363A-5000-472E-8B17-02E7DCB8840A}"/>
+                <a16:creationId xmlns:a16="http://schemas.microsoft.com/office/drawing/2014/main" xmlns="" id="{A4DC363A-5000-472E-8B17-02E7DCB8840A}"/>
               </a:ext>
             </a:extLst>
           </p:cNvPr>
@@ -3745,7 +3923,7 @@
           <a:p>
             <a:fld id="{63289F7E-B80B-496E-81B4-D396C37C9454}" type="datetimeFigureOut">
               <a:rPr lang="pt-BR" smtClean="0"/>
-              <a:t>07/01/2026</a:t>
+              <a:t>08/01/2026</a:t>
             </a:fld>
             <a:endParaRPr lang="pt-BR"/>
           </a:p>
@@ -3756,7 +3934,7 @@
           <p:cNvPr id="6" name="Espaço Reservado para Rodapé 5">
             <a:extLst>
               <a:ext uri="{FF2B5EF4-FFF2-40B4-BE49-F238E27FC236}">
-                <a16:creationId xmlns="" xmlns:a16="http://schemas.microsoft.com/office/drawing/2014/main" id="{5548425D-2C21-4C56-BAD4-662978775C28}"/>
+                <a16:creationId xmlns:a16="http://schemas.microsoft.com/office/drawing/2014/main" xmlns="" id="{5548425D-2C21-4C56-BAD4-662978775C28}"/>
               </a:ext>
             </a:extLst>
           </p:cNvPr>
@@ -3781,7 +3959,7 @@
           <p:cNvPr id="7" name="Espaço Reservado para Número de Slide 6">
             <a:extLst>
               <a:ext uri="{FF2B5EF4-FFF2-40B4-BE49-F238E27FC236}">
-                <a16:creationId xmlns="" xmlns:a16="http://schemas.microsoft.com/office/drawing/2014/main" id="{C63E9726-E64C-42B2-AE8A-8C235A956B48}"/>
+                <a16:creationId xmlns:a16="http://schemas.microsoft.com/office/drawing/2014/main" xmlns="" id="{C63E9726-E64C-42B2-AE8A-8C235A956B48}"/>
               </a:ext>
             </a:extLst>
           </p:cNvPr>
@@ -3840,7 +4018,7 @@
           <p:cNvPr id="2" name="Título 1">
             <a:extLst>
               <a:ext uri="{FF2B5EF4-FFF2-40B4-BE49-F238E27FC236}">
-                <a16:creationId xmlns="" xmlns:a16="http://schemas.microsoft.com/office/drawing/2014/main" id="{11086A78-3E74-450C-96A6-CA8AC37AF772}"/>
+                <a16:creationId xmlns:a16="http://schemas.microsoft.com/office/drawing/2014/main" xmlns="" id="{11086A78-3E74-450C-96A6-CA8AC37AF772}"/>
               </a:ext>
             </a:extLst>
           </p:cNvPr>
@@ -3877,7 +4055,7 @@
           <p:cNvPr id="3" name="Espaço Reservado para Imagem 2">
             <a:extLst>
               <a:ext uri="{FF2B5EF4-FFF2-40B4-BE49-F238E27FC236}">
-                <a16:creationId xmlns="" xmlns:a16="http://schemas.microsoft.com/office/drawing/2014/main" id="{5F5B7312-975A-4DBC-9B2F-3652ADA006FD}"/>
+                <a16:creationId xmlns:a16="http://schemas.microsoft.com/office/drawing/2014/main" xmlns="" id="{5F5B7312-975A-4DBC-9B2F-3652ADA006FD}"/>
               </a:ext>
             </a:extLst>
           </p:cNvPr>
@@ -3944,7 +4122,7 @@
           <p:cNvPr id="4" name="Espaço Reservado para Texto 3">
             <a:extLst>
               <a:ext uri="{FF2B5EF4-FFF2-40B4-BE49-F238E27FC236}">
-                <a16:creationId xmlns="" xmlns:a16="http://schemas.microsoft.com/office/drawing/2014/main" id="{AAF805F5-1DFF-41C6-944C-7D79FE0D0963}"/>
+                <a16:creationId xmlns:a16="http://schemas.microsoft.com/office/drawing/2014/main" xmlns="" id="{AAF805F5-1DFF-41C6-944C-7D79FE0D0963}"/>
               </a:ext>
             </a:extLst>
           </p:cNvPr>
@@ -4015,7 +4193,7 @@
           <p:cNvPr id="5" name="Espaço Reservado para Data 4">
             <a:extLst>
               <a:ext uri="{FF2B5EF4-FFF2-40B4-BE49-F238E27FC236}">
-                <a16:creationId xmlns="" xmlns:a16="http://schemas.microsoft.com/office/drawing/2014/main" id="{02113D81-8665-4516-BD81-C6A1F254EECD}"/>
+                <a16:creationId xmlns:a16="http://schemas.microsoft.com/office/drawing/2014/main" xmlns="" id="{02113D81-8665-4516-BD81-C6A1F254EECD}"/>
               </a:ext>
             </a:extLst>
           </p:cNvPr>
@@ -4033,7 +4211,7 @@
           <a:p>
             <a:fld id="{63289F7E-B80B-496E-81B4-D396C37C9454}" type="datetimeFigureOut">
               <a:rPr lang="pt-BR" smtClean="0"/>
-              <a:t>07/01/2026</a:t>
+              <a:t>08/01/2026</a:t>
             </a:fld>
             <a:endParaRPr lang="pt-BR"/>
           </a:p>
@@ -4044,7 +4222,7 @@
           <p:cNvPr id="6" name="Espaço Reservado para Rodapé 5">
             <a:extLst>
               <a:ext uri="{FF2B5EF4-FFF2-40B4-BE49-F238E27FC236}">
-                <a16:creationId xmlns="" xmlns:a16="http://schemas.microsoft.com/office/drawing/2014/main" id="{2B00C88B-FF32-40AA-A187-727D96FD7862}"/>
+                <a16:creationId xmlns:a16="http://schemas.microsoft.com/office/drawing/2014/main" xmlns="" id="{2B00C88B-FF32-40AA-A187-727D96FD7862}"/>
               </a:ext>
             </a:extLst>
           </p:cNvPr>
@@ -4069,7 +4247,7 @@
           <p:cNvPr id="7" name="Espaço Reservado para Número de Slide 6">
             <a:extLst>
               <a:ext uri="{FF2B5EF4-FFF2-40B4-BE49-F238E27FC236}">
-                <a16:creationId xmlns="" xmlns:a16="http://schemas.microsoft.com/office/drawing/2014/main" id="{A04D1A2D-69F7-4B8F-A730-BC26DC340BA6}"/>
+                <a16:creationId xmlns:a16="http://schemas.microsoft.com/office/drawing/2014/main" xmlns="" id="{A04D1A2D-69F7-4B8F-A730-BC26DC340BA6}"/>
               </a:ext>
             </a:extLst>
           </p:cNvPr>
@@ -4133,7 +4311,7 @@
           <p:cNvPr id="2" name="Espaço Reservado para Título 1">
             <a:extLst>
               <a:ext uri="{FF2B5EF4-FFF2-40B4-BE49-F238E27FC236}">
-                <a16:creationId xmlns="" xmlns:a16="http://schemas.microsoft.com/office/drawing/2014/main" id="{E69A0273-1966-4A1B-9370-4C1CE5036371}"/>
+                <a16:creationId xmlns:a16="http://schemas.microsoft.com/office/drawing/2014/main" xmlns="" id="{E69A0273-1966-4A1B-9370-4C1CE5036371}"/>
               </a:ext>
             </a:extLst>
           </p:cNvPr>
@@ -4171,7 +4349,7 @@
           <p:cNvPr id="3" name="Espaço Reservado para Texto 2">
             <a:extLst>
               <a:ext uri="{FF2B5EF4-FFF2-40B4-BE49-F238E27FC236}">
-                <a16:creationId xmlns="" xmlns:a16="http://schemas.microsoft.com/office/drawing/2014/main" id="{3B9CF87A-0448-49A7-AB25-EBC1D56A40EF}"/>
+                <a16:creationId xmlns:a16="http://schemas.microsoft.com/office/drawing/2014/main" xmlns="" id="{3B9CF87A-0448-49A7-AB25-EBC1D56A40EF}"/>
               </a:ext>
             </a:extLst>
           </p:cNvPr>
@@ -4238,7 +4416,7 @@
           <p:cNvPr id="4" name="Espaço Reservado para Data 3">
             <a:extLst>
               <a:ext uri="{FF2B5EF4-FFF2-40B4-BE49-F238E27FC236}">
-                <a16:creationId xmlns="" xmlns:a16="http://schemas.microsoft.com/office/drawing/2014/main" id="{2EF7B1F2-BB5A-44D0-816D-16AD2C71430E}"/>
+                <a16:creationId xmlns:a16="http://schemas.microsoft.com/office/drawing/2014/main" xmlns="" id="{2EF7B1F2-BB5A-44D0-816D-16AD2C71430E}"/>
               </a:ext>
             </a:extLst>
           </p:cNvPr>
@@ -4274,7 +4452,7 @@
           <a:p>
             <a:fld id="{63289F7E-B80B-496E-81B4-D396C37C9454}" type="datetimeFigureOut">
               <a:rPr lang="pt-BR" smtClean="0"/>
-              <a:t>07/01/2026</a:t>
+              <a:t>08/01/2026</a:t>
             </a:fld>
             <a:endParaRPr lang="pt-BR"/>
           </a:p>
@@ -4285,7 +4463,7 @@
           <p:cNvPr id="5" name="Espaço Reservado para Rodapé 4">
             <a:extLst>
               <a:ext uri="{FF2B5EF4-FFF2-40B4-BE49-F238E27FC236}">
-                <a16:creationId xmlns="" xmlns:a16="http://schemas.microsoft.com/office/drawing/2014/main" id="{C703F94C-2CC8-4DAA-BC35-14FC3E841DCD}"/>
+                <a16:creationId xmlns:a16="http://schemas.microsoft.com/office/drawing/2014/main" xmlns="" id="{C703F94C-2CC8-4DAA-BC35-14FC3E841DCD}"/>
               </a:ext>
             </a:extLst>
           </p:cNvPr>
@@ -4328,7 +4506,7 @@
           <p:cNvPr id="6" name="Espaço Reservado para Número de Slide 5">
             <a:extLst>
               <a:ext uri="{FF2B5EF4-FFF2-40B4-BE49-F238E27FC236}">
-                <a16:creationId xmlns="" xmlns:a16="http://schemas.microsoft.com/office/drawing/2014/main" id="{64051336-7048-457A-8B61-D94291D71648}"/>
+                <a16:creationId xmlns:a16="http://schemas.microsoft.com/office/drawing/2014/main" xmlns="" id="{64051336-7048-457A-8B61-D94291D71648}"/>
               </a:ext>
             </a:extLst>
           </p:cNvPr>
@@ -4696,7 +4874,7 @@
           <p:cNvPr id="2" name="Título 1">
             <a:extLst>
               <a:ext uri="{FF2B5EF4-FFF2-40B4-BE49-F238E27FC236}">
-                <a16:creationId xmlns="" xmlns:a16="http://schemas.microsoft.com/office/drawing/2014/main" id="{32666AC8-2E17-4DB4-B0F5-60C640CCFD2E}"/>
+                <a16:creationId xmlns:a16="http://schemas.microsoft.com/office/drawing/2014/main" xmlns="" id="{32666AC8-2E17-4DB4-B0F5-60C640CCFD2E}"/>
               </a:ext>
             </a:extLst>
           </p:cNvPr>
@@ -4721,15 +4899,7 @@
           <a:p>
             <a:r>
               <a:rPr lang="pt-BR" sz="6600" dirty="0" smtClean="0"/>
-              <a:t>C24 </a:t>
-            </a:r>
-            <a:r>
-              <a:rPr lang="pt-BR" sz="6600" dirty="0" smtClean="0"/>
-              <a:t>- </a:t>
-            </a:r>
-            <a:r>
-              <a:rPr lang="pt-BR" sz="6600" dirty="0" smtClean="0"/>
-              <a:t>Inteligência Artificial:</a:t>
+              <a:t>C24 - Inteligência Artificial:</a:t>
             </a:r>
             <a:r>
               <a:rPr lang="pt-BR" sz="7200" dirty="0"/>
@@ -4751,7 +4921,7 @@
           <p:cNvPr id="4" name="CaixaDeTexto 3">
             <a:extLst>
               <a:ext uri="{FF2B5EF4-FFF2-40B4-BE49-F238E27FC236}">
-                <a16:creationId xmlns="" xmlns:a16="http://schemas.microsoft.com/office/drawing/2014/main" id="{430EB894-B7D4-434C-9D1A-A14094D9BEEC}"/>
+                <a16:creationId xmlns:a16="http://schemas.microsoft.com/office/drawing/2014/main" xmlns="" id="{430EB894-B7D4-434C-9D1A-A14094D9BEEC}"/>
               </a:ext>
             </a:extLst>
           </p:cNvPr>
@@ -4802,7 +4972,7 @@
           <p:cNvPr id="1026" name="Picture 2" descr="Logo">
             <a:extLst>
               <a:ext uri="{FF2B5EF4-FFF2-40B4-BE49-F238E27FC236}">
-                <a16:creationId xmlns="" xmlns:a16="http://schemas.microsoft.com/office/drawing/2014/main" id="{3F2642E0-4F6A-4196-8F58-E77D36E9A33F}"/>
+                <a16:creationId xmlns:a16="http://schemas.microsoft.com/office/drawing/2014/main" xmlns="" id="{3F2642E0-4F6A-4196-8F58-E77D36E9A33F}"/>
               </a:ext>
             </a:extLst>
           </p:cNvPr>
@@ -4847,7 +5017,7 @@
           <p:cNvPr id="5122" name="Picture 2" descr="Image result for machine learning">
             <a:extLst>
               <a:ext uri="{FF2B5EF4-FFF2-40B4-BE49-F238E27FC236}">
-                <a16:creationId xmlns="" xmlns:a16="http://schemas.microsoft.com/office/drawing/2014/main" id="{810CE0A2-4102-44A6-A370-175E7896CDCB}"/>
+                <a16:creationId xmlns:a16="http://schemas.microsoft.com/office/drawing/2014/main" xmlns="" id="{810CE0A2-4102-44A6-A370-175E7896CDCB}"/>
               </a:ext>
             </a:extLst>
           </p:cNvPr>
@@ -4915,7 +5085,7 @@
         <p:cNvPr id="1" name="">
           <a:extLst>
             <a:ext uri="{FF2B5EF4-FFF2-40B4-BE49-F238E27FC236}">
-              <a16:creationId xmlns="" xmlns:a16="http://schemas.microsoft.com/office/drawing/2014/main" id="{B28A9759-CA4F-DA4F-85C2-F6E51DCED2D9}"/>
+              <a16:creationId xmlns:a16="http://schemas.microsoft.com/office/drawing/2014/main" xmlns="" id="{B28A9759-CA4F-DA4F-85C2-F6E51DCED2D9}"/>
             </a:ext>
           </a:extLst>
         </p:cNvPr>
@@ -4935,7 +5105,7 @@
           <p:cNvPr id="2" name="Título 1">
             <a:extLst>
               <a:ext uri="{FF2B5EF4-FFF2-40B4-BE49-F238E27FC236}">
-                <a16:creationId xmlns="" xmlns:a16="http://schemas.microsoft.com/office/drawing/2014/main" id="{072F732D-34CE-6153-324F-D7F6821577F0}"/>
+                <a16:creationId xmlns:a16="http://schemas.microsoft.com/office/drawing/2014/main" xmlns="" id="{072F732D-34CE-6153-324F-D7F6821577F0}"/>
               </a:ext>
             </a:extLst>
           </p:cNvPr>
@@ -4964,7 +5134,7 @@
           <p:cNvPr id="3" name="Espaço Reservado para Conteúdo 2">
             <a:extLst>
               <a:ext uri="{FF2B5EF4-FFF2-40B4-BE49-F238E27FC236}">
-                <a16:creationId xmlns="" xmlns:a16="http://schemas.microsoft.com/office/drawing/2014/main" id="{62A55622-8E11-E5D7-8EAF-7AE2CCAA3321}"/>
+                <a16:creationId xmlns:a16="http://schemas.microsoft.com/office/drawing/2014/main" xmlns="" id="{62A55622-8E11-E5D7-8EAF-7AE2CCAA3321}"/>
               </a:ext>
             </a:extLst>
           </p:cNvPr>
@@ -5102,69 +5272,13 @@
             </a:r>
             <a:r>
               <a:rPr lang="pt-BR" altLang="pt-BR" i="1" dirty="0" smtClean="0"/>
-              <a:t>humanos.“</a:t>
-            </a:r>
-          </a:p>
-          <a:p>
-            <a:pPr eaLnBrk="0" fontAlgn="base" hangingPunct="0">
-              <a:lnSpc>
-                <a:spcPct val="100000"/>
-              </a:lnSpc>
-              <a:spcBef>
-                <a:spcPct val="0"/>
-              </a:spcBef>
-              <a:spcAft>
-                <a:spcPct val="0"/>
-              </a:spcAft>
-            </a:pPr>
-            <a:r>
-              <a:rPr lang="pt-BR" altLang="pt-BR" b="1" dirty="0" smtClean="0"/>
-              <a:t>Stuart </a:t>
-            </a:r>
-            <a:r>
-              <a:rPr lang="pt-BR" altLang="pt-BR" b="1" dirty="0"/>
-              <a:t>Russell &amp; Peter </a:t>
-            </a:r>
-            <a:r>
-              <a:rPr lang="pt-BR" altLang="pt-BR" b="1" dirty="0" err="1"/>
-              <a:t>Norvig</a:t>
-            </a:r>
-            <a:r>
-              <a:rPr lang="pt-BR" altLang="pt-BR" b="1" dirty="0"/>
-              <a:t> (</a:t>
-            </a:r>
-            <a:r>
-              <a:rPr lang="pt-BR" altLang="pt-BR" b="1" dirty="0" smtClean="0"/>
-              <a:t>2003)</a:t>
-            </a:r>
-            <a:endParaRPr lang="pt-BR" altLang="pt-BR" dirty="0" smtClean="0"/>
-          </a:p>
-          <a:p>
-            <a:pPr lvl="1" eaLnBrk="0" fontAlgn="base" hangingPunct="0">
-              <a:lnSpc>
-                <a:spcPct val="100000"/>
-              </a:lnSpc>
-              <a:spcBef>
-                <a:spcPct val="0"/>
-              </a:spcBef>
-              <a:spcAft>
-                <a:spcPct val="0"/>
-              </a:spcAft>
-              <a:buFont typeface="Wingdings" panose="05000000000000000000" pitchFamily="2" charset="2"/>
-              <a:buChar char="§"/>
-            </a:pPr>
+              <a:t>humanos</a:t>
+            </a:r>
             <a:r>
               <a:rPr lang="pt-BR" altLang="pt-BR" i="1" dirty="0" smtClean="0"/>
-              <a:t>"</a:t>
-            </a:r>
-            <a:r>
-              <a:rPr lang="pt-BR" altLang="pt-BR" i="1" dirty="0"/>
-              <a:t>O estudo de agentes que recebem percepções do ambiente e executam ações</a:t>
-            </a:r>
-            <a:r>
-              <a:rPr lang="pt-BR" altLang="pt-BR" i="1" dirty="0" smtClean="0"/>
-              <a:t>."</a:t>
-            </a:r>
+              <a:t>.“</a:t>
+            </a:r>
+            <a:endParaRPr lang="pt-BR" altLang="pt-BR" i="1" dirty="0" smtClean="0"/>
           </a:p>
         </p:txBody>
       </p:sp>
@@ -5207,6 +5321,681 @@
       </p:grpSpPr>
       <p:sp>
         <p:nvSpPr>
+          <p:cNvPr id="2" name="Título 1"/>
+          <p:cNvSpPr>
+            <a:spLocks noGrp="1"/>
+          </p:cNvSpPr>
+          <p:nvPr>
+            <p:ph type="title"/>
+          </p:nvPr>
+        </p:nvSpPr>
+        <p:spPr/>
+        <p:txBody>
+          <a:bodyPr/>
+          <a:lstStyle/>
+          <a:p>
+            <a:r>
+              <a:rPr lang="pt-BR" dirty="0"/>
+              <a:t>O que é IA?</a:t>
+            </a:r>
+          </a:p>
+        </p:txBody>
+      </p:sp>
+      <p:sp>
+        <p:nvSpPr>
+          <p:cNvPr id="3" name="Espaço Reservado para Conteúdo 2"/>
+          <p:cNvSpPr>
+            <a:spLocks noGrp="1"/>
+          </p:cNvSpPr>
+          <p:nvPr>
+            <p:ph idx="1"/>
+          </p:nvPr>
+        </p:nvSpPr>
+        <p:spPr>
+          <a:xfrm>
+            <a:off x="838201" y="1825625"/>
+            <a:ext cx="10849494" cy="4351338"/>
+          </a:xfrm>
+        </p:spPr>
+        <p:txBody>
+          <a:bodyPr/>
+          <a:lstStyle/>
+          <a:p>
+            <a:pPr eaLnBrk="0" fontAlgn="base" hangingPunct="0">
+              <a:lnSpc>
+                <a:spcPct val="100000"/>
+              </a:lnSpc>
+              <a:spcBef>
+                <a:spcPct val="0"/>
+              </a:spcBef>
+              <a:spcAft>
+                <a:spcPct val="0"/>
+              </a:spcAft>
+            </a:pPr>
+            <a:r>
+              <a:rPr lang="pt-BR" altLang="pt-BR" b="1" dirty="0"/>
+              <a:t>Stuart Russell &amp; Peter </a:t>
+            </a:r>
+            <a:r>
+              <a:rPr lang="pt-BR" altLang="pt-BR" b="1" dirty="0" err="1"/>
+              <a:t>Norvig</a:t>
+            </a:r>
+            <a:r>
+              <a:rPr lang="pt-BR" altLang="pt-BR" b="1" dirty="0"/>
+              <a:t> (2003)</a:t>
+            </a:r>
+            <a:endParaRPr lang="pt-BR" altLang="pt-BR" dirty="0"/>
+          </a:p>
+          <a:p>
+            <a:pPr lvl="1" eaLnBrk="0" fontAlgn="base" hangingPunct="0">
+              <a:lnSpc>
+                <a:spcPct val="100000"/>
+              </a:lnSpc>
+              <a:spcBef>
+                <a:spcPct val="0"/>
+              </a:spcBef>
+              <a:spcAft>
+                <a:spcPct val="0"/>
+              </a:spcAft>
+              <a:buFont typeface="Wingdings" panose="05000000000000000000" pitchFamily="2" charset="2"/>
+              <a:buChar char="§"/>
+            </a:pPr>
+            <a:r>
+              <a:rPr lang="pt-BR" altLang="pt-BR" i="1" dirty="0"/>
+              <a:t>"O estudo de agentes que recebem percepções do ambiente e executam ações</a:t>
+            </a:r>
+            <a:r>
+              <a:rPr lang="pt-BR" altLang="pt-BR" i="1" dirty="0" smtClean="0"/>
+              <a:t>."</a:t>
+            </a:r>
+            <a:endParaRPr lang="pt-BR" altLang="pt-BR" i="1" dirty="0"/>
+          </a:p>
+        </p:txBody>
+      </p:sp>
+      <p:grpSp>
+        <p:nvGrpSpPr>
+          <p:cNvPr id="20" name="Grupo 19"/>
+          <p:cNvGrpSpPr/>
+          <p:nvPr/>
+        </p:nvGrpSpPr>
+        <p:grpSpPr>
+          <a:xfrm>
+            <a:off x="4123113" y="2776451"/>
+            <a:ext cx="3981987" cy="2176953"/>
+            <a:chOff x="838200" y="2500541"/>
+            <a:chExt cx="5690291" cy="3001503"/>
+          </a:xfrm>
+        </p:grpSpPr>
+        <p:sp>
+          <p:nvSpPr>
+            <p:cNvPr id="4" name="Retângulo de cantos arredondados 3"/>
+            <p:cNvSpPr/>
+            <p:nvPr/>
+          </p:nvSpPr>
+          <p:spPr>
+            <a:xfrm>
+              <a:off x="838200" y="2500543"/>
+              <a:ext cx="2959331" cy="3001501"/>
+            </a:xfrm>
+            <a:prstGeom prst="roundRect">
+              <a:avLst/>
+            </a:prstGeom>
+            <a:solidFill>
+              <a:schemeClr val="accent1">
+                <a:lumMod val="60000"/>
+                <a:lumOff val="40000"/>
+              </a:schemeClr>
+            </a:solidFill>
+          </p:spPr>
+          <p:style>
+            <a:lnRef idx="2">
+              <a:schemeClr val="accent1">
+                <a:shade val="50000"/>
+              </a:schemeClr>
+            </a:lnRef>
+            <a:fillRef idx="1">
+              <a:schemeClr val="accent1"/>
+            </a:fillRef>
+            <a:effectRef idx="0">
+              <a:schemeClr val="accent1"/>
+            </a:effectRef>
+            <a:fontRef idx="minor">
+              <a:schemeClr val="lt1"/>
+            </a:fontRef>
+          </p:style>
+          <p:txBody>
+            <a:bodyPr rtlCol="0" anchor="ctr"/>
+            <a:lstStyle/>
+            <a:p>
+              <a:pPr algn="ctr"/>
+              <a:endParaRPr lang="pt-BR"/>
+            </a:p>
+          </p:txBody>
+        </p:sp>
+        <p:sp>
+          <p:nvSpPr>
+            <p:cNvPr id="5" name="Retângulo 4"/>
+            <p:cNvSpPr/>
+            <p:nvPr/>
+          </p:nvSpPr>
+          <p:spPr>
+            <a:xfrm>
+              <a:off x="1735974" y="3436027"/>
+              <a:ext cx="1163782" cy="1130531"/>
+            </a:xfrm>
+            <a:prstGeom prst="rect">
+              <a:avLst/>
+            </a:prstGeom>
+            <a:solidFill>
+              <a:schemeClr val="accent5">
+                <a:lumMod val="40000"/>
+                <a:lumOff val="60000"/>
+              </a:schemeClr>
+            </a:solidFill>
+          </p:spPr>
+          <p:style>
+            <a:lnRef idx="2">
+              <a:schemeClr val="accent1">
+                <a:shade val="50000"/>
+              </a:schemeClr>
+            </a:lnRef>
+            <a:fillRef idx="1">
+              <a:schemeClr val="accent1"/>
+            </a:fillRef>
+            <a:effectRef idx="0">
+              <a:schemeClr val="accent1"/>
+            </a:effectRef>
+            <a:fontRef idx="minor">
+              <a:schemeClr val="lt1"/>
+            </a:fontRef>
+          </p:style>
+          <p:txBody>
+            <a:bodyPr rtlCol="0" anchor="ctr"/>
+            <a:lstStyle/>
+            <a:p>
+              <a:pPr algn="ctr"/>
+              <a:r>
+                <a:rPr lang="pt-BR" sz="4400" b="1" dirty="0" smtClean="0">
+                  <a:solidFill>
+                    <a:schemeClr val="tx1"/>
+                  </a:solidFill>
+                </a:rPr>
+                <a:t>?</a:t>
+              </a:r>
+              <a:endParaRPr lang="pt-BR" b="1" dirty="0">
+                <a:solidFill>
+                  <a:schemeClr val="tx1"/>
+                </a:solidFill>
+              </a:endParaRPr>
+            </a:p>
+          </p:txBody>
+        </p:sp>
+        <p:sp>
+          <p:nvSpPr>
+            <p:cNvPr id="7" name="Retângulo de cantos arredondados 6"/>
+            <p:cNvSpPr/>
+            <p:nvPr/>
+          </p:nvSpPr>
+          <p:spPr>
+            <a:xfrm rot="5400000">
+              <a:off x="4491694" y="3465245"/>
+              <a:ext cx="3001502" cy="1072093"/>
+            </a:xfrm>
+            <a:prstGeom prst="roundRect">
+              <a:avLst/>
+            </a:prstGeom>
+          </p:spPr>
+          <p:style>
+            <a:lnRef idx="2">
+              <a:schemeClr val="accent1">
+                <a:shade val="50000"/>
+              </a:schemeClr>
+            </a:lnRef>
+            <a:fillRef idx="1">
+              <a:schemeClr val="accent1"/>
+            </a:fillRef>
+            <a:effectRef idx="0">
+              <a:schemeClr val="accent1"/>
+            </a:effectRef>
+            <a:fontRef idx="minor">
+              <a:schemeClr val="lt1"/>
+            </a:fontRef>
+          </p:style>
+          <p:txBody>
+            <a:bodyPr rtlCol="0" anchor="ctr"/>
+            <a:lstStyle/>
+            <a:p>
+              <a:pPr algn="ctr"/>
+              <a:r>
+                <a:rPr lang="pt-BR" sz="3200" dirty="0" smtClean="0"/>
+                <a:t>Ambiente</a:t>
+              </a:r>
+              <a:endParaRPr lang="pt-BR" sz="3200" dirty="0"/>
+            </a:p>
+          </p:txBody>
+        </p:sp>
+        <p:cxnSp>
+          <p:nvCxnSpPr>
+            <p:cNvPr id="8" name="Conector de seta reta 7"/>
+            <p:cNvCxnSpPr/>
+            <p:nvPr/>
+          </p:nvCxnSpPr>
+          <p:spPr>
+            <a:xfrm flipH="1">
+              <a:off x="3267784" y="2820886"/>
+              <a:ext cx="2448000" cy="1"/>
+            </a:xfrm>
+            <a:prstGeom prst="straightConnector1">
+              <a:avLst/>
+            </a:prstGeom>
+            <a:ln w="57150">
+              <a:solidFill>
+                <a:schemeClr val="tx1"/>
+              </a:solidFill>
+              <a:tailEnd type="triangle"/>
+            </a:ln>
+          </p:spPr>
+          <p:style>
+            <a:lnRef idx="1">
+              <a:schemeClr val="accent1"/>
+            </a:lnRef>
+            <a:fillRef idx="0">
+              <a:schemeClr val="accent1"/>
+            </a:fillRef>
+            <a:effectRef idx="0">
+              <a:schemeClr val="accent1"/>
+            </a:effectRef>
+            <a:fontRef idx="minor">
+              <a:schemeClr val="tx1"/>
+            </a:fontRef>
+          </p:style>
+        </p:cxnSp>
+        <p:cxnSp>
+          <p:nvCxnSpPr>
+            <p:cNvPr id="13" name="Conector de seta reta 12"/>
+            <p:cNvCxnSpPr/>
+            <p:nvPr/>
+          </p:nvCxnSpPr>
+          <p:spPr>
+            <a:xfrm>
+              <a:off x="3267784" y="5320058"/>
+              <a:ext cx="2448000" cy="1"/>
+            </a:xfrm>
+            <a:prstGeom prst="straightConnector1">
+              <a:avLst/>
+            </a:prstGeom>
+            <a:ln w="57150">
+              <a:solidFill>
+                <a:schemeClr val="tx1"/>
+              </a:solidFill>
+              <a:tailEnd type="triangle"/>
+            </a:ln>
+          </p:spPr>
+          <p:style>
+            <a:lnRef idx="1">
+              <a:schemeClr val="accent1"/>
+            </a:lnRef>
+            <a:fillRef idx="0">
+              <a:schemeClr val="accent1"/>
+            </a:fillRef>
+            <a:effectRef idx="0">
+              <a:schemeClr val="accent1"/>
+            </a:effectRef>
+            <a:fontRef idx="minor">
+              <a:schemeClr val="tx1"/>
+            </a:fontRef>
+          </p:style>
+        </p:cxnSp>
+        <p:cxnSp>
+          <p:nvCxnSpPr>
+            <p:cNvPr id="14" name="Conector de seta reta 13"/>
+            <p:cNvCxnSpPr/>
+            <p:nvPr/>
+          </p:nvCxnSpPr>
+          <p:spPr>
+            <a:xfrm rot="16200000" flipH="1">
+              <a:off x="2101866" y="3220027"/>
+              <a:ext cx="432000" cy="1"/>
+            </a:xfrm>
+            <a:prstGeom prst="straightConnector1">
+              <a:avLst/>
+            </a:prstGeom>
+            <a:ln w="57150">
+              <a:solidFill>
+                <a:schemeClr val="tx1"/>
+              </a:solidFill>
+              <a:tailEnd type="triangle"/>
+            </a:ln>
+          </p:spPr>
+          <p:style>
+            <a:lnRef idx="1">
+              <a:schemeClr val="accent1"/>
+            </a:lnRef>
+            <a:fillRef idx="0">
+              <a:schemeClr val="accent1"/>
+            </a:fillRef>
+            <a:effectRef idx="0">
+              <a:schemeClr val="accent1"/>
+            </a:effectRef>
+            <a:fontRef idx="minor">
+              <a:schemeClr val="tx1"/>
+            </a:fontRef>
+          </p:style>
+        </p:cxnSp>
+        <p:cxnSp>
+          <p:nvCxnSpPr>
+            <p:cNvPr id="15" name="Conector de seta reta 14"/>
+            <p:cNvCxnSpPr/>
+            <p:nvPr/>
+          </p:nvCxnSpPr>
+          <p:spPr>
+            <a:xfrm rot="16200000" flipH="1">
+              <a:off x="2101864" y="4782557"/>
+              <a:ext cx="432000" cy="1"/>
+            </a:xfrm>
+            <a:prstGeom prst="straightConnector1">
+              <a:avLst/>
+            </a:prstGeom>
+            <a:ln w="57150">
+              <a:solidFill>
+                <a:schemeClr val="tx1"/>
+              </a:solidFill>
+              <a:tailEnd type="triangle"/>
+            </a:ln>
+          </p:spPr>
+          <p:style>
+            <a:lnRef idx="1">
+              <a:schemeClr val="accent1"/>
+            </a:lnRef>
+            <a:fillRef idx="0">
+              <a:schemeClr val="accent1"/>
+            </a:fillRef>
+            <a:effectRef idx="0">
+              <a:schemeClr val="accent1"/>
+            </a:effectRef>
+            <a:fontRef idx="minor">
+              <a:schemeClr val="tx1"/>
+            </a:fontRef>
+          </p:style>
+        </p:cxnSp>
+        <p:sp>
+          <p:nvSpPr>
+            <p:cNvPr id="12" name="CaixaDeTexto 11"/>
+            <p:cNvSpPr txBox="1"/>
+            <p:nvPr/>
+          </p:nvSpPr>
+          <p:spPr>
+            <a:xfrm>
+              <a:off x="3788777" y="2850694"/>
+              <a:ext cx="1248741" cy="369332"/>
+            </a:xfrm>
+            <a:prstGeom prst="rect">
+              <a:avLst/>
+            </a:prstGeom>
+            <a:noFill/>
+          </p:spPr>
+          <p:txBody>
+            <a:bodyPr wrap="none" rtlCol="0">
+              <a:spAutoFit/>
+            </a:bodyPr>
+            <a:lstStyle/>
+            <a:p>
+              <a:r>
+                <a:rPr lang="pt-BR" dirty="0" smtClean="0"/>
+                <a:t>Percepções</a:t>
+              </a:r>
+              <a:endParaRPr lang="pt-BR" dirty="0"/>
+            </a:p>
+          </p:txBody>
+        </p:sp>
+        <p:sp>
+          <p:nvSpPr>
+            <p:cNvPr id="17" name="CaixaDeTexto 16"/>
+            <p:cNvSpPr txBox="1"/>
+            <p:nvPr/>
+          </p:nvSpPr>
+          <p:spPr>
+            <a:xfrm>
+              <a:off x="4114125" y="4857053"/>
+              <a:ext cx="740588" cy="369332"/>
+            </a:xfrm>
+            <a:prstGeom prst="rect">
+              <a:avLst/>
+            </a:prstGeom>
+            <a:noFill/>
+          </p:spPr>
+          <p:txBody>
+            <a:bodyPr wrap="none" rtlCol="0">
+              <a:spAutoFit/>
+            </a:bodyPr>
+            <a:lstStyle/>
+            <a:p>
+              <a:r>
+                <a:rPr lang="pt-BR" dirty="0" smtClean="0"/>
+                <a:t>Ações</a:t>
+              </a:r>
+              <a:endParaRPr lang="pt-BR" dirty="0"/>
+            </a:p>
+          </p:txBody>
+        </p:sp>
+        <p:sp>
+          <p:nvSpPr>
+            <p:cNvPr id="18" name="CaixaDeTexto 17"/>
+            <p:cNvSpPr txBox="1"/>
+            <p:nvPr/>
+          </p:nvSpPr>
+          <p:spPr>
+            <a:xfrm>
+              <a:off x="1735778" y="2534485"/>
+              <a:ext cx="1021626" cy="369332"/>
+            </a:xfrm>
+            <a:prstGeom prst="rect">
+              <a:avLst/>
+            </a:prstGeom>
+            <a:noFill/>
+          </p:spPr>
+          <p:txBody>
+            <a:bodyPr wrap="none" rtlCol="0">
+              <a:spAutoFit/>
+            </a:bodyPr>
+            <a:lstStyle/>
+            <a:p>
+              <a:r>
+                <a:rPr lang="pt-BR" dirty="0" smtClean="0"/>
+                <a:t>Sensores</a:t>
+              </a:r>
+            </a:p>
+          </p:txBody>
+        </p:sp>
+        <p:sp>
+          <p:nvSpPr>
+            <p:cNvPr id="19" name="CaixaDeTexto 18"/>
+            <p:cNvSpPr txBox="1"/>
+            <p:nvPr/>
+          </p:nvSpPr>
+          <p:spPr>
+            <a:xfrm>
+              <a:off x="1670719" y="5065635"/>
+              <a:ext cx="1147238" cy="369332"/>
+            </a:xfrm>
+            <a:prstGeom prst="rect">
+              <a:avLst/>
+            </a:prstGeom>
+            <a:noFill/>
+          </p:spPr>
+          <p:txBody>
+            <a:bodyPr wrap="none" rtlCol="0">
+              <a:spAutoFit/>
+            </a:bodyPr>
+            <a:lstStyle/>
+            <a:p>
+              <a:r>
+                <a:rPr lang="pt-BR" dirty="0" smtClean="0"/>
+                <a:t>Atuadores</a:t>
+              </a:r>
+            </a:p>
+          </p:txBody>
+        </p:sp>
+        <p:sp>
+          <p:nvSpPr>
+            <p:cNvPr id="16" name="Retângulo 15"/>
+            <p:cNvSpPr/>
+            <p:nvPr/>
+          </p:nvSpPr>
+          <p:spPr>
+            <a:xfrm rot="16200000">
+              <a:off x="542479" y="3723283"/>
+              <a:ext cx="1365695" cy="584775"/>
+            </a:xfrm>
+            <a:prstGeom prst="rect">
+              <a:avLst/>
+            </a:prstGeom>
+          </p:spPr>
+          <p:txBody>
+            <a:bodyPr wrap="none">
+              <a:spAutoFit/>
+            </a:bodyPr>
+            <a:lstStyle/>
+            <a:p>
+              <a:pPr algn="ctr"/>
+              <a:r>
+                <a:rPr lang="pt-BR" sz="3200" dirty="0" smtClean="0">
+                  <a:solidFill>
+                    <a:schemeClr val="bg1"/>
+                  </a:solidFill>
+                </a:rPr>
+                <a:t>Agente</a:t>
+              </a:r>
+              <a:endParaRPr lang="pt-BR" sz="3200" dirty="0">
+                <a:solidFill>
+                  <a:schemeClr val="bg1"/>
+                </a:solidFill>
+              </a:endParaRPr>
+            </a:p>
+          </p:txBody>
+        </p:sp>
+      </p:grpSp>
+      <p:pic>
+        <p:nvPicPr>
+          <p:cNvPr id="1030" name="Picture 6" descr="Artificial intelligence (AI) | Definition, Examples, Types, Applications,  Companies, &amp; Facts | Britannica"/>
+          <p:cNvPicPr>
+            <a:picLocks noChangeAspect="1" noChangeArrowheads="1"/>
+          </p:cNvPicPr>
+          <p:nvPr/>
+        </p:nvPicPr>
+        <p:blipFill>
+          <a:blip r:embed="rId2" cstate="print">
+            <a:extLst>
+              <a:ext uri="{28A0092B-C50C-407E-A947-70E740481C1C}">
+                <a14:useLocalDpi xmlns:a14="http://schemas.microsoft.com/office/drawing/2010/main" val="0"/>
+              </a:ext>
+            </a:extLst>
+          </a:blip>
+          <a:srcRect/>
+          <a:stretch>
+            <a:fillRect/>
+          </a:stretch>
+        </p:blipFill>
+        <p:spPr bwMode="auto">
+          <a:xfrm>
+            <a:off x="4322594" y="5081845"/>
+            <a:ext cx="1635527" cy="1635527"/>
+          </a:xfrm>
+          <a:prstGeom prst="rect">
+            <a:avLst/>
+          </a:prstGeom>
+          <a:noFill/>
+          <a:extLst>
+            <a:ext uri="{909E8E84-426E-40DD-AFC4-6F175D3DCCD1}">
+              <a14:hiddenFill xmlns:a14="http://schemas.microsoft.com/office/drawing/2010/main">
+                <a:solidFill>
+                  <a:srgbClr val="FFFFFF"/>
+                </a:solidFill>
+              </a14:hiddenFill>
+            </a:ext>
+          </a:extLst>
+        </p:spPr>
+      </p:pic>
+      <p:pic>
+        <p:nvPicPr>
+          <p:cNvPr id="24" name="Picture 10" descr="Rose, A Empregada Robô | Guia dos Quadrinhos"/>
+          <p:cNvPicPr>
+            <a:picLocks noChangeAspect="1" noChangeArrowheads="1"/>
+          </p:cNvPicPr>
+          <p:nvPr/>
+        </p:nvPicPr>
+        <p:blipFill>
+          <a:blip r:embed="rId3">
+            <a:extLst>
+              <a:ext uri="{28A0092B-C50C-407E-A947-70E740481C1C}">
+                <a14:useLocalDpi xmlns:a14="http://schemas.microsoft.com/office/drawing/2010/main" val="0"/>
+              </a:ext>
+            </a:extLst>
+          </a:blip>
+          <a:srcRect/>
+          <a:stretch>
+            <a:fillRect/>
+          </a:stretch>
+        </p:blipFill>
+        <p:spPr bwMode="auto">
+          <a:xfrm>
+            <a:off x="6043547" y="5242888"/>
+            <a:ext cx="1880278" cy="1410209"/>
+          </a:xfrm>
+          <a:prstGeom prst="rect">
+            <a:avLst/>
+          </a:prstGeom>
+          <a:noFill/>
+          <a:extLst>
+            <a:ext uri="{909E8E84-426E-40DD-AFC4-6F175D3DCCD1}">
+              <a14:hiddenFill xmlns:a14="http://schemas.microsoft.com/office/drawing/2010/main">
+                <a:solidFill>
+                  <a:srgbClr val="FFFFFF"/>
+                </a:solidFill>
+              </a14:hiddenFill>
+            </a:ext>
+          </a:extLst>
+        </p:spPr>
+      </p:pic>
+    </p:spTree>
+    <p:extLst>
+      <p:ext uri="{BB962C8B-B14F-4D97-AF65-F5344CB8AC3E}">
+        <p14:creationId xmlns:p14="http://schemas.microsoft.com/office/powerpoint/2010/main" val="1267892463"/>
+      </p:ext>
+    </p:extLst>
+  </p:cSld>
+  <p:clrMapOvr>
+    <a:masterClrMapping/>
+  </p:clrMapOvr>
+  <p:timing>
+    <p:tnLst>
+      <p:par>
+        <p:cTn id="1" dur="indefinite" restart="never" nodeType="tmRoot"/>
+      </p:par>
+    </p:tnLst>
+  </p:timing>
+</p:sld>
+</file>
+
+<file path=ppt/slides/slide12.xml><?xml version="1.0" encoding="utf-8"?>
+<p:sld xmlns:a="http://schemas.openxmlformats.org/drawingml/2006/main" xmlns:r="http://schemas.openxmlformats.org/officeDocument/2006/relationships" xmlns:p="http://schemas.openxmlformats.org/presentationml/2006/main">
+  <p:cSld>
+    <p:spTree>
+      <p:nvGrpSpPr>
+        <p:cNvPr id="1" name=""/>
+        <p:cNvGrpSpPr/>
+        <p:nvPr/>
+      </p:nvGrpSpPr>
+      <p:grpSpPr>
+        <a:xfrm>
+          <a:off x="0" y="0"/>
+          <a:ext cx="0" cy="0"/>
+          <a:chOff x="0" y="0"/>
+          <a:chExt cx="0" cy="0"/>
+        </a:xfrm>
+      </p:grpSpPr>
+      <p:sp>
+        <p:nvSpPr>
           <p:cNvPr id="3" name="Espaço Reservado para Conteúdo 2"/>
           <p:cNvSpPr>
             <a:spLocks noGrp="1"/>
@@ -5231,8 +6020,12 @@
               <a:buNone/>
             </a:pPr>
             <a:r>
+              <a:rPr lang="pt-BR" sz="6600" dirty="0" smtClean="0"/>
+              <a:t>Breve história </a:t>
+            </a:r>
+            <a:r>
               <a:rPr lang="pt-BR" sz="6600" dirty="0"/>
-              <a:t>História e e</a:t>
+              <a:t>e e</a:t>
             </a:r>
             <a:r>
               <a:rPr lang="pt-BR" sz="6600" dirty="0" smtClean="0"/>
@@ -5252,10 +6045,17 @@
   <p:clrMapOvr>
     <a:masterClrMapping/>
   </p:clrMapOvr>
+  <p:timing>
+    <p:tnLst>
+      <p:par>
+        <p:cTn id="1" dur="indefinite" restart="never" nodeType="tmRoot"/>
+      </p:par>
+    </p:tnLst>
+  </p:timing>
 </p:sld>
 </file>
 
-<file path=ppt/slides/slide12.xml><?xml version="1.0" encoding="utf-8"?>
+<file path=ppt/slides/slide13.xml><?xml version="1.0" encoding="utf-8"?>
 <p:sld xmlns:a="http://schemas.openxmlformats.org/drawingml/2006/main" xmlns:r="http://schemas.openxmlformats.org/officeDocument/2006/relationships" xmlns:p="http://schemas.openxmlformats.org/presentationml/2006/main">
   <p:cSld>
     <p:spTree>
@@ -5312,12 +6112,230 @@
             <p:ph idx="1"/>
           </p:nvPr>
         </p:nvSpPr>
-        <p:spPr/>
+        <p:spPr>
+          <a:xfrm>
+            <a:off x="5818909" y="1825624"/>
+            <a:ext cx="6184670" cy="5032375"/>
+          </a:xfrm>
+        </p:spPr>
         <p:txBody>
-          <a:bodyPr/>
+          <a:bodyPr>
+            <a:normAutofit/>
+          </a:bodyPr>
           <a:lstStyle/>
           <a:p>
-            <a:endParaRPr lang="pt-BR"/>
+            <a:r>
+              <a:rPr lang="pt-BR" dirty="0"/>
+              <a:t>Alan Turing </a:t>
+            </a:r>
+            <a:r>
+              <a:rPr lang="pt-BR" dirty="0" smtClean="0"/>
+              <a:t>inicia seu artigo </a:t>
+            </a:r>
+            <a:r>
+              <a:rPr lang="pt-BR" i="1" dirty="0" smtClean="0"/>
+              <a:t>"</a:t>
+            </a:r>
+            <a:r>
+              <a:rPr lang="pt-BR" i="1" dirty="0" err="1" smtClean="0"/>
+              <a:t>Computing</a:t>
+            </a:r>
+            <a:r>
+              <a:rPr lang="pt-BR" i="1" dirty="0" smtClean="0"/>
+              <a:t> </a:t>
+            </a:r>
+            <a:r>
+              <a:rPr lang="pt-BR" i="1" dirty="0" err="1"/>
+              <a:t>Machinery</a:t>
+            </a:r>
+            <a:r>
+              <a:rPr lang="pt-BR" i="1" dirty="0"/>
+              <a:t> </a:t>
+            </a:r>
+            <a:r>
+              <a:rPr lang="pt-BR" i="1" dirty="0" err="1"/>
+              <a:t>and</a:t>
+            </a:r>
+            <a:r>
+              <a:rPr lang="pt-BR" i="1" dirty="0"/>
+              <a:t> </a:t>
+            </a:r>
+            <a:r>
+              <a:rPr lang="pt-BR" i="1" dirty="0" err="1" smtClean="0"/>
+              <a:t>Intelligence</a:t>
+            </a:r>
+            <a:r>
+              <a:rPr lang="pt-BR" i="1" dirty="0" smtClean="0"/>
+              <a:t>“</a:t>
+            </a:r>
+            <a:r>
+              <a:rPr lang="pt-BR" dirty="0"/>
+              <a:t> </a:t>
+            </a:r>
+            <a:r>
+              <a:rPr lang="pt-BR" dirty="0" smtClean="0"/>
+              <a:t>com a pergunta: </a:t>
+            </a:r>
+            <a:r>
+              <a:rPr lang="pt-BR" b="1" dirty="0" smtClean="0">
+                <a:solidFill>
+                  <a:srgbClr val="00B0F0"/>
+                </a:solidFill>
+              </a:rPr>
+              <a:t>máquinas podem pensar?</a:t>
+            </a:r>
+            <a:endParaRPr lang="pt-BR" dirty="0" smtClean="0"/>
+          </a:p>
+          <a:p>
+            <a:r>
+              <a:rPr lang="pt-BR" dirty="0" smtClean="0"/>
+              <a:t>Porém, como as </a:t>
+            </a:r>
+            <a:r>
+              <a:rPr lang="pt-BR" dirty="0"/>
+              <a:t>definições de "máquina" e "pensar" são </a:t>
+            </a:r>
+            <a:r>
+              <a:rPr lang="pt-BR" dirty="0" smtClean="0"/>
+              <a:t>muito subjetivas</a:t>
+            </a:r>
+            <a:r>
+              <a:rPr lang="pt-BR" dirty="0"/>
+              <a:t>, para uma discussão científica </a:t>
+            </a:r>
+            <a:r>
+              <a:rPr lang="pt-BR" dirty="0" smtClean="0"/>
+              <a:t>rigorosa, ele muda a pergunta:</a:t>
+            </a:r>
+            <a:r>
+              <a:rPr lang="pt-BR" b="1" dirty="0">
+                <a:solidFill>
+                  <a:srgbClr val="00B0F0"/>
+                </a:solidFill>
+              </a:rPr>
+              <a:t> as </a:t>
+            </a:r>
+            <a:r>
+              <a:rPr lang="pt-BR" b="1" dirty="0">
+                <a:solidFill>
+                  <a:srgbClr val="00B0F0"/>
+                </a:solidFill>
+              </a:rPr>
+              <a:t>máquinas podem nos enganar</a:t>
+            </a:r>
+            <a:r>
+              <a:rPr lang="pt-BR" b="1" dirty="0" smtClean="0">
+                <a:solidFill>
+                  <a:srgbClr val="00B0F0"/>
+                </a:solidFill>
+              </a:rPr>
+              <a:t>?</a:t>
+            </a:r>
+          </a:p>
+          <a:p>
+            <a:r>
+              <a:rPr lang="pt-BR" dirty="0" smtClean="0"/>
+              <a:t>Para testar, ele propôs o “</a:t>
+            </a:r>
+            <a:r>
+              <a:rPr lang="pt-BR" b="1" dirty="0" smtClean="0"/>
+              <a:t>jogo da imitação</a:t>
+            </a:r>
+            <a:r>
+              <a:rPr lang="pt-BR" dirty="0" smtClean="0"/>
+              <a:t>”, também conhecido como “</a:t>
+            </a:r>
+            <a:r>
+              <a:rPr lang="pt-BR" b="1" dirty="0" smtClean="0"/>
+              <a:t>teste de Turing</a:t>
+            </a:r>
+            <a:r>
+              <a:rPr lang="pt-BR" dirty="0" smtClean="0"/>
+              <a:t>”.</a:t>
+            </a:r>
+            <a:endParaRPr lang="pt-BR" dirty="0"/>
+          </a:p>
+        </p:txBody>
+      </p:sp>
+      <p:pic>
+        <p:nvPicPr>
+          <p:cNvPr id="2050" name="Picture 2" descr="Alan Turing Test and the Imitation Game"/>
+          <p:cNvPicPr>
+            <a:picLocks noChangeAspect="1" noChangeArrowheads="1"/>
+          </p:cNvPicPr>
+          <p:nvPr/>
+        </p:nvPicPr>
+        <p:blipFill>
+          <a:blip r:embed="rId3">
+            <a:extLst>
+              <a:ext uri="{28A0092B-C50C-407E-A947-70E740481C1C}">
+                <a14:useLocalDpi xmlns:a14="http://schemas.microsoft.com/office/drawing/2010/main" val="0"/>
+              </a:ext>
+            </a:extLst>
+          </a:blip>
+          <a:srcRect/>
+          <a:stretch>
+            <a:fillRect/>
+          </a:stretch>
+        </p:blipFill>
+        <p:spPr bwMode="auto">
+          <a:xfrm>
+            <a:off x="838200" y="2203383"/>
+            <a:ext cx="4705005" cy="3241576"/>
+          </a:xfrm>
+          <a:prstGeom prst="rect">
+            <a:avLst/>
+          </a:prstGeom>
+          <a:noFill/>
+          <a:extLst>
+            <a:ext uri="{909E8E84-426E-40DD-AFC4-6F175D3DCCD1}">
+              <a14:hiddenFill xmlns:a14="http://schemas.microsoft.com/office/drawing/2010/main">
+                <a:solidFill>
+                  <a:srgbClr val="FFFFFF"/>
+                </a:solidFill>
+              </a14:hiddenFill>
+            </a:ext>
+          </a:extLst>
+        </p:spPr>
+      </p:pic>
+      <p:sp>
+        <p:nvSpPr>
+          <p:cNvPr id="4" name="Retângulo 3"/>
+          <p:cNvSpPr/>
+          <p:nvPr/>
+        </p:nvSpPr>
+        <p:spPr>
+          <a:xfrm>
+            <a:off x="1070956" y="5774774"/>
+            <a:ext cx="4239491" cy="646331"/>
+          </a:xfrm>
+          <a:prstGeom prst="rect">
+            <a:avLst/>
+          </a:prstGeom>
+        </p:spPr>
+        <p:txBody>
+          <a:bodyPr wrap="square">
+            <a:spAutoFit/>
+          </a:bodyPr>
+          <a:lstStyle/>
+          <a:p>
+            <a:pPr algn="ctr"/>
+            <a:r>
+              <a:rPr lang="pt-BR" dirty="0" smtClean="0"/>
+              <a:t>Se não conseguimos </a:t>
+            </a:r>
+            <a:r>
+              <a:rPr lang="pt-BR" dirty="0"/>
+              <a:t>distinguir a máquina de um humano, </a:t>
+            </a:r>
+            <a:r>
+              <a:rPr lang="pt-BR" dirty="0" smtClean="0"/>
+              <a:t>então ela </a:t>
+            </a:r>
+            <a:r>
+              <a:rPr lang="pt-BR" dirty="0"/>
+              <a:t>é inteligente.</a:t>
+            </a:r>
           </a:p>
         </p:txBody>
       </p:sp>
@@ -5334,7 +6352,313 @@
 </p:sld>
 </file>
 
-<file path=ppt/slides/slide13.xml><?xml version="1.0" encoding="utf-8"?>
+<file path=ppt/slides/slide14.xml><?xml version="1.0" encoding="utf-8"?>
+<p:sld xmlns:a="http://schemas.openxmlformats.org/drawingml/2006/main" xmlns:r="http://schemas.openxmlformats.org/officeDocument/2006/relationships" xmlns:p="http://schemas.openxmlformats.org/presentationml/2006/main">
+  <p:cSld>
+    <p:spTree>
+      <p:nvGrpSpPr>
+        <p:cNvPr id="1" name=""/>
+        <p:cNvGrpSpPr/>
+        <p:nvPr/>
+      </p:nvGrpSpPr>
+      <p:grpSpPr>
+        <a:xfrm>
+          <a:off x="0" y="0"/>
+          <a:ext cx="0" cy="0"/>
+          <a:chOff x="0" y="0"/>
+          <a:chExt cx="0" cy="0"/>
+        </a:xfrm>
+      </p:grpSpPr>
+      <p:sp>
+        <p:nvSpPr>
+          <p:cNvPr id="2" name="Título 1"/>
+          <p:cNvSpPr>
+            <a:spLocks noGrp="1"/>
+          </p:cNvSpPr>
+          <p:nvPr>
+            <p:ph type="title"/>
+          </p:nvPr>
+        </p:nvSpPr>
+        <p:spPr/>
+        <p:txBody>
+          <a:bodyPr/>
+          <a:lstStyle/>
+          <a:p>
+            <a:r>
+              <a:rPr lang="pt-BR" dirty="0"/>
+              <a:t>O </a:t>
+            </a:r>
+            <a:r>
+              <a:rPr lang="pt-BR" dirty="0" smtClean="0"/>
+              <a:t>teste </a:t>
+            </a:r>
+            <a:r>
+              <a:rPr lang="pt-BR" dirty="0"/>
+              <a:t>de Turing (1950)</a:t>
+            </a:r>
+          </a:p>
+        </p:txBody>
+      </p:sp>
+      <p:sp>
+        <p:nvSpPr>
+          <p:cNvPr id="3" name="Espaço Reservado para Conteúdo 2"/>
+          <p:cNvSpPr>
+            <a:spLocks noGrp="1"/>
+          </p:cNvSpPr>
+          <p:nvPr>
+            <p:ph idx="1"/>
+          </p:nvPr>
+        </p:nvSpPr>
+        <p:spPr>
+          <a:xfrm>
+            <a:off x="838200" y="1825624"/>
+            <a:ext cx="11165379" cy="5032375"/>
+          </a:xfrm>
+        </p:spPr>
+        <p:txBody>
+          <a:bodyPr>
+            <a:normAutofit/>
+          </a:bodyPr>
+          <a:lstStyle/>
+          <a:p>
+            <a:pPr marL="0" indent="0">
+              <a:buNone/>
+            </a:pPr>
+            <a:r>
+              <a:rPr lang="pt-BR" dirty="0" smtClean="0"/>
+              <a:t>Para passar no teste, a máquina deve ter as seguintes capacidades:</a:t>
+            </a:r>
+            <a:endParaRPr lang="pt-BR" dirty="0"/>
+          </a:p>
+          <a:p>
+            <a:pPr fontAlgn="base"/>
+            <a:r>
+              <a:rPr lang="pt-BR" b="1" dirty="0"/>
+              <a:t>Processamento de linguagem natural: </a:t>
+            </a:r>
+            <a:r>
+              <a:rPr lang="pt-BR" dirty="0"/>
+              <a:t>comunicar-se em um idioma </a:t>
+            </a:r>
+            <a:r>
+              <a:rPr lang="pt-BR" dirty="0" smtClean="0"/>
+              <a:t>natural </a:t>
+            </a:r>
+          </a:p>
+          <a:p>
+            <a:pPr lvl="1" fontAlgn="base"/>
+            <a:r>
+              <a:rPr lang="pt-BR" dirty="0" smtClean="0"/>
+              <a:t>OBS.: O teste de Turing original considera apenas linguagem escrita, mas versões atuais incorporam a linguagem falada.</a:t>
+            </a:r>
+            <a:r>
+              <a:rPr lang="en-US" dirty="0" smtClean="0"/>
+              <a:t>​</a:t>
+            </a:r>
+            <a:endParaRPr lang="pt-BR" dirty="0"/>
+          </a:p>
+          <a:p>
+            <a:pPr fontAlgn="base"/>
+            <a:r>
+              <a:rPr lang="pt-BR" b="1" dirty="0"/>
+              <a:t>Representação de conhecimento: </a:t>
+            </a:r>
+            <a:r>
+              <a:rPr lang="pt-BR" dirty="0"/>
+              <a:t>armazenar o que </a:t>
+            </a:r>
+            <a:r>
+              <a:rPr lang="pt-BR" dirty="0" smtClean="0"/>
+              <a:t>sabe, lê </a:t>
+            </a:r>
+            <a:r>
+              <a:rPr lang="pt-BR" dirty="0"/>
+              <a:t>ou ouve.</a:t>
+            </a:r>
+            <a:r>
+              <a:rPr lang="en-US" dirty="0" smtClean="0"/>
+              <a:t>​</a:t>
+            </a:r>
+            <a:endParaRPr lang="pt-BR" dirty="0"/>
+          </a:p>
+          <a:p>
+            <a:pPr fontAlgn="base"/>
+            <a:r>
+              <a:rPr lang="pt-BR" b="1" dirty="0"/>
+              <a:t>Raciocínio automatizado: </a:t>
+            </a:r>
+            <a:r>
+              <a:rPr lang="pt-BR" dirty="0"/>
+              <a:t>usar o conhecimento armazenado para chegar a novas conclusões.</a:t>
+            </a:r>
+            <a:r>
+              <a:rPr lang="en-US" dirty="0" smtClean="0"/>
+              <a:t>​</a:t>
+            </a:r>
+            <a:endParaRPr lang="pt-BR" dirty="0"/>
+          </a:p>
+          <a:p>
+            <a:pPr fontAlgn="base"/>
+            <a:r>
+              <a:rPr lang="pt-BR" b="1" dirty="0"/>
+              <a:t>Aprendizado de máquina: </a:t>
+            </a:r>
+            <a:r>
+              <a:rPr lang="pt-BR" dirty="0"/>
+              <a:t>adaptar-se a novas situações e reconhecer padrões</a:t>
+            </a:r>
+            <a:r>
+              <a:rPr lang="pt-BR" dirty="0" smtClean="0"/>
+              <a:t>.</a:t>
+            </a:r>
+            <a:endParaRPr lang="en-US" dirty="0"/>
+          </a:p>
+        </p:txBody>
+      </p:sp>
+    </p:spTree>
+    <p:extLst>
+      <p:ext uri="{BB962C8B-B14F-4D97-AF65-F5344CB8AC3E}">
+        <p14:creationId xmlns:p14="http://schemas.microsoft.com/office/powerpoint/2010/main" val="1024715613"/>
+      </p:ext>
+    </p:extLst>
+  </p:cSld>
+  <p:clrMapOvr>
+    <a:masterClrMapping/>
+  </p:clrMapOvr>
+</p:sld>
+</file>
+
+<file path=ppt/slides/slide15.xml><?xml version="1.0" encoding="utf-8"?>
+<p:sld xmlns:a="http://schemas.openxmlformats.org/drawingml/2006/main" xmlns:r="http://schemas.openxmlformats.org/officeDocument/2006/relationships" xmlns:p="http://schemas.openxmlformats.org/presentationml/2006/main">
+  <p:cSld>
+    <p:spTree>
+      <p:nvGrpSpPr>
+        <p:cNvPr id="1" name=""/>
+        <p:cNvGrpSpPr/>
+        <p:nvPr/>
+      </p:nvGrpSpPr>
+      <p:grpSpPr>
+        <a:xfrm>
+          <a:off x="0" y="0"/>
+          <a:ext cx="0" cy="0"/>
+          <a:chOff x="0" y="0"/>
+          <a:chExt cx="0" cy="0"/>
+        </a:xfrm>
+      </p:grpSpPr>
+      <p:sp>
+        <p:nvSpPr>
+          <p:cNvPr id="2" name="Título 1"/>
+          <p:cNvSpPr>
+            <a:spLocks noGrp="1"/>
+          </p:cNvSpPr>
+          <p:nvPr>
+            <p:ph type="title"/>
+          </p:nvPr>
+        </p:nvSpPr>
+        <p:spPr/>
+        <p:txBody>
+          <a:bodyPr/>
+          <a:lstStyle/>
+          <a:p>
+            <a:r>
+              <a:rPr lang="pt-BR" dirty="0"/>
+              <a:t>O teste de </a:t>
+            </a:r>
+            <a:r>
+              <a:rPr lang="pt-BR" dirty="0" smtClean="0"/>
+              <a:t>Turing: Eugene </a:t>
+            </a:r>
+            <a:r>
+              <a:rPr lang="pt-BR" dirty="0" err="1" smtClean="0"/>
+              <a:t>Goostman</a:t>
+            </a:r>
+            <a:endParaRPr lang="pt-BR" dirty="0"/>
+          </a:p>
+        </p:txBody>
+      </p:sp>
+      <p:sp>
+        <p:nvSpPr>
+          <p:cNvPr id="3" name="Espaço Reservado para Conteúdo 2"/>
+          <p:cNvSpPr>
+            <a:spLocks noGrp="1"/>
+          </p:cNvSpPr>
+          <p:nvPr>
+            <p:ph idx="1"/>
+          </p:nvPr>
+        </p:nvSpPr>
+        <p:spPr>
+          <a:xfrm>
+            <a:off x="4854632" y="1825625"/>
+            <a:ext cx="6499167" cy="4351338"/>
+          </a:xfrm>
+        </p:spPr>
+        <p:txBody>
+          <a:bodyPr/>
+          <a:lstStyle/>
+          <a:p>
+            <a:r>
+              <a:rPr lang="pt-BR" smtClean="0"/>
+              <a:t>Em 2014, </a:t>
+            </a:r>
+            <a:endParaRPr lang="pt-BR"/>
+          </a:p>
+        </p:txBody>
+      </p:sp>
+      <p:pic>
+        <p:nvPicPr>
+          <p:cNvPr id="3074" name="Picture 2" descr="Computer chatbot 'Eugene Goostman' passes the Turing test | ZDNET"/>
+          <p:cNvPicPr>
+            <a:picLocks noChangeAspect="1" noChangeArrowheads="1"/>
+          </p:cNvPicPr>
+          <p:nvPr/>
+        </p:nvPicPr>
+        <p:blipFill>
+          <a:blip r:embed="rId2" cstate="print">
+            <a:extLst>
+              <a:ext uri="{28A0092B-C50C-407E-A947-70E740481C1C}">
+                <a14:useLocalDpi xmlns:a14="http://schemas.microsoft.com/office/drawing/2010/main" val="0"/>
+              </a:ext>
+            </a:extLst>
+          </a:blip>
+          <a:srcRect/>
+          <a:stretch>
+            <a:fillRect/>
+          </a:stretch>
+        </p:blipFill>
+        <p:spPr bwMode="auto">
+          <a:xfrm>
+            <a:off x="548639" y="3097536"/>
+            <a:ext cx="3802091" cy="2141647"/>
+          </a:xfrm>
+          <a:prstGeom prst="rect">
+            <a:avLst/>
+          </a:prstGeom>
+          <a:noFill/>
+          <a:extLst>
+            <a:ext uri="{909E8E84-426E-40DD-AFC4-6F175D3DCCD1}">
+              <a14:hiddenFill xmlns:a14="http://schemas.microsoft.com/office/drawing/2010/main">
+                <a:solidFill>
+                  <a:srgbClr val="FFFFFF"/>
+                </a:solidFill>
+              </a14:hiddenFill>
+            </a:ext>
+          </a:extLst>
+        </p:spPr>
+      </p:pic>
+    </p:spTree>
+    <p:extLst>
+      <p:ext uri="{BB962C8B-B14F-4D97-AF65-F5344CB8AC3E}">
+        <p14:creationId xmlns:p14="http://schemas.microsoft.com/office/powerpoint/2010/main" val="2121559942"/>
+      </p:ext>
+    </p:extLst>
+  </p:cSld>
+  <p:clrMapOvr>
+    <a:masterClrMapping/>
+  </p:clrMapOvr>
+</p:sld>
+</file>
+
+<file path=ppt/slides/slide16.xml><?xml version="1.0" encoding="utf-8"?>
 <p:sld xmlns:a="http://schemas.openxmlformats.org/drawingml/2006/main" xmlns:r="http://schemas.openxmlformats.org/officeDocument/2006/relationships" xmlns:p="http://schemas.openxmlformats.org/presentationml/2006/main">
   <p:cSld>
     <p:spTree>
@@ -5356,7 +6680,7 @@
           <p:cNvPr id="2" name="Título 1">
             <a:extLst>
               <a:ext uri="{FF2B5EF4-FFF2-40B4-BE49-F238E27FC236}">
-                <a16:creationId xmlns="" xmlns:a16="http://schemas.microsoft.com/office/drawing/2014/main" id="{B9E502FC-4440-F5DA-F299-69CD15E702AE}"/>
+                <a16:creationId xmlns:a16="http://schemas.microsoft.com/office/drawing/2014/main" xmlns="" id="{B9E502FC-4440-F5DA-F299-69CD15E702AE}"/>
               </a:ext>
             </a:extLst>
           </p:cNvPr>
@@ -5374,11 +6698,7 @@
           <a:p>
             <a:r>
               <a:rPr lang="pt-BR" dirty="0" smtClean="0"/>
-              <a:t>O n</a:t>
-            </a:r>
-            <a:r>
-              <a:rPr lang="pt-BR" dirty="0" smtClean="0"/>
-              <a:t>ascimento </a:t>
+              <a:t>O nascimento </a:t>
             </a:r>
             <a:r>
               <a:rPr lang="pt-BR" dirty="0"/>
@@ -5397,7 +6717,7 @@
           <p:cNvPr id="3" name="Espaço Reservado para Conteúdo 2">
             <a:extLst>
               <a:ext uri="{FF2B5EF4-FFF2-40B4-BE49-F238E27FC236}">
-                <a16:creationId xmlns="" xmlns:a16="http://schemas.microsoft.com/office/drawing/2014/main" id="{69359096-6B47-BEA3-55AD-95F90CDC8489}"/>
+                <a16:creationId xmlns:a16="http://schemas.microsoft.com/office/drawing/2014/main" xmlns="" id="{69359096-6B47-BEA3-55AD-95F90CDC8489}"/>
               </a:ext>
             </a:extLst>
           </p:cNvPr>
@@ -5422,11 +6742,7 @@
           <a:p>
             <a:r>
               <a:rPr lang="pt-BR" dirty="0"/>
-              <a:t>Em 1956, o cientista da computação, John </a:t>
-            </a:r>
-            <a:r>
-              <a:rPr lang="pt-BR" dirty="0"/>
-              <a:t>McCarthy sugeriu o </a:t>
+              <a:t>Em 1956, o cientista da computação, John McCarthy sugeriu o </a:t>
             </a:r>
             <a:r>
               <a:rPr lang="pt-BR" dirty="0" smtClean="0"/>
@@ -5580,7 +6896,7 @@
 </p:sld>
 </file>
 
-<file path=ppt/slides/slide14.xml><?xml version="1.0" encoding="utf-8"?>
+<file path=ppt/slides/slide17.xml><?xml version="1.0" encoding="utf-8"?>
 <p:sld xmlns:a="http://schemas.openxmlformats.org/drawingml/2006/main" xmlns:r="http://schemas.openxmlformats.org/officeDocument/2006/relationships" xmlns:p="http://schemas.openxmlformats.org/presentationml/2006/main">
   <p:cSld>
     <p:spTree>
@@ -5602,7 +6918,7 @@
           <p:cNvPr id="2" name="Título 1">
             <a:extLst>
               <a:ext uri="{FF2B5EF4-FFF2-40B4-BE49-F238E27FC236}">
-                <a16:creationId xmlns="" xmlns:a16="http://schemas.microsoft.com/office/drawing/2014/main" id="{B7EBC8F7-03EF-338A-A90B-280A41AF9688}"/>
+                <a16:creationId xmlns:a16="http://schemas.microsoft.com/office/drawing/2014/main" xmlns="" id="{B7EBC8F7-03EF-338A-A90B-280A41AF9688}"/>
               </a:ext>
             </a:extLst>
           </p:cNvPr>
@@ -5619,9 +6935,10 @@
           <a:lstStyle/>
           <a:p>
             <a:r>
-              <a:rPr lang="pt-BR" dirty="0"/>
-              <a:t>Comparação com outros algoritmos</a:t>
-            </a:r>
+              <a:rPr lang="pt-BR" dirty="0" smtClean="0"/>
+              <a:t>Os invernos da IA (anos 70-80)</a:t>
+            </a:r>
+            <a:endParaRPr lang="pt-BR" dirty="0"/>
           </a:p>
         </p:txBody>
       </p:sp>
@@ -5630,7 +6947,7 @@
           <p:cNvPr id="3" name="Espaço Reservado para Conteúdo 2">
             <a:extLst>
               <a:ext uri="{FF2B5EF4-FFF2-40B4-BE49-F238E27FC236}">
-                <a16:creationId xmlns="" xmlns:a16="http://schemas.microsoft.com/office/drawing/2014/main" id="{C525BCE7-C19D-7DDA-016A-E3016C398CBA}"/>
+                <a16:creationId xmlns:a16="http://schemas.microsoft.com/office/drawing/2014/main" xmlns="" id="{C525BCE7-C19D-7DDA-016A-E3016C398CBA}"/>
               </a:ext>
             </a:extLst>
           </p:cNvPr>
@@ -5641,12 +6958,25 @@
             <p:ph idx="1"/>
           </p:nvPr>
         </p:nvSpPr>
-        <p:spPr/>
+        <p:spPr>
+          <a:xfrm>
+            <a:off x="5935286" y="1825625"/>
+            <a:ext cx="5418513" cy="4351338"/>
+          </a:xfrm>
+        </p:spPr>
         <p:txBody>
           <a:bodyPr/>
           <a:lstStyle/>
           <a:p>
-            <a:endParaRPr lang="pt-BR"/>
+            <a:r>
+              <a:rPr lang="pt-BR" dirty="0" smtClean="0"/>
+              <a:t>Houveram promessas </a:t>
+            </a:r>
+            <a:r>
+              <a:rPr lang="pt-BR" dirty="0"/>
+              <a:t>demais, resultados de menos</a:t>
+            </a:r>
+            <a:endParaRPr lang="pt-BR" dirty="0"/>
           </a:p>
         </p:txBody>
       </p:sp>
@@ -5663,7 +6993,7 @@
 </p:sld>
 </file>
 
-<file path=ppt/slides/slide15.xml><?xml version="1.0" encoding="utf-8"?>
+<file path=ppt/slides/slide18.xml><?xml version="1.0" encoding="utf-8"?>
 <p:sld xmlns:a="http://schemas.openxmlformats.org/drawingml/2006/main" xmlns:r="http://schemas.openxmlformats.org/officeDocument/2006/relationships" xmlns:p="http://schemas.openxmlformats.org/presentationml/2006/main">
   <p:cSld>
     <p:spTree>
@@ -5685,7 +7015,7 @@
           <p:cNvPr id="4" name="Título 1">
             <a:extLst>
               <a:ext uri="{FF2B5EF4-FFF2-40B4-BE49-F238E27FC236}">
-                <a16:creationId xmlns="" xmlns:a16="http://schemas.microsoft.com/office/drawing/2014/main" id="{32666AC8-2E17-4DB4-B0F5-60C640CCFD2E}"/>
+                <a16:creationId xmlns:a16="http://schemas.microsoft.com/office/drawing/2014/main" xmlns="" id="{32666AC8-2E17-4DB4-B0F5-60C640CCFD2E}"/>
               </a:ext>
             </a:extLst>
           </p:cNvPr>
@@ -5749,7 +7079,7 @@
 </p:sld>
 </file>
 
-<file path=ppt/slides/slide16.xml><?xml version="1.0" encoding="utf-8"?>
+<file path=ppt/slides/slide19.xml><?xml version="1.0" encoding="utf-8"?>
 <p:sld xmlns:a="http://schemas.openxmlformats.org/drawingml/2006/main" xmlns:r="http://schemas.openxmlformats.org/officeDocument/2006/relationships" xmlns:p="http://schemas.openxmlformats.org/presentationml/2006/main">
   <p:cSld>
     <p:spTree>
@@ -5771,7 +7101,7 @@
           <p:cNvPr id="2" name="Título 1">
             <a:extLst>
               <a:ext uri="{FF2B5EF4-FFF2-40B4-BE49-F238E27FC236}">
-                <a16:creationId xmlns="" xmlns:a16="http://schemas.microsoft.com/office/drawing/2014/main" id="{3CA32550-8C76-B013-2EC7-989D8C3B19BE}"/>
+                <a16:creationId xmlns:a16="http://schemas.microsoft.com/office/drawing/2014/main" xmlns="" id="{3CA32550-8C76-B013-2EC7-989D8C3B19BE}"/>
               </a:ext>
             </a:extLst>
           </p:cNvPr>
@@ -5799,7 +7129,7 @@
           <p:cNvPr id="3" name="Espaço Reservado para Conteúdo 2">
             <a:extLst>
               <a:ext uri="{FF2B5EF4-FFF2-40B4-BE49-F238E27FC236}">
-                <a16:creationId xmlns="" xmlns:a16="http://schemas.microsoft.com/office/drawing/2014/main" id="{EF043237-7757-7557-B63E-D4EB5152D44B}"/>
+                <a16:creationId xmlns:a16="http://schemas.microsoft.com/office/drawing/2014/main" xmlns="" id="{EF043237-7757-7557-B63E-D4EB5152D44B}"/>
               </a:ext>
             </a:extLst>
           </p:cNvPr>
@@ -5832,7 +7162,232 @@
 </p:sld>
 </file>
 
-<file path=ppt/slides/slide17.xml><?xml version="1.0" encoding="utf-8"?>
+<file path=ppt/slides/slide2.xml><?xml version="1.0" encoding="utf-8"?>
+<p:sld xmlns:a="http://schemas.openxmlformats.org/drawingml/2006/main" xmlns:r="http://schemas.openxmlformats.org/officeDocument/2006/relationships" xmlns:p="http://schemas.openxmlformats.org/presentationml/2006/main">
+  <p:cSld>
+    <p:spTree>
+      <p:nvGrpSpPr>
+        <p:cNvPr id="1" name=""/>
+        <p:cNvGrpSpPr/>
+        <p:nvPr/>
+      </p:nvGrpSpPr>
+      <p:grpSpPr>
+        <a:xfrm>
+          <a:off x="0" y="0"/>
+          <a:ext cx="0" cy="0"/>
+          <a:chOff x="0" y="0"/>
+          <a:chExt cx="0" cy="0"/>
+        </a:xfrm>
+      </p:grpSpPr>
+      <p:sp>
+        <p:nvSpPr>
+          <p:cNvPr id="2" name="Título 1">
+            <a:extLst>
+              <a:ext uri="{FF2B5EF4-FFF2-40B4-BE49-F238E27FC236}">
+                <a16:creationId xmlns:a16="http://schemas.microsoft.com/office/drawing/2014/main" xmlns="" id="{7F5FF925-67DE-CC62-E869-C6E3C1D771E6}"/>
+              </a:ext>
+            </a:extLst>
+          </p:cNvPr>
+          <p:cNvSpPr>
+            <a:spLocks noGrp="1"/>
+          </p:cNvSpPr>
+          <p:nvPr>
+            <p:ph type="title"/>
+          </p:nvPr>
+        </p:nvSpPr>
+        <p:spPr/>
+        <p:txBody>
+          <a:bodyPr/>
+          <a:lstStyle/>
+          <a:p>
+            <a:r>
+              <a:rPr lang="pt-BR" dirty="0" smtClean="0"/>
+              <a:t>Informações gerais</a:t>
+            </a:r>
+            <a:endParaRPr lang="pt-BR" dirty="0"/>
+          </a:p>
+        </p:txBody>
+      </p:sp>
+      <p:sp>
+        <p:nvSpPr>
+          <p:cNvPr id="3" name="Espaço Reservado para Conteúdo 2">
+            <a:extLst>
+              <a:ext uri="{FF2B5EF4-FFF2-40B4-BE49-F238E27FC236}">
+                <a16:creationId xmlns:a16="http://schemas.microsoft.com/office/drawing/2014/main" xmlns="" id="{7DA84068-671A-9D40-4F76-2C57E4F720C2}"/>
+              </a:ext>
+            </a:extLst>
+          </p:cNvPr>
+          <p:cNvSpPr>
+            <a:spLocks noGrp="1"/>
+          </p:cNvSpPr>
+          <p:nvPr>
+            <p:ph idx="1"/>
+          </p:nvPr>
+        </p:nvSpPr>
+        <p:spPr>
+          <a:xfrm>
+            <a:off x="838199" y="1825625"/>
+            <a:ext cx="11065625" cy="4351338"/>
+          </a:xfrm>
+        </p:spPr>
+        <p:txBody>
+          <a:bodyPr/>
+          <a:lstStyle/>
+          <a:p>
+            <a:r>
+              <a:rPr lang="en-US" b="1" dirty="0" err="1"/>
+              <a:t>Carga</a:t>
+            </a:r>
+            <a:r>
+              <a:rPr lang="en-US" b="1" dirty="0"/>
+              <a:t> </a:t>
+            </a:r>
+            <a:r>
+              <a:rPr lang="en-US" b="1" dirty="0" err="1"/>
+              <a:t>horária</a:t>
+            </a:r>
+            <a:r>
+              <a:rPr lang="en-US" dirty="0"/>
+              <a:t>: </a:t>
+            </a:r>
+            <a:r>
+              <a:rPr lang="en-US" dirty="0" smtClean="0"/>
+              <a:t>2h </a:t>
+            </a:r>
+            <a:r>
+              <a:rPr lang="en-US" dirty="0" err="1"/>
+              <a:t>por</a:t>
+            </a:r>
+            <a:r>
+              <a:rPr lang="en-US" dirty="0"/>
+              <a:t> </a:t>
+            </a:r>
+            <a:r>
+              <a:rPr lang="en-US" dirty="0" err="1" smtClean="0"/>
+              <a:t>semana</a:t>
+            </a:r>
+            <a:r>
+              <a:rPr lang="en-US" dirty="0" smtClean="0"/>
+              <a:t> (</a:t>
+            </a:r>
+            <a:r>
+              <a:rPr lang="en-US" dirty="0" err="1" smtClean="0"/>
+              <a:t>aulas</a:t>
+            </a:r>
+            <a:r>
+              <a:rPr lang="en-US" dirty="0" smtClean="0"/>
+              <a:t> </a:t>
+            </a:r>
+            <a:r>
+              <a:rPr lang="en-US" dirty="0" err="1" smtClean="0"/>
+              <a:t>teóricas</a:t>
+            </a:r>
+            <a:r>
+              <a:rPr lang="en-US" dirty="0" smtClean="0"/>
+              <a:t>)</a:t>
+            </a:r>
+          </a:p>
+          <a:p>
+            <a:pPr lvl="1">
+              <a:buFont typeface="Wingdings" panose="05000000000000000000" pitchFamily="2" charset="2"/>
+              <a:buChar char="§"/>
+            </a:pPr>
+            <a:r>
+              <a:rPr lang="en-US" dirty="0" err="1" smtClean="0"/>
+              <a:t>Aulas</a:t>
+            </a:r>
+            <a:r>
+              <a:rPr lang="en-US" dirty="0" smtClean="0"/>
+              <a:t> </a:t>
+            </a:r>
+            <a:r>
+              <a:rPr lang="en-US" dirty="0" err="1" smtClean="0"/>
+              <a:t>práticas</a:t>
+            </a:r>
+            <a:r>
+              <a:rPr lang="en-US" dirty="0" smtClean="0"/>
+              <a:t>: 2h </a:t>
+            </a:r>
+            <a:r>
+              <a:rPr lang="en-US" dirty="0" err="1" smtClean="0"/>
+              <a:t>por</a:t>
+            </a:r>
+            <a:r>
+              <a:rPr lang="en-US" dirty="0" smtClean="0"/>
+              <a:t> </a:t>
+            </a:r>
+            <a:r>
+              <a:rPr lang="en-US" dirty="0" err="1" smtClean="0"/>
+              <a:t>semana</a:t>
+            </a:r>
+            <a:endParaRPr lang="en-US" dirty="0"/>
+          </a:p>
+          <a:p>
+            <a:r>
+              <a:rPr lang="pt-BR" b="1" dirty="0" smtClean="0"/>
+              <a:t>Horário de atendimento</a:t>
+            </a:r>
+            <a:r>
+              <a:rPr lang="pt-BR" dirty="0" smtClean="0"/>
+              <a:t>: à definir.</a:t>
+            </a:r>
+          </a:p>
+          <a:p>
+            <a:r>
+              <a:rPr lang="pt-BR" b="1" dirty="0" smtClean="0"/>
+              <a:t>Material </a:t>
+            </a:r>
+            <a:r>
+              <a:rPr lang="pt-BR" b="1" dirty="0"/>
+              <a:t>do curso</a:t>
+            </a:r>
+            <a:r>
+              <a:rPr lang="pt-BR" dirty="0"/>
+              <a:t>: </a:t>
+            </a:r>
+            <a:r>
+              <a:rPr lang="pt-BR" dirty="0">
+                <a:hlinkClick r:id="rId2"/>
+              </a:rPr>
+              <a:t>https://</a:t>
+            </a:r>
+            <a:r>
+              <a:rPr lang="pt-BR" dirty="0" smtClean="0">
+                <a:hlinkClick r:id="rId2"/>
+              </a:rPr>
+              <a:t>github.com/zz4fap/c24_inteligencia_artificial</a:t>
+            </a:r>
+            <a:endParaRPr lang="pt-BR" dirty="0" smtClean="0"/>
+          </a:p>
+          <a:p>
+            <a:pPr marL="0" indent="0">
+              <a:buNone/>
+            </a:pPr>
+            <a:endParaRPr lang="pt-BR" dirty="0"/>
+          </a:p>
+        </p:txBody>
+      </p:sp>
+    </p:spTree>
+    <p:extLst>
+      <p:ext uri="{BB962C8B-B14F-4D97-AF65-F5344CB8AC3E}">
+        <p14:creationId xmlns:p14="http://schemas.microsoft.com/office/powerpoint/2010/main" val="364118245"/>
+      </p:ext>
+    </p:extLst>
+  </p:cSld>
+  <p:clrMapOvr>
+    <a:masterClrMapping/>
+  </p:clrMapOvr>
+  <p:timing>
+    <p:tnLst>
+      <p:par>
+        <p:cTn id="1" dur="indefinite" restart="never" nodeType="tmRoot"/>
+      </p:par>
+    </p:tnLst>
+  </p:timing>
+</p:sld>
+</file>
+
+<file path=ppt/slides/slide20.xml><?xml version="1.0" encoding="utf-8"?>
 <p:sld xmlns:a="http://schemas.openxmlformats.org/drawingml/2006/main" xmlns:r="http://schemas.openxmlformats.org/officeDocument/2006/relationships" xmlns:p="http://schemas.openxmlformats.org/presentationml/2006/main">
   <p:cSld>
     <p:spTree>
@@ -5854,7 +7409,7 @@
           <p:cNvPr id="4" name="Título 1">
             <a:extLst>
               <a:ext uri="{FF2B5EF4-FFF2-40B4-BE49-F238E27FC236}">
-                <a16:creationId xmlns="" xmlns:a16="http://schemas.microsoft.com/office/drawing/2014/main" id="{32666AC8-2E17-4DB4-B0F5-60C640CCFD2E}"/>
+                <a16:creationId xmlns:a16="http://schemas.microsoft.com/office/drawing/2014/main" xmlns="" id="{32666AC8-2E17-4DB4-B0F5-60C640CCFD2E}"/>
               </a:ext>
             </a:extLst>
           </p:cNvPr>
@@ -5918,235 +7473,6 @@
 </p:sld>
 </file>
 
-<file path=ppt/slides/slide2.xml><?xml version="1.0" encoding="utf-8"?>
-<p:sld xmlns:a="http://schemas.openxmlformats.org/drawingml/2006/main" xmlns:r="http://schemas.openxmlformats.org/officeDocument/2006/relationships" xmlns:p="http://schemas.openxmlformats.org/presentationml/2006/main">
-  <p:cSld>
-    <p:spTree>
-      <p:nvGrpSpPr>
-        <p:cNvPr id="1" name=""/>
-        <p:cNvGrpSpPr/>
-        <p:nvPr/>
-      </p:nvGrpSpPr>
-      <p:grpSpPr>
-        <a:xfrm>
-          <a:off x="0" y="0"/>
-          <a:ext cx="0" cy="0"/>
-          <a:chOff x="0" y="0"/>
-          <a:chExt cx="0" cy="0"/>
-        </a:xfrm>
-      </p:grpSpPr>
-      <p:sp>
-        <p:nvSpPr>
-          <p:cNvPr id="2" name="Título 1">
-            <a:extLst>
-              <a:ext uri="{FF2B5EF4-FFF2-40B4-BE49-F238E27FC236}">
-                <a16:creationId xmlns="" xmlns:a16="http://schemas.microsoft.com/office/drawing/2014/main" id="{7F5FF925-67DE-CC62-E869-C6E3C1D771E6}"/>
-              </a:ext>
-            </a:extLst>
-          </p:cNvPr>
-          <p:cNvSpPr>
-            <a:spLocks noGrp="1"/>
-          </p:cNvSpPr>
-          <p:nvPr>
-            <p:ph type="title"/>
-          </p:nvPr>
-        </p:nvSpPr>
-        <p:spPr/>
-        <p:txBody>
-          <a:bodyPr/>
-          <a:lstStyle/>
-          <a:p>
-            <a:r>
-              <a:rPr lang="pt-BR" dirty="0" smtClean="0"/>
-              <a:t>Informações gerais</a:t>
-            </a:r>
-            <a:endParaRPr lang="pt-BR" dirty="0"/>
-          </a:p>
-        </p:txBody>
-      </p:sp>
-      <p:sp>
-        <p:nvSpPr>
-          <p:cNvPr id="3" name="Espaço Reservado para Conteúdo 2">
-            <a:extLst>
-              <a:ext uri="{FF2B5EF4-FFF2-40B4-BE49-F238E27FC236}">
-                <a16:creationId xmlns="" xmlns:a16="http://schemas.microsoft.com/office/drawing/2014/main" id="{7DA84068-671A-9D40-4F76-2C57E4F720C2}"/>
-              </a:ext>
-            </a:extLst>
-          </p:cNvPr>
-          <p:cNvSpPr>
-            <a:spLocks noGrp="1"/>
-          </p:cNvSpPr>
-          <p:nvPr>
-            <p:ph idx="1"/>
-          </p:nvPr>
-        </p:nvSpPr>
-        <p:spPr>
-          <a:xfrm>
-            <a:off x="838199" y="1825625"/>
-            <a:ext cx="11065625" cy="4351338"/>
-          </a:xfrm>
-        </p:spPr>
-        <p:txBody>
-          <a:bodyPr/>
-          <a:lstStyle/>
-          <a:p>
-            <a:r>
-              <a:rPr lang="en-US" b="1" dirty="0" err="1"/>
-              <a:t>Carga</a:t>
-            </a:r>
-            <a:r>
-              <a:rPr lang="en-US" b="1" dirty="0"/>
-              <a:t> </a:t>
-            </a:r>
-            <a:r>
-              <a:rPr lang="en-US" b="1" dirty="0" err="1"/>
-              <a:t>horária</a:t>
-            </a:r>
-            <a:r>
-              <a:rPr lang="en-US" dirty="0"/>
-              <a:t>: </a:t>
-            </a:r>
-            <a:r>
-              <a:rPr lang="en-US" dirty="0" smtClean="0"/>
-              <a:t>2h </a:t>
-            </a:r>
-            <a:r>
-              <a:rPr lang="en-US" dirty="0" err="1"/>
-              <a:t>por</a:t>
-            </a:r>
-            <a:r>
-              <a:rPr lang="en-US" dirty="0"/>
-              <a:t> </a:t>
-            </a:r>
-            <a:r>
-              <a:rPr lang="en-US" dirty="0" err="1" smtClean="0"/>
-              <a:t>semana</a:t>
-            </a:r>
-            <a:r>
-              <a:rPr lang="en-US" dirty="0" smtClean="0"/>
-              <a:t> (</a:t>
-            </a:r>
-            <a:r>
-              <a:rPr lang="en-US" dirty="0" err="1" smtClean="0"/>
-              <a:t>aulas</a:t>
-            </a:r>
-            <a:r>
-              <a:rPr lang="en-US" dirty="0" smtClean="0"/>
-              <a:t> </a:t>
-            </a:r>
-            <a:r>
-              <a:rPr lang="en-US" dirty="0" err="1" smtClean="0"/>
-              <a:t>teóricas</a:t>
-            </a:r>
-            <a:r>
-              <a:rPr lang="en-US" dirty="0" smtClean="0"/>
-              <a:t>)</a:t>
-            </a:r>
-          </a:p>
-          <a:p>
-            <a:pPr lvl="1">
-              <a:buFont typeface="Wingdings" panose="05000000000000000000" pitchFamily="2" charset="2"/>
-              <a:buChar char="§"/>
-            </a:pPr>
-            <a:r>
-              <a:rPr lang="en-US" dirty="0" err="1" smtClean="0"/>
-              <a:t>Aulas</a:t>
-            </a:r>
-            <a:r>
-              <a:rPr lang="en-US" dirty="0" smtClean="0"/>
-              <a:t> </a:t>
-            </a:r>
-            <a:r>
-              <a:rPr lang="en-US" dirty="0" err="1" smtClean="0"/>
-              <a:t>práticas</a:t>
-            </a:r>
-            <a:r>
-              <a:rPr lang="en-US" dirty="0" smtClean="0"/>
-              <a:t>: 2h </a:t>
-            </a:r>
-            <a:r>
-              <a:rPr lang="en-US" dirty="0" err="1" smtClean="0"/>
-              <a:t>por</a:t>
-            </a:r>
-            <a:r>
-              <a:rPr lang="en-US" dirty="0" smtClean="0"/>
-              <a:t> </a:t>
-            </a:r>
-            <a:r>
-              <a:rPr lang="en-US" dirty="0" err="1" smtClean="0"/>
-              <a:t>semana</a:t>
-            </a:r>
-            <a:endParaRPr lang="en-US" dirty="0"/>
-          </a:p>
-          <a:p>
-            <a:r>
-              <a:rPr lang="pt-BR" b="1" dirty="0" smtClean="0"/>
-              <a:t>Horário de atendimento</a:t>
-            </a:r>
-            <a:r>
-              <a:rPr lang="pt-BR" dirty="0" smtClean="0"/>
-              <a:t>: à definir</a:t>
-            </a:r>
-            <a:r>
-              <a:rPr lang="pt-BR" dirty="0" smtClean="0"/>
-              <a:t>.</a:t>
-            </a:r>
-          </a:p>
-          <a:p>
-            <a:r>
-              <a:rPr lang="pt-BR" b="1" dirty="0" smtClean="0"/>
-              <a:t>Material </a:t>
-            </a:r>
-            <a:r>
-              <a:rPr lang="pt-BR" b="1" dirty="0"/>
-              <a:t>do curso</a:t>
-            </a:r>
-            <a:r>
-              <a:rPr lang="pt-BR" dirty="0"/>
-              <a:t>: </a:t>
-            </a:r>
-            <a:r>
-              <a:rPr lang="pt-BR" dirty="0">
-                <a:hlinkClick r:id="rId2"/>
-              </a:rPr>
-              <a:t>https://</a:t>
-            </a:r>
-            <a:r>
-              <a:rPr lang="pt-BR" dirty="0" smtClean="0">
-                <a:hlinkClick r:id="rId2"/>
-              </a:rPr>
-              <a:t>github.com/zz4fap/c24_inteligencia_artificial</a:t>
-            </a:r>
-            <a:endParaRPr lang="pt-BR" dirty="0" smtClean="0"/>
-          </a:p>
-          <a:p>
-            <a:pPr marL="0" indent="0">
-              <a:buNone/>
-            </a:pPr>
-            <a:endParaRPr lang="pt-BR" dirty="0"/>
-          </a:p>
-        </p:txBody>
-      </p:sp>
-    </p:spTree>
-    <p:extLst>
-      <p:ext uri="{BB962C8B-B14F-4D97-AF65-F5344CB8AC3E}">
-        <p14:creationId xmlns:p14="http://schemas.microsoft.com/office/powerpoint/2010/main" val="364118245"/>
-      </p:ext>
-    </p:extLst>
-  </p:cSld>
-  <p:clrMapOvr>
-    <a:masterClrMapping/>
-  </p:clrMapOvr>
-  <p:timing>
-    <p:tnLst>
-      <p:par>
-        <p:cTn id="1" dur="indefinite" restart="never" nodeType="tmRoot"/>
-      </p:par>
-    </p:tnLst>
-  </p:timing>
-</p:sld>
-</file>
-
 <file path=ppt/slides/slide3.xml><?xml version="1.0" encoding="utf-8"?>
 <p:sld xmlns:a="http://schemas.openxmlformats.org/drawingml/2006/main" xmlns:r="http://schemas.openxmlformats.org/officeDocument/2006/relationships" xmlns:p="http://schemas.openxmlformats.org/presentationml/2006/main">
   <p:cSld>
@@ -6169,7 +7495,7 @@
           <p:cNvPr id="2" name="Título 1">
             <a:extLst>
               <a:ext uri="{FF2B5EF4-FFF2-40B4-BE49-F238E27FC236}">
-                <a16:creationId xmlns="" xmlns:a16="http://schemas.microsoft.com/office/drawing/2014/main" id="{7F5FF925-67DE-CC62-E869-C6E3C1D771E6}"/>
+                <a16:creationId xmlns:a16="http://schemas.microsoft.com/office/drawing/2014/main" xmlns="" id="{7F5FF925-67DE-CC62-E869-C6E3C1D771E6}"/>
               </a:ext>
             </a:extLst>
           </p:cNvPr>
@@ -10961,7 +12287,7 @@
           <p:cNvPr id="2" name="Título 1">
             <a:extLst>
               <a:ext uri="{FF2B5EF4-FFF2-40B4-BE49-F238E27FC236}">
-                <a16:creationId xmlns="" xmlns:a16="http://schemas.microsoft.com/office/drawing/2014/main" id="{7F5FF925-67DE-CC62-E869-C6E3C1D771E6}"/>
+                <a16:creationId xmlns:a16="http://schemas.microsoft.com/office/drawing/2014/main" xmlns="" id="{7F5FF925-67DE-CC62-E869-C6E3C1D771E6}"/>
               </a:ext>
             </a:extLst>
           </p:cNvPr>
@@ -10985,14 +12311,14 @@
           </a:p>
         </p:txBody>
       </p:sp>
-      <mc:AlternateContent xmlns:mc="http://schemas.openxmlformats.org/markup-compatibility/2006">
-        <mc:Choice xmlns:a14="http://schemas.microsoft.com/office/drawing/2010/main" Requires="a14">
+      <mc:AlternateContent xmlns:mc="http://schemas.openxmlformats.org/markup-compatibility/2006" xmlns:a14="http://schemas.microsoft.com/office/drawing/2010/main">
+        <mc:Choice Requires="a14">
           <p:sp>
             <p:nvSpPr>
               <p:cNvPr id="3" name="Espaço Reservado para Conteúdo 2">
                 <a:extLst>
                   <a:ext uri="{FF2B5EF4-FFF2-40B4-BE49-F238E27FC236}">
-                    <a16:creationId xmlns="" xmlns:a16="http://schemas.microsoft.com/office/drawing/2014/main" id="{7DA84068-671A-9D40-4F76-2C57E4F720C2}"/>
+                    <a16:creationId xmlns:a16="http://schemas.microsoft.com/office/drawing/2014/main" xmlns="" id="{7DA84068-671A-9D40-4F76-2C57E4F720C2}"/>
                   </a:ext>
                 </a:extLst>
               </p:cNvPr>
@@ -11369,7 +12695,7 @@
             </p:txBody>
           </p:sp>
         </mc:Choice>
-        <mc:Fallback>
+        <mc:Fallback xmlns="">
           <p:sp>
             <p:nvSpPr>
               <p:cNvPr id="3" name="Espaço Reservado para Conteúdo 2">
@@ -11496,7 +12822,7 @@
           <p:cNvPr id="2" name="Título 1">
             <a:extLst>
               <a:ext uri="{FF2B5EF4-FFF2-40B4-BE49-F238E27FC236}">
-                <a16:creationId xmlns="" xmlns:a16="http://schemas.microsoft.com/office/drawing/2014/main" id="{94AB8438-E56E-2412-517C-8456E4CA773C}"/>
+                <a16:creationId xmlns:a16="http://schemas.microsoft.com/office/drawing/2014/main" xmlns="" id="{94AB8438-E56E-2412-517C-8456E4CA773C}"/>
               </a:ext>
             </a:extLst>
           </p:cNvPr>
@@ -11525,7 +12851,7 @@
           <p:cNvPr id="3" name="Espaço Reservado para Conteúdo 2">
             <a:extLst>
               <a:ext uri="{FF2B5EF4-FFF2-40B4-BE49-F238E27FC236}">
-                <a16:creationId xmlns="" xmlns:a16="http://schemas.microsoft.com/office/drawing/2014/main" id="{F7E2B09C-6D56-4C9F-A364-B904CCE2F1A0}"/>
+                <a16:creationId xmlns:a16="http://schemas.microsoft.com/office/drawing/2014/main" xmlns="" id="{F7E2B09C-6D56-4C9F-A364-B904CCE2F1A0}"/>
               </a:ext>
             </a:extLst>
           </p:cNvPr>
@@ -11694,7 +13020,7 @@
           <p:cNvPr id="2" name="Título 1">
             <a:extLst>
               <a:ext uri="{FF2B5EF4-FFF2-40B4-BE49-F238E27FC236}">
-                <a16:creationId xmlns="" xmlns:a16="http://schemas.microsoft.com/office/drawing/2014/main" id="{083FFF02-0FC8-9F0B-AAB0-565FC99EA70D}"/>
+                <a16:creationId xmlns:a16="http://schemas.microsoft.com/office/drawing/2014/main" xmlns="" id="{083FFF02-0FC8-9F0B-AAB0-565FC99EA70D}"/>
               </a:ext>
             </a:extLst>
           </p:cNvPr>
@@ -11723,7 +13049,7 @@
           <p:cNvPr id="3" name="Espaço Reservado para Conteúdo 2">
             <a:extLst>
               <a:ext uri="{FF2B5EF4-FFF2-40B4-BE49-F238E27FC236}">
-                <a16:creationId xmlns="" xmlns:a16="http://schemas.microsoft.com/office/drawing/2014/main" id="{8C5488AE-34B4-EF1D-F674-507FF2FCD122}"/>
+                <a16:creationId xmlns:a16="http://schemas.microsoft.com/office/drawing/2014/main" xmlns="" id="{8C5488AE-34B4-EF1D-F674-507FF2FCD122}"/>
               </a:ext>
             </a:extLst>
           </p:cNvPr>
@@ -11979,7 +13305,7 @@
         <p:cNvPr id="1" name="">
           <a:extLst>
             <a:ext uri="{FF2B5EF4-FFF2-40B4-BE49-F238E27FC236}">
-              <a16:creationId xmlns="" xmlns:a16="http://schemas.microsoft.com/office/drawing/2014/main" id="{E1C9F56A-97FC-7CCD-E5BA-3B5E230AD9AB}"/>
+              <a16:creationId xmlns:a16="http://schemas.microsoft.com/office/drawing/2014/main" xmlns="" id="{E1C9F56A-97FC-7CCD-E5BA-3B5E230AD9AB}"/>
             </a:ext>
           </a:extLst>
         </p:cNvPr>
@@ -11999,7 +13325,7 @@
           <p:cNvPr id="2" name="Título 1">
             <a:extLst>
               <a:ext uri="{FF2B5EF4-FFF2-40B4-BE49-F238E27FC236}">
-                <a16:creationId xmlns="" xmlns:a16="http://schemas.microsoft.com/office/drawing/2014/main" id="{A979DAB9-0612-F0CD-7BB1-AF52B98B3210}"/>
+                <a16:creationId xmlns:a16="http://schemas.microsoft.com/office/drawing/2014/main" xmlns="" id="{A979DAB9-0612-F0CD-7BB1-AF52B98B3210}"/>
               </a:ext>
             </a:extLst>
           </p:cNvPr>
@@ -12114,7 +13440,7 @@
           <p:cNvPr id="7" name="Espaço Reservado para Conteúdo 2">
             <a:extLst>
               <a:ext uri="{FF2B5EF4-FFF2-40B4-BE49-F238E27FC236}">
-                <a16:creationId xmlns="" xmlns:a16="http://schemas.microsoft.com/office/drawing/2014/main" id="{62A55622-8E11-E5D7-8EAF-7AE2CCAA3321}"/>
+                <a16:creationId xmlns:a16="http://schemas.microsoft.com/office/drawing/2014/main" xmlns="" id="{62A55622-8E11-E5D7-8EAF-7AE2CCAA3321}"/>
               </a:ext>
             </a:extLst>
           </p:cNvPr>
@@ -12191,15 +13517,7 @@
             </a:r>
             <a:r>
               <a:rPr lang="pt-BR" dirty="0" smtClean="0"/>
-              <a:t>IA e vice versa (e.g., </a:t>
-            </a:r>
-            <a:r>
-              <a:rPr lang="pt-BR" dirty="0" smtClean="0"/>
-              <a:t>andar e </a:t>
-            </a:r>
-            <a:r>
-              <a:rPr lang="pt-BR" dirty="0" smtClean="0"/>
-              <a:t>reconhecer rostos).</a:t>
+              <a:t>IA e vice versa (e.g., andar e reconhecer rostos).</a:t>
             </a:r>
           </a:p>
           <a:p>
@@ -12535,7 +13853,6 @@
               <a:rPr lang="pt-BR" dirty="0"/>
               <a:t>IA não é só robô assassino ou mordomo digital. É matemática aplicada com muito marketing.</a:t>
             </a:r>
-            <a:endParaRPr lang="pt-BR" dirty="0"/>
           </a:p>
         </p:txBody>
       </p:sp>

--- a/slides/C24_Introdução.pptx
+++ b/slides/C24_Introdução.pptx
@@ -5,10 +5,10 @@
     <p:sldMasterId id="2147483648" r:id="rId1"/>
   </p:sldMasterIdLst>
   <p:notesMasterIdLst>
-    <p:notesMasterId r:id="rId22"/>
+    <p:notesMasterId r:id="rId23"/>
   </p:notesMasterIdLst>
   <p:handoutMasterIdLst>
-    <p:handoutMasterId r:id="rId23"/>
+    <p:handoutMasterId r:id="rId24"/>
   </p:handoutMasterIdLst>
   <p:sldIdLst>
     <p:sldId id="256" r:id="rId2"/>
@@ -26,11 +26,12 @@
     <p:sldId id="320" r:id="rId14"/>
     <p:sldId id="322" r:id="rId15"/>
     <p:sldId id="323" r:id="rId16"/>
-    <p:sldId id="312" r:id="rId17"/>
-    <p:sldId id="313" r:id="rId18"/>
-    <p:sldId id="293" r:id="rId19"/>
-    <p:sldId id="314" r:id="rId20"/>
-    <p:sldId id="306" r:id="rId21"/>
+    <p:sldId id="324" r:id="rId17"/>
+    <p:sldId id="312" r:id="rId18"/>
+    <p:sldId id="313" r:id="rId19"/>
+    <p:sldId id="293" r:id="rId20"/>
+    <p:sldId id="314" r:id="rId21"/>
+    <p:sldId id="306" r:id="rId22"/>
   </p:sldIdLst>
   <p:sldSz cx="12192000" cy="6858000"/>
   <p:notesSz cx="7315200" cy="9601200"/>
@@ -1655,6 +1656,134 @@
 </p:notes>
 </file>
 
+<file path=ppt/notesSlides/notesSlide8.xml><?xml version="1.0" encoding="utf-8"?>
+<p:notes xmlns:a="http://schemas.openxmlformats.org/drawingml/2006/main" xmlns:r="http://schemas.openxmlformats.org/officeDocument/2006/relationships" xmlns:p="http://schemas.openxmlformats.org/presentationml/2006/main">
+  <p:cSld>
+    <p:spTree>
+      <p:nvGrpSpPr>
+        <p:cNvPr id="1" name=""/>
+        <p:cNvGrpSpPr/>
+        <p:nvPr/>
+      </p:nvGrpSpPr>
+      <p:grpSpPr>
+        <a:xfrm>
+          <a:off x="0" y="0"/>
+          <a:ext cx="0" cy="0"/>
+          <a:chOff x="0" y="0"/>
+          <a:chExt cx="0" cy="0"/>
+        </a:xfrm>
+      </p:grpSpPr>
+      <p:sp>
+        <p:nvSpPr>
+          <p:cNvPr id="2" name="Espaço Reservado para Imagem de Slide 1"/>
+          <p:cNvSpPr>
+            <a:spLocks noGrp="1" noRot="1" noChangeAspect="1"/>
+          </p:cNvSpPr>
+          <p:nvPr>
+            <p:ph type="sldImg"/>
+          </p:nvPr>
+        </p:nvSpPr>
+        <p:spPr/>
+      </p:sp>
+      <p:sp>
+        <p:nvSpPr>
+          <p:cNvPr id="3" name="Espaço Reservado para Anotações 2"/>
+          <p:cNvSpPr>
+            <a:spLocks noGrp="1"/>
+          </p:cNvSpPr>
+          <p:nvPr>
+            <p:ph type="body" idx="1"/>
+          </p:nvPr>
+        </p:nvSpPr>
+        <p:spPr/>
+        <p:txBody>
+          <a:bodyPr/>
+          <a:lstStyle/>
+          <a:p>
+            <a:r>
+              <a:rPr lang="pt-BR" b="1" dirty="0" smtClean="0"/>
+              <a:t>O Resultado:</a:t>
+            </a:r>
+            <a:r>
+              <a:rPr lang="pt-BR" dirty="0" smtClean="0"/>
+              <a:t> Em um estudo da Universidade da Califórnia (San Diego) em 2025, o </a:t>
+            </a:r>
+            <a:r>
+              <a:rPr lang="pt-BR" b="1" dirty="0" smtClean="0"/>
+              <a:t>GPT-4.5</a:t>
+            </a:r>
+            <a:r>
+              <a:rPr lang="pt-BR" dirty="0" smtClean="0"/>
+              <a:t> enganou humanos em </a:t>
+            </a:r>
+            <a:r>
+              <a:rPr lang="pt-BR" b="1" dirty="0" smtClean="0"/>
+              <a:t>73% das vezes</a:t>
+            </a:r>
+            <a:r>
+              <a:rPr lang="pt-BR" dirty="0" smtClean="0"/>
+              <a:t>.</a:t>
+            </a:r>
+          </a:p>
+          <a:p>
+            <a:r>
+              <a:rPr lang="pt-BR" b="1" dirty="0" smtClean="0"/>
+              <a:t>Curiosidade:</a:t>
+            </a:r>
+            <a:r>
+              <a:rPr lang="pt-BR" dirty="0" smtClean="0"/>
+              <a:t> Nesse mesmo teste, seres humanos reais conseguiram convencer os juízes de que eram humanos em apenas cerca de 66% das vezes. Ou seja, a IA foi considerada </a:t>
+            </a:r>
+            <a:r>
+              <a:rPr lang="pt-BR" b="1" dirty="0" smtClean="0"/>
+              <a:t>mais humana que os próprios humanos</a:t>
+            </a:r>
+            <a:r>
+              <a:rPr lang="pt-BR" dirty="0" smtClean="0"/>
+              <a:t>!</a:t>
+            </a:r>
+          </a:p>
+          <a:p>
+            <a:endParaRPr lang="pt-BR" dirty="0"/>
+          </a:p>
+        </p:txBody>
+      </p:sp>
+      <p:sp>
+        <p:nvSpPr>
+          <p:cNvPr id="4" name="Espaço Reservado para Número de Slide 3"/>
+          <p:cNvSpPr>
+            <a:spLocks noGrp="1"/>
+          </p:cNvSpPr>
+          <p:nvPr>
+            <p:ph type="sldNum" sz="quarter" idx="10"/>
+          </p:nvPr>
+        </p:nvSpPr>
+        <p:spPr/>
+        <p:txBody>
+          <a:bodyPr/>
+          <a:lstStyle/>
+          <a:p>
+            <a:fld id="{6FC8D850-966F-45A6-8DE7-15B891E7D40D}" type="slidenum">
+              <a:rPr lang="pt-BR" smtClean="0"/>
+              <a:t>16</a:t>
+            </a:fld>
+            <a:endParaRPr lang="pt-BR"/>
+          </a:p>
+        </p:txBody>
+      </p:sp>
+    </p:spTree>
+    <p:extLst>
+      <p:ext uri="{BB962C8B-B14F-4D97-AF65-F5344CB8AC3E}">
+        <p14:creationId xmlns:p14="http://schemas.microsoft.com/office/powerpoint/2010/main" val="2761501163"/>
+      </p:ext>
+    </p:extLst>
+  </p:cSld>
+  <p:clrMapOvr>
+    <a:masterClrMapping/>
+  </p:clrMapOvr>
+</p:notes>
+</file>
+
 <file path=ppt/slideLayouts/slideLayout1.xml><?xml version="1.0" encoding="utf-8"?>
 <p:sldLayout xmlns:a="http://schemas.openxmlformats.org/drawingml/2006/main" xmlns:r="http://schemas.openxmlformats.org/officeDocument/2006/relationships" xmlns:p="http://schemas.openxmlformats.org/presentationml/2006/main" type="title" preserve="1">
   <p:cSld name="Slide de Título">
@@ -1677,7 +1806,7 @@
           <p:cNvPr id="2" name="Título 1">
             <a:extLst>
               <a:ext uri="{FF2B5EF4-FFF2-40B4-BE49-F238E27FC236}">
-                <a16:creationId xmlns:a16="http://schemas.microsoft.com/office/drawing/2014/main" xmlns="" id="{1DB9B4FF-B06E-403C-A326-BDC64D8FF94E}"/>
+                <a16:creationId xmlns="" xmlns:a16="http://schemas.microsoft.com/office/drawing/2014/main" id="{1DB9B4FF-B06E-403C-A326-BDC64D8FF94E}"/>
               </a:ext>
             </a:extLst>
           </p:cNvPr>
@@ -1714,7 +1843,7 @@
           <p:cNvPr id="3" name="Subtítulo 2">
             <a:extLst>
               <a:ext uri="{FF2B5EF4-FFF2-40B4-BE49-F238E27FC236}">
-                <a16:creationId xmlns:a16="http://schemas.microsoft.com/office/drawing/2014/main" xmlns="" id="{247BDFCE-746E-45BF-A319-4733D58D1632}"/>
+                <a16:creationId xmlns="" xmlns:a16="http://schemas.microsoft.com/office/drawing/2014/main" id="{247BDFCE-746E-45BF-A319-4733D58D1632}"/>
               </a:ext>
             </a:extLst>
           </p:cNvPr>
@@ -1784,7 +1913,7 @@
           <p:cNvPr id="4" name="Espaço Reservado para Data 3">
             <a:extLst>
               <a:ext uri="{FF2B5EF4-FFF2-40B4-BE49-F238E27FC236}">
-                <a16:creationId xmlns:a16="http://schemas.microsoft.com/office/drawing/2014/main" xmlns="" id="{9EDE2778-5372-4104-B96D-968184DA8288}"/>
+                <a16:creationId xmlns="" xmlns:a16="http://schemas.microsoft.com/office/drawing/2014/main" id="{9EDE2778-5372-4104-B96D-968184DA8288}"/>
               </a:ext>
             </a:extLst>
           </p:cNvPr>
@@ -1813,7 +1942,7 @@
           <p:cNvPr id="5" name="Espaço Reservado para Rodapé 4">
             <a:extLst>
               <a:ext uri="{FF2B5EF4-FFF2-40B4-BE49-F238E27FC236}">
-                <a16:creationId xmlns:a16="http://schemas.microsoft.com/office/drawing/2014/main" xmlns="" id="{C1DD0F41-C861-4051-988D-3024A37A4B93}"/>
+                <a16:creationId xmlns="" xmlns:a16="http://schemas.microsoft.com/office/drawing/2014/main" id="{C1DD0F41-C861-4051-988D-3024A37A4B93}"/>
               </a:ext>
             </a:extLst>
           </p:cNvPr>
@@ -1838,7 +1967,7 @@
           <p:cNvPr id="6" name="Espaço Reservado para Número de Slide 5">
             <a:extLst>
               <a:ext uri="{FF2B5EF4-FFF2-40B4-BE49-F238E27FC236}">
-                <a16:creationId xmlns:a16="http://schemas.microsoft.com/office/drawing/2014/main" xmlns="" id="{07E5967E-D980-431A-A5DB-3F0C5030A81E}"/>
+                <a16:creationId xmlns="" xmlns:a16="http://schemas.microsoft.com/office/drawing/2014/main" id="{07E5967E-D980-431A-A5DB-3F0C5030A81E}"/>
               </a:ext>
             </a:extLst>
           </p:cNvPr>
@@ -1897,7 +2026,7 @@
           <p:cNvPr id="2" name="Título 1">
             <a:extLst>
               <a:ext uri="{FF2B5EF4-FFF2-40B4-BE49-F238E27FC236}">
-                <a16:creationId xmlns:a16="http://schemas.microsoft.com/office/drawing/2014/main" xmlns="" id="{9036C49F-3E68-4175-81BA-3C3FEE44308A}"/>
+                <a16:creationId xmlns="" xmlns:a16="http://schemas.microsoft.com/office/drawing/2014/main" id="{9036C49F-3E68-4175-81BA-3C3FEE44308A}"/>
               </a:ext>
             </a:extLst>
           </p:cNvPr>
@@ -1925,7 +2054,7 @@
           <p:cNvPr id="3" name="Espaço Reservado para Texto Vertical 2">
             <a:extLst>
               <a:ext uri="{FF2B5EF4-FFF2-40B4-BE49-F238E27FC236}">
-                <a16:creationId xmlns:a16="http://schemas.microsoft.com/office/drawing/2014/main" xmlns="" id="{426FA736-3DD3-4D4E-B57B-BBE1D8F7D424}"/>
+                <a16:creationId xmlns="" xmlns:a16="http://schemas.microsoft.com/office/drawing/2014/main" id="{426FA736-3DD3-4D4E-B57B-BBE1D8F7D424}"/>
               </a:ext>
             </a:extLst>
           </p:cNvPr>
@@ -1982,7 +2111,7 @@
           <p:cNvPr id="4" name="Espaço Reservado para Data 3">
             <a:extLst>
               <a:ext uri="{FF2B5EF4-FFF2-40B4-BE49-F238E27FC236}">
-                <a16:creationId xmlns:a16="http://schemas.microsoft.com/office/drawing/2014/main" xmlns="" id="{99E8855C-D8FD-48F6-B14E-861E0DE4D915}"/>
+                <a16:creationId xmlns="" xmlns:a16="http://schemas.microsoft.com/office/drawing/2014/main" id="{99E8855C-D8FD-48F6-B14E-861E0DE4D915}"/>
               </a:ext>
             </a:extLst>
           </p:cNvPr>
@@ -2011,7 +2140,7 @@
           <p:cNvPr id="5" name="Espaço Reservado para Rodapé 4">
             <a:extLst>
               <a:ext uri="{FF2B5EF4-FFF2-40B4-BE49-F238E27FC236}">
-                <a16:creationId xmlns:a16="http://schemas.microsoft.com/office/drawing/2014/main" xmlns="" id="{97C0BB88-2F21-42A5-ACFF-83DA47F2D340}"/>
+                <a16:creationId xmlns="" xmlns:a16="http://schemas.microsoft.com/office/drawing/2014/main" id="{97C0BB88-2F21-42A5-ACFF-83DA47F2D340}"/>
               </a:ext>
             </a:extLst>
           </p:cNvPr>
@@ -2036,7 +2165,7 @@
           <p:cNvPr id="6" name="Espaço Reservado para Número de Slide 5">
             <a:extLst>
               <a:ext uri="{FF2B5EF4-FFF2-40B4-BE49-F238E27FC236}">
-                <a16:creationId xmlns:a16="http://schemas.microsoft.com/office/drawing/2014/main" xmlns="" id="{6CB462B3-1F22-4C05-B4B8-7A279FB7D5E9}"/>
+                <a16:creationId xmlns="" xmlns:a16="http://schemas.microsoft.com/office/drawing/2014/main" id="{6CB462B3-1F22-4C05-B4B8-7A279FB7D5E9}"/>
               </a:ext>
             </a:extLst>
           </p:cNvPr>
@@ -2095,7 +2224,7 @@
           <p:cNvPr id="2" name="Título Vertical 1">
             <a:extLst>
               <a:ext uri="{FF2B5EF4-FFF2-40B4-BE49-F238E27FC236}">
-                <a16:creationId xmlns:a16="http://schemas.microsoft.com/office/drawing/2014/main" xmlns="" id="{EAEAB728-701C-4207-A9D5-23FF45C60502}"/>
+                <a16:creationId xmlns="" xmlns:a16="http://schemas.microsoft.com/office/drawing/2014/main" id="{EAEAB728-701C-4207-A9D5-23FF45C60502}"/>
               </a:ext>
             </a:extLst>
           </p:cNvPr>
@@ -2128,7 +2257,7 @@
           <p:cNvPr id="3" name="Espaço Reservado para Texto Vertical 2">
             <a:extLst>
               <a:ext uri="{FF2B5EF4-FFF2-40B4-BE49-F238E27FC236}">
-                <a16:creationId xmlns:a16="http://schemas.microsoft.com/office/drawing/2014/main" xmlns="" id="{BA8C8CCF-7823-480A-9A19-0F664DD17E3B}"/>
+                <a16:creationId xmlns="" xmlns:a16="http://schemas.microsoft.com/office/drawing/2014/main" id="{BA8C8CCF-7823-480A-9A19-0F664DD17E3B}"/>
               </a:ext>
             </a:extLst>
           </p:cNvPr>
@@ -2190,7 +2319,7 @@
           <p:cNvPr id="4" name="Espaço Reservado para Data 3">
             <a:extLst>
               <a:ext uri="{FF2B5EF4-FFF2-40B4-BE49-F238E27FC236}">
-                <a16:creationId xmlns:a16="http://schemas.microsoft.com/office/drawing/2014/main" xmlns="" id="{721D5734-7B1F-425D-942F-6EB73344027C}"/>
+                <a16:creationId xmlns="" xmlns:a16="http://schemas.microsoft.com/office/drawing/2014/main" id="{721D5734-7B1F-425D-942F-6EB73344027C}"/>
               </a:ext>
             </a:extLst>
           </p:cNvPr>
@@ -2219,7 +2348,7 @@
           <p:cNvPr id="5" name="Espaço Reservado para Rodapé 4">
             <a:extLst>
               <a:ext uri="{FF2B5EF4-FFF2-40B4-BE49-F238E27FC236}">
-                <a16:creationId xmlns:a16="http://schemas.microsoft.com/office/drawing/2014/main" xmlns="" id="{1E1AAEAC-F08D-45FE-89EC-B1B349A868C9}"/>
+                <a16:creationId xmlns="" xmlns:a16="http://schemas.microsoft.com/office/drawing/2014/main" id="{1E1AAEAC-F08D-45FE-89EC-B1B349A868C9}"/>
               </a:ext>
             </a:extLst>
           </p:cNvPr>
@@ -2244,7 +2373,7 @@
           <p:cNvPr id="6" name="Espaço Reservado para Número de Slide 5">
             <a:extLst>
               <a:ext uri="{FF2B5EF4-FFF2-40B4-BE49-F238E27FC236}">
-                <a16:creationId xmlns:a16="http://schemas.microsoft.com/office/drawing/2014/main" xmlns="" id="{BAA44493-9911-47B2-87A6-C2141A972BC8}"/>
+                <a16:creationId xmlns="" xmlns:a16="http://schemas.microsoft.com/office/drawing/2014/main" id="{BAA44493-9911-47B2-87A6-C2141A972BC8}"/>
               </a:ext>
             </a:extLst>
           </p:cNvPr>
@@ -2303,7 +2432,7 @@
           <p:cNvPr id="2" name="Título 1">
             <a:extLst>
               <a:ext uri="{FF2B5EF4-FFF2-40B4-BE49-F238E27FC236}">
-                <a16:creationId xmlns:a16="http://schemas.microsoft.com/office/drawing/2014/main" xmlns="" id="{71BD44A5-8F21-4626-A01D-48A1C874B1D5}"/>
+                <a16:creationId xmlns="" xmlns:a16="http://schemas.microsoft.com/office/drawing/2014/main" id="{71BD44A5-8F21-4626-A01D-48A1C874B1D5}"/>
               </a:ext>
             </a:extLst>
           </p:cNvPr>
@@ -2331,7 +2460,7 @@
           <p:cNvPr id="3" name="Espaço Reservado para Conteúdo 2">
             <a:extLst>
               <a:ext uri="{FF2B5EF4-FFF2-40B4-BE49-F238E27FC236}">
-                <a16:creationId xmlns:a16="http://schemas.microsoft.com/office/drawing/2014/main" xmlns="" id="{B79E8085-65A9-48AA-951D-71D978BFF4ED}"/>
+                <a16:creationId xmlns="" xmlns:a16="http://schemas.microsoft.com/office/drawing/2014/main" id="{B79E8085-65A9-48AA-951D-71D978BFF4ED}"/>
               </a:ext>
             </a:extLst>
           </p:cNvPr>
@@ -2388,7 +2517,7 @@
           <p:cNvPr id="4" name="Espaço Reservado para Data 3">
             <a:extLst>
               <a:ext uri="{FF2B5EF4-FFF2-40B4-BE49-F238E27FC236}">
-                <a16:creationId xmlns:a16="http://schemas.microsoft.com/office/drawing/2014/main" xmlns="" id="{F05BE1AF-51EA-425D-B188-DE7BD675009F}"/>
+                <a16:creationId xmlns="" xmlns:a16="http://schemas.microsoft.com/office/drawing/2014/main" id="{F05BE1AF-51EA-425D-B188-DE7BD675009F}"/>
               </a:ext>
             </a:extLst>
           </p:cNvPr>
@@ -2417,7 +2546,7 @@
           <p:cNvPr id="5" name="Espaço Reservado para Rodapé 4">
             <a:extLst>
               <a:ext uri="{FF2B5EF4-FFF2-40B4-BE49-F238E27FC236}">
-                <a16:creationId xmlns:a16="http://schemas.microsoft.com/office/drawing/2014/main" xmlns="" id="{121BE632-29CF-4CB9-B365-C9EF38F89BE6}"/>
+                <a16:creationId xmlns="" xmlns:a16="http://schemas.microsoft.com/office/drawing/2014/main" id="{121BE632-29CF-4CB9-B365-C9EF38F89BE6}"/>
               </a:ext>
             </a:extLst>
           </p:cNvPr>
@@ -2442,7 +2571,7 @@
           <p:cNvPr id="6" name="Espaço Reservado para Número de Slide 5">
             <a:extLst>
               <a:ext uri="{FF2B5EF4-FFF2-40B4-BE49-F238E27FC236}">
-                <a16:creationId xmlns:a16="http://schemas.microsoft.com/office/drawing/2014/main" xmlns="" id="{60CF3DD1-9AEC-4A57-B461-4E4DD86FAC18}"/>
+                <a16:creationId xmlns="" xmlns:a16="http://schemas.microsoft.com/office/drawing/2014/main" id="{60CF3DD1-9AEC-4A57-B461-4E4DD86FAC18}"/>
               </a:ext>
             </a:extLst>
           </p:cNvPr>
@@ -2501,7 +2630,7 @@
           <p:cNvPr id="2" name="Título 1">
             <a:extLst>
               <a:ext uri="{FF2B5EF4-FFF2-40B4-BE49-F238E27FC236}">
-                <a16:creationId xmlns:a16="http://schemas.microsoft.com/office/drawing/2014/main" xmlns="" id="{34AB2FF0-A4D7-4E28-991D-FF26140D5988}"/>
+                <a16:creationId xmlns="" xmlns:a16="http://schemas.microsoft.com/office/drawing/2014/main" id="{34AB2FF0-A4D7-4E28-991D-FF26140D5988}"/>
               </a:ext>
             </a:extLst>
           </p:cNvPr>
@@ -2538,7 +2667,7 @@
           <p:cNvPr id="3" name="Espaço Reservado para Texto 2">
             <a:extLst>
               <a:ext uri="{FF2B5EF4-FFF2-40B4-BE49-F238E27FC236}">
-                <a16:creationId xmlns:a16="http://schemas.microsoft.com/office/drawing/2014/main" xmlns="" id="{E2AC45B0-4145-40DB-8E61-105461170604}"/>
+                <a16:creationId xmlns="" xmlns:a16="http://schemas.microsoft.com/office/drawing/2014/main" id="{E2AC45B0-4145-40DB-8E61-105461170604}"/>
               </a:ext>
             </a:extLst>
           </p:cNvPr>
@@ -2663,7 +2792,7 @@
           <p:cNvPr id="4" name="Espaço Reservado para Data 3">
             <a:extLst>
               <a:ext uri="{FF2B5EF4-FFF2-40B4-BE49-F238E27FC236}">
-                <a16:creationId xmlns:a16="http://schemas.microsoft.com/office/drawing/2014/main" xmlns="" id="{50F1D3FB-740A-4EBA-A309-2CE71D12ECFB}"/>
+                <a16:creationId xmlns="" xmlns:a16="http://schemas.microsoft.com/office/drawing/2014/main" id="{50F1D3FB-740A-4EBA-A309-2CE71D12ECFB}"/>
               </a:ext>
             </a:extLst>
           </p:cNvPr>
@@ -2692,7 +2821,7 @@
           <p:cNvPr id="5" name="Espaço Reservado para Rodapé 4">
             <a:extLst>
               <a:ext uri="{FF2B5EF4-FFF2-40B4-BE49-F238E27FC236}">
-                <a16:creationId xmlns:a16="http://schemas.microsoft.com/office/drawing/2014/main" xmlns="" id="{BDCAB18F-8715-4465-A940-F9C193A2ACE9}"/>
+                <a16:creationId xmlns="" xmlns:a16="http://schemas.microsoft.com/office/drawing/2014/main" id="{BDCAB18F-8715-4465-A940-F9C193A2ACE9}"/>
               </a:ext>
             </a:extLst>
           </p:cNvPr>
@@ -2717,7 +2846,7 @@
           <p:cNvPr id="6" name="Espaço Reservado para Número de Slide 5">
             <a:extLst>
               <a:ext uri="{FF2B5EF4-FFF2-40B4-BE49-F238E27FC236}">
-                <a16:creationId xmlns:a16="http://schemas.microsoft.com/office/drawing/2014/main" xmlns="" id="{353466C6-8248-429F-8056-FF040BF509EB}"/>
+                <a16:creationId xmlns="" xmlns:a16="http://schemas.microsoft.com/office/drawing/2014/main" id="{353466C6-8248-429F-8056-FF040BF509EB}"/>
               </a:ext>
             </a:extLst>
           </p:cNvPr>
@@ -2776,7 +2905,7 @@
           <p:cNvPr id="2" name="Título 1">
             <a:extLst>
               <a:ext uri="{FF2B5EF4-FFF2-40B4-BE49-F238E27FC236}">
-                <a16:creationId xmlns:a16="http://schemas.microsoft.com/office/drawing/2014/main" xmlns="" id="{BC7BB9F0-F14B-4A91-B2B7-35BC47FE4DE7}"/>
+                <a16:creationId xmlns="" xmlns:a16="http://schemas.microsoft.com/office/drawing/2014/main" id="{BC7BB9F0-F14B-4A91-B2B7-35BC47FE4DE7}"/>
               </a:ext>
             </a:extLst>
           </p:cNvPr>
@@ -2804,7 +2933,7 @@
           <p:cNvPr id="3" name="Espaço Reservado para Conteúdo 2">
             <a:extLst>
               <a:ext uri="{FF2B5EF4-FFF2-40B4-BE49-F238E27FC236}">
-                <a16:creationId xmlns:a16="http://schemas.microsoft.com/office/drawing/2014/main" xmlns="" id="{EC1FC1C4-73DA-47A6-8496-B0B457F7D39A}"/>
+                <a16:creationId xmlns="" xmlns:a16="http://schemas.microsoft.com/office/drawing/2014/main" id="{EC1FC1C4-73DA-47A6-8496-B0B457F7D39A}"/>
               </a:ext>
             </a:extLst>
           </p:cNvPr>
@@ -2866,7 +2995,7 @@
           <p:cNvPr id="4" name="Espaço Reservado para Conteúdo 3">
             <a:extLst>
               <a:ext uri="{FF2B5EF4-FFF2-40B4-BE49-F238E27FC236}">
-                <a16:creationId xmlns:a16="http://schemas.microsoft.com/office/drawing/2014/main" xmlns="" id="{E92F06A8-A449-4D92-9912-76873E529B38}"/>
+                <a16:creationId xmlns="" xmlns:a16="http://schemas.microsoft.com/office/drawing/2014/main" id="{E92F06A8-A449-4D92-9912-76873E529B38}"/>
               </a:ext>
             </a:extLst>
           </p:cNvPr>
@@ -2928,7 +3057,7 @@
           <p:cNvPr id="5" name="Espaço Reservado para Data 4">
             <a:extLst>
               <a:ext uri="{FF2B5EF4-FFF2-40B4-BE49-F238E27FC236}">
-                <a16:creationId xmlns:a16="http://schemas.microsoft.com/office/drawing/2014/main" xmlns="" id="{938070A4-BC2F-4D55-BD8D-DEAF11BB9EE9}"/>
+                <a16:creationId xmlns="" xmlns:a16="http://schemas.microsoft.com/office/drawing/2014/main" id="{938070A4-BC2F-4D55-BD8D-DEAF11BB9EE9}"/>
               </a:ext>
             </a:extLst>
           </p:cNvPr>
@@ -2957,7 +3086,7 @@
           <p:cNvPr id="6" name="Espaço Reservado para Rodapé 5">
             <a:extLst>
               <a:ext uri="{FF2B5EF4-FFF2-40B4-BE49-F238E27FC236}">
-                <a16:creationId xmlns:a16="http://schemas.microsoft.com/office/drawing/2014/main" xmlns="" id="{45CC2DB8-844A-465F-BA9A-7734C80C7F43}"/>
+                <a16:creationId xmlns="" xmlns:a16="http://schemas.microsoft.com/office/drawing/2014/main" id="{45CC2DB8-844A-465F-BA9A-7734C80C7F43}"/>
               </a:ext>
             </a:extLst>
           </p:cNvPr>
@@ -2982,7 +3111,7 @@
           <p:cNvPr id="7" name="Espaço Reservado para Número de Slide 6">
             <a:extLst>
               <a:ext uri="{FF2B5EF4-FFF2-40B4-BE49-F238E27FC236}">
-                <a16:creationId xmlns:a16="http://schemas.microsoft.com/office/drawing/2014/main" xmlns="" id="{4CC606A8-097B-4040-94E0-CD8C88280D8F}"/>
+                <a16:creationId xmlns="" xmlns:a16="http://schemas.microsoft.com/office/drawing/2014/main" id="{4CC606A8-097B-4040-94E0-CD8C88280D8F}"/>
               </a:ext>
             </a:extLst>
           </p:cNvPr>
@@ -3041,7 +3170,7 @@
           <p:cNvPr id="2" name="Título 1">
             <a:extLst>
               <a:ext uri="{FF2B5EF4-FFF2-40B4-BE49-F238E27FC236}">
-                <a16:creationId xmlns:a16="http://schemas.microsoft.com/office/drawing/2014/main" xmlns="" id="{76D66686-0143-4CB6-8C09-BA326F1E7ACA}"/>
+                <a16:creationId xmlns="" xmlns:a16="http://schemas.microsoft.com/office/drawing/2014/main" id="{76D66686-0143-4CB6-8C09-BA326F1E7ACA}"/>
               </a:ext>
             </a:extLst>
           </p:cNvPr>
@@ -3074,7 +3203,7 @@
           <p:cNvPr id="3" name="Espaço Reservado para Texto 2">
             <a:extLst>
               <a:ext uri="{FF2B5EF4-FFF2-40B4-BE49-F238E27FC236}">
-                <a16:creationId xmlns:a16="http://schemas.microsoft.com/office/drawing/2014/main" xmlns="" id="{0227AB85-F59E-4BCE-B846-4FA0992C2F23}"/>
+                <a16:creationId xmlns="" xmlns:a16="http://schemas.microsoft.com/office/drawing/2014/main" id="{0227AB85-F59E-4BCE-B846-4FA0992C2F23}"/>
               </a:ext>
             </a:extLst>
           </p:cNvPr>
@@ -3145,7 +3274,7 @@
           <p:cNvPr id="4" name="Espaço Reservado para Conteúdo 3">
             <a:extLst>
               <a:ext uri="{FF2B5EF4-FFF2-40B4-BE49-F238E27FC236}">
-                <a16:creationId xmlns:a16="http://schemas.microsoft.com/office/drawing/2014/main" xmlns="" id="{3373456C-7319-4D0A-827D-D29F6B083F5D}"/>
+                <a16:creationId xmlns="" xmlns:a16="http://schemas.microsoft.com/office/drawing/2014/main" id="{3373456C-7319-4D0A-827D-D29F6B083F5D}"/>
               </a:ext>
             </a:extLst>
           </p:cNvPr>
@@ -3207,7 +3336,7 @@
           <p:cNvPr id="5" name="Espaço Reservado para Texto 4">
             <a:extLst>
               <a:ext uri="{FF2B5EF4-FFF2-40B4-BE49-F238E27FC236}">
-                <a16:creationId xmlns:a16="http://schemas.microsoft.com/office/drawing/2014/main" xmlns="" id="{4CD109D0-2E83-4262-8029-A871CEC47406}"/>
+                <a16:creationId xmlns="" xmlns:a16="http://schemas.microsoft.com/office/drawing/2014/main" id="{4CD109D0-2E83-4262-8029-A871CEC47406}"/>
               </a:ext>
             </a:extLst>
           </p:cNvPr>
@@ -3278,7 +3407,7 @@
           <p:cNvPr id="6" name="Espaço Reservado para Conteúdo 5">
             <a:extLst>
               <a:ext uri="{FF2B5EF4-FFF2-40B4-BE49-F238E27FC236}">
-                <a16:creationId xmlns:a16="http://schemas.microsoft.com/office/drawing/2014/main" xmlns="" id="{AD706E3A-CFBB-4A6C-A65F-D0360A9E74FE}"/>
+                <a16:creationId xmlns="" xmlns:a16="http://schemas.microsoft.com/office/drawing/2014/main" id="{AD706E3A-CFBB-4A6C-A65F-D0360A9E74FE}"/>
               </a:ext>
             </a:extLst>
           </p:cNvPr>
@@ -3340,7 +3469,7 @@
           <p:cNvPr id="7" name="Espaço Reservado para Data 6">
             <a:extLst>
               <a:ext uri="{FF2B5EF4-FFF2-40B4-BE49-F238E27FC236}">
-                <a16:creationId xmlns:a16="http://schemas.microsoft.com/office/drawing/2014/main" xmlns="" id="{4172C0E5-5AF0-4805-BB51-443733CD2BD5}"/>
+                <a16:creationId xmlns="" xmlns:a16="http://schemas.microsoft.com/office/drawing/2014/main" id="{4172C0E5-5AF0-4805-BB51-443733CD2BD5}"/>
               </a:ext>
             </a:extLst>
           </p:cNvPr>
@@ -3369,7 +3498,7 @@
           <p:cNvPr id="8" name="Espaço Reservado para Rodapé 7">
             <a:extLst>
               <a:ext uri="{FF2B5EF4-FFF2-40B4-BE49-F238E27FC236}">
-                <a16:creationId xmlns:a16="http://schemas.microsoft.com/office/drawing/2014/main" xmlns="" id="{0E801648-156F-497E-99CF-797DF48051E1}"/>
+                <a16:creationId xmlns="" xmlns:a16="http://schemas.microsoft.com/office/drawing/2014/main" id="{0E801648-156F-497E-99CF-797DF48051E1}"/>
               </a:ext>
             </a:extLst>
           </p:cNvPr>
@@ -3394,7 +3523,7 @@
           <p:cNvPr id="9" name="Espaço Reservado para Número de Slide 8">
             <a:extLst>
               <a:ext uri="{FF2B5EF4-FFF2-40B4-BE49-F238E27FC236}">
-                <a16:creationId xmlns:a16="http://schemas.microsoft.com/office/drawing/2014/main" xmlns="" id="{EEE23D32-80E7-4796-A137-66BF842E4B53}"/>
+                <a16:creationId xmlns="" xmlns:a16="http://schemas.microsoft.com/office/drawing/2014/main" id="{EEE23D32-80E7-4796-A137-66BF842E4B53}"/>
               </a:ext>
             </a:extLst>
           </p:cNvPr>
@@ -3453,7 +3582,7 @@
           <p:cNvPr id="2" name="Título 1">
             <a:extLst>
               <a:ext uri="{FF2B5EF4-FFF2-40B4-BE49-F238E27FC236}">
-                <a16:creationId xmlns:a16="http://schemas.microsoft.com/office/drawing/2014/main" xmlns="" id="{2BCE2379-C78F-47E1-8CFC-B846E7AF148D}"/>
+                <a16:creationId xmlns="" xmlns:a16="http://schemas.microsoft.com/office/drawing/2014/main" id="{2BCE2379-C78F-47E1-8CFC-B846E7AF148D}"/>
               </a:ext>
             </a:extLst>
           </p:cNvPr>
@@ -3481,7 +3610,7 @@
           <p:cNvPr id="3" name="Espaço Reservado para Data 2">
             <a:extLst>
               <a:ext uri="{FF2B5EF4-FFF2-40B4-BE49-F238E27FC236}">
-                <a16:creationId xmlns:a16="http://schemas.microsoft.com/office/drawing/2014/main" xmlns="" id="{342600A9-7F92-4E22-9D94-E4717252A817}"/>
+                <a16:creationId xmlns="" xmlns:a16="http://schemas.microsoft.com/office/drawing/2014/main" id="{342600A9-7F92-4E22-9D94-E4717252A817}"/>
               </a:ext>
             </a:extLst>
           </p:cNvPr>
@@ -3510,7 +3639,7 @@
           <p:cNvPr id="4" name="Espaço Reservado para Rodapé 3">
             <a:extLst>
               <a:ext uri="{FF2B5EF4-FFF2-40B4-BE49-F238E27FC236}">
-                <a16:creationId xmlns:a16="http://schemas.microsoft.com/office/drawing/2014/main" xmlns="" id="{192E6BED-F546-40CC-A2DF-99CBA853654E}"/>
+                <a16:creationId xmlns="" xmlns:a16="http://schemas.microsoft.com/office/drawing/2014/main" id="{192E6BED-F546-40CC-A2DF-99CBA853654E}"/>
               </a:ext>
             </a:extLst>
           </p:cNvPr>
@@ -3535,7 +3664,7 @@
           <p:cNvPr id="5" name="Espaço Reservado para Número de Slide 4">
             <a:extLst>
               <a:ext uri="{FF2B5EF4-FFF2-40B4-BE49-F238E27FC236}">
-                <a16:creationId xmlns:a16="http://schemas.microsoft.com/office/drawing/2014/main" xmlns="" id="{6091CC40-A8C4-4063-80EB-CC5099621678}"/>
+                <a16:creationId xmlns="" xmlns:a16="http://schemas.microsoft.com/office/drawing/2014/main" id="{6091CC40-A8C4-4063-80EB-CC5099621678}"/>
               </a:ext>
             </a:extLst>
           </p:cNvPr>
@@ -3594,7 +3723,7 @@
           <p:cNvPr id="2" name="Espaço Reservado para Data 1">
             <a:extLst>
               <a:ext uri="{FF2B5EF4-FFF2-40B4-BE49-F238E27FC236}">
-                <a16:creationId xmlns:a16="http://schemas.microsoft.com/office/drawing/2014/main" xmlns="" id="{DD19515C-212C-4EAE-84A3-8FF4BC844F1B}"/>
+                <a16:creationId xmlns="" xmlns:a16="http://schemas.microsoft.com/office/drawing/2014/main" id="{DD19515C-212C-4EAE-84A3-8FF4BC844F1B}"/>
               </a:ext>
             </a:extLst>
           </p:cNvPr>
@@ -3623,7 +3752,7 @@
           <p:cNvPr id="3" name="Espaço Reservado para Rodapé 2">
             <a:extLst>
               <a:ext uri="{FF2B5EF4-FFF2-40B4-BE49-F238E27FC236}">
-                <a16:creationId xmlns:a16="http://schemas.microsoft.com/office/drawing/2014/main" xmlns="" id="{94D3D120-B3E8-4C96-861D-7A4F12F49B3A}"/>
+                <a16:creationId xmlns="" xmlns:a16="http://schemas.microsoft.com/office/drawing/2014/main" id="{94D3D120-B3E8-4C96-861D-7A4F12F49B3A}"/>
               </a:ext>
             </a:extLst>
           </p:cNvPr>
@@ -3648,7 +3777,7 @@
           <p:cNvPr id="4" name="Espaço Reservado para Número de Slide 3">
             <a:extLst>
               <a:ext uri="{FF2B5EF4-FFF2-40B4-BE49-F238E27FC236}">
-                <a16:creationId xmlns:a16="http://schemas.microsoft.com/office/drawing/2014/main" xmlns="" id="{42E49B68-FA1B-468B-9F17-D5C09243D454}"/>
+                <a16:creationId xmlns="" xmlns:a16="http://schemas.microsoft.com/office/drawing/2014/main" id="{42E49B68-FA1B-468B-9F17-D5C09243D454}"/>
               </a:ext>
             </a:extLst>
           </p:cNvPr>
@@ -3707,7 +3836,7 @@
           <p:cNvPr id="2" name="Título 1">
             <a:extLst>
               <a:ext uri="{FF2B5EF4-FFF2-40B4-BE49-F238E27FC236}">
-                <a16:creationId xmlns:a16="http://schemas.microsoft.com/office/drawing/2014/main" xmlns="" id="{1C17BCBE-A897-4319-85EC-D87909C24980}"/>
+                <a16:creationId xmlns="" xmlns:a16="http://schemas.microsoft.com/office/drawing/2014/main" id="{1C17BCBE-A897-4319-85EC-D87909C24980}"/>
               </a:ext>
             </a:extLst>
           </p:cNvPr>
@@ -3744,7 +3873,7 @@
           <p:cNvPr id="3" name="Espaço Reservado para Conteúdo 2">
             <a:extLst>
               <a:ext uri="{FF2B5EF4-FFF2-40B4-BE49-F238E27FC236}">
-                <a16:creationId xmlns:a16="http://schemas.microsoft.com/office/drawing/2014/main" xmlns="" id="{4226F885-0204-4913-868B-4B8B82576F17}"/>
+                <a16:creationId xmlns="" xmlns:a16="http://schemas.microsoft.com/office/drawing/2014/main" id="{4226F885-0204-4913-868B-4B8B82576F17}"/>
               </a:ext>
             </a:extLst>
           </p:cNvPr>
@@ -3834,7 +3963,7 @@
           <p:cNvPr id="4" name="Espaço Reservado para Texto 3">
             <a:extLst>
               <a:ext uri="{FF2B5EF4-FFF2-40B4-BE49-F238E27FC236}">
-                <a16:creationId xmlns:a16="http://schemas.microsoft.com/office/drawing/2014/main" xmlns="" id="{00F9F784-A858-441B-8AB5-697098141751}"/>
+                <a16:creationId xmlns="" xmlns:a16="http://schemas.microsoft.com/office/drawing/2014/main" id="{00F9F784-A858-441B-8AB5-697098141751}"/>
               </a:ext>
             </a:extLst>
           </p:cNvPr>
@@ -3905,7 +4034,7 @@
           <p:cNvPr id="5" name="Espaço Reservado para Data 4">
             <a:extLst>
               <a:ext uri="{FF2B5EF4-FFF2-40B4-BE49-F238E27FC236}">
-                <a16:creationId xmlns:a16="http://schemas.microsoft.com/office/drawing/2014/main" xmlns="" id="{A4DC363A-5000-472E-8B17-02E7DCB8840A}"/>
+                <a16:creationId xmlns="" xmlns:a16="http://schemas.microsoft.com/office/drawing/2014/main" id="{A4DC363A-5000-472E-8B17-02E7DCB8840A}"/>
               </a:ext>
             </a:extLst>
           </p:cNvPr>
@@ -3934,7 +4063,7 @@
           <p:cNvPr id="6" name="Espaço Reservado para Rodapé 5">
             <a:extLst>
               <a:ext uri="{FF2B5EF4-FFF2-40B4-BE49-F238E27FC236}">
-                <a16:creationId xmlns:a16="http://schemas.microsoft.com/office/drawing/2014/main" xmlns="" id="{5548425D-2C21-4C56-BAD4-662978775C28}"/>
+                <a16:creationId xmlns="" xmlns:a16="http://schemas.microsoft.com/office/drawing/2014/main" id="{5548425D-2C21-4C56-BAD4-662978775C28}"/>
               </a:ext>
             </a:extLst>
           </p:cNvPr>
@@ -3959,7 +4088,7 @@
           <p:cNvPr id="7" name="Espaço Reservado para Número de Slide 6">
             <a:extLst>
               <a:ext uri="{FF2B5EF4-FFF2-40B4-BE49-F238E27FC236}">
-                <a16:creationId xmlns:a16="http://schemas.microsoft.com/office/drawing/2014/main" xmlns="" id="{C63E9726-E64C-42B2-AE8A-8C235A956B48}"/>
+                <a16:creationId xmlns="" xmlns:a16="http://schemas.microsoft.com/office/drawing/2014/main" id="{C63E9726-E64C-42B2-AE8A-8C235A956B48}"/>
               </a:ext>
             </a:extLst>
           </p:cNvPr>
@@ -4018,7 +4147,7 @@
           <p:cNvPr id="2" name="Título 1">
             <a:extLst>
               <a:ext uri="{FF2B5EF4-FFF2-40B4-BE49-F238E27FC236}">
-                <a16:creationId xmlns:a16="http://schemas.microsoft.com/office/drawing/2014/main" xmlns="" id="{11086A78-3E74-450C-96A6-CA8AC37AF772}"/>
+                <a16:creationId xmlns="" xmlns:a16="http://schemas.microsoft.com/office/drawing/2014/main" id="{11086A78-3E74-450C-96A6-CA8AC37AF772}"/>
               </a:ext>
             </a:extLst>
           </p:cNvPr>
@@ -4055,7 +4184,7 @@
           <p:cNvPr id="3" name="Espaço Reservado para Imagem 2">
             <a:extLst>
               <a:ext uri="{FF2B5EF4-FFF2-40B4-BE49-F238E27FC236}">
-                <a16:creationId xmlns:a16="http://schemas.microsoft.com/office/drawing/2014/main" xmlns="" id="{5F5B7312-975A-4DBC-9B2F-3652ADA006FD}"/>
+                <a16:creationId xmlns="" xmlns:a16="http://schemas.microsoft.com/office/drawing/2014/main" id="{5F5B7312-975A-4DBC-9B2F-3652ADA006FD}"/>
               </a:ext>
             </a:extLst>
           </p:cNvPr>
@@ -4122,7 +4251,7 @@
           <p:cNvPr id="4" name="Espaço Reservado para Texto 3">
             <a:extLst>
               <a:ext uri="{FF2B5EF4-FFF2-40B4-BE49-F238E27FC236}">
-                <a16:creationId xmlns:a16="http://schemas.microsoft.com/office/drawing/2014/main" xmlns="" id="{AAF805F5-1DFF-41C6-944C-7D79FE0D0963}"/>
+                <a16:creationId xmlns="" xmlns:a16="http://schemas.microsoft.com/office/drawing/2014/main" id="{AAF805F5-1DFF-41C6-944C-7D79FE0D0963}"/>
               </a:ext>
             </a:extLst>
           </p:cNvPr>
@@ -4193,7 +4322,7 @@
           <p:cNvPr id="5" name="Espaço Reservado para Data 4">
             <a:extLst>
               <a:ext uri="{FF2B5EF4-FFF2-40B4-BE49-F238E27FC236}">
-                <a16:creationId xmlns:a16="http://schemas.microsoft.com/office/drawing/2014/main" xmlns="" id="{02113D81-8665-4516-BD81-C6A1F254EECD}"/>
+                <a16:creationId xmlns="" xmlns:a16="http://schemas.microsoft.com/office/drawing/2014/main" id="{02113D81-8665-4516-BD81-C6A1F254EECD}"/>
               </a:ext>
             </a:extLst>
           </p:cNvPr>
@@ -4222,7 +4351,7 @@
           <p:cNvPr id="6" name="Espaço Reservado para Rodapé 5">
             <a:extLst>
               <a:ext uri="{FF2B5EF4-FFF2-40B4-BE49-F238E27FC236}">
-                <a16:creationId xmlns:a16="http://schemas.microsoft.com/office/drawing/2014/main" xmlns="" id="{2B00C88B-FF32-40AA-A187-727D96FD7862}"/>
+                <a16:creationId xmlns="" xmlns:a16="http://schemas.microsoft.com/office/drawing/2014/main" id="{2B00C88B-FF32-40AA-A187-727D96FD7862}"/>
               </a:ext>
             </a:extLst>
           </p:cNvPr>
@@ -4247,7 +4376,7 @@
           <p:cNvPr id="7" name="Espaço Reservado para Número de Slide 6">
             <a:extLst>
               <a:ext uri="{FF2B5EF4-FFF2-40B4-BE49-F238E27FC236}">
-                <a16:creationId xmlns:a16="http://schemas.microsoft.com/office/drawing/2014/main" xmlns="" id="{A04D1A2D-69F7-4B8F-A730-BC26DC340BA6}"/>
+                <a16:creationId xmlns="" xmlns:a16="http://schemas.microsoft.com/office/drawing/2014/main" id="{A04D1A2D-69F7-4B8F-A730-BC26DC340BA6}"/>
               </a:ext>
             </a:extLst>
           </p:cNvPr>
@@ -4311,7 +4440,7 @@
           <p:cNvPr id="2" name="Espaço Reservado para Título 1">
             <a:extLst>
               <a:ext uri="{FF2B5EF4-FFF2-40B4-BE49-F238E27FC236}">
-                <a16:creationId xmlns:a16="http://schemas.microsoft.com/office/drawing/2014/main" xmlns="" id="{E69A0273-1966-4A1B-9370-4C1CE5036371}"/>
+                <a16:creationId xmlns="" xmlns:a16="http://schemas.microsoft.com/office/drawing/2014/main" id="{E69A0273-1966-4A1B-9370-4C1CE5036371}"/>
               </a:ext>
             </a:extLst>
           </p:cNvPr>
@@ -4349,7 +4478,7 @@
           <p:cNvPr id="3" name="Espaço Reservado para Texto 2">
             <a:extLst>
               <a:ext uri="{FF2B5EF4-FFF2-40B4-BE49-F238E27FC236}">
-                <a16:creationId xmlns:a16="http://schemas.microsoft.com/office/drawing/2014/main" xmlns="" id="{3B9CF87A-0448-49A7-AB25-EBC1D56A40EF}"/>
+                <a16:creationId xmlns="" xmlns:a16="http://schemas.microsoft.com/office/drawing/2014/main" id="{3B9CF87A-0448-49A7-AB25-EBC1D56A40EF}"/>
               </a:ext>
             </a:extLst>
           </p:cNvPr>
@@ -4416,7 +4545,7 @@
           <p:cNvPr id="4" name="Espaço Reservado para Data 3">
             <a:extLst>
               <a:ext uri="{FF2B5EF4-FFF2-40B4-BE49-F238E27FC236}">
-                <a16:creationId xmlns:a16="http://schemas.microsoft.com/office/drawing/2014/main" xmlns="" id="{2EF7B1F2-BB5A-44D0-816D-16AD2C71430E}"/>
+                <a16:creationId xmlns="" xmlns:a16="http://schemas.microsoft.com/office/drawing/2014/main" id="{2EF7B1F2-BB5A-44D0-816D-16AD2C71430E}"/>
               </a:ext>
             </a:extLst>
           </p:cNvPr>
@@ -4463,7 +4592,7 @@
           <p:cNvPr id="5" name="Espaço Reservado para Rodapé 4">
             <a:extLst>
               <a:ext uri="{FF2B5EF4-FFF2-40B4-BE49-F238E27FC236}">
-                <a16:creationId xmlns:a16="http://schemas.microsoft.com/office/drawing/2014/main" xmlns="" id="{C703F94C-2CC8-4DAA-BC35-14FC3E841DCD}"/>
+                <a16:creationId xmlns="" xmlns:a16="http://schemas.microsoft.com/office/drawing/2014/main" id="{C703F94C-2CC8-4DAA-BC35-14FC3E841DCD}"/>
               </a:ext>
             </a:extLst>
           </p:cNvPr>
@@ -4506,7 +4635,7 @@
           <p:cNvPr id="6" name="Espaço Reservado para Número de Slide 5">
             <a:extLst>
               <a:ext uri="{FF2B5EF4-FFF2-40B4-BE49-F238E27FC236}">
-                <a16:creationId xmlns:a16="http://schemas.microsoft.com/office/drawing/2014/main" xmlns="" id="{64051336-7048-457A-8B61-D94291D71648}"/>
+                <a16:creationId xmlns="" xmlns:a16="http://schemas.microsoft.com/office/drawing/2014/main" id="{64051336-7048-457A-8B61-D94291D71648}"/>
               </a:ext>
             </a:extLst>
           </p:cNvPr>
@@ -4874,7 +5003,7 @@
           <p:cNvPr id="2" name="Título 1">
             <a:extLst>
               <a:ext uri="{FF2B5EF4-FFF2-40B4-BE49-F238E27FC236}">
-                <a16:creationId xmlns:a16="http://schemas.microsoft.com/office/drawing/2014/main" xmlns="" id="{32666AC8-2E17-4DB4-B0F5-60C640CCFD2E}"/>
+                <a16:creationId xmlns="" xmlns:a16="http://schemas.microsoft.com/office/drawing/2014/main" id="{32666AC8-2E17-4DB4-B0F5-60C640CCFD2E}"/>
               </a:ext>
             </a:extLst>
           </p:cNvPr>
@@ -4921,7 +5050,7 @@
           <p:cNvPr id="4" name="CaixaDeTexto 3">
             <a:extLst>
               <a:ext uri="{FF2B5EF4-FFF2-40B4-BE49-F238E27FC236}">
-                <a16:creationId xmlns:a16="http://schemas.microsoft.com/office/drawing/2014/main" xmlns="" id="{430EB894-B7D4-434C-9D1A-A14094D9BEEC}"/>
+                <a16:creationId xmlns="" xmlns:a16="http://schemas.microsoft.com/office/drawing/2014/main" id="{430EB894-B7D4-434C-9D1A-A14094D9BEEC}"/>
               </a:ext>
             </a:extLst>
           </p:cNvPr>
@@ -4972,7 +5101,7 @@
           <p:cNvPr id="1026" name="Picture 2" descr="Logo">
             <a:extLst>
               <a:ext uri="{FF2B5EF4-FFF2-40B4-BE49-F238E27FC236}">
-                <a16:creationId xmlns:a16="http://schemas.microsoft.com/office/drawing/2014/main" xmlns="" id="{3F2642E0-4F6A-4196-8F58-E77D36E9A33F}"/>
+                <a16:creationId xmlns="" xmlns:a16="http://schemas.microsoft.com/office/drawing/2014/main" id="{3F2642E0-4F6A-4196-8F58-E77D36E9A33F}"/>
               </a:ext>
             </a:extLst>
           </p:cNvPr>
@@ -5017,7 +5146,7 @@
           <p:cNvPr id="5122" name="Picture 2" descr="Image result for machine learning">
             <a:extLst>
               <a:ext uri="{FF2B5EF4-FFF2-40B4-BE49-F238E27FC236}">
-                <a16:creationId xmlns:a16="http://schemas.microsoft.com/office/drawing/2014/main" xmlns="" id="{810CE0A2-4102-44A6-A370-175E7896CDCB}"/>
+                <a16:creationId xmlns="" xmlns:a16="http://schemas.microsoft.com/office/drawing/2014/main" id="{810CE0A2-4102-44A6-A370-175E7896CDCB}"/>
               </a:ext>
             </a:extLst>
           </p:cNvPr>
@@ -5085,7 +5214,7 @@
         <p:cNvPr id="1" name="">
           <a:extLst>
             <a:ext uri="{FF2B5EF4-FFF2-40B4-BE49-F238E27FC236}">
-              <a16:creationId xmlns:a16="http://schemas.microsoft.com/office/drawing/2014/main" xmlns="" id="{B28A9759-CA4F-DA4F-85C2-F6E51DCED2D9}"/>
+              <a16:creationId xmlns="" xmlns:a16="http://schemas.microsoft.com/office/drawing/2014/main" id="{B28A9759-CA4F-DA4F-85C2-F6E51DCED2D9}"/>
             </a:ext>
           </a:extLst>
         </p:cNvPr>
@@ -5105,7 +5234,7 @@
           <p:cNvPr id="2" name="Título 1">
             <a:extLst>
               <a:ext uri="{FF2B5EF4-FFF2-40B4-BE49-F238E27FC236}">
-                <a16:creationId xmlns:a16="http://schemas.microsoft.com/office/drawing/2014/main" xmlns="" id="{072F732D-34CE-6153-324F-D7F6821577F0}"/>
+                <a16:creationId xmlns="" xmlns:a16="http://schemas.microsoft.com/office/drawing/2014/main" id="{072F732D-34CE-6153-324F-D7F6821577F0}"/>
               </a:ext>
             </a:extLst>
           </p:cNvPr>
@@ -5134,7 +5263,7 @@
           <p:cNvPr id="3" name="Espaço Reservado para Conteúdo 2">
             <a:extLst>
               <a:ext uri="{FF2B5EF4-FFF2-40B4-BE49-F238E27FC236}">
-                <a16:creationId xmlns:a16="http://schemas.microsoft.com/office/drawing/2014/main" xmlns="" id="{62A55622-8E11-E5D7-8EAF-7AE2CCAA3321}"/>
+                <a16:creationId xmlns="" xmlns:a16="http://schemas.microsoft.com/office/drawing/2014/main" id="{62A55622-8E11-E5D7-8EAF-7AE2CCAA3321}"/>
               </a:ext>
             </a:extLst>
           </p:cNvPr>
@@ -5272,13 +5401,8 @@
             </a:r>
             <a:r>
               <a:rPr lang="pt-BR" altLang="pt-BR" i="1" dirty="0" smtClean="0"/>
-              <a:t>humanos</a:t>
-            </a:r>
-            <a:r>
-              <a:rPr lang="pt-BR" altLang="pt-BR" i="1" dirty="0" smtClean="0"/>
-              <a:t>.“</a:t>
-            </a:r>
-            <a:endParaRPr lang="pt-BR" altLang="pt-BR" i="1" dirty="0" smtClean="0"/>
+              <a:t>humanos.“</a:t>
+            </a:r>
           </a:p>
         </p:txBody>
       </p:sp>
@@ -6213,15 +6337,7 @@
                   <a:srgbClr val="00B0F0"/>
                 </a:solidFill>
               </a:rPr>
-              <a:t> as </a:t>
-            </a:r>
-            <a:r>
-              <a:rPr lang="pt-BR" b="1" dirty="0">
-                <a:solidFill>
-                  <a:srgbClr val="00B0F0"/>
-                </a:solidFill>
-              </a:rPr>
-              <a:t>máquinas podem nos enganar</a:t>
+              <a:t> as máquinas podem nos enganar</a:t>
             </a:r>
             <a:r>
               <a:rPr lang="pt-BR" b="1" dirty="0" smtClean="0">
@@ -6588,19 +6704,118 @@
         </p:nvSpPr>
         <p:spPr>
           <a:xfrm>
-            <a:off x="4854632" y="1825625"/>
-            <a:ext cx="6499167" cy="4351338"/>
+            <a:off x="5802284" y="1825624"/>
+            <a:ext cx="6217920" cy="4997669"/>
           </a:xfrm>
         </p:spPr>
         <p:txBody>
-          <a:bodyPr/>
+          <a:bodyPr>
+            <a:normAutofit/>
+          </a:bodyPr>
           <a:lstStyle/>
           <a:p>
             <a:r>
-              <a:rPr lang="pt-BR" smtClean="0"/>
+              <a:rPr lang="pt-BR" dirty="0" smtClean="0"/>
               <a:t>Em 2014, </a:t>
             </a:r>
-            <a:endParaRPr lang="pt-BR"/>
+            <a:r>
+              <a:rPr lang="pt-BR" dirty="0" smtClean="0"/>
+              <a:t>durante um evento no reino unido, u</a:t>
+            </a:r>
+            <a:r>
+              <a:rPr lang="pt-BR" dirty="0" smtClean="0"/>
+              <a:t>m </a:t>
+            </a:r>
+            <a:r>
+              <a:rPr lang="pt-BR" i="1" dirty="0" err="1"/>
+              <a:t>chatbot</a:t>
+            </a:r>
+            <a:r>
+              <a:rPr lang="pt-BR" dirty="0"/>
+              <a:t> chamado Eugene </a:t>
+            </a:r>
+            <a:r>
+              <a:rPr lang="pt-BR" dirty="0" err="1"/>
+              <a:t>Goostman</a:t>
+            </a:r>
+            <a:r>
+              <a:rPr lang="pt-BR" dirty="0"/>
+              <a:t>, c</a:t>
+            </a:r>
+            <a:r>
+              <a:rPr lang="pt-BR" b="1" dirty="0" smtClean="0"/>
+              <a:t>onvenceu 10 de 30 </a:t>
+            </a:r>
+            <a:r>
+              <a:rPr lang="pt-BR" b="1" dirty="0"/>
+              <a:t>juízes de que </a:t>
+            </a:r>
+            <a:r>
+              <a:rPr lang="pt-BR" b="1" dirty="0" smtClean="0"/>
+              <a:t>era um menino ucraniano de </a:t>
+            </a:r>
+            <a:r>
+              <a:rPr lang="pt-BR" b="1" dirty="0"/>
+              <a:t>13 anos</a:t>
+            </a:r>
+            <a:r>
+              <a:rPr lang="en-US" dirty="0" smtClean="0"/>
+              <a:t>​.</a:t>
+            </a:r>
+            <a:endParaRPr lang="pt-BR" dirty="0" smtClean="0"/>
+          </a:p>
+          <a:p>
+            <a:r>
+              <a:rPr lang="pt-BR" dirty="0"/>
+              <a:t>O evento exigia </a:t>
+            </a:r>
+            <a:r>
+              <a:rPr lang="pt-BR" dirty="0" smtClean="0"/>
+              <a:t>que apenas </a:t>
+            </a:r>
+            <a:r>
+              <a:rPr lang="pt-BR" dirty="0"/>
+              <a:t>que 30% dos juízes ficassem convencidos de que </a:t>
+            </a:r>
+            <a:r>
+              <a:rPr lang="pt-BR" dirty="0" smtClean="0"/>
+              <a:t>um participante fosse </a:t>
+            </a:r>
+            <a:r>
+              <a:rPr lang="pt-BR" dirty="0"/>
+              <a:t>um </a:t>
+            </a:r>
+            <a:r>
+              <a:rPr lang="pt-BR" dirty="0" smtClean="0"/>
+              <a:t>humano.</a:t>
+            </a:r>
+          </a:p>
+          <a:p>
+            <a:r>
+              <a:rPr lang="pt-BR" dirty="0"/>
+              <a:t>O </a:t>
+            </a:r>
+            <a:r>
+              <a:rPr lang="pt-BR" i="1" dirty="0" err="1" smtClean="0"/>
+              <a:t>bot</a:t>
+            </a:r>
+            <a:r>
+              <a:rPr lang="pt-BR" dirty="0" smtClean="0"/>
+              <a:t> fingiu </a:t>
+            </a:r>
+            <a:r>
+              <a:rPr lang="pt-BR" dirty="0"/>
+              <a:t>ser uma criança </a:t>
+            </a:r>
+            <a:r>
+              <a:rPr lang="pt-BR" dirty="0" smtClean="0"/>
+              <a:t>estrangeira para </a:t>
+            </a:r>
+            <a:r>
+              <a:rPr lang="pt-BR" dirty="0"/>
+              <a:t>que seus erros fossem perdoados pelos juízes.</a:t>
+            </a:r>
+            <a:endParaRPr lang="en-US" dirty="0"/>
           </a:p>
         </p:txBody>
       </p:sp>
@@ -6627,8 +6842,8 @@
         </p:blipFill>
         <p:spPr bwMode="auto">
           <a:xfrm>
-            <a:off x="548639" y="3097536"/>
-            <a:ext cx="3802091" cy="2141647"/>
+            <a:off x="304798" y="2499020"/>
+            <a:ext cx="5244501" cy="2954129"/>
           </a:xfrm>
           <a:prstGeom prst="rect">
             <a:avLst/>
@@ -6645,6 +6860,47 @@
           </a:extLst>
         </p:spPr>
       </p:pic>
+      <p:sp>
+        <p:nvSpPr>
+          <p:cNvPr id="4" name="Retângulo 3"/>
+          <p:cNvSpPr/>
+          <p:nvPr/>
+        </p:nvSpPr>
+        <p:spPr>
+          <a:xfrm>
+            <a:off x="0" y="6550223"/>
+            <a:ext cx="11082251" cy="307777"/>
+          </a:xfrm>
+          <a:prstGeom prst="rect">
+            <a:avLst/>
+          </a:prstGeom>
+        </p:spPr>
+        <p:txBody>
+          <a:bodyPr wrap="square">
+            <a:spAutoFit/>
+          </a:bodyPr>
+          <a:lstStyle/>
+          <a:p>
+            <a:r>
+              <a:rPr lang="pt-BR" sz="1400" dirty="0" smtClean="0"/>
+              <a:t>Fonte: </a:t>
+            </a:r>
+            <a:r>
+              <a:rPr lang="pt-BR" sz="1400" dirty="0" smtClean="0">
+                <a:hlinkClick r:id="rId3"/>
+              </a:rPr>
+              <a:t>https</a:t>
+            </a:r>
+            <a:r>
+              <a:rPr lang="pt-BR" sz="1400" dirty="0">
+                <a:hlinkClick r:id="rId3"/>
+              </a:rPr>
+              <a:t>://g1.globo.com/tecnologia/noticia/2014/06/computador-convence-juizes-que-e-garoto-de-13-anos-em-teste-de-turing.html</a:t>
+            </a:r>
+            <a:endParaRPr lang="pt-BR" sz="1400" dirty="0"/>
+          </a:p>
+        </p:txBody>
+      </p:sp>
     </p:spTree>
     <p:extLst>
       <p:ext uri="{BB962C8B-B14F-4D97-AF65-F5344CB8AC3E}">
@@ -6677,10 +6933,260 @@
       </p:grpSpPr>
       <p:sp>
         <p:nvSpPr>
+          <p:cNvPr id="2" name="Título 1"/>
+          <p:cNvSpPr>
+            <a:spLocks noGrp="1"/>
+          </p:cNvSpPr>
+          <p:nvPr>
+            <p:ph type="title"/>
+          </p:nvPr>
+        </p:nvSpPr>
+        <p:spPr/>
+        <p:txBody>
+          <a:bodyPr/>
+          <a:lstStyle/>
+          <a:p>
+            <a:r>
+              <a:rPr lang="pt-BR" dirty="0"/>
+              <a:t>O teste de </a:t>
+            </a:r>
+            <a:r>
+              <a:rPr lang="pt-BR" dirty="0" smtClean="0"/>
+              <a:t>Turing: </a:t>
+            </a:r>
+            <a:r>
+              <a:rPr lang="pt-BR" dirty="0" smtClean="0"/>
+              <a:t>GPT-4.5</a:t>
+            </a:r>
+            <a:endParaRPr lang="pt-BR" dirty="0"/>
+          </a:p>
+        </p:txBody>
+      </p:sp>
+      <p:sp>
+        <p:nvSpPr>
+          <p:cNvPr id="3" name="Espaço Reservado para Conteúdo 2"/>
+          <p:cNvSpPr>
+            <a:spLocks noGrp="1"/>
+          </p:cNvSpPr>
+          <p:nvPr>
+            <p:ph idx="1"/>
+          </p:nvPr>
+        </p:nvSpPr>
+        <p:spPr>
+          <a:xfrm>
+            <a:off x="5802284" y="1825624"/>
+            <a:ext cx="6217920" cy="4997669"/>
+          </a:xfrm>
+        </p:spPr>
+        <p:txBody>
+          <a:bodyPr>
+            <a:normAutofit/>
+          </a:bodyPr>
+          <a:lstStyle/>
+          <a:p>
+            <a:r>
+              <a:rPr lang="pt-BR" dirty="0"/>
+              <a:t>Com o avanço das </a:t>
+            </a:r>
+            <a:r>
+              <a:rPr lang="pt-BR" dirty="0" err="1" smtClean="0"/>
+              <a:t>LLMs</a:t>
+            </a:r>
+            <a:r>
+              <a:rPr lang="pt-BR" dirty="0" smtClean="0"/>
+              <a:t>, o </a:t>
+            </a:r>
+            <a:r>
+              <a:rPr lang="pt-BR" dirty="0"/>
+              <a:t>teste de Turing "clássico" ficou fácil demais. </a:t>
+            </a:r>
+            <a:endParaRPr lang="pt-BR" dirty="0" smtClean="0"/>
+          </a:p>
+          <a:p>
+            <a:r>
+              <a:rPr lang="pt-BR" dirty="0" smtClean="0"/>
+              <a:t>Em </a:t>
+            </a:r>
+            <a:r>
+              <a:rPr lang="pt-BR" dirty="0"/>
+              <a:t>um estudo da Universidade da Califórnia </a:t>
+            </a:r>
+            <a:r>
+              <a:rPr lang="pt-BR" dirty="0" smtClean="0"/>
+              <a:t>em </a:t>
+            </a:r>
+            <a:r>
+              <a:rPr lang="pt-BR" dirty="0"/>
+              <a:t>2025, o </a:t>
+            </a:r>
+            <a:r>
+              <a:rPr lang="pt-BR" b="1" dirty="0"/>
+              <a:t>GPT-4.5</a:t>
+            </a:r>
+            <a:r>
+              <a:rPr lang="pt-BR" dirty="0"/>
+              <a:t> enganou humanos em </a:t>
+            </a:r>
+            <a:r>
+              <a:rPr lang="pt-BR" b="1" dirty="0"/>
+              <a:t>73% das vezes</a:t>
+            </a:r>
+            <a:r>
+              <a:rPr lang="pt-BR" dirty="0"/>
+              <a:t>.</a:t>
+            </a:r>
+          </a:p>
+          <a:p>
+            <a:r>
+              <a:rPr lang="pt-BR" dirty="0" smtClean="0"/>
+              <a:t>Nesse </a:t>
+            </a:r>
+            <a:r>
+              <a:rPr lang="pt-BR" dirty="0"/>
+              <a:t>mesmo teste, seres </a:t>
+            </a:r>
+            <a:r>
+              <a:rPr lang="pt-BR" dirty="0" smtClean="0"/>
+              <a:t>humanos conseguiram </a:t>
+            </a:r>
+            <a:r>
+              <a:rPr lang="pt-BR" dirty="0"/>
+              <a:t>convencer os juízes de que eram humanos em apenas cerca de 66% das vezes. </a:t>
+            </a:r>
+            <a:endParaRPr lang="pt-BR" dirty="0" smtClean="0"/>
+          </a:p>
+          <a:p>
+            <a:r>
+              <a:rPr lang="pt-BR" dirty="0" smtClean="0"/>
+              <a:t>Ou </a:t>
+            </a:r>
+            <a:r>
+              <a:rPr lang="pt-BR" dirty="0"/>
+              <a:t>seja, a IA foi considerada </a:t>
+            </a:r>
+            <a:r>
+              <a:rPr lang="pt-BR" b="1" dirty="0"/>
+              <a:t>mais humana que os próprios humanos</a:t>
+            </a:r>
+            <a:r>
+              <a:rPr lang="pt-BR" dirty="0"/>
+              <a:t>!</a:t>
+            </a:r>
+          </a:p>
+        </p:txBody>
+      </p:sp>
+      <p:sp>
+        <p:nvSpPr>
+          <p:cNvPr id="4" name="Retângulo 3"/>
+          <p:cNvSpPr/>
+          <p:nvPr/>
+        </p:nvSpPr>
+        <p:spPr>
+          <a:xfrm>
+            <a:off x="0" y="6550223"/>
+            <a:ext cx="11082251" cy="307777"/>
+          </a:xfrm>
+          <a:prstGeom prst="rect">
+            <a:avLst/>
+          </a:prstGeom>
+        </p:spPr>
+        <p:txBody>
+          <a:bodyPr wrap="square">
+            <a:spAutoFit/>
+          </a:bodyPr>
+          <a:lstStyle/>
+          <a:p>
+            <a:r>
+              <a:rPr lang="pt-BR" sz="1400" dirty="0"/>
+              <a:t>Fonte: </a:t>
+            </a:r>
+            <a:r>
+              <a:rPr lang="pt-BR" sz="1400" dirty="0">
+                <a:hlinkClick r:id="rId3"/>
+              </a:rPr>
+              <a:t>https://tecnoblog.net/noticias/gpt-4-5-da-openai-passa-no-teste-de-turing-e-engana-humanos-mostra-estudo/</a:t>
+            </a:r>
+            <a:endParaRPr lang="pt-BR" sz="1400" dirty="0"/>
+          </a:p>
+        </p:txBody>
+      </p:sp>
+      <p:pic>
+        <p:nvPicPr>
+          <p:cNvPr id="1036" name="Picture 12" descr="5 Ways to Detect Texts Written by ChatGPT and Other AI Chatbots -  En.tempo.co"/>
+          <p:cNvPicPr>
+            <a:picLocks noChangeAspect="1" noChangeArrowheads="1"/>
+          </p:cNvPicPr>
+          <p:nvPr/>
+        </p:nvPicPr>
+        <p:blipFill>
+          <a:blip r:embed="rId4">
+            <a:extLst>
+              <a:ext uri="{28A0092B-C50C-407E-A947-70E740481C1C}">
+                <a14:useLocalDpi xmlns:a14="http://schemas.microsoft.com/office/drawing/2010/main" val="0"/>
+              </a:ext>
+            </a:extLst>
+          </a:blip>
+          <a:srcRect/>
+          <a:stretch>
+            <a:fillRect/>
+          </a:stretch>
+        </p:blipFill>
+        <p:spPr bwMode="auto">
+          <a:xfrm>
+            <a:off x="315884" y="2576945"/>
+            <a:ext cx="5197659" cy="2923683"/>
+          </a:xfrm>
+          <a:prstGeom prst="rect">
+            <a:avLst/>
+          </a:prstGeom>
+          <a:noFill/>
+          <a:extLst>
+            <a:ext uri="{909E8E84-426E-40DD-AFC4-6F175D3DCCD1}">
+              <a14:hiddenFill xmlns:a14="http://schemas.microsoft.com/office/drawing/2010/main">
+                <a:solidFill>
+                  <a:srgbClr val="FFFFFF"/>
+                </a:solidFill>
+              </a14:hiddenFill>
+            </a:ext>
+          </a:extLst>
+        </p:spPr>
+      </p:pic>
+    </p:spTree>
+    <p:extLst>
+      <p:ext uri="{BB962C8B-B14F-4D97-AF65-F5344CB8AC3E}">
+        <p14:creationId xmlns:p14="http://schemas.microsoft.com/office/powerpoint/2010/main" val="2345231874"/>
+      </p:ext>
+    </p:extLst>
+  </p:cSld>
+  <p:clrMapOvr>
+    <a:masterClrMapping/>
+  </p:clrMapOvr>
+</p:sld>
+</file>
+
+<file path=ppt/slides/slide17.xml><?xml version="1.0" encoding="utf-8"?>
+<p:sld xmlns:a="http://schemas.openxmlformats.org/drawingml/2006/main" xmlns:r="http://schemas.openxmlformats.org/officeDocument/2006/relationships" xmlns:p="http://schemas.openxmlformats.org/presentationml/2006/main">
+  <p:cSld>
+    <p:spTree>
+      <p:nvGrpSpPr>
+        <p:cNvPr id="1" name=""/>
+        <p:cNvGrpSpPr/>
+        <p:nvPr/>
+      </p:nvGrpSpPr>
+      <p:grpSpPr>
+        <a:xfrm>
+          <a:off x="0" y="0"/>
+          <a:ext cx="0" cy="0"/>
+          <a:chOff x="0" y="0"/>
+          <a:chExt cx="0" cy="0"/>
+        </a:xfrm>
+      </p:grpSpPr>
+      <p:sp>
+        <p:nvSpPr>
           <p:cNvPr id="2" name="Título 1">
             <a:extLst>
               <a:ext uri="{FF2B5EF4-FFF2-40B4-BE49-F238E27FC236}">
-                <a16:creationId xmlns:a16="http://schemas.microsoft.com/office/drawing/2014/main" xmlns="" id="{B9E502FC-4440-F5DA-F299-69CD15E702AE}"/>
+                <a16:creationId xmlns="" xmlns:a16="http://schemas.microsoft.com/office/drawing/2014/main" id="{B9E502FC-4440-F5DA-F299-69CD15E702AE}"/>
               </a:ext>
             </a:extLst>
           </p:cNvPr>
@@ -6717,7 +7223,7 @@
           <p:cNvPr id="3" name="Espaço Reservado para Conteúdo 2">
             <a:extLst>
               <a:ext uri="{FF2B5EF4-FFF2-40B4-BE49-F238E27FC236}">
-                <a16:creationId xmlns:a16="http://schemas.microsoft.com/office/drawing/2014/main" xmlns="" id="{69359096-6B47-BEA3-55AD-95F90CDC8489}"/>
+                <a16:creationId xmlns="" xmlns:a16="http://schemas.microsoft.com/office/drawing/2014/main" id="{69359096-6B47-BEA3-55AD-95F90CDC8489}"/>
               </a:ext>
             </a:extLst>
           </p:cNvPr>
@@ -6896,7 +7402,7 @@
 </p:sld>
 </file>
 
-<file path=ppt/slides/slide17.xml><?xml version="1.0" encoding="utf-8"?>
+<file path=ppt/slides/slide18.xml><?xml version="1.0" encoding="utf-8"?>
 <p:sld xmlns:a="http://schemas.openxmlformats.org/drawingml/2006/main" xmlns:r="http://schemas.openxmlformats.org/officeDocument/2006/relationships" xmlns:p="http://schemas.openxmlformats.org/presentationml/2006/main">
   <p:cSld>
     <p:spTree>
@@ -6918,7 +7424,7 @@
           <p:cNvPr id="2" name="Título 1">
             <a:extLst>
               <a:ext uri="{FF2B5EF4-FFF2-40B4-BE49-F238E27FC236}">
-                <a16:creationId xmlns:a16="http://schemas.microsoft.com/office/drawing/2014/main" xmlns="" id="{B7EBC8F7-03EF-338A-A90B-280A41AF9688}"/>
+                <a16:creationId xmlns="" xmlns:a16="http://schemas.microsoft.com/office/drawing/2014/main" id="{B7EBC8F7-03EF-338A-A90B-280A41AF9688}"/>
               </a:ext>
             </a:extLst>
           </p:cNvPr>
@@ -6947,7 +7453,7 @@
           <p:cNvPr id="3" name="Espaço Reservado para Conteúdo 2">
             <a:extLst>
               <a:ext uri="{FF2B5EF4-FFF2-40B4-BE49-F238E27FC236}">
-                <a16:creationId xmlns:a16="http://schemas.microsoft.com/office/drawing/2014/main" xmlns="" id="{C525BCE7-C19D-7DDA-016A-E3016C398CBA}"/>
+                <a16:creationId xmlns="" xmlns:a16="http://schemas.microsoft.com/office/drawing/2014/main" id="{C525BCE7-C19D-7DDA-016A-E3016C398CBA}"/>
               </a:ext>
             </a:extLst>
           </p:cNvPr>
@@ -6976,7 +7482,6 @@
               <a:rPr lang="pt-BR" dirty="0"/>
               <a:t>demais, resultados de menos</a:t>
             </a:r>
-            <a:endParaRPr lang="pt-BR" dirty="0"/>
           </a:p>
         </p:txBody>
       </p:sp>
@@ -6993,7 +7498,7 @@
 </p:sld>
 </file>
 
-<file path=ppt/slides/slide18.xml><?xml version="1.0" encoding="utf-8"?>
+<file path=ppt/slides/slide19.xml><?xml version="1.0" encoding="utf-8"?>
 <p:sld xmlns:a="http://schemas.openxmlformats.org/drawingml/2006/main" xmlns:r="http://schemas.openxmlformats.org/officeDocument/2006/relationships" xmlns:p="http://schemas.openxmlformats.org/presentationml/2006/main">
   <p:cSld>
     <p:spTree>
@@ -7015,7 +7520,7 @@
           <p:cNvPr id="4" name="Título 1">
             <a:extLst>
               <a:ext uri="{FF2B5EF4-FFF2-40B4-BE49-F238E27FC236}">
-                <a16:creationId xmlns:a16="http://schemas.microsoft.com/office/drawing/2014/main" xmlns="" id="{32666AC8-2E17-4DB4-B0F5-60C640CCFD2E}"/>
+                <a16:creationId xmlns="" xmlns:a16="http://schemas.microsoft.com/office/drawing/2014/main" id="{32666AC8-2E17-4DB4-B0F5-60C640CCFD2E}"/>
               </a:ext>
             </a:extLst>
           </p:cNvPr>
@@ -7079,89 +7584,6 @@
 </p:sld>
 </file>
 
-<file path=ppt/slides/slide19.xml><?xml version="1.0" encoding="utf-8"?>
-<p:sld xmlns:a="http://schemas.openxmlformats.org/drawingml/2006/main" xmlns:r="http://schemas.openxmlformats.org/officeDocument/2006/relationships" xmlns:p="http://schemas.openxmlformats.org/presentationml/2006/main">
-  <p:cSld>
-    <p:spTree>
-      <p:nvGrpSpPr>
-        <p:cNvPr id="1" name=""/>
-        <p:cNvGrpSpPr/>
-        <p:nvPr/>
-      </p:nvGrpSpPr>
-      <p:grpSpPr>
-        <a:xfrm>
-          <a:off x="0" y="0"/>
-          <a:ext cx="0" cy="0"/>
-          <a:chOff x="0" y="0"/>
-          <a:chExt cx="0" cy="0"/>
-        </a:xfrm>
-      </p:grpSpPr>
-      <p:sp>
-        <p:nvSpPr>
-          <p:cNvPr id="2" name="Título 1">
-            <a:extLst>
-              <a:ext uri="{FF2B5EF4-FFF2-40B4-BE49-F238E27FC236}">
-                <a16:creationId xmlns:a16="http://schemas.microsoft.com/office/drawing/2014/main" xmlns="" id="{3CA32550-8C76-B013-2EC7-989D8C3B19BE}"/>
-              </a:ext>
-            </a:extLst>
-          </p:cNvPr>
-          <p:cNvSpPr>
-            <a:spLocks noGrp="1"/>
-          </p:cNvSpPr>
-          <p:nvPr>
-            <p:ph type="title"/>
-          </p:nvPr>
-        </p:nvSpPr>
-        <p:spPr/>
-        <p:txBody>
-          <a:bodyPr/>
-          <a:lstStyle/>
-          <a:p>
-            <a:r>
-              <a:rPr lang="pt-BR" dirty="0"/>
-              <a:t>Referências</a:t>
-            </a:r>
-          </a:p>
-        </p:txBody>
-      </p:sp>
-      <p:sp>
-        <p:nvSpPr>
-          <p:cNvPr id="3" name="Espaço Reservado para Conteúdo 2">
-            <a:extLst>
-              <a:ext uri="{FF2B5EF4-FFF2-40B4-BE49-F238E27FC236}">
-                <a16:creationId xmlns:a16="http://schemas.microsoft.com/office/drawing/2014/main" xmlns="" id="{EF043237-7757-7557-B63E-D4EB5152D44B}"/>
-              </a:ext>
-            </a:extLst>
-          </p:cNvPr>
-          <p:cNvSpPr>
-            <a:spLocks noGrp="1"/>
-          </p:cNvSpPr>
-          <p:nvPr>
-            <p:ph idx="1"/>
-          </p:nvPr>
-        </p:nvSpPr>
-        <p:spPr/>
-        <p:txBody>
-          <a:bodyPr/>
-          <a:lstStyle/>
-          <a:p>
-            <a:endParaRPr lang="pt-BR"/>
-          </a:p>
-        </p:txBody>
-      </p:sp>
-    </p:spTree>
-    <p:extLst>
-      <p:ext uri="{BB962C8B-B14F-4D97-AF65-F5344CB8AC3E}">
-        <p14:creationId xmlns:p14="http://schemas.microsoft.com/office/powerpoint/2010/main" val="1787264919"/>
-      </p:ext>
-    </p:extLst>
-  </p:cSld>
-  <p:clrMapOvr>
-    <a:masterClrMapping/>
-  </p:clrMapOvr>
-</p:sld>
-</file>
-
 <file path=ppt/slides/slide2.xml><?xml version="1.0" encoding="utf-8"?>
 <p:sld xmlns:a="http://schemas.openxmlformats.org/drawingml/2006/main" xmlns:r="http://schemas.openxmlformats.org/officeDocument/2006/relationships" xmlns:p="http://schemas.openxmlformats.org/presentationml/2006/main">
   <p:cSld>
@@ -7184,7 +7606,7 @@
           <p:cNvPr id="2" name="Título 1">
             <a:extLst>
               <a:ext uri="{FF2B5EF4-FFF2-40B4-BE49-F238E27FC236}">
-                <a16:creationId xmlns:a16="http://schemas.microsoft.com/office/drawing/2014/main" xmlns="" id="{7F5FF925-67DE-CC62-E869-C6E3C1D771E6}"/>
+                <a16:creationId xmlns="" xmlns:a16="http://schemas.microsoft.com/office/drawing/2014/main" id="{7F5FF925-67DE-CC62-E869-C6E3C1D771E6}"/>
               </a:ext>
             </a:extLst>
           </p:cNvPr>
@@ -7213,7 +7635,7 @@
           <p:cNvPr id="3" name="Espaço Reservado para Conteúdo 2">
             <a:extLst>
               <a:ext uri="{FF2B5EF4-FFF2-40B4-BE49-F238E27FC236}">
-                <a16:creationId xmlns:a16="http://schemas.microsoft.com/office/drawing/2014/main" xmlns="" id="{7DA84068-671A-9D40-4F76-2C57E4F720C2}"/>
+                <a16:creationId xmlns="" xmlns:a16="http://schemas.microsoft.com/office/drawing/2014/main" id="{7DA84068-671A-9D40-4F76-2C57E4F720C2}"/>
               </a:ext>
             </a:extLst>
           </p:cNvPr>
@@ -7406,10 +7828,93 @@
       </p:grpSpPr>
       <p:sp>
         <p:nvSpPr>
+          <p:cNvPr id="2" name="Título 1">
+            <a:extLst>
+              <a:ext uri="{FF2B5EF4-FFF2-40B4-BE49-F238E27FC236}">
+                <a16:creationId xmlns="" xmlns:a16="http://schemas.microsoft.com/office/drawing/2014/main" id="{3CA32550-8C76-B013-2EC7-989D8C3B19BE}"/>
+              </a:ext>
+            </a:extLst>
+          </p:cNvPr>
+          <p:cNvSpPr>
+            <a:spLocks noGrp="1"/>
+          </p:cNvSpPr>
+          <p:nvPr>
+            <p:ph type="title"/>
+          </p:nvPr>
+        </p:nvSpPr>
+        <p:spPr/>
+        <p:txBody>
+          <a:bodyPr/>
+          <a:lstStyle/>
+          <a:p>
+            <a:r>
+              <a:rPr lang="pt-BR" dirty="0"/>
+              <a:t>Referências</a:t>
+            </a:r>
+          </a:p>
+        </p:txBody>
+      </p:sp>
+      <p:sp>
+        <p:nvSpPr>
+          <p:cNvPr id="3" name="Espaço Reservado para Conteúdo 2">
+            <a:extLst>
+              <a:ext uri="{FF2B5EF4-FFF2-40B4-BE49-F238E27FC236}">
+                <a16:creationId xmlns="" xmlns:a16="http://schemas.microsoft.com/office/drawing/2014/main" id="{EF043237-7757-7557-B63E-D4EB5152D44B}"/>
+              </a:ext>
+            </a:extLst>
+          </p:cNvPr>
+          <p:cNvSpPr>
+            <a:spLocks noGrp="1"/>
+          </p:cNvSpPr>
+          <p:nvPr>
+            <p:ph idx="1"/>
+          </p:nvPr>
+        </p:nvSpPr>
+        <p:spPr/>
+        <p:txBody>
+          <a:bodyPr/>
+          <a:lstStyle/>
+          <a:p>
+            <a:endParaRPr lang="pt-BR"/>
+          </a:p>
+        </p:txBody>
+      </p:sp>
+    </p:spTree>
+    <p:extLst>
+      <p:ext uri="{BB962C8B-B14F-4D97-AF65-F5344CB8AC3E}">
+        <p14:creationId xmlns:p14="http://schemas.microsoft.com/office/powerpoint/2010/main" val="1787264919"/>
+      </p:ext>
+    </p:extLst>
+  </p:cSld>
+  <p:clrMapOvr>
+    <a:masterClrMapping/>
+  </p:clrMapOvr>
+</p:sld>
+</file>
+
+<file path=ppt/slides/slide21.xml><?xml version="1.0" encoding="utf-8"?>
+<p:sld xmlns:a="http://schemas.openxmlformats.org/drawingml/2006/main" xmlns:r="http://schemas.openxmlformats.org/officeDocument/2006/relationships" xmlns:p="http://schemas.openxmlformats.org/presentationml/2006/main">
+  <p:cSld>
+    <p:spTree>
+      <p:nvGrpSpPr>
+        <p:cNvPr id="1" name=""/>
+        <p:cNvGrpSpPr/>
+        <p:nvPr/>
+      </p:nvGrpSpPr>
+      <p:grpSpPr>
+        <a:xfrm>
+          <a:off x="0" y="0"/>
+          <a:ext cx="0" cy="0"/>
+          <a:chOff x="0" y="0"/>
+          <a:chExt cx="0" cy="0"/>
+        </a:xfrm>
+      </p:grpSpPr>
+      <p:sp>
+        <p:nvSpPr>
           <p:cNvPr id="4" name="Título 1">
             <a:extLst>
               <a:ext uri="{FF2B5EF4-FFF2-40B4-BE49-F238E27FC236}">
-                <a16:creationId xmlns:a16="http://schemas.microsoft.com/office/drawing/2014/main" xmlns="" id="{32666AC8-2E17-4DB4-B0F5-60C640CCFD2E}"/>
+                <a16:creationId xmlns="" xmlns:a16="http://schemas.microsoft.com/office/drawing/2014/main" id="{32666AC8-2E17-4DB4-B0F5-60C640CCFD2E}"/>
               </a:ext>
             </a:extLst>
           </p:cNvPr>
@@ -7495,7 +8000,7 @@
           <p:cNvPr id="2" name="Título 1">
             <a:extLst>
               <a:ext uri="{FF2B5EF4-FFF2-40B4-BE49-F238E27FC236}">
-                <a16:creationId xmlns:a16="http://schemas.microsoft.com/office/drawing/2014/main" xmlns="" id="{7F5FF925-67DE-CC62-E869-C6E3C1D771E6}"/>
+                <a16:creationId xmlns="" xmlns:a16="http://schemas.microsoft.com/office/drawing/2014/main" id="{7F5FF925-67DE-CC62-E869-C6E3C1D771E6}"/>
               </a:ext>
             </a:extLst>
           </p:cNvPr>
@@ -12287,7 +12792,7 @@
           <p:cNvPr id="2" name="Título 1">
             <a:extLst>
               <a:ext uri="{FF2B5EF4-FFF2-40B4-BE49-F238E27FC236}">
-                <a16:creationId xmlns:a16="http://schemas.microsoft.com/office/drawing/2014/main" xmlns="" id="{7F5FF925-67DE-CC62-E869-C6E3C1D771E6}"/>
+                <a16:creationId xmlns="" xmlns:a16="http://schemas.microsoft.com/office/drawing/2014/main" id="{7F5FF925-67DE-CC62-E869-C6E3C1D771E6}"/>
               </a:ext>
             </a:extLst>
           </p:cNvPr>
@@ -12318,7 +12823,7 @@
               <p:cNvPr id="3" name="Espaço Reservado para Conteúdo 2">
                 <a:extLst>
                   <a:ext uri="{FF2B5EF4-FFF2-40B4-BE49-F238E27FC236}">
-                    <a16:creationId xmlns:a16="http://schemas.microsoft.com/office/drawing/2014/main" xmlns="" id="{7DA84068-671A-9D40-4F76-2C57E4F720C2}"/>
+                    <a16:creationId xmlns="" xmlns:a16="http://schemas.microsoft.com/office/drawing/2014/main" id="{7DA84068-671A-9D40-4F76-2C57E4F720C2}"/>
                   </a:ext>
                 </a:extLst>
               </p:cNvPr>
@@ -12822,7 +13327,7 @@
           <p:cNvPr id="2" name="Título 1">
             <a:extLst>
               <a:ext uri="{FF2B5EF4-FFF2-40B4-BE49-F238E27FC236}">
-                <a16:creationId xmlns:a16="http://schemas.microsoft.com/office/drawing/2014/main" xmlns="" id="{94AB8438-E56E-2412-517C-8456E4CA773C}"/>
+                <a16:creationId xmlns="" xmlns:a16="http://schemas.microsoft.com/office/drawing/2014/main" id="{94AB8438-E56E-2412-517C-8456E4CA773C}"/>
               </a:ext>
             </a:extLst>
           </p:cNvPr>
@@ -12851,7 +13356,7 @@
           <p:cNvPr id="3" name="Espaço Reservado para Conteúdo 2">
             <a:extLst>
               <a:ext uri="{FF2B5EF4-FFF2-40B4-BE49-F238E27FC236}">
-                <a16:creationId xmlns:a16="http://schemas.microsoft.com/office/drawing/2014/main" xmlns="" id="{F7E2B09C-6D56-4C9F-A364-B904CCE2F1A0}"/>
+                <a16:creationId xmlns="" xmlns:a16="http://schemas.microsoft.com/office/drawing/2014/main" id="{F7E2B09C-6D56-4C9F-A364-B904CCE2F1A0}"/>
               </a:ext>
             </a:extLst>
           </p:cNvPr>
@@ -13020,7 +13525,7 @@
           <p:cNvPr id="2" name="Título 1">
             <a:extLst>
               <a:ext uri="{FF2B5EF4-FFF2-40B4-BE49-F238E27FC236}">
-                <a16:creationId xmlns:a16="http://schemas.microsoft.com/office/drawing/2014/main" xmlns="" id="{083FFF02-0FC8-9F0B-AAB0-565FC99EA70D}"/>
+                <a16:creationId xmlns="" xmlns:a16="http://schemas.microsoft.com/office/drawing/2014/main" id="{083FFF02-0FC8-9F0B-AAB0-565FC99EA70D}"/>
               </a:ext>
             </a:extLst>
           </p:cNvPr>
@@ -13049,7 +13554,7 @@
           <p:cNvPr id="3" name="Espaço Reservado para Conteúdo 2">
             <a:extLst>
               <a:ext uri="{FF2B5EF4-FFF2-40B4-BE49-F238E27FC236}">
-                <a16:creationId xmlns:a16="http://schemas.microsoft.com/office/drawing/2014/main" xmlns="" id="{8C5488AE-34B4-EF1D-F674-507FF2FCD122}"/>
+                <a16:creationId xmlns="" xmlns:a16="http://schemas.microsoft.com/office/drawing/2014/main" id="{8C5488AE-34B4-EF1D-F674-507FF2FCD122}"/>
               </a:ext>
             </a:extLst>
           </p:cNvPr>
@@ -13305,7 +13810,7 @@
         <p:cNvPr id="1" name="">
           <a:extLst>
             <a:ext uri="{FF2B5EF4-FFF2-40B4-BE49-F238E27FC236}">
-              <a16:creationId xmlns:a16="http://schemas.microsoft.com/office/drawing/2014/main" xmlns="" id="{E1C9F56A-97FC-7CCD-E5BA-3B5E230AD9AB}"/>
+              <a16:creationId xmlns="" xmlns:a16="http://schemas.microsoft.com/office/drawing/2014/main" id="{E1C9F56A-97FC-7CCD-E5BA-3B5E230AD9AB}"/>
             </a:ext>
           </a:extLst>
         </p:cNvPr>
@@ -13325,7 +13830,7 @@
           <p:cNvPr id="2" name="Título 1">
             <a:extLst>
               <a:ext uri="{FF2B5EF4-FFF2-40B4-BE49-F238E27FC236}">
-                <a16:creationId xmlns:a16="http://schemas.microsoft.com/office/drawing/2014/main" xmlns="" id="{A979DAB9-0612-F0CD-7BB1-AF52B98B3210}"/>
+                <a16:creationId xmlns="" xmlns:a16="http://schemas.microsoft.com/office/drawing/2014/main" id="{A979DAB9-0612-F0CD-7BB1-AF52B98B3210}"/>
               </a:ext>
             </a:extLst>
           </p:cNvPr>
@@ -13440,7 +13945,7 @@
           <p:cNvPr id="7" name="Espaço Reservado para Conteúdo 2">
             <a:extLst>
               <a:ext uri="{FF2B5EF4-FFF2-40B4-BE49-F238E27FC236}">
-                <a16:creationId xmlns:a16="http://schemas.microsoft.com/office/drawing/2014/main" xmlns="" id="{62A55622-8E11-E5D7-8EAF-7AE2CCAA3321}"/>
+                <a16:creationId xmlns="" xmlns:a16="http://schemas.microsoft.com/office/drawing/2014/main" id="{62A55622-8E11-E5D7-8EAF-7AE2CCAA3321}"/>
               </a:ext>
             </a:extLst>
           </p:cNvPr>

--- a/slides/C24_Introdução.pptx
+++ b/slides/C24_Introdução.pptx
@@ -5,10 +5,10 @@
     <p:sldMasterId id="2147483648" r:id="rId1"/>
   </p:sldMasterIdLst>
   <p:notesMasterIdLst>
-    <p:notesMasterId r:id="rId23"/>
+    <p:notesMasterId r:id="rId25"/>
   </p:notesMasterIdLst>
   <p:handoutMasterIdLst>
-    <p:handoutMasterId r:id="rId24"/>
+    <p:handoutMasterId r:id="rId26"/>
   </p:handoutMasterIdLst>
   <p:sldIdLst>
     <p:sldId id="256" r:id="rId2"/>
@@ -28,10 +28,12 @@
     <p:sldId id="323" r:id="rId16"/>
     <p:sldId id="324" r:id="rId17"/>
     <p:sldId id="312" r:id="rId18"/>
-    <p:sldId id="313" r:id="rId19"/>
-    <p:sldId id="293" r:id="rId20"/>
-    <p:sldId id="314" r:id="rId21"/>
-    <p:sldId id="306" r:id="rId22"/>
+    <p:sldId id="326" r:id="rId19"/>
+    <p:sldId id="313" r:id="rId20"/>
+    <p:sldId id="325" r:id="rId21"/>
+    <p:sldId id="293" r:id="rId22"/>
+    <p:sldId id="314" r:id="rId23"/>
+    <p:sldId id="306" r:id="rId24"/>
   </p:sldIdLst>
   <p:sldSz cx="12192000" cy="6858000"/>
   <p:notesSz cx="7315200" cy="9601200"/>
@@ -811,6 +813,157 @@
 </p:notes>
 </file>
 
+<file path=ppt/notesSlides/notesSlide10.xml><?xml version="1.0" encoding="utf-8"?>
+<p:notes xmlns:a="http://schemas.openxmlformats.org/drawingml/2006/main" xmlns:r="http://schemas.openxmlformats.org/officeDocument/2006/relationships" xmlns:p="http://schemas.openxmlformats.org/presentationml/2006/main">
+  <p:cSld>
+    <p:spTree>
+      <p:nvGrpSpPr>
+        <p:cNvPr id="1" name=""/>
+        <p:cNvGrpSpPr/>
+        <p:nvPr/>
+      </p:nvGrpSpPr>
+      <p:grpSpPr>
+        <a:xfrm>
+          <a:off x="0" y="0"/>
+          <a:ext cx="0" cy="0"/>
+          <a:chOff x="0" y="0"/>
+          <a:chExt cx="0" cy="0"/>
+        </a:xfrm>
+      </p:grpSpPr>
+      <p:sp>
+        <p:nvSpPr>
+          <p:cNvPr id="2" name="Espaço Reservado para Imagem de Slide 1"/>
+          <p:cNvSpPr>
+            <a:spLocks noGrp="1" noRot="1" noChangeAspect="1"/>
+          </p:cNvSpPr>
+          <p:nvPr>
+            <p:ph type="sldImg"/>
+          </p:nvPr>
+        </p:nvSpPr>
+        <p:spPr/>
+      </p:sp>
+      <p:sp>
+        <p:nvSpPr>
+          <p:cNvPr id="3" name="Espaço Reservado para Anotações 2"/>
+          <p:cNvSpPr>
+            <a:spLocks noGrp="1"/>
+          </p:cNvSpPr>
+          <p:nvPr>
+            <p:ph type="body" idx="1"/>
+          </p:nvPr>
+        </p:nvSpPr>
+        <p:spPr/>
+        <p:txBody>
+          <a:bodyPr/>
+          <a:lstStyle/>
+          <a:p>
+            <a:r>
+              <a:rPr lang="pt-BR" b="0" dirty="0" smtClean="0"/>
+              <a:t>A diferença de desempenho foi tão absurda que todos os outros pesquisadores abandonaram suas técnicas antigas no ano seguinte para copiar a </a:t>
+            </a:r>
+            <a:r>
+              <a:rPr lang="pt-BR" b="0" dirty="0" err="1" smtClean="0"/>
+              <a:t>AlexNet</a:t>
+            </a:r>
+            <a:r>
+              <a:rPr lang="pt-BR" b="0" dirty="0" smtClean="0"/>
+              <a:t>.</a:t>
+            </a:r>
+          </a:p>
+          <a:p>
+            <a:r>
+              <a:rPr lang="pt-BR" dirty="0" smtClean="0"/>
+              <a:t>Enquanto os outros algoritmos melhoravam 1% por ano, a </a:t>
+            </a:r>
+            <a:r>
+              <a:rPr lang="pt-BR" dirty="0" err="1" smtClean="0"/>
+              <a:t>AlexNet</a:t>
+            </a:r>
+            <a:r>
+              <a:rPr lang="pt-BR" dirty="0" smtClean="0"/>
+              <a:t> reduziu o erro para </a:t>
+            </a:r>
+            <a:r>
+              <a:rPr lang="pt-BR" b="1" dirty="0" smtClean="0"/>
+              <a:t>15,3%</a:t>
+            </a:r>
+            <a:r>
+              <a:rPr lang="pt-BR" dirty="0" smtClean="0"/>
+              <a:t> de uma vez só.</a:t>
+            </a:r>
+            <a:endParaRPr lang="pt-BR" b="0" dirty="0" smtClean="0"/>
+          </a:p>
+          <a:p>
+            <a:r>
+              <a:rPr lang="pt-BR" b="0" dirty="0" smtClean="0"/>
+              <a:t>Sem esse marco de 2012, não teríamos reconhecimento facial no celular, carros autônomos ou o próprio </a:t>
+            </a:r>
+            <a:r>
+              <a:rPr lang="pt-BR" b="0" dirty="0" err="1" smtClean="0"/>
+              <a:t>ChatGPT</a:t>
+            </a:r>
+            <a:r>
+              <a:rPr lang="pt-BR" b="0" dirty="0" smtClean="0"/>
+              <a:t>, pois todos bebem da fonte do </a:t>
+            </a:r>
+            <a:r>
+              <a:rPr lang="pt-BR" b="0" dirty="0" err="1" smtClean="0"/>
+              <a:t>Deep</a:t>
+            </a:r>
+            <a:r>
+              <a:rPr lang="pt-BR" b="0" dirty="0" smtClean="0"/>
+              <a:t> Learning que a </a:t>
+            </a:r>
+            <a:r>
+              <a:rPr lang="pt-BR" b="0" dirty="0" err="1" smtClean="0"/>
+              <a:t>AlexNet</a:t>
+            </a:r>
+            <a:r>
+              <a:rPr lang="pt-BR" b="0" dirty="0" smtClean="0"/>
+              <a:t> validou.</a:t>
+            </a:r>
+          </a:p>
+          <a:p>
+            <a:endParaRPr lang="pt-BR" dirty="0"/>
+          </a:p>
+        </p:txBody>
+      </p:sp>
+      <p:sp>
+        <p:nvSpPr>
+          <p:cNvPr id="4" name="Espaço Reservado para Número de Slide 3"/>
+          <p:cNvSpPr>
+            <a:spLocks noGrp="1"/>
+          </p:cNvSpPr>
+          <p:nvPr>
+            <p:ph type="sldNum" sz="quarter" idx="10"/>
+          </p:nvPr>
+        </p:nvSpPr>
+        <p:spPr/>
+        <p:txBody>
+          <a:bodyPr/>
+          <a:lstStyle/>
+          <a:p>
+            <a:fld id="{6FC8D850-966F-45A6-8DE7-15B891E7D40D}" type="slidenum">
+              <a:rPr lang="pt-BR" smtClean="0"/>
+              <a:t>20</a:t>
+            </a:fld>
+            <a:endParaRPr lang="pt-BR"/>
+          </a:p>
+        </p:txBody>
+      </p:sp>
+    </p:spTree>
+    <p:extLst>
+      <p:ext uri="{BB962C8B-B14F-4D97-AF65-F5344CB8AC3E}">
+        <p14:creationId xmlns:p14="http://schemas.microsoft.com/office/powerpoint/2010/main" val="3211868014"/>
+      </p:ext>
+    </p:extLst>
+  </p:cSld>
+  <p:clrMapOvr>
+    <a:masterClrMapping/>
+  </p:clrMapOvr>
+</p:notes>
+</file>
+
 <file path=ppt/notesSlides/notesSlide2.xml><?xml version="1.0" encoding="utf-8"?>
 <p:notes xmlns:a="http://schemas.openxmlformats.org/drawingml/2006/main" xmlns:r="http://schemas.openxmlformats.org/officeDocument/2006/relationships" xmlns:p="http://schemas.openxmlformats.org/presentationml/2006/main">
   <p:cSld>
@@ -1784,6 +1937,116 @@
 </p:notes>
 </file>
 
+<file path=ppt/notesSlides/notesSlide9.xml><?xml version="1.0" encoding="utf-8"?>
+<p:notes xmlns:a="http://schemas.openxmlformats.org/drawingml/2006/main" xmlns:r="http://schemas.openxmlformats.org/officeDocument/2006/relationships" xmlns:p="http://schemas.openxmlformats.org/presentationml/2006/main">
+  <p:cSld>
+    <p:spTree>
+      <p:nvGrpSpPr>
+        <p:cNvPr id="1" name=""/>
+        <p:cNvGrpSpPr/>
+        <p:nvPr/>
+      </p:nvGrpSpPr>
+      <p:grpSpPr>
+        <a:xfrm>
+          <a:off x="0" y="0"/>
+          <a:ext cx="0" cy="0"/>
+          <a:chOff x="0" y="0"/>
+          <a:chExt cx="0" cy="0"/>
+        </a:xfrm>
+      </p:grpSpPr>
+      <p:sp>
+        <p:nvSpPr>
+          <p:cNvPr id="2" name="Espaço Reservado para Imagem de Slide 1"/>
+          <p:cNvSpPr>
+            <a:spLocks noGrp="1" noRot="1" noChangeAspect="1"/>
+          </p:cNvSpPr>
+          <p:nvPr>
+            <p:ph type="sldImg"/>
+          </p:nvPr>
+        </p:nvSpPr>
+        <p:spPr/>
+      </p:sp>
+      <p:sp>
+        <p:nvSpPr>
+          <p:cNvPr id="3" name="Espaço Reservado para Anotações 2"/>
+          <p:cNvSpPr>
+            <a:spLocks noGrp="1"/>
+          </p:cNvSpPr>
+          <p:nvPr>
+            <p:ph type="body" idx="1"/>
+          </p:nvPr>
+        </p:nvSpPr>
+        <p:spPr/>
+        <p:txBody>
+          <a:bodyPr/>
+          <a:lstStyle/>
+          <a:p>
+            <a:r>
+              <a:rPr lang="pt-BR" dirty="0" smtClean="0"/>
+              <a:t>Houveram promessas demais, resultados de menos.</a:t>
+            </a:r>
+          </a:p>
+          <a:p>
+            <a:r>
+              <a:rPr lang="pt-BR" dirty="0" smtClean="0"/>
+              <a:t>Por que parou? Falta de dados e processamento.</a:t>
+            </a:r>
+          </a:p>
+          <a:p>
+            <a:endParaRPr lang="pt-BR" dirty="0" smtClean="0"/>
+          </a:p>
+          <a:p>
+            <a:r>
+              <a:rPr lang="pt-BR" b="1" dirty="0" smtClean="0"/>
+              <a:t>A Crise de Identidade:</a:t>
+            </a:r>
+            <a:r>
+              <a:rPr lang="pt-BR" dirty="0" smtClean="0"/>
+              <a:t> O termo "Inteligência Artificial" ficou tão queimado que pesquisadores mudaram os nomes de seus projetos para "Sistemas de Apoio à Decisão" só para não perderem a verba.</a:t>
+            </a:r>
+            <a:endParaRPr lang="pt-BR" dirty="0" smtClean="0"/>
+          </a:p>
+          <a:p>
+            <a:endParaRPr lang="pt-BR" dirty="0"/>
+          </a:p>
+        </p:txBody>
+      </p:sp>
+      <p:sp>
+        <p:nvSpPr>
+          <p:cNvPr id="4" name="Espaço Reservado para Número de Slide 3"/>
+          <p:cNvSpPr>
+            <a:spLocks noGrp="1"/>
+          </p:cNvSpPr>
+          <p:nvPr>
+            <p:ph type="sldNum" sz="quarter" idx="10"/>
+          </p:nvPr>
+        </p:nvSpPr>
+        <p:spPr/>
+        <p:txBody>
+          <a:bodyPr/>
+          <a:lstStyle/>
+          <a:p>
+            <a:fld id="{6FC8D850-966F-45A6-8DE7-15B891E7D40D}" type="slidenum">
+              <a:rPr lang="pt-BR" smtClean="0"/>
+              <a:t>19</a:t>
+            </a:fld>
+            <a:endParaRPr lang="pt-BR"/>
+          </a:p>
+        </p:txBody>
+      </p:sp>
+    </p:spTree>
+    <p:extLst>
+      <p:ext uri="{BB962C8B-B14F-4D97-AF65-F5344CB8AC3E}">
+        <p14:creationId xmlns:p14="http://schemas.microsoft.com/office/powerpoint/2010/main" val="194908769"/>
+      </p:ext>
+    </p:extLst>
+  </p:cSld>
+  <p:clrMapOvr>
+    <a:masterClrMapping/>
+  </p:clrMapOvr>
+</p:notes>
+</file>
+
 <file path=ppt/slideLayouts/slideLayout1.xml><?xml version="1.0" encoding="utf-8"?>
 <p:sldLayout xmlns:a="http://schemas.openxmlformats.org/drawingml/2006/main" xmlns:r="http://schemas.openxmlformats.org/officeDocument/2006/relationships" xmlns:p="http://schemas.openxmlformats.org/presentationml/2006/main" type="title" preserve="1">
   <p:cSld name="Slide de Título">
@@ -1806,7 +2069,7 @@
           <p:cNvPr id="2" name="Título 1">
             <a:extLst>
               <a:ext uri="{FF2B5EF4-FFF2-40B4-BE49-F238E27FC236}">
-                <a16:creationId xmlns="" xmlns:a16="http://schemas.microsoft.com/office/drawing/2014/main" id="{1DB9B4FF-B06E-403C-A326-BDC64D8FF94E}"/>
+                <a16:creationId xmlns:a16="http://schemas.microsoft.com/office/drawing/2014/main" xmlns="" id="{1DB9B4FF-B06E-403C-A326-BDC64D8FF94E}"/>
               </a:ext>
             </a:extLst>
           </p:cNvPr>
@@ -1843,7 +2106,7 @@
           <p:cNvPr id="3" name="Subtítulo 2">
             <a:extLst>
               <a:ext uri="{FF2B5EF4-FFF2-40B4-BE49-F238E27FC236}">
-                <a16:creationId xmlns="" xmlns:a16="http://schemas.microsoft.com/office/drawing/2014/main" id="{247BDFCE-746E-45BF-A319-4733D58D1632}"/>
+                <a16:creationId xmlns:a16="http://schemas.microsoft.com/office/drawing/2014/main" xmlns="" id="{247BDFCE-746E-45BF-A319-4733D58D1632}"/>
               </a:ext>
             </a:extLst>
           </p:cNvPr>
@@ -1913,7 +2176,7 @@
           <p:cNvPr id="4" name="Espaço Reservado para Data 3">
             <a:extLst>
               <a:ext uri="{FF2B5EF4-FFF2-40B4-BE49-F238E27FC236}">
-                <a16:creationId xmlns="" xmlns:a16="http://schemas.microsoft.com/office/drawing/2014/main" id="{9EDE2778-5372-4104-B96D-968184DA8288}"/>
+                <a16:creationId xmlns:a16="http://schemas.microsoft.com/office/drawing/2014/main" xmlns="" id="{9EDE2778-5372-4104-B96D-968184DA8288}"/>
               </a:ext>
             </a:extLst>
           </p:cNvPr>
@@ -1942,7 +2205,7 @@
           <p:cNvPr id="5" name="Espaço Reservado para Rodapé 4">
             <a:extLst>
               <a:ext uri="{FF2B5EF4-FFF2-40B4-BE49-F238E27FC236}">
-                <a16:creationId xmlns="" xmlns:a16="http://schemas.microsoft.com/office/drawing/2014/main" id="{C1DD0F41-C861-4051-988D-3024A37A4B93}"/>
+                <a16:creationId xmlns:a16="http://schemas.microsoft.com/office/drawing/2014/main" xmlns="" id="{C1DD0F41-C861-4051-988D-3024A37A4B93}"/>
               </a:ext>
             </a:extLst>
           </p:cNvPr>
@@ -1967,7 +2230,7 @@
           <p:cNvPr id="6" name="Espaço Reservado para Número de Slide 5">
             <a:extLst>
               <a:ext uri="{FF2B5EF4-FFF2-40B4-BE49-F238E27FC236}">
-                <a16:creationId xmlns="" xmlns:a16="http://schemas.microsoft.com/office/drawing/2014/main" id="{07E5967E-D980-431A-A5DB-3F0C5030A81E}"/>
+                <a16:creationId xmlns:a16="http://schemas.microsoft.com/office/drawing/2014/main" xmlns="" id="{07E5967E-D980-431A-A5DB-3F0C5030A81E}"/>
               </a:ext>
             </a:extLst>
           </p:cNvPr>
@@ -2026,7 +2289,7 @@
           <p:cNvPr id="2" name="Título 1">
             <a:extLst>
               <a:ext uri="{FF2B5EF4-FFF2-40B4-BE49-F238E27FC236}">
-                <a16:creationId xmlns="" xmlns:a16="http://schemas.microsoft.com/office/drawing/2014/main" id="{9036C49F-3E68-4175-81BA-3C3FEE44308A}"/>
+                <a16:creationId xmlns:a16="http://schemas.microsoft.com/office/drawing/2014/main" xmlns="" id="{9036C49F-3E68-4175-81BA-3C3FEE44308A}"/>
               </a:ext>
             </a:extLst>
           </p:cNvPr>
@@ -2054,7 +2317,7 @@
           <p:cNvPr id="3" name="Espaço Reservado para Texto Vertical 2">
             <a:extLst>
               <a:ext uri="{FF2B5EF4-FFF2-40B4-BE49-F238E27FC236}">
-                <a16:creationId xmlns="" xmlns:a16="http://schemas.microsoft.com/office/drawing/2014/main" id="{426FA736-3DD3-4D4E-B57B-BBE1D8F7D424}"/>
+                <a16:creationId xmlns:a16="http://schemas.microsoft.com/office/drawing/2014/main" xmlns="" id="{426FA736-3DD3-4D4E-B57B-BBE1D8F7D424}"/>
               </a:ext>
             </a:extLst>
           </p:cNvPr>
@@ -2111,7 +2374,7 @@
           <p:cNvPr id="4" name="Espaço Reservado para Data 3">
             <a:extLst>
               <a:ext uri="{FF2B5EF4-FFF2-40B4-BE49-F238E27FC236}">
-                <a16:creationId xmlns="" xmlns:a16="http://schemas.microsoft.com/office/drawing/2014/main" id="{99E8855C-D8FD-48F6-B14E-861E0DE4D915}"/>
+                <a16:creationId xmlns:a16="http://schemas.microsoft.com/office/drawing/2014/main" xmlns="" id="{99E8855C-D8FD-48F6-B14E-861E0DE4D915}"/>
               </a:ext>
             </a:extLst>
           </p:cNvPr>
@@ -2140,7 +2403,7 @@
           <p:cNvPr id="5" name="Espaço Reservado para Rodapé 4">
             <a:extLst>
               <a:ext uri="{FF2B5EF4-FFF2-40B4-BE49-F238E27FC236}">
-                <a16:creationId xmlns="" xmlns:a16="http://schemas.microsoft.com/office/drawing/2014/main" id="{97C0BB88-2F21-42A5-ACFF-83DA47F2D340}"/>
+                <a16:creationId xmlns:a16="http://schemas.microsoft.com/office/drawing/2014/main" xmlns="" id="{97C0BB88-2F21-42A5-ACFF-83DA47F2D340}"/>
               </a:ext>
             </a:extLst>
           </p:cNvPr>
@@ -2165,7 +2428,7 @@
           <p:cNvPr id="6" name="Espaço Reservado para Número de Slide 5">
             <a:extLst>
               <a:ext uri="{FF2B5EF4-FFF2-40B4-BE49-F238E27FC236}">
-                <a16:creationId xmlns="" xmlns:a16="http://schemas.microsoft.com/office/drawing/2014/main" id="{6CB462B3-1F22-4C05-B4B8-7A279FB7D5E9}"/>
+                <a16:creationId xmlns:a16="http://schemas.microsoft.com/office/drawing/2014/main" xmlns="" id="{6CB462B3-1F22-4C05-B4B8-7A279FB7D5E9}"/>
               </a:ext>
             </a:extLst>
           </p:cNvPr>
@@ -2224,7 +2487,7 @@
           <p:cNvPr id="2" name="Título Vertical 1">
             <a:extLst>
               <a:ext uri="{FF2B5EF4-FFF2-40B4-BE49-F238E27FC236}">
-                <a16:creationId xmlns="" xmlns:a16="http://schemas.microsoft.com/office/drawing/2014/main" id="{EAEAB728-701C-4207-A9D5-23FF45C60502}"/>
+                <a16:creationId xmlns:a16="http://schemas.microsoft.com/office/drawing/2014/main" xmlns="" id="{EAEAB728-701C-4207-A9D5-23FF45C60502}"/>
               </a:ext>
             </a:extLst>
           </p:cNvPr>
@@ -2257,7 +2520,7 @@
           <p:cNvPr id="3" name="Espaço Reservado para Texto Vertical 2">
             <a:extLst>
               <a:ext uri="{FF2B5EF4-FFF2-40B4-BE49-F238E27FC236}">
-                <a16:creationId xmlns="" xmlns:a16="http://schemas.microsoft.com/office/drawing/2014/main" id="{BA8C8CCF-7823-480A-9A19-0F664DD17E3B}"/>
+                <a16:creationId xmlns:a16="http://schemas.microsoft.com/office/drawing/2014/main" xmlns="" id="{BA8C8CCF-7823-480A-9A19-0F664DD17E3B}"/>
               </a:ext>
             </a:extLst>
           </p:cNvPr>
@@ -2319,7 +2582,7 @@
           <p:cNvPr id="4" name="Espaço Reservado para Data 3">
             <a:extLst>
               <a:ext uri="{FF2B5EF4-FFF2-40B4-BE49-F238E27FC236}">
-                <a16:creationId xmlns="" xmlns:a16="http://schemas.microsoft.com/office/drawing/2014/main" id="{721D5734-7B1F-425D-942F-6EB73344027C}"/>
+                <a16:creationId xmlns:a16="http://schemas.microsoft.com/office/drawing/2014/main" xmlns="" id="{721D5734-7B1F-425D-942F-6EB73344027C}"/>
               </a:ext>
             </a:extLst>
           </p:cNvPr>
@@ -2348,7 +2611,7 @@
           <p:cNvPr id="5" name="Espaço Reservado para Rodapé 4">
             <a:extLst>
               <a:ext uri="{FF2B5EF4-FFF2-40B4-BE49-F238E27FC236}">
-                <a16:creationId xmlns="" xmlns:a16="http://schemas.microsoft.com/office/drawing/2014/main" id="{1E1AAEAC-F08D-45FE-89EC-B1B349A868C9}"/>
+                <a16:creationId xmlns:a16="http://schemas.microsoft.com/office/drawing/2014/main" xmlns="" id="{1E1AAEAC-F08D-45FE-89EC-B1B349A868C9}"/>
               </a:ext>
             </a:extLst>
           </p:cNvPr>
@@ -2373,7 +2636,7 @@
           <p:cNvPr id="6" name="Espaço Reservado para Número de Slide 5">
             <a:extLst>
               <a:ext uri="{FF2B5EF4-FFF2-40B4-BE49-F238E27FC236}">
-                <a16:creationId xmlns="" xmlns:a16="http://schemas.microsoft.com/office/drawing/2014/main" id="{BAA44493-9911-47B2-87A6-C2141A972BC8}"/>
+                <a16:creationId xmlns:a16="http://schemas.microsoft.com/office/drawing/2014/main" xmlns="" id="{BAA44493-9911-47B2-87A6-C2141A972BC8}"/>
               </a:ext>
             </a:extLst>
           </p:cNvPr>
@@ -2432,7 +2695,7 @@
           <p:cNvPr id="2" name="Título 1">
             <a:extLst>
               <a:ext uri="{FF2B5EF4-FFF2-40B4-BE49-F238E27FC236}">
-                <a16:creationId xmlns="" xmlns:a16="http://schemas.microsoft.com/office/drawing/2014/main" id="{71BD44A5-8F21-4626-A01D-48A1C874B1D5}"/>
+                <a16:creationId xmlns:a16="http://schemas.microsoft.com/office/drawing/2014/main" xmlns="" id="{71BD44A5-8F21-4626-A01D-48A1C874B1D5}"/>
               </a:ext>
             </a:extLst>
           </p:cNvPr>
@@ -2460,7 +2723,7 @@
           <p:cNvPr id="3" name="Espaço Reservado para Conteúdo 2">
             <a:extLst>
               <a:ext uri="{FF2B5EF4-FFF2-40B4-BE49-F238E27FC236}">
-                <a16:creationId xmlns="" xmlns:a16="http://schemas.microsoft.com/office/drawing/2014/main" id="{B79E8085-65A9-48AA-951D-71D978BFF4ED}"/>
+                <a16:creationId xmlns:a16="http://schemas.microsoft.com/office/drawing/2014/main" xmlns="" id="{B79E8085-65A9-48AA-951D-71D978BFF4ED}"/>
               </a:ext>
             </a:extLst>
           </p:cNvPr>
@@ -2517,7 +2780,7 @@
           <p:cNvPr id="4" name="Espaço Reservado para Data 3">
             <a:extLst>
               <a:ext uri="{FF2B5EF4-FFF2-40B4-BE49-F238E27FC236}">
-                <a16:creationId xmlns="" xmlns:a16="http://schemas.microsoft.com/office/drawing/2014/main" id="{F05BE1AF-51EA-425D-B188-DE7BD675009F}"/>
+                <a16:creationId xmlns:a16="http://schemas.microsoft.com/office/drawing/2014/main" xmlns="" id="{F05BE1AF-51EA-425D-B188-DE7BD675009F}"/>
               </a:ext>
             </a:extLst>
           </p:cNvPr>
@@ -2546,7 +2809,7 @@
           <p:cNvPr id="5" name="Espaço Reservado para Rodapé 4">
             <a:extLst>
               <a:ext uri="{FF2B5EF4-FFF2-40B4-BE49-F238E27FC236}">
-                <a16:creationId xmlns="" xmlns:a16="http://schemas.microsoft.com/office/drawing/2014/main" id="{121BE632-29CF-4CB9-B365-C9EF38F89BE6}"/>
+                <a16:creationId xmlns:a16="http://schemas.microsoft.com/office/drawing/2014/main" xmlns="" id="{121BE632-29CF-4CB9-B365-C9EF38F89BE6}"/>
               </a:ext>
             </a:extLst>
           </p:cNvPr>
@@ -2571,7 +2834,7 @@
           <p:cNvPr id="6" name="Espaço Reservado para Número de Slide 5">
             <a:extLst>
               <a:ext uri="{FF2B5EF4-FFF2-40B4-BE49-F238E27FC236}">
-                <a16:creationId xmlns="" xmlns:a16="http://schemas.microsoft.com/office/drawing/2014/main" id="{60CF3DD1-9AEC-4A57-B461-4E4DD86FAC18}"/>
+                <a16:creationId xmlns:a16="http://schemas.microsoft.com/office/drawing/2014/main" xmlns="" id="{60CF3DD1-9AEC-4A57-B461-4E4DD86FAC18}"/>
               </a:ext>
             </a:extLst>
           </p:cNvPr>
@@ -2630,7 +2893,7 @@
           <p:cNvPr id="2" name="Título 1">
             <a:extLst>
               <a:ext uri="{FF2B5EF4-FFF2-40B4-BE49-F238E27FC236}">
-                <a16:creationId xmlns="" xmlns:a16="http://schemas.microsoft.com/office/drawing/2014/main" id="{34AB2FF0-A4D7-4E28-991D-FF26140D5988}"/>
+                <a16:creationId xmlns:a16="http://schemas.microsoft.com/office/drawing/2014/main" xmlns="" id="{34AB2FF0-A4D7-4E28-991D-FF26140D5988}"/>
               </a:ext>
             </a:extLst>
           </p:cNvPr>
@@ -2667,7 +2930,7 @@
           <p:cNvPr id="3" name="Espaço Reservado para Texto 2">
             <a:extLst>
               <a:ext uri="{FF2B5EF4-FFF2-40B4-BE49-F238E27FC236}">
-                <a16:creationId xmlns="" xmlns:a16="http://schemas.microsoft.com/office/drawing/2014/main" id="{E2AC45B0-4145-40DB-8E61-105461170604}"/>
+                <a16:creationId xmlns:a16="http://schemas.microsoft.com/office/drawing/2014/main" xmlns="" id="{E2AC45B0-4145-40DB-8E61-105461170604}"/>
               </a:ext>
             </a:extLst>
           </p:cNvPr>
@@ -2792,7 +3055,7 @@
           <p:cNvPr id="4" name="Espaço Reservado para Data 3">
             <a:extLst>
               <a:ext uri="{FF2B5EF4-FFF2-40B4-BE49-F238E27FC236}">
-                <a16:creationId xmlns="" xmlns:a16="http://schemas.microsoft.com/office/drawing/2014/main" id="{50F1D3FB-740A-4EBA-A309-2CE71D12ECFB}"/>
+                <a16:creationId xmlns:a16="http://schemas.microsoft.com/office/drawing/2014/main" xmlns="" id="{50F1D3FB-740A-4EBA-A309-2CE71D12ECFB}"/>
               </a:ext>
             </a:extLst>
           </p:cNvPr>
@@ -2821,7 +3084,7 @@
           <p:cNvPr id="5" name="Espaço Reservado para Rodapé 4">
             <a:extLst>
               <a:ext uri="{FF2B5EF4-FFF2-40B4-BE49-F238E27FC236}">
-                <a16:creationId xmlns="" xmlns:a16="http://schemas.microsoft.com/office/drawing/2014/main" id="{BDCAB18F-8715-4465-A940-F9C193A2ACE9}"/>
+                <a16:creationId xmlns:a16="http://schemas.microsoft.com/office/drawing/2014/main" xmlns="" id="{BDCAB18F-8715-4465-A940-F9C193A2ACE9}"/>
               </a:ext>
             </a:extLst>
           </p:cNvPr>
@@ -2846,7 +3109,7 @@
           <p:cNvPr id="6" name="Espaço Reservado para Número de Slide 5">
             <a:extLst>
               <a:ext uri="{FF2B5EF4-FFF2-40B4-BE49-F238E27FC236}">
-                <a16:creationId xmlns="" xmlns:a16="http://schemas.microsoft.com/office/drawing/2014/main" id="{353466C6-8248-429F-8056-FF040BF509EB}"/>
+                <a16:creationId xmlns:a16="http://schemas.microsoft.com/office/drawing/2014/main" xmlns="" id="{353466C6-8248-429F-8056-FF040BF509EB}"/>
               </a:ext>
             </a:extLst>
           </p:cNvPr>
@@ -2905,7 +3168,7 @@
           <p:cNvPr id="2" name="Título 1">
             <a:extLst>
               <a:ext uri="{FF2B5EF4-FFF2-40B4-BE49-F238E27FC236}">
-                <a16:creationId xmlns="" xmlns:a16="http://schemas.microsoft.com/office/drawing/2014/main" id="{BC7BB9F0-F14B-4A91-B2B7-35BC47FE4DE7}"/>
+                <a16:creationId xmlns:a16="http://schemas.microsoft.com/office/drawing/2014/main" xmlns="" id="{BC7BB9F0-F14B-4A91-B2B7-35BC47FE4DE7}"/>
               </a:ext>
             </a:extLst>
           </p:cNvPr>
@@ -2933,7 +3196,7 @@
           <p:cNvPr id="3" name="Espaço Reservado para Conteúdo 2">
             <a:extLst>
               <a:ext uri="{FF2B5EF4-FFF2-40B4-BE49-F238E27FC236}">
-                <a16:creationId xmlns="" xmlns:a16="http://schemas.microsoft.com/office/drawing/2014/main" id="{EC1FC1C4-73DA-47A6-8496-B0B457F7D39A}"/>
+                <a16:creationId xmlns:a16="http://schemas.microsoft.com/office/drawing/2014/main" xmlns="" id="{EC1FC1C4-73DA-47A6-8496-B0B457F7D39A}"/>
               </a:ext>
             </a:extLst>
           </p:cNvPr>
@@ -2995,7 +3258,7 @@
           <p:cNvPr id="4" name="Espaço Reservado para Conteúdo 3">
             <a:extLst>
               <a:ext uri="{FF2B5EF4-FFF2-40B4-BE49-F238E27FC236}">
-                <a16:creationId xmlns="" xmlns:a16="http://schemas.microsoft.com/office/drawing/2014/main" id="{E92F06A8-A449-4D92-9912-76873E529B38}"/>
+                <a16:creationId xmlns:a16="http://schemas.microsoft.com/office/drawing/2014/main" xmlns="" id="{E92F06A8-A449-4D92-9912-76873E529B38}"/>
               </a:ext>
             </a:extLst>
           </p:cNvPr>
@@ -3057,7 +3320,7 @@
           <p:cNvPr id="5" name="Espaço Reservado para Data 4">
             <a:extLst>
               <a:ext uri="{FF2B5EF4-FFF2-40B4-BE49-F238E27FC236}">
-                <a16:creationId xmlns="" xmlns:a16="http://schemas.microsoft.com/office/drawing/2014/main" id="{938070A4-BC2F-4D55-BD8D-DEAF11BB9EE9}"/>
+                <a16:creationId xmlns:a16="http://schemas.microsoft.com/office/drawing/2014/main" xmlns="" id="{938070A4-BC2F-4D55-BD8D-DEAF11BB9EE9}"/>
               </a:ext>
             </a:extLst>
           </p:cNvPr>
@@ -3086,7 +3349,7 @@
           <p:cNvPr id="6" name="Espaço Reservado para Rodapé 5">
             <a:extLst>
               <a:ext uri="{FF2B5EF4-FFF2-40B4-BE49-F238E27FC236}">
-                <a16:creationId xmlns="" xmlns:a16="http://schemas.microsoft.com/office/drawing/2014/main" id="{45CC2DB8-844A-465F-BA9A-7734C80C7F43}"/>
+                <a16:creationId xmlns:a16="http://schemas.microsoft.com/office/drawing/2014/main" xmlns="" id="{45CC2DB8-844A-465F-BA9A-7734C80C7F43}"/>
               </a:ext>
             </a:extLst>
           </p:cNvPr>
@@ -3111,7 +3374,7 @@
           <p:cNvPr id="7" name="Espaço Reservado para Número de Slide 6">
             <a:extLst>
               <a:ext uri="{FF2B5EF4-FFF2-40B4-BE49-F238E27FC236}">
-                <a16:creationId xmlns="" xmlns:a16="http://schemas.microsoft.com/office/drawing/2014/main" id="{4CC606A8-097B-4040-94E0-CD8C88280D8F}"/>
+                <a16:creationId xmlns:a16="http://schemas.microsoft.com/office/drawing/2014/main" xmlns="" id="{4CC606A8-097B-4040-94E0-CD8C88280D8F}"/>
               </a:ext>
             </a:extLst>
           </p:cNvPr>
@@ -3170,7 +3433,7 @@
           <p:cNvPr id="2" name="Título 1">
             <a:extLst>
               <a:ext uri="{FF2B5EF4-FFF2-40B4-BE49-F238E27FC236}">
-                <a16:creationId xmlns="" xmlns:a16="http://schemas.microsoft.com/office/drawing/2014/main" id="{76D66686-0143-4CB6-8C09-BA326F1E7ACA}"/>
+                <a16:creationId xmlns:a16="http://schemas.microsoft.com/office/drawing/2014/main" xmlns="" id="{76D66686-0143-4CB6-8C09-BA326F1E7ACA}"/>
               </a:ext>
             </a:extLst>
           </p:cNvPr>
@@ -3203,7 +3466,7 @@
           <p:cNvPr id="3" name="Espaço Reservado para Texto 2">
             <a:extLst>
               <a:ext uri="{FF2B5EF4-FFF2-40B4-BE49-F238E27FC236}">
-                <a16:creationId xmlns="" xmlns:a16="http://schemas.microsoft.com/office/drawing/2014/main" id="{0227AB85-F59E-4BCE-B846-4FA0992C2F23}"/>
+                <a16:creationId xmlns:a16="http://schemas.microsoft.com/office/drawing/2014/main" xmlns="" id="{0227AB85-F59E-4BCE-B846-4FA0992C2F23}"/>
               </a:ext>
             </a:extLst>
           </p:cNvPr>
@@ -3274,7 +3537,7 @@
           <p:cNvPr id="4" name="Espaço Reservado para Conteúdo 3">
             <a:extLst>
               <a:ext uri="{FF2B5EF4-FFF2-40B4-BE49-F238E27FC236}">
-                <a16:creationId xmlns="" xmlns:a16="http://schemas.microsoft.com/office/drawing/2014/main" id="{3373456C-7319-4D0A-827D-D29F6B083F5D}"/>
+                <a16:creationId xmlns:a16="http://schemas.microsoft.com/office/drawing/2014/main" xmlns="" id="{3373456C-7319-4D0A-827D-D29F6B083F5D}"/>
               </a:ext>
             </a:extLst>
           </p:cNvPr>
@@ -3336,7 +3599,7 @@
           <p:cNvPr id="5" name="Espaço Reservado para Texto 4">
             <a:extLst>
               <a:ext uri="{FF2B5EF4-FFF2-40B4-BE49-F238E27FC236}">
-                <a16:creationId xmlns="" xmlns:a16="http://schemas.microsoft.com/office/drawing/2014/main" id="{4CD109D0-2E83-4262-8029-A871CEC47406}"/>
+                <a16:creationId xmlns:a16="http://schemas.microsoft.com/office/drawing/2014/main" xmlns="" id="{4CD109D0-2E83-4262-8029-A871CEC47406}"/>
               </a:ext>
             </a:extLst>
           </p:cNvPr>
@@ -3407,7 +3670,7 @@
           <p:cNvPr id="6" name="Espaço Reservado para Conteúdo 5">
             <a:extLst>
               <a:ext uri="{FF2B5EF4-FFF2-40B4-BE49-F238E27FC236}">
-                <a16:creationId xmlns="" xmlns:a16="http://schemas.microsoft.com/office/drawing/2014/main" id="{AD706E3A-CFBB-4A6C-A65F-D0360A9E74FE}"/>
+                <a16:creationId xmlns:a16="http://schemas.microsoft.com/office/drawing/2014/main" xmlns="" id="{AD706E3A-CFBB-4A6C-A65F-D0360A9E74FE}"/>
               </a:ext>
             </a:extLst>
           </p:cNvPr>
@@ -3469,7 +3732,7 @@
           <p:cNvPr id="7" name="Espaço Reservado para Data 6">
             <a:extLst>
               <a:ext uri="{FF2B5EF4-FFF2-40B4-BE49-F238E27FC236}">
-                <a16:creationId xmlns="" xmlns:a16="http://schemas.microsoft.com/office/drawing/2014/main" id="{4172C0E5-5AF0-4805-BB51-443733CD2BD5}"/>
+                <a16:creationId xmlns:a16="http://schemas.microsoft.com/office/drawing/2014/main" xmlns="" id="{4172C0E5-5AF0-4805-BB51-443733CD2BD5}"/>
               </a:ext>
             </a:extLst>
           </p:cNvPr>
@@ -3498,7 +3761,7 @@
           <p:cNvPr id="8" name="Espaço Reservado para Rodapé 7">
             <a:extLst>
               <a:ext uri="{FF2B5EF4-FFF2-40B4-BE49-F238E27FC236}">
-                <a16:creationId xmlns="" xmlns:a16="http://schemas.microsoft.com/office/drawing/2014/main" id="{0E801648-156F-497E-99CF-797DF48051E1}"/>
+                <a16:creationId xmlns:a16="http://schemas.microsoft.com/office/drawing/2014/main" xmlns="" id="{0E801648-156F-497E-99CF-797DF48051E1}"/>
               </a:ext>
             </a:extLst>
           </p:cNvPr>
@@ -3523,7 +3786,7 @@
           <p:cNvPr id="9" name="Espaço Reservado para Número de Slide 8">
             <a:extLst>
               <a:ext uri="{FF2B5EF4-FFF2-40B4-BE49-F238E27FC236}">
-                <a16:creationId xmlns="" xmlns:a16="http://schemas.microsoft.com/office/drawing/2014/main" id="{EEE23D32-80E7-4796-A137-66BF842E4B53}"/>
+                <a16:creationId xmlns:a16="http://schemas.microsoft.com/office/drawing/2014/main" xmlns="" id="{EEE23D32-80E7-4796-A137-66BF842E4B53}"/>
               </a:ext>
             </a:extLst>
           </p:cNvPr>
@@ -3582,7 +3845,7 @@
           <p:cNvPr id="2" name="Título 1">
             <a:extLst>
               <a:ext uri="{FF2B5EF4-FFF2-40B4-BE49-F238E27FC236}">
-                <a16:creationId xmlns="" xmlns:a16="http://schemas.microsoft.com/office/drawing/2014/main" id="{2BCE2379-C78F-47E1-8CFC-B846E7AF148D}"/>
+                <a16:creationId xmlns:a16="http://schemas.microsoft.com/office/drawing/2014/main" xmlns="" id="{2BCE2379-C78F-47E1-8CFC-B846E7AF148D}"/>
               </a:ext>
             </a:extLst>
           </p:cNvPr>
@@ -3610,7 +3873,7 @@
           <p:cNvPr id="3" name="Espaço Reservado para Data 2">
             <a:extLst>
               <a:ext uri="{FF2B5EF4-FFF2-40B4-BE49-F238E27FC236}">
-                <a16:creationId xmlns="" xmlns:a16="http://schemas.microsoft.com/office/drawing/2014/main" id="{342600A9-7F92-4E22-9D94-E4717252A817}"/>
+                <a16:creationId xmlns:a16="http://schemas.microsoft.com/office/drawing/2014/main" xmlns="" id="{342600A9-7F92-4E22-9D94-E4717252A817}"/>
               </a:ext>
             </a:extLst>
           </p:cNvPr>
@@ -3639,7 +3902,7 @@
           <p:cNvPr id="4" name="Espaço Reservado para Rodapé 3">
             <a:extLst>
               <a:ext uri="{FF2B5EF4-FFF2-40B4-BE49-F238E27FC236}">
-                <a16:creationId xmlns="" xmlns:a16="http://schemas.microsoft.com/office/drawing/2014/main" id="{192E6BED-F546-40CC-A2DF-99CBA853654E}"/>
+                <a16:creationId xmlns:a16="http://schemas.microsoft.com/office/drawing/2014/main" xmlns="" id="{192E6BED-F546-40CC-A2DF-99CBA853654E}"/>
               </a:ext>
             </a:extLst>
           </p:cNvPr>
@@ -3664,7 +3927,7 @@
           <p:cNvPr id="5" name="Espaço Reservado para Número de Slide 4">
             <a:extLst>
               <a:ext uri="{FF2B5EF4-FFF2-40B4-BE49-F238E27FC236}">
-                <a16:creationId xmlns="" xmlns:a16="http://schemas.microsoft.com/office/drawing/2014/main" id="{6091CC40-A8C4-4063-80EB-CC5099621678}"/>
+                <a16:creationId xmlns:a16="http://schemas.microsoft.com/office/drawing/2014/main" xmlns="" id="{6091CC40-A8C4-4063-80EB-CC5099621678}"/>
               </a:ext>
             </a:extLst>
           </p:cNvPr>
@@ -3723,7 +3986,7 @@
           <p:cNvPr id="2" name="Espaço Reservado para Data 1">
             <a:extLst>
               <a:ext uri="{FF2B5EF4-FFF2-40B4-BE49-F238E27FC236}">
-                <a16:creationId xmlns="" xmlns:a16="http://schemas.microsoft.com/office/drawing/2014/main" id="{DD19515C-212C-4EAE-84A3-8FF4BC844F1B}"/>
+                <a16:creationId xmlns:a16="http://schemas.microsoft.com/office/drawing/2014/main" xmlns="" id="{DD19515C-212C-4EAE-84A3-8FF4BC844F1B}"/>
               </a:ext>
             </a:extLst>
           </p:cNvPr>
@@ -3752,7 +4015,7 @@
           <p:cNvPr id="3" name="Espaço Reservado para Rodapé 2">
             <a:extLst>
               <a:ext uri="{FF2B5EF4-FFF2-40B4-BE49-F238E27FC236}">
-                <a16:creationId xmlns="" xmlns:a16="http://schemas.microsoft.com/office/drawing/2014/main" id="{94D3D120-B3E8-4C96-861D-7A4F12F49B3A}"/>
+                <a16:creationId xmlns:a16="http://schemas.microsoft.com/office/drawing/2014/main" xmlns="" id="{94D3D120-B3E8-4C96-861D-7A4F12F49B3A}"/>
               </a:ext>
             </a:extLst>
           </p:cNvPr>
@@ -3777,7 +4040,7 @@
           <p:cNvPr id="4" name="Espaço Reservado para Número de Slide 3">
             <a:extLst>
               <a:ext uri="{FF2B5EF4-FFF2-40B4-BE49-F238E27FC236}">
-                <a16:creationId xmlns="" xmlns:a16="http://schemas.microsoft.com/office/drawing/2014/main" id="{42E49B68-FA1B-468B-9F17-D5C09243D454}"/>
+                <a16:creationId xmlns:a16="http://schemas.microsoft.com/office/drawing/2014/main" xmlns="" id="{42E49B68-FA1B-468B-9F17-D5C09243D454}"/>
               </a:ext>
             </a:extLst>
           </p:cNvPr>
@@ -3836,7 +4099,7 @@
           <p:cNvPr id="2" name="Título 1">
             <a:extLst>
               <a:ext uri="{FF2B5EF4-FFF2-40B4-BE49-F238E27FC236}">
-                <a16:creationId xmlns="" xmlns:a16="http://schemas.microsoft.com/office/drawing/2014/main" id="{1C17BCBE-A897-4319-85EC-D87909C24980}"/>
+                <a16:creationId xmlns:a16="http://schemas.microsoft.com/office/drawing/2014/main" xmlns="" id="{1C17BCBE-A897-4319-85EC-D87909C24980}"/>
               </a:ext>
             </a:extLst>
           </p:cNvPr>
@@ -3873,7 +4136,7 @@
           <p:cNvPr id="3" name="Espaço Reservado para Conteúdo 2">
             <a:extLst>
               <a:ext uri="{FF2B5EF4-FFF2-40B4-BE49-F238E27FC236}">
-                <a16:creationId xmlns="" xmlns:a16="http://schemas.microsoft.com/office/drawing/2014/main" id="{4226F885-0204-4913-868B-4B8B82576F17}"/>
+                <a16:creationId xmlns:a16="http://schemas.microsoft.com/office/drawing/2014/main" xmlns="" id="{4226F885-0204-4913-868B-4B8B82576F17}"/>
               </a:ext>
             </a:extLst>
           </p:cNvPr>
@@ -3963,7 +4226,7 @@
           <p:cNvPr id="4" name="Espaço Reservado para Texto 3">
             <a:extLst>
               <a:ext uri="{FF2B5EF4-FFF2-40B4-BE49-F238E27FC236}">
-                <a16:creationId xmlns="" xmlns:a16="http://schemas.microsoft.com/office/drawing/2014/main" id="{00F9F784-A858-441B-8AB5-697098141751}"/>
+                <a16:creationId xmlns:a16="http://schemas.microsoft.com/office/drawing/2014/main" xmlns="" id="{00F9F784-A858-441B-8AB5-697098141751}"/>
               </a:ext>
             </a:extLst>
           </p:cNvPr>
@@ -4034,7 +4297,7 @@
           <p:cNvPr id="5" name="Espaço Reservado para Data 4">
             <a:extLst>
               <a:ext uri="{FF2B5EF4-FFF2-40B4-BE49-F238E27FC236}">
-                <a16:creationId xmlns="" xmlns:a16="http://schemas.microsoft.com/office/drawing/2014/main" id="{A4DC363A-5000-472E-8B17-02E7DCB8840A}"/>
+                <a16:creationId xmlns:a16="http://schemas.microsoft.com/office/drawing/2014/main" xmlns="" id="{A4DC363A-5000-472E-8B17-02E7DCB8840A}"/>
               </a:ext>
             </a:extLst>
           </p:cNvPr>
@@ -4063,7 +4326,7 @@
           <p:cNvPr id="6" name="Espaço Reservado para Rodapé 5">
             <a:extLst>
               <a:ext uri="{FF2B5EF4-FFF2-40B4-BE49-F238E27FC236}">
-                <a16:creationId xmlns="" xmlns:a16="http://schemas.microsoft.com/office/drawing/2014/main" id="{5548425D-2C21-4C56-BAD4-662978775C28}"/>
+                <a16:creationId xmlns:a16="http://schemas.microsoft.com/office/drawing/2014/main" xmlns="" id="{5548425D-2C21-4C56-BAD4-662978775C28}"/>
               </a:ext>
             </a:extLst>
           </p:cNvPr>
@@ -4088,7 +4351,7 @@
           <p:cNvPr id="7" name="Espaço Reservado para Número de Slide 6">
             <a:extLst>
               <a:ext uri="{FF2B5EF4-FFF2-40B4-BE49-F238E27FC236}">
-                <a16:creationId xmlns="" xmlns:a16="http://schemas.microsoft.com/office/drawing/2014/main" id="{C63E9726-E64C-42B2-AE8A-8C235A956B48}"/>
+                <a16:creationId xmlns:a16="http://schemas.microsoft.com/office/drawing/2014/main" xmlns="" id="{C63E9726-E64C-42B2-AE8A-8C235A956B48}"/>
               </a:ext>
             </a:extLst>
           </p:cNvPr>
@@ -4147,7 +4410,7 @@
           <p:cNvPr id="2" name="Título 1">
             <a:extLst>
               <a:ext uri="{FF2B5EF4-FFF2-40B4-BE49-F238E27FC236}">
-                <a16:creationId xmlns="" xmlns:a16="http://schemas.microsoft.com/office/drawing/2014/main" id="{11086A78-3E74-450C-96A6-CA8AC37AF772}"/>
+                <a16:creationId xmlns:a16="http://schemas.microsoft.com/office/drawing/2014/main" xmlns="" id="{11086A78-3E74-450C-96A6-CA8AC37AF772}"/>
               </a:ext>
             </a:extLst>
           </p:cNvPr>
@@ -4184,7 +4447,7 @@
           <p:cNvPr id="3" name="Espaço Reservado para Imagem 2">
             <a:extLst>
               <a:ext uri="{FF2B5EF4-FFF2-40B4-BE49-F238E27FC236}">
-                <a16:creationId xmlns="" xmlns:a16="http://schemas.microsoft.com/office/drawing/2014/main" id="{5F5B7312-975A-4DBC-9B2F-3652ADA006FD}"/>
+                <a16:creationId xmlns:a16="http://schemas.microsoft.com/office/drawing/2014/main" xmlns="" id="{5F5B7312-975A-4DBC-9B2F-3652ADA006FD}"/>
               </a:ext>
             </a:extLst>
           </p:cNvPr>
@@ -4251,7 +4514,7 @@
           <p:cNvPr id="4" name="Espaço Reservado para Texto 3">
             <a:extLst>
               <a:ext uri="{FF2B5EF4-FFF2-40B4-BE49-F238E27FC236}">
-                <a16:creationId xmlns="" xmlns:a16="http://schemas.microsoft.com/office/drawing/2014/main" id="{AAF805F5-1DFF-41C6-944C-7D79FE0D0963}"/>
+                <a16:creationId xmlns:a16="http://schemas.microsoft.com/office/drawing/2014/main" xmlns="" id="{AAF805F5-1DFF-41C6-944C-7D79FE0D0963}"/>
               </a:ext>
             </a:extLst>
           </p:cNvPr>
@@ -4322,7 +4585,7 @@
           <p:cNvPr id="5" name="Espaço Reservado para Data 4">
             <a:extLst>
               <a:ext uri="{FF2B5EF4-FFF2-40B4-BE49-F238E27FC236}">
-                <a16:creationId xmlns="" xmlns:a16="http://schemas.microsoft.com/office/drawing/2014/main" id="{02113D81-8665-4516-BD81-C6A1F254EECD}"/>
+                <a16:creationId xmlns:a16="http://schemas.microsoft.com/office/drawing/2014/main" xmlns="" id="{02113D81-8665-4516-BD81-C6A1F254EECD}"/>
               </a:ext>
             </a:extLst>
           </p:cNvPr>
@@ -4351,7 +4614,7 @@
           <p:cNvPr id="6" name="Espaço Reservado para Rodapé 5">
             <a:extLst>
               <a:ext uri="{FF2B5EF4-FFF2-40B4-BE49-F238E27FC236}">
-                <a16:creationId xmlns="" xmlns:a16="http://schemas.microsoft.com/office/drawing/2014/main" id="{2B00C88B-FF32-40AA-A187-727D96FD7862}"/>
+                <a16:creationId xmlns:a16="http://schemas.microsoft.com/office/drawing/2014/main" xmlns="" id="{2B00C88B-FF32-40AA-A187-727D96FD7862}"/>
               </a:ext>
             </a:extLst>
           </p:cNvPr>
@@ -4376,7 +4639,7 @@
           <p:cNvPr id="7" name="Espaço Reservado para Número de Slide 6">
             <a:extLst>
               <a:ext uri="{FF2B5EF4-FFF2-40B4-BE49-F238E27FC236}">
-                <a16:creationId xmlns="" xmlns:a16="http://schemas.microsoft.com/office/drawing/2014/main" id="{A04D1A2D-69F7-4B8F-A730-BC26DC340BA6}"/>
+                <a16:creationId xmlns:a16="http://schemas.microsoft.com/office/drawing/2014/main" xmlns="" id="{A04D1A2D-69F7-4B8F-A730-BC26DC340BA6}"/>
               </a:ext>
             </a:extLst>
           </p:cNvPr>
@@ -4440,7 +4703,7 @@
           <p:cNvPr id="2" name="Espaço Reservado para Título 1">
             <a:extLst>
               <a:ext uri="{FF2B5EF4-FFF2-40B4-BE49-F238E27FC236}">
-                <a16:creationId xmlns="" xmlns:a16="http://schemas.microsoft.com/office/drawing/2014/main" id="{E69A0273-1966-4A1B-9370-4C1CE5036371}"/>
+                <a16:creationId xmlns:a16="http://schemas.microsoft.com/office/drawing/2014/main" xmlns="" id="{E69A0273-1966-4A1B-9370-4C1CE5036371}"/>
               </a:ext>
             </a:extLst>
           </p:cNvPr>
@@ -4478,7 +4741,7 @@
           <p:cNvPr id="3" name="Espaço Reservado para Texto 2">
             <a:extLst>
               <a:ext uri="{FF2B5EF4-FFF2-40B4-BE49-F238E27FC236}">
-                <a16:creationId xmlns="" xmlns:a16="http://schemas.microsoft.com/office/drawing/2014/main" id="{3B9CF87A-0448-49A7-AB25-EBC1D56A40EF}"/>
+                <a16:creationId xmlns:a16="http://schemas.microsoft.com/office/drawing/2014/main" xmlns="" id="{3B9CF87A-0448-49A7-AB25-EBC1D56A40EF}"/>
               </a:ext>
             </a:extLst>
           </p:cNvPr>
@@ -4545,7 +4808,7 @@
           <p:cNvPr id="4" name="Espaço Reservado para Data 3">
             <a:extLst>
               <a:ext uri="{FF2B5EF4-FFF2-40B4-BE49-F238E27FC236}">
-                <a16:creationId xmlns="" xmlns:a16="http://schemas.microsoft.com/office/drawing/2014/main" id="{2EF7B1F2-BB5A-44D0-816D-16AD2C71430E}"/>
+                <a16:creationId xmlns:a16="http://schemas.microsoft.com/office/drawing/2014/main" xmlns="" id="{2EF7B1F2-BB5A-44D0-816D-16AD2C71430E}"/>
               </a:ext>
             </a:extLst>
           </p:cNvPr>
@@ -4592,7 +4855,7 @@
           <p:cNvPr id="5" name="Espaço Reservado para Rodapé 4">
             <a:extLst>
               <a:ext uri="{FF2B5EF4-FFF2-40B4-BE49-F238E27FC236}">
-                <a16:creationId xmlns="" xmlns:a16="http://schemas.microsoft.com/office/drawing/2014/main" id="{C703F94C-2CC8-4DAA-BC35-14FC3E841DCD}"/>
+                <a16:creationId xmlns:a16="http://schemas.microsoft.com/office/drawing/2014/main" xmlns="" id="{C703F94C-2CC8-4DAA-BC35-14FC3E841DCD}"/>
               </a:ext>
             </a:extLst>
           </p:cNvPr>
@@ -4635,7 +4898,7 @@
           <p:cNvPr id="6" name="Espaço Reservado para Número de Slide 5">
             <a:extLst>
               <a:ext uri="{FF2B5EF4-FFF2-40B4-BE49-F238E27FC236}">
-                <a16:creationId xmlns="" xmlns:a16="http://schemas.microsoft.com/office/drawing/2014/main" id="{64051336-7048-457A-8B61-D94291D71648}"/>
+                <a16:creationId xmlns:a16="http://schemas.microsoft.com/office/drawing/2014/main" xmlns="" id="{64051336-7048-457A-8B61-D94291D71648}"/>
               </a:ext>
             </a:extLst>
           </p:cNvPr>
@@ -5003,7 +5266,7 @@
           <p:cNvPr id="2" name="Título 1">
             <a:extLst>
               <a:ext uri="{FF2B5EF4-FFF2-40B4-BE49-F238E27FC236}">
-                <a16:creationId xmlns="" xmlns:a16="http://schemas.microsoft.com/office/drawing/2014/main" id="{32666AC8-2E17-4DB4-B0F5-60C640CCFD2E}"/>
+                <a16:creationId xmlns:a16="http://schemas.microsoft.com/office/drawing/2014/main" xmlns="" id="{32666AC8-2E17-4DB4-B0F5-60C640CCFD2E}"/>
               </a:ext>
             </a:extLst>
           </p:cNvPr>
@@ -5050,7 +5313,7 @@
           <p:cNvPr id="4" name="CaixaDeTexto 3">
             <a:extLst>
               <a:ext uri="{FF2B5EF4-FFF2-40B4-BE49-F238E27FC236}">
-                <a16:creationId xmlns="" xmlns:a16="http://schemas.microsoft.com/office/drawing/2014/main" id="{430EB894-B7D4-434C-9D1A-A14094D9BEEC}"/>
+                <a16:creationId xmlns:a16="http://schemas.microsoft.com/office/drawing/2014/main" xmlns="" id="{430EB894-B7D4-434C-9D1A-A14094D9BEEC}"/>
               </a:ext>
             </a:extLst>
           </p:cNvPr>
@@ -5101,7 +5364,7 @@
           <p:cNvPr id="1026" name="Picture 2" descr="Logo">
             <a:extLst>
               <a:ext uri="{FF2B5EF4-FFF2-40B4-BE49-F238E27FC236}">
-                <a16:creationId xmlns="" xmlns:a16="http://schemas.microsoft.com/office/drawing/2014/main" id="{3F2642E0-4F6A-4196-8F58-E77D36E9A33F}"/>
+                <a16:creationId xmlns:a16="http://schemas.microsoft.com/office/drawing/2014/main" xmlns="" id="{3F2642E0-4F6A-4196-8F58-E77D36E9A33F}"/>
               </a:ext>
             </a:extLst>
           </p:cNvPr>
@@ -5146,7 +5409,7 @@
           <p:cNvPr id="5122" name="Picture 2" descr="Image result for machine learning">
             <a:extLst>
               <a:ext uri="{FF2B5EF4-FFF2-40B4-BE49-F238E27FC236}">
-                <a16:creationId xmlns="" xmlns:a16="http://schemas.microsoft.com/office/drawing/2014/main" id="{810CE0A2-4102-44A6-A370-175E7896CDCB}"/>
+                <a16:creationId xmlns:a16="http://schemas.microsoft.com/office/drawing/2014/main" xmlns="" id="{810CE0A2-4102-44A6-A370-175E7896CDCB}"/>
               </a:ext>
             </a:extLst>
           </p:cNvPr>
@@ -5214,7 +5477,7 @@
         <p:cNvPr id="1" name="">
           <a:extLst>
             <a:ext uri="{FF2B5EF4-FFF2-40B4-BE49-F238E27FC236}">
-              <a16:creationId xmlns="" xmlns:a16="http://schemas.microsoft.com/office/drawing/2014/main" id="{B28A9759-CA4F-DA4F-85C2-F6E51DCED2D9}"/>
+              <a16:creationId xmlns:a16="http://schemas.microsoft.com/office/drawing/2014/main" xmlns="" id="{B28A9759-CA4F-DA4F-85C2-F6E51DCED2D9}"/>
             </a:ext>
           </a:extLst>
         </p:cNvPr>
@@ -5234,7 +5497,7 @@
           <p:cNvPr id="2" name="Título 1">
             <a:extLst>
               <a:ext uri="{FF2B5EF4-FFF2-40B4-BE49-F238E27FC236}">
-                <a16:creationId xmlns="" xmlns:a16="http://schemas.microsoft.com/office/drawing/2014/main" id="{072F732D-34CE-6153-324F-D7F6821577F0}"/>
+                <a16:creationId xmlns:a16="http://schemas.microsoft.com/office/drawing/2014/main" xmlns="" id="{072F732D-34CE-6153-324F-D7F6821577F0}"/>
               </a:ext>
             </a:extLst>
           </p:cNvPr>
@@ -5263,7 +5526,7 @@
           <p:cNvPr id="3" name="Espaço Reservado para Conteúdo 2">
             <a:extLst>
               <a:ext uri="{FF2B5EF4-FFF2-40B4-BE49-F238E27FC236}">
-                <a16:creationId xmlns="" xmlns:a16="http://schemas.microsoft.com/office/drawing/2014/main" id="{62A55622-8E11-E5D7-8EAF-7AE2CCAA3321}"/>
+                <a16:creationId xmlns:a16="http://schemas.microsoft.com/office/drawing/2014/main" xmlns="" id="{62A55622-8E11-E5D7-8EAF-7AE2CCAA3321}"/>
               </a:ext>
             </a:extLst>
           </p:cNvPr>
@@ -6716,15 +6979,7 @@
           <a:p>
             <a:r>
               <a:rPr lang="pt-BR" dirty="0" smtClean="0"/>
-              <a:t>Em 2014, </a:t>
-            </a:r>
-            <a:r>
-              <a:rPr lang="pt-BR" dirty="0" smtClean="0"/>
-              <a:t>durante um evento no reino unido, u</a:t>
-            </a:r>
-            <a:r>
-              <a:rPr lang="pt-BR" dirty="0" smtClean="0"/>
-              <a:t>m </a:t>
+              <a:t>Em 2014, durante um evento no reino unido, um </a:t>
             </a:r>
             <a:r>
               <a:rPr lang="pt-BR" i="1" dirty="0" err="1"/>
@@ -6952,11 +7207,7 @@
             </a:r>
             <a:r>
               <a:rPr lang="pt-BR" dirty="0" smtClean="0"/>
-              <a:t>Turing: </a:t>
-            </a:r>
-            <a:r>
-              <a:rPr lang="pt-BR" dirty="0" smtClean="0"/>
-              <a:t>GPT-4.5</a:t>
+              <a:t>Turing: GPT-4.5</a:t>
             </a:r>
             <a:endParaRPr lang="pt-BR" dirty="0"/>
           </a:p>
@@ -7186,7 +7437,7 @@
           <p:cNvPr id="2" name="Título 1">
             <a:extLst>
               <a:ext uri="{FF2B5EF4-FFF2-40B4-BE49-F238E27FC236}">
-                <a16:creationId xmlns="" xmlns:a16="http://schemas.microsoft.com/office/drawing/2014/main" id="{B9E502FC-4440-F5DA-F299-69CD15E702AE}"/>
+                <a16:creationId xmlns:a16="http://schemas.microsoft.com/office/drawing/2014/main" xmlns="" id="{B9E502FC-4440-F5DA-F299-69CD15E702AE}"/>
               </a:ext>
             </a:extLst>
           </p:cNvPr>
@@ -7223,7 +7474,7 @@
           <p:cNvPr id="3" name="Espaço Reservado para Conteúdo 2">
             <a:extLst>
               <a:ext uri="{FF2B5EF4-FFF2-40B4-BE49-F238E27FC236}">
-                <a16:creationId xmlns="" xmlns:a16="http://schemas.microsoft.com/office/drawing/2014/main" id="{69359096-6B47-BEA3-55AD-95F90CDC8489}"/>
+                <a16:creationId xmlns:a16="http://schemas.microsoft.com/office/drawing/2014/main" xmlns="" id="{69359096-6B47-BEA3-55AD-95F90CDC8489}"/>
               </a:ext>
             </a:extLst>
           </p:cNvPr>
@@ -7419,76 +7670,51 @@
           <a:chExt cx="0" cy="0"/>
         </a:xfrm>
       </p:grpSpPr>
-      <p:sp>
-        <p:nvSpPr>
-          <p:cNvPr id="2" name="Título 1">
+      <p:pic>
+        <p:nvPicPr>
+          <p:cNvPr id="4" name="Picture 2" descr="From Deep Learning to Deep Freeze: Is an AI Winter Coming?"/>
+          <p:cNvPicPr>
+            <a:picLocks noChangeAspect="1" noChangeArrowheads="1"/>
+          </p:cNvPicPr>
+          <p:nvPr/>
+        </p:nvPicPr>
+        <p:blipFill>
+          <a:blip r:embed="rId2">
             <a:extLst>
-              <a:ext uri="{FF2B5EF4-FFF2-40B4-BE49-F238E27FC236}">
-                <a16:creationId xmlns="" xmlns:a16="http://schemas.microsoft.com/office/drawing/2014/main" id="{B7EBC8F7-03EF-338A-A90B-280A41AF9688}"/>
+              <a:ext uri="{28A0092B-C50C-407E-A947-70E740481C1C}">
+                <a14:useLocalDpi xmlns:a14="http://schemas.microsoft.com/office/drawing/2010/main" val="0"/>
               </a:ext>
             </a:extLst>
-          </p:cNvPr>
-          <p:cNvSpPr>
-            <a:spLocks noGrp="1"/>
-          </p:cNvSpPr>
-          <p:nvPr>
-            <p:ph type="title"/>
-          </p:nvPr>
-        </p:nvSpPr>
-        <p:spPr/>
-        <p:txBody>
-          <a:bodyPr/>
-          <a:lstStyle/>
-          <a:p>
-            <a:r>
-              <a:rPr lang="pt-BR" dirty="0" smtClean="0"/>
-              <a:t>Os invernos da IA (anos 70-80)</a:t>
-            </a:r>
-            <a:endParaRPr lang="pt-BR" dirty="0"/>
-          </a:p>
-        </p:txBody>
-      </p:sp>
-      <p:sp>
-        <p:nvSpPr>
-          <p:cNvPr id="3" name="Espaço Reservado para Conteúdo 2">
-            <a:extLst>
-              <a:ext uri="{FF2B5EF4-FFF2-40B4-BE49-F238E27FC236}">
-                <a16:creationId xmlns="" xmlns:a16="http://schemas.microsoft.com/office/drawing/2014/main" id="{C525BCE7-C19D-7DDA-016A-E3016C398CBA}"/>
-              </a:ext>
-            </a:extLst>
-          </p:cNvPr>
-          <p:cNvSpPr>
-            <a:spLocks noGrp="1"/>
-          </p:cNvSpPr>
-          <p:nvPr>
-            <p:ph idx="1"/>
-          </p:nvPr>
-        </p:nvSpPr>
-        <p:spPr>
+          </a:blip>
+          <a:srcRect/>
+          <a:stretch>
+            <a:fillRect/>
+          </a:stretch>
+        </p:blipFill>
+        <p:spPr bwMode="auto">
           <a:xfrm>
-            <a:off x="5935286" y="1825625"/>
-            <a:ext cx="5418513" cy="4351338"/>
+            <a:off x="2417617" y="1423877"/>
+            <a:ext cx="7072019" cy="3979395"/>
           </a:xfrm>
+          <a:prstGeom prst="rect">
+            <a:avLst/>
+          </a:prstGeom>
+          <a:noFill/>
+          <a:extLst>
+            <a:ext uri="{909E8E84-426E-40DD-AFC4-6F175D3DCCD1}">
+              <a14:hiddenFill xmlns:a14="http://schemas.microsoft.com/office/drawing/2010/main">
+                <a:solidFill>
+                  <a:srgbClr val="FFFFFF"/>
+                </a:solidFill>
+              </a14:hiddenFill>
+            </a:ext>
+          </a:extLst>
         </p:spPr>
-        <p:txBody>
-          <a:bodyPr/>
-          <a:lstStyle/>
-          <a:p>
-            <a:r>
-              <a:rPr lang="pt-BR" dirty="0" smtClean="0"/>
-              <a:t>Houveram promessas </a:t>
-            </a:r>
-            <a:r>
-              <a:rPr lang="pt-BR" dirty="0"/>
-              <a:t>demais, resultados de menos</a:t>
-            </a:r>
-          </a:p>
-        </p:txBody>
-      </p:sp>
+      </p:pic>
     </p:spTree>
     <p:extLst>
       <p:ext uri="{BB962C8B-B14F-4D97-AF65-F5344CB8AC3E}">
-        <p14:creationId xmlns:p14="http://schemas.microsoft.com/office/powerpoint/2010/main" val="3601469261"/>
+        <p14:creationId xmlns:p14="http://schemas.microsoft.com/office/powerpoint/2010/main" val="3038197179"/>
       </p:ext>
     </p:extLst>
   </p:cSld>
@@ -7517,64 +7743,127 @@
       </p:grpSpPr>
       <p:sp>
         <p:nvSpPr>
-          <p:cNvPr id="4" name="Título 1">
+          <p:cNvPr id="2" name="Título 1">
             <a:extLst>
               <a:ext uri="{FF2B5EF4-FFF2-40B4-BE49-F238E27FC236}">
-                <a16:creationId xmlns="" xmlns:a16="http://schemas.microsoft.com/office/drawing/2014/main" id="{32666AC8-2E17-4DB4-B0F5-60C640CCFD2E}"/>
+                <a16:creationId xmlns:a16="http://schemas.microsoft.com/office/drawing/2014/main" xmlns="" id="{B7EBC8F7-03EF-338A-A90B-280A41AF9688}"/>
               </a:ext>
             </a:extLst>
           </p:cNvPr>
-          <p:cNvSpPr txBox="1">
-            <a:spLocks/>
+          <p:cNvSpPr>
+            <a:spLocks noGrp="1"/>
           </p:cNvSpPr>
-          <p:nvPr/>
+          <p:nvPr>
+            <p:ph type="title"/>
+          </p:nvPr>
+        </p:nvSpPr>
+        <p:spPr/>
+        <p:txBody>
+          <a:bodyPr/>
+          <a:lstStyle/>
+          <a:p>
+            <a:r>
+              <a:rPr lang="pt-BR" dirty="0" smtClean="0"/>
+              <a:t>Os invernos da IA (anos 70-80)</a:t>
+            </a:r>
+            <a:endParaRPr lang="pt-BR" dirty="0"/>
+          </a:p>
+        </p:txBody>
+      </p:sp>
+      <p:sp>
+        <p:nvSpPr>
+          <p:cNvPr id="3" name="Espaço Reservado para Conteúdo 2">
+            <a:extLst>
+              <a:ext uri="{FF2B5EF4-FFF2-40B4-BE49-F238E27FC236}">
+                <a16:creationId xmlns:a16="http://schemas.microsoft.com/office/drawing/2014/main" xmlns="" id="{C525BCE7-C19D-7DDA-016A-E3016C398CBA}"/>
+              </a:ext>
+            </a:extLst>
+          </p:cNvPr>
+          <p:cNvSpPr>
+            <a:spLocks noGrp="1"/>
+          </p:cNvSpPr>
+          <p:nvPr>
+            <p:ph idx="1"/>
+          </p:nvPr>
         </p:nvSpPr>
         <p:spPr>
           <a:xfrm>
-            <a:off x="1431533" y="2720526"/>
-            <a:ext cx="9144000" cy="1029541"/>
+            <a:off x="838201" y="1825624"/>
+            <a:ext cx="11165378" cy="5032375"/>
           </a:xfrm>
-          <a:prstGeom prst="rect">
-            <a:avLst/>
-          </a:prstGeom>
         </p:spPr>
         <p:txBody>
-          <a:bodyPr vert="horz" lIns="91440" tIns="45720" rIns="91440" bIns="45720" rtlCol="0" anchor="ctr">
+          <a:bodyPr>
             <a:normAutofit/>
           </a:bodyPr>
-          <a:lstStyle>
-            <a:lvl1pPr algn="l" defTabSz="914400" rtl="0" eaLnBrk="1" latinLnBrk="0" hangingPunct="1">
-              <a:lnSpc>
-                <a:spcPct val="90000"/>
-              </a:lnSpc>
-              <a:spcBef>
-                <a:spcPct val="0"/>
-              </a:spcBef>
-              <a:buNone/>
-              <a:defRPr sz="4400" kern="1200">
-                <a:solidFill>
-                  <a:schemeClr val="tx1"/>
-                </a:solidFill>
-                <a:latin typeface="+mj-lt"/>
-                <a:ea typeface="+mj-ea"/>
-                <a:cs typeface="+mj-cs"/>
-              </a:defRPr>
-            </a:lvl1pPr>
-          </a:lstStyle>
-          <a:p>
-            <a:pPr algn="ctr"/>
-            <a:r>
-              <a:rPr lang="pt-BR" sz="6600" dirty="0"/>
-              <a:t>Perguntas?</a:t>
-            </a:r>
-            <a:endParaRPr lang="pt-BR" sz="6600" b="1" i="1" dirty="0"/>
+          <a:lstStyle/>
+          <a:p>
+            <a:r>
+              <a:rPr lang="pt-BR" dirty="0"/>
+              <a:t>Após o entusiasmo </a:t>
+            </a:r>
+            <a:r>
+              <a:rPr lang="pt-BR" dirty="0" smtClean="0"/>
+              <a:t>inicial, </a:t>
+            </a:r>
+            <a:r>
+              <a:rPr lang="pt-BR" dirty="0"/>
+              <a:t>percebeu-se que os sistemas criados eram incapazes de lidar com problemas reais e complexos.</a:t>
+            </a:r>
+            <a:endParaRPr lang="pt-BR" dirty="0" smtClean="0"/>
+          </a:p>
+          <a:p>
+            <a:r>
+              <a:rPr lang="pt-BR" dirty="0"/>
+              <a:t>As expectativas estavam muito acima da capacidade computacional e teórica da época.</a:t>
+            </a:r>
+          </a:p>
+          <a:p>
+            <a:r>
+              <a:rPr lang="pt-BR" dirty="0" smtClean="0"/>
+              <a:t>Em 1973, o </a:t>
+            </a:r>
+            <a:r>
+              <a:rPr lang="pt-BR" dirty="0"/>
+              <a:t>relatório </a:t>
+            </a:r>
+            <a:r>
+              <a:rPr lang="pt-BR" i="1" dirty="0" err="1"/>
+              <a:t>Lighthill</a:t>
+            </a:r>
+            <a:r>
+              <a:rPr lang="pt-BR" dirty="0"/>
+              <a:t> </a:t>
+            </a:r>
+            <a:r>
+              <a:rPr lang="pt-BR" dirty="0" smtClean="0"/>
+              <a:t>concluiu </a:t>
+            </a:r>
+            <a:r>
+              <a:rPr lang="pt-BR" dirty="0"/>
+              <a:t>que a IA era "futilidade </a:t>
+            </a:r>
+            <a:r>
+              <a:rPr lang="pt-BR" dirty="0" smtClean="0"/>
+              <a:t>total“, resultando em cortes de financiamento nos EUA e Reino Unido.</a:t>
+            </a:r>
+          </a:p>
+          <a:p>
+            <a:r>
+              <a:rPr lang="pt-BR" dirty="0"/>
+              <a:t>A pesquisa em IA perdeu visibilidade e apoio, e muitos laboratórios foram desativados ou redirecionados</a:t>
+            </a:r>
+            <a:r>
+              <a:rPr lang="pt-BR" dirty="0" smtClean="0"/>
+              <a:t>.</a:t>
+            </a:r>
           </a:p>
         </p:txBody>
       </p:sp>
     </p:spTree>
     <p:extLst>
       <p:ext uri="{BB962C8B-B14F-4D97-AF65-F5344CB8AC3E}">
-        <p14:creationId xmlns:p14="http://schemas.microsoft.com/office/powerpoint/2010/main" val="3773005660"/>
+        <p14:creationId xmlns:p14="http://schemas.microsoft.com/office/powerpoint/2010/main" val="3601469261"/>
       </p:ext>
     </p:extLst>
   </p:cSld>
@@ -7606,7 +7895,7 @@
           <p:cNvPr id="2" name="Título 1">
             <a:extLst>
               <a:ext uri="{FF2B5EF4-FFF2-40B4-BE49-F238E27FC236}">
-                <a16:creationId xmlns="" xmlns:a16="http://schemas.microsoft.com/office/drawing/2014/main" id="{7F5FF925-67DE-CC62-E869-C6E3C1D771E6}"/>
+                <a16:creationId xmlns:a16="http://schemas.microsoft.com/office/drawing/2014/main" xmlns="" id="{7F5FF925-67DE-CC62-E869-C6E3C1D771E6}"/>
               </a:ext>
             </a:extLst>
           </p:cNvPr>
@@ -7635,7 +7924,7 @@
           <p:cNvPr id="3" name="Espaço Reservado para Conteúdo 2">
             <a:extLst>
               <a:ext uri="{FF2B5EF4-FFF2-40B4-BE49-F238E27FC236}">
-                <a16:creationId xmlns="" xmlns:a16="http://schemas.microsoft.com/office/drawing/2014/main" id="{7DA84068-671A-9D40-4F76-2C57E4F720C2}"/>
+                <a16:creationId xmlns:a16="http://schemas.microsoft.com/office/drawing/2014/main" xmlns="" id="{7DA84068-671A-9D40-4F76-2C57E4F720C2}"/>
               </a:ext>
             </a:extLst>
           </p:cNvPr>
@@ -7828,13 +8117,7 @@
       </p:grpSpPr>
       <p:sp>
         <p:nvSpPr>
-          <p:cNvPr id="2" name="Título 1">
-            <a:extLst>
-              <a:ext uri="{FF2B5EF4-FFF2-40B4-BE49-F238E27FC236}">
-                <a16:creationId xmlns="" xmlns:a16="http://schemas.microsoft.com/office/drawing/2014/main" id="{3CA32550-8C76-B013-2EC7-989D8C3B19BE}"/>
-              </a:ext>
-            </a:extLst>
-          </p:cNvPr>
+          <p:cNvPr id="2" name="Título 1"/>
           <p:cNvSpPr>
             <a:spLocks noGrp="1"/>
           </p:cNvSpPr>
@@ -7848,21 +8131,44 @@
           <a:lstStyle/>
           <a:p>
             <a:r>
-              <a:rPr lang="pt-BR" dirty="0"/>
-              <a:t>Referências</a:t>
-            </a:r>
+              <a:rPr lang="en-US" dirty="0" err="1" smtClean="0"/>
+              <a:t>AlexNet</a:t>
+            </a:r>
+            <a:r>
+              <a:rPr lang="en-US" dirty="0" smtClean="0"/>
+              <a:t>: O </a:t>
+            </a:r>
+            <a:r>
+              <a:rPr lang="en-US" i="1" dirty="0" smtClean="0"/>
+              <a:t>big bang </a:t>
+            </a:r>
+            <a:r>
+              <a:rPr lang="en-US" dirty="0"/>
+              <a:t>do </a:t>
+            </a:r>
+            <a:r>
+              <a:rPr lang="en-US" i="1" dirty="0" smtClean="0"/>
+              <a:t>deep </a:t>
+            </a:r>
+            <a:r>
+              <a:rPr lang="en-US" i="1" dirty="0"/>
+              <a:t>l</a:t>
+            </a:r>
+            <a:r>
+              <a:rPr lang="en-US" i="1" dirty="0" smtClean="0"/>
+              <a:t>earning </a:t>
+            </a:r>
+            <a:r>
+              <a:rPr lang="en-US" dirty="0" smtClean="0"/>
+              <a:t>(2012)</a:t>
+            </a:r>
+            <a:endParaRPr lang="pt-BR" dirty="0"/>
           </a:p>
         </p:txBody>
       </p:sp>
       <p:sp>
         <p:nvSpPr>
-          <p:cNvPr id="3" name="Espaço Reservado para Conteúdo 2">
-            <a:extLst>
-              <a:ext uri="{FF2B5EF4-FFF2-40B4-BE49-F238E27FC236}">
-                <a16:creationId xmlns="" xmlns:a16="http://schemas.microsoft.com/office/drawing/2014/main" id="{EF043237-7757-7557-B63E-D4EB5152D44B}"/>
-              </a:ext>
-            </a:extLst>
-          </p:cNvPr>
+          <p:cNvPr id="3" name="Espaço Reservado para Conteúdo 2"/>
           <p:cNvSpPr>
             <a:spLocks noGrp="1"/>
           </p:cNvSpPr>
@@ -7870,19 +8176,180 @@
             <p:ph idx="1"/>
           </p:nvPr>
         </p:nvSpPr>
-        <p:spPr/>
+        <p:spPr>
+          <a:xfrm>
+            <a:off x="838200" y="1825625"/>
+            <a:ext cx="11198629" cy="4351338"/>
+          </a:xfrm>
+        </p:spPr>
         <p:txBody>
-          <a:bodyPr/>
+          <a:bodyPr>
+            <a:normAutofit/>
+          </a:bodyPr>
           <a:lstStyle/>
           <a:p>
-            <a:endParaRPr lang="pt-BR"/>
+            <a:r>
+              <a:rPr lang="pt-BR" dirty="0"/>
+              <a:t>Em 2012, </a:t>
+            </a:r>
+            <a:r>
+              <a:rPr lang="pt-BR" dirty="0" smtClean="0"/>
+              <a:t>a rede neural profunda </a:t>
+            </a:r>
+            <a:r>
+              <a:rPr lang="pt-BR" dirty="0" err="1" smtClean="0"/>
+              <a:t>AlexNet</a:t>
+            </a:r>
+            <a:r>
+              <a:rPr lang="pt-BR" dirty="0"/>
+              <a:t> proposta </a:t>
+            </a:r>
+            <a:r>
+              <a:rPr lang="pt-BR" dirty="0" smtClean="0"/>
+              <a:t>pela equipe do Prof. Geoffrey </a:t>
+            </a:r>
+            <a:r>
+              <a:rPr lang="pt-BR" dirty="0" err="1"/>
+              <a:t>Hinton</a:t>
+            </a:r>
+            <a:r>
+              <a:rPr lang="pt-BR" dirty="0"/>
+              <a:t> (o "Pai do </a:t>
+            </a:r>
+            <a:r>
+              <a:rPr lang="pt-BR" dirty="0" err="1"/>
+              <a:t>Deep</a:t>
+            </a:r>
+            <a:r>
+              <a:rPr lang="pt-BR" dirty="0"/>
+              <a:t> Learning") venceu </a:t>
+            </a:r>
+            <a:r>
+              <a:rPr lang="pt-BR" dirty="0" smtClean="0"/>
+              <a:t>a competição </a:t>
+            </a:r>
+            <a:r>
+              <a:rPr lang="pt-BR" i="1" dirty="0" err="1"/>
+              <a:t>ImageNet</a:t>
+            </a:r>
+            <a:r>
+              <a:rPr lang="pt-BR" dirty="0"/>
+              <a:t> com uma margem </a:t>
+            </a:r>
+            <a:r>
+              <a:rPr lang="pt-BR" dirty="0" smtClean="0"/>
+              <a:t>significativa. </a:t>
+            </a:r>
+          </a:p>
+          <a:p>
+            <a:r>
+              <a:rPr lang="pt-BR" dirty="0"/>
+              <a:t>Inovações-chave: uso </a:t>
+            </a:r>
+            <a:r>
+              <a:rPr lang="pt-BR" dirty="0" smtClean="0"/>
+              <a:t>de </a:t>
+            </a:r>
+            <a:r>
+              <a:rPr lang="pt-BR" b="1" dirty="0" err="1"/>
+              <a:t>GPUs</a:t>
+            </a:r>
+            <a:r>
+              <a:rPr lang="pt-BR" dirty="0"/>
+              <a:t> para treino</a:t>
+            </a:r>
+            <a:r>
+              <a:rPr lang="pt-BR" dirty="0" smtClean="0"/>
+              <a:t>, rede neural </a:t>
+            </a:r>
+            <a:r>
+              <a:rPr lang="pt-BR" dirty="0" err="1" smtClean="0"/>
+              <a:t>convolucional</a:t>
+            </a:r>
+            <a:r>
+              <a:rPr lang="pt-BR" dirty="0" smtClean="0"/>
+              <a:t> profunda, </a:t>
+            </a:r>
+            <a:r>
+              <a:rPr lang="pt-BR" b="1" dirty="0" err="1" smtClean="0"/>
+              <a:t>ReLU</a:t>
+            </a:r>
+            <a:r>
+              <a:rPr lang="pt-BR" dirty="0" smtClean="0"/>
+              <a:t> </a:t>
+            </a:r>
+            <a:r>
+              <a:rPr lang="pt-BR" dirty="0"/>
+              <a:t>como função de ativação, </a:t>
+            </a:r>
+            <a:r>
+              <a:rPr lang="pt-BR" b="1" i="1" dirty="0" err="1"/>
+              <a:t>dropout</a:t>
+            </a:r>
+            <a:r>
+              <a:rPr lang="pt-BR" dirty="0"/>
+              <a:t> para regularização e </a:t>
+            </a:r>
+            <a:r>
+              <a:rPr lang="pt-BR" b="1" i="1" dirty="0"/>
+              <a:t>data </a:t>
+            </a:r>
+            <a:r>
+              <a:rPr lang="pt-BR" b="1" i="1" dirty="0" err="1"/>
+              <a:t>augmentation</a:t>
+            </a:r>
+            <a:r>
+              <a:rPr lang="pt-BR" dirty="0"/>
+              <a:t> para aumentar o conjunto de treino.</a:t>
+            </a:r>
           </a:p>
         </p:txBody>
       </p:sp>
+      <p:pic>
+        <p:nvPicPr>
+          <p:cNvPr id="2050" name="Picture 2" descr="AlexNet architecture. Includes 5 convolutional layers and 3... | Download  Scientific Diagram"/>
+          <p:cNvPicPr>
+            <a:picLocks noChangeAspect="1" noChangeArrowheads="1"/>
+          </p:cNvPicPr>
+          <p:nvPr/>
+        </p:nvPicPr>
+        <p:blipFill>
+          <a:blip r:embed="rId3">
+            <a:extLst>
+              <a:ext uri="{28A0092B-C50C-407E-A947-70E740481C1C}">
+                <a14:useLocalDpi xmlns:a14="http://schemas.microsoft.com/office/drawing/2010/main" val="0"/>
+              </a:ext>
+            </a:extLst>
+          </a:blip>
+          <a:srcRect/>
+          <a:stretch>
+            <a:fillRect/>
+          </a:stretch>
+        </p:blipFill>
+        <p:spPr bwMode="auto">
+          <a:xfrm>
+            <a:off x="3757353" y="4675488"/>
+            <a:ext cx="4502754" cy="2182512"/>
+          </a:xfrm>
+          <a:prstGeom prst="rect">
+            <a:avLst/>
+          </a:prstGeom>
+          <a:noFill/>
+          <a:extLst>
+            <a:ext uri="{909E8E84-426E-40DD-AFC4-6F175D3DCCD1}">
+              <a14:hiddenFill xmlns:a14="http://schemas.microsoft.com/office/drawing/2010/main">
+                <a:solidFill>
+                  <a:srgbClr val="FFFFFF"/>
+                </a:solidFill>
+              </a14:hiddenFill>
+            </a:ext>
+          </a:extLst>
+        </p:spPr>
+      </p:pic>
     </p:spTree>
     <p:extLst>
       <p:ext uri="{BB962C8B-B14F-4D97-AF65-F5344CB8AC3E}">
-        <p14:creationId xmlns:p14="http://schemas.microsoft.com/office/powerpoint/2010/main" val="1787264919"/>
+        <p14:creationId xmlns:p14="http://schemas.microsoft.com/office/powerpoint/2010/main" val="2086827611"/>
       </p:ext>
     </p:extLst>
   </p:cSld>
@@ -7914,7 +8381,7 @@
           <p:cNvPr id="4" name="Título 1">
             <a:extLst>
               <a:ext uri="{FF2B5EF4-FFF2-40B4-BE49-F238E27FC236}">
-                <a16:creationId xmlns="" xmlns:a16="http://schemas.microsoft.com/office/drawing/2014/main" id="{32666AC8-2E17-4DB4-B0F5-60C640CCFD2E}"/>
+                <a16:creationId xmlns:a16="http://schemas.microsoft.com/office/drawing/2014/main" xmlns="" id="{32666AC8-2E17-4DB4-B0F5-60C640CCFD2E}"/>
               </a:ext>
             </a:extLst>
           </p:cNvPr>
@@ -7959,6 +8426,175 @@
             <a:pPr algn="ctr"/>
             <a:r>
               <a:rPr lang="pt-BR" sz="6600" dirty="0"/>
+              <a:t>Perguntas?</a:t>
+            </a:r>
+            <a:endParaRPr lang="pt-BR" sz="6600" b="1" i="1" dirty="0"/>
+          </a:p>
+        </p:txBody>
+      </p:sp>
+    </p:spTree>
+    <p:extLst>
+      <p:ext uri="{BB962C8B-B14F-4D97-AF65-F5344CB8AC3E}">
+        <p14:creationId xmlns:p14="http://schemas.microsoft.com/office/powerpoint/2010/main" val="3773005660"/>
+      </p:ext>
+    </p:extLst>
+  </p:cSld>
+  <p:clrMapOvr>
+    <a:masterClrMapping/>
+  </p:clrMapOvr>
+</p:sld>
+</file>
+
+<file path=ppt/slides/slide22.xml><?xml version="1.0" encoding="utf-8"?>
+<p:sld xmlns:a="http://schemas.openxmlformats.org/drawingml/2006/main" xmlns:r="http://schemas.openxmlformats.org/officeDocument/2006/relationships" xmlns:p="http://schemas.openxmlformats.org/presentationml/2006/main">
+  <p:cSld>
+    <p:spTree>
+      <p:nvGrpSpPr>
+        <p:cNvPr id="1" name=""/>
+        <p:cNvGrpSpPr/>
+        <p:nvPr/>
+      </p:nvGrpSpPr>
+      <p:grpSpPr>
+        <a:xfrm>
+          <a:off x="0" y="0"/>
+          <a:ext cx="0" cy="0"/>
+          <a:chOff x="0" y="0"/>
+          <a:chExt cx="0" cy="0"/>
+        </a:xfrm>
+      </p:grpSpPr>
+      <p:sp>
+        <p:nvSpPr>
+          <p:cNvPr id="2" name="Título 1">
+            <a:extLst>
+              <a:ext uri="{FF2B5EF4-FFF2-40B4-BE49-F238E27FC236}">
+                <a16:creationId xmlns:a16="http://schemas.microsoft.com/office/drawing/2014/main" xmlns="" id="{3CA32550-8C76-B013-2EC7-989D8C3B19BE}"/>
+              </a:ext>
+            </a:extLst>
+          </p:cNvPr>
+          <p:cNvSpPr>
+            <a:spLocks noGrp="1"/>
+          </p:cNvSpPr>
+          <p:nvPr>
+            <p:ph type="title"/>
+          </p:nvPr>
+        </p:nvSpPr>
+        <p:spPr/>
+        <p:txBody>
+          <a:bodyPr/>
+          <a:lstStyle/>
+          <a:p>
+            <a:r>
+              <a:rPr lang="pt-BR" dirty="0"/>
+              <a:t>Referências</a:t>
+            </a:r>
+          </a:p>
+        </p:txBody>
+      </p:sp>
+      <p:sp>
+        <p:nvSpPr>
+          <p:cNvPr id="3" name="Espaço Reservado para Conteúdo 2">
+            <a:extLst>
+              <a:ext uri="{FF2B5EF4-FFF2-40B4-BE49-F238E27FC236}">
+                <a16:creationId xmlns:a16="http://schemas.microsoft.com/office/drawing/2014/main" xmlns="" id="{EF043237-7757-7557-B63E-D4EB5152D44B}"/>
+              </a:ext>
+            </a:extLst>
+          </p:cNvPr>
+          <p:cNvSpPr>
+            <a:spLocks noGrp="1"/>
+          </p:cNvSpPr>
+          <p:nvPr>
+            <p:ph idx="1"/>
+          </p:nvPr>
+        </p:nvSpPr>
+        <p:spPr/>
+        <p:txBody>
+          <a:bodyPr/>
+          <a:lstStyle/>
+          <a:p>
+            <a:endParaRPr lang="pt-BR"/>
+          </a:p>
+        </p:txBody>
+      </p:sp>
+    </p:spTree>
+    <p:extLst>
+      <p:ext uri="{BB962C8B-B14F-4D97-AF65-F5344CB8AC3E}">
+        <p14:creationId xmlns:p14="http://schemas.microsoft.com/office/powerpoint/2010/main" val="1787264919"/>
+      </p:ext>
+    </p:extLst>
+  </p:cSld>
+  <p:clrMapOvr>
+    <a:masterClrMapping/>
+  </p:clrMapOvr>
+</p:sld>
+</file>
+
+<file path=ppt/slides/slide23.xml><?xml version="1.0" encoding="utf-8"?>
+<p:sld xmlns:a="http://schemas.openxmlformats.org/drawingml/2006/main" xmlns:r="http://schemas.openxmlformats.org/officeDocument/2006/relationships" xmlns:p="http://schemas.openxmlformats.org/presentationml/2006/main">
+  <p:cSld>
+    <p:spTree>
+      <p:nvGrpSpPr>
+        <p:cNvPr id="1" name=""/>
+        <p:cNvGrpSpPr/>
+        <p:nvPr/>
+      </p:nvGrpSpPr>
+      <p:grpSpPr>
+        <a:xfrm>
+          <a:off x="0" y="0"/>
+          <a:ext cx="0" cy="0"/>
+          <a:chOff x="0" y="0"/>
+          <a:chExt cx="0" cy="0"/>
+        </a:xfrm>
+      </p:grpSpPr>
+      <p:sp>
+        <p:nvSpPr>
+          <p:cNvPr id="4" name="Título 1">
+            <a:extLst>
+              <a:ext uri="{FF2B5EF4-FFF2-40B4-BE49-F238E27FC236}">
+                <a16:creationId xmlns:a16="http://schemas.microsoft.com/office/drawing/2014/main" xmlns="" id="{32666AC8-2E17-4DB4-B0F5-60C640CCFD2E}"/>
+              </a:ext>
+            </a:extLst>
+          </p:cNvPr>
+          <p:cNvSpPr txBox="1">
+            <a:spLocks/>
+          </p:cNvSpPr>
+          <p:nvPr/>
+        </p:nvSpPr>
+        <p:spPr>
+          <a:xfrm>
+            <a:off x="1431533" y="2720526"/>
+            <a:ext cx="9144000" cy="1029541"/>
+          </a:xfrm>
+          <a:prstGeom prst="rect">
+            <a:avLst/>
+          </a:prstGeom>
+        </p:spPr>
+        <p:txBody>
+          <a:bodyPr vert="horz" lIns="91440" tIns="45720" rIns="91440" bIns="45720" rtlCol="0" anchor="ctr">
+            <a:normAutofit/>
+          </a:bodyPr>
+          <a:lstStyle>
+            <a:lvl1pPr algn="l" defTabSz="914400" rtl="0" eaLnBrk="1" latinLnBrk="0" hangingPunct="1">
+              <a:lnSpc>
+                <a:spcPct val="90000"/>
+              </a:lnSpc>
+              <a:spcBef>
+                <a:spcPct val="0"/>
+              </a:spcBef>
+              <a:buNone/>
+              <a:defRPr sz="4400" kern="1200">
+                <a:solidFill>
+                  <a:schemeClr val="tx1"/>
+                </a:solidFill>
+                <a:latin typeface="+mj-lt"/>
+                <a:ea typeface="+mj-ea"/>
+                <a:cs typeface="+mj-cs"/>
+              </a:defRPr>
+            </a:lvl1pPr>
+          </a:lstStyle>
+          <a:p>
+            <a:pPr algn="ctr"/>
+            <a:r>
+              <a:rPr lang="pt-BR" sz="6600" dirty="0"/>
               <a:t>Obrigado!</a:t>
             </a:r>
             <a:endParaRPr lang="pt-BR" sz="6600" b="1" i="1" dirty="0"/>
@@ -8000,7 +8636,7 @@
           <p:cNvPr id="2" name="Título 1">
             <a:extLst>
               <a:ext uri="{FF2B5EF4-FFF2-40B4-BE49-F238E27FC236}">
-                <a16:creationId xmlns="" xmlns:a16="http://schemas.microsoft.com/office/drawing/2014/main" id="{7F5FF925-67DE-CC62-E869-C6E3C1D771E6}"/>
+                <a16:creationId xmlns:a16="http://schemas.microsoft.com/office/drawing/2014/main" xmlns="" id="{7F5FF925-67DE-CC62-E869-C6E3C1D771E6}"/>
               </a:ext>
             </a:extLst>
           </p:cNvPr>
@@ -12792,7 +13428,7 @@
           <p:cNvPr id="2" name="Título 1">
             <a:extLst>
               <a:ext uri="{FF2B5EF4-FFF2-40B4-BE49-F238E27FC236}">
-                <a16:creationId xmlns="" xmlns:a16="http://schemas.microsoft.com/office/drawing/2014/main" id="{7F5FF925-67DE-CC62-E869-C6E3C1D771E6}"/>
+                <a16:creationId xmlns:a16="http://schemas.microsoft.com/office/drawing/2014/main" xmlns="" id="{7F5FF925-67DE-CC62-E869-C6E3C1D771E6}"/>
               </a:ext>
             </a:extLst>
           </p:cNvPr>
@@ -12823,7 +13459,7 @@
               <p:cNvPr id="3" name="Espaço Reservado para Conteúdo 2">
                 <a:extLst>
                   <a:ext uri="{FF2B5EF4-FFF2-40B4-BE49-F238E27FC236}">
-                    <a16:creationId xmlns="" xmlns:a16="http://schemas.microsoft.com/office/drawing/2014/main" id="{7DA84068-671A-9D40-4F76-2C57E4F720C2}"/>
+                    <a16:creationId xmlns:a16="http://schemas.microsoft.com/office/drawing/2014/main" xmlns="" id="{7DA84068-671A-9D40-4F76-2C57E4F720C2}"/>
                   </a:ext>
                 </a:extLst>
               </p:cNvPr>
@@ -13327,7 +13963,7 @@
           <p:cNvPr id="2" name="Título 1">
             <a:extLst>
               <a:ext uri="{FF2B5EF4-FFF2-40B4-BE49-F238E27FC236}">
-                <a16:creationId xmlns="" xmlns:a16="http://schemas.microsoft.com/office/drawing/2014/main" id="{94AB8438-E56E-2412-517C-8456E4CA773C}"/>
+                <a16:creationId xmlns:a16="http://schemas.microsoft.com/office/drawing/2014/main" xmlns="" id="{94AB8438-E56E-2412-517C-8456E4CA773C}"/>
               </a:ext>
             </a:extLst>
           </p:cNvPr>
@@ -13356,7 +13992,7 @@
           <p:cNvPr id="3" name="Espaço Reservado para Conteúdo 2">
             <a:extLst>
               <a:ext uri="{FF2B5EF4-FFF2-40B4-BE49-F238E27FC236}">
-                <a16:creationId xmlns="" xmlns:a16="http://schemas.microsoft.com/office/drawing/2014/main" id="{F7E2B09C-6D56-4C9F-A364-B904CCE2F1A0}"/>
+                <a16:creationId xmlns:a16="http://schemas.microsoft.com/office/drawing/2014/main" xmlns="" id="{F7E2B09C-6D56-4C9F-A364-B904CCE2F1A0}"/>
               </a:ext>
             </a:extLst>
           </p:cNvPr>
@@ -13525,7 +14161,7 @@
           <p:cNvPr id="2" name="Título 1">
             <a:extLst>
               <a:ext uri="{FF2B5EF4-FFF2-40B4-BE49-F238E27FC236}">
-                <a16:creationId xmlns="" xmlns:a16="http://schemas.microsoft.com/office/drawing/2014/main" id="{083FFF02-0FC8-9F0B-AAB0-565FC99EA70D}"/>
+                <a16:creationId xmlns:a16="http://schemas.microsoft.com/office/drawing/2014/main" xmlns="" id="{083FFF02-0FC8-9F0B-AAB0-565FC99EA70D}"/>
               </a:ext>
             </a:extLst>
           </p:cNvPr>
@@ -13554,7 +14190,7 @@
           <p:cNvPr id="3" name="Espaço Reservado para Conteúdo 2">
             <a:extLst>
               <a:ext uri="{FF2B5EF4-FFF2-40B4-BE49-F238E27FC236}">
-                <a16:creationId xmlns="" xmlns:a16="http://schemas.microsoft.com/office/drawing/2014/main" id="{8C5488AE-34B4-EF1D-F674-507FF2FCD122}"/>
+                <a16:creationId xmlns:a16="http://schemas.microsoft.com/office/drawing/2014/main" xmlns="" id="{8C5488AE-34B4-EF1D-F674-507FF2FCD122}"/>
               </a:ext>
             </a:extLst>
           </p:cNvPr>
@@ -13810,7 +14446,7 @@
         <p:cNvPr id="1" name="">
           <a:extLst>
             <a:ext uri="{FF2B5EF4-FFF2-40B4-BE49-F238E27FC236}">
-              <a16:creationId xmlns="" xmlns:a16="http://schemas.microsoft.com/office/drawing/2014/main" id="{E1C9F56A-97FC-7CCD-E5BA-3B5E230AD9AB}"/>
+              <a16:creationId xmlns:a16="http://schemas.microsoft.com/office/drawing/2014/main" xmlns="" id="{E1C9F56A-97FC-7CCD-E5BA-3B5E230AD9AB}"/>
             </a:ext>
           </a:extLst>
         </p:cNvPr>
@@ -13830,7 +14466,7 @@
           <p:cNvPr id="2" name="Título 1">
             <a:extLst>
               <a:ext uri="{FF2B5EF4-FFF2-40B4-BE49-F238E27FC236}">
-                <a16:creationId xmlns="" xmlns:a16="http://schemas.microsoft.com/office/drawing/2014/main" id="{A979DAB9-0612-F0CD-7BB1-AF52B98B3210}"/>
+                <a16:creationId xmlns:a16="http://schemas.microsoft.com/office/drawing/2014/main" xmlns="" id="{A979DAB9-0612-F0CD-7BB1-AF52B98B3210}"/>
               </a:ext>
             </a:extLst>
           </p:cNvPr>
@@ -13945,7 +14581,7 @@
           <p:cNvPr id="7" name="Espaço Reservado para Conteúdo 2">
             <a:extLst>
               <a:ext uri="{FF2B5EF4-FFF2-40B4-BE49-F238E27FC236}">
-                <a16:creationId xmlns="" xmlns:a16="http://schemas.microsoft.com/office/drawing/2014/main" id="{62A55622-8E11-E5D7-8EAF-7AE2CCAA3321}"/>
+                <a16:creationId xmlns:a16="http://schemas.microsoft.com/office/drawing/2014/main" xmlns="" id="{62A55622-8E11-E5D7-8EAF-7AE2CCAA3321}"/>
               </a:ext>
             </a:extLst>
           </p:cNvPr>
